--- a/Rapport/Moteur de recommandations de films.pptx
+++ b/Rapport/Moteur de recommandations de films.pptx
@@ -667,267 +667,78 @@
       </p:grpSpPr>
       <p:sp>
         <p:nvSpPr>
-          <p:cNvPr id="14338" name="Espace réservé de l'image des diapositives 1">
-            <a:extLst>
-              <a:ext uri="{FF2B5EF4-FFF2-40B4-BE49-F238E27FC236}">
-                <a16:creationId xmlns:a16="http://schemas.microsoft.com/office/drawing/2014/main" id="{BA52C493-889E-45DB-AAF0-CA5153F562FB}"/>
-              </a:ext>
-            </a:extLst>
-          </p:cNvPr>
-          <p:cNvSpPr>
-            <a:spLocks noGrp="1" noRot="1" noChangeAspect="1" noChangeArrowheads="1" noTextEdit="1"/>
+          <p:cNvPr id="2" name="Espace réservé de l'image des diapositives 1"/>
+          <p:cNvSpPr>
+            <a:spLocks noGrp="1" noRot="1" noChangeAspect="1"/>
           </p:cNvSpPr>
           <p:nvPr>
             <p:ph type="sldImg"/>
           </p:nvPr>
         </p:nvSpPr>
-        <p:spPr bwMode="auto">
-          <a:noFill/>
-          <a:ln>
-            <a:solidFill>
-              <a:srgbClr val="000000"/>
-            </a:solidFill>
-            <a:miter lim="800000"/>
-            <a:headEnd/>
-            <a:tailEnd/>
-          </a:ln>
-          <a:extLst>
-            <a:ext uri="{909E8E84-426E-40DD-AFC4-6F175D3DCCD1}">
-              <a14:hiddenFill xmlns:a14="http://schemas.microsoft.com/office/drawing/2010/main">
-                <a:solidFill>
-                  <a:srgbClr val="FFFFFF"/>
-                </a:solidFill>
-              </a14:hiddenFill>
-            </a:ext>
-          </a:extLst>
-        </p:spPr>
-      </p:sp>
-      <p:sp>
-        <p:nvSpPr>
-          <p:cNvPr id="14339" name="Espace réservé des notes 2">
-            <a:extLst>
-              <a:ext uri="{FF2B5EF4-FFF2-40B4-BE49-F238E27FC236}">
-                <a16:creationId xmlns:a16="http://schemas.microsoft.com/office/drawing/2014/main" id="{88BCBEEF-840C-4E35-8F65-1E2D31A27E18}"/>
-              </a:ext>
-            </a:extLst>
-          </p:cNvPr>
-          <p:cNvSpPr>
-            <a:spLocks noGrp="1" noChangeArrowheads="1"/>
+        <p:spPr/>
+      </p:sp>
+      <p:sp>
+        <p:nvSpPr>
+          <p:cNvPr id="3" name="Espace réservé des notes 2"/>
+          <p:cNvSpPr>
+            <a:spLocks noGrp="1"/>
           </p:cNvSpPr>
           <p:nvPr>
             <p:ph type="body" idx="1"/>
           </p:nvPr>
         </p:nvSpPr>
-        <p:spPr bwMode="auto">
-          <a:noFill/>
-          <a:extLst>
-            <a:ext uri="{909E8E84-426E-40DD-AFC4-6F175D3DCCD1}">
-              <a14:hiddenFill xmlns:a14="http://schemas.microsoft.com/office/drawing/2010/main">
-                <a:solidFill>
-                  <a:srgbClr val="FFFFFF"/>
-                </a:solidFill>
-              </a14:hiddenFill>
-            </a:ext>
-            <a:ext uri="{91240B29-F687-4F45-9708-019B960494DF}">
-              <a14:hiddenLine xmlns:a14="http://schemas.microsoft.com/office/drawing/2010/main" w="9525">
-                <a:solidFill>
-                  <a:srgbClr val="000000"/>
-                </a:solidFill>
-                <a:miter lim="800000"/>
-                <a:headEnd/>
-                <a:tailEnd/>
-              </a14:hiddenLine>
-            </a:ext>
-          </a:extLst>
-        </p:spPr>
-        <p:txBody>
-          <a:bodyPr wrap="square" numCol="1" anchor="t" anchorCtr="0" compatLnSpc="1">
-            <a:prstTxWarp prst="textNoShape">
-              <a:avLst/>
-            </a:prstTxWarp>
-          </a:bodyPr>
+        <p:spPr/>
+        <p:txBody>
+          <a:bodyPr/>
           <a:lstStyle/>
           <a:p>
+            <a:r>
+              <a:rPr lang="fr-FR" dirty="0"/>
+              <a:t>Doublon : </a:t>
+            </a:r>
+            <a:r>
+              <a:rPr lang="fr-FR" dirty="0" err="1"/>
+              <a:t>dekalog</a:t>
+            </a:r>
+            <a:endParaRPr lang="fr-FR" dirty="0"/>
+          </a:p>
+        </p:txBody>
+      </p:sp>
+      <p:sp>
+        <p:nvSpPr>
+          <p:cNvPr id="4" name="Espace réservé du numéro de diapositive 3"/>
+          <p:cNvSpPr>
+            <a:spLocks noGrp="1"/>
+          </p:cNvSpPr>
+          <p:nvPr>
+            <p:ph type="sldNum" sz="quarter" idx="10"/>
+          </p:nvPr>
+        </p:nvSpPr>
+        <p:spPr/>
+        <p:txBody>
+          <a:bodyPr/>
+          <a:lstStyle/>
+          <a:p>
             <a:pPr>
-              <a:spcBef>
-                <a:spcPct val="0"/>
-              </a:spcBef>
+              <a:defRPr/>
             </a:pPr>
-            <a:r>
-              <a:rPr lang="fr-FR" altLang="fr-FR"/>
-              <a:t>3 groupes homogènes</a:t>
-            </a:r>
-          </a:p>
-        </p:txBody>
-      </p:sp>
-      <p:sp>
-        <p:nvSpPr>
-          <p:cNvPr id="14340" name="Espace réservé du numéro de diapositive 3">
-            <a:extLst>
-              <a:ext uri="{FF2B5EF4-FFF2-40B4-BE49-F238E27FC236}">
-                <a16:creationId xmlns:a16="http://schemas.microsoft.com/office/drawing/2014/main" id="{26D63B45-F8B4-4B3A-A116-EDD858FCA2CD}"/>
-              </a:ext>
-            </a:extLst>
-          </p:cNvPr>
-          <p:cNvSpPr>
-            <a:spLocks noGrp="1" noChangeArrowheads="1"/>
-          </p:cNvSpPr>
-          <p:nvPr>
-            <p:ph type="sldNum" sz="quarter" idx="5"/>
-          </p:nvPr>
-        </p:nvSpPr>
-        <p:spPr bwMode="auto">
-          <a:noFill/>
-          <a:extLst>
-            <a:ext uri="{909E8E84-426E-40DD-AFC4-6F175D3DCCD1}">
-              <a14:hiddenFill xmlns:a14="http://schemas.microsoft.com/office/drawing/2010/main">
-                <a:solidFill>
-                  <a:srgbClr val="FFFFFF"/>
-                </a:solidFill>
-              </a14:hiddenFill>
-            </a:ext>
-            <a:ext uri="{91240B29-F687-4F45-9708-019B960494DF}">
-              <a14:hiddenLine xmlns:a14="http://schemas.microsoft.com/office/drawing/2010/main" w="9525">
-                <a:solidFill>
-                  <a:srgbClr val="000000"/>
-                </a:solidFill>
-                <a:miter lim="800000"/>
-                <a:headEnd/>
-                <a:tailEnd/>
-              </a14:hiddenLine>
-            </a:ext>
-          </a:extLst>
-        </p:spPr>
-        <p:txBody>
-          <a:bodyPr wrap="square" numCol="1" anchorCtr="0" compatLnSpc="1">
-            <a:prstTxWarp prst="textNoShape">
-              <a:avLst/>
-            </a:prstTxWarp>
-          </a:bodyPr>
-          <a:lstStyle>
-            <a:lvl1pPr>
-              <a:defRPr>
-                <a:solidFill>
-                  <a:schemeClr val="tx1"/>
-                </a:solidFill>
-                <a:latin typeface="Calibri" panose="020F0502020204030204" pitchFamily="34" charset="0"/>
-              </a:defRPr>
-            </a:lvl1pPr>
-            <a:lvl2pPr marL="742950" indent="-285750">
-              <a:defRPr>
-                <a:solidFill>
-                  <a:schemeClr val="tx1"/>
-                </a:solidFill>
-                <a:latin typeface="Calibri" panose="020F0502020204030204" pitchFamily="34" charset="0"/>
-              </a:defRPr>
-            </a:lvl2pPr>
-            <a:lvl3pPr marL="1143000" indent="-228600">
-              <a:defRPr>
-                <a:solidFill>
-                  <a:schemeClr val="tx1"/>
-                </a:solidFill>
-                <a:latin typeface="Calibri" panose="020F0502020204030204" pitchFamily="34" charset="0"/>
-              </a:defRPr>
-            </a:lvl3pPr>
-            <a:lvl4pPr marL="1600200" indent="-228600">
-              <a:defRPr>
-                <a:solidFill>
-                  <a:schemeClr val="tx1"/>
-                </a:solidFill>
-                <a:latin typeface="Calibri" panose="020F0502020204030204" pitchFamily="34" charset="0"/>
-              </a:defRPr>
-            </a:lvl4pPr>
-            <a:lvl5pPr marL="2057400" indent="-228600">
-              <a:defRPr>
-                <a:solidFill>
-                  <a:schemeClr val="tx1"/>
-                </a:solidFill>
-                <a:latin typeface="Calibri" panose="020F0502020204030204" pitchFamily="34" charset="0"/>
-              </a:defRPr>
-            </a:lvl5pPr>
-            <a:lvl6pPr marL="2514600" indent="-228600" fontAlgn="base">
-              <a:spcBef>
-                <a:spcPct val="0"/>
-              </a:spcBef>
-              <a:spcAft>
-                <a:spcPct val="0"/>
-              </a:spcAft>
-              <a:defRPr>
-                <a:solidFill>
-                  <a:schemeClr val="tx1"/>
-                </a:solidFill>
-                <a:latin typeface="Calibri" panose="020F0502020204030204" pitchFamily="34" charset="0"/>
-              </a:defRPr>
-            </a:lvl6pPr>
-            <a:lvl7pPr marL="2971800" indent="-228600" fontAlgn="base">
-              <a:spcBef>
-                <a:spcPct val="0"/>
-              </a:spcBef>
-              <a:spcAft>
-                <a:spcPct val="0"/>
-              </a:spcAft>
-              <a:defRPr>
-                <a:solidFill>
-                  <a:schemeClr val="tx1"/>
-                </a:solidFill>
-                <a:latin typeface="Calibri" panose="020F0502020204030204" pitchFamily="34" charset="0"/>
-              </a:defRPr>
-            </a:lvl7pPr>
-            <a:lvl8pPr marL="3429000" indent="-228600" fontAlgn="base">
-              <a:spcBef>
-                <a:spcPct val="0"/>
-              </a:spcBef>
-              <a:spcAft>
-                <a:spcPct val="0"/>
-              </a:spcAft>
-              <a:defRPr>
-                <a:solidFill>
-                  <a:schemeClr val="tx1"/>
-                </a:solidFill>
-                <a:latin typeface="Calibri" panose="020F0502020204030204" pitchFamily="34" charset="0"/>
-              </a:defRPr>
-            </a:lvl8pPr>
-            <a:lvl9pPr marL="3886200" indent="-228600" fontAlgn="base">
-              <a:spcBef>
-                <a:spcPct val="0"/>
-              </a:spcBef>
-              <a:spcAft>
-                <a:spcPct val="0"/>
-              </a:spcAft>
-              <a:defRPr>
-                <a:solidFill>
-                  <a:schemeClr val="tx1"/>
-                </a:solidFill>
-                <a:latin typeface="Calibri" panose="020F0502020204030204" pitchFamily="34" charset="0"/>
-              </a:defRPr>
-            </a:lvl9pPr>
-          </a:lstStyle>
-          <a:p>
-            <a:pPr fontAlgn="base">
-              <a:spcBef>
-                <a:spcPct val="0"/>
-              </a:spcBef>
-              <a:spcAft>
-                <a:spcPct val="0"/>
-              </a:spcAft>
-            </a:pPr>
-            <a:fld id="{5D72102B-722F-46E5-AAFA-6ECBAD2129EF}" type="slidenum">
-              <a:rPr lang="fr-FR" altLang="fr-FR"/>
-              <a:pPr fontAlgn="base">
-                <a:spcBef>
-                  <a:spcPct val="0"/>
-                </a:spcBef>
-                <a:spcAft>
-                  <a:spcPct val="0"/>
-                </a:spcAft>
+            <a:fld id="{CC32C800-F1EC-4563-A4CB-7BFB6B498BC5}" type="slidenum">
+              <a:rPr lang="fr-FR" smtClean="0"/>
+              <a:pPr>
+                <a:defRPr/>
               </a:pPr>
-              <a:t>11</a:t>
+              <a:t>7</a:t>
             </a:fld>
-            <a:endParaRPr lang="fr-FR" altLang="fr-FR"/>
+            <a:endParaRPr lang="fr-FR"/>
           </a:p>
         </p:txBody>
       </p:sp>
     </p:spTree>
+    <p:extLst>
+      <p:ext uri="{BB962C8B-B14F-4D97-AF65-F5344CB8AC3E}">
+        <p14:creationId xmlns:p14="http://schemas.microsoft.com/office/powerpoint/2010/main" val="660940245"/>
+      </p:ext>
+    </p:extLst>
   </p:cSld>
   <p:clrMapOvr>
     <a:masterClrMapping/>
@@ -954,267 +765,87 @@
       </p:grpSpPr>
       <p:sp>
         <p:nvSpPr>
-          <p:cNvPr id="16386" name="Espace réservé de l'image des diapositives 1">
-            <a:extLst>
-              <a:ext uri="{FF2B5EF4-FFF2-40B4-BE49-F238E27FC236}">
-                <a16:creationId xmlns:a16="http://schemas.microsoft.com/office/drawing/2014/main" id="{2345DD6C-5EDA-4931-A6EF-A96EFE9F4229}"/>
-              </a:ext>
-            </a:extLst>
-          </p:cNvPr>
-          <p:cNvSpPr>
-            <a:spLocks noGrp="1" noRot="1" noChangeAspect="1" noChangeArrowheads="1" noTextEdit="1"/>
+          <p:cNvPr id="2" name="Espace réservé de l'image des diapositives 1"/>
+          <p:cNvSpPr>
+            <a:spLocks noGrp="1" noRot="1" noChangeAspect="1"/>
           </p:cNvSpPr>
           <p:nvPr>
             <p:ph type="sldImg"/>
           </p:nvPr>
         </p:nvSpPr>
-        <p:spPr bwMode="auto">
-          <a:noFill/>
-          <a:ln>
-            <a:solidFill>
-              <a:srgbClr val="000000"/>
-            </a:solidFill>
-            <a:miter lim="800000"/>
-            <a:headEnd/>
-            <a:tailEnd/>
-          </a:ln>
-          <a:extLst>
-            <a:ext uri="{909E8E84-426E-40DD-AFC4-6F175D3DCCD1}">
-              <a14:hiddenFill xmlns:a14="http://schemas.microsoft.com/office/drawing/2010/main">
-                <a:solidFill>
-                  <a:srgbClr val="FFFFFF"/>
-                </a:solidFill>
-              </a14:hiddenFill>
-            </a:ext>
-          </a:extLst>
-        </p:spPr>
-      </p:sp>
-      <p:sp>
-        <p:nvSpPr>
-          <p:cNvPr id="16387" name="Espace réservé des notes 2">
-            <a:extLst>
-              <a:ext uri="{FF2B5EF4-FFF2-40B4-BE49-F238E27FC236}">
-                <a16:creationId xmlns:a16="http://schemas.microsoft.com/office/drawing/2014/main" id="{10A377D1-3378-486F-BC86-A77661B202E9}"/>
-              </a:ext>
-            </a:extLst>
-          </p:cNvPr>
-          <p:cNvSpPr>
-            <a:spLocks noGrp="1" noChangeArrowheads="1"/>
+        <p:spPr/>
+      </p:sp>
+      <p:sp>
+        <p:nvSpPr>
+          <p:cNvPr id="3" name="Espace réservé des notes 2"/>
+          <p:cNvSpPr>
+            <a:spLocks noGrp="1"/>
           </p:cNvSpPr>
           <p:nvPr>
             <p:ph type="body" idx="1"/>
           </p:nvPr>
         </p:nvSpPr>
-        <p:spPr bwMode="auto">
-          <a:noFill/>
-          <a:extLst>
-            <a:ext uri="{909E8E84-426E-40DD-AFC4-6F175D3DCCD1}">
-              <a14:hiddenFill xmlns:a14="http://schemas.microsoft.com/office/drawing/2010/main">
-                <a:solidFill>
-                  <a:srgbClr val="FFFFFF"/>
-                </a:solidFill>
-              </a14:hiddenFill>
-            </a:ext>
-            <a:ext uri="{91240B29-F687-4F45-9708-019B960494DF}">
-              <a14:hiddenLine xmlns:a14="http://schemas.microsoft.com/office/drawing/2010/main" w="9525">
-                <a:solidFill>
-                  <a:srgbClr val="000000"/>
-                </a:solidFill>
-                <a:miter lim="800000"/>
-                <a:headEnd/>
-                <a:tailEnd/>
-              </a14:hiddenLine>
-            </a:ext>
-          </a:extLst>
-        </p:spPr>
-        <p:txBody>
-          <a:bodyPr wrap="square" numCol="1" anchor="t" anchorCtr="0" compatLnSpc="1">
-            <a:prstTxWarp prst="textNoShape">
-              <a:avLst/>
-            </a:prstTxWarp>
-          </a:bodyPr>
+        <p:spPr/>
+        <p:txBody>
+          <a:bodyPr/>
           <a:lstStyle/>
           <a:p>
+            <a:r>
+              <a:rPr lang="fr-FR" dirty="0"/>
+              <a:t>Meilleure corrélation entre total like et </a:t>
+            </a:r>
+            <a:r>
+              <a:rPr lang="fr-FR" dirty="0" err="1"/>
+              <a:t>actor</a:t>
+            </a:r>
+            <a:r>
+              <a:rPr lang="fr-FR" dirty="0"/>
+              <a:t> 1 like</a:t>
+            </a:r>
+          </a:p>
+          <a:p>
+            <a:r>
+              <a:rPr lang="fr-FR" dirty="0"/>
+              <a:t>Le score semble un peu corrélé avec nb critiques et nb de votant mais pas de tendance forte, ce qui semble normal</a:t>
+            </a:r>
+          </a:p>
+        </p:txBody>
+      </p:sp>
+      <p:sp>
+        <p:nvSpPr>
+          <p:cNvPr id="4" name="Espace réservé du numéro de diapositive 3"/>
+          <p:cNvSpPr>
+            <a:spLocks noGrp="1"/>
+          </p:cNvSpPr>
+          <p:nvPr>
+            <p:ph type="sldNum" sz="quarter" idx="10"/>
+          </p:nvPr>
+        </p:nvSpPr>
+        <p:spPr/>
+        <p:txBody>
+          <a:bodyPr/>
+          <a:lstStyle/>
+          <a:p>
             <a:pPr>
-              <a:spcBef>
-                <a:spcPct val="0"/>
-              </a:spcBef>
+              <a:defRPr/>
             </a:pPr>
-            <a:r>
-              <a:rPr lang="fr-FR" altLang="fr-FR"/>
-              <a:t>Genre : c’est le plus important pour ne pas passer d’un dessin animé à un film d’horreur par ex</a:t>
-            </a:r>
-          </a:p>
-        </p:txBody>
-      </p:sp>
-      <p:sp>
-        <p:nvSpPr>
-          <p:cNvPr id="16388" name="Espace réservé du numéro de diapositive 3">
-            <a:extLst>
-              <a:ext uri="{FF2B5EF4-FFF2-40B4-BE49-F238E27FC236}">
-                <a16:creationId xmlns:a16="http://schemas.microsoft.com/office/drawing/2014/main" id="{B29AA347-89D0-4CF7-B044-3278EBC625BC}"/>
-              </a:ext>
-            </a:extLst>
-          </p:cNvPr>
-          <p:cNvSpPr>
-            <a:spLocks noGrp="1" noChangeArrowheads="1"/>
-          </p:cNvSpPr>
-          <p:nvPr>
-            <p:ph type="sldNum" sz="quarter" idx="5"/>
-          </p:nvPr>
-        </p:nvSpPr>
-        <p:spPr bwMode="auto">
-          <a:noFill/>
-          <a:extLst>
-            <a:ext uri="{909E8E84-426E-40DD-AFC4-6F175D3DCCD1}">
-              <a14:hiddenFill xmlns:a14="http://schemas.microsoft.com/office/drawing/2010/main">
-                <a:solidFill>
-                  <a:srgbClr val="FFFFFF"/>
-                </a:solidFill>
-              </a14:hiddenFill>
-            </a:ext>
-            <a:ext uri="{91240B29-F687-4F45-9708-019B960494DF}">
-              <a14:hiddenLine xmlns:a14="http://schemas.microsoft.com/office/drawing/2010/main" w="9525">
-                <a:solidFill>
-                  <a:srgbClr val="000000"/>
-                </a:solidFill>
-                <a:miter lim="800000"/>
-                <a:headEnd/>
-                <a:tailEnd/>
-              </a14:hiddenLine>
-            </a:ext>
-          </a:extLst>
-        </p:spPr>
-        <p:txBody>
-          <a:bodyPr wrap="square" numCol="1" anchorCtr="0" compatLnSpc="1">
-            <a:prstTxWarp prst="textNoShape">
-              <a:avLst/>
-            </a:prstTxWarp>
-          </a:bodyPr>
-          <a:lstStyle>
-            <a:lvl1pPr>
-              <a:defRPr>
-                <a:solidFill>
-                  <a:schemeClr val="tx1"/>
-                </a:solidFill>
-                <a:latin typeface="Calibri" panose="020F0502020204030204" pitchFamily="34" charset="0"/>
-              </a:defRPr>
-            </a:lvl1pPr>
-            <a:lvl2pPr marL="742950" indent="-285750">
-              <a:defRPr>
-                <a:solidFill>
-                  <a:schemeClr val="tx1"/>
-                </a:solidFill>
-                <a:latin typeface="Calibri" panose="020F0502020204030204" pitchFamily="34" charset="0"/>
-              </a:defRPr>
-            </a:lvl2pPr>
-            <a:lvl3pPr marL="1143000" indent="-228600">
-              <a:defRPr>
-                <a:solidFill>
-                  <a:schemeClr val="tx1"/>
-                </a:solidFill>
-                <a:latin typeface="Calibri" panose="020F0502020204030204" pitchFamily="34" charset="0"/>
-              </a:defRPr>
-            </a:lvl3pPr>
-            <a:lvl4pPr marL="1600200" indent="-228600">
-              <a:defRPr>
-                <a:solidFill>
-                  <a:schemeClr val="tx1"/>
-                </a:solidFill>
-                <a:latin typeface="Calibri" panose="020F0502020204030204" pitchFamily="34" charset="0"/>
-              </a:defRPr>
-            </a:lvl4pPr>
-            <a:lvl5pPr marL="2057400" indent="-228600">
-              <a:defRPr>
-                <a:solidFill>
-                  <a:schemeClr val="tx1"/>
-                </a:solidFill>
-                <a:latin typeface="Calibri" panose="020F0502020204030204" pitchFamily="34" charset="0"/>
-              </a:defRPr>
-            </a:lvl5pPr>
-            <a:lvl6pPr marL="2514600" indent="-228600" fontAlgn="base">
-              <a:spcBef>
-                <a:spcPct val="0"/>
-              </a:spcBef>
-              <a:spcAft>
-                <a:spcPct val="0"/>
-              </a:spcAft>
-              <a:defRPr>
-                <a:solidFill>
-                  <a:schemeClr val="tx1"/>
-                </a:solidFill>
-                <a:latin typeface="Calibri" panose="020F0502020204030204" pitchFamily="34" charset="0"/>
-              </a:defRPr>
-            </a:lvl6pPr>
-            <a:lvl7pPr marL="2971800" indent="-228600" fontAlgn="base">
-              <a:spcBef>
-                <a:spcPct val="0"/>
-              </a:spcBef>
-              <a:spcAft>
-                <a:spcPct val="0"/>
-              </a:spcAft>
-              <a:defRPr>
-                <a:solidFill>
-                  <a:schemeClr val="tx1"/>
-                </a:solidFill>
-                <a:latin typeface="Calibri" panose="020F0502020204030204" pitchFamily="34" charset="0"/>
-              </a:defRPr>
-            </a:lvl7pPr>
-            <a:lvl8pPr marL="3429000" indent="-228600" fontAlgn="base">
-              <a:spcBef>
-                <a:spcPct val="0"/>
-              </a:spcBef>
-              <a:spcAft>
-                <a:spcPct val="0"/>
-              </a:spcAft>
-              <a:defRPr>
-                <a:solidFill>
-                  <a:schemeClr val="tx1"/>
-                </a:solidFill>
-                <a:latin typeface="Calibri" panose="020F0502020204030204" pitchFamily="34" charset="0"/>
-              </a:defRPr>
-            </a:lvl8pPr>
-            <a:lvl9pPr marL="3886200" indent="-228600" fontAlgn="base">
-              <a:spcBef>
-                <a:spcPct val="0"/>
-              </a:spcBef>
-              <a:spcAft>
-                <a:spcPct val="0"/>
-              </a:spcAft>
-              <a:defRPr>
-                <a:solidFill>
-                  <a:schemeClr val="tx1"/>
-                </a:solidFill>
-                <a:latin typeface="Calibri" panose="020F0502020204030204" pitchFamily="34" charset="0"/>
-              </a:defRPr>
-            </a:lvl9pPr>
-          </a:lstStyle>
-          <a:p>
-            <a:pPr fontAlgn="base">
-              <a:spcBef>
-                <a:spcPct val="0"/>
-              </a:spcBef>
-              <a:spcAft>
-                <a:spcPct val="0"/>
-              </a:spcAft>
-            </a:pPr>
-            <a:fld id="{A9A15043-B105-4DE9-8826-0F5DFE0C300D}" type="slidenum">
-              <a:rPr lang="fr-FR" altLang="fr-FR"/>
-              <a:pPr fontAlgn="base">
-                <a:spcBef>
-                  <a:spcPct val="0"/>
-                </a:spcBef>
-                <a:spcAft>
-                  <a:spcPct val="0"/>
-                </a:spcAft>
+            <a:fld id="{CC32C800-F1EC-4563-A4CB-7BFB6B498BC5}" type="slidenum">
+              <a:rPr lang="fr-FR" smtClean="0"/>
+              <a:pPr>
+                <a:defRPr/>
               </a:pPr>
-              <a:t>12</a:t>
+              <a:t>9</a:t>
             </a:fld>
-            <a:endParaRPr lang="fr-FR" altLang="fr-FR"/>
+            <a:endParaRPr lang="fr-FR"/>
           </a:p>
         </p:txBody>
       </p:sp>
     </p:spTree>
+    <p:extLst>
+      <p:ext uri="{BB962C8B-B14F-4D97-AF65-F5344CB8AC3E}">
+        <p14:creationId xmlns:p14="http://schemas.microsoft.com/office/powerpoint/2010/main" val="4203670404"/>
+      </p:ext>
+    </p:extLst>
   </p:cSld>
   <p:clrMapOvr>
     <a:masterClrMapping/>
@@ -1241,10 +872,10 @@
       </p:grpSpPr>
       <p:sp>
         <p:nvSpPr>
-          <p:cNvPr id="20482" name="Espace réservé de l'image des diapositives 1">
-            <a:extLst>
-              <a:ext uri="{FF2B5EF4-FFF2-40B4-BE49-F238E27FC236}">
-                <a16:creationId xmlns:a16="http://schemas.microsoft.com/office/drawing/2014/main" id="{7A6A9DBA-02DF-49A9-8C63-618D9C9703D4}"/>
+          <p:cNvPr id="14338" name="Espace réservé de l'image des diapositives 1">
+            <a:extLst>
+              <a:ext uri="{FF2B5EF4-FFF2-40B4-BE49-F238E27FC236}">
+                <a16:creationId xmlns:a16="http://schemas.microsoft.com/office/drawing/2014/main" id="{BA52C493-889E-45DB-AAF0-CA5153F562FB}"/>
               </a:ext>
             </a:extLst>
           </p:cNvPr>
@@ -1278,10 +909,10 @@
       </p:sp>
       <p:sp>
         <p:nvSpPr>
-          <p:cNvPr id="20483" name="Espace réservé des notes 2">
-            <a:extLst>
-              <a:ext uri="{FF2B5EF4-FFF2-40B4-BE49-F238E27FC236}">
-                <a16:creationId xmlns:a16="http://schemas.microsoft.com/office/drawing/2014/main" id="{A38DA539-9104-43AC-A6ED-355E9296F962}"/>
+          <p:cNvPr id="14339" name="Espace réservé des notes 2">
+            <a:extLst>
+              <a:ext uri="{FF2B5EF4-FFF2-40B4-BE49-F238E27FC236}">
+                <a16:creationId xmlns:a16="http://schemas.microsoft.com/office/drawing/2014/main" id="{88BCBEEF-840C-4E35-8F65-1E2D31A27E18}"/>
               </a:ext>
             </a:extLst>
           </p:cNvPr>
@@ -1329,17 +960,17 @@
             </a:pPr>
             <a:r>
               <a:rPr lang="fr-FR" altLang="fr-FR"/>
-              <a:t>Les 2 directions ppales expliquent de moins en moins la variance</a:t>
-            </a:r>
-          </a:p>
-        </p:txBody>
-      </p:sp>
-      <p:sp>
-        <p:nvSpPr>
-          <p:cNvPr id="20484" name="Espace réservé du numéro de diapositive 3">
-            <a:extLst>
-              <a:ext uri="{FF2B5EF4-FFF2-40B4-BE49-F238E27FC236}">
-                <a16:creationId xmlns:a16="http://schemas.microsoft.com/office/drawing/2014/main" id="{1E220833-D121-4FB5-8883-C70D7CF029A3}"/>
+              <a:t>3 groupes homogènes</a:t>
+            </a:r>
+          </a:p>
+        </p:txBody>
+      </p:sp>
+      <p:sp>
+        <p:nvSpPr>
+          <p:cNvPr id="14340" name="Espace réservé du numéro de diapositive 3">
+            <a:extLst>
+              <a:ext uri="{FF2B5EF4-FFF2-40B4-BE49-F238E27FC236}">
+                <a16:creationId xmlns:a16="http://schemas.microsoft.com/office/drawing/2014/main" id="{26D63B45-F8B4-4B3A-A116-EDD858FCA2CD}"/>
               </a:ext>
             </a:extLst>
           </p:cNvPr>
@@ -1485,7 +1116,7 @@
                 <a:spcPct val="0"/>
               </a:spcAft>
             </a:pPr>
-            <a:fld id="{713CF9BE-41D9-403D-8A7D-77D8C5154065}" type="slidenum">
+            <a:fld id="{5D72102B-722F-46E5-AAFA-6ECBAD2129EF}" type="slidenum">
               <a:rPr lang="fr-FR" altLang="fr-FR"/>
               <a:pPr fontAlgn="base">
                 <a:spcBef>
@@ -1495,7 +1126,7 @@
                   <a:spcPct val="0"/>
                 </a:spcAft>
               </a:pPr>
-              <a:t>13</a:t>
+              <a:t>11</a:t>
             </a:fld>
             <a:endParaRPr lang="fr-FR" altLang="fr-FR"/>
           </a:p>
@@ -1528,10 +1159,10 @@
       </p:grpSpPr>
       <p:sp>
         <p:nvSpPr>
-          <p:cNvPr id="24578" name="Espace réservé de l'image des diapositives 1">
-            <a:extLst>
-              <a:ext uri="{FF2B5EF4-FFF2-40B4-BE49-F238E27FC236}">
-                <a16:creationId xmlns:a16="http://schemas.microsoft.com/office/drawing/2014/main" id="{B3FBB861-F563-4800-A866-7FFB5F0B8D0A}"/>
+          <p:cNvPr id="16386" name="Espace réservé de l'image des diapositives 1">
+            <a:extLst>
+              <a:ext uri="{FF2B5EF4-FFF2-40B4-BE49-F238E27FC236}">
+                <a16:creationId xmlns:a16="http://schemas.microsoft.com/office/drawing/2014/main" id="{2345DD6C-5EDA-4931-A6EF-A96EFE9F4229}"/>
               </a:ext>
             </a:extLst>
           </p:cNvPr>
@@ -1565,10 +1196,10 @@
       </p:sp>
       <p:sp>
         <p:nvSpPr>
-          <p:cNvPr id="24579" name="Espace réservé des notes 2">
-            <a:extLst>
-              <a:ext uri="{FF2B5EF4-FFF2-40B4-BE49-F238E27FC236}">
-                <a16:creationId xmlns:a16="http://schemas.microsoft.com/office/drawing/2014/main" id="{398ACF0A-8039-4D14-838B-E00EBE85CCB0}"/>
+          <p:cNvPr id="16387" name="Espace réservé des notes 2">
+            <a:extLst>
+              <a:ext uri="{FF2B5EF4-FFF2-40B4-BE49-F238E27FC236}">
+                <a16:creationId xmlns:a16="http://schemas.microsoft.com/office/drawing/2014/main" id="{10A377D1-3378-486F-BC86-A77661B202E9}"/>
               </a:ext>
             </a:extLst>
           </p:cNvPr>
@@ -1616,17 +1247,17 @@
             </a:pPr>
             <a:r>
               <a:rPr lang="fr-FR" altLang="fr-FR"/>
-              <a:t>Pas de variable catégorielle : c’est ce qui explique le mieux la variance</a:t>
-            </a:r>
-          </a:p>
-        </p:txBody>
-      </p:sp>
-      <p:sp>
-        <p:nvSpPr>
-          <p:cNvPr id="24580" name="Espace réservé du numéro de diapositive 3">
-            <a:extLst>
-              <a:ext uri="{FF2B5EF4-FFF2-40B4-BE49-F238E27FC236}">
-                <a16:creationId xmlns:a16="http://schemas.microsoft.com/office/drawing/2014/main" id="{D7CBCEA1-C136-44A4-A8F1-0DBFF45C80F7}"/>
+              <a:t>Genre : c’est le plus important pour ne pas passer d’un dessin animé à un film d’horreur par ex</a:t>
+            </a:r>
+          </a:p>
+        </p:txBody>
+      </p:sp>
+      <p:sp>
+        <p:nvSpPr>
+          <p:cNvPr id="16388" name="Espace réservé du numéro de diapositive 3">
+            <a:extLst>
+              <a:ext uri="{FF2B5EF4-FFF2-40B4-BE49-F238E27FC236}">
+                <a16:creationId xmlns:a16="http://schemas.microsoft.com/office/drawing/2014/main" id="{B29AA347-89D0-4CF7-B044-3278EBC625BC}"/>
               </a:ext>
             </a:extLst>
           </p:cNvPr>
@@ -1772,7 +1403,7 @@
                 <a:spcPct val="0"/>
               </a:spcAft>
             </a:pPr>
-            <a:fld id="{FCCAF054-DC6F-41E0-B167-E9431BA5FF75}" type="slidenum">
+            <a:fld id="{A9A15043-B105-4DE9-8826-0F5DFE0C300D}" type="slidenum">
               <a:rPr lang="fr-FR" altLang="fr-FR"/>
               <a:pPr fontAlgn="base">
                 <a:spcBef>
@@ -1782,7 +1413,7 @@
                   <a:spcPct val="0"/>
                 </a:spcAft>
               </a:pPr>
-              <a:t>16</a:t>
+              <a:t>12</a:t>
             </a:fld>
             <a:endParaRPr lang="fr-FR" altLang="fr-FR"/>
           </a:p>
@@ -1815,10 +1446,10 @@
       </p:grpSpPr>
       <p:sp>
         <p:nvSpPr>
-          <p:cNvPr id="30722" name="Espace réservé de l'image des diapositives 1">
-            <a:extLst>
-              <a:ext uri="{FF2B5EF4-FFF2-40B4-BE49-F238E27FC236}">
-                <a16:creationId xmlns:a16="http://schemas.microsoft.com/office/drawing/2014/main" id="{FD2408B1-5AB2-4593-8D1A-FD64F7E5EF56}"/>
+          <p:cNvPr id="20482" name="Espace réservé de l'image des diapositives 1">
+            <a:extLst>
+              <a:ext uri="{FF2B5EF4-FFF2-40B4-BE49-F238E27FC236}">
+                <a16:creationId xmlns:a16="http://schemas.microsoft.com/office/drawing/2014/main" id="{7A6A9DBA-02DF-49A9-8C63-618D9C9703D4}"/>
               </a:ext>
             </a:extLst>
           </p:cNvPr>
@@ -1852,10 +1483,10 @@
       </p:sp>
       <p:sp>
         <p:nvSpPr>
-          <p:cNvPr id="30723" name="Espace réservé des notes 2">
-            <a:extLst>
-              <a:ext uri="{FF2B5EF4-FFF2-40B4-BE49-F238E27FC236}">
-                <a16:creationId xmlns:a16="http://schemas.microsoft.com/office/drawing/2014/main" id="{12ECAC57-7E0D-4A84-A332-79C0DC55F3E1}"/>
+          <p:cNvPr id="20483" name="Espace réservé des notes 2">
+            <a:extLst>
+              <a:ext uri="{FF2B5EF4-FFF2-40B4-BE49-F238E27FC236}">
+                <a16:creationId xmlns:a16="http://schemas.microsoft.com/office/drawing/2014/main" id="{A38DA539-9104-43AC-A6ED-355E9296F962}"/>
               </a:ext>
             </a:extLst>
           </p:cNvPr>
@@ -1903,17 +1534,17 @@
             </a:pPr>
             <a:r>
               <a:rPr lang="fr-FR" altLang="fr-FR"/>
-              <a:t>single, complete, average, weighted, centroid, median</a:t>
-            </a:r>
-          </a:p>
-        </p:txBody>
-      </p:sp>
-      <p:sp>
-        <p:nvSpPr>
-          <p:cNvPr id="30724" name="Espace réservé du numéro de diapositive 3">
-            <a:extLst>
-              <a:ext uri="{FF2B5EF4-FFF2-40B4-BE49-F238E27FC236}">
-                <a16:creationId xmlns:a16="http://schemas.microsoft.com/office/drawing/2014/main" id="{26E17676-F4B7-4002-80BA-2936DEF0EFFA}"/>
+              <a:t>Les 2 directions ppales expliquent de moins en moins la variance</a:t>
+            </a:r>
+          </a:p>
+        </p:txBody>
+      </p:sp>
+      <p:sp>
+        <p:nvSpPr>
+          <p:cNvPr id="20484" name="Espace réservé du numéro de diapositive 3">
+            <a:extLst>
+              <a:ext uri="{FF2B5EF4-FFF2-40B4-BE49-F238E27FC236}">
+                <a16:creationId xmlns:a16="http://schemas.microsoft.com/office/drawing/2014/main" id="{1E220833-D121-4FB5-8883-C70D7CF029A3}"/>
               </a:ext>
             </a:extLst>
           </p:cNvPr>
@@ -2059,7 +1690,7 @@
                 <a:spcPct val="0"/>
               </a:spcAft>
             </a:pPr>
-            <a:fld id="{6690AEBB-A830-4DED-9A64-9252EA96448D}" type="slidenum">
+            <a:fld id="{713CF9BE-41D9-403D-8A7D-77D8C5154065}" type="slidenum">
               <a:rPr lang="fr-FR" altLang="fr-FR"/>
               <a:pPr fontAlgn="base">
                 <a:spcBef>
@@ -2069,7 +1700,7 @@
                   <a:spcPct val="0"/>
                 </a:spcAft>
               </a:pPr>
-              <a:t>21</a:t>
+              <a:t>13</a:t>
             </a:fld>
             <a:endParaRPr lang="fr-FR" altLang="fr-FR"/>
           </a:p>
@@ -2102,6 +1733,580 @@
       </p:grpSpPr>
       <p:sp>
         <p:nvSpPr>
+          <p:cNvPr id="24578" name="Espace réservé de l'image des diapositives 1">
+            <a:extLst>
+              <a:ext uri="{FF2B5EF4-FFF2-40B4-BE49-F238E27FC236}">
+                <a16:creationId xmlns:a16="http://schemas.microsoft.com/office/drawing/2014/main" id="{B3FBB861-F563-4800-A866-7FFB5F0B8D0A}"/>
+              </a:ext>
+            </a:extLst>
+          </p:cNvPr>
+          <p:cNvSpPr>
+            <a:spLocks noGrp="1" noRot="1" noChangeAspect="1" noChangeArrowheads="1" noTextEdit="1"/>
+          </p:cNvSpPr>
+          <p:nvPr>
+            <p:ph type="sldImg"/>
+          </p:nvPr>
+        </p:nvSpPr>
+        <p:spPr bwMode="auto">
+          <a:noFill/>
+          <a:ln>
+            <a:solidFill>
+              <a:srgbClr val="000000"/>
+            </a:solidFill>
+            <a:miter lim="800000"/>
+            <a:headEnd/>
+            <a:tailEnd/>
+          </a:ln>
+          <a:extLst>
+            <a:ext uri="{909E8E84-426E-40DD-AFC4-6F175D3DCCD1}">
+              <a14:hiddenFill xmlns:a14="http://schemas.microsoft.com/office/drawing/2010/main">
+                <a:solidFill>
+                  <a:srgbClr val="FFFFFF"/>
+                </a:solidFill>
+              </a14:hiddenFill>
+            </a:ext>
+          </a:extLst>
+        </p:spPr>
+      </p:sp>
+      <p:sp>
+        <p:nvSpPr>
+          <p:cNvPr id="24579" name="Espace réservé des notes 2">
+            <a:extLst>
+              <a:ext uri="{FF2B5EF4-FFF2-40B4-BE49-F238E27FC236}">
+                <a16:creationId xmlns:a16="http://schemas.microsoft.com/office/drawing/2014/main" id="{398ACF0A-8039-4D14-838B-E00EBE85CCB0}"/>
+              </a:ext>
+            </a:extLst>
+          </p:cNvPr>
+          <p:cNvSpPr>
+            <a:spLocks noGrp="1" noChangeArrowheads="1"/>
+          </p:cNvSpPr>
+          <p:nvPr>
+            <p:ph type="body" idx="1"/>
+          </p:nvPr>
+        </p:nvSpPr>
+        <p:spPr bwMode="auto">
+          <a:noFill/>
+          <a:extLst>
+            <a:ext uri="{909E8E84-426E-40DD-AFC4-6F175D3DCCD1}">
+              <a14:hiddenFill xmlns:a14="http://schemas.microsoft.com/office/drawing/2010/main">
+                <a:solidFill>
+                  <a:srgbClr val="FFFFFF"/>
+                </a:solidFill>
+              </a14:hiddenFill>
+            </a:ext>
+            <a:ext uri="{91240B29-F687-4F45-9708-019B960494DF}">
+              <a14:hiddenLine xmlns:a14="http://schemas.microsoft.com/office/drawing/2010/main" w="9525">
+                <a:solidFill>
+                  <a:srgbClr val="000000"/>
+                </a:solidFill>
+                <a:miter lim="800000"/>
+                <a:headEnd/>
+                <a:tailEnd/>
+              </a14:hiddenLine>
+            </a:ext>
+          </a:extLst>
+        </p:spPr>
+        <p:txBody>
+          <a:bodyPr wrap="square" numCol="1" anchor="t" anchorCtr="0" compatLnSpc="1">
+            <a:prstTxWarp prst="textNoShape">
+              <a:avLst/>
+            </a:prstTxWarp>
+          </a:bodyPr>
+          <a:lstStyle/>
+          <a:p>
+            <a:pPr>
+              <a:spcBef>
+                <a:spcPct val="0"/>
+              </a:spcBef>
+            </a:pPr>
+            <a:r>
+              <a:rPr lang="fr-FR" altLang="fr-FR"/>
+              <a:t>Pas de variable catégorielle : c’est ce qui explique le mieux la variance</a:t>
+            </a:r>
+          </a:p>
+        </p:txBody>
+      </p:sp>
+      <p:sp>
+        <p:nvSpPr>
+          <p:cNvPr id="24580" name="Espace réservé du numéro de diapositive 3">
+            <a:extLst>
+              <a:ext uri="{FF2B5EF4-FFF2-40B4-BE49-F238E27FC236}">
+                <a16:creationId xmlns:a16="http://schemas.microsoft.com/office/drawing/2014/main" id="{D7CBCEA1-C136-44A4-A8F1-0DBFF45C80F7}"/>
+              </a:ext>
+            </a:extLst>
+          </p:cNvPr>
+          <p:cNvSpPr>
+            <a:spLocks noGrp="1" noChangeArrowheads="1"/>
+          </p:cNvSpPr>
+          <p:nvPr>
+            <p:ph type="sldNum" sz="quarter" idx="5"/>
+          </p:nvPr>
+        </p:nvSpPr>
+        <p:spPr bwMode="auto">
+          <a:noFill/>
+          <a:extLst>
+            <a:ext uri="{909E8E84-426E-40DD-AFC4-6F175D3DCCD1}">
+              <a14:hiddenFill xmlns:a14="http://schemas.microsoft.com/office/drawing/2010/main">
+                <a:solidFill>
+                  <a:srgbClr val="FFFFFF"/>
+                </a:solidFill>
+              </a14:hiddenFill>
+            </a:ext>
+            <a:ext uri="{91240B29-F687-4F45-9708-019B960494DF}">
+              <a14:hiddenLine xmlns:a14="http://schemas.microsoft.com/office/drawing/2010/main" w="9525">
+                <a:solidFill>
+                  <a:srgbClr val="000000"/>
+                </a:solidFill>
+                <a:miter lim="800000"/>
+                <a:headEnd/>
+                <a:tailEnd/>
+              </a14:hiddenLine>
+            </a:ext>
+          </a:extLst>
+        </p:spPr>
+        <p:txBody>
+          <a:bodyPr wrap="square" numCol="1" anchorCtr="0" compatLnSpc="1">
+            <a:prstTxWarp prst="textNoShape">
+              <a:avLst/>
+            </a:prstTxWarp>
+          </a:bodyPr>
+          <a:lstStyle>
+            <a:lvl1pPr>
+              <a:defRPr>
+                <a:solidFill>
+                  <a:schemeClr val="tx1"/>
+                </a:solidFill>
+                <a:latin typeface="Calibri" panose="020F0502020204030204" pitchFamily="34" charset="0"/>
+              </a:defRPr>
+            </a:lvl1pPr>
+            <a:lvl2pPr marL="742950" indent="-285750">
+              <a:defRPr>
+                <a:solidFill>
+                  <a:schemeClr val="tx1"/>
+                </a:solidFill>
+                <a:latin typeface="Calibri" panose="020F0502020204030204" pitchFamily="34" charset="0"/>
+              </a:defRPr>
+            </a:lvl2pPr>
+            <a:lvl3pPr marL="1143000" indent="-228600">
+              <a:defRPr>
+                <a:solidFill>
+                  <a:schemeClr val="tx1"/>
+                </a:solidFill>
+                <a:latin typeface="Calibri" panose="020F0502020204030204" pitchFamily="34" charset="0"/>
+              </a:defRPr>
+            </a:lvl3pPr>
+            <a:lvl4pPr marL="1600200" indent="-228600">
+              <a:defRPr>
+                <a:solidFill>
+                  <a:schemeClr val="tx1"/>
+                </a:solidFill>
+                <a:latin typeface="Calibri" panose="020F0502020204030204" pitchFamily="34" charset="0"/>
+              </a:defRPr>
+            </a:lvl4pPr>
+            <a:lvl5pPr marL="2057400" indent="-228600">
+              <a:defRPr>
+                <a:solidFill>
+                  <a:schemeClr val="tx1"/>
+                </a:solidFill>
+                <a:latin typeface="Calibri" panose="020F0502020204030204" pitchFamily="34" charset="0"/>
+              </a:defRPr>
+            </a:lvl5pPr>
+            <a:lvl6pPr marL="2514600" indent="-228600" fontAlgn="base">
+              <a:spcBef>
+                <a:spcPct val="0"/>
+              </a:spcBef>
+              <a:spcAft>
+                <a:spcPct val="0"/>
+              </a:spcAft>
+              <a:defRPr>
+                <a:solidFill>
+                  <a:schemeClr val="tx1"/>
+                </a:solidFill>
+                <a:latin typeface="Calibri" panose="020F0502020204030204" pitchFamily="34" charset="0"/>
+              </a:defRPr>
+            </a:lvl6pPr>
+            <a:lvl7pPr marL="2971800" indent="-228600" fontAlgn="base">
+              <a:spcBef>
+                <a:spcPct val="0"/>
+              </a:spcBef>
+              <a:spcAft>
+                <a:spcPct val="0"/>
+              </a:spcAft>
+              <a:defRPr>
+                <a:solidFill>
+                  <a:schemeClr val="tx1"/>
+                </a:solidFill>
+                <a:latin typeface="Calibri" panose="020F0502020204030204" pitchFamily="34" charset="0"/>
+              </a:defRPr>
+            </a:lvl7pPr>
+            <a:lvl8pPr marL="3429000" indent="-228600" fontAlgn="base">
+              <a:spcBef>
+                <a:spcPct val="0"/>
+              </a:spcBef>
+              <a:spcAft>
+                <a:spcPct val="0"/>
+              </a:spcAft>
+              <a:defRPr>
+                <a:solidFill>
+                  <a:schemeClr val="tx1"/>
+                </a:solidFill>
+                <a:latin typeface="Calibri" panose="020F0502020204030204" pitchFamily="34" charset="0"/>
+              </a:defRPr>
+            </a:lvl8pPr>
+            <a:lvl9pPr marL="3886200" indent="-228600" fontAlgn="base">
+              <a:spcBef>
+                <a:spcPct val="0"/>
+              </a:spcBef>
+              <a:spcAft>
+                <a:spcPct val="0"/>
+              </a:spcAft>
+              <a:defRPr>
+                <a:solidFill>
+                  <a:schemeClr val="tx1"/>
+                </a:solidFill>
+                <a:latin typeface="Calibri" panose="020F0502020204030204" pitchFamily="34" charset="0"/>
+              </a:defRPr>
+            </a:lvl9pPr>
+          </a:lstStyle>
+          <a:p>
+            <a:pPr fontAlgn="base">
+              <a:spcBef>
+                <a:spcPct val="0"/>
+              </a:spcBef>
+              <a:spcAft>
+                <a:spcPct val="0"/>
+              </a:spcAft>
+            </a:pPr>
+            <a:fld id="{FCCAF054-DC6F-41E0-B167-E9431BA5FF75}" type="slidenum">
+              <a:rPr lang="fr-FR" altLang="fr-FR"/>
+              <a:pPr fontAlgn="base">
+                <a:spcBef>
+                  <a:spcPct val="0"/>
+                </a:spcBef>
+                <a:spcAft>
+                  <a:spcPct val="0"/>
+                </a:spcAft>
+              </a:pPr>
+              <a:t>16</a:t>
+            </a:fld>
+            <a:endParaRPr lang="fr-FR" altLang="fr-FR"/>
+          </a:p>
+        </p:txBody>
+      </p:sp>
+    </p:spTree>
+  </p:cSld>
+  <p:clrMapOvr>
+    <a:masterClrMapping/>
+  </p:clrMapOvr>
+</p:notes>
+</file>
+
+<file path=ppt/notesSlides/notesSlide7.xml><?xml version="1.0" encoding="utf-8"?>
+<p:notes xmlns:a="http://schemas.openxmlformats.org/drawingml/2006/main" xmlns:r="http://schemas.openxmlformats.org/officeDocument/2006/relationships" xmlns:p="http://schemas.openxmlformats.org/presentationml/2006/main">
+  <p:cSld>
+    <p:spTree>
+      <p:nvGrpSpPr>
+        <p:cNvPr id="1" name=""/>
+        <p:cNvGrpSpPr/>
+        <p:nvPr/>
+      </p:nvGrpSpPr>
+      <p:grpSpPr>
+        <a:xfrm>
+          <a:off x="0" y="0"/>
+          <a:ext cx="0" cy="0"/>
+          <a:chOff x="0" y="0"/>
+          <a:chExt cx="0" cy="0"/>
+        </a:xfrm>
+      </p:grpSpPr>
+      <p:sp>
+        <p:nvSpPr>
+          <p:cNvPr id="30722" name="Espace réservé de l'image des diapositives 1">
+            <a:extLst>
+              <a:ext uri="{FF2B5EF4-FFF2-40B4-BE49-F238E27FC236}">
+                <a16:creationId xmlns:a16="http://schemas.microsoft.com/office/drawing/2014/main" id="{FD2408B1-5AB2-4593-8D1A-FD64F7E5EF56}"/>
+              </a:ext>
+            </a:extLst>
+          </p:cNvPr>
+          <p:cNvSpPr>
+            <a:spLocks noGrp="1" noRot="1" noChangeAspect="1" noChangeArrowheads="1" noTextEdit="1"/>
+          </p:cNvSpPr>
+          <p:nvPr>
+            <p:ph type="sldImg"/>
+          </p:nvPr>
+        </p:nvSpPr>
+        <p:spPr bwMode="auto">
+          <a:noFill/>
+          <a:ln>
+            <a:solidFill>
+              <a:srgbClr val="000000"/>
+            </a:solidFill>
+            <a:miter lim="800000"/>
+            <a:headEnd/>
+            <a:tailEnd/>
+          </a:ln>
+          <a:extLst>
+            <a:ext uri="{909E8E84-426E-40DD-AFC4-6F175D3DCCD1}">
+              <a14:hiddenFill xmlns:a14="http://schemas.microsoft.com/office/drawing/2010/main">
+                <a:solidFill>
+                  <a:srgbClr val="FFFFFF"/>
+                </a:solidFill>
+              </a14:hiddenFill>
+            </a:ext>
+          </a:extLst>
+        </p:spPr>
+      </p:sp>
+      <p:sp>
+        <p:nvSpPr>
+          <p:cNvPr id="30723" name="Espace réservé des notes 2">
+            <a:extLst>
+              <a:ext uri="{FF2B5EF4-FFF2-40B4-BE49-F238E27FC236}">
+                <a16:creationId xmlns:a16="http://schemas.microsoft.com/office/drawing/2014/main" id="{12ECAC57-7E0D-4A84-A332-79C0DC55F3E1}"/>
+              </a:ext>
+            </a:extLst>
+          </p:cNvPr>
+          <p:cNvSpPr>
+            <a:spLocks noGrp="1" noChangeArrowheads="1"/>
+          </p:cNvSpPr>
+          <p:nvPr>
+            <p:ph type="body" idx="1"/>
+          </p:nvPr>
+        </p:nvSpPr>
+        <p:spPr bwMode="auto">
+          <a:noFill/>
+          <a:extLst>
+            <a:ext uri="{909E8E84-426E-40DD-AFC4-6F175D3DCCD1}">
+              <a14:hiddenFill xmlns:a14="http://schemas.microsoft.com/office/drawing/2010/main">
+                <a:solidFill>
+                  <a:srgbClr val="FFFFFF"/>
+                </a:solidFill>
+              </a14:hiddenFill>
+            </a:ext>
+            <a:ext uri="{91240B29-F687-4F45-9708-019B960494DF}">
+              <a14:hiddenLine xmlns:a14="http://schemas.microsoft.com/office/drawing/2010/main" w="9525">
+                <a:solidFill>
+                  <a:srgbClr val="000000"/>
+                </a:solidFill>
+                <a:miter lim="800000"/>
+                <a:headEnd/>
+                <a:tailEnd/>
+              </a14:hiddenLine>
+            </a:ext>
+          </a:extLst>
+        </p:spPr>
+        <p:txBody>
+          <a:bodyPr wrap="square" numCol="1" anchor="t" anchorCtr="0" compatLnSpc="1">
+            <a:prstTxWarp prst="textNoShape">
+              <a:avLst/>
+            </a:prstTxWarp>
+          </a:bodyPr>
+          <a:lstStyle/>
+          <a:p>
+            <a:pPr>
+              <a:spcBef>
+                <a:spcPct val="0"/>
+              </a:spcBef>
+            </a:pPr>
+            <a:r>
+              <a:rPr lang="fr-FR" altLang="fr-FR"/>
+              <a:t>single, complete, average, weighted, centroid, median</a:t>
+            </a:r>
+          </a:p>
+        </p:txBody>
+      </p:sp>
+      <p:sp>
+        <p:nvSpPr>
+          <p:cNvPr id="30724" name="Espace réservé du numéro de diapositive 3">
+            <a:extLst>
+              <a:ext uri="{FF2B5EF4-FFF2-40B4-BE49-F238E27FC236}">
+                <a16:creationId xmlns:a16="http://schemas.microsoft.com/office/drawing/2014/main" id="{26E17676-F4B7-4002-80BA-2936DEF0EFFA}"/>
+              </a:ext>
+            </a:extLst>
+          </p:cNvPr>
+          <p:cNvSpPr>
+            <a:spLocks noGrp="1" noChangeArrowheads="1"/>
+          </p:cNvSpPr>
+          <p:nvPr>
+            <p:ph type="sldNum" sz="quarter" idx="5"/>
+          </p:nvPr>
+        </p:nvSpPr>
+        <p:spPr bwMode="auto">
+          <a:noFill/>
+          <a:extLst>
+            <a:ext uri="{909E8E84-426E-40DD-AFC4-6F175D3DCCD1}">
+              <a14:hiddenFill xmlns:a14="http://schemas.microsoft.com/office/drawing/2010/main">
+                <a:solidFill>
+                  <a:srgbClr val="FFFFFF"/>
+                </a:solidFill>
+              </a14:hiddenFill>
+            </a:ext>
+            <a:ext uri="{91240B29-F687-4F45-9708-019B960494DF}">
+              <a14:hiddenLine xmlns:a14="http://schemas.microsoft.com/office/drawing/2010/main" w="9525">
+                <a:solidFill>
+                  <a:srgbClr val="000000"/>
+                </a:solidFill>
+                <a:miter lim="800000"/>
+                <a:headEnd/>
+                <a:tailEnd/>
+              </a14:hiddenLine>
+            </a:ext>
+          </a:extLst>
+        </p:spPr>
+        <p:txBody>
+          <a:bodyPr wrap="square" numCol="1" anchorCtr="0" compatLnSpc="1">
+            <a:prstTxWarp prst="textNoShape">
+              <a:avLst/>
+            </a:prstTxWarp>
+          </a:bodyPr>
+          <a:lstStyle>
+            <a:lvl1pPr>
+              <a:defRPr>
+                <a:solidFill>
+                  <a:schemeClr val="tx1"/>
+                </a:solidFill>
+                <a:latin typeface="Calibri" panose="020F0502020204030204" pitchFamily="34" charset="0"/>
+              </a:defRPr>
+            </a:lvl1pPr>
+            <a:lvl2pPr marL="742950" indent="-285750">
+              <a:defRPr>
+                <a:solidFill>
+                  <a:schemeClr val="tx1"/>
+                </a:solidFill>
+                <a:latin typeface="Calibri" panose="020F0502020204030204" pitchFamily="34" charset="0"/>
+              </a:defRPr>
+            </a:lvl2pPr>
+            <a:lvl3pPr marL="1143000" indent="-228600">
+              <a:defRPr>
+                <a:solidFill>
+                  <a:schemeClr val="tx1"/>
+                </a:solidFill>
+                <a:latin typeface="Calibri" panose="020F0502020204030204" pitchFamily="34" charset="0"/>
+              </a:defRPr>
+            </a:lvl3pPr>
+            <a:lvl4pPr marL="1600200" indent="-228600">
+              <a:defRPr>
+                <a:solidFill>
+                  <a:schemeClr val="tx1"/>
+                </a:solidFill>
+                <a:latin typeface="Calibri" panose="020F0502020204030204" pitchFamily="34" charset="0"/>
+              </a:defRPr>
+            </a:lvl4pPr>
+            <a:lvl5pPr marL="2057400" indent="-228600">
+              <a:defRPr>
+                <a:solidFill>
+                  <a:schemeClr val="tx1"/>
+                </a:solidFill>
+                <a:latin typeface="Calibri" panose="020F0502020204030204" pitchFamily="34" charset="0"/>
+              </a:defRPr>
+            </a:lvl5pPr>
+            <a:lvl6pPr marL="2514600" indent="-228600" fontAlgn="base">
+              <a:spcBef>
+                <a:spcPct val="0"/>
+              </a:spcBef>
+              <a:spcAft>
+                <a:spcPct val="0"/>
+              </a:spcAft>
+              <a:defRPr>
+                <a:solidFill>
+                  <a:schemeClr val="tx1"/>
+                </a:solidFill>
+                <a:latin typeface="Calibri" panose="020F0502020204030204" pitchFamily="34" charset="0"/>
+              </a:defRPr>
+            </a:lvl6pPr>
+            <a:lvl7pPr marL="2971800" indent="-228600" fontAlgn="base">
+              <a:spcBef>
+                <a:spcPct val="0"/>
+              </a:spcBef>
+              <a:spcAft>
+                <a:spcPct val="0"/>
+              </a:spcAft>
+              <a:defRPr>
+                <a:solidFill>
+                  <a:schemeClr val="tx1"/>
+                </a:solidFill>
+                <a:latin typeface="Calibri" panose="020F0502020204030204" pitchFamily="34" charset="0"/>
+              </a:defRPr>
+            </a:lvl7pPr>
+            <a:lvl8pPr marL="3429000" indent="-228600" fontAlgn="base">
+              <a:spcBef>
+                <a:spcPct val="0"/>
+              </a:spcBef>
+              <a:spcAft>
+                <a:spcPct val="0"/>
+              </a:spcAft>
+              <a:defRPr>
+                <a:solidFill>
+                  <a:schemeClr val="tx1"/>
+                </a:solidFill>
+                <a:latin typeface="Calibri" panose="020F0502020204030204" pitchFamily="34" charset="0"/>
+              </a:defRPr>
+            </a:lvl8pPr>
+            <a:lvl9pPr marL="3886200" indent="-228600" fontAlgn="base">
+              <a:spcBef>
+                <a:spcPct val="0"/>
+              </a:spcBef>
+              <a:spcAft>
+                <a:spcPct val="0"/>
+              </a:spcAft>
+              <a:defRPr>
+                <a:solidFill>
+                  <a:schemeClr val="tx1"/>
+                </a:solidFill>
+                <a:latin typeface="Calibri" panose="020F0502020204030204" pitchFamily="34" charset="0"/>
+              </a:defRPr>
+            </a:lvl9pPr>
+          </a:lstStyle>
+          <a:p>
+            <a:pPr fontAlgn="base">
+              <a:spcBef>
+                <a:spcPct val="0"/>
+              </a:spcBef>
+              <a:spcAft>
+                <a:spcPct val="0"/>
+              </a:spcAft>
+            </a:pPr>
+            <a:fld id="{6690AEBB-A830-4DED-9A64-9252EA96448D}" type="slidenum">
+              <a:rPr lang="fr-FR" altLang="fr-FR"/>
+              <a:pPr fontAlgn="base">
+                <a:spcBef>
+                  <a:spcPct val="0"/>
+                </a:spcBef>
+                <a:spcAft>
+                  <a:spcPct val="0"/>
+                </a:spcAft>
+              </a:pPr>
+              <a:t>21</a:t>
+            </a:fld>
+            <a:endParaRPr lang="fr-FR" altLang="fr-FR"/>
+          </a:p>
+        </p:txBody>
+      </p:sp>
+    </p:spTree>
+  </p:cSld>
+  <p:clrMapOvr>
+    <a:masterClrMapping/>
+  </p:clrMapOvr>
+</p:notes>
+</file>
+
+<file path=ppt/notesSlides/notesSlide8.xml><?xml version="1.0" encoding="utf-8"?>
+<p:notes xmlns:a="http://schemas.openxmlformats.org/drawingml/2006/main" xmlns:r="http://schemas.openxmlformats.org/officeDocument/2006/relationships" xmlns:p="http://schemas.openxmlformats.org/presentationml/2006/main">
+  <p:cSld>
+    <p:spTree>
+      <p:nvGrpSpPr>
+        <p:cNvPr id="1" name=""/>
+        <p:cNvGrpSpPr/>
+        <p:nvPr/>
+      </p:nvGrpSpPr>
+      <p:grpSpPr>
+        <a:xfrm>
+          <a:off x="0" y="0"/>
+          <a:ext cx="0" cy="0"/>
+          <a:chOff x="0" y="0"/>
+          <a:chExt cx="0" cy="0"/>
+        </a:xfrm>
+      </p:grpSpPr>
+      <p:sp>
+        <p:nvSpPr>
           <p:cNvPr id="32770" name="Espace réservé de l'image des diapositives 1">
             <a:extLst>
               <a:ext uri="{FF2B5EF4-FFF2-40B4-BE49-F238E27FC236}">
@@ -2380,7 +2585,7 @@
 </p:notes>
 </file>
 
-<file path=ppt/notesSlides/notesSlide7.xml><?xml version="1.0" encoding="utf-8"?>
+<file path=ppt/notesSlides/notesSlide9.xml><?xml version="1.0" encoding="utf-8"?>
 <p:notes xmlns:a="http://schemas.openxmlformats.org/drawingml/2006/main" xmlns:r="http://schemas.openxmlformats.org/officeDocument/2006/relationships" xmlns:p="http://schemas.openxmlformats.org/presentationml/2006/main">
   <p:cSld>
     <p:spTree>
@@ -6640,8 +6845,9 @@
           <a:bodyPr/>
           <a:lstStyle/>
           <a:p>
-            <a:r>
-              <a:rPr lang="fr-FR" altLang="fr-FR"/>
+            <a:pPr algn="ctr"/>
+            <a:r>
+              <a:rPr lang="fr-FR" altLang="fr-FR" dirty="0"/>
               <a:t>PCA</a:t>
             </a:r>
           </a:p>
@@ -6671,6 +6877,12 @@
             <a:r>
               <a:rPr lang="fr-FR" altLang="fr-FR" dirty="0"/>
               <a:t>3 groupes de score</a:t>
+            </a:r>
+          </a:p>
+          <a:p>
+            <a:r>
+              <a:rPr lang="fr-FR" altLang="fr-FR" dirty="0"/>
+              <a:t>3 groupes de features</a:t>
             </a:r>
           </a:p>
           <a:p>
@@ -6881,8 +7093,9 @@
           <a:bodyPr/>
           <a:lstStyle/>
           <a:p>
-            <a:r>
-              <a:rPr lang="fr-FR" altLang="fr-FR"/>
+            <a:pPr algn="ctr"/>
+            <a:r>
+              <a:rPr lang="fr-FR" altLang="fr-FR" dirty="0"/>
               <a:t>Choix des features</a:t>
             </a:r>
           </a:p>
@@ -7327,8 +7540,9 @@
           <a:bodyPr/>
           <a:lstStyle/>
           <a:p>
-            <a:r>
-              <a:rPr lang="fr-FR" altLang="fr-FR"/>
+            <a:pPr algn="ctr"/>
+            <a:r>
+              <a:rPr lang="fr-FR" altLang="fr-FR" dirty="0"/>
               <a:t>Coefficients de silhouette</a:t>
             </a:r>
           </a:p>
@@ -7355,7 +7569,34 @@
           <a:bodyPr/>
           <a:lstStyle/>
           <a:p>
-            <a:endParaRPr lang="fr-FR" altLang="fr-FR"/>
+            <a:pPr marL="0" indent="0" algn="ctr">
+              <a:buNone/>
+            </a:pPr>
+            <a:endParaRPr lang="fr-FR" altLang="fr-FR" dirty="0"/>
+          </a:p>
+          <a:p>
+            <a:pPr marL="0" indent="0" algn="ctr">
+              <a:buNone/>
+            </a:pPr>
+            <a:r>
+              <a:rPr lang="fr-FR" altLang="fr-FR" dirty="0"/>
+              <a:t>Le coefficient de silhouette doit permettre d’évaluer la forme des clusters trouvés par un algorithme de clustering non supervisé</a:t>
+            </a:r>
+          </a:p>
+          <a:p>
+            <a:pPr marL="0" indent="0">
+              <a:buNone/>
+            </a:pPr>
+            <a:endParaRPr lang="fr-FR" altLang="fr-FR" dirty="0"/>
+          </a:p>
+          <a:p>
+            <a:pPr marL="0" indent="0" algn="ctr">
+              <a:buNone/>
+            </a:pPr>
+            <a:r>
+              <a:rPr lang="fr-FR" altLang="fr-FR" dirty="0"/>
+              <a:t>Plus il sera proche de 1 plus les clusters seront denses et bien séparés</a:t>
+            </a:r>
           </a:p>
         </p:txBody>
       </p:sp>
@@ -7672,8 +7913,9 @@
           <a:bodyPr/>
           <a:lstStyle/>
           <a:p>
-            <a:r>
-              <a:rPr lang="fr-FR" altLang="fr-FR"/>
+            <a:pPr algn="ctr"/>
+            <a:r>
+              <a:rPr lang="fr-FR" altLang="fr-FR" dirty="0"/>
               <a:t>Sommaire</a:t>
             </a:r>
           </a:p>
@@ -7700,38 +7942,41 @@
           <a:bodyPr/>
           <a:lstStyle/>
           <a:p>
-            <a:r>
-              <a:rPr lang="fr-FR" altLang="fr-FR"/>
+            <a:endParaRPr lang="fr-FR" altLang="fr-FR" dirty="0"/>
+          </a:p>
+          <a:p>
+            <a:r>
+              <a:rPr lang="fr-FR" altLang="fr-FR" dirty="0"/>
               <a:t>Introduction - Les données</a:t>
             </a:r>
           </a:p>
           <a:p>
             <a:r>
-              <a:rPr lang="fr-FR" altLang="fr-FR"/>
+              <a:rPr lang="fr-FR" altLang="fr-FR" dirty="0"/>
               <a:t>PCA</a:t>
             </a:r>
           </a:p>
           <a:p>
             <a:r>
-              <a:rPr lang="fr-FR" altLang="fr-FR"/>
+              <a:rPr lang="fr-FR" altLang="fr-FR" dirty="0"/>
               <a:t>Coefficients de silhouette</a:t>
             </a:r>
           </a:p>
           <a:p>
             <a:r>
-              <a:rPr lang="fr-FR" altLang="fr-FR"/>
+              <a:rPr lang="fr-FR" altLang="fr-FR" dirty="0"/>
               <a:t>Dendrogrammes</a:t>
             </a:r>
           </a:p>
           <a:p>
             <a:r>
-              <a:rPr lang="fr-FR" altLang="fr-FR"/>
+              <a:rPr lang="fr-FR" altLang="fr-FR" dirty="0"/>
               <a:t>Calculs de distance</a:t>
             </a:r>
           </a:p>
           <a:p>
             <a:r>
-              <a:rPr lang="fr-FR" altLang="fr-FR"/>
+              <a:rPr lang="fr-FR" altLang="fr-FR" dirty="0"/>
               <a:t>Le service web</a:t>
             </a:r>
           </a:p>
@@ -7872,8 +8117,9 @@
           <a:bodyPr/>
           <a:lstStyle/>
           <a:p>
-            <a:r>
-              <a:rPr lang="fr-FR" altLang="fr-FR"/>
+            <a:pPr algn="ctr"/>
+            <a:r>
+              <a:rPr lang="fr-FR" altLang="fr-FR" dirty="0"/>
               <a:t>Dendrogrammes</a:t>
             </a:r>
           </a:p>
@@ -7965,10 +8211,16 @@
           <a:bodyPr/>
           <a:lstStyle/>
           <a:p>
-            <a:r>
-              <a:rPr lang="fr-FR" altLang="fr-FR"/>
-              <a:t>Coefficient de corrélation cophénetique</a:t>
-            </a:r>
+            <a:pPr algn="ctr"/>
+            <a:r>
+              <a:rPr lang="fr-FR" altLang="fr-FR" dirty="0"/>
+              <a:t>Coefficient de corrélation </a:t>
+            </a:r>
+            <a:r>
+              <a:rPr lang="fr-FR" altLang="fr-FR" dirty="0" err="1"/>
+              <a:t>cophénetique</a:t>
+            </a:r>
+            <a:endParaRPr lang="fr-FR" altLang="fr-FR" dirty="0"/>
           </a:p>
         </p:txBody>
       </p:sp>
@@ -8211,8 +8463,9 @@
           <a:bodyPr/>
           <a:lstStyle/>
           <a:p>
-            <a:r>
-              <a:rPr lang="fr-FR" altLang="fr-FR"/>
+            <a:pPr algn="ctr"/>
+            <a:r>
+              <a:rPr lang="fr-FR" altLang="fr-FR" dirty="0"/>
               <a:t>Cas 1 : Difficile de trancher</a:t>
             </a:r>
           </a:p>
@@ -8300,8 +8553,9 @@
           <a:bodyPr/>
           <a:lstStyle/>
           <a:p>
-            <a:r>
-              <a:rPr lang="fr-FR" altLang="fr-FR"/>
+            <a:pPr algn="ctr"/>
+            <a:r>
+              <a:rPr lang="fr-FR" altLang="fr-FR" dirty="0"/>
               <a:t>Cas 2 : Pas mieux</a:t>
             </a:r>
           </a:p>
@@ -8389,8 +8643,9 @@
           <a:bodyPr/>
           <a:lstStyle/>
           <a:p>
-            <a:r>
-              <a:rPr lang="fr-FR" altLang="fr-FR"/>
+            <a:pPr algn="ctr"/>
+            <a:r>
+              <a:rPr lang="fr-FR" altLang="fr-FR" dirty="0"/>
               <a:t>Cas 3 : Encore pire</a:t>
             </a:r>
           </a:p>
@@ -8478,9 +8733,18 @@
           <a:bodyPr/>
           <a:lstStyle/>
           <a:p>
-            <a:r>
-              <a:rPr lang="fr-FR" altLang="fr-FR"/>
-              <a:t>Avec la métrique average cas 1</a:t>
+            <a:pPr algn="ctr"/>
+            <a:r>
+              <a:rPr lang="fr-FR" altLang="fr-FR" dirty="0"/>
+              <a:t>Avec la métrique </a:t>
+            </a:r>
+            <a:r>
+              <a:rPr lang="fr-FR" altLang="fr-FR" dirty="0" err="1"/>
+              <a:t>average</a:t>
+            </a:r>
+            <a:r>
+              <a:rPr lang="fr-FR" altLang="fr-FR" dirty="0"/>
+              <a:t> cas 1</a:t>
             </a:r>
           </a:p>
         </p:txBody>
@@ -8567,9 +8831,18 @@
           <a:bodyPr/>
           <a:lstStyle/>
           <a:p>
-            <a:r>
-              <a:rPr lang="fr-FR" altLang="fr-FR"/>
-              <a:t>Avec la métrique average cas 2</a:t>
+            <a:pPr algn="ctr"/>
+            <a:r>
+              <a:rPr lang="fr-FR" altLang="fr-FR" dirty="0"/>
+              <a:t>Avec la métrique </a:t>
+            </a:r>
+            <a:r>
+              <a:rPr lang="fr-FR" altLang="fr-FR" dirty="0" err="1"/>
+              <a:t>average</a:t>
+            </a:r>
+            <a:r>
+              <a:rPr lang="fr-FR" altLang="fr-FR" dirty="0"/>
+              <a:t> cas 2</a:t>
             </a:r>
           </a:p>
         </p:txBody>
@@ -8656,8 +8929,9 @@
           <a:bodyPr/>
           <a:lstStyle/>
           <a:p>
-            <a:r>
-              <a:rPr lang="fr-FR" altLang="fr-FR"/>
+            <a:pPr algn="ctr"/>
+            <a:r>
+              <a:rPr lang="fr-FR" altLang="fr-FR" dirty="0"/>
               <a:t>Distances</a:t>
             </a:r>
           </a:p>
@@ -8775,8 +9049,9 @@
           <a:bodyPr/>
           <a:lstStyle/>
           <a:p>
-            <a:r>
-              <a:rPr lang="fr-FR" altLang="fr-FR"/>
+            <a:pPr algn="ctr"/>
+            <a:r>
+              <a:rPr lang="fr-FR" altLang="fr-FR" dirty="0"/>
               <a:t>Quelle métrique ?</a:t>
             </a:r>
           </a:p>
@@ -8876,15 +9151,7 @@
             </a:pPr>
             <a:r>
               <a:rPr lang="fr-FR" dirty="0"/>
-              <a:t>Gower (Manhattan pour les </a:t>
-            </a:r>
-            <a:r>
-              <a:rPr lang="fr-FR" dirty="0" err="1"/>
-              <a:t>num</a:t>
-            </a:r>
-            <a:r>
-              <a:rPr lang="fr-FR" dirty="0"/>
-              <a:t>, </a:t>
+              <a:t>Gower (Manhattan pour les numériques, </a:t>
             </a:r>
             <a:r>
               <a:rPr lang="fr-FR" dirty="0" err="1"/>
@@ -9106,8 +9373,9 @@
           <a:bodyPr/>
           <a:lstStyle/>
           <a:p>
-            <a:r>
-              <a:rPr lang="fr-FR" altLang="fr-FR"/>
+            <a:pPr algn="ctr"/>
+            <a:r>
+              <a:rPr lang="fr-FR" altLang="fr-FR" dirty="0"/>
               <a:t>Vérification</a:t>
             </a:r>
           </a:p>
@@ -9134,20 +9402,23 @@
           <a:bodyPr/>
           <a:lstStyle/>
           <a:p>
-            <a:r>
-              <a:rPr lang="fr-FR" altLang="fr-FR"/>
+            <a:endParaRPr lang="fr-FR" altLang="fr-FR" dirty="0"/>
+          </a:p>
+          <a:p>
+            <a:r>
+              <a:rPr lang="fr-FR" altLang="fr-FR" dirty="0"/>
               <a:t>Dessins animés</a:t>
             </a:r>
           </a:p>
           <a:p>
             <a:r>
-              <a:rPr lang="fr-FR" altLang="fr-FR"/>
+              <a:rPr lang="fr-FR" altLang="fr-FR" dirty="0"/>
               <a:t>Films avec plusieurs versions</a:t>
             </a:r>
           </a:p>
           <a:p>
             <a:r>
-              <a:rPr lang="fr-FR" altLang="fr-FR"/>
+              <a:rPr lang="fr-FR" altLang="fr-FR" dirty="0"/>
               <a:t>Intuition</a:t>
             </a:r>
           </a:p>
@@ -9199,8 +9470,9 @@
           <a:bodyPr/>
           <a:lstStyle/>
           <a:p>
-            <a:r>
-              <a:rPr lang="fr-FR" altLang="fr-FR"/>
+            <a:pPr algn="ctr"/>
+            <a:r>
+              <a:rPr lang="fr-FR" altLang="fr-FR" dirty="0"/>
               <a:t>Vérification</a:t>
             </a:r>
           </a:p>
@@ -9443,8 +9715,9 @@
           <a:bodyPr/>
           <a:lstStyle/>
           <a:p>
-            <a:r>
-              <a:rPr lang="fr-FR" altLang="fr-FR"/>
+            <a:pPr algn="ctr"/>
+            <a:r>
+              <a:rPr lang="fr-FR" altLang="fr-FR" dirty="0"/>
               <a:t>Vérification</a:t>
             </a:r>
           </a:p>
@@ -9608,6 +9881,7 @@
           <a:bodyPr/>
           <a:lstStyle/>
           <a:p>
+            <a:pPr algn="ctr"/>
             <a:r>
               <a:rPr lang="fr-FR" altLang="fr-FR" dirty="0"/>
               <a:t>Distances - Conclusion</a:t>
@@ -9759,8 +10033,9 @@
           <a:bodyPr/>
           <a:lstStyle/>
           <a:p>
-            <a:r>
-              <a:rPr lang="fr-FR" altLang="fr-FR"/>
+            <a:pPr algn="ctr"/>
+            <a:r>
+              <a:rPr lang="fr-FR" altLang="fr-FR" dirty="0"/>
               <a:t>Service Web</a:t>
             </a:r>
           </a:p>
@@ -9795,14 +10070,6 @@
               </a:spcAft>
               <a:defRPr/>
             </a:pPr>
-            <a:r>
-              <a:rPr lang="fr-FR" dirty="0"/>
-              <a:t>Librairie </a:t>
-            </a:r>
-            <a:r>
-              <a:rPr lang="fr-FR" dirty="0" err="1"/>
-              <a:t>Flask</a:t>
-            </a:r>
             <a:endParaRPr lang="fr-FR" dirty="0"/>
           </a:p>
           <a:p>
@@ -9814,7 +10081,48 @@
             </a:pPr>
             <a:r>
               <a:rPr lang="fr-FR" dirty="0"/>
+              <a:t>Python</a:t>
+            </a:r>
+          </a:p>
+          <a:p>
+            <a:pPr fontAlgn="auto">
+              <a:spcAft>
+                <a:spcPts val="0"/>
+              </a:spcAft>
+              <a:defRPr/>
+            </a:pPr>
+            <a:r>
+              <a:rPr lang="fr-FR" dirty="0"/>
+              <a:t>Librairie </a:t>
+            </a:r>
+            <a:r>
+              <a:rPr lang="fr-FR" dirty="0" err="1"/>
+              <a:t>Flask</a:t>
+            </a:r>
+            <a:endParaRPr lang="fr-FR" dirty="0"/>
+          </a:p>
+          <a:p>
+            <a:pPr fontAlgn="auto">
+              <a:spcAft>
+                <a:spcPts val="0"/>
+              </a:spcAft>
+              <a:defRPr/>
+            </a:pPr>
+            <a:r>
+              <a:rPr lang="fr-FR" dirty="0"/>
               <a:t>Service REST</a:t>
+            </a:r>
+          </a:p>
+          <a:p>
+            <a:pPr fontAlgn="auto">
+              <a:spcAft>
+                <a:spcPts val="0"/>
+              </a:spcAft>
+              <a:defRPr/>
+            </a:pPr>
+            <a:r>
+              <a:rPr lang="fr-FR" dirty="0"/>
+              <a:t>Réponse en JSON</a:t>
             </a:r>
           </a:p>
           <a:p>
@@ -9947,8 +10255,38 @@
         </p:blipFill>
         <p:spPr>
           <a:xfrm>
-            <a:off x="838200" y="3244281"/>
+            <a:off x="838200" y="666966"/>
             <a:ext cx="10515600" cy="1514026"/>
+          </a:xfrm>
+          <a:prstGeom prst="rect">
+            <a:avLst/>
+          </a:prstGeom>
+        </p:spPr>
+      </p:pic>
+      <p:pic>
+        <p:nvPicPr>
+          <p:cNvPr id="3" name="Image 2">
+            <a:extLst>
+              <a:ext uri="{FF2B5EF4-FFF2-40B4-BE49-F238E27FC236}">
+                <a16:creationId xmlns:a16="http://schemas.microsoft.com/office/drawing/2014/main" id="{7F0BAF86-AF00-4AC1-A6A2-04637FA5E953}"/>
+              </a:ext>
+            </a:extLst>
+          </p:cNvPr>
+          <p:cNvPicPr>
+            <a:picLocks noChangeAspect="1"/>
+          </p:cNvPicPr>
+          <p:nvPr/>
+        </p:nvPicPr>
+        <p:blipFill>
+          <a:blip r:embed="rId3"/>
+          <a:stretch>
+            <a:fillRect/>
+          </a:stretch>
+        </p:blipFill>
+        <p:spPr>
+          <a:xfrm>
+            <a:off x="3194033" y="3019424"/>
+            <a:ext cx="5035567" cy="966649"/>
           </a:xfrm>
           <a:prstGeom prst="rect">
             <a:avLst/>
@@ -9985,46 +10323,19 @@
           <a:chExt cx="0" cy="0"/>
         </a:xfrm>
       </p:grpSpPr>
-      <p:sp>
-        <p:nvSpPr>
-          <p:cNvPr id="2" name="Titre 1">
-            <a:extLst>
-              <a:ext uri="{FF2B5EF4-FFF2-40B4-BE49-F238E27FC236}">
-                <a16:creationId xmlns:a16="http://schemas.microsoft.com/office/drawing/2014/main" id="{EF57852F-59D3-4319-9AF0-6027A23D92FF}"/>
-              </a:ext>
-            </a:extLst>
-          </p:cNvPr>
-          <p:cNvSpPr>
-            <a:spLocks noGrp="1"/>
-          </p:cNvSpPr>
-          <p:nvPr>
-            <p:ph type="title"/>
-          </p:nvPr>
-        </p:nvSpPr>
-        <p:spPr/>
-        <p:txBody>
-          <a:bodyPr/>
-          <a:lstStyle/>
-          <a:p>
-            <a:endParaRPr lang="fr-FR"/>
-          </a:p>
-        </p:txBody>
-      </p:sp>
       <p:pic>
         <p:nvPicPr>
-          <p:cNvPr id="4" name="Espace réservé du contenu 3">
-            <a:extLst>
-              <a:ext uri="{FF2B5EF4-FFF2-40B4-BE49-F238E27FC236}">
-                <a16:creationId xmlns:a16="http://schemas.microsoft.com/office/drawing/2014/main" id="{BAD44948-9F81-4620-837C-BFE02066AA95}"/>
+          <p:cNvPr id="5" name="Espace réservé du contenu 3">
+            <a:extLst>
+              <a:ext uri="{FF2B5EF4-FFF2-40B4-BE49-F238E27FC236}">
+                <a16:creationId xmlns:a16="http://schemas.microsoft.com/office/drawing/2014/main" id="{903A9D8A-3B33-4AEC-BEED-254AF4111F47}"/>
               </a:ext>
             </a:extLst>
           </p:cNvPr>
           <p:cNvPicPr>
-            <a:picLocks noGrp="1" noChangeAspect="1"/>
+            <a:picLocks noChangeAspect="1"/>
           </p:cNvPicPr>
-          <p:nvPr>
-            <p:ph idx="1"/>
-          </p:nvPr>
+          <p:nvPr/>
         </p:nvPicPr>
         <p:blipFill>
           <a:blip r:embed="rId2"/>
@@ -10032,20 +10343,43 @@
             <a:fillRect/>
           </a:stretch>
         </p:blipFill>
-        <p:spPr>
+        <p:spPr bwMode="auto">
           <a:xfrm>
-            <a:off x="2627790" y="367976"/>
-            <a:ext cx="8025414" cy="5808988"/>
+            <a:off x="1944210" y="549195"/>
+            <a:ext cx="7691813" cy="5567519"/>
           </a:xfrm>
           <a:prstGeom prst="rect">
             <a:avLst/>
           </a:prstGeom>
+          <a:noFill/>
+          <a:ln>
+            <a:noFill/>
+          </a:ln>
+          <a:extLst>
+            <a:ext uri="{909E8E84-426E-40DD-AFC4-6F175D3DCCD1}">
+              <a14:hiddenFill xmlns:a14="http://schemas.microsoft.com/office/drawing/2010/main">
+                <a:solidFill>
+                  <a:srgbClr val="FFFFFF"/>
+                </a:solidFill>
+              </a14:hiddenFill>
+            </a:ext>
+            <a:ext uri="{91240B29-F687-4F45-9708-019B960494DF}">
+              <a14:hiddenLine xmlns:a14="http://schemas.microsoft.com/office/drawing/2010/main" w="9525">
+                <a:solidFill>
+                  <a:srgbClr val="000000"/>
+                </a:solidFill>
+                <a:miter lim="800000"/>
+                <a:headEnd/>
+                <a:tailEnd/>
+              </a14:hiddenLine>
+            </a:ext>
+          </a:extLst>
         </p:spPr>
       </p:pic>
     </p:spTree>
     <p:extLst>
       <p:ext uri="{BB962C8B-B14F-4D97-AF65-F5344CB8AC3E}">
-        <p14:creationId xmlns:p14="http://schemas.microsoft.com/office/powerpoint/2010/main" val="1469639571"/>
+        <p14:creationId xmlns:p14="http://schemas.microsoft.com/office/powerpoint/2010/main" val="1481971005"/>
       </p:ext>
     </p:extLst>
   </p:cSld>
@@ -10278,8 +10612,9 @@
           <a:bodyPr/>
           <a:lstStyle/>
           <a:p>
-            <a:r>
-              <a:rPr lang="fr-FR" altLang="fr-FR"/>
+            <a:pPr algn="ctr"/>
+            <a:r>
+              <a:rPr lang="fr-FR" altLang="fr-FR" dirty="0"/>
               <a:t>Les données non numériques</a:t>
             </a:r>
           </a:p>
@@ -10516,8 +10851,9 @@
           <a:bodyPr/>
           <a:lstStyle/>
           <a:p>
-            <a:r>
-              <a:rPr lang="fr-FR" altLang="fr-FR"/>
+            <a:pPr algn="ctr"/>
+            <a:r>
+              <a:rPr lang="fr-FR" altLang="fr-FR" dirty="0"/>
               <a:t>Le meilleur et le pire</a:t>
             </a:r>
           </a:p>
@@ -10563,7 +10899,7 @@
           <p:nvPr/>
         </p:nvPicPr>
         <p:blipFill>
-          <a:blip r:embed="rId2">
+          <a:blip r:embed="rId3">
             <a:extLst>
               <a:ext uri="{28A0092B-C50C-407E-A947-70E740481C1C}">
                 <a14:useLocalDpi xmlns:a14="http://schemas.microsoft.com/office/drawing/2010/main" val="0"/>
@@ -10623,7 +10959,7 @@
           <p:nvPr/>
         </p:nvPicPr>
         <p:blipFill>
-          <a:blip r:embed="rId3">
+          <a:blip r:embed="rId4">
             <a:extLst>
               <a:ext uri="{28A0092B-C50C-407E-A947-70E740481C1C}">
                 <a14:useLocalDpi xmlns:a14="http://schemas.microsoft.com/office/drawing/2010/main" val="0"/>
@@ -10714,35 +11050,11 @@
           <a:bodyPr/>
           <a:lstStyle/>
           <a:p>
-            <a:r>
-              <a:rPr lang="fr-FR" altLang="fr-FR"/>
+            <a:pPr algn="ctr"/>
+            <a:r>
+              <a:rPr lang="fr-FR" altLang="fr-FR" dirty="0"/>
               <a:t>Les doublons</a:t>
             </a:r>
-          </a:p>
-        </p:txBody>
-      </p:sp>
-      <p:sp>
-        <p:nvSpPr>
-          <p:cNvPr id="10243" name="Espace réservé du contenu 10">
-            <a:extLst>
-              <a:ext uri="{FF2B5EF4-FFF2-40B4-BE49-F238E27FC236}">
-                <a16:creationId xmlns:a16="http://schemas.microsoft.com/office/drawing/2014/main" id="{49D22E9F-6407-42A8-A4D5-478DAFCC4D9D}"/>
-              </a:ext>
-            </a:extLst>
-          </p:cNvPr>
-          <p:cNvSpPr>
-            <a:spLocks noGrp="1" noChangeArrowheads="1"/>
-          </p:cNvSpPr>
-          <p:nvPr>
-            <p:ph idx="1"/>
-          </p:nvPr>
-        </p:nvSpPr>
-        <p:spPr/>
-        <p:txBody>
-          <a:bodyPr/>
-          <a:lstStyle/>
-          <a:p>
-            <a:endParaRPr lang="fr-FR" altLang="fr-FR"/>
           </a:p>
         </p:txBody>
       </p:sp>
@@ -10986,31 +11298,6 @@
           </a:p>
         </p:txBody>
       </p:sp>
-      <p:sp>
-        <p:nvSpPr>
-          <p:cNvPr id="11267" name="Espace réservé du contenu 2">
-            <a:extLst>
-              <a:ext uri="{FF2B5EF4-FFF2-40B4-BE49-F238E27FC236}">
-                <a16:creationId xmlns:a16="http://schemas.microsoft.com/office/drawing/2014/main" id="{734F63DF-D681-4922-9F0B-EA3F854957E2}"/>
-              </a:ext>
-            </a:extLst>
-          </p:cNvPr>
-          <p:cNvSpPr>
-            <a:spLocks noGrp="1" noChangeArrowheads="1"/>
-          </p:cNvSpPr>
-          <p:nvPr>
-            <p:ph idx="1"/>
-          </p:nvPr>
-        </p:nvSpPr>
-        <p:spPr/>
-        <p:txBody>
-          <a:bodyPr/>
-          <a:lstStyle/>
-          <a:p>
-            <a:endParaRPr lang="fr-FR" altLang="fr-FR"/>
-          </a:p>
-        </p:txBody>
-      </p:sp>
       <p:pic>
         <p:nvPicPr>
           <p:cNvPr id="11268" name="Image 4">
@@ -11026,7 +11313,7 @@
           <p:nvPr/>
         </p:nvPicPr>
         <p:blipFill>
-          <a:blip r:embed="rId2">
+          <a:blip r:embed="rId3">
             <a:extLst>
               <a:ext uri="{28A0092B-C50C-407E-A947-70E740481C1C}">
                 <a14:useLocalDpi xmlns:a14="http://schemas.microsoft.com/office/drawing/2010/main" val="0"/>
@@ -11040,8 +11327,8 @@
         </p:blipFill>
         <p:spPr bwMode="auto">
           <a:xfrm>
-            <a:off x="4518025" y="690563"/>
-            <a:ext cx="6972300" cy="5905500"/>
+            <a:off x="4518024" y="301841"/>
+            <a:ext cx="7431243" cy="6294222"/>
           </a:xfrm>
           <a:prstGeom prst="rect">
             <a:avLst/>

--- a/Rapport/Moteur de recommandations de films.pptx
+++ b/Rapport/Moteur de recommandations de films.pptx
@@ -5,7 +5,7 @@
     <p:sldMasterId id="2147483648" r:id="rId1"/>
   </p:sldMasterIdLst>
   <p:notesMasterIdLst>
-    <p:notesMasterId r:id="rId38"/>
+    <p:notesMasterId r:id="rId37"/>
   </p:notesMasterIdLst>
   <p:sldIdLst>
     <p:sldId id="256" r:id="rId2"/>
@@ -29,21 +29,20 @@
     <p:sldId id="281" r:id="rId20"/>
     <p:sldId id="264" r:id="rId21"/>
     <p:sldId id="288" r:id="rId22"/>
-    <p:sldId id="293" r:id="rId23"/>
-    <p:sldId id="289" r:id="rId24"/>
-    <p:sldId id="290" r:id="rId25"/>
-    <p:sldId id="291" r:id="rId26"/>
-    <p:sldId id="276" r:id="rId27"/>
-    <p:sldId id="292" r:id="rId28"/>
-    <p:sldId id="270" r:id="rId29"/>
-    <p:sldId id="294" r:id="rId30"/>
-    <p:sldId id="295" r:id="rId31"/>
-    <p:sldId id="299" r:id="rId32"/>
-    <p:sldId id="298" r:id="rId33"/>
-    <p:sldId id="297" r:id="rId34"/>
-    <p:sldId id="269" r:id="rId35"/>
-    <p:sldId id="302" r:id="rId36"/>
-    <p:sldId id="303" r:id="rId37"/>
+    <p:sldId id="289" r:id="rId23"/>
+    <p:sldId id="290" r:id="rId24"/>
+    <p:sldId id="291" r:id="rId25"/>
+    <p:sldId id="276" r:id="rId26"/>
+    <p:sldId id="292" r:id="rId27"/>
+    <p:sldId id="270" r:id="rId28"/>
+    <p:sldId id="294" r:id="rId29"/>
+    <p:sldId id="295" r:id="rId30"/>
+    <p:sldId id="299" r:id="rId31"/>
+    <p:sldId id="298" r:id="rId32"/>
+    <p:sldId id="297" r:id="rId33"/>
+    <p:sldId id="269" r:id="rId34"/>
+    <p:sldId id="302" r:id="rId35"/>
+    <p:sldId id="303" r:id="rId36"/>
   </p:sldIdLst>
   <p:sldSz cx="12192000" cy="6858000"/>
   <p:notesSz cx="6858000" cy="9144000"/>
@@ -306,7 +305,7 @@
               <a:pPr>
                 <a:defRPr/>
               </a:pPr>
-              <a:t>29/01/2018</a:t>
+              <a:t>30/01/2018</a:t>
             </a:fld>
             <a:endParaRPr lang="fr-FR"/>
           </a:p>
@@ -694,13 +693,186 @@
           <a:p>
             <a:r>
               <a:rPr lang="fr-FR" dirty="0"/>
-              <a:t>Doublon : </a:t>
+              <a:t>Colonne inutile : </a:t>
             </a:r>
             <a:r>
               <a:rPr lang="fr-FR" dirty="0" err="1"/>
-              <a:t>dekalog</a:t>
+              <a:t>movie_imdb_link</a:t>
             </a:r>
             <a:endParaRPr lang="fr-FR" dirty="0"/>
+          </a:p>
+          <a:p>
+            <a:pPr marL="0" marR="0" lvl="0" indent="0" algn="l" defTabSz="914400" rtl="0" eaLnBrk="1" fontAlgn="base" latinLnBrk="0" hangingPunct="1">
+              <a:lnSpc>
+                <a:spcPct val="100000"/>
+              </a:lnSpc>
+              <a:spcBef>
+                <a:spcPct val="30000"/>
+              </a:spcBef>
+              <a:spcAft>
+                <a:spcPct val="0"/>
+              </a:spcAft>
+              <a:buClrTx/>
+              <a:buSzTx/>
+              <a:buFontTx/>
+              <a:buNone/>
+              <a:tabLst/>
+              <a:defRPr/>
+            </a:pPr>
+            <a:r>
+              <a:rPr lang="fr-FR" dirty="0"/>
+              <a:t>Valeurs manquantes</a:t>
+            </a:r>
+          </a:p>
+          <a:p>
+            <a:pPr marL="0" marR="0" lvl="0" indent="0" algn="l" defTabSz="914400" rtl="0" eaLnBrk="1" fontAlgn="base" latinLnBrk="0" hangingPunct="1">
+              <a:lnSpc>
+                <a:spcPct val="100000"/>
+              </a:lnSpc>
+              <a:spcBef>
+                <a:spcPct val="30000"/>
+              </a:spcBef>
+              <a:spcAft>
+                <a:spcPct val="0"/>
+              </a:spcAft>
+              <a:buClrTx/>
+              <a:buSzTx/>
+              <a:buFontTx/>
+              <a:buNone/>
+              <a:tabLst/>
+              <a:defRPr/>
+            </a:pPr>
+            <a:r>
+              <a:rPr lang="fr-FR" dirty="0"/>
+              <a:t>Doublons</a:t>
+            </a:r>
+          </a:p>
+          <a:p>
+            <a:pPr marL="0" marR="0" lvl="0" indent="0" algn="l" defTabSz="914400" rtl="0" eaLnBrk="1" fontAlgn="base" latinLnBrk="0" hangingPunct="1">
+              <a:lnSpc>
+                <a:spcPct val="100000"/>
+              </a:lnSpc>
+              <a:spcBef>
+                <a:spcPct val="30000"/>
+              </a:spcBef>
+              <a:spcAft>
+                <a:spcPct val="0"/>
+              </a:spcAft>
+              <a:buClrTx/>
+              <a:buSzTx/>
+              <a:buFontTx/>
+              <a:buNone/>
+              <a:tabLst/>
+              <a:defRPr/>
+            </a:pPr>
+            <a:r>
+              <a:rPr lang="fr-FR" dirty="0"/>
+              <a:t>Valeurs aberrantes </a:t>
+            </a:r>
+          </a:p>
+          <a:p>
+            <a:pPr marL="0" marR="0" lvl="0" indent="0" algn="l" defTabSz="914400" rtl="0" eaLnBrk="1" fontAlgn="base" latinLnBrk="0" hangingPunct="1">
+              <a:lnSpc>
+                <a:spcPct val="100000"/>
+              </a:lnSpc>
+              <a:spcBef>
+                <a:spcPct val="30000"/>
+              </a:spcBef>
+              <a:spcAft>
+                <a:spcPct val="0"/>
+              </a:spcAft>
+              <a:buClrTx/>
+              <a:buSzTx/>
+              <a:buFontTx/>
+              <a:buNone/>
+              <a:tabLst/>
+              <a:defRPr/>
+            </a:pPr>
+            <a:r>
+              <a:rPr lang="fr-FR" dirty="0"/>
+              <a:t>Budget -&gt; médiane</a:t>
+            </a:r>
+          </a:p>
+          <a:p>
+            <a:pPr marL="0" marR="0" lvl="0" indent="0" algn="l" defTabSz="914400" rtl="0" eaLnBrk="1" fontAlgn="base" latinLnBrk="0" hangingPunct="1">
+              <a:lnSpc>
+                <a:spcPct val="100000"/>
+              </a:lnSpc>
+              <a:spcBef>
+                <a:spcPct val="30000"/>
+              </a:spcBef>
+              <a:spcAft>
+                <a:spcPct val="0"/>
+              </a:spcAft>
+              <a:buClrTx/>
+              <a:buSzTx/>
+              <a:buFontTx/>
+              <a:buNone/>
+              <a:tabLst/>
+              <a:defRPr/>
+            </a:pPr>
+            <a:r>
+              <a:rPr lang="fr-FR" sz="1200" kern="1200" dirty="0">
+                <a:solidFill>
+                  <a:schemeClr val="tx1"/>
+                </a:solidFill>
+                <a:latin typeface="+mn-lt"/>
+                <a:ea typeface="+mn-ea"/>
+                <a:cs typeface="+mn-cs"/>
+              </a:rPr>
+              <a:t>Nombre de likes</a:t>
+            </a:r>
+            <a:r>
+              <a:rPr lang="fr-FR" dirty="0"/>
+              <a:t> -&gt; médiane + décrément de </a:t>
+            </a:r>
+            <a:r>
+              <a:rPr lang="fr-FR" dirty="0" err="1"/>
+              <a:t>cast_total_facebook_likes</a:t>
+            </a:r>
+            <a:endParaRPr lang="fr-FR" dirty="0"/>
+          </a:p>
+          <a:p>
+            <a:pPr marL="0" marR="0" lvl="0" indent="0" algn="l" defTabSz="914400" rtl="0" eaLnBrk="1" fontAlgn="base" latinLnBrk="0" hangingPunct="1">
+              <a:lnSpc>
+                <a:spcPct val="100000"/>
+              </a:lnSpc>
+              <a:spcBef>
+                <a:spcPct val="30000"/>
+              </a:spcBef>
+              <a:spcAft>
+                <a:spcPct val="0"/>
+              </a:spcAft>
+              <a:buClrTx/>
+              <a:buSzTx/>
+              <a:buFontTx/>
+              <a:buNone/>
+              <a:tabLst/>
+              <a:defRPr/>
+            </a:pPr>
+            <a:r>
+              <a:rPr lang="fr-FR" sz="1200" kern="1200" dirty="0">
+                <a:solidFill>
+                  <a:schemeClr val="tx1"/>
+                </a:solidFill>
+                <a:latin typeface="+mn-lt"/>
+                <a:ea typeface="+mn-ea"/>
+                <a:cs typeface="+mn-cs"/>
+              </a:rPr>
+              <a:t>Pays</a:t>
+            </a:r>
+            <a:r>
+              <a:rPr lang="fr-FR" dirty="0"/>
+              <a:t> -&gt; médiane (USA)</a:t>
+            </a:r>
+            <a:endParaRPr lang="fr-FR" sz="1200" kern="1200" dirty="0">
+              <a:solidFill>
+                <a:schemeClr val="tx1"/>
+              </a:solidFill>
+              <a:latin typeface="+mn-lt"/>
+              <a:ea typeface="+mn-ea"/>
+              <a:cs typeface="+mn-cs"/>
+            </a:endParaRPr>
           </a:p>
         </p:txBody>
       </p:sp>
@@ -727,7 +899,7 @@
               <a:pPr>
                 <a:defRPr/>
               </a:pPr>
-              <a:t>7</a:t>
+              <a:t>4</a:t>
             </a:fld>
             <a:endParaRPr lang="fr-FR"/>
           </a:p>
@@ -736,7 +908,7 @@
     </p:spTree>
     <p:extLst>
       <p:ext uri="{BB962C8B-B14F-4D97-AF65-F5344CB8AC3E}">
-        <p14:creationId xmlns:p14="http://schemas.microsoft.com/office/powerpoint/2010/main" val="660940245"/>
+        <p14:creationId xmlns:p14="http://schemas.microsoft.com/office/powerpoint/2010/main" val="1142548615"/>
       </p:ext>
     </p:extLst>
   </p:cSld>
@@ -792,22 +964,13 @@
           <a:p>
             <a:r>
               <a:rPr lang="fr-FR" dirty="0"/>
-              <a:t>Meilleure corrélation entre total like et </a:t>
+              <a:t>Doublon : </a:t>
             </a:r>
             <a:r>
               <a:rPr lang="fr-FR" dirty="0" err="1"/>
-              <a:t>actor</a:t>
-            </a:r>
-            <a:r>
-              <a:rPr lang="fr-FR" dirty="0"/>
-              <a:t> 1 like</a:t>
-            </a:r>
-          </a:p>
-          <a:p>
-            <a:r>
-              <a:rPr lang="fr-FR" dirty="0"/>
-              <a:t>Le score semble un peu corrélé avec nb critiques et nb de votant mais pas de tendance forte, ce qui semble normal</a:t>
-            </a:r>
+              <a:t>dekalog</a:t>
+            </a:r>
+            <a:endParaRPr lang="fr-FR" dirty="0"/>
           </a:p>
         </p:txBody>
       </p:sp>
@@ -834,7 +997,7 @@
               <a:pPr>
                 <a:defRPr/>
               </a:pPr>
-              <a:t>9</a:t>
+              <a:t>7</a:t>
             </a:fld>
             <a:endParaRPr lang="fr-FR"/>
           </a:p>
@@ -843,7 +1006,7 @@
     </p:spTree>
     <p:extLst>
       <p:ext uri="{BB962C8B-B14F-4D97-AF65-F5344CB8AC3E}">
-        <p14:creationId xmlns:p14="http://schemas.microsoft.com/office/powerpoint/2010/main" val="4203670404"/>
+        <p14:creationId xmlns:p14="http://schemas.microsoft.com/office/powerpoint/2010/main" val="660940245"/>
       </p:ext>
     </p:extLst>
   </p:cSld>
@@ -872,267 +1035,87 @@
       </p:grpSpPr>
       <p:sp>
         <p:nvSpPr>
-          <p:cNvPr id="14338" name="Espace réservé de l'image des diapositives 1">
-            <a:extLst>
-              <a:ext uri="{FF2B5EF4-FFF2-40B4-BE49-F238E27FC236}">
-                <a16:creationId xmlns:a16="http://schemas.microsoft.com/office/drawing/2014/main" id="{BA52C493-889E-45DB-AAF0-CA5153F562FB}"/>
-              </a:ext>
-            </a:extLst>
-          </p:cNvPr>
-          <p:cNvSpPr>
-            <a:spLocks noGrp="1" noRot="1" noChangeAspect="1" noChangeArrowheads="1" noTextEdit="1"/>
+          <p:cNvPr id="2" name="Espace réservé de l'image des diapositives 1"/>
+          <p:cNvSpPr>
+            <a:spLocks noGrp="1" noRot="1" noChangeAspect="1"/>
           </p:cNvSpPr>
           <p:nvPr>
             <p:ph type="sldImg"/>
           </p:nvPr>
         </p:nvSpPr>
-        <p:spPr bwMode="auto">
-          <a:noFill/>
-          <a:ln>
-            <a:solidFill>
-              <a:srgbClr val="000000"/>
-            </a:solidFill>
-            <a:miter lim="800000"/>
-            <a:headEnd/>
-            <a:tailEnd/>
-          </a:ln>
-          <a:extLst>
-            <a:ext uri="{909E8E84-426E-40DD-AFC4-6F175D3DCCD1}">
-              <a14:hiddenFill xmlns:a14="http://schemas.microsoft.com/office/drawing/2010/main">
-                <a:solidFill>
-                  <a:srgbClr val="FFFFFF"/>
-                </a:solidFill>
-              </a14:hiddenFill>
-            </a:ext>
-          </a:extLst>
-        </p:spPr>
-      </p:sp>
-      <p:sp>
-        <p:nvSpPr>
-          <p:cNvPr id="14339" name="Espace réservé des notes 2">
-            <a:extLst>
-              <a:ext uri="{FF2B5EF4-FFF2-40B4-BE49-F238E27FC236}">
-                <a16:creationId xmlns:a16="http://schemas.microsoft.com/office/drawing/2014/main" id="{88BCBEEF-840C-4E35-8F65-1E2D31A27E18}"/>
-              </a:ext>
-            </a:extLst>
-          </p:cNvPr>
-          <p:cNvSpPr>
-            <a:spLocks noGrp="1" noChangeArrowheads="1"/>
+        <p:spPr/>
+      </p:sp>
+      <p:sp>
+        <p:nvSpPr>
+          <p:cNvPr id="3" name="Espace réservé des notes 2"/>
+          <p:cNvSpPr>
+            <a:spLocks noGrp="1"/>
           </p:cNvSpPr>
           <p:nvPr>
             <p:ph type="body" idx="1"/>
           </p:nvPr>
         </p:nvSpPr>
-        <p:spPr bwMode="auto">
-          <a:noFill/>
-          <a:extLst>
-            <a:ext uri="{909E8E84-426E-40DD-AFC4-6F175D3DCCD1}">
-              <a14:hiddenFill xmlns:a14="http://schemas.microsoft.com/office/drawing/2010/main">
-                <a:solidFill>
-                  <a:srgbClr val="FFFFFF"/>
-                </a:solidFill>
-              </a14:hiddenFill>
-            </a:ext>
-            <a:ext uri="{91240B29-F687-4F45-9708-019B960494DF}">
-              <a14:hiddenLine xmlns:a14="http://schemas.microsoft.com/office/drawing/2010/main" w="9525">
-                <a:solidFill>
-                  <a:srgbClr val="000000"/>
-                </a:solidFill>
-                <a:miter lim="800000"/>
-                <a:headEnd/>
-                <a:tailEnd/>
-              </a14:hiddenLine>
-            </a:ext>
-          </a:extLst>
-        </p:spPr>
-        <p:txBody>
-          <a:bodyPr wrap="square" numCol="1" anchor="t" anchorCtr="0" compatLnSpc="1">
-            <a:prstTxWarp prst="textNoShape">
-              <a:avLst/>
-            </a:prstTxWarp>
-          </a:bodyPr>
+        <p:spPr/>
+        <p:txBody>
+          <a:bodyPr/>
           <a:lstStyle/>
           <a:p>
+            <a:r>
+              <a:rPr lang="fr-FR" dirty="0"/>
+              <a:t>Meilleure corrélation entre total like et </a:t>
+            </a:r>
+            <a:r>
+              <a:rPr lang="fr-FR" dirty="0" err="1"/>
+              <a:t>actor</a:t>
+            </a:r>
+            <a:r>
+              <a:rPr lang="fr-FR" dirty="0"/>
+              <a:t> 1 like</a:t>
+            </a:r>
+          </a:p>
+          <a:p>
+            <a:r>
+              <a:rPr lang="fr-FR" dirty="0"/>
+              <a:t>Le score semble un peu corrélé avec nb critiques et nb de votant mais pas de tendance forte, ce qui semble normal</a:t>
+            </a:r>
+          </a:p>
+        </p:txBody>
+      </p:sp>
+      <p:sp>
+        <p:nvSpPr>
+          <p:cNvPr id="4" name="Espace réservé du numéro de diapositive 3"/>
+          <p:cNvSpPr>
+            <a:spLocks noGrp="1"/>
+          </p:cNvSpPr>
+          <p:nvPr>
+            <p:ph type="sldNum" sz="quarter" idx="10"/>
+          </p:nvPr>
+        </p:nvSpPr>
+        <p:spPr/>
+        <p:txBody>
+          <a:bodyPr/>
+          <a:lstStyle/>
+          <a:p>
             <a:pPr>
-              <a:spcBef>
-                <a:spcPct val="0"/>
-              </a:spcBef>
-            </a:pPr>
-            <a:r>
-              <a:rPr lang="fr-FR" altLang="fr-FR"/>
-              <a:t>3 groupes homogènes</a:t>
-            </a:r>
-          </a:p>
-        </p:txBody>
-      </p:sp>
-      <p:sp>
-        <p:nvSpPr>
-          <p:cNvPr id="14340" name="Espace réservé du numéro de diapositive 3">
-            <a:extLst>
-              <a:ext uri="{FF2B5EF4-FFF2-40B4-BE49-F238E27FC236}">
-                <a16:creationId xmlns:a16="http://schemas.microsoft.com/office/drawing/2014/main" id="{26D63B45-F8B4-4B3A-A116-EDD858FCA2CD}"/>
-              </a:ext>
-            </a:extLst>
-          </p:cNvPr>
-          <p:cNvSpPr>
-            <a:spLocks noGrp="1" noChangeArrowheads="1"/>
-          </p:cNvSpPr>
-          <p:nvPr>
-            <p:ph type="sldNum" sz="quarter" idx="5"/>
-          </p:nvPr>
-        </p:nvSpPr>
-        <p:spPr bwMode="auto">
-          <a:noFill/>
-          <a:extLst>
-            <a:ext uri="{909E8E84-426E-40DD-AFC4-6F175D3DCCD1}">
-              <a14:hiddenFill xmlns:a14="http://schemas.microsoft.com/office/drawing/2010/main">
-                <a:solidFill>
-                  <a:srgbClr val="FFFFFF"/>
-                </a:solidFill>
-              </a14:hiddenFill>
-            </a:ext>
-            <a:ext uri="{91240B29-F687-4F45-9708-019B960494DF}">
-              <a14:hiddenLine xmlns:a14="http://schemas.microsoft.com/office/drawing/2010/main" w="9525">
-                <a:solidFill>
-                  <a:srgbClr val="000000"/>
-                </a:solidFill>
-                <a:miter lim="800000"/>
-                <a:headEnd/>
-                <a:tailEnd/>
-              </a14:hiddenLine>
-            </a:ext>
-          </a:extLst>
-        </p:spPr>
-        <p:txBody>
-          <a:bodyPr wrap="square" numCol="1" anchorCtr="0" compatLnSpc="1">
-            <a:prstTxWarp prst="textNoShape">
-              <a:avLst/>
-            </a:prstTxWarp>
-          </a:bodyPr>
-          <a:lstStyle>
-            <a:lvl1pPr>
-              <a:defRPr>
-                <a:solidFill>
-                  <a:schemeClr val="tx1"/>
-                </a:solidFill>
-                <a:latin typeface="Calibri" panose="020F0502020204030204" pitchFamily="34" charset="0"/>
-              </a:defRPr>
-            </a:lvl1pPr>
-            <a:lvl2pPr marL="742950" indent="-285750">
-              <a:defRPr>
-                <a:solidFill>
-                  <a:schemeClr val="tx1"/>
-                </a:solidFill>
-                <a:latin typeface="Calibri" panose="020F0502020204030204" pitchFamily="34" charset="0"/>
-              </a:defRPr>
-            </a:lvl2pPr>
-            <a:lvl3pPr marL="1143000" indent="-228600">
-              <a:defRPr>
-                <a:solidFill>
-                  <a:schemeClr val="tx1"/>
-                </a:solidFill>
-                <a:latin typeface="Calibri" panose="020F0502020204030204" pitchFamily="34" charset="0"/>
-              </a:defRPr>
-            </a:lvl3pPr>
-            <a:lvl4pPr marL="1600200" indent="-228600">
-              <a:defRPr>
-                <a:solidFill>
-                  <a:schemeClr val="tx1"/>
-                </a:solidFill>
-                <a:latin typeface="Calibri" panose="020F0502020204030204" pitchFamily="34" charset="0"/>
-              </a:defRPr>
-            </a:lvl4pPr>
-            <a:lvl5pPr marL="2057400" indent="-228600">
-              <a:defRPr>
-                <a:solidFill>
-                  <a:schemeClr val="tx1"/>
-                </a:solidFill>
-                <a:latin typeface="Calibri" panose="020F0502020204030204" pitchFamily="34" charset="0"/>
-              </a:defRPr>
-            </a:lvl5pPr>
-            <a:lvl6pPr marL="2514600" indent="-228600" fontAlgn="base">
-              <a:spcBef>
-                <a:spcPct val="0"/>
-              </a:spcBef>
-              <a:spcAft>
-                <a:spcPct val="0"/>
-              </a:spcAft>
-              <a:defRPr>
-                <a:solidFill>
-                  <a:schemeClr val="tx1"/>
-                </a:solidFill>
-                <a:latin typeface="Calibri" panose="020F0502020204030204" pitchFamily="34" charset="0"/>
-              </a:defRPr>
-            </a:lvl6pPr>
-            <a:lvl7pPr marL="2971800" indent="-228600" fontAlgn="base">
-              <a:spcBef>
-                <a:spcPct val="0"/>
-              </a:spcBef>
-              <a:spcAft>
-                <a:spcPct val="0"/>
-              </a:spcAft>
-              <a:defRPr>
-                <a:solidFill>
-                  <a:schemeClr val="tx1"/>
-                </a:solidFill>
-                <a:latin typeface="Calibri" panose="020F0502020204030204" pitchFamily="34" charset="0"/>
-              </a:defRPr>
-            </a:lvl7pPr>
-            <a:lvl8pPr marL="3429000" indent="-228600" fontAlgn="base">
-              <a:spcBef>
-                <a:spcPct val="0"/>
-              </a:spcBef>
-              <a:spcAft>
-                <a:spcPct val="0"/>
-              </a:spcAft>
-              <a:defRPr>
-                <a:solidFill>
-                  <a:schemeClr val="tx1"/>
-                </a:solidFill>
-                <a:latin typeface="Calibri" panose="020F0502020204030204" pitchFamily="34" charset="0"/>
-              </a:defRPr>
-            </a:lvl8pPr>
-            <a:lvl9pPr marL="3886200" indent="-228600" fontAlgn="base">
-              <a:spcBef>
-                <a:spcPct val="0"/>
-              </a:spcBef>
-              <a:spcAft>
-                <a:spcPct val="0"/>
-              </a:spcAft>
-              <a:defRPr>
-                <a:solidFill>
-                  <a:schemeClr val="tx1"/>
-                </a:solidFill>
-                <a:latin typeface="Calibri" panose="020F0502020204030204" pitchFamily="34" charset="0"/>
-              </a:defRPr>
-            </a:lvl9pPr>
-          </a:lstStyle>
-          <a:p>
-            <a:pPr fontAlgn="base">
-              <a:spcBef>
-                <a:spcPct val="0"/>
-              </a:spcBef>
-              <a:spcAft>
-                <a:spcPct val="0"/>
-              </a:spcAft>
-            </a:pPr>
-            <a:fld id="{5D72102B-722F-46E5-AAFA-6ECBAD2129EF}" type="slidenum">
-              <a:rPr lang="fr-FR" altLang="fr-FR"/>
-              <a:pPr fontAlgn="base">
-                <a:spcBef>
-                  <a:spcPct val="0"/>
-                </a:spcBef>
-                <a:spcAft>
-                  <a:spcPct val="0"/>
-                </a:spcAft>
+              <a:defRPr/>
+            </a:pPr>
+            <a:fld id="{CC32C800-F1EC-4563-A4CB-7BFB6B498BC5}" type="slidenum">
+              <a:rPr lang="fr-FR" smtClean="0"/>
+              <a:pPr>
+                <a:defRPr/>
               </a:pPr>
-              <a:t>11</a:t>
+              <a:t>9</a:t>
             </a:fld>
-            <a:endParaRPr lang="fr-FR" altLang="fr-FR"/>
+            <a:endParaRPr lang="fr-FR"/>
           </a:p>
         </p:txBody>
       </p:sp>
     </p:spTree>
+    <p:extLst>
+      <p:ext uri="{BB962C8B-B14F-4D97-AF65-F5344CB8AC3E}">
+        <p14:creationId xmlns:p14="http://schemas.microsoft.com/office/powerpoint/2010/main" val="4203670404"/>
+      </p:ext>
+    </p:extLst>
   </p:cSld>
   <p:clrMapOvr>
     <a:masterClrMapping/>
@@ -1159,10 +1142,10 @@
       </p:grpSpPr>
       <p:sp>
         <p:nvSpPr>
-          <p:cNvPr id="16386" name="Espace réservé de l'image des diapositives 1">
-            <a:extLst>
-              <a:ext uri="{FF2B5EF4-FFF2-40B4-BE49-F238E27FC236}">
-                <a16:creationId xmlns:a16="http://schemas.microsoft.com/office/drawing/2014/main" id="{2345DD6C-5EDA-4931-A6EF-A96EFE9F4229}"/>
+          <p:cNvPr id="14338" name="Espace réservé de l'image des diapositives 1">
+            <a:extLst>
+              <a:ext uri="{FF2B5EF4-FFF2-40B4-BE49-F238E27FC236}">
+                <a16:creationId xmlns:a16="http://schemas.microsoft.com/office/drawing/2014/main" id="{BA52C493-889E-45DB-AAF0-CA5153F562FB}"/>
               </a:ext>
             </a:extLst>
           </p:cNvPr>
@@ -1196,10 +1179,10 @@
       </p:sp>
       <p:sp>
         <p:nvSpPr>
-          <p:cNvPr id="16387" name="Espace réservé des notes 2">
-            <a:extLst>
-              <a:ext uri="{FF2B5EF4-FFF2-40B4-BE49-F238E27FC236}">
-                <a16:creationId xmlns:a16="http://schemas.microsoft.com/office/drawing/2014/main" id="{10A377D1-3378-486F-BC86-A77661B202E9}"/>
+          <p:cNvPr id="14339" name="Espace réservé des notes 2">
+            <a:extLst>
+              <a:ext uri="{FF2B5EF4-FFF2-40B4-BE49-F238E27FC236}">
+                <a16:creationId xmlns:a16="http://schemas.microsoft.com/office/drawing/2014/main" id="{88BCBEEF-840C-4E35-8F65-1E2D31A27E18}"/>
               </a:ext>
             </a:extLst>
           </p:cNvPr>
@@ -1247,17 +1230,17 @@
             </a:pPr>
             <a:r>
               <a:rPr lang="fr-FR" altLang="fr-FR"/>
-              <a:t>Genre : c’est le plus important pour ne pas passer d’un dessin animé à un film d’horreur par ex</a:t>
-            </a:r>
-          </a:p>
-        </p:txBody>
-      </p:sp>
-      <p:sp>
-        <p:nvSpPr>
-          <p:cNvPr id="16388" name="Espace réservé du numéro de diapositive 3">
-            <a:extLst>
-              <a:ext uri="{FF2B5EF4-FFF2-40B4-BE49-F238E27FC236}">
-                <a16:creationId xmlns:a16="http://schemas.microsoft.com/office/drawing/2014/main" id="{B29AA347-89D0-4CF7-B044-3278EBC625BC}"/>
+              <a:t>3 groupes homogènes</a:t>
+            </a:r>
+          </a:p>
+        </p:txBody>
+      </p:sp>
+      <p:sp>
+        <p:nvSpPr>
+          <p:cNvPr id="14340" name="Espace réservé du numéro de diapositive 3">
+            <a:extLst>
+              <a:ext uri="{FF2B5EF4-FFF2-40B4-BE49-F238E27FC236}">
+                <a16:creationId xmlns:a16="http://schemas.microsoft.com/office/drawing/2014/main" id="{26D63B45-F8B4-4B3A-A116-EDD858FCA2CD}"/>
               </a:ext>
             </a:extLst>
           </p:cNvPr>
@@ -1403,7 +1386,7 @@
                 <a:spcPct val="0"/>
               </a:spcAft>
             </a:pPr>
-            <a:fld id="{A9A15043-B105-4DE9-8826-0F5DFE0C300D}" type="slidenum">
+            <a:fld id="{5D72102B-722F-46E5-AAFA-6ECBAD2129EF}" type="slidenum">
               <a:rPr lang="fr-FR" altLang="fr-FR"/>
               <a:pPr fontAlgn="base">
                 <a:spcBef>
@@ -1413,7 +1396,7 @@
                   <a:spcPct val="0"/>
                 </a:spcAft>
               </a:pPr>
-              <a:t>12</a:t>
+              <a:t>11</a:t>
             </a:fld>
             <a:endParaRPr lang="fr-FR" altLang="fr-FR"/>
           </a:p>
@@ -1446,10 +1429,10 @@
       </p:grpSpPr>
       <p:sp>
         <p:nvSpPr>
-          <p:cNvPr id="20482" name="Espace réservé de l'image des diapositives 1">
-            <a:extLst>
-              <a:ext uri="{FF2B5EF4-FFF2-40B4-BE49-F238E27FC236}">
-                <a16:creationId xmlns:a16="http://schemas.microsoft.com/office/drawing/2014/main" id="{7A6A9DBA-02DF-49A9-8C63-618D9C9703D4}"/>
+          <p:cNvPr id="16386" name="Espace réservé de l'image des diapositives 1">
+            <a:extLst>
+              <a:ext uri="{FF2B5EF4-FFF2-40B4-BE49-F238E27FC236}">
+                <a16:creationId xmlns:a16="http://schemas.microsoft.com/office/drawing/2014/main" id="{2345DD6C-5EDA-4931-A6EF-A96EFE9F4229}"/>
               </a:ext>
             </a:extLst>
           </p:cNvPr>
@@ -1483,10 +1466,10 @@
       </p:sp>
       <p:sp>
         <p:nvSpPr>
-          <p:cNvPr id="20483" name="Espace réservé des notes 2">
-            <a:extLst>
-              <a:ext uri="{FF2B5EF4-FFF2-40B4-BE49-F238E27FC236}">
-                <a16:creationId xmlns:a16="http://schemas.microsoft.com/office/drawing/2014/main" id="{A38DA539-9104-43AC-A6ED-355E9296F962}"/>
+          <p:cNvPr id="16387" name="Espace réservé des notes 2">
+            <a:extLst>
+              <a:ext uri="{FF2B5EF4-FFF2-40B4-BE49-F238E27FC236}">
+                <a16:creationId xmlns:a16="http://schemas.microsoft.com/office/drawing/2014/main" id="{10A377D1-3378-486F-BC86-A77661B202E9}"/>
               </a:ext>
             </a:extLst>
           </p:cNvPr>
@@ -1534,17 +1517,17 @@
             </a:pPr>
             <a:r>
               <a:rPr lang="fr-FR" altLang="fr-FR"/>
-              <a:t>Les 2 directions ppales expliquent de moins en moins la variance</a:t>
-            </a:r>
-          </a:p>
-        </p:txBody>
-      </p:sp>
-      <p:sp>
-        <p:nvSpPr>
-          <p:cNvPr id="20484" name="Espace réservé du numéro de diapositive 3">
-            <a:extLst>
-              <a:ext uri="{FF2B5EF4-FFF2-40B4-BE49-F238E27FC236}">
-                <a16:creationId xmlns:a16="http://schemas.microsoft.com/office/drawing/2014/main" id="{1E220833-D121-4FB5-8883-C70D7CF029A3}"/>
+              <a:t>Genre : c’est le plus important pour ne pas passer d’un dessin animé à un film d’horreur par ex</a:t>
+            </a:r>
+          </a:p>
+        </p:txBody>
+      </p:sp>
+      <p:sp>
+        <p:nvSpPr>
+          <p:cNvPr id="16388" name="Espace réservé du numéro de diapositive 3">
+            <a:extLst>
+              <a:ext uri="{FF2B5EF4-FFF2-40B4-BE49-F238E27FC236}">
+                <a16:creationId xmlns:a16="http://schemas.microsoft.com/office/drawing/2014/main" id="{B29AA347-89D0-4CF7-B044-3278EBC625BC}"/>
               </a:ext>
             </a:extLst>
           </p:cNvPr>
@@ -1690,7 +1673,7 @@
                 <a:spcPct val="0"/>
               </a:spcAft>
             </a:pPr>
-            <a:fld id="{713CF9BE-41D9-403D-8A7D-77D8C5154065}" type="slidenum">
+            <a:fld id="{A9A15043-B105-4DE9-8826-0F5DFE0C300D}" type="slidenum">
               <a:rPr lang="fr-FR" altLang="fr-FR"/>
               <a:pPr fontAlgn="base">
                 <a:spcBef>
@@ -1700,7 +1683,7 @@
                   <a:spcPct val="0"/>
                 </a:spcAft>
               </a:pPr>
-              <a:t>13</a:t>
+              <a:t>12</a:t>
             </a:fld>
             <a:endParaRPr lang="fr-FR" altLang="fr-FR"/>
           </a:p>
@@ -1733,10 +1716,10 @@
       </p:grpSpPr>
       <p:sp>
         <p:nvSpPr>
-          <p:cNvPr id="24578" name="Espace réservé de l'image des diapositives 1">
-            <a:extLst>
-              <a:ext uri="{FF2B5EF4-FFF2-40B4-BE49-F238E27FC236}">
-                <a16:creationId xmlns:a16="http://schemas.microsoft.com/office/drawing/2014/main" id="{B3FBB861-F563-4800-A866-7FFB5F0B8D0A}"/>
+          <p:cNvPr id="20482" name="Espace réservé de l'image des diapositives 1">
+            <a:extLst>
+              <a:ext uri="{FF2B5EF4-FFF2-40B4-BE49-F238E27FC236}">
+                <a16:creationId xmlns:a16="http://schemas.microsoft.com/office/drawing/2014/main" id="{7A6A9DBA-02DF-49A9-8C63-618D9C9703D4}"/>
               </a:ext>
             </a:extLst>
           </p:cNvPr>
@@ -1770,10 +1753,10 @@
       </p:sp>
       <p:sp>
         <p:nvSpPr>
-          <p:cNvPr id="24579" name="Espace réservé des notes 2">
-            <a:extLst>
-              <a:ext uri="{FF2B5EF4-FFF2-40B4-BE49-F238E27FC236}">
-                <a16:creationId xmlns:a16="http://schemas.microsoft.com/office/drawing/2014/main" id="{398ACF0A-8039-4D14-838B-E00EBE85CCB0}"/>
+          <p:cNvPr id="20483" name="Espace réservé des notes 2">
+            <a:extLst>
+              <a:ext uri="{FF2B5EF4-FFF2-40B4-BE49-F238E27FC236}">
+                <a16:creationId xmlns:a16="http://schemas.microsoft.com/office/drawing/2014/main" id="{A38DA539-9104-43AC-A6ED-355E9296F962}"/>
               </a:ext>
             </a:extLst>
           </p:cNvPr>
@@ -1821,17 +1804,17 @@
             </a:pPr>
             <a:r>
               <a:rPr lang="fr-FR" altLang="fr-FR"/>
-              <a:t>Pas de variable catégorielle : c’est ce qui explique le mieux la variance</a:t>
-            </a:r>
-          </a:p>
-        </p:txBody>
-      </p:sp>
-      <p:sp>
-        <p:nvSpPr>
-          <p:cNvPr id="24580" name="Espace réservé du numéro de diapositive 3">
-            <a:extLst>
-              <a:ext uri="{FF2B5EF4-FFF2-40B4-BE49-F238E27FC236}">
-                <a16:creationId xmlns:a16="http://schemas.microsoft.com/office/drawing/2014/main" id="{D7CBCEA1-C136-44A4-A8F1-0DBFF45C80F7}"/>
+              <a:t>Les 2 directions ppales expliquent de moins en moins la variance</a:t>
+            </a:r>
+          </a:p>
+        </p:txBody>
+      </p:sp>
+      <p:sp>
+        <p:nvSpPr>
+          <p:cNvPr id="20484" name="Espace réservé du numéro de diapositive 3">
+            <a:extLst>
+              <a:ext uri="{FF2B5EF4-FFF2-40B4-BE49-F238E27FC236}">
+                <a16:creationId xmlns:a16="http://schemas.microsoft.com/office/drawing/2014/main" id="{1E220833-D121-4FB5-8883-C70D7CF029A3}"/>
               </a:ext>
             </a:extLst>
           </p:cNvPr>
@@ -1977,7 +1960,7 @@
                 <a:spcPct val="0"/>
               </a:spcAft>
             </a:pPr>
-            <a:fld id="{FCCAF054-DC6F-41E0-B167-E9431BA5FF75}" type="slidenum">
+            <a:fld id="{713CF9BE-41D9-403D-8A7D-77D8C5154065}" type="slidenum">
               <a:rPr lang="fr-FR" altLang="fr-FR"/>
               <a:pPr fontAlgn="base">
                 <a:spcBef>
@@ -1987,7 +1970,7 @@
                   <a:spcPct val="0"/>
                 </a:spcAft>
               </a:pPr>
-              <a:t>16</a:t>
+              <a:t>13</a:t>
             </a:fld>
             <a:endParaRPr lang="fr-FR" altLang="fr-FR"/>
           </a:p>
@@ -2020,10 +2003,10 @@
       </p:grpSpPr>
       <p:sp>
         <p:nvSpPr>
-          <p:cNvPr id="30722" name="Espace réservé de l'image des diapositives 1">
-            <a:extLst>
-              <a:ext uri="{FF2B5EF4-FFF2-40B4-BE49-F238E27FC236}">
-                <a16:creationId xmlns:a16="http://schemas.microsoft.com/office/drawing/2014/main" id="{FD2408B1-5AB2-4593-8D1A-FD64F7E5EF56}"/>
+          <p:cNvPr id="24578" name="Espace réservé de l'image des diapositives 1">
+            <a:extLst>
+              <a:ext uri="{FF2B5EF4-FFF2-40B4-BE49-F238E27FC236}">
+                <a16:creationId xmlns:a16="http://schemas.microsoft.com/office/drawing/2014/main" id="{B3FBB861-F563-4800-A866-7FFB5F0B8D0A}"/>
               </a:ext>
             </a:extLst>
           </p:cNvPr>
@@ -2057,10 +2040,10 @@
       </p:sp>
       <p:sp>
         <p:nvSpPr>
-          <p:cNvPr id="30723" name="Espace réservé des notes 2">
-            <a:extLst>
-              <a:ext uri="{FF2B5EF4-FFF2-40B4-BE49-F238E27FC236}">
-                <a16:creationId xmlns:a16="http://schemas.microsoft.com/office/drawing/2014/main" id="{12ECAC57-7E0D-4A84-A332-79C0DC55F3E1}"/>
+          <p:cNvPr id="24579" name="Espace réservé des notes 2">
+            <a:extLst>
+              <a:ext uri="{FF2B5EF4-FFF2-40B4-BE49-F238E27FC236}">
+                <a16:creationId xmlns:a16="http://schemas.microsoft.com/office/drawing/2014/main" id="{398ACF0A-8039-4D14-838B-E00EBE85CCB0}"/>
               </a:ext>
             </a:extLst>
           </p:cNvPr>
@@ -2108,17 +2091,17 @@
             </a:pPr>
             <a:r>
               <a:rPr lang="fr-FR" altLang="fr-FR"/>
-              <a:t>single, complete, average, weighted, centroid, median</a:t>
-            </a:r>
-          </a:p>
-        </p:txBody>
-      </p:sp>
-      <p:sp>
-        <p:nvSpPr>
-          <p:cNvPr id="30724" name="Espace réservé du numéro de diapositive 3">
-            <a:extLst>
-              <a:ext uri="{FF2B5EF4-FFF2-40B4-BE49-F238E27FC236}">
-                <a16:creationId xmlns:a16="http://schemas.microsoft.com/office/drawing/2014/main" id="{26E17676-F4B7-4002-80BA-2936DEF0EFFA}"/>
+              <a:t>Pas de variable catégorielle : c’est ce qui explique le mieux la variance</a:t>
+            </a:r>
+          </a:p>
+        </p:txBody>
+      </p:sp>
+      <p:sp>
+        <p:nvSpPr>
+          <p:cNvPr id="24580" name="Espace réservé du numéro de diapositive 3">
+            <a:extLst>
+              <a:ext uri="{FF2B5EF4-FFF2-40B4-BE49-F238E27FC236}">
+                <a16:creationId xmlns:a16="http://schemas.microsoft.com/office/drawing/2014/main" id="{D7CBCEA1-C136-44A4-A8F1-0DBFF45C80F7}"/>
               </a:ext>
             </a:extLst>
           </p:cNvPr>
@@ -2264,7 +2247,7 @@
                 <a:spcPct val="0"/>
               </a:spcAft>
             </a:pPr>
-            <a:fld id="{6690AEBB-A830-4DED-9A64-9252EA96448D}" type="slidenum">
+            <a:fld id="{FCCAF054-DC6F-41E0-B167-E9431BA5FF75}" type="slidenum">
               <a:rPr lang="fr-FR" altLang="fr-FR"/>
               <a:pPr fontAlgn="base">
                 <a:spcBef>
@@ -2274,7 +2257,7 @@
                   <a:spcPct val="0"/>
                 </a:spcAft>
               </a:pPr>
-              <a:t>21</a:t>
+              <a:t>16</a:t>
             </a:fld>
             <a:endParaRPr lang="fr-FR" altLang="fr-FR"/>
           </a:p>
@@ -2307,10 +2290,10 @@
       </p:grpSpPr>
       <p:sp>
         <p:nvSpPr>
-          <p:cNvPr id="32770" name="Espace réservé de l'image des diapositives 1">
-            <a:extLst>
-              <a:ext uri="{FF2B5EF4-FFF2-40B4-BE49-F238E27FC236}">
-                <a16:creationId xmlns:a16="http://schemas.microsoft.com/office/drawing/2014/main" id="{2F151DCA-3FEC-4CBE-B51D-83790F21DFC8}"/>
+          <p:cNvPr id="30722" name="Espace réservé de l'image des diapositives 1">
+            <a:extLst>
+              <a:ext uri="{FF2B5EF4-FFF2-40B4-BE49-F238E27FC236}">
+                <a16:creationId xmlns:a16="http://schemas.microsoft.com/office/drawing/2014/main" id="{FD2408B1-5AB2-4593-8D1A-FD64F7E5EF56}"/>
               </a:ext>
             </a:extLst>
           </p:cNvPr>
@@ -2344,10 +2327,10 @@
       </p:sp>
       <p:sp>
         <p:nvSpPr>
-          <p:cNvPr id="32771" name="Espace réservé des notes 2">
-            <a:extLst>
-              <a:ext uri="{FF2B5EF4-FFF2-40B4-BE49-F238E27FC236}">
-                <a16:creationId xmlns:a16="http://schemas.microsoft.com/office/drawing/2014/main" id="{4242D3E0-5AE0-4124-BC3E-2A89151183DB}"/>
+          <p:cNvPr id="30723" name="Espace réservé des notes 2">
+            <a:extLst>
+              <a:ext uri="{FF2B5EF4-FFF2-40B4-BE49-F238E27FC236}">
+                <a16:creationId xmlns:a16="http://schemas.microsoft.com/office/drawing/2014/main" id="{12ECAC57-7E0D-4A84-A332-79C0DC55F3E1}"/>
               </a:ext>
             </a:extLst>
           </p:cNvPr>
@@ -2395,27 +2378,17 @@
             </a:pPr>
             <a:r>
               <a:rPr lang="fr-FR" altLang="fr-FR"/>
-              <a:t>mesure de la fidélité avec laquelle un </a:t>
-            </a:r>
-            <a:r>
-              <a:rPr lang="fr-FR" altLang="fr-FR">
-                <a:hlinkClick r:id="rId3" tooltip="Dendrogramme"/>
-              </a:rPr>
-              <a:t>dendrogramme</a:t>
-            </a:r>
-            <a:r>
-              <a:rPr lang="fr-FR" altLang="fr-FR"/>
-              <a:t> préserve les distances par paires entre les points de données originaux non modélisés</a:t>
-            </a:r>
-          </a:p>
-        </p:txBody>
-      </p:sp>
-      <p:sp>
-        <p:nvSpPr>
-          <p:cNvPr id="32772" name="Espace réservé du numéro de diapositive 3">
-            <a:extLst>
-              <a:ext uri="{FF2B5EF4-FFF2-40B4-BE49-F238E27FC236}">
-                <a16:creationId xmlns:a16="http://schemas.microsoft.com/office/drawing/2014/main" id="{0A91007D-7647-4100-A6DA-4B82B2C8F3E7}"/>
+              <a:t>single, complete, average, weighted, centroid, median</a:t>
+            </a:r>
+          </a:p>
+        </p:txBody>
+      </p:sp>
+      <p:sp>
+        <p:nvSpPr>
+          <p:cNvPr id="30724" name="Espace réservé du numéro de diapositive 3">
+            <a:extLst>
+              <a:ext uri="{FF2B5EF4-FFF2-40B4-BE49-F238E27FC236}">
+                <a16:creationId xmlns:a16="http://schemas.microsoft.com/office/drawing/2014/main" id="{26E17676-F4B7-4002-80BA-2936DEF0EFFA}"/>
               </a:ext>
             </a:extLst>
           </p:cNvPr>
@@ -2561,7 +2534,7 @@
                 <a:spcPct val="0"/>
               </a:spcAft>
             </a:pPr>
-            <a:fld id="{358AF7FF-E5EB-4902-B3CD-E2820BF6276B}" type="slidenum">
+            <a:fld id="{6690AEBB-A830-4DED-9A64-9252EA96448D}" type="slidenum">
               <a:rPr lang="fr-FR" altLang="fr-FR"/>
               <a:pPr fontAlgn="base">
                 <a:spcBef>
@@ -2571,7 +2544,7 @@
                   <a:spcPct val="0"/>
                 </a:spcAft>
               </a:pPr>
-              <a:t>22</a:t>
+              <a:t>21</a:t>
             </a:fld>
             <a:endParaRPr lang="fr-FR" altLang="fr-FR"/>
           </a:p>
@@ -2858,7 +2831,7 @@
                   <a:spcPct val="0"/>
                 </a:spcAft>
               </a:pPr>
-              <a:t>30</a:t>
+              <a:t>29</a:t>
             </a:fld>
             <a:endParaRPr lang="fr-FR" altLang="fr-FR"/>
           </a:p>
@@ -3029,7 +3002,7 @@
               <a:pPr>
                 <a:defRPr/>
               </a:pPr>
-              <a:t>29/01/2018</a:t>
+              <a:t>30/01/2018</a:t>
             </a:fld>
             <a:endParaRPr lang="fr-FR"/>
           </a:p>
@@ -3254,7 +3227,7 @@
               <a:pPr>
                 <a:defRPr/>
               </a:pPr>
-              <a:t>29/01/2018</a:t>
+              <a:t>30/01/2018</a:t>
             </a:fld>
             <a:endParaRPr lang="fr-FR"/>
           </a:p>
@@ -3489,7 +3462,7 @@
               <a:pPr>
                 <a:defRPr/>
               </a:pPr>
-              <a:t>29/01/2018</a:t>
+              <a:t>30/01/2018</a:t>
             </a:fld>
             <a:endParaRPr lang="fr-FR"/>
           </a:p>
@@ -3714,7 +3687,7 @@
               <a:pPr>
                 <a:defRPr/>
               </a:pPr>
-              <a:t>29/01/2018</a:t>
+              <a:t>30/01/2018</a:t>
             </a:fld>
             <a:endParaRPr lang="fr-FR"/>
           </a:p>
@@ -4016,7 +3989,7 @@
               <a:pPr>
                 <a:defRPr/>
               </a:pPr>
-              <a:t>29/01/2018</a:t>
+              <a:t>30/01/2018</a:t>
             </a:fld>
             <a:endParaRPr lang="fr-FR"/>
           </a:p>
@@ -4308,7 +4281,7 @@
               <a:pPr>
                 <a:defRPr/>
               </a:pPr>
-              <a:t>29/01/2018</a:t>
+              <a:t>30/01/2018</a:t>
             </a:fld>
             <a:endParaRPr lang="fr-FR"/>
           </a:p>
@@ -4747,7 +4720,7 @@
               <a:pPr>
                 <a:defRPr/>
               </a:pPr>
-              <a:t>29/01/2018</a:t>
+              <a:t>30/01/2018</a:t>
             </a:fld>
             <a:endParaRPr lang="fr-FR"/>
           </a:p>
@@ -4915,7 +4888,7 @@
               <a:pPr>
                 <a:defRPr/>
               </a:pPr>
-              <a:t>29/01/2018</a:t>
+              <a:t>30/01/2018</a:t>
             </a:fld>
             <a:endParaRPr lang="fr-FR"/>
           </a:p>
@@ -5055,7 +5028,7 @@
               <a:pPr>
                 <a:defRPr/>
               </a:pPr>
-              <a:t>29/01/2018</a:t>
+              <a:t>30/01/2018</a:t>
             </a:fld>
             <a:endParaRPr lang="fr-FR"/>
           </a:p>
@@ -5393,7 +5366,7 @@
               <a:pPr>
                 <a:defRPr/>
               </a:pPr>
-              <a:t>29/01/2018</a:t>
+              <a:t>30/01/2018</a:t>
             </a:fld>
             <a:endParaRPr lang="fr-FR"/>
           </a:p>
@@ -5711,7 +5684,7 @@
               <a:pPr>
                 <a:defRPr/>
               </a:pPr>
-              <a:t>29/01/2018</a:t>
+              <a:t>30/01/2018</a:t>
             </a:fld>
             <a:endParaRPr lang="fr-FR"/>
           </a:p>
@@ -6036,7 +6009,7 @@
               <a:pPr>
                 <a:defRPr/>
               </a:pPr>
-              <a:t>29/01/2018</a:t>
+              <a:t>30/01/2018</a:t>
             </a:fld>
             <a:endParaRPr lang="fr-FR"/>
           </a:p>
@@ -7942,12 +7915,15 @@
           <a:bodyPr/>
           <a:lstStyle/>
           <a:p>
-            <a:endParaRPr lang="fr-FR" altLang="fr-FR" dirty="0"/>
-          </a:p>
-          <a:p>
             <a:r>
               <a:rPr lang="fr-FR" altLang="fr-FR" dirty="0"/>
-              <a:t>Introduction - Les données</a:t>
+              <a:t>Introduction</a:t>
+            </a:r>
+          </a:p>
+          <a:p>
+            <a:r>
+              <a:rPr lang="fr-FR" altLang="fr-FR" dirty="0"/>
+              <a:t>Les données</a:t>
             </a:r>
           </a:p>
           <a:p>
@@ -8147,20 +8123,36 @@
           <a:lstStyle/>
           <a:p>
             <a:r>
-              <a:rPr lang="fr-FR" altLang="fr-FR"/>
+              <a:rPr lang="fr-FR" altLang="fr-FR" dirty="0"/>
               <a:t>On va vérifier qu’il n’y a pas de découpage en clusters évident</a:t>
             </a:r>
           </a:p>
           <a:p>
             <a:r>
-              <a:rPr lang="fr-FR" altLang="fr-FR"/>
-              <a:t>Métrique utilisée : clustering de Ward</a:t>
-            </a:r>
-          </a:p>
-          <a:p>
-            <a:r>
-              <a:rPr lang="fr-FR" altLang="fr-FR"/>
-              <a:t>Pas mieux avec les autres métriques (single, complete, average…) </a:t>
+              <a:rPr lang="fr-FR" altLang="fr-FR" dirty="0"/>
+              <a:t>Méthode utilisée : clustering de Ward</a:t>
+            </a:r>
+          </a:p>
+          <a:p>
+            <a:r>
+              <a:rPr lang="fr-FR" altLang="fr-FR" dirty="0"/>
+              <a:t>Pas mieux avec les autres méthodes (single, </a:t>
+            </a:r>
+            <a:r>
+              <a:rPr lang="fr-FR" altLang="fr-FR" dirty="0" err="1"/>
+              <a:t>complete</a:t>
+            </a:r>
+            <a:r>
+              <a:rPr lang="fr-FR" altLang="fr-FR" dirty="0"/>
+              <a:t>, </a:t>
+            </a:r>
+            <a:r>
+              <a:rPr lang="fr-FR" altLang="fr-FR" dirty="0" err="1"/>
+              <a:t>average</a:t>
+            </a:r>
+            <a:r>
+              <a:rPr lang="fr-FR" altLang="fr-FR" dirty="0"/>
+              <a:t>…) </a:t>
             </a:r>
           </a:p>
         </p:txBody>
@@ -8192,10 +8184,10 @@
       </p:grpSpPr>
       <p:sp>
         <p:nvSpPr>
-          <p:cNvPr id="31746" name="Titre 1">
-            <a:extLst>
-              <a:ext uri="{FF2B5EF4-FFF2-40B4-BE49-F238E27FC236}">
-                <a16:creationId xmlns:a16="http://schemas.microsoft.com/office/drawing/2014/main" id="{EEE9DDCE-16F1-4B30-8B93-9004689A0E87}"/>
+          <p:cNvPr id="33794" name="Titre 1">
+            <a:extLst>
+              <a:ext uri="{FF2B5EF4-FFF2-40B4-BE49-F238E27FC236}">
+                <a16:creationId xmlns:a16="http://schemas.microsoft.com/office/drawing/2014/main" id="{20EE41D1-B5E4-4FB5-ACB7-C4F95FE03FF2}"/>
               </a:ext>
             </a:extLst>
           </p:cNvPr>
@@ -8214,22 +8206,17 @@
             <a:pPr algn="ctr"/>
             <a:r>
               <a:rPr lang="fr-FR" altLang="fr-FR" dirty="0"/>
-              <a:t>Coefficient de corrélation </a:t>
-            </a:r>
-            <a:r>
-              <a:rPr lang="fr-FR" altLang="fr-FR" dirty="0" err="1"/>
-              <a:t>cophénetique</a:t>
-            </a:r>
-            <a:endParaRPr lang="fr-FR" altLang="fr-FR" dirty="0"/>
+              <a:t>Cas 1 : Difficile de trancher</a:t>
+            </a:r>
           </a:p>
         </p:txBody>
       </p:sp>
       <p:pic>
         <p:nvPicPr>
-          <p:cNvPr id="31747" name="Espace réservé du contenu 3">
-            <a:extLst>
-              <a:ext uri="{FF2B5EF4-FFF2-40B4-BE49-F238E27FC236}">
-                <a16:creationId xmlns:a16="http://schemas.microsoft.com/office/drawing/2014/main" id="{51A9CC83-719E-452A-B97C-7A81C75800B9}"/>
+          <p:cNvPr id="33795" name="Espace réservé du contenu 3">
+            <a:extLst>
+              <a:ext uri="{FF2B5EF4-FFF2-40B4-BE49-F238E27FC236}">
+                <a16:creationId xmlns:a16="http://schemas.microsoft.com/office/drawing/2014/main" id="{D77E55A6-8875-441A-A9C6-37983EF2FB82}"/>
               </a:ext>
             </a:extLst>
           </p:cNvPr>
@@ -8241,7 +8228,7 @@
           </p:nvPr>
         </p:nvPicPr>
         <p:blipFill>
-          <a:blip r:embed="rId3">
+          <a:blip r:embed="rId2">
             <a:extLst>
               <a:ext uri="{28A0092B-C50C-407E-A947-70E740481C1C}">
                 <a14:useLocalDpi xmlns:a14="http://schemas.microsoft.com/office/drawing/2010/main" val="0"/>
@@ -8255,168 +8242,11 @@
         </p:blipFill>
         <p:spPr>
           <a:xfrm>
-            <a:off x="6553200" y="1457325"/>
-            <a:ext cx="5303838" cy="5008563"/>
+            <a:off x="1995488" y="1825625"/>
+            <a:ext cx="8201025" cy="4351338"/>
           </a:xfrm>
         </p:spPr>
       </p:pic>
-      <p:sp>
-        <p:nvSpPr>
-          <p:cNvPr id="31748" name="ZoneTexte 4">
-            <a:extLst>
-              <a:ext uri="{FF2B5EF4-FFF2-40B4-BE49-F238E27FC236}">
-                <a16:creationId xmlns:a16="http://schemas.microsoft.com/office/drawing/2014/main" id="{AD005C64-776B-4E3E-A752-827CD8AAEF5F}"/>
-              </a:ext>
-            </a:extLst>
-          </p:cNvPr>
-          <p:cNvSpPr txBox="1">
-            <a:spLocks noChangeArrowheads="1"/>
-          </p:cNvSpPr>
-          <p:nvPr/>
-        </p:nvSpPr>
-        <p:spPr bwMode="auto">
-          <a:xfrm>
-            <a:off x="755650" y="1884363"/>
-            <a:ext cx="5300663" cy="646112"/>
-          </a:xfrm>
-          <a:prstGeom prst="rect">
-            <a:avLst/>
-          </a:prstGeom>
-          <a:noFill/>
-          <a:ln>
-            <a:noFill/>
-          </a:ln>
-          <a:extLst>
-            <a:ext uri="{909E8E84-426E-40DD-AFC4-6F175D3DCCD1}">
-              <a14:hiddenFill xmlns:a14="http://schemas.microsoft.com/office/drawing/2010/main">
-                <a:solidFill>
-                  <a:srgbClr val="FFFFFF"/>
-                </a:solidFill>
-              </a14:hiddenFill>
-            </a:ext>
-            <a:ext uri="{91240B29-F687-4F45-9708-019B960494DF}">
-              <a14:hiddenLine xmlns:a14="http://schemas.microsoft.com/office/drawing/2010/main" w="9525">
-                <a:solidFill>
-                  <a:srgbClr val="000000"/>
-                </a:solidFill>
-                <a:miter lim="800000"/>
-                <a:headEnd/>
-                <a:tailEnd/>
-              </a14:hiddenLine>
-            </a:ext>
-          </a:extLst>
-        </p:spPr>
-        <p:txBody>
-          <a:bodyPr>
-            <a:spAutoFit/>
-          </a:bodyPr>
-          <a:lstStyle>
-            <a:lvl1pPr>
-              <a:defRPr>
-                <a:solidFill>
-                  <a:schemeClr val="tx1"/>
-                </a:solidFill>
-                <a:latin typeface="Calibri" panose="020F0502020204030204" pitchFamily="34" charset="0"/>
-              </a:defRPr>
-            </a:lvl1pPr>
-            <a:lvl2pPr marL="742950" indent="-285750">
-              <a:defRPr>
-                <a:solidFill>
-                  <a:schemeClr val="tx1"/>
-                </a:solidFill>
-                <a:latin typeface="Calibri" panose="020F0502020204030204" pitchFamily="34" charset="0"/>
-              </a:defRPr>
-            </a:lvl2pPr>
-            <a:lvl3pPr marL="1143000" indent="-228600">
-              <a:defRPr>
-                <a:solidFill>
-                  <a:schemeClr val="tx1"/>
-                </a:solidFill>
-                <a:latin typeface="Calibri" panose="020F0502020204030204" pitchFamily="34" charset="0"/>
-              </a:defRPr>
-            </a:lvl3pPr>
-            <a:lvl4pPr marL="1600200" indent="-228600">
-              <a:defRPr>
-                <a:solidFill>
-                  <a:schemeClr val="tx1"/>
-                </a:solidFill>
-                <a:latin typeface="Calibri" panose="020F0502020204030204" pitchFamily="34" charset="0"/>
-              </a:defRPr>
-            </a:lvl4pPr>
-            <a:lvl5pPr marL="2057400" indent="-228600">
-              <a:defRPr>
-                <a:solidFill>
-                  <a:schemeClr val="tx1"/>
-                </a:solidFill>
-                <a:latin typeface="Calibri" panose="020F0502020204030204" pitchFamily="34" charset="0"/>
-              </a:defRPr>
-            </a:lvl5pPr>
-            <a:lvl6pPr marL="2514600" indent="-228600" fontAlgn="base">
-              <a:spcBef>
-                <a:spcPct val="0"/>
-              </a:spcBef>
-              <a:spcAft>
-                <a:spcPct val="0"/>
-              </a:spcAft>
-              <a:defRPr>
-                <a:solidFill>
-                  <a:schemeClr val="tx1"/>
-                </a:solidFill>
-                <a:latin typeface="Calibri" panose="020F0502020204030204" pitchFamily="34" charset="0"/>
-              </a:defRPr>
-            </a:lvl6pPr>
-            <a:lvl7pPr marL="2971800" indent="-228600" fontAlgn="base">
-              <a:spcBef>
-                <a:spcPct val="0"/>
-              </a:spcBef>
-              <a:spcAft>
-                <a:spcPct val="0"/>
-              </a:spcAft>
-              <a:defRPr>
-                <a:solidFill>
-                  <a:schemeClr val="tx1"/>
-                </a:solidFill>
-                <a:latin typeface="Calibri" panose="020F0502020204030204" pitchFamily="34" charset="0"/>
-              </a:defRPr>
-            </a:lvl7pPr>
-            <a:lvl8pPr marL="3429000" indent="-228600" fontAlgn="base">
-              <a:spcBef>
-                <a:spcPct val="0"/>
-              </a:spcBef>
-              <a:spcAft>
-                <a:spcPct val="0"/>
-              </a:spcAft>
-              <a:defRPr>
-                <a:solidFill>
-                  <a:schemeClr val="tx1"/>
-                </a:solidFill>
-                <a:latin typeface="Calibri" panose="020F0502020204030204" pitchFamily="34" charset="0"/>
-              </a:defRPr>
-            </a:lvl8pPr>
-            <a:lvl9pPr marL="3886200" indent="-228600" fontAlgn="base">
-              <a:spcBef>
-                <a:spcPct val="0"/>
-              </a:spcBef>
-              <a:spcAft>
-                <a:spcPct val="0"/>
-              </a:spcAft>
-              <a:defRPr>
-                <a:solidFill>
-                  <a:schemeClr val="tx1"/>
-                </a:solidFill>
-                <a:latin typeface="Calibri" panose="020F0502020204030204" pitchFamily="34" charset="0"/>
-              </a:defRPr>
-            </a:lvl9pPr>
-          </a:lstStyle>
-          <a:p>
-            <a:pPr eaLnBrk="1" hangingPunct="1"/>
-            <a:r>
-              <a:rPr lang="fr-FR" altLang="fr-FR"/>
-              <a:t>La métrique qui préserve le mieux les distances est ‘average’</a:t>
-            </a:r>
-          </a:p>
-        </p:txBody>
-      </p:sp>
     </p:spTree>
   </p:cSld>
   <p:clrMapOvr>
@@ -8444,10 +8274,10 @@
       </p:grpSpPr>
       <p:sp>
         <p:nvSpPr>
-          <p:cNvPr id="33794" name="Titre 1">
-            <a:extLst>
-              <a:ext uri="{FF2B5EF4-FFF2-40B4-BE49-F238E27FC236}">
-                <a16:creationId xmlns:a16="http://schemas.microsoft.com/office/drawing/2014/main" id="{20EE41D1-B5E4-4FB5-ACB7-C4F95FE03FF2}"/>
+          <p:cNvPr id="34818" name="Titre 1">
+            <a:extLst>
+              <a:ext uri="{FF2B5EF4-FFF2-40B4-BE49-F238E27FC236}">
+                <a16:creationId xmlns:a16="http://schemas.microsoft.com/office/drawing/2014/main" id="{01604B64-58F1-47B7-8E07-DBD7E5694D7E}"/>
               </a:ext>
             </a:extLst>
           </p:cNvPr>
@@ -8466,17 +8296,17 @@
             <a:pPr algn="ctr"/>
             <a:r>
               <a:rPr lang="fr-FR" altLang="fr-FR" dirty="0"/>
-              <a:t>Cas 1 : Difficile de trancher</a:t>
+              <a:t>Cas 2 : Pas mieux</a:t>
             </a:r>
           </a:p>
         </p:txBody>
       </p:sp>
       <p:pic>
         <p:nvPicPr>
-          <p:cNvPr id="33795" name="Espace réservé du contenu 3">
-            <a:extLst>
-              <a:ext uri="{FF2B5EF4-FFF2-40B4-BE49-F238E27FC236}">
-                <a16:creationId xmlns:a16="http://schemas.microsoft.com/office/drawing/2014/main" id="{D77E55A6-8875-441A-A9C6-37983EF2FB82}"/>
+          <p:cNvPr id="34819" name="Espace réservé du contenu 3">
+            <a:extLst>
+              <a:ext uri="{FF2B5EF4-FFF2-40B4-BE49-F238E27FC236}">
+                <a16:creationId xmlns:a16="http://schemas.microsoft.com/office/drawing/2014/main" id="{F8EACCAA-0DAA-45AE-B0A0-0202033BEEB9}"/>
               </a:ext>
             </a:extLst>
           </p:cNvPr>
@@ -8502,8 +8332,8 @@
         </p:blipFill>
         <p:spPr>
           <a:xfrm>
-            <a:off x="1995488" y="1825625"/>
-            <a:ext cx="8201025" cy="4351338"/>
+            <a:off x="2071688" y="1825625"/>
+            <a:ext cx="8048625" cy="4351338"/>
           </a:xfrm>
         </p:spPr>
       </p:pic>
@@ -8534,10 +8364,10 @@
       </p:grpSpPr>
       <p:sp>
         <p:nvSpPr>
-          <p:cNvPr id="34818" name="Titre 1">
-            <a:extLst>
-              <a:ext uri="{FF2B5EF4-FFF2-40B4-BE49-F238E27FC236}">
-                <a16:creationId xmlns:a16="http://schemas.microsoft.com/office/drawing/2014/main" id="{01604B64-58F1-47B7-8E07-DBD7E5694D7E}"/>
+          <p:cNvPr id="35842" name="Titre 1">
+            <a:extLst>
+              <a:ext uri="{FF2B5EF4-FFF2-40B4-BE49-F238E27FC236}">
+                <a16:creationId xmlns:a16="http://schemas.microsoft.com/office/drawing/2014/main" id="{96CC4F1D-1A02-4934-AEA5-A9E3BFF0C744}"/>
               </a:ext>
             </a:extLst>
           </p:cNvPr>
@@ -8556,17 +8386,17 @@
             <a:pPr algn="ctr"/>
             <a:r>
               <a:rPr lang="fr-FR" altLang="fr-FR" dirty="0"/>
-              <a:t>Cas 2 : Pas mieux</a:t>
+              <a:t>Cas 3 : Encore pire</a:t>
             </a:r>
           </a:p>
         </p:txBody>
       </p:sp>
       <p:pic>
         <p:nvPicPr>
-          <p:cNvPr id="34819" name="Espace réservé du contenu 3">
-            <a:extLst>
-              <a:ext uri="{FF2B5EF4-FFF2-40B4-BE49-F238E27FC236}">
-                <a16:creationId xmlns:a16="http://schemas.microsoft.com/office/drawing/2014/main" id="{F8EACCAA-0DAA-45AE-B0A0-0202033BEEB9}"/>
+          <p:cNvPr id="35843" name="Espace réservé du contenu 3">
+            <a:extLst>
+              <a:ext uri="{FF2B5EF4-FFF2-40B4-BE49-F238E27FC236}">
+                <a16:creationId xmlns:a16="http://schemas.microsoft.com/office/drawing/2014/main" id="{BEA34C67-7A43-4727-848F-7C5DD5BD3C94}"/>
               </a:ext>
             </a:extLst>
           </p:cNvPr>
@@ -8592,8 +8422,8 @@
         </p:blipFill>
         <p:spPr>
           <a:xfrm>
-            <a:off x="2071688" y="1825625"/>
-            <a:ext cx="8048625" cy="4351338"/>
+            <a:off x="1992313" y="1825625"/>
+            <a:ext cx="8207375" cy="4351338"/>
           </a:xfrm>
         </p:spPr>
       </p:pic>
@@ -8624,10 +8454,10 @@
       </p:grpSpPr>
       <p:sp>
         <p:nvSpPr>
-          <p:cNvPr id="35842" name="Titre 1">
-            <a:extLst>
-              <a:ext uri="{FF2B5EF4-FFF2-40B4-BE49-F238E27FC236}">
-                <a16:creationId xmlns:a16="http://schemas.microsoft.com/office/drawing/2014/main" id="{96CC4F1D-1A02-4934-AEA5-A9E3BFF0C744}"/>
+          <p:cNvPr id="36866" name="Titre 1">
+            <a:extLst>
+              <a:ext uri="{FF2B5EF4-FFF2-40B4-BE49-F238E27FC236}">
+                <a16:creationId xmlns:a16="http://schemas.microsoft.com/office/drawing/2014/main" id="{8A2B7A7E-C142-4967-8F38-DDE5B742654A}"/>
               </a:ext>
             </a:extLst>
           </p:cNvPr>
@@ -8646,17 +8476,25 @@
             <a:pPr algn="ctr"/>
             <a:r>
               <a:rPr lang="fr-FR" altLang="fr-FR" dirty="0"/>
-              <a:t>Cas 3 : Encore pire</a:t>
+              <a:t>Avec la métrique </a:t>
+            </a:r>
+            <a:r>
+              <a:rPr lang="fr-FR" altLang="fr-FR" dirty="0" err="1"/>
+              <a:t>average</a:t>
+            </a:r>
+            <a:r>
+              <a:rPr lang="fr-FR" altLang="fr-FR" dirty="0"/>
+              <a:t> cas 1</a:t>
             </a:r>
           </a:p>
         </p:txBody>
       </p:sp>
       <p:pic>
         <p:nvPicPr>
-          <p:cNvPr id="35843" name="Espace réservé du contenu 3">
-            <a:extLst>
-              <a:ext uri="{FF2B5EF4-FFF2-40B4-BE49-F238E27FC236}">
-                <a16:creationId xmlns:a16="http://schemas.microsoft.com/office/drawing/2014/main" id="{BEA34C67-7A43-4727-848F-7C5DD5BD3C94}"/>
+          <p:cNvPr id="36867" name="Espace réservé du contenu 6">
+            <a:extLst>
+              <a:ext uri="{FF2B5EF4-FFF2-40B4-BE49-F238E27FC236}">
+                <a16:creationId xmlns:a16="http://schemas.microsoft.com/office/drawing/2014/main" id="{9C499DE9-79DC-46FB-B290-69FD2311810F}"/>
               </a:ext>
             </a:extLst>
           </p:cNvPr>
@@ -8682,8 +8520,8 @@
         </p:blipFill>
         <p:spPr>
           <a:xfrm>
-            <a:off x="1992313" y="1825625"/>
-            <a:ext cx="8207375" cy="4351338"/>
+            <a:off x="2092325" y="1825625"/>
+            <a:ext cx="8007350" cy="4351338"/>
           </a:xfrm>
         </p:spPr>
       </p:pic>
@@ -8714,10 +8552,10 @@
       </p:grpSpPr>
       <p:sp>
         <p:nvSpPr>
-          <p:cNvPr id="36866" name="Titre 1">
-            <a:extLst>
-              <a:ext uri="{FF2B5EF4-FFF2-40B4-BE49-F238E27FC236}">
-                <a16:creationId xmlns:a16="http://schemas.microsoft.com/office/drawing/2014/main" id="{8A2B7A7E-C142-4967-8F38-DDE5B742654A}"/>
+          <p:cNvPr id="37890" name="Titre 1">
+            <a:extLst>
+              <a:ext uri="{FF2B5EF4-FFF2-40B4-BE49-F238E27FC236}">
+                <a16:creationId xmlns:a16="http://schemas.microsoft.com/office/drawing/2014/main" id="{D4F45EB5-974A-44DA-9281-DE0F6CD9BA5C}"/>
               </a:ext>
             </a:extLst>
           </p:cNvPr>
@@ -8744,17 +8582,17 @@
             </a:r>
             <a:r>
               <a:rPr lang="fr-FR" altLang="fr-FR" dirty="0"/>
-              <a:t> cas 1</a:t>
+              <a:t> cas 2</a:t>
             </a:r>
           </a:p>
         </p:txBody>
       </p:sp>
       <p:pic>
         <p:nvPicPr>
-          <p:cNvPr id="36867" name="Espace réservé du contenu 6">
-            <a:extLst>
-              <a:ext uri="{FF2B5EF4-FFF2-40B4-BE49-F238E27FC236}">
-                <a16:creationId xmlns:a16="http://schemas.microsoft.com/office/drawing/2014/main" id="{9C499DE9-79DC-46FB-B290-69FD2311810F}"/>
+          <p:cNvPr id="37891" name="Espace réservé du contenu 5">
+            <a:extLst>
+              <a:ext uri="{FF2B5EF4-FFF2-40B4-BE49-F238E27FC236}">
+                <a16:creationId xmlns:a16="http://schemas.microsoft.com/office/drawing/2014/main" id="{B095525D-BAAA-47FF-8A6B-2507C9028315}"/>
               </a:ext>
             </a:extLst>
           </p:cNvPr>
@@ -8780,8 +8618,8 @@
         </p:blipFill>
         <p:spPr>
           <a:xfrm>
-            <a:off x="2092325" y="1825625"/>
-            <a:ext cx="8007350" cy="4351338"/>
+            <a:off x="2200275" y="1825625"/>
+            <a:ext cx="7791450" cy="4351338"/>
           </a:xfrm>
         </p:spPr>
       </p:pic>
@@ -8812,10 +8650,10 @@
       </p:grpSpPr>
       <p:sp>
         <p:nvSpPr>
-          <p:cNvPr id="37890" name="Titre 1">
-            <a:extLst>
-              <a:ext uri="{FF2B5EF4-FFF2-40B4-BE49-F238E27FC236}">
-                <a16:creationId xmlns:a16="http://schemas.microsoft.com/office/drawing/2014/main" id="{D4F45EB5-974A-44DA-9281-DE0F6CD9BA5C}"/>
+          <p:cNvPr id="38914" name="Titre 1">
+            <a:extLst>
+              <a:ext uri="{FF2B5EF4-FFF2-40B4-BE49-F238E27FC236}">
+                <a16:creationId xmlns:a16="http://schemas.microsoft.com/office/drawing/2014/main" id="{E7482E24-7CAF-46F1-917C-C339CE0CBF57}"/>
               </a:ext>
             </a:extLst>
           </p:cNvPr>
@@ -8834,55 +8672,77 @@
             <a:pPr algn="ctr"/>
             <a:r>
               <a:rPr lang="fr-FR" altLang="fr-FR" dirty="0"/>
-              <a:t>Avec la métrique </a:t>
-            </a:r>
-            <a:r>
-              <a:rPr lang="fr-FR" altLang="fr-FR" dirty="0" err="1"/>
-              <a:t>average</a:t>
-            </a:r>
-            <a:r>
-              <a:rPr lang="fr-FR" altLang="fr-FR" dirty="0"/>
-              <a:t> cas 2</a:t>
-            </a:r>
-          </a:p>
-        </p:txBody>
-      </p:sp>
-      <p:pic>
-        <p:nvPicPr>
-          <p:cNvPr id="37891" name="Espace réservé du contenu 5">
-            <a:extLst>
-              <a:ext uri="{FF2B5EF4-FFF2-40B4-BE49-F238E27FC236}">
-                <a16:creationId xmlns:a16="http://schemas.microsoft.com/office/drawing/2014/main" id="{B095525D-BAAA-47FF-8A6B-2507C9028315}"/>
-              </a:ext>
-            </a:extLst>
-          </p:cNvPr>
-          <p:cNvPicPr>
-            <a:picLocks noGrp="1" noChangeAspect="1" noChangeArrowheads="1"/>
-          </p:cNvPicPr>
+              <a:t>Distances</a:t>
+            </a:r>
+          </a:p>
+        </p:txBody>
+      </p:sp>
+      <p:sp>
+        <p:nvSpPr>
+          <p:cNvPr id="38915" name="Espace réservé du contenu 2">
+            <a:extLst>
+              <a:ext uri="{FF2B5EF4-FFF2-40B4-BE49-F238E27FC236}">
+                <a16:creationId xmlns:a16="http://schemas.microsoft.com/office/drawing/2014/main" id="{7159C0EE-4269-4C23-8B01-60279563C301}"/>
+              </a:ext>
+            </a:extLst>
+          </p:cNvPr>
+          <p:cNvSpPr>
+            <a:spLocks noGrp="1" noChangeArrowheads="1"/>
+          </p:cNvSpPr>
           <p:nvPr>
             <p:ph idx="1"/>
           </p:nvPr>
-        </p:nvPicPr>
-        <p:blipFill>
-          <a:blip r:embed="rId2">
-            <a:extLst>
-              <a:ext uri="{28A0092B-C50C-407E-A947-70E740481C1C}">
-                <a14:useLocalDpi xmlns:a14="http://schemas.microsoft.com/office/drawing/2010/main" val="0"/>
-              </a:ext>
-            </a:extLst>
-          </a:blip>
-          <a:srcRect/>
-          <a:stretch>
-            <a:fillRect/>
-          </a:stretch>
-        </p:blipFill>
-        <p:spPr>
-          <a:xfrm>
-            <a:off x="2200275" y="1825625"/>
-            <a:ext cx="7791450" cy="4351338"/>
-          </a:xfrm>
-        </p:spPr>
-      </p:pic>
+        </p:nvSpPr>
+        <p:spPr/>
+        <p:txBody>
+          <a:bodyPr/>
+          <a:lstStyle/>
+          <a:p>
+            <a:pPr marL="0" indent="0">
+              <a:buFont typeface="Arial" panose="020B0604020202020204" pitchFamily="34" charset="0"/>
+              <a:buNone/>
+            </a:pPr>
+            <a:r>
+              <a:rPr lang="fr-FR" altLang="fr-FR"/>
+              <a:t>Le clustering ne permet pas de créer des groupes à partir de la base de films. Mais recommander c’est surtout trouver des éléments proches.</a:t>
+            </a:r>
+          </a:p>
+          <a:p>
+            <a:pPr marL="0" indent="0">
+              <a:buFont typeface="Arial" panose="020B0604020202020204" pitchFamily="34" charset="0"/>
+              <a:buNone/>
+            </a:pPr>
+            <a:endParaRPr lang="fr-FR" altLang="fr-FR"/>
+          </a:p>
+          <a:p>
+            <a:pPr marL="0" indent="0">
+              <a:buFont typeface="Arial" panose="020B0604020202020204" pitchFamily="34" charset="0"/>
+              <a:buNone/>
+            </a:pPr>
+            <a:r>
+              <a:rPr lang="fr-FR" altLang="fr-FR"/>
+              <a:t>On va donc calculer la distance entre chaque élément</a:t>
+            </a:r>
+          </a:p>
+          <a:p>
+            <a:pPr marL="0" indent="0">
+              <a:buFont typeface="Arial" panose="020B0604020202020204" pitchFamily="34" charset="0"/>
+              <a:buNone/>
+            </a:pPr>
+            <a:endParaRPr lang="fr-FR" altLang="fr-FR"/>
+          </a:p>
+          <a:p>
+            <a:pPr marL="0" indent="0">
+              <a:buFont typeface="Arial" panose="020B0604020202020204" pitchFamily="34" charset="0"/>
+              <a:buNone/>
+            </a:pPr>
+            <a:r>
+              <a:rPr lang="fr-FR" altLang="fr-FR"/>
+              <a:t>Puis pour chaque film lister les plus proches voisins qui serviront à la recommandation</a:t>
+            </a:r>
+          </a:p>
+        </p:txBody>
+      </p:sp>
     </p:spTree>
   </p:cSld>
   <p:clrMapOvr>
@@ -8910,10 +8770,10 @@
       </p:grpSpPr>
       <p:sp>
         <p:nvSpPr>
-          <p:cNvPr id="38914" name="Titre 1">
-            <a:extLst>
-              <a:ext uri="{FF2B5EF4-FFF2-40B4-BE49-F238E27FC236}">
-                <a16:creationId xmlns:a16="http://schemas.microsoft.com/office/drawing/2014/main" id="{E7482E24-7CAF-46F1-917C-C339CE0CBF57}"/>
+          <p:cNvPr id="39938" name="Titre 1">
+            <a:extLst>
+              <a:ext uri="{FF2B5EF4-FFF2-40B4-BE49-F238E27FC236}">
+                <a16:creationId xmlns:a16="http://schemas.microsoft.com/office/drawing/2014/main" id="{67487752-27E9-422F-90E7-D0173AD69F0D}"/>
               </a:ext>
             </a:extLst>
           </p:cNvPr>
@@ -8932,22 +8792,22 @@
             <a:pPr algn="ctr"/>
             <a:r>
               <a:rPr lang="fr-FR" altLang="fr-FR" dirty="0"/>
-              <a:t>Distances</a:t>
-            </a:r>
-          </a:p>
-        </p:txBody>
-      </p:sp>
-      <p:sp>
-        <p:nvSpPr>
-          <p:cNvPr id="38915" name="Espace réservé du contenu 2">
-            <a:extLst>
-              <a:ext uri="{FF2B5EF4-FFF2-40B4-BE49-F238E27FC236}">
-                <a16:creationId xmlns:a16="http://schemas.microsoft.com/office/drawing/2014/main" id="{7159C0EE-4269-4C23-8B01-60279563C301}"/>
-              </a:ext>
-            </a:extLst>
-          </p:cNvPr>
-          <p:cNvSpPr>
-            <a:spLocks noGrp="1" noChangeArrowheads="1"/>
+              <a:t>Quelle méthode ?</a:t>
+            </a:r>
+          </a:p>
+        </p:txBody>
+      </p:sp>
+      <p:sp>
+        <p:nvSpPr>
+          <p:cNvPr id="3" name="Espace réservé du contenu 2">
+            <a:extLst>
+              <a:ext uri="{FF2B5EF4-FFF2-40B4-BE49-F238E27FC236}">
+                <a16:creationId xmlns:a16="http://schemas.microsoft.com/office/drawing/2014/main" id="{41DDAAA2-19A0-4CCA-A2CA-E4C2EF052A22}"/>
+              </a:ext>
+            </a:extLst>
+          </p:cNvPr>
+          <p:cNvSpPr>
+            <a:spLocks noGrp="1"/>
           </p:cNvSpPr>
           <p:nvPr>
             <p:ph idx="1"/>
@@ -8955,50 +8815,103 @@
         </p:nvSpPr>
         <p:spPr/>
         <p:txBody>
-          <a:bodyPr/>
+          <a:bodyPr rtlCol="0">
+            <a:normAutofit/>
+          </a:bodyPr>
           <a:lstStyle/>
           <a:p>
-            <a:pPr marL="0" indent="0">
+            <a:pPr marL="0" indent="0" fontAlgn="auto">
+              <a:spcAft>
+                <a:spcPts val="0"/>
+              </a:spcAft>
               <a:buFont typeface="Arial" panose="020B0604020202020204" pitchFamily="34" charset="0"/>
               <a:buNone/>
-            </a:pPr>
-            <a:r>
-              <a:rPr lang="fr-FR" altLang="fr-FR"/>
-              <a:t>Le clustering ne permet pas de créer des groupes à partir de la base de films. Mais recommander c’est surtout trouver des éléments proches.</a:t>
-            </a:r>
-          </a:p>
-          <a:p>
-            <a:pPr marL="0" indent="0">
-              <a:buFont typeface="Arial" panose="020B0604020202020204" pitchFamily="34" charset="0"/>
-              <a:buNone/>
-            </a:pPr>
-            <a:endParaRPr lang="fr-FR" altLang="fr-FR"/>
-          </a:p>
-          <a:p>
-            <a:pPr marL="0" indent="0">
-              <a:buFont typeface="Arial" panose="020B0604020202020204" pitchFamily="34" charset="0"/>
-              <a:buNone/>
-            </a:pPr>
-            <a:r>
-              <a:rPr lang="fr-FR" altLang="fr-FR"/>
-              <a:t>On va donc calculer la distance entre chaque élément</a:t>
-            </a:r>
-          </a:p>
-          <a:p>
-            <a:pPr marL="0" indent="0">
-              <a:buFont typeface="Arial" panose="020B0604020202020204" pitchFamily="34" charset="0"/>
-              <a:buNone/>
-            </a:pPr>
-            <a:endParaRPr lang="fr-FR" altLang="fr-FR"/>
-          </a:p>
-          <a:p>
-            <a:pPr marL="0" indent="0">
-              <a:buFont typeface="Arial" panose="020B0604020202020204" pitchFamily="34" charset="0"/>
-              <a:buNone/>
-            </a:pPr>
-            <a:r>
-              <a:rPr lang="fr-FR" altLang="fr-FR"/>
-              <a:t>Puis pour chaque film lister les plus proches voisins qui serviront à la recommandation</a:t>
+              <a:defRPr/>
+            </a:pPr>
+            <a:r>
+              <a:rPr lang="fr-FR" dirty="0"/>
+              <a:t>Différentes distances:</a:t>
+            </a:r>
+          </a:p>
+          <a:p>
+            <a:pPr fontAlgn="auto">
+              <a:spcAft>
+                <a:spcPts val="0"/>
+              </a:spcAft>
+              <a:defRPr/>
+            </a:pPr>
+            <a:r>
+              <a:rPr lang="fr-FR" dirty="0" err="1"/>
+              <a:t>Cosine</a:t>
+            </a:r>
+            <a:r>
+              <a:rPr lang="fr-FR" dirty="0"/>
+              <a:t> </a:t>
+            </a:r>
+            <a:r>
+              <a:rPr lang="fr-FR" dirty="0" err="1"/>
+              <a:t>similarity</a:t>
+            </a:r>
+            <a:r>
+              <a:rPr lang="fr-FR" dirty="0"/>
+              <a:t> (cosinus de l’angle entre 2 vecteurs)</a:t>
+            </a:r>
+          </a:p>
+          <a:p>
+            <a:pPr fontAlgn="auto">
+              <a:spcAft>
+                <a:spcPts val="0"/>
+              </a:spcAft>
+              <a:defRPr/>
+            </a:pPr>
+            <a:r>
+              <a:rPr lang="fr-FR" dirty="0" err="1"/>
+              <a:t>Linear</a:t>
+            </a:r>
+            <a:endParaRPr lang="fr-FR" dirty="0"/>
+          </a:p>
+          <a:p>
+            <a:pPr fontAlgn="auto">
+              <a:spcAft>
+                <a:spcPts val="0"/>
+              </a:spcAft>
+              <a:defRPr/>
+            </a:pPr>
+            <a:r>
+              <a:rPr lang="fr-FR" dirty="0"/>
+              <a:t>Chi2</a:t>
+            </a:r>
+          </a:p>
+          <a:p>
+            <a:pPr fontAlgn="auto">
+              <a:spcAft>
+                <a:spcPts val="0"/>
+              </a:spcAft>
+              <a:defRPr/>
+            </a:pPr>
+            <a:r>
+              <a:rPr lang="fr-FR" dirty="0"/>
+              <a:t>Gower (Manhattan pour les numériques, </a:t>
+            </a:r>
+            <a:r>
+              <a:rPr lang="fr-FR" dirty="0" err="1"/>
+              <a:t>Dice</a:t>
+            </a:r>
+            <a:r>
+              <a:rPr lang="fr-FR" dirty="0"/>
+              <a:t> sinon)</a:t>
+            </a:r>
+          </a:p>
+          <a:p>
+            <a:pPr fontAlgn="auto">
+              <a:spcAft>
+                <a:spcPts val="0"/>
+              </a:spcAft>
+              <a:defRPr/>
+            </a:pPr>
+            <a:r>
+              <a:rPr lang="fr-FR" dirty="0"/>
+              <a:t>…</a:t>
             </a:r>
           </a:p>
         </p:txBody>
@@ -9030,10 +8943,10 @@
       </p:grpSpPr>
       <p:sp>
         <p:nvSpPr>
-          <p:cNvPr id="39938" name="Titre 1">
-            <a:extLst>
-              <a:ext uri="{FF2B5EF4-FFF2-40B4-BE49-F238E27FC236}">
-                <a16:creationId xmlns:a16="http://schemas.microsoft.com/office/drawing/2014/main" id="{67487752-27E9-422F-90E7-D0173AD69F0D}"/>
+          <p:cNvPr id="40962" name="Titre 1">
+            <a:extLst>
+              <a:ext uri="{FF2B5EF4-FFF2-40B4-BE49-F238E27FC236}">
+                <a16:creationId xmlns:a16="http://schemas.microsoft.com/office/drawing/2014/main" id="{31661799-8EF3-4225-822B-9ECBC37FAB0C}"/>
               </a:ext>
             </a:extLst>
           </p:cNvPr>
@@ -9052,22 +8965,22 @@
             <a:pPr algn="ctr"/>
             <a:r>
               <a:rPr lang="fr-FR" altLang="fr-FR" dirty="0"/>
-              <a:t>Quelle métrique ?</a:t>
-            </a:r>
-          </a:p>
-        </p:txBody>
-      </p:sp>
-      <p:sp>
-        <p:nvSpPr>
-          <p:cNvPr id="3" name="Espace réservé du contenu 2">
-            <a:extLst>
-              <a:ext uri="{FF2B5EF4-FFF2-40B4-BE49-F238E27FC236}">
-                <a16:creationId xmlns:a16="http://schemas.microsoft.com/office/drawing/2014/main" id="{41DDAAA2-19A0-4CCA-A2CA-E4C2EF052A22}"/>
-              </a:ext>
-            </a:extLst>
-          </p:cNvPr>
-          <p:cNvSpPr>
-            <a:spLocks noGrp="1"/>
+              <a:t>Vérification</a:t>
+            </a:r>
+          </a:p>
+        </p:txBody>
+      </p:sp>
+      <p:sp>
+        <p:nvSpPr>
+          <p:cNvPr id="40963" name="Espace réservé du contenu 2">
+            <a:extLst>
+              <a:ext uri="{FF2B5EF4-FFF2-40B4-BE49-F238E27FC236}">
+                <a16:creationId xmlns:a16="http://schemas.microsoft.com/office/drawing/2014/main" id="{5CE43F0F-96B4-4299-8D76-04CCC8CCCFA2}"/>
+              </a:ext>
+            </a:extLst>
+          </p:cNvPr>
+          <p:cNvSpPr>
+            <a:spLocks noGrp="1" noChangeArrowheads="1"/>
           </p:cNvSpPr>
           <p:nvPr>
             <p:ph idx="1"/>
@@ -9075,103 +8988,27 @@
         </p:nvSpPr>
         <p:spPr/>
         <p:txBody>
-          <a:bodyPr rtlCol="0">
-            <a:normAutofit/>
-          </a:bodyPr>
+          <a:bodyPr/>
           <a:lstStyle/>
           <a:p>
-            <a:pPr marL="0" indent="0" fontAlgn="auto">
-              <a:spcAft>
-                <a:spcPts val="0"/>
-              </a:spcAft>
-              <a:buFont typeface="Arial" panose="020B0604020202020204" pitchFamily="34" charset="0"/>
-              <a:buNone/>
-              <a:defRPr/>
-            </a:pPr>
-            <a:r>
-              <a:rPr lang="fr-FR" dirty="0"/>
-              <a:t>Différentes distances:</a:t>
-            </a:r>
-          </a:p>
-          <a:p>
-            <a:pPr fontAlgn="auto">
-              <a:spcAft>
-                <a:spcPts val="0"/>
-              </a:spcAft>
-              <a:defRPr/>
-            </a:pPr>
-            <a:r>
-              <a:rPr lang="fr-FR" dirty="0" err="1"/>
-              <a:t>Cosine</a:t>
-            </a:r>
-            <a:r>
-              <a:rPr lang="fr-FR" dirty="0"/>
-              <a:t> </a:t>
-            </a:r>
-            <a:r>
-              <a:rPr lang="fr-FR" dirty="0" err="1"/>
-              <a:t>similarity</a:t>
-            </a:r>
-            <a:r>
-              <a:rPr lang="fr-FR" dirty="0"/>
-              <a:t> (cosinus de l’angle entre 2 vecteurs)</a:t>
-            </a:r>
-          </a:p>
-          <a:p>
-            <a:pPr fontAlgn="auto">
-              <a:spcAft>
-                <a:spcPts val="0"/>
-              </a:spcAft>
-              <a:defRPr/>
-            </a:pPr>
-            <a:r>
-              <a:rPr lang="fr-FR" dirty="0" err="1"/>
-              <a:t>Linear</a:t>
-            </a:r>
-            <a:endParaRPr lang="fr-FR" dirty="0"/>
-          </a:p>
-          <a:p>
-            <a:pPr fontAlgn="auto">
-              <a:spcAft>
-                <a:spcPts val="0"/>
-              </a:spcAft>
-              <a:defRPr/>
-            </a:pPr>
-            <a:r>
-              <a:rPr lang="fr-FR" dirty="0"/>
-              <a:t>Chi2</a:t>
-            </a:r>
-          </a:p>
-          <a:p>
-            <a:pPr fontAlgn="auto">
-              <a:spcAft>
-                <a:spcPts val="0"/>
-              </a:spcAft>
-              <a:defRPr/>
-            </a:pPr>
-            <a:r>
-              <a:rPr lang="fr-FR" dirty="0"/>
-              <a:t>Gower (Manhattan pour les numériques, </a:t>
-            </a:r>
-            <a:r>
-              <a:rPr lang="fr-FR" dirty="0" err="1"/>
-              <a:t>Dice</a:t>
-            </a:r>
-            <a:r>
-              <a:rPr lang="fr-FR" dirty="0"/>
-              <a:t> sinon)</a:t>
-            </a:r>
-          </a:p>
-          <a:p>
-            <a:pPr fontAlgn="auto">
-              <a:spcAft>
-                <a:spcPts val="0"/>
-              </a:spcAft>
-              <a:defRPr/>
-            </a:pPr>
-            <a:r>
-              <a:rPr lang="fr-FR" dirty="0"/>
-              <a:t>…</a:t>
+            <a:endParaRPr lang="fr-FR" altLang="fr-FR" dirty="0"/>
+          </a:p>
+          <a:p>
+            <a:r>
+              <a:rPr lang="fr-FR" altLang="fr-FR" dirty="0"/>
+              <a:t>Dessins animés : retrouve-t-on d’autres dessins animés ?</a:t>
+            </a:r>
+          </a:p>
+          <a:p>
+            <a:r>
+              <a:rPr lang="fr-FR" altLang="fr-FR" dirty="0"/>
+              <a:t>Films avec plusieurs versions : a-t-on les autres versions ?</a:t>
+            </a:r>
+          </a:p>
+          <a:p>
+            <a:r>
+              <a:rPr lang="fr-FR" altLang="fr-FR" dirty="0"/>
+              <a:t>Intuition : est-ce cohérent ?</a:t>
             </a:r>
           </a:p>
         </p:txBody>
@@ -9224,8 +9061,8 @@
           <a:p>
             <a:pPr algn="ctr"/>
             <a:r>
-              <a:rPr lang="fr-FR" altLang="fr-FR"/>
-              <a:t>Recommandation</a:t>
+              <a:rPr lang="fr-FR" altLang="fr-FR" dirty="0"/>
+              <a:t>Introduction</a:t>
             </a:r>
           </a:p>
         </p:txBody>
@@ -9253,34 +9090,16 @@
           </a:bodyPr>
           <a:lstStyle/>
           <a:p>
-            <a:pPr fontAlgn="auto">
-              <a:spcAft>
-                <a:spcPts val="0"/>
-              </a:spcAft>
-              <a:defRPr/>
-            </a:pPr>
-            <a:r>
-              <a:rPr lang="fr-FR" dirty="0"/>
-              <a:t>Content-</a:t>
-            </a:r>
-            <a:r>
-              <a:rPr lang="fr-FR" dirty="0" err="1"/>
-              <a:t>based</a:t>
-            </a:r>
-            <a:endParaRPr lang="fr-FR" dirty="0"/>
-          </a:p>
-          <a:p>
             <a:pPr marL="0" indent="0" fontAlgn="auto">
               <a:spcAft>
                 <a:spcPts val="0"/>
               </a:spcAft>
-              <a:buFont typeface="Arial" panose="020B0604020202020204" pitchFamily="34" charset="0"/>
               <a:buNone/>
               <a:defRPr/>
             </a:pPr>
             <a:r>
-              <a:rPr lang="fr-FR" dirty="0"/>
-              <a:t>Basé uniquement sur les caractéristiques des items</a:t>
+              <a:rPr lang="fr-FR" altLang="fr-FR" dirty="0"/>
+              <a:t>Principe d’un moteur de recommandation</a:t>
             </a:r>
           </a:p>
           <a:p>
@@ -9288,35 +9107,67 @@
               <a:spcAft>
                 <a:spcPts val="0"/>
               </a:spcAft>
-              <a:buFont typeface="Arial" panose="020B0604020202020204" pitchFamily="34" charset="0"/>
               <a:buNone/>
               <a:defRPr/>
             </a:pPr>
             <a:endParaRPr lang="fr-FR" dirty="0"/>
           </a:p>
           <a:p>
-            <a:pPr fontAlgn="auto">
+            <a:pPr marL="514350" indent="-514350" fontAlgn="auto">
               <a:spcAft>
                 <a:spcPts val="0"/>
               </a:spcAft>
+              <a:buFont typeface="+mj-lt"/>
+              <a:buAutoNum type="arabicPeriod"/>
               <a:defRPr/>
             </a:pPr>
             <a:r>
               <a:rPr lang="fr-FR" dirty="0"/>
-              <a:t>Collaborative </a:t>
+              <a:t>Content-</a:t>
             </a:r>
             <a:r>
               <a:rPr lang="fr-FR" dirty="0" err="1"/>
-              <a:t>filtering</a:t>
+              <a:t>based</a:t>
             </a:r>
             <a:endParaRPr lang="fr-FR" dirty="0"/>
           </a:p>
           <a:p>
-            <a:pPr marL="0" indent="0" fontAlgn="auto">
+            <a:pPr marL="457200" lvl="1" indent="0" fontAlgn="auto">
               <a:spcAft>
                 <a:spcPts val="0"/>
               </a:spcAft>
-              <a:buFont typeface="Arial" panose="020B0604020202020204" pitchFamily="34" charset="0"/>
+              <a:buNone/>
+              <a:defRPr/>
+            </a:pPr>
+            <a:r>
+              <a:rPr lang="fr-FR" dirty="0"/>
+              <a:t>Basé uniquement sur les caractéristiques des items</a:t>
+            </a:r>
+          </a:p>
+          <a:p>
+            <a:pPr marL="514350" indent="-514350" fontAlgn="auto">
+              <a:spcAft>
+                <a:spcPts val="0"/>
+              </a:spcAft>
+              <a:buFont typeface="+mj-lt"/>
+              <a:buAutoNum type="arabicPeriod"/>
+              <a:defRPr/>
+            </a:pPr>
+            <a:r>
+              <a:rPr lang="fr-FR" dirty="0"/>
+              <a:t>Collaborative </a:t>
+            </a:r>
+            <a:r>
+              <a:rPr lang="fr-FR" dirty="0" err="1"/>
+              <a:t>filtering</a:t>
+            </a:r>
+            <a:endParaRPr lang="fr-FR" dirty="0"/>
+          </a:p>
+          <a:p>
+            <a:pPr marL="457200" lvl="1" indent="0" fontAlgn="auto">
+              <a:spcAft>
+                <a:spcPts val="0"/>
+              </a:spcAft>
               <a:buNone/>
               <a:defRPr/>
             </a:pPr>
@@ -9354,10 +9205,10 @@
       </p:grpSpPr>
       <p:sp>
         <p:nvSpPr>
-          <p:cNvPr id="40962" name="Titre 1">
-            <a:extLst>
-              <a:ext uri="{FF2B5EF4-FFF2-40B4-BE49-F238E27FC236}">
-                <a16:creationId xmlns:a16="http://schemas.microsoft.com/office/drawing/2014/main" id="{31661799-8EF3-4225-822B-9ECBC37FAB0C}"/>
+          <p:cNvPr id="43010" name="Titre 1">
+            <a:extLst>
+              <a:ext uri="{FF2B5EF4-FFF2-40B4-BE49-F238E27FC236}">
+                <a16:creationId xmlns:a16="http://schemas.microsoft.com/office/drawing/2014/main" id="{1C89231E-211C-428D-9758-E936008FEAFE}"/>
               </a:ext>
             </a:extLst>
           </p:cNvPr>
@@ -9383,47 +9234,195 @@
       </p:sp>
       <p:sp>
         <p:nvSpPr>
-          <p:cNvPr id="40963" name="Espace réservé du contenu 2">
-            <a:extLst>
-              <a:ext uri="{FF2B5EF4-FFF2-40B4-BE49-F238E27FC236}">
-                <a16:creationId xmlns:a16="http://schemas.microsoft.com/office/drawing/2014/main" id="{5CE43F0F-96B4-4299-8D76-04CCC8CCCFA2}"/>
-              </a:ext>
-            </a:extLst>
-          </p:cNvPr>
-          <p:cNvSpPr>
-            <a:spLocks noGrp="1" noChangeArrowheads="1"/>
+          <p:cNvPr id="3" name="Espace réservé du contenu 2">
+            <a:extLst>
+              <a:ext uri="{FF2B5EF4-FFF2-40B4-BE49-F238E27FC236}">
+                <a16:creationId xmlns:a16="http://schemas.microsoft.com/office/drawing/2014/main" id="{FB788966-8FAE-48AA-AD22-60A256D4EDAC}"/>
+              </a:ext>
+            </a:extLst>
+          </p:cNvPr>
+          <p:cNvSpPr>
+            <a:spLocks noGrp="1"/>
           </p:cNvSpPr>
           <p:nvPr>
             <p:ph idx="1"/>
           </p:nvPr>
         </p:nvSpPr>
-        <p:spPr/>
-        <p:txBody>
-          <a:bodyPr/>
+        <p:spPr>
+          <a:xfrm>
+            <a:off x="838200" y="1825625"/>
+            <a:ext cx="8678863" cy="4351338"/>
+          </a:xfrm>
+        </p:spPr>
+        <p:txBody>
+          <a:bodyPr rtlCol="0">
+            <a:normAutofit lnSpcReduction="10000"/>
+          </a:bodyPr>
           <a:lstStyle/>
           <a:p>
-            <a:endParaRPr lang="fr-FR" altLang="fr-FR" dirty="0"/>
-          </a:p>
-          <a:p>
-            <a:r>
-              <a:rPr lang="fr-FR" altLang="fr-FR" dirty="0"/>
-              <a:t>Dessins animés</a:t>
-            </a:r>
-          </a:p>
-          <a:p>
-            <a:r>
-              <a:rPr lang="fr-FR" altLang="fr-FR" dirty="0"/>
-              <a:t>Films avec plusieurs versions</a:t>
-            </a:r>
-          </a:p>
-          <a:p>
-            <a:r>
-              <a:rPr lang="fr-FR" altLang="fr-FR" dirty="0"/>
-              <a:t>Intuition</a:t>
-            </a:r>
-          </a:p>
-        </p:txBody>
-      </p:sp>
+            <a:pPr fontAlgn="auto">
+              <a:spcAft>
+                <a:spcPts val="0"/>
+              </a:spcAft>
+              <a:defRPr/>
+            </a:pPr>
+            <a:r>
+              <a:rPr lang="fr-FR" dirty="0"/>
+              <a:t>Dessin animé</a:t>
+            </a:r>
+          </a:p>
+          <a:p>
+            <a:pPr fontAlgn="auto">
+              <a:spcAft>
+                <a:spcPts val="0"/>
+              </a:spcAft>
+              <a:defRPr/>
+            </a:pPr>
+            <a:endParaRPr lang="fr-FR" dirty="0"/>
+          </a:p>
+          <a:p>
+            <a:pPr fontAlgn="auto">
+              <a:spcAft>
+                <a:spcPts val="0"/>
+              </a:spcAft>
+              <a:defRPr/>
+            </a:pPr>
+            <a:endParaRPr lang="fr-FR" dirty="0"/>
+          </a:p>
+          <a:p>
+            <a:pPr fontAlgn="auto">
+              <a:spcAft>
+                <a:spcPts val="0"/>
+              </a:spcAft>
+              <a:defRPr/>
+            </a:pPr>
+            <a:endParaRPr lang="fr-FR" dirty="0"/>
+          </a:p>
+          <a:p>
+            <a:pPr fontAlgn="auto">
+              <a:spcAft>
+                <a:spcPts val="0"/>
+              </a:spcAft>
+              <a:defRPr/>
+            </a:pPr>
+            <a:endParaRPr lang="fr-FR" dirty="0"/>
+          </a:p>
+          <a:p>
+            <a:pPr fontAlgn="auto">
+              <a:spcAft>
+                <a:spcPts val="0"/>
+              </a:spcAft>
+              <a:defRPr/>
+            </a:pPr>
+            <a:endParaRPr lang="fr-FR" dirty="0"/>
+          </a:p>
+          <a:p>
+            <a:pPr fontAlgn="auto">
+              <a:spcAft>
+                <a:spcPts val="0"/>
+              </a:spcAft>
+              <a:defRPr/>
+            </a:pPr>
+            <a:endParaRPr lang="fr-FR" dirty="0"/>
+          </a:p>
+          <a:p>
+            <a:pPr fontAlgn="auto">
+              <a:spcAft>
+                <a:spcPts val="0"/>
+              </a:spcAft>
+              <a:defRPr/>
+            </a:pPr>
+            <a:r>
+              <a:rPr lang="fr-FR" dirty="0"/>
+              <a:t>Cas avec toutes les colonnes et distance </a:t>
+            </a:r>
+            <a:r>
+              <a:rPr lang="fr-FR" dirty="0" err="1"/>
+              <a:t>cosine</a:t>
+            </a:r>
+            <a:r>
+              <a:rPr lang="fr-FR" dirty="0"/>
+              <a:t> </a:t>
+            </a:r>
+            <a:r>
+              <a:rPr lang="fr-FR" dirty="0" err="1"/>
+              <a:t>similaries</a:t>
+            </a:r>
+            <a:r>
+              <a:rPr lang="fr-FR" dirty="0"/>
+              <a:t> ou </a:t>
+            </a:r>
+            <a:r>
+              <a:rPr lang="fr-FR" dirty="0" err="1"/>
+              <a:t>linear</a:t>
+            </a:r>
+            <a:r>
+              <a:rPr lang="fr-FR" dirty="0"/>
+              <a:t> kernel</a:t>
+            </a:r>
+          </a:p>
+        </p:txBody>
+      </p:sp>
+      <p:pic>
+        <p:nvPicPr>
+          <p:cNvPr id="43012" name="Image 4">
+            <a:extLst>
+              <a:ext uri="{FF2B5EF4-FFF2-40B4-BE49-F238E27FC236}">
+                <a16:creationId xmlns:a16="http://schemas.microsoft.com/office/drawing/2014/main" id="{9EEE39CC-541F-4C52-A233-6BB786734379}"/>
+              </a:ext>
+            </a:extLst>
+          </p:cNvPr>
+          <p:cNvPicPr>
+            <a:picLocks noChangeAspect="1" noChangeArrowheads="1"/>
+          </p:cNvPicPr>
+          <p:nvPr/>
+        </p:nvPicPr>
+        <p:blipFill>
+          <a:blip r:embed="rId2">
+            <a:extLst>
+              <a:ext uri="{28A0092B-C50C-407E-A947-70E740481C1C}">
+                <a14:useLocalDpi xmlns:a14="http://schemas.microsoft.com/office/drawing/2010/main" val="0"/>
+              </a:ext>
+            </a:extLst>
+          </a:blip>
+          <a:srcRect/>
+          <a:stretch>
+            <a:fillRect/>
+          </a:stretch>
+        </p:blipFill>
+        <p:spPr bwMode="auto">
+          <a:xfrm>
+            <a:off x="3931820" y="1970589"/>
+            <a:ext cx="6078454" cy="2590633"/>
+          </a:xfrm>
+          <a:prstGeom prst="rect">
+            <a:avLst/>
+          </a:prstGeom>
+          <a:noFill/>
+          <a:ln>
+            <a:noFill/>
+          </a:ln>
+          <a:extLst>
+            <a:ext uri="{909E8E84-426E-40DD-AFC4-6F175D3DCCD1}">
+              <a14:hiddenFill xmlns:a14="http://schemas.microsoft.com/office/drawing/2010/main">
+                <a:solidFill>
+                  <a:srgbClr val="FFFFFF"/>
+                </a:solidFill>
+              </a14:hiddenFill>
+            </a:ext>
+            <a:ext uri="{91240B29-F687-4F45-9708-019B960494DF}">
+              <a14:hiddenLine xmlns:a14="http://schemas.microsoft.com/office/drawing/2010/main" w="9525">
+                <a:solidFill>
+                  <a:srgbClr val="000000"/>
+                </a:solidFill>
+                <a:miter lim="800000"/>
+                <a:headEnd/>
+                <a:tailEnd/>
+              </a14:hiddenLine>
+            </a:ext>
+          </a:extLst>
+        </p:spPr>
+      </p:pic>
     </p:spTree>
   </p:cSld>
   <p:clrMapOvr>
@@ -9451,10 +9450,10 @@
       </p:grpSpPr>
       <p:sp>
         <p:nvSpPr>
-          <p:cNvPr id="43010" name="Titre 1">
-            <a:extLst>
-              <a:ext uri="{FF2B5EF4-FFF2-40B4-BE49-F238E27FC236}">
-                <a16:creationId xmlns:a16="http://schemas.microsoft.com/office/drawing/2014/main" id="{1C89231E-211C-428D-9758-E936008FEAFE}"/>
+          <p:cNvPr id="44034" name="Titre 1">
+            <a:extLst>
+              <a:ext uri="{FF2B5EF4-FFF2-40B4-BE49-F238E27FC236}">
+                <a16:creationId xmlns:a16="http://schemas.microsoft.com/office/drawing/2014/main" id="{0859F4AF-54EE-415A-9325-428BB47288BA}"/>
               </a:ext>
             </a:extLst>
           </p:cNvPr>
@@ -9480,193 +9479,107 @@
       </p:sp>
       <p:sp>
         <p:nvSpPr>
-          <p:cNvPr id="3" name="Espace réservé du contenu 2">
-            <a:extLst>
-              <a:ext uri="{FF2B5EF4-FFF2-40B4-BE49-F238E27FC236}">
-                <a16:creationId xmlns:a16="http://schemas.microsoft.com/office/drawing/2014/main" id="{FB788966-8FAE-48AA-AD22-60A256D4EDAC}"/>
-              </a:ext>
-            </a:extLst>
-          </p:cNvPr>
-          <p:cNvSpPr>
-            <a:spLocks noGrp="1"/>
+          <p:cNvPr id="44035" name="Espace réservé du contenu 2">
+            <a:extLst>
+              <a:ext uri="{FF2B5EF4-FFF2-40B4-BE49-F238E27FC236}">
+                <a16:creationId xmlns:a16="http://schemas.microsoft.com/office/drawing/2014/main" id="{F049ACD0-5999-43B1-8250-DA49DB4D39D5}"/>
+              </a:ext>
+            </a:extLst>
+          </p:cNvPr>
+          <p:cNvSpPr>
+            <a:spLocks noGrp="1" noChangeArrowheads="1"/>
           </p:cNvSpPr>
           <p:nvPr>
             <p:ph idx="1"/>
           </p:nvPr>
         </p:nvSpPr>
-        <p:spPr>
-          <a:xfrm>
-            <a:off x="838200" y="1825625"/>
-            <a:ext cx="8678863" cy="4351338"/>
-          </a:xfrm>
-        </p:spPr>
-        <p:txBody>
-          <a:bodyPr rtlCol="0">
-            <a:normAutofit lnSpcReduction="10000"/>
-          </a:bodyPr>
+        <p:spPr/>
+        <p:txBody>
+          <a:bodyPr/>
           <a:lstStyle/>
           <a:p>
-            <a:pPr fontAlgn="auto">
-              <a:spcAft>
-                <a:spcPts val="0"/>
-              </a:spcAft>
-              <a:defRPr/>
-            </a:pPr>
-            <a:r>
-              <a:rPr lang="fr-FR" dirty="0"/>
-              <a:t>Dessin animé</a:t>
-            </a:r>
-          </a:p>
-          <a:p>
-            <a:pPr fontAlgn="auto">
-              <a:spcAft>
-                <a:spcPts val="0"/>
-              </a:spcAft>
-              <a:defRPr/>
-            </a:pPr>
-            <a:endParaRPr lang="fr-FR" dirty="0"/>
-          </a:p>
-          <a:p>
-            <a:pPr fontAlgn="auto">
-              <a:spcAft>
-                <a:spcPts val="0"/>
-              </a:spcAft>
-              <a:defRPr/>
-            </a:pPr>
-            <a:endParaRPr lang="fr-FR" dirty="0"/>
-          </a:p>
-          <a:p>
-            <a:pPr fontAlgn="auto">
-              <a:spcAft>
-                <a:spcPts val="0"/>
-              </a:spcAft>
-              <a:defRPr/>
-            </a:pPr>
-            <a:endParaRPr lang="fr-FR" dirty="0"/>
-          </a:p>
-          <a:p>
-            <a:pPr fontAlgn="auto">
-              <a:spcAft>
-                <a:spcPts val="0"/>
-              </a:spcAft>
-              <a:defRPr/>
-            </a:pPr>
-            <a:endParaRPr lang="fr-FR" dirty="0"/>
-          </a:p>
-          <a:p>
-            <a:pPr fontAlgn="auto">
-              <a:spcAft>
-                <a:spcPts val="0"/>
-              </a:spcAft>
-              <a:defRPr/>
-            </a:pPr>
-            <a:endParaRPr lang="fr-FR" dirty="0"/>
-          </a:p>
-          <a:p>
-            <a:pPr fontAlgn="auto">
-              <a:spcAft>
-                <a:spcPts val="0"/>
-              </a:spcAft>
-              <a:defRPr/>
-            </a:pPr>
-            <a:endParaRPr lang="fr-FR" dirty="0"/>
-          </a:p>
-          <a:p>
-            <a:pPr fontAlgn="auto">
-              <a:spcAft>
-                <a:spcPts val="0"/>
-              </a:spcAft>
-              <a:defRPr/>
-            </a:pPr>
-            <a:r>
-              <a:rPr lang="fr-FR" dirty="0"/>
-              <a:t>Cas avec toutes les colonnes et distance </a:t>
-            </a:r>
-            <a:r>
-              <a:rPr lang="fr-FR" dirty="0" err="1"/>
-              <a:t>cosine</a:t>
-            </a:r>
-            <a:r>
-              <a:rPr lang="fr-FR" dirty="0"/>
-              <a:t> </a:t>
-            </a:r>
-            <a:r>
-              <a:rPr lang="fr-FR" dirty="0" err="1"/>
-              <a:t>similaries</a:t>
-            </a:r>
-            <a:r>
-              <a:rPr lang="fr-FR" dirty="0"/>
-              <a:t> ou </a:t>
-            </a:r>
-            <a:r>
-              <a:rPr lang="fr-FR" dirty="0" err="1"/>
-              <a:t>linear</a:t>
-            </a:r>
-            <a:r>
-              <a:rPr lang="fr-FR" dirty="0"/>
-              <a:t> kernel</a:t>
+            <a:pPr marL="0" indent="0">
+              <a:buNone/>
+            </a:pPr>
+            <a:r>
+              <a:rPr lang="fr-FR" altLang="fr-FR" dirty="0"/>
+              <a:t>Différents tests</a:t>
+            </a:r>
+          </a:p>
+          <a:p>
+            <a:endParaRPr lang="fr-FR" altLang="fr-FR" dirty="0"/>
+          </a:p>
+          <a:p>
+            <a:endParaRPr lang="fr-FR" altLang="fr-FR" dirty="0"/>
+          </a:p>
+          <a:p>
+            <a:endParaRPr lang="fr-FR" altLang="fr-FR" dirty="0"/>
+          </a:p>
+          <a:p>
+            <a:endParaRPr lang="fr-FR" altLang="fr-FR" dirty="0"/>
+          </a:p>
+          <a:p>
+            <a:endParaRPr lang="fr-FR" altLang="fr-FR" dirty="0"/>
+          </a:p>
+          <a:p>
+            <a:pPr marL="0" indent="0">
+              <a:buNone/>
+            </a:pPr>
+            <a:r>
+              <a:rPr lang="fr-FR" altLang="fr-FR" dirty="0"/>
+              <a:t>Cas avec la distance de Gower et le film Rush </a:t>
+            </a:r>
+            <a:r>
+              <a:rPr lang="fr-FR" altLang="fr-FR" dirty="0" err="1"/>
+              <a:t>hour</a:t>
+            </a:r>
+            <a:endParaRPr lang="fr-FR" altLang="fr-FR" dirty="0"/>
+          </a:p>
+          <a:p>
+            <a:pPr marL="0" indent="0">
+              <a:buNone/>
+            </a:pPr>
+            <a:r>
+              <a:rPr lang="fr-FR" altLang="fr-FR" dirty="0">
+                <a:sym typeface="Wingdings" panose="05000000000000000000" pitchFamily="2" charset="2"/>
+              </a:rPr>
+              <a:t></a:t>
+            </a:r>
+            <a:r>
+              <a:rPr lang="fr-FR" altLang="fr-FR" dirty="0"/>
+              <a:t>Les distances sont nulles</a:t>
             </a:r>
           </a:p>
         </p:txBody>
       </p:sp>
       <p:pic>
         <p:nvPicPr>
-          <p:cNvPr id="43012" name="Image 4">
-            <a:extLst>
-              <a:ext uri="{FF2B5EF4-FFF2-40B4-BE49-F238E27FC236}">
-                <a16:creationId xmlns:a16="http://schemas.microsoft.com/office/drawing/2014/main" id="{9EEE39CC-541F-4C52-A233-6BB786734379}"/>
+          <p:cNvPr id="2" name="Image 1">
+            <a:extLst>
+              <a:ext uri="{FF2B5EF4-FFF2-40B4-BE49-F238E27FC236}">
+                <a16:creationId xmlns:a16="http://schemas.microsoft.com/office/drawing/2014/main" id="{03DE41C2-3921-47E2-A32F-2182F65FF8B2}"/>
               </a:ext>
             </a:extLst>
           </p:cNvPr>
           <p:cNvPicPr>
-            <a:picLocks noChangeAspect="1" noChangeArrowheads="1"/>
+            <a:picLocks noChangeAspect="1"/>
           </p:cNvPicPr>
           <p:nvPr/>
         </p:nvPicPr>
         <p:blipFill>
-          <a:blip r:embed="rId2">
-            <a:extLst>
-              <a:ext uri="{28A0092B-C50C-407E-A947-70E740481C1C}">
-                <a14:useLocalDpi xmlns:a14="http://schemas.microsoft.com/office/drawing/2010/main" val="0"/>
-              </a:ext>
-            </a:extLst>
-          </a:blip>
-          <a:srcRect/>
+          <a:blip r:embed="rId2"/>
           <a:stretch>
             <a:fillRect/>
           </a:stretch>
         </p:blipFill>
-        <p:spPr bwMode="auto">
+        <p:spPr>
           <a:xfrm>
-            <a:off x="3514725" y="2328863"/>
-            <a:ext cx="5162550" cy="2200275"/>
+            <a:off x="5297151" y="1531823"/>
+            <a:ext cx="3495797" cy="3200597"/>
           </a:xfrm>
           <a:prstGeom prst="rect">
             <a:avLst/>
           </a:prstGeom>
-          <a:noFill/>
-          <a:ln>
-            <a:noFill/>
-          </a:ln>
-          <a:extLst>
-            <a:ext uri="{909E8E84-426E-40DD-AFC4-6F175D3DCCD1}">
-              <a14:hiddenFill xmlns:a14="http://schemas.microsoft.com/office/drawing/2010/main">
-                <a:solidFill>
-                  <a:srgbClr val="FFFFFF"/>
-                </a:solidFill>
-              </a14:hiddenFill>
-            </a:ext>
-            <a:ext uri="{91240B29-F687-4F45-9708-019B960494DF}">
-              <a14:hiddenLine xmlns:a14="http://schemas.microsoft.com/office/drawing/2010/main" w="9525">
-                <a:solidFill>
-                  <a:srgbClr val="000000"/>
-                </a:solidFill>
-                <a:miter lim="800000"/>
-                <a:headEnd/>
-                <a:tailEnd/>
-              </a14:hiddenLine>
-            </a:ext>
-          </a:extLst>
         </p:spPr>
       </p:pic>
     </p:spTree>
@@ -9696,10 +9609,10 @@
       </p:grpSpPr>
       <p:sp>
         <p:nvSpPr>
-          <p:cNvPr id="44034" name="Titre 1">
-            <a:extLst>
-              <a:ext uri="{FF2B5EF4-FFF2-40B4-BE49-F238E27FC236}">
-                <a16:creationId xmlns:a16="http://schemas.microsoft.com/office/drawing/2014/main" id="{0859F4AF-54EE-415A-9325-428BB47288BA}"/>
+          <p:cNvPr id="45058" name="Titre 1">
+            <a:extLst>
+              <a:ext uri="{FF2B5EF4-FFF2-40B4-BE49-F238E27FC236}">
+                <a16:creationId xmlns:a16="http://schemas.microsoft.com/office/drawing/2014/main" id="{755B7D4E-8198-44AE-8D3A-BF837F995533}"/>
               </a:ext>
             </a:extLst>
           </p:cNvPr>
@@ -9718,22 +9631,22 @@
             <a:pPr algn="ctr"/>
             <a:r>
               <a:rPr lang="fr-FR" altLang="fr-FR" dirty="0"/>
-              <a:t>Vérification</a:t>
-            </a:r>
-          </a:p>
-        </p:txBody>
-      </p:sp>
-      <p:sp>
-        <p:nvSpPr>
-          <p:cNvPr id="44035" name="Espace réservé du contenu 2">
-            <a:extLst>
-              <a:ext uri="{FF2B5EF4-FFF2-40B4-BE49-F238E27FC236}">
-                <a16:creationId xmlns:a16="http://schemas.microsoft.com/office/drawing/2014/main" id="{F049ACD0-5999-43B1-8250-DA49DB4D39D5}"/>
-              </a:ext>
-            </a:extLst>
-          </p:cNvPr>
-          <p:cNvSpPr>
-            <a:spLocks noGrp="1" noChangeArrowheads="1"/>
+              <a:t>Distances - Conclusion</a:t>
+            </a:r>
+          </a:p>
+        </p:txBody>
+      </p:sp>
+      <p:sp>
+        <p:nvSpPr>
+          <p:cNvPr id="3" name="Espace réservé du contenu 2">
+            <a:extLst>
+              <a:ext uri="{FF2B5EF4-FFF2-40B4-BE49-F238E27FC236}">
+                <a16:creationId xmlns:a16="http://schemas.microsoft.com/office/drawing/2014/main" id="{FB788966-8FAE-48AA-AD22-60A256D4EDAC}"/>
+              </a:ext>
+            </a:extLst>
+          </p:cNvPr>
+          <p:cNvSpPr>
+            <a:spLocks noGrp="1"/>
           </p:cNvSpPr>
           <p:nvPr>
             <p:ph idx="1"/>
@@ -9741,100 +9654,86 @@
         </p:nvSpPr>
         <p:spPr/>
         <p:txBody>
-          <a:bodyPr/>
+          <a:bodyPr rtlCol="0">
+            <a:normAutofit/>
+          </a:bodyPr>
           <a:lstStyle/>
           <a:p>
-            <a:r>
-              <a:rPr lang="fr-FR" altLang="fr-FR"/>
-              <a:t>Différents tests</a:t>
-            </a:r>
-          </a:p>
-          <a:p>
-            <a:endParaRPr lang="fr-FR" altLang="fr-FR"/>
-          </a:p>
-          <a:p>
-            <a:endParaRPr lang="fr-FR" altLang="fr-FR"/>
-          </a:p>
-          <a:p>
-            <a:endParaRPr lang="fr-FR" altLang="fr-FR"/>
-          </a:p>
-          <a:p>
-            <a:endParaRPr lang="fr-FR" altLang="fr-FR"/>
-          </a:p>
-          <a:p>
-            <a:endParaRPr lang="fr-FR" altLang="fr-FR"/>
-          </a:p>
-          <a:p>
-            <a:endParaRPr lang="fr-FR" altLang="fr-FR"/>
-          </a:p>
-          <a:p>
-            <a:r>
-              <a:rPr lang="fr-FR" altLang="fr-FR"/>
-              <a:t>Cas avec la distance de Gower et le film Rush hour</a:t>
-            </a:r>
-          </a:p>
-        </p:txBody>
-      </p:sp>
-      <p:pic>
-        <p:nvPicPr>
-          <p:cNvPr id="44036" name="Image 3">
-            <a:extLst>
-              <a:ext uri="{FF2B5EF4-FFF2-40B4-BE49-F238E27FC236}">
-                <a16:creationId xmlns:a16="http://schemas.microsoft.com/office/drawing/2014/main" id="{2E78D138-84A6-40A6-907D-EE6D212B667F}"/>
-              </a:ext>
-            </a:extLst>
-          </p:cNvPr>
-          <p:cNvPicPr>
-            <a:picLocks noChangeAspect="1" noChangeArrowheads="1"/>
-          </p:cNvPicPr>
-          <p:nvPr/>
-        </p:nvPicPr>
-        <p:blipFill>
-          <a:blip r:embed="rId2">
-            <a:extLst>
-              <a:ext uri="{28A0092B-C50C-407E-A947-70E740481C1C}">
-                <a14:useLocalDpi xmlns:a14="http://schemas.microsoft.com/office/drawing/2010/main" val="0"/>
-              </a:ext>
-            </a:extLst>
-          </a:blip>
-          <a:srcRect/>
-          <a:stretch>
-            <a:fillRect/>
-          </a:stretch>
-        </p:blipFill>
-        <p:spPr bwMode="auto">
-          <a:xfrm>
-            <a:off x="4962525" y="2409825"/>
-            <a:ext cx="2266950" cy="2038350"/>
-          </a:xfrm>
-          <a:prstGeom prst="rect">
-            <a:avLst/>
-          </a:prstGeom>
-          <a:noFill/>
-          <a:ln>
-            <a:noFill/>
-          </a:ln>
-          <a:extLst>
-            <a:ext uri="{909E8E84-426E-40DD-AFC4-6F175D3DCCD1}">
-              <a14:hiddenFill xmlns:a14="http://schemas.microsoft.com/office/drawing/2010/main">
-                <a:solidFill>
-                  <a:srgbClr val="FFFFFF"/>
-                </a:solidFill>
-              </a14:hiddenFill>
-            </a:ext>
-            <a:ext uri="{91240B29-F687-4F45-9708-019B960494DF}">
-              <a14:hiddenLine xmlns:a14="http://schemas.microsoft.com/office/drawing/2010/main" w="9525">
-                <a:solidFill>
-                  <a:srgbClr val="000000"/>
-                </a:solidFill>
-                <a:miter lim="800000"/>
-                <a:headEnd/>
-                <a:tailEnd/>
-              </a14:hiddenLine>
-            </a:ext>
-          </a:extLst>
-        </p:spPr>
-      </p:pic>
+            <a:pPr marL="0" indent="0" fontAlgn="auto">
+              <a:spcAft>
+                <a:spcPts val="0"/>
+              </a:spcAft>
+              <a:buFont typeface="Arial" panose="020B0604020202020204" pitchFamily="34" charset="0"/>
+              <a:buNone/>
+              <a:defRPr/>
+            </a:pPr>
+            <a:r>
+              <a:rPr lang="fr-FR" dirty="0"/>
+              <a:t>Les tests indique qu’une relativement bonne solution serait d’utiliser la similarité cosinus avec les colonnes numériques et les features catégorielles les plus importantes :</a:t>
+            </a:r>
+          </a:p>
+          <a:p>
+            <a:pPr fontAlgn="auto">
+              <a:spcAft>
+                <a:spcPts val="0"/>
+              </a:spcAft>
+              <a:defRPr/>
+            </a:pPr>
+            <a:r>
+              <a:rPr lang="fr-FR" dirty="0"/>
+              <a:t>Genres</a:t>
+            </a:r>
+          </a:p>
+          <a:p>
+            <a:pPr fontAlgn="auto">
+              <a:spcAft>
+                <a:spcPts val="0"/>
+              </a:spcAft>
+              <a:defRPr/>
+            </a:pPr>
+            <a:r>
+              <a:rPr lang="fr-FR" dirty="0"/>
+              <a:t>Langue</a:t>
+            </a:r>
+          </a:p>
+          <a:p>
+            <a:pPr fontAlgn="auto">
+              <a:spcAft>
+                <a:spcPts val="0"/>
+              </a:spcAft>
+              <a:defRPr/>
+            </a:pPr>
+            <a:r>
+              <a:rPr lang="fr-FR" dirty="0"/>
+              <a:t>Titre</a:t>
+            </a:r>
+          </a:p>
+          <a:p>
+            <a:pPr fontAlgn="auto">
+              <a:spcAft>
+                <a:spcPts val="0"/>
+              </a:spcAft>
+              <a:defRPr/>
+            </a:pPr>
+            <a:r>
+              <a:rPr lang="fr-FR" dirty="0"/>
+              <a:t>Acteur 1</a:t>
+            </a:r>
+          </a:p>
+          <a:p>
+            <a:pPr fontAlgn="auto">
+              <a:spcAft>
+                <a:spcPts val="0"/>
+              </a:spcAft>
+              <a:defRPr/>
+            </a:pPr>
+            <a:r>
+              <a:rPr lang="fr-FR" dirty="0"/>
+              <a:t>Réalisateur</a:t>
+            </a:r>
+          </a:p>
+        </p:txBody>
+      </p:sp>
     </p:spTree>
   </p:cSld>
   <p:clrMapOvr>
@@ -9862,10 +9761,10 @@
       </p:grpSpPr>
       <p:sp>
         <p:nvSpPr>
-          <p:cNvPr id="45058" name="Titre 1">
-            <a:extLst>
-              <a:ext uri="{FF2B5EF4-FFF2-40B4-BE49-F238E27FC236}">
-                <a16:creationId xmlns:a16="http://schemas.microsoft.com/office/drawing/2014/main" id="{755B7D4E-8198-44AE-8D3A-BF837F995533}"/>
+          <p:cNvPr id="46082" name="Titre 1">
+            <a:extLst>
+              <a:ext uri="{FF2B5EF4-FFF2-40B4-BE49-F238E27FC236}">
+                <a16:creationId xmlns:a16="http://schemas.microsoft.com/office/drawing/2014/main" id="{1682D8E4-6534-44F3-BBAA-4B9DB87CDEA1}"/>
               </a:ext>
             </a:extLst>
           </p:cNvPr>
@@ -9884,7 +9783,7 @@
             <a:pPr algn="ctr"/>
             <a:r>
               <a:rPr lang="fr-FR" altLang="fr-FR" dirty="0"/>
-              <a:t>Distances - Conclusion</a:t>
+              <a:t>Service Web</a:t>
             </a:r>
           </a:p>
         </p:txBody>
@@ -9894,7 +9793,7 @@
           <p:cNvPr id="3" name="Espace réservé du contenu 2">
             <a:extLst>
               <a:ext uri="{FF2B5EF4-FFF2-40B4-BE49-F238E27FC236}">
-                <a16:creationId xmlns:a16="http://schemas.microsoft.com/office/drawing/2014/main" id="{FB788966-8FAE-48AA-AD22-60A256D4EDAC}"/>
+                <a16:creationId xmlns:a16="http://schemas.microsoft.com/office/drawing/2014/main" id="{41DDAAA2-19A0-4CCA-A2CA-E4C2EF052A22}"/>
               </a:ext>
             </a:extLst>
           </p:cNvPr>
@@ -9911,6 +9810,99 @@
             <a:normAutofit/>
           </a:bodyPr>
           <a:lstStyle/>
+          <a:p>
+            <a:pPr fontAlgn="auto">
+              <a:spcAft>
+                <a:spcPts val="0"/>
+              </a:spcAft>
+              <a:defRPr/>
+            </a:pPr>
+            <a:r>
+              <a:rPr lang="fr-FR" dirty="0"/>
+              <a:t>Python</a:t>
+            </a:r>
+          </a:p>
+          <a:p>
+            <a:pPr fontAlgn="auto">
+              <a:spcAft>
+                <a:spcPts val="0"/>
+              </a:spcAft>
+              <a:defRPr/>
+            </a:pPr>
+            <a:r>
+              <a:rPr lang="fr-FR" dirty="0"/>
+              <a:t>Librairie </a:t>
+            </a:r>
+            <a:r>
+              <a:rPr lang="fr-FR" dirty="0" err="1"/>
+              <a:t>Flask</a:t>
+            </a:r>
+            <a:endParaRPr lang="fr-FR" dirty="0"/>
+          </a:p>
+          <a:p>
+            <a:pPr fontAlgn="auto">
+              <a:spcAft>
+                <a:spcPts val="0"/>
+              </a:spcAft>
+              <a:defRPr/>
+            </a:pPr>
+            <a:r>
+              <a:rPr lang="fr-FR" dirty="0"/>
+              <a:t>Service REST</a:t>
+            </a:r>
+          </a:p>
+          <a:p>
+            <a:pPr fontAlgn="auto">
+              <a:spcAft>
+                <a:spcPts val="0"/>
+              </a:spcAft>
+              <a:defRPr/>
+            </a:pPr>
+            <a:r>
+              <a:rPr lang="fr-FR" dirty="0"/>
+              <a:t>5 recommandations</a:t>
+            </a:r>
+          </a:p>
+          <a:p>
+            <a:pPr fontAlgn="auto">
+              <a:spcAft>
+                <a:spcPts val="0"/>
+              </a:spcAft>
+              <a:defRPr/>
+            </a:pPr>
+            <a:r>
+              <a:rPr lang="fr-FR" dirty="0"/>
+              <a:t>Réponse en JSON</a:t>
+            </a:r>
+          </a:p>
+          <a:p>
+            <a:pPr fontAlgn="auto">
+              <a:spcAft>
+                <a:spcPts val="0"/>
+              </a:spcAft>
+              <a:defRPr/>
+            </a:pPr>
+            <a:r>
+              <a:rPr lang="fr-FR" dirty="0"/>
+              <a:t>Déploiement sur </a:t>
+            </a:r>
+            <a:r>
+              <a:rPr lang="fr-FR" dirty="0" err="1"/>
+              <a:t>Heroku</a:t>
+            </a:r>
+            <a:endParaRPr lang="fr-FR" dirty="0"/>
+          </a:p>
+          <a:p>
+            <a:pPr fontAlgn="auto">
+              <a:spcAft>
+                <a:spcPts val="0"/>
+              </a:spcAft>
+              <a:defRPr/>
+            </a:pPr>
+            <a:endParaRPr lang="fr-FR" dirty="0">
+              <a:hlinkClick r:id="rId2"/>
+            </a:endParaRPr>
+          </a:p>
           <a:p>
             <a:pPr marL="0" indent="0" fontAlgn="auto">
               <a:spcAft>
@@ -9921,9 +9913,12 @@
               <a:defRPr/>
             </a:pPr>
             <a:r>
-              <a:rPr lang="fr-FR" dirty="0"/>
-              <a:t>Les tests indique qu’une relativement bonne solution serait d’utiliser la similarité cosinus avec les colonnes numériques et les features catégorielles les plus importantes :</a:t>
-            </a:r>
+              <a:rPr lang="fr-FR" dirty="0">
+                <a:hlinkClick r:id="rId2"/>
+              </a:rPr>
+              <a:t>https://recommended-engine.herokuapp.com/</a:t>
+            </a:r>
+            <a:endParaRPr lang="fr-FR" dirty="0"/>
           </a:p>
           <a:p>
             <a:pPr fontAlgn="auto">
@@ -9932,58 +9927,7 @@
               </a:spcAft>
               <a:defRPr/>
             </a:pPr>
-            <a:r>
-              <a:rPr lang="fr-FR" dirty="0"/>
-              <a:t>Genres</a:t>
-            </a:r>
-          </a:p>
-          <a:p>
-            <a:pPr fontAlgn="auto">
-              <a:spcAft>
-                <a:spcPts val="0"/>
-              </a:spcAft>
-              <a:defRPr/>
-            </a:pPr>
-            <a:r>
-              <a:rPr lang="fr-FR" dirty="0"/>
-              <a:t>Langue</a:t>
-            </a:r>
-          </a:p>
-          <a:p>
-            <a:pPr fontAlgn="auto">
-              <a:spcAft>
-                <a:spcPts val="0"/>
-              </a:spcAft>
-              <a:defRPr/>
-            </a:pPr>
-            <a:r>
-              <a:rPr lang="fr-FR" dirty="0"/>
-              <a:t>Titre</a:t>
-            </a:r>
-          </a:p>
-          <a:p>
-            <a:pPr fontAlgn="auto">
-              <a:spcAft>
-                <a:spcPts val="0"/>
-              </a:spcAft>
-              <a:defRPr/>
-            </a:pPr>
-            <a:r>
-              <a:rPr lang="fr-FR" dirty="0"/>
-              <a:t>acteur 1</a:t>
-            </a:r>
-          </a:p>
-          <a:p>
-            <a:pPr fontAlgn="auto">
-              <a:spcAft>
-                <a:spcPts val="0"/>
-              </a:spcAft>
-              <a:defRPr/>
-            </a:pPr>
-            <a:r>
-              <a:rPr lang="fr-FR" dirty="0"/>
-              <a:t>Réalisateur</a:t>
-            </a:r>
+            <a:endParaRPr lang="fr-FR" dirty="0"/>
           </a:p>
         </p:txBody>
       </p:sp>
@@ -9996,200 +9940,6 @@
 </file>
 
 <file path=ppt/slides/slide34.xml><?xml version="1.0" encoding="utf-8"?>
-<p:sld xmlns:a="http://schemas.openxmlformats.org/drawingml/2006/main" xmlns:r="http://schemas.openxmlformats.org/officeDocument/2006/relationships" xmlns:p="http://schemas.openxmlformats.org/presentationml/2006/main">
-  <p:cSld>
-    <p:spTree>
-      <p:nvGrpSpPr>
-        <p:cNvPr id="1" name=""/>
-        <p:cNvGrpSpPr/>
-        <p:nvPr/>
-      </p:nvGrpSpPr>
-      <p:grpSpPr>
-        <a:xfrm>
-          <a:off x="0" y="0"/>
-          <a:ext cx="0" cy="0"/>
-          <a:chOff x="0" y="0"/>
-          <a:chExt cx="0" cy="0"/>
-        </a:xfrm>
-      </p:grpSpPr>
-      <p:sp>
-        <p:nvSpPr>
-          <p:cNvPr id="46082" name="Titre 1">
-            <a:extLst>
-              <a:ext uri="{FF2B5EF4-FFF2-40B4-BE49-F238E27FC236}">
-                <a16:creationId xmlns:a16="http://schemas.microsoft.com/office/drawing/2014/main" id="{1682D8E4-6534-44F3-BBAA-4B9DB87CDEA1}"/>
-              </a:ext>
-            </a:extLst>
-          </p:cNvPr>
-          <p:cNvSpPr>
-            <a:spLocks noGrp="1" noChangeArrowheads="1"/>
-          </p:cNvSpPr>
-          <p:nvPr>
-            <p:ph type="title"/>
-          </p:nvPr>
-        </p:nvSpPr>
-        <p:spPr/>
-        <p:txBody>
-          <a:bodyPr/>
-          <a:lstStyle/>
-          <a:p>
-            <a:pPr algn="ctr"/>
-            <a:r>
-              <a:rPr lang="fr-FR" altLang="fr-FR" dirty="0"/>
-              <a:t>Service Web</a:t>
-            </a:r>
-          </a:p>
-        </p:txBody>
-      </p:sp>
-      <p:sp>
-        <p:nvSpPr>
-          <p:cNvPr id="3" name="Espace réservé du contenu 2">
-            <a:extLst>
-              <a:ext uri="{FF2B5EF4-FFF2-40B4-BE49-F238E27FC236}">
-                <a16:creationId xmlns:a16="http://schemas.microsoft.com/office/drawing/2014/main" id="{41DDAAA2-19A0-4CCA-A2CA-E4C2EF052A22}"/>
-              </a:ext>
-            </a:extLst>
-          </p:cNvPr>
-          <p:cNvSpPr>
-            <a:spLocks noGrp="1"/>
-          </p:cNvSpPr>
-          <p:nvPr>
-            <p:ph idx="1"/>
-          </p:nvPr>
-        </p:nvSpPr>
-        <p:spPr/>
-        <p:txBody>
-          <a:bodyPr rtlCol="0">
-            <a:normAutofit/>
-          </a:bodyPr>
-          <a:lstStyle/>
-          <a:p>
-            <a:pPr fontAlgn="auto">
-              <a:spcAft>
-                <a:spcPts val="0"/>
-              </a:spcAft>
-              <a:defRPr/>
-            </a:pPr>
-            <a:endParaRPr lang="fr-FR" dirty="0"/>
-          </a:p>
-          <a:p>
-            <a:pPr fontAlgn="auto">
-              <a:spcAft>
-                <a:spcPts val="0"/>
-              </a:spcAft>
-              <a:defRPr/>
-            </a:pPr>
-            <a:r>
-              <a:rPr lang="fr-FR" dirty="0"/>
-              <a:t>Python</a:t>
-            </a:r>
-          </a:p>
-          <a:p>
-            <a:pPr fontAlgn="auto">
-              <a:spcAft>
-                <a:spcPts val="0"/>
-              </a:spcAft>
-              <a:defRPr/>
-            </a:pPr>
-            <a:r>
-              <a:rPr lang="fr-FR" dirty="0"/>
-              <a:t>Librairie </a:t>
-            </a:r>
-            <a:r>
-              <a:rPr lang="fr-FR" dirty="0" err="1"/>
-              <a:t>Flask</a:t>
-            </a:r>
-            <a:endParaRPr lang="fr-FR" dirty="0"/>
-          </a:p>
-          <a:p>
-            <a:pPr fontAlgn="auto">
-              <a:spcAft>
-                <a:spcPts val="0"/>
-              </a:spcAft>
-              <a:defRPr/>
-            </a:pPr>
-            <a:r>
-              <a:rPr lang="fr-FR" dirty="0"/>
-              <a:t>Service REST</a:t>
-            </a:r>
-          </a:p>
-          <a:p>
-            <a:pPr fontAlgn="auto">
-              <a:spcAft>
-                <a:spcPts val="0"/>
-              </a:spcAft>
-              <a:defRPr/>
-            </a:pPr>
-            <a:r>
-              <a:rPr lang="fr-FR" dirty="0"/>
-              <a:t>Réponse en JSON</a:t>
-            </a:r>
-          </a:p>
-          <a:p>
-            <a:pPr fontAlgn="auto">
-              <a:spcAft>
-                <a:spcPts val="0"/>
-              </a:spcAft>
-              <a:defRPr/>
-            </a:pPr>
-            <a:r>
-              <a:rPr lang="fr-FR" dirty="0"/>
-              <a:t>Déploiement sur </a:t>
-            </a:r>
-            <a:r>
-              <a:rPr lang="fr-FR" dirty="0" err="1"/>
-              <a:t>Heroku</a:t>
-            </a:r>
-            <a:endParaRPr lang="fr-FR" dirty="0"/>
-          </a:p>
-          <a:p>
-            <a:pPr fontAlgn="auto">
-              <a:spcAft>
-                <a:spcPts val="0"/>
-              </a:spcAft>
-              <a:defRPr/>
-            </a:pPr>
-            <a:endParaRPr lang="fr-FR" dirty="0">
-              <a:hlinkClick r:id="rId2"/>
-            </a:endParaRPr>
-          </a:p>
-          <a:p>
-            <a:pPr marL="0" indent="0" fontAlgn="auto">
-              <a:spcAft>
-                <a:spcPts val="0"/>
-              </a:spcAft>
-              <a:buFont typeface="Arial" panose="020B0604020202020204" pitchFamily="34" charset="0"/>
-              <a:buNone/>
-              <a:defRPr/>
-            </a:pPr>
-            <a:r>
-              <a:rPr lang="fr-FR" dirty="0">
-                <a:hlinkClick r:id="rId2"/>
-              </a:rPr>
-              <a:t>https://recommended-engine.herokuapp.com/</a:t>
-            </a:r>
-            <a:endParaRPr lang="fr-FR" dirty="0"/>
-          </a:p>
-          <a:p>
-            <a:pPr fontAlgn="auto">
-              <a:spcAft>
-                <a:spcPts val="0"/>
-              </a:spcAft>
-              <a:defRPr/>
-            </a:pPr>
-            <a:endParaRPr lang="fr-FR" dirty="0"/>
-          </a:p>
-        </p:txBody>
-      </p:sp>
-    </p:spTree>
-  </p:cSld>
-  <p:clrMapOvr>
-    <a:masterClrMapping/>
-  </p:clrMapOvr>
-</p:sld>
-</file>
-
-<file path=ppt/slides/slide35.xml><?xml version="1.0" encoding="utf-8"?>
 <p:sld xmlns:a="http://schemas.openxmlformats.org/drawingml/2006/main" xmlns:r="http://schemas.openxmlformats.org/officeDocument/2006/relationships" xmlns:p="http://schemas.openxmlformats.org/presentationml/2006/main">
   <p:cSld>
     <p:spTree>
@@ -10306,7 +10056,7 @@
 </p:sld>
 </file>
 
-<file path=ppt/slides/slide36.xml><?xml version="1.0" encoding="utf-8"?>
+<file path=ppt/slides/slide35.xml><?xml version="1.0" encoding="utf-8"?>
 <p:sld xmlns:a="http://schemas.openxmlformats.org/drawingml/2006/main" xmlns:r="http://schemas.openxmlformats.org/officeDocument/2006/relationships" xmlns:p="http://schemas.openxmlformats.org/presentationml/2006/main">
   <p:cSld>
     <p:spTree>
@@ -10451,7 +10201,7 @@
           </p:nvPr>
         </p:nvPicPr>
         <p:blipFill>
-          <a:blip r:embed="rId2">
+          <a:blip r:embed="rId3">
             <a:extLst>
               <a:ext uri="{28A0092B-C50C-407E-A947-70E740481C1C}">
                 <a14:useLocalDpi xmlns:a14="http://schemas.microsoft.com/office/drawing/2010/main" val="0"/>
@@ -10465,11 +10215,306 @@
         </p:blipFill>
         <p:spPr>
           <a:xfrm>
-            <a:off x="5678488" y="123825"/>
+            <a:off x="7298740" y="139867"/>
             <a:ext cx="4192587" cy="6276975"/>
           </a:xfrm>
         </p:spPr>
       </p:pic>
+      <p:sp>
+        <p:nvSpPr>
+          <p:cNvPr id="7" name="Espace réservé du contenu 2">
+            <a:extLst>
+              <a:ext uri="{FF2B5EF4-FFF2-40B4-BE49-F238E27FC236}">
+                <a16:creationId xmlns:a16="http://schemas.microsoft.com/office/drawing/2014/main" id="{5C0324C2-7049-447A-871C-4C627A94CBA3}"/>
+              </a:ext>
+            </a:extLst>
+          </p:cNvPr>
+          <p:cNvSpPr txBox="1">
+            <a:spLocks/>
+          </p:cNvSpPr>
+          <p:nvPr/>
+        </p:nvSpPr>
+        <p:spPr bwMode="auto">
+          <a:xfrm>
+            <a:off x="838200" y="1825625"/>
+            <a:ext cx="5129463" cy="4351338"/>
+          </a:xfrm>
+          <a:prstGeom prst="rect">
+            <a:avLst/>
+          </a:prstGeom>
+          <a:noFill/>
+          <a:ln>
+            <a:noFill/>
+          </a:ln>
+          <a:extLst>
+            <a:ext uri="{909E8E84-426E-40DD-AFC4-6F175D3DCCD1}">
+              <a14:hiddenFill xmlns:a14="http://schemas.microsoft.com/office/drawing/2010/main">
+                <a:solidFill>
+                  <a:srgbClr val="FFFFFF"/>
+                </a:solidFill>
+              </a14:hiddenFill>
+            </a:ext>
+            <a:ext uri="{91240B29-F687-4F45-9708-019B960494DF}">
+              <a14:hiddenLine xmlns:a14="http://schemas.microsoft.com/office/drawing/2010/main" w="9525">
+                <a:solidFill>
+                  <a:srgbClr val="000000"/>
+                </a:solidFill>
+                <a:miter lim="800000"/>
+                <a:headEnd/>
+                <a:tailEnd/>
+              </a14:hiddenLine>
+            </a:ext>
+          </a:extLst>
+        </p:spPr>
+        <p:txBody>
+          <a:bodyPr vert="horz" wrap="square" lIns="91440" tIns="45720" rIns="91440" bIns="45720" numCol="1" rtlCol="0" anchor="t" anchorCtr="0" compatLnSpc="1">
+            <a:prstTxWarp prst="textNoShape">
+              <a:avLst/>
+            </a:prstTxWarp>
+            <a:normAutofit/>
+          </a:bodyPr>
+          <a:lstStyle>
+            <a:lvl1pPr marL="228600" indent="-228600" algn="l" rtl="0" fontAlgn="base">
+              <a:lnSpc>
+                <a:spcPct val="90000"/>
+              </a:lnSpc>
+              <a:spcBef>
+                <a:spcPts val="1000"/>
+              </a:spcBef>
+              <a:spcAft>
+                <a:spcPct val="0"/>
+              </a:spcAft>
+              <a:buFont typeface="Arial" panose="020B0604020202020204" pitchFamily="34" charset="0"/>
+              <a:buChar char="•"/>
+              <a:defRPr sz="2800" kern="1200">
+                <a:solidFill>
+                  <a:schemeClr val="tx1"/>
+                </a:solidFill>
+                <a:latin typeface="+mn-lt"/>
+                <a:ea typeface="+mn-ea"/>
+                <a:cs typeface="+mn-cs"/>
+              </a:defRPr>
+            </a:lvl1pPr>
+            <a:lvl2pPr marL="685800" indent="-228600" algn="l" rtl="0" fontAlgn="base">
+              <a:lnSpc>
+                <a:spcPct val="90000"/>
+              </a:lnSpc>
+              <a:spcBef>
+                <a:spcPts val="500"/>
+              </a:spcBef>
+              <a:spcAft>
+                <a:spcPct val="0"/>
+              </a:spcAft>
+              <a:buFont typeface="Arial" panose="020B0604020202020204" pitchFamily="34" charset="0"/>
+              <a:buChar char="•"/>
+              <a:defRPr sz="2400" kern="1200">
+                <a:solidFill>
+                  <a:schemeClr val="tx1"/>
+                </a:solidFill>
+                <a:latin typeface="+mn-lt"/>
+                <a:ea typeface="+mn-ea"/>
+                <a:cs typeface="+mn-cs"/>
+              </a:defRPr>
+            </a:lvl2pPr>
+            <a:lvl3pPr marL="1143000" indent="-228600" algn="l" rtl="0" fontAlgn="base">
+              <a:lnSpc>
+                <a:spcPct val="90000"/>
+              </a:lnSpc>
+              <a:spcBef>
+                <a:spcPts val="500"/>
+              </a:spcBef>
+              <a:spcAft>
+                <a:spcPct val="0"/>
+              </a:spcAft>
+              <a:buFont typeface="Arial" panose="020B0604020202020204" pitchFamily="34" charset="0"/>
+              <a:buChar char="•"/>
+              <a:defRPr sz="2000" kern="1200">
+                <a:solidFill>
+                  <a:schemeClr val="tx1"/>
+                </a:solidFill>
+                <a:latin typeface="+mn-lt"/>
+                <a:ea typeface="+mn-ea"/>
+                <a:cs typeface="+mn-cs"/>
+              </a:defRPr>
+            </a:lvl3pPr>
+            <a:lvl4pPr marL="1600200" indent="-228600" algn="l" rtl="0" fontAlgn="base">
+              <a:lnSpc>
+                <a:spcPct val="90000"/>
+              </a:lnSpc>
+              <a:spcBef>
+                <a:spcPts val="500"/>
+              </a:spcBef>
+              <a:spcAft>
+                <a:spcPct val="0"/>
+              </a:spcAft>
+              <a:buFont typeface="Arial" panose="020B0604020202020204" pitchFamily="34" charset="0"/>
+              <a:buChar char="•"/>
+              <a:defRPr kern="1200">
+                <a:solidFill>
+                  <a:schemeClr val="tx1"/>
+                </a:solidFill>
+                <a:latin typeface="+mn-lt"/>
+                <a:ea typeface="+mn-ea"/>
+                <a:cs typeface="+mn-cs"/>
+              </a:defRPr>
+            </a:lvl4pPr>
+            <a:lvl5pPr marL="2057400" indent="-228600" algn="l" rtl="0" fontAlgn="base">
+              <a:lnSpc>
+                <a:spcPct val="90000"/>
+              </a:lnSpc>
+              <a:spcBef>
+                <a:spcPts val="500"/>
+              </a:spcBef>
+              <a:spcAft>
+                <a:spcPct val="0"/>
+              </a:spcAft>
+              <a:buFont typeface="Arial" panose="020B0604020202020204" pitchFamily="34" charset="0"/>
+              <a:buChar char="•"/>
+              <a:defRPr kern="1200">
+                <a:solidFill>
+                  <a:schemeClr val="tx1"/>
+                </a:solidFill>
+                <a:latin typeface="+mn-lt"/>
+                <a:ea typeface="+mn-ea"/>
+                <a:cs typeface="+mn-cs"/>
+              </a:defRPr>
+            </a:lvl5pPr>
+            <a:lvl6pPr marL="2514600" indent="-228600" algn="l" defTabSz="914400" rtl="0" eaLnBrk="1" latinLnBrk="0" hangingPunct="1">
+              <a:lnSpc>
+                <a:spcPct val="90000"/>
+              </a:lnSpc>
+              <a:spcBef>
+                <a:spcPts val="500"/>
+              </a:spcBef>
+              <a:buFont typeface="Arial" panose="020B0604020202020204" pitchFamily="34" charset="0"/>
+              <a:buChar char="•"/>
+              <a:defRPr sz="1800" kern="1200">
+                <a:solidFill>
+                  <a:schemeClr val="tx1"/>
+                </a:solidFill>
+                <a:latin typeface="+mn-lt"/>
+                <a:ea typeface="+mn-ea"/>
+                <a:cs typeface="+mn-cs"/>
+              </a:defRPr>
+            </a:lvl6pPr>
+            <a:lvl7pPr marL="2971800" indent="-228600" algn="l" defTabSz="914400" rtl="0" eaLnBrk="1" latinLnBrk="0" hangingPunct="1">
+              <a:lnSpc>
+                <a:spcPct val="90000"/>
+              </a:lnSpc>
+              <a:spcBef>
+                <a:spcPts val="500"/>
+              </a:spcBef>
+              <a:buFont typeface="Arial" panose="020B0604020202020204" pitchFamily="34" charset="0"/>
+              <a:buChar char="•"/>
+              <a:defRPr sz="1800" kern="1200">
+                <a:solidFill>
+                  <a:schemeClr val="tx1"/>
+                </a:solidFill>
+                <a:latin typeface="+mn-lt"/>
+                <a:ea typeface="+mn-ea"/>
+                <a:cs typeface="+mn-cs"/>
+              </a:defRPr>
+            </a:lvl7pPr>
+            <a:lvl8pPr marL="3429000" indent="-228600" algn="l" defTabSz="914400" rtl="0" eaLnBrk="1" latinLnBrk="0" hangingPunct="1">
+              <a:lnSpc>
+                <a:spcPct val="90000"/>
+              </a:lnSpc>
+              <a:spcBef>
+                <a:spcPts val="500"/>
+              </a:spcBef>
+              <a:buFont typeface="Arial" panose="020B0604020202020204" pitchFamily="34" charset="0"/>
+              <a:buChar char="•"/>
+              <a:defRPr sz="1800" kern="1200">
+                <a:solidFill>
+                  <a:schemeClr val="tx1"/>
+                </a:solidFill>
+                <a:latin typeface="+mn-lt"/>
+                <a:ea typeface="+mn-ea"/>
+                <a:cs typeface="+mn-cs"/>
+              </a:defRPr>
+            </a:lvl8pPr>
+            <a:lvl9pPr marL="3886200" indent="-228600" algn="l" defTabSz="914400" rtl="0" eaLnBrk="1" latinLnBrk="0" hangingPunct="1">
+              <a:lnSpc>
+                <a:spcPct val="90000"/>
+              </a:lnSpc>
+              <a:spcBef>
+                <a:spcPts val="500"/>
+              </a:spcBef>
+              <a:buFont typeface="Arial" panose="020B0604020202020204" pitchFamily="34" charset="0"/>
+              <a:buChar char="•"/>
+              <a:defRPr sz="1800" kern="1200">
+                <a:solidFill>
+                  <a:schemeClr val="tx1"/>
+                </a:solidFill>
+                <a:latin typeface="+mn-lt"/>
+                <a:ea typeface="+mn-ea"/>
+                <a:cs typeface="+mn-cs"/>
+              </a:defRPr>
+            </a:lvl9pPr>
+          </a:lstStyle>
+          <a:p>
+            <a:r>
+              <a:rPr lang="fr-FR" dirty="0" err="1"/>
+              <a:t>Feature</a:t>
+            </a:r>
+            <a:r>
+              <a:rPr lang="fr-FR" dirty="0"/>
+              <a:t> inutile</a:t>
+            </a:r>
+          </a:p>
+          <a:p>
+            <a:r>
+              <a:rPr lang="fr-FR" dirty="0"/>
+              <a:t>Valeurs manquantes</a:t>
+            </a:r>
+          </a:p>
+          <a:p>
+            <a:r>
+              <a:rPr lang="fr-FR" dirty="0"/>
+              <a:t>Doublons</a:t>
+            </a:r>
+          </a:p>
+          <a:p>
+            <a:r>
+              <a:rPr lang="fr-FR" dirty="0"/>
+              <a:t>Valeurs aberrantes (budget, pays, nombre de likes)</a:t>
+            </a:r>
+          </a:p>
+          <a:p>
+            <a:r>
+              <a:rPr lang="fr-FR" dirty="0"/>
+              <a:t>Binarisation </a:t>
+            </a:r>
+          </a:p>
+          <a:p>
+            <a:pPr lvl="1"/>
+            <a:r>
+              <a:rPr lang="fr-FR" dirty="0" err="1"/>
+              <a:t>Color</a:t>
+            </a:r>
+            <a:r>
+              <a:rPr lang="fr-FR" dirty="0"/>
+              <a:t> par </a:t>
+            </a:r>
+            <a:r>
+              <a:rPr lang="fr-FR" dirty="0" err="1"/>
+              <a:t>LabelEncoder</a:t>
+            </a:r>
+            <a:endParaRPr lang="fr-FR" dirty="0"/>
+          </a:p>
+          <a:p>
+            <a:pPr lvl="1"/>
+            <a:r>
+              <a:rPr lang="fr-FR" dirty="0" err="1"/>
+              <a:t>CountVectorizer</a:t>
+            </a:r>
+            <a:r>
+              <a:rPr lang="fr-FR" dirty="0"/>
+              <a:t> pour les autres</a:t>
+            </a:r>
+          </a:p>
+        </p:txBody>
+      </p:sp>
     </p:spTree>
   </p:cSld>
   <p:clrMapOvr>

--- a/Rapport/Moteur de recommandations de films.pptx
+++ b/Rapport/Moteur de recommandations de films.pptx
@@ -5,44 +5,46 @@
     <p:sldMasterId id="2147483648" r:id="rId1"/>
   </p:sldMasterIdLst>
   <p:notesMasterIdLst>
-    <p:notesMasterId r:id="rId37"/>
+    <p:notesMasterId r:id="rId39"/>
   </p:notesMasterIdLst>
   <p:sldIdLst>
     <p:sldId id="256" r:id="rId2"/>
     <p:sldId id="287" r:id="rId3"/>
     <p:sldId id="257" r:id="rId4"/>
     <p:sldId id="258" r:id="rId5"/>
-    <p:sldId id="263" r:id="rId6"/>
-    <p:sldId id="259" r:id="rId7"/>
-    <p:sldId id="261" r:id="rId8"/>
-    <p:sldId id="262" r:id="rId9"/>
-    <p:sldId id="277" r:id="rId10"/>
-    <p:sldId id="285" r:id="rId11"/>
-    <p:sldId id="260" r:id="rId12"/>
+    <p:sldId id="261" r:id="rId6"/>
+    <p:sldId id="263" r:id="rId7"/>
+    <p:sldId id="262" r:id="rId8"/>
+    <p:sldId id="277" r:id="rId9"/>
+    <p:sldId id="285" r:id="rId10"/>
+    <p:sldId id="260" r:id="rId11"/>
+    <p:sldId id="259" r:id="rId12"/>
     <p:sldId id="278" r:id="rId13"/>
-    <p:sldId id="279" r:id="rId14"/>
-    <p:sldId id="282" r:id="rId15"/>
-    <p:sldId id="283" r:id="rId16"/>
-    <p:sldId id="301" r:id="rId17"/>
-    <p:sldId id="280" r:id="rId18"/>
-    <p:sldId id="286" r:id="rId19"/>
-    <p:sldId id="281" r:id="rId20"/>
-    <p:sldId id="264" r:id="rId21"/>
-    <p:sldId id="288" r:id="rId22"/>
-    <p:sldId id="289" r:id="rId23"/>
-    <p:sldId id="290" r:id="rId24"/>
-    <p:sldId id="291" r:id="rId25"/>
-    <p:sldId id="276" r:id="rId26"/>
-    <p:sldId id="292" r:id="rId27"/>
-    <p:sldId id="270" r:id="rId28"/>
-    <p:sldId id="294" r:id="rId29"/>
-    <p:sldId id="295" r:id="rId30"/>
-    <p:sldId id="299" r:id="rId31"/>
-    <p:sldId id="298" r:id="rId32"/>
-    <p:sldId id="297" r:id="rId33"/>
-    <p:sldId id="269" r:id="rId34"/>
-    <p:sldId id="302" r:id="rId35"/>
-    <p:sldId id="303" r:id="rId36"/>
+    <p:sldId id="304" r:id="rId14"/>
+    <p:sldId id="279" r:id="rId15"/>
+    <p:sldId id="282" r:id="rId16"/>
+    <p:sldId id="283" r:id="rId17"/>
+    <p:sldId id="301" r:id="rId18"/>
+    <p:sldId id="280" r:id="rId19"/>
+    <p:sldId id="286" r:id="rId20"/>
+    <p:sldId id="281" r:id="rId21"/>
+    <p:sldId id="264" r:id="rId22"/>
+    <p:sldId id="288" r:id="rId23"/>
+    <p:sldId id="289" r:id="rId24"/>
+    <p:sldId id="290" r:id="rId25"/>
+    <p:sldId id="291" r:id="rId26"/>
+    <p:sldId id="276" r:id="rId27"/>
+    <p:sldId id="292" r:id="rId28"/>
+    <p:sldId id="270" r:id="rId29"/>
+    <p:sldId id="294" r:id="rId30"/>
+    <p:sldId id="295" r:id="rId31"/>
+    <p:sldId id="299" r:id="rId32"/>
+    <p:sldId id="298" r:id="rId33"/>
+    <p:sldId id="297" r:id="rId34"/>
+    <p:sldId id="269" r:id="rId35"/>
+    <p:sldId id="302" r:id="rId36"/>
+    <p:sldId id="303" r:id="rId37"/>
+    <p:sldId id="306" r:id="rId38"/>
   </p:sldIdLst>
   <p:sldSz cx="12192000" cy="6858000"/>
   <p:notesSz cx="6858000" cy="9144000"/>
@@ -693,6 +695,15 @@
           <a:p>
             <a:r>
               <a:rPr lang="fr-FR" dirty="0"/>
+              <a:t>Sans rentrer dans le détail</a:t>
+            </a:r>
+          </a:p>
+          <a:p>
+            <a:endParaRPr lang="fr-FR" dirty="0"/>
+          </a:p>
+          <a:p>
+            <a:r>
+              <a:rPr lang="fr-FR" dirty="0"/>
               <a:t>Colonne inutile : </a:t>
             </a:r>
             <a:r>
@@ -721,7 +732,7 @@
             </a:pPr>
             <a:r>
               <a:rPr lang="fr-FR" dirty="0"/>
-              <a:t>Valeurs manquantes</a:t>
+              <a:t>Valeurs aberrantes </a:t>
             </a:r>
           </a:p>
           <a:p>
@@ -744,7 +755,7 @@
             </a:pPr>
             <a:r>
               <a:rPr lang="fr-FR" dirty="0"/>
-              <a:t>Doublons</a:t>
+              <a:t>	Budget -&gt; médiane</a:t>
             </a:r>
           </a:p>
           <a:p>
@@ -766,9 +777,25 @@
               <a:defRPr/>
             </a:pPr>
             <a:r>
+              <a:rPr lang="fr-FR" sz="1200" kern="1200" dirty="0">
+                <a:solidFill>
+                  <a:schemeClr val="tx1"/>
+                </a:solidFill>
+                <a:latin typeface="+mn-lt"/>
+                <a:ea typeface="+mn-ea"/>
+                <a:cs typeface="+mn-cs"/>
+              </a:rPr>
+              <a:t>	Nombre de likes</a:t>
+            </a:r>
+            <a:r>
               <a:rPr lang="fr-FR" dirty="0"/>
-              <a:t>Valeurs aberrantes </a:t>
-            </a:r>
+              <a:t> -&gt; médiane + décrément de </a:t>
+            </a:r>
+            <a:r>
+              <a:rPr lang="fr-FR" dirty="0" err="1"/>
+              <a:t>cast_total_facebook_likes</a:t>
+            </a:r>
+            <a:endParaRPr lang="fr-FR" dirty="0"/>
           </a:p>
           <a:p>
             <a:pPr marL="0" marR="0" lvl="0" indent="0" algn="l" defTabSz="914400" rtl="0" eaLnBrk="1" fontAlgn="base" latinLnBrk="0" hangingPunct="1">
@@ -789,29 +816,6 @@
               <a:defRPr/>
             </a:pPr>
             <a:r>
-              <a:rPr lang="fr-FR" dirty="0"/>
-              <a:t>Budget -&gt; médiane</a:t>
-            </a:r>
-          </a:p>
-          <a:p>
-            <a:pPr marL="0" marR="0" lvl="0" indent="0" algn="l" defTabSz="914400" rtl="0" eaLnBrk="1" fontAlgn="base" latinLnBrk="0" hangingPunct="1">
-              <a:lnSpc>
-                <a:spcPct val="100000"/>
-              </a:lnSpc>
-              <a:spcBef>
-                <a:spcPct val="30000"/>
-              </a:spcBef>
-              <a:spcAft>
-                <a:spcPct val="0"/>
-              </a:spcAft>
-              <a:buClrTx/>
-              <a:buSzTx/>
-              <a:buFontTx/>
-              <a:buNone/>
-              <a:tabLst/>
-              <a:defRPr/>
-            </a:pPr>
-            <a:r>
               <a:rPr lang="fr-FR" sz="1200" kern="1200" dirty="0">
                 <a:solidFill>
                   <a:schemeClr val="tx1"/>
@@ -820,46 +824,7 @@
                 <a:ea typeface="+mn-ea"/>
                 <a:cs typeface="+mn-cs"/>
               </a:rPr>
-              <a:t>Nombre de likes</a:t>
-            </a:r>
-            <a:r>
-              <a:rPr lang="fr-FR" dirty="0"/>
-              <a:t> -&gt; médiane + décrément de </a:t>
-            </a:r>
-            <a:r>
-              <a:rPr lang="fr-FR" dirty="0" err="1"/>
-              <a:t>cast_total_facebook_likes</a:t>
-            </a:r>
-            <a:endParaRPr lang="fr-FR" dirty="0"/>
-          </a:p>
-          <a:p>
-            <a:pPr marL="0" marR="0" lvl="0" indent="0" algn="l" defTabSz="914400" rtl="0" eaLnBrk="1" fontAlgn="base" latinLnBrk="0" hangingPunct="1">
-              <a:lnSpc>
-                <a:spcPct val="100000"/>
-              </a:lnSpc>
-              <a:spcBef>
-                <a:spcPct val="30000"/>
-              </a:spcBef>
-              <a:spcAft>
-                <a:spcPct val="0"/>
-              </a:spcAft>
-              <a:buClrTx/>
-              <a:buSzTx/>
-              <a:buFontTx/>
-              <a:buNone/>
-              <a:tabLst/>
-              <a:defRPr/>
-            </a:pPr>
-            <a:r>
-              <a:rPr lang="fr-FR" sz="1200" kern="1200" dirty="0">
-                <a:solidFill>
-                  <a:schemeClr val="tx1"/>
-                </a:solidFill>
-                <a:latin typeface="+mn-lt"/>
-                <a:ea typeface="+mn-ea"/>
-                <a:cs typeface="+mn-cs"/>
-              </a:rPr>
-              <a:t>Pays</a:t>
+              <a:t>	Pays</a:t>
             </a:r>
             <a:r>
               <a:rPr lang="fr-FR" dirty="0"/>
@@ -918,7 +883,7 @@
 </p:notes>
 </file>
 
-<file path=ppt/notesSlides/notesSlide2.xml><?xml version="1.0" encoding="utf-8"?>
+<file path=ppt/notesSlides/notesSlide10.xml><?xml version="1.0" encoding="utf-8"?>
 <p:notes xmlns:a="http://schemas.openxmlformats.org/drawingml/2006/main" xmlns:r="http://schemas.openxmlformats.org/officeDocument/2006/relationships" xmlns:p="http://schemas.openxmlformats.org/presentationml/2006/main">
   <p:cSld>
     <p:spTree>
@@ -962,14 +927,29 @@
           <a:bodyPr/>
           <a:lstStyle/>
           <a:p>
-            <a:r>
-              <a:rPr lang="fr-FR" dirty="0"/>
-              <a:t>Doublon : </a:t>
-            </a:r>
-            <a:r>
-              <a:rPr lang="fr-FR" dirty="0" err="1"/>
-              <a:t>dekalog</a:t>
-            </a:r>
+            <a:pPr marL="0" marR="0" lvl="0" indent="0" algn="l" defTabSz="914400" rtl="0" eaLnBrk="1" fontAlgn="base" latinLnBrk="0" hangingPunct="1">
+              <a:lnSpc>
+                <a:spcPct val="100000"/>
+              </a:lnSpc>
+              <a:spcBef>
+                <a:spcPct val="30000"/>
+              </a:spcBef>
+              <a:spcAft>
+                <a:spcPct val="0"/>
+              </a:spcAft>
+              <a:buClrTx/>
+              <a:buSzTx/>
+              <a:buFontTx/>
+              <a:buNone/>
+              <a:tabLst/>
+              <a:defRPr/>
+            </a:pPr>
+            <a:r>
+              <a:rPr lang="fr-FR" altLang="fr-FR" dirty="0"/>
+              <a:t>Les 2 directions ppales expliquent de moins en moins la variance</a:t>
+            </a:r>
+          </a:p>
+          <a:p>
             <a:endParaRPr lang="fr-FR" dirty="0"/>
           </a:p>
         </p:txBody>
@@ -997,7 +977,7 @@
               <a:pPr>
                 <a:defRPr/>
               </a:pPr>
-              <a:t>7</a:t>
+              <a:t>15</a:t>
             </a:fld>
             <a:endParaRPr lang="fr-FR"/>
           </a:p>
@@ -1006,7 +986,7 @@
     </p:spTree>
     <p:extLst>
       <p:ext uri="{BB962C8B-B14F-4D97-AF65-F5344CB8AC3E}">
-        <p14:creationId xmlns:p14="http://schemas.microsoft.com/office/powerpoint/2010/main" val="660940245"/>
+        <p14:creationId xmlns:p14="http://schemas.microsoft.com/office/powerpoint/2010/main" val="1643205833"/>
       </p:ext>
     </p:extLst>
   </p:cSld>
@@ -1016,7 +996,7 @@
 </p:notes>
 </file>
 
-<file path=ppt/notesSlides/notesSlide3.xml><?xml version="1.0" encoding="utf-8"?>
+<file path=ppt/notesSlides/notesSlide11.xml><?xml version="1.0" encoding="utf-8"?>
 <p:notes xmlns:a="http://schemas.openxmlformats.org/drawingml/2006/main" xmlns:r="http://schemas.openxmlformats.org/officeDocument/2006/relationships" xmlns:p="http://schemas.openxmlformats.org/presentationml/2006/main">
   <p:cSld>
     <p:spTree>
@@ -1060,24 +1040,30 @@
           <a:bodyPr/>
           <a:lstStyle/>
           <a:p>
-            <a:r>
-              <a:rPr lang="fr-FR" dirty="0"/>
-              <a:t>Meilleure corrélation entre total like et </a:t>
-            </a:r>
-            <a:r>
-              <a:rPr lang="fr-FR" dirty="0" err="1"/>
-              <a:t>actor</a:t>
-            </a:r>
-            <a:r>
-              <a:rPr lang="fr-FR" dirty="0"/>
-              <a:t> 1 like</a:t>
-            </a:r>
-          </a:p>
-          <a:p>
-            <a:r>
-              <a:rPr lang="fr-FR" dirty="0"/>
-              <a:t>Le score semble un peu corrélé avec nb critiques et nb de votant mais pas de tendance forte, ce qui semble normal</a:t>
-            </a:r>
+            <a:pPr marL="0" marR="0" lvl="0" indent="0" algn="l" defTabSz="914400" rtl="0" eaLnBrk="1" fontAlgn="base" latinLnBrk="0" hangingPunct="1">
+              <a:lnSpc>
+                <a:spcPct val="100000"/>
+              </a:lnSpc>
+              <a:spcBef>
+                <a:spcPct val="30000"/>
+              </a:spcBef>
+              <a:spcAft>
+                <a:spcPct val="0"/>
+              </a:spcAft>
+              <a:buClrTx/>
+              <a:buSzTx/>
+              <a:buFontTx/>
+              <a:buNone/>
+              <a:tabLst/>
+              <a:defRPr/>
+            </a:pPr>
+            <a:r>
+              <a:rPr lang="fr-FR" altLang="fr-FR" dirty="0"/>
+              <a:t>Les 2 directions ppales n’expliquent plus rien du tout</a:t>
+            </a:r>
+          </a:p>
+          <a:p>
+            <a:endParaRPr lang="fr-FR" dirty="0"/>
           </a:p>
         </p:txBody>
       </p:sp>
@@ -1104,7 +1090,7 @@
               <a:pPr>
                 <a:defRPr/>
               </a:pPr>
-              <a:t>9</a:t>
+              <a:t>16</a:t>
             </a:fld>
             <a:endParaRPr lang="fr-FR"/>
           </a:p>
@@ -1113,7 +1099,7 @@
     </p:spTree>
     <p:extLst>
       <p:ext uri="{BB962C8B-B14F-4D97-AF65-F5344CB8AC3E}">
-        <p14:creationId xmlns:p14="http://schemas.microsoft.com/office/powerpoint/2010/main" val="4203670404"/>
+        <p14:creationId xmlns:p14="http://schemas.microsoft.com/office/powerpoint/2010/main" val="350297072"/>
       </p:ext>
     </p:extLst>
   </p:cSld>
@@ -1123,7 +1109,7 @@
 </p:notes>
 </file>
 
-<file path=ppt/notesSlides/notesSlide4.xml><?xml version="1.0" encoding="utf-8"?>
+<file path=ppt/notesSlides/notesSlide12.xml><?xml version="1.0" encoding="utf-8"?>
 <p:notes xmlns:a="http://schemas.openxmlformats.org/drawingml/2006/main" xmlns:r="http://schemas.openxmlformats.org/officeDocument/2006/relationships" xmlns:p="http://schemas.openxmlformats.org/presentationml/2006/main">
   <p:cSld>
     <p:spTree>
@@ -1142,10 +1128,10 @@
       </p:grpSpPr>
       <p:sp>
         <p:nvSpPr>
-          <p:cNvPr id="14338" name="Espace réservé de l'image des diapositives 1">
-            <a:extLst>
-              <a:ext uri="{FF2B5EF4-FFF2-40B4-BE49-F238E27FC236}">
-                <a16:creationId xmlns:a16="http://schemas.microsoft.com/office/drawing/2014/main" id="{BA52C493-889E-45DB-AAF0-CA5153F562FB}"/>
+          <p:cNvPr id="24578" name="Espace réservé de l'image des diapositives 1">
+            <a:extLst>
+              <a:ext uri="{FF2B5EF4-FFF2-40B4-BE49-F238E27FC236}">
+                <a16:creationId xmlns:a16="http://schemas.microsoft.com/office/drawing/2014/main" id="{B3FBB861-F563-4800-A866-7FFB5F0B8D0A}"/>
               </a:ext>
             </a:extLst>
           </p:cNvPr>
@@ -1179,10 +1165,10 @@
       </p:sp>
       <p:sp>
         <p:nvSpPr>
-          <p:cNvPr id="14339" name="Espace réservé des notes 2">
-            <a:extLst>
-              <a:ext uri="{FF2B5EF4-FFF2-40B4-BE49-F238E27FC236}">
-                <a16:creationId xmlns:a16="http://schemas.microsoft.com/office/drawing/2014/main" id="{88BCBEEF-840C-4E35-8F65-1E2D31A27E18}"/>
+          <p:cNvPr id="24579" name="Espace réservé des notes 2">
+            <a:extLst>
+              <a:ext uri="{FF2B5EF4-FFF2-40B4-BE49-F238E27FC236}">
+                <a16:creationId xmlns:a16="http://schemas.microsoft.com/office/drawing/2014/main" id="{398ACF0A-8039-4D14-838B-E00EBE85CCB0}"/>
               </a:ext>
             </a:extLst>
           </p:cNvPr>
@@ -1230,17 +1216,17 @@
             </a:pPr>
             <a:r>
               <a:rPr lang="fr-FR" altLang="fr-FR"/>
-              <a:t>3 groupes homogènes</a:t>
-            </a:r>
-          </a:p>
-        </p:txBody>
-      </p:sp>
-      <p:sp>
-        <p:nvSpPr>
-          <p:cNvPr id="14340" name="Espace réservé du numéro de diapositive 3">
-            <a:extLst>
-              <a:ext uri="{FF2B5EF4-FFF2-40B4-BE49-F238E27FC236}">
-                <a16:creationId xmlns:a16="http://schemas.microsoft.com/office/drawing/2014/main" id="{26D63B45-F8B4-4B3A-A116-EDD858FCA2CD}"/>
+              <a:t>Pas de variable catégorielle : c’est ce qui explique le mieux la variance</a:t>
+            </a:r>
+          </a:p>
+        </p:txBody>
+      </p:sp>
+      <p:sp>
+        <p:nvSpPr>
+          <p:cNvPr id="24580" name="Espace réservé du numéro de diapositive 3">
+            <a:extLst>
+              <a:ext uri="{FF2B5EF4-FFF2-40B4-BE49-F238E27FC236}">
+                <a16:creationId xmlns:a16="http://schemas.microsoft.com/office/drawing/2014/main" id="{D7CBCEA1-C136-44A4-A8F1-0DBFF45C80F7}"/>
               </a:ext>
             </a:extLst>
           </p:cNvPr>
@@ -1386,7 +1372,7 @@
                 <a:spcPct val="0"/>
               </a:spcAft>
             </a:pPr>
-            <a:fld id="{5D72102B-722F-46E5-AAFA-6ECBAD2129EF}" type="slidenum">
+            <a:fld id="{FCCAF054-DC6F-41E0-B167-E9431BA5FF75}" type="slidenum">
               <a:rPr lang="fr-FR" altLang="fr-FR"/>
               <a:pPr fontAlgn="base">
                 <a:spcBef>
@@ -1396,7 +1382,7 @@
                   <a:spcPct val="0"/>
                 </a:spcAft>
               </a:pPr>
-              <a:t>11</a:t>
+              <a:t>17</a:t>
             </a:fld>
             <a:endParaRPr lang="fr-FR" altLang="fr-FR"/>
           </a:p>
@@ -1410,7 +1396,7 @@
 </p:notes>
 </file>
 
-<file path=ppt/notesSlides/notesSlide5.xml><?xml version="1.0" encoding="utf-8"?>
+<file path=ppt/notesSlides/notesSlide13.xml><?xml version="1.0" encoding="utf-8"?>
 <p:notes xmlns:a="http://schemas.openxmlformats.org/drawingml/2006/main" xmlns:r="http://schemas.openxmlformats.org/officeDocument/2006/relationships" xmlns:p="http://schemas.openxmlformats.org/presentationml/2006/main">
   <p:cSld>
     <p:spTree>
@@ -1429,10 +1415,202 @@
       </p:grpSpPr>
       <p:sp>
         <p:nvSpPr>
-          <p:cNvPr id="16386" name="Espace réservé de l'image des diapositives 1">
-            <a:extLst>
-              <a:ext uri="{FF2B5EF4-FFF2-40B4-BE49-F238E27FC236}">
-                <a16:creationId xmlns:a16="http://schemas.microsoft.com/office/drawing/2014/main" id="{2345DD6C-5EDA-4931-A6EF-A96EFE9F4229}"/>
+          <p:cNvPr id="2" name="Espace réservé de l'image des diapositives 1"/>
+          <p:cNvSpPr>
+            <a:spLocks noGrp="1" noRot="1" noChangeAspect="1"/>
+          </p:cNvSpPr>
+          <p:nvPr>
+            <p:ph type="sldImg"/>
+          </p:nvPr>
+        </p:nvSpPr>
+        <p:spPr/>
+      </p:sp>
+      <p:sp>
+        <p:nvSpPr>
+          <p:cNvPr id="3" name="Espace réservé des notes 2"/>
+          <p:cNvSpPr>
+            <a:spLocks noGrp="1"/>
+          </p:cNvSpPr>
+          <p:nvPr>
+            <p:ph type="body" idx="1"/>
+          </p:nvPr>
+        </p:nvSpPr>
+        <p:spPr/>
+        <p:txBody>
+          <a:bodyPr/>
+          <a:lstStyle/>
+          <a:p>
+            <a:r>
+              <a:rPr lang="fr-FR" dirty="0"/>
+              <a:t>Meilleur k=3, mais coef &lt; 0.2</a:t>
+            </a:r>
+          </a:p>
+          <a:p>
+            <a:r>
+              <a:rPr lang="fr-FR" dirty="0"/>
+              <a:t>ne veut rien dire pour classer des films</a:t>
+            </a:r>
+          </a:p>
+        </p:txBody>
+      </p:sp>
+      <p:sp>
+        <p:nvSpPr>
+          <p:cNvPr id="4" name="Espace réservé du numéro de diapositive 3"/>
+          <p:cNvSpPr>
+            <a:spLocks noGrp="1"/>
+          </p:cNvSpPr>
+          <p:nvPr>
+            <p:ph type="sldNum" sz="quarter" idx="10"/>
+          </p:nvPr>
+        </p:nvSpPr>
+        <p:spPr/>
+        <p:txBody>
+          <a:bodyPr/>
+          <a:lstStyle/>
+          <a:p>
+            <a:pPr>
+              <a:defRPr/>
+            </a:pPr>
+            <a:fld id="{CC32C800-F1EC-4563-A4CB-7BFB6B498BC5}" type="slidenum">
+              <a:rPr lang="fr-FR" smtClean="0"/>
+              <a:pPr>
+                <a:defRPr/>
+              </a:pPr>
+              <a:t>18</a:t>
+            </a:fld>
+            <a:endParaRPr lang="fr-FR"/>
+          </a:p>
+        </p:txBody>
+      </p:sp>
+    </p:spTree>
+    <p:extLst>
+      <p:ext uri="{BB962C8B-B14F-4D97-AF65-F5344CB8AC3E}">
+        <p14:creationId xmlns:p14="http://schemas.microsoft.com/office/powerpoint/2010/main" val="1486696292"/>
+      </p:ext>
+    </p:extLst>
+  </p:cSld>
+  <p:clrMapOvr>
+    <a:masterClrMapping/>
+  </p:clrMapOvr>
+</p:notes>
+</file>
+
+<file path=ppt/notesSlides/notesSlide14.xml><?xml version="1.0" encoding="utf-8"?>
+<p:notes xmlns:a="http://schemas.openxmlformats.org/drawingml/2006/main" xmlns:r="http://schemas.openxmlformats.org/officeDocument/2006/relationships" xmlns:p="http://schemas.openxmlformats.org/presentationml/2006/main">
+  <p:cSld>
+    <p:spTree>
+      <p:nvGrpSpPr>
+        <p:cNvPr id="1" name=""/>
+        <p:cNvGrpSpPr/>
+        <p:nvPr/>
+      </p:nvGrpSpPr>
+      <p:grpSpPr>
+        <a:xfrm>
+          <a:off x="0" y="0"/>
+          <a:ext cx="0" cy="0"/>
+          <a:chOff x="0" y="0"/>
+          <a:chExt cx="0" cy="0"/>
+        </a:xfrm>
+      </p:grpSpPr>
+      <p:sp>
+        <p:nvSpPr>
+          <p:cNvPr id="2" name="Espace réservé de l'image des diapositives 1"/>
+          <p:cNvSpPr>
+            <a:spLocks noGrp="1" noRot="1" noChangeAspect="1"/>
+          </p:cNvSpPr>
+          <p:nvPr>
+            <p:ph type="sldImg"/>
+          </p:nvPr>
+        </p:nvSpPr>
+        <p:spPr/>
+      </p:sp>
+      <p:sp>
+        <p:nvSpPr>
+          <p:cNvPr id="3" name="Espace réservé des notes 2"/>
+          <p:cNvSpPr>
+            <a:spLocks noGrp="1"/>
+          </p:cNvSpPr>
+          <p:nvPr>
+            <p:ph type="body" idx="1"/>
+          </p:nvPr>
+        </p:nvSpPr>
+        <p:spPr/>
+        <p:txBody>
+          <a:bodyPr/>
+          <a:lstStyle/>
+          <a:p>
+            <a:r>
+              <a:rPr lang="fr-FR" dirty="0"/>
+              <a:t>Pas mieux</a:t>
+            </a:r>
+          </a:p>
+        </p:txBody>
+      </p:sp>
+      <p:sp>
+        <p:nvSpPr>
+          <p:cNvPr id="4" name="Espace réservé du numéro de diapositive 3"/>
+          <p:cNvSpPr>
+            <a:spLocks noGrp="1"/>
+          </p:cNvSpPr>
+          <p:nvPr>
+            <p:ph type="sldNum" sz="quarter" idx="10"/>
+          </p:nvPr>
+        </p:nvSpPr>
+        <p:spPr/>
+        <p:txBody>
+          <a:bodyPr/>
+          <a:lstStyle/>
+          <a:p>
+            <a:pPr>
+              <a:defRPr/>
+            </a:pPr>
+            <a:fld id="{CC32C800-F1EC-4563-A4CB-7BFB6B498BC5}" type="slidenum">
+              <a:rPr lang="fr-FR" smtClean="0"/>
+              <a:pPr>
+                <a:defRPr/>
+              </a:pPr>
+              <a:t>19</a:t>
+            </a:fld>
+            <a:endParaRPr lang="fr-FR"/>
+          </a:p>
+        </p:txBody>
+      </p:sp>
+    </p:spTree>
+    <p:extLst>
+      <p:ext uri="{BB962C8B-B14F-4D97-AF65-F5344CB8AC3E}">
+        <p14:creationId xmlns:p14="http://schemas.microsoft.com/office/powerpoint/2010/main" val="3710382060"/>
+      </p:ext>
+    </p:extLst>
+  </p:cSld>
+  <p:clrMapOvr>
+    <a:masterClrMapping/>
+  </p:clrMapOvr>
+</p:notes>
+</file>
+
+<file path=ppt/notesSlides/notesSlide15.xml><?xml version="1.0" encoding="utf-8"?>
+<p:notes xmlns:a="http://schemas.openxmlformats.org/drawingml/2006/main" xmlns:r="http://schemas.openxmlformats.org/officeDocument/2006/relationships" xmlns:p="http://schemas.openxmlformats.org/presentationml/2006/main">
+  <p:cSld>
+    <p:spTree>
+      <p:nvGrpSpPr>
+        <p:cNvPr id="1" name=""/>
+        <p:cNvGrpSpPr/>
+        <p:nvPr/>
+      </p:nvGrpSpPr>
+      <p:grpSpPr>
+        <a:xfrm>
+          <a:off x="0" y="0"/>
+          <a:ext cx="0" cy="0"/>
+          <a:chOff x="0" y="0"/>
+          <a:chExt cx="0" cy="0"/>
+        </a:xfrm>
+      </p:grpSpPr>
+      <p:sp>
+        <p:nvSpPr>
+          <p:cNvPr id="30722" name="Espace réservé de l'image des diapositives 1">
+            <a:extLst>
+              <a:ext uri="{FF2B5EF4-FFF2-40B4-BE49-F238E27FC236}">
+                <a16:creationId xmlns:a16="http://schemas.microsoft.com/office/drawing/2014/main" id="{FD2408B1-5AB2-4593-8D1A-FD64F7E5EF56}"/>
               </a:ext>
             </a:extLst>
           </p:cNvPr>
@@ -1466,10 +1644,10 @@
       </p:sp>
       <p:sp>
         <p:nvSpPr>
-          <p:cNvPr id="16387" name="Espace réservé des notes 2">
-            <a:extLst>
-              <a:ext uri="{FF2B5EF4-FFF2-40B4-BE49-F238E27FC236}">
-                <a16:creationId xmlns:a16="http://schemas.microsoft.com/office/drawing/2014/main" id="{10A377D1-3378-486F-BC86-A77661B202E9}"/>
+          <p:cNvPr id="30723" name="Espace réservé des notes 2">
+            <a:extLst>
+              <a:ext uri="{FF2B5EF4-FFF2-40B4-BE49-F238E27FC236}">
+                <a16:creationId xmlns:a16="http://schemas.microsoft.com/office/drawing/2014/main" id="{12ECAC57-7E0D-4A84-A332-79C0DC55F3E1}"/>
               </a:ext>
             </a:extLst>
           </p:cNvPr>
@@ -1517,17 +1695,17 @@
             </a:pPr>
             <a:r>
               <a:rPr lang="fr-FR" altLang="fr-FR"/>
-              <a:t>Genre : c’est le plus important pour ne pas passer d’un dessin animé à un film d’horreur par ex</a:t>
-            </a:r>
-          </a:p>
-        </p:txBody>
-      </p:sp>
-      <p:sp>
-        <p:nvSpPr>
-          <p:cNvPr id="16388" name="Espace réservé du numéro de diapositive 3">
-            <a:extLst>
-              <a:ext uri="{FF2B5EF4-FFF2-40B4-BE49-F238E27FC236}">
-                <a16:creationId xmlns:a16="http://schemas.microsoft.com/office/drawing/2014/main" id="{B29AA347-89D0-4CF7-B044-3278EBC625BC}"/>
+              <a:t>single, complete, average, weighted, centroid, median</a:t>
+            </a:r>
+          </a:p>
+        </p:txBody>
+      </p:sp>
+      <p:sp>
+        <p:nvSpPr>
+          <p:cNvPr id="30724" name="Espace réservé du numéro de diapositive 3">
+            <a:extLst>
+              <a:ext uri="{FF2B5EF4-FFF2-40B4-BE49-F238E27FC236}">
+                <a16:creationId xmlns:a16="http://schemas.microsoft.com/office/drawing/2014/main" id="{26E17676-F4B7-4002-80BA-2936DEF0EFFA}"/>
               </a:ext>
             </a:extLst>
           </p:cNvPr>
@@ -1673,7 +1851,7 @@
                 <a:spcPct val="0"/>
               </a:spcAft>
             </a:pPr>
-            <a:fld id="{A9A15043-B105-4DE9-8826-0F5DFE0C300D}" type="slidenum">
+            <a:fld id="{6690AEBB-A830-4DED-9A64-9252EA96448D}" type="slidenum">
               <a:rPr lang="fr-FR" altLang="fr-FR"/>
               <a:pPr fontAlgn="base">
                 <a:spcBef>
@@ -1683,7 +1861,7 @@
                   <a:spcPct val="0"/>
                 </a:spcAft>
               </a:pPr>
-              <a:t>12</a:t>
+              <a:t>22</a:t>
             </a:fld>
             <a:endParaRPr lang="fr-FR" altLang="fr-FR"/>
           </a:p>
@@ -1697,7 +1875,7 @@
 </p:notes>
 </file>
 
-<file path=ppt/notesSlides/notesSlide6.xml><?xml version="1.0" encoding="utf-8"?>
+<file path=ppt/notesSlides/notesSlide16.xml><?xml version="1.0" encoding="utf-8"?>
 <p:notes xmlns:a="http://schemas.openxmlformats.org/drawingml/2006/main" xmlns:r="http://schemas.openxmlformats.org/officeDocument/2006/relationships" xmlns:p="http://schemas.openxmlformats.org/presentationml/2006/main">
   <p:cSld>
     <p:spTree>
@@ -1716,10 +1894,738 @@
       </p:grpSpPr>
       <p:sp>
         <p:nvSpPr>
-          <p:cNvPr id="20482" name="Espace réservé de l'image des diapositives 1">
-            <a:extLst>
-              <a:ext uri="{FF2B5EF4-FFF2-40B4-BE49-F238E27FC236}">
-                <a16:creationId xmlns:a16="http://schemas.microsoft.com/office/drawing/2014/main" id="{7A6A9DBA-02DF-49A9-8C63-618D9C9703D4}"/>
+          <p:cNvPr id="2" name="Espace réservé de l'image des diapositives 1"/>
+          <p:cNvSpPr>
+            <a:spLocks noGrp="1" noRot="1" noChangeAspect="1"/>
+          </p:cNvSpPr>
+          <p:nvPr>
+            <p:ph type="sldImg"/>
+          </p:nvPr>
+        </p:nvSpPr>
+        <p:spPr/>
+      </p:sp>
+      <p:sp>
+        <p:nvSpPr>
+          <p:cNvPr id="3" name="Espace réservé des notes 2"/>
+          <p:cNvSpPr>
+            <a:spLocks noGrp="1"/>
+          </p:cNvSpPr>
+          <p:nvPr>
+            <p:ph type="body" idx="1"/>
+          </p:nvPr>
+        </p:nvSpPr>
+        <p:spPr/>
+        <p:txBody>
+          <a:bodyPr/>
+          <a:lstStyle/>
+          <a:p>
+            <a:r>
+              <a:rPr lang="fr-FR" dirty="0" err="1"/>
+              <a:t>Cosine</a:t>
+            </a:r>
+            <a:r>
+              <a:rPr lang="fr-FR" dirty="0"/>
+              <a:t> </a:t>
+            </a:r>
+            <a:r>
+              <a:rPr lang="fr-FR" dirty="0" err="1"/>
+              <a:t>similarity</a:t>
+            </a:r>
+            <a:r>
+              <a:rPr lang="fr-FR" dirty="0"/>
+              <a:t> = corrélation de Pearson = </a:t>
+            </a:r>
+            <a:r>
+              <a:rPr lang="fr-FR" dirty="0" err="1"/>
+              <a:t>cosine</a:t>
+            </a:r>
+            <a:r>
+              <a:rPr lang="fr-FR" dirty="0"/>
+              <a:t> kernel = </a:t>
+            </a:r>
+            <a:r>
+              <a:rPr lang="fr-FR" dirty="0" err="1"/>
+              <a:t>u.v</a:t>
+            </a:r>
+            <a:r>
+              <a:rPr lang="fr-FR" dirty="0"/>
+              <a:t> / ||u||.||v||</a:t>
+            </a:r>
+          </a:p>
+          <a:p>
+            <a:r>
+              <a:rPr lang="fr-FR" dirty="0" err="1"/>
+              <a:t>Linear</a:t>
+            </a:r>
+            <a:r>
+              <a:rPr lang="fr-FR" dirty="0"/>
+              <a:t> kernel = </a:t>
+            </a:r>
+            <a:r>
+              <a:rPr lang="fr-FR" dirty="0" err="1"/>
+              <a:t>u.v</a:t>
+            </a:r>
+            <a:endParaRPr lang="fr-FR" dirty="0"/>
+          </a:p>
+          <a:p>
+            <a:r>
+              <a:rPr lang="fr-FR" dirty="0">
+                <a:effectLst/>
+              </a:rPr>
+              <a:t>Chi2 kernel = e(-</a:t>
+            </a:r>
+            <a:r>
+              <a:rPr lang="fr-FR" dirty="0" err="1">
+                <a:effectLst/>
+              </a:rPr>
+              <a:t>gamma.somme</a:t>
+            </a:r>
+            <a:r>
+              <a:rPr lang="fr-FR" dirty="0">
+                <a:effectLst/>
+              </a:rPr>
+              <a:t>((x²-y²)/(</a:t>
+            </a:r>
+            <a:r>
+              <a:rPr lang="fr-FR" dirty="0" err="1">
+                <a:effectLst/>
+              </a:rPr>
+              <a:t>x+y</a:t>
+            </a:r>
+            <a:r>
+              <a:rPr lang="fr-FR" dirty="0">
+                <a:effectLst/>
+              </a:rPr>
+              <a:t>))</a:t>
+            </a:r>
+          </a:p>
+          <a:p>
+            <a:r>
+              <a:rPr lang="fr-FR" dirty="0">
+                <a:effectLst/>
+              </a:rPr>
+              <a:t>Polynomial, </a:t>
+            </a:r>
+            <a:r>
+              <a:rPr lang="fr-FR" dirty="0" err="1">
+                <a:effectLst/>
+              </a:rPr>
+              <a:t>sigmoid</a:t>
+            </a:r>
+            <a:r>
+              <a:rPr lang="fr-FR" dirty="0">
+                <a:effectLst/>
+              </a:rPr>
+              <a:t>, RBF, </a:t>
+            </a:r>
+            <a:r>
+              <a:rPr lang="fr-FR" dirty="0" err="1">
+                <a:effectLst/>
+              </a:rPr>
+              <a:t>Laplacian</a:t>
+            </a:r>
+            <a:endParaRPr lang="fr-FR" dirty="0">
+              <a:effectLst/>
+            </a:endParaRPr>
+          </a:p>
+          <a:p>
+            <a:endParaRPr lang="fr-FR" dirty="0">
+              <a:effectLst/>
+            </a:endParaRPr>
+          </a:p>
+          <a:p>
+            <a:r>
+              <a:rPr lang="fr-FR" dirty="0">
+                <a:effectLst/>
+              </a:rPr>
+              <a:t>N : </a:t>
+            </a:r>
+            <a:r>
+              <a:rPr lang="fr-FR" dirty="0" err="1">
+                <a:effectLst/>
+              </a:rPr>
+              <a:t>number</a:t>
+            </a:r>
+            <a:r>
+              <a:rPr lang="fr-FR" dirty="0">
+                <a:effectLst/>
+              </a:rPr>
+              <a:t> of dimensions</a:t>
+            </a:r>
+          </a:p>
+          <a:p>
+            <a:r>
+              <a:rPr lang="fr-FR" dirty="0">
+                <a:effectLst/>
+              </a:rPr>
+              <a:t>NTT : </a:t>
+            </a:r>
+            <a:r>
+              <a:rPr lang="fr-FR" dirty="0" err="1">
+                <a:effectLst/>
+              </a:rPr>
+              <a:t>number</a:t>
+            </a:r>
+            <a:r>
+              <a:rPr lang="fr-FR" dirty="0">
+                <a:effectLst/>
+              </a:rPr>
+              <a:t> of </a:t>
+            </a:r>
+            <a:r>
+              <a:rPr lang="fr-FR" dirty="0" err="1">
+                <a:effectLst/>
+              </a:rPr>
+              <a:t>dims</a:t>
+            </a:r>
+            <a:r>
+              <a:rPr lang="fr-FR" dirty="0">
+                <a:effectLst/>
+              </a:rPr>
+              <a:t> in </a:t>
+            </a:r>
+            <a:r>
+              <a:rPr lang="fr-FR" dirty="0" err="1">
+                <a:effectLst/>
+              </a:rPr>
+              <a:t>which</a:t>
+            </a:r>
+            <a:r>
+              <a:rPr lang="fr-FR" dirty="0">
+                <a:effectLst/>
+              </a:rPr>
+              <a:t> </a:t>
+            </a:r>
+            <a:r>
+              <a:rPr lang="fr-FR" dirty="0" err="1">
+                <a:effectLst/>
+              </a:rPr>
+              <a:t>both</a:t>
+            </a:r>
+            <a:r>
+              <a:rPr lang="fr-FR" dirty="0">
+                <a:effectLst/>
+              </a:rPr>
+              <a:t> values are </a:t>
+            </a:r>
+            <a:r>
+              <a:rPr lang="fr-FR" dirty="0" err="1">
+                <a:effectLst/>
+              </a:rPr>
+              <a:t>True</a:t>
+            </a:r>
+            <a:endParaRPr lang="fr-FR" dirty="0">
+              <a:effectLst/>
+            </a:endParaRPr>
+          </a:p>
+          <a:p>
+            <a:r>
+              <a:rPr lang="fr-FR" dirty="0">
+                <a:effectLst/>
+              </a:rPr>
+              <a:t>NTF : </a:t>
+            </a:r>
+            <a:r>
+              <a:rPr lang="fr-FR" dirty="0" err="1">
+                <a:effectLst/>
+              </a:rPr>
+              <a:t>number</a:t>
+            </a:r>
+            <a:r>
+              <a:rPr lang="fr-FR" dirty="0">
+                <a:effectLst/>
+              </a:rPr>
+              <a:t> of </a:t>
+            </a:r>
+            <a:r>
+              <a:rPr lang="fr-FR" dirty="0" err="1">
+                <a:effectLst/>
+              </a:rPr>
+              <a:t>dims</a:t>
+            </a:r>
+            <a:r>
+              <a:rPr lang="fr-FR" dirty="0">
+                <a:effectLst/>
+              </a:rPr>
+              <a:t> in </a:t>
+            </a:r>
+            <a:r>
+              <a:rPr lang="fr-FR" dirty="0" err="1">
+                <a:effectLst/>
+              </a:rPr>
+              <a:t>which</a:t>
+            </a:r>
+            <a:r>
+              <a:rPr lang="fr-FR" dirty="0">
+                <a:effectLst/>
+              </a:rPr>
+              <a:t> the first value </a:t>
+            </a:r>
+            <a:r>
+              <a:rPr lang="fr-FR" dirty="0" err="1">
+                <a:effectLst/>
+              </a:rPr>
+              <a:t>is</a:t>
+            </a:r>
+            <a:r>
+              <a:rPr lang="fr-FR" dirty="0">
+                <a:effectLst/>
+              </a:rPr>
+              <a:t> </a:t>
+            </a:r>
+            <a:r>
+              <a:rPr lang="fr-FR" dirty="0" err="1">
+                <a:effectLst/>
+              </a:rPr>
+              <a:t>True</a:t>
+            </a:r>
+            <a:r>
+              <a:rPr lang="fr-FR" dirty="0">
+                <a:effectLst/>
+              </a:rPr>
+              <a:t>, second </a:t>
+            </a:r>
+            <a:r>
+              <a:rPr lang="fr-FR" dirty="0" err="1">
+                <a:effectLst/>
+              </a:rPr>
+              <a:t>is</a:t>
+            </a:r>
+            <a:r>
+              <a:rPr lang="fr-FR" dirty="0">
+                <a:effectLst/>
+              </a:rPr>
+              <a:t> False</a:t>
+            </a:r>
+          </a:p>
+          <a:p>
+            <a:r>
+              <a:rPr lang="fr-FR" dirty="0">
+                <a:effectLst/>
+              </a:rPr>
+              <a:t>NFT : </a:t>
+            </a:r>
+            <a:r>
+              <a:rPr lang="fr-FR" dirty="0" err="1">
+                <a:effectLst/>
+              </a:rPr>
+              <a:t>number</a:t>
+            </a:r>
+            <a:r>
+              <a:rPr lang="fr-FR" dirty="0">
+                <a:effectLst/>
+              </a:rPr>
+              <a:t> of </a:t>
+            </a:r>
+            <a:r>
+              <a:rPr lang="fr-FR" dirty="0" err="1">
+                <a:effectLst/>
+              </a:rPr>
+              <a:t>dims</a:t>
+            </a:r>
+            <a:r>
+              <a:rPr lang="fr-FR" dirty="0">
+                <a:effectLst/>
+              </a:rPr>
+              <a:t> in </a:t>
+            </a:r>
+            <a:r>
+              <a:rPr lang="fr-FR" dirty="0" err="1">
+                <a:effectLst/>
+              </a:rPr>
+              <a:t>which</a:t>
+            </a:r>
+            <a:r>
+              <a:rPr lang="fr-FR" dirty="0">
+                <a:effectLst/>
+              </a:rPr>
+              <a:t> the first value </a:t>
+            </a:r>
+            <a:r>
+              <a:rPr lang="fr-FR" dirty="0" err="1">
+                <a:effectLst/>
+              </a:rPr>
+              <a:t>is</a:t>
+            </a:r>
+            <a:r>
+              <a:rPr lang="fr-FR" dirty="0">
+                <a:effectLst/>
+              </a:rPr>
+              <a:t> False, second </a:t>
+            </a:r>
+            <a:r>
+              <a:rPr lang="fr-FR" dirty="0" err="1">
+                <a:effectLst/>
+              </a:rPr>
+              <a:t>is</a:t>
+            </a:r>
+            <a:r>
+              <a:rPr lang="fr-FR" dirty="0">
+                <a:effectLst/>
+              </a:rPr>
+              <a:t> </a:t>
+            </a:r>
+            <a:r>
+              <a:rPr lang="fr-FR" dirty="0" err="1">
+                <a:effectLst/>
+              </a:rPr>
+              <a:t>True</a:t>
+            </a:r>
+            <a:endParaRPr lang="fr-FR" dirty="0">
+              <a:effectLst/>
+            </a:endParaRPr>
+          </a:p>
+          <a:p>
+            <a:r>
+              <a:rPr lang="fr-FR" dirty="0">
+                <a:effectLst/>
+              </a:rPr>
+              <a:t>NFF : </a:t>
+            </a:r>
+            <a:r>
+              <a:rPr lang="fr-FR" dirty="0" err="1">
+                <a:effectLst/>
+              </a:rPr>
+              <a:t>number</a:t>
+            </a:r>
+            <a:r>
+              <a:rPr lang="fr-FR" dirty="0">
+                <a:effectLst/>
+              </a:rPr>
+              <a:t> of </a:t>
+            </a:r>
+            <a:r>
+              <a:rPr lang="fr-FR" dirty="0" err="1">
+                <a:effectLst/>
+              </a:rPr>
+              <a:t>dims</a:t>
+            </a:r>
+            <a:r>
+              <a:rPr lang="fr-FR" dirty="0">
+                <a:effectLst/>
+              </a:rPr>
+              <a:t> in </a:t>
+            </a:r>
+            <a:r>
+              <a:rPr lang="fr-FR" dirty="0" err="1">
+                <a:effectLst/>
+              </a:rPr>
+              <a:t>which</a:t>
+            </a:r>
+            <a:r>
+              <a:rPr lang="fr-FR" dirty="0">
+                <a:effectLst/>
+              </a:rPr>
+              <a:t> </a:t>
+            </a:r>
+            <a:r>
+              <a:rPr lang="fr-FR" dirty="0" err="1">
+                <a:effectLst/>
+              </a:rPr>
+              <a:t>both</a:t>
+            </a:r>
+            <a:r>
+              <a:rPr lang="fr-FR" dirty="0">
+                <a:effectLst/>
+              </a:rPr>
+              <a:t> values are False</a:t>
+            </a:r>
+          </a:p>
+          <a:p>
+            <a:r>
+              <a:rPr lang="fr-FR" dirty="0">
+                <a:effectLst/>
+              </a:rPr>
+              <a:t>NNEQ : </a:t>
+            </a:r>
+            <a:r>
+              <a:rPr lang="fr-FR" dirty="0" err="1">
+                <a:effectLst/>
+              </a:rPr>
+              <a:t>number</a:t>
+            </a:r>
+            <a:r>
+              <a:rPr lang="fr-FR" dirty="0">
+                <a:effectLst/>
+              </a:rPr>
+              <a:t> of non-</a:t>
+            </a:r>
+            <a:r>
+              <a:rPr lang="fr-FR" dirty="0" err="1">
+                <a:effectLst/>
+              </a:rPr>
+              <a:t>equal</a:t>
+            </a:r>
+            <a:r>
+              <a:rPr lang="fr-FR" dirty="0">
+                <a:effectLst/>
+              </a:rPr>
+              <a:t> dimensions, NNEQ = NTF + NFT</a:t>
+            </a:r>
+          </a:p>
+          <a:p>
+            <a:r>
+              <a:rPr lang="fr-FR" dirty="0">
+                <a:effectLst/>
+              </a:rPr>
+              <a:t>NNZ : </a:t>
+            </a:r>
+            <a:r>
+              <a:rPr lang="fr-FR" dirty="0" err="1">
+                <a:effectLst/>
+              </a:rPr>
+              <a:t>number</a:t>
+            </a:r>
+            <a:r>
+              <a:rPr lang="fr-FR" dirty="0">
+                <a:effectLst/>
+              </a:rPr>
+              <a:t> of </a:t>
+            </a:r>
+            <a:r>
+              <a:rPr lang="fr-FR" dirty="0" err="1">
+                <a:effectLst/>
+              </a:rPr>
+              <a:t>nonzero</a:t>
+            </a:r>
+            <a:r>
+              <a:rPr lang="fr-FR" dirty="0">
+                <a:effectLst/>
+              </a:rPr>
+              <a:t> dimensions, NNZ = NTF + NFT + NTT</a:t>
+            </a:r>
+          </a:p>
+          <a:p>
+            <a:r>
+              <a:rPr lang="fr-FR" dirty="0">
+                <a:effectLst/>
+              </a:rPr>
+              <a:t>“</a:t>
+            </a:r>
+            <a:r>
+              <a:rPr lang="fr-FR" dirty="0" err="1">
+                <a:effectLst/>
+              </a:rPr>
+              <a:t>jaccard</a:t>
+            </a:r>
+            <a:r>
+              <a:rPr lang="fr-FR" dirty="0">
+                <a:effectLst/>
+              </a:rPr>
+              <a:t>” NNEQ / NNZ</a:t>
+            </a:r>
+          </a:p>
+          <a:p>
+            <a:r>
+              <a:rPr lang="fr-FR" dirty="0">
+                <a:effectLst/>
+              </a:rPr>
+              <a:t>“</a:t>
+            </a:r>
+            <a:r>
+              <a:rPr lang="fr-FR" dirty="0" err="1">
+                <a:effectLst/>
+              </a:rPr>
+              <a:t>matching</a:t>
+            </a:r>
+            <a:r>
+              <a:rPr lang="fr-FR" dirty="0">
+                <a:effectLst/>
+              </a:rPr>
+              <a:t>” NNEQ / N</a:t>
+            </a:r>
+          </a:p>
+          <a:p>
+            <a:r>
+              <a:rPr lang="fr-FR" b="1" dirty="0">
+                <a:effectLst/>
+              </a:rPr>
+              <a:t>“</a:t>
+            </a:r>
+            <a:r>
+              <a:rPr lang="fr-FR" b="1" dirty="0" err="1">
+                <a:effectLst/>
+              </a:rPr>
+              <a:t>dice</a:t>
+            </a:r>
+            <a:r>
+              <a:rPr lang="fr-FR" b="1" dirty="0">
+                <a:effectLst/>
+              </a:rPr>
+              <a:t>” NNEQ / (NTT + NNZ)</a:t>
+            </a:r>
+          </a:p>
+          <a:p>
+            <a:r>
+              <a:rPr lang="fr-FR" dirty="0">
+                <a:effectLst/>
+              </a:rPr>
+              <a:t>“</a:t>
+            </a:r>
+            <a:r>
+              <a:rPr lang="fr-FR" dirty="0" err="1">
+                <a:effectLst/>
+              </a:rPr>
+              <a:t>kulsinski</a:t>
+            </a:r>
+            <a:r>
+              <a:rPr lang="fr-FR" dirty="0">
+                <a:effectLst/>
+              </a:rPr>
+              <a:t>” (NNEQ + N - NTT) / (NNEQ + N)</a:t>
+            </a:r>
+          </a:p>
+          <a:p>
+            <a:r>
+              <a:rPr lang="fr-FR" dirty="0">
+                <a:effectLst/>
+              </a:rPr>
+              <a:t>“</a:t>
+            </a:r>
+            <a:r>
+              <a:rPr lang="fr-FR" dirty="0" err="1">
+                <a:effectLst/>
+              </a:rPr>
+              <a:t>rogerstanimoto</a:t>
+            </a:r>
+            <a:r>
+              <a:rPr lang="fr-FR" dirty="0">
+                <a:effectLst/>
+              </a:rPr>
+              <a:t>” 2 * NNEQ / (N + NNEQ)</a:t>
+            </a:r>
+          </a:p>
+          <a:p>
+            <a:r>
+              <a:rPr lang="fr-FR" dirty="0">
+                <a:effectLst/>
+              </a:rPr>
+              <a:t>“</a:t>
+            </a:r>
+            <a:r>
+              <a:rPr lang="fr-FR" dirty="0" err="1">
+                <a:effectLst/>
+              </a:rPr>
+              <a:t>russellrao</a:t>
+            </a:r>
+            <a:r>
+              <a:rPr lang="fr-FR" dirty="0">
+                <a:effectLst/>
+              </a:rPr>
+              <a:t>” NNZ / N</a:t>
+            </a:r>
+          </a:p>
+          <a:p>
+            <a:r>
+              <a:rPr lang="fr-FR" dirty="0">
+                <a:effectLst/>
+              </a:rPr>
+              <a:t>“</a:t>
+            </a:r>
+            <a:r>
+              <a:rPr lang="fr-FR" dirty="0" err="1">
+                <a:effectLst/>
+              </a:rPr>
+              <a:t>sokalmichener</a:t>
+            </a:r>
+            <a:r>
+              <a:rPr lang="fr-FR" dirty="0">
+                <a:effectLst/>
+              </a:rPr>
+              <a:t>” 2 * NNEQ / (N + NNEQ)</a:t>
+            </a:r>
+          </a:p>
+          <a:p>
+            <a:r>
+              <a:rPr lang="fr-FR" dirty="0">
+                <a:effectLst/>
+              </a:rPr>
+              <a:t>“</a:t>
+            </a:r>
+            <a:r>
+              <a:rPr lang="fr-FR" dirty="0" err="1">
+                <a:effectLst/>
+              </a:rPr>
+              <a:t>sokalsneath</a:t>
+            </a:r>
+            <a:r>
+              <a:rPr lang="fr-FR" dirty="0">
+                <a:effectLst/>
+              </a:rPr>
+              <a:t>” NNEQ / (NNEQ + 0.5 * NTT)</a:t>
+            </a:r>
+            <a:br>
+              <a:rPr lang="fr-FR" dirty="0"/>
+            </a:br>
+            <a:endParaRPr lang="fr-FR" dirty="0"/>
+          </a:p>
+        </p:txBody>
+      </p:sp>
+      <p:sp>
+        <p:nvSpPr>
+          <p:cNvPr id="4" name="Espace réservé du numéro de diapositive 3"/>
+          <p:cNvSpPr>
+            <a:spLocks noGrp="1"/>
+          </p:cNvSpPr>
+          <p:nvPr>
+            <p:ph type="sldNum" sz="quarter" idx="10"/>
+          </p:nvPr>
+        </p:nvSpPr>
+        <p:spPr/>
+        <p:txBody>
+          <a:bodyPr/>
+          <a:lstStyle/>
+          <a:p>
+            <a:pPr>
+              <a:defRPr/>
+            </a:pPr>
+            <a:fld id="{CC32C800-F1EC-4563-A4CB-7BFB6B498BC5}" type="slidenum">
+              <a:rPr lang="fr-FR" smtClean="0"/>
+              <a:pPr>
+                <a:defRPr/>
+              </a:pPr>
+              <a:t>29</a:t>
+            </a:fld>
+            <a:endParaRPr lang="fr-FR"/>
+          </a:p>
+        </p:txBody>
+      </p:sp>
+    </p:spTree>
+    <p:extLst>
+      <p:ext uri="{BB962C8B-B14F-4D97-AF65-F5344CB8AC3E}">
+        <p14:creationId xmlns:p14="http://schemas.microsoft.com/office/powerpoint/2010/main" val="2765459891"/>
+      </p:ext>
+    </p:extLst>
+  </p:cSld>
+  <p:clrMapOvr>
+    <a:masterClrMapping/>
+  </p:clrMapOvr>
+</p:notes>
+</file>
+
+<file path=ppt/notesSlides/notesSlide17.xml><?xml version="1.0" encoding="utf-8"?>
+<p:notes xmlns:a="http://schemas.openxmlformats.org/drawingml/2006/main" xmlns:r="http://schemas.openxmlformats.org/officeDocument/2006/relationships" xmlns:p="http://schemas.openxmlformats.org/presentationml/2006/main">
+  <p:cSld>
+    <p:spTree>
+      <p:nvGrpSpPr>
+        <p:cNvPr id="1" name=""/>
+        <p:cNvGrpSpPr/>
+        <p:nvPr/>
+      </p:nvGrpSpPr>
+      <p:grpSpPr>
+        <a:xfrm>
+          <a:off x="0" y="0"/>
+          <a:ext cx="0" cy="0"/>
+          <a:chOff x="0" y="0"/>
+          <a:chExt cx="0" cy="0"/>
+        </a:xfrm>
+      </p:grpSpPr>
+      <p:sp>
+        <p:nvSpPr>
+          <p:cNvPr id="41986" name="Espace réservé de l'image des diapositives 1">
+            <a:extLst>
+              <a:ext uri="{FF2B5EF4-FFF2-40B4-BE49-F238E27FC236}">
+                <a16:creationId xmlns:a16="http://schemas.microsoft.com/office/drawing/2014/main" id="{34745F2C-A494-49DF-9A39-B51B01846B77}"/>
               </a:ext>
             </a:extLst>
           </p:cNvPr>
@@ -1753,10 +2659,10 @@
       </p:sp>
       <p:sp>
         <p:nvSpPr>
-          <p:cNvPr id="20483" name="Espace réservé des notes 2">
-            <a:extLst>
-              <a:ext uri="{FF2B5EF4-FFF2-40B4-BE49-F238E27FC236}">
-                <a16:creationId xmlns:a16="http://schemas.microsoft.com/office/drawing/2014/main" id="{A38DA539-9104-43AC-A6ED-355E9296F962}"/>
+          <p:cNvPr id="41987" name="Espace réservé des notes 2">
+            <a:extLst>
+              <a:ext uri="{FF2B5EF4-FFF2-40B4-BE49-F238E27FC236}">
+                <a16:creationId xmlns:a16="http://schemas.microsoft.com/office/drawing/2014/main" id="{170F5BCD-C8E8-45AA-8A21-2ECEF17E2187}"/>
               </a:ext>
             </a:extLst>
           </p:cNvPr>
@@ -1804,17 +2710,17 @@
             </a:pPr>
             <a:r>
               <a:rPr lang="fr-FR" altLang="fr-FR"/>
-              <a:t>Les 2 directions ppales expliquent de moins en moins la variance</a:t>
-            </a:r>
-          </a:p>
-        </p:txBody>
-      </p:sp>
-      <p:sp>
-        <p:nvSpPr>
-          <p:cNvPr id="20484" name="Espace réservé du numéro de diapositive 3">
-            <a:extLst>
-              <a:ext uri="{FF2B5EF4-FFF2-40B4-BE49-F238E27FC236}">
-                <a16:creationId xmlns:a16="http://schemas.microsoft.com/office/drawing/2014/main" id="{1E220833-D121-4FB5-8883-C70D7CF029A3}"/>
+              <a:t>Par exemple …</a:t>
+            </a:r>
+          </a:p>
+        </p:txBody>
+      </p:sp>
+      <p:sp>
+        <p:nvSpPr>
+          <p:cNvPr id="41988" name="Espace réservé du numéro de diapositive 3">
+            <a:extLst>
+              <a:ext uri="{FF2B5EF4-FFF2-40B4-BE49-F238E27FC236}">
+                <a16:creationId xmlns:a16="http://schemas.microsoft.com/office/drawing/2014/main" id="{42545E38-086C-4558-844F-458570C98D83}"/>
               </a:ext>
             </a:extLst>
           </p:cNvPr>
@@ -1960,7 +2866,7 @@
                 <a:spcPct val="0"/>
               </a:spcAft>
             </a:pPr>
-            <a:fld id="{713CF9BE-41D9-403D-8A7D-77D8C5154065}" type="slidenum">
+            <a:fld id="{B6AE8017-B505-45EB-97A2-D44BA9337E36}" type="slidenum">
               <a:rPr lang="fr-FR" altLang="fr-FR"/>
               <a:pPr fontAlgn="base">
                 <a:spcBef>
@@ -1970,7 +2876,7 @@
                   <a:spcPct val="0"/>
                 </a:spcAft>
               </a:pPr>
-              <a:t>13</a:t>
+              <a:t>30</a:t>
             </a:fld>
             <a:endParaRPr lang="fr-FR" altLang="fr-FR"/>
           </a:p>
@@ -1984,7 +2890,7 @@
 </p:notes>
 </file>
 
-<file path=ppt/notesSlides/notesSlide7.xml><?xml version="1.0" encoding="utf-8"?>
+<file path=ppt/notesSlides/notesSlide18.xml><?xml version="1.0" encoding="utf-8"?>
 <p:notes xmlns:a="http://schemas.openxmlformats.org/drawingml/2006/main" xmlns:r="http://schemas.openxmlformats.org/officeDocument/2006/relationships" xmlns:p="http://schemas.openxmlformats.org/presentationml/2006/main">
   <p:cSld>
     <p:spTree>
@@ -2003,10 +2909,789 @@
       </p:grpSpPr>
       <p:sp>
         <p:nvSpPr>
-          <p:cNvPr id="24578" name="Espace réservé de l'image des diapositives 1">
-            <a:extLst>
-              <a:ext uri="{FF2B5EF4-FFF2-40B4-BE49-F238E27FC236}">
-                <a16:creationId xmlns:a16="http://schemas.microsoft.com/office/drawing/2014/main" id="{B3FBB861-F563-4800-A866-7FFB5F0B8D0A}"/>
+          <p:cNvPr id="2" name="Espace réservé de l'image des diapositives 1"/>
+          <p:cNvSpPr>
+            <a:spLocks noGrp="1" noRot="1" noChangeAspect="1"/>
+          </p:cNvSpPr>
+          <p:nvPr>
+            <p:ph type="sldImg"/>
+          </p:nvPr>
+        </p:nvSpPr>
+        <p:spPr/>
+      </p:sp>
+      <p:sp>
+        <p:nvSpPr>
+          <p:cNvPr id="3" name="Espace réservé des notes 2"/>
+          <p:cNvSpPr>
+            <a:spLocks noGrp="1"/>
+          </p:cNvSpPr>
+          <p:nvPr>
+            <p:ph type="body" idx="1"/>
+          </p:nvPr>
+        </p:nvSpPr>
+        <p:spPr/>
+        <p:txBody>
+          <a:bodyPr/>
+          <a:lstStyle/>
+          <a:p>
+            <a:r>
+              <a:rPr lang="fr-FR" dirty="0"/>
+              <a:t>Pb du film d’horreur avec un dessin animé</a:t>
+            </a:r>
+          </a:p>
+        </p:txBody>
+      </p:sp>
+      <p:sp>
+        <p:nvSpPr>
+          <p:cNvPr id="4" name="Espace réservé du numéro de diapositive 3"/>
+          <p:cNvSpPr>
+            <a:spLocks noGrp="1"/>
+          </p:cNvSpPr>
+          <p:nvPr>
+            <p:ph type="sldNum" sz="quarter" idx="10"/>
+          </p:nvPr>
+        </p:nvSpPr>
+        <p:spPr/>
+        <p:txBody>
+          <a:bodyPr/>
+          <a:lstStyle/>
+          <a:p>
+            <a:pPr>
+              <a:defRPr/>
+            </a:pPr>
+            <a:fld id="{CC32C800-F1EC-4563-A4CB-7BFB6B498BC5}" type="slidenum">
+              <a:rPr lang="fr-FR" smtClean="0"/>
+              <a:pPr>
+                <a:defRPr/>
+              </a:pPr>
+              <a:t>31</a:t>
+            </a:fld>
+            <a:endParaRPr lang="fr-FR"/>
+          </a:p>
+        </p:txBody>
+      </p:sp>
+    </p:spTree>
+    <p:extLst>
+      <p:ext uri="{BB962C8B-B14F-4D97-AF65-F5344CB8AC3E}">
+        <p14:creationId xmlns:p14="http://schemas.microsoft.com/office/powerpoint/2010/main" val="1504026483"/>
+      </p:ext>
+    </p:extLst>
+  </p:cSld>
+  <p:clrMapOvr>
+    <a:masterClrMapping/>
+  </p:clrMapOvr>
+</p:notes>
+</file>
+
+<file path=ppt/notesSlides/notesSlide2.xml><?xml version="1.0" encoding="utf-8"?>
+<p:notes xmlns:a="http://schemas.openxmlformats.org/drawingml/2006/main" xmlns:r="http://schemas.openxmlformats.org/officeDocument/2006/relationships" xmlns:p="http://schemas.openxmlformats.org/presentationml/2006/main">
+  <p:cSld>
+    <p:spTree>
+      <p:nvGrpSpPr>
+        <p:cNvPr id="1" name=""/>
+        <p:cNvGrpSpPr/>
+        <p:nvPr/>
+      </p:nvGrpSpPr>
+      <p:grpSpPr>
+        <a:xfrm>
+          <a:off x="0" y="0"/>
+          <a:ext cx="0" cy="0"/>
+          <a:chOff x="0" y="0"/>
+          <a:chExt cx="0" cy="0"/>
+        </a:xfrm>
+      </p:grpSpPr>
+      <p:sp>
+        <p:nvSpPr>
+          <p:cNvPr id="2" name="Espace réservé de l'image des diapositives 1"/>
+          <p:cNvSpPr>
+            <a:spLocks noGrp="1" noRot="1" noChangeAspect="1"/>
+          </p:cNvSpPr>
+          <p:nvPr>
+            <p:ph type="sldImg"/>
+          </p:nvPr>
+        </p:nvSpPr>
+        <p:spPr/>
+      </p:sp>
+      <p:sp>
+        <p:nvSpPr>
+          <p:cNvPr id="3" name="Espace réservé des notes 2"/>
+          <p:cNvSpPr>
+            <a:spLocks noGrp="1"/>
+          </p:cNvSpPr>
+          <p:nvPr>
+            <p:ph type="body" idx="1"/>
+          </p:nvPr>
+        </p:nvSpPr>
+        <p:spPr/>
+        <p:txBody>
+          <a:bodyPr/>
+          <a:lstStyle/>
+          <a:p>
+            <a:r>
+              <a:rPr lang="fr-FR" dirty="0"/>
+              <a:t>Doublon : </a:t>
+            </a:r>
+            <a:r>
+              <a:rPr lang="fr-FR" dirty="0" err="1"/>
+              <a:t>dekalog</a:t>
+            </a:r>
+            <a:endParaRPr lang="fr-FR" dirty="0"/>
+          </a:p>
+        </p:txBody>
+      </p:sp>
+      <p:sp>
+        <p:nvSpPr>
+          <p:cNvPr id="4" name="Espace réservé du numéro de diapositive 3"/>
+          <p:cNvSpPr>
+            <a:spLocks noGrp="1"/>
+          </p:cNvSpPr>
+          <p:nvPr>
+            <p:ph type="sldNum" sz="quarter" idx="10"/>
+          </p:nvPr>
+        </p:nvSpPr>
+        <p:spPr/>
+        <p:txBody>
+          <a:bodyPr/>
+          <a:lstStyle/>
+          <a:p>
+            <a:pPr>
+              <a:defRPr/>
+            </a:pPr>
+            <a:fld id="{CC32C800-F1EC-4563-A4CB-7BFB6B498BC5}" type="slidenum">
+              <a:rPr lang="fr-FR" smtClean="0"/>
+              <a:pPr>
+                <a:defRPr/>
+              </a:pPr>
+              <a:t>5</a:t>
+            </a:fld>
+            <a:endParaRPr lang="fr-FR"/>
+          </a:p>
+        </p:txBody>
+      </p:sp>
+    </p:spTree>
+    <p:extLst>
+      <p:ext uri="{BB962C8B-B14F-4D97-AF65-F5344CB8AC3E}">
+        <p14:creationId xmlns:p14="http://schemas.microsoft.com/office/powerpoint/2010/main" val="660940245"/>
+      </p:ext>
+    </p:extLst>
+  </p:cSld>
+  <p:clrMapOvr>
+    <a:masterClrMapping/>
+  </p:clrMapOvr>
+</p:notes>
+</file>
+
+<file path=ppt/notesSlides/notesSlide3.xml><?xml version="1.0" encoding="utf-8"?>
+<p:notes xmlns:a="http://schemas.openxmlformats.org/drawingml/2006/main" xmlns:r="http://schemas.openxmlformats.org/officeDocument/2006/relationships" xmlns:p="http://schemas.openxmlformats.org/presentationml/2006/main">
+  <p:cSld>
+    <p:spTree>
+      <p:nvGrpSpPr>
+        <p:cNvPr id="1" name=""/>
+        <p:cNvGrpSpPr/>
+        <p:nvPr/>
+      </p:nvGrpSpPr>
+      <p:grpSpPr>
+        <a:xfrm>
+          <a:off x="0" y="0"/>
+          <a:ext cx="0" cy="0"/>
+          <a:chOff x="0" y="0"/>
+          <a:chExt cx="0" cy="0"/>
+        </a:xfrm>
+      </p:grpSpPr>
+      <p:sp>
+        <p:nvSpPr>
+          <p:cNvPr id="2" name="Espace réservé de l'image des diapositives 1"/>
+          <p:cNvSpPr>
+            <a:spLocks noGrp="1" noRot="1" noChangeAspect="1"/>
+          </p:cNvSpPr>
+          <p:nvPr>
+            <p:ph type="sldImg"/>
+          </p:nvPr>
+        </p:nvSpPr>
+        <p:spPr/>
+      </p:sp>
+      <p:sp>
+        <p:nvSpPr>
+          <p:cNvPr id="3" name="Espace réservé des notes 2"/>
+          <p:cNvSpPr>
+            <a:spLocks noGrp="1"/>
+          </p:cNvSpPr>
+          <p:nvPr>
+            <p:ph type="body" idx="1"/>
+          </p:nvPr>
+        </p:nvSpPr>
+        <p:spPr/>
+        <p:txBody>
+          <a:bodyPr/>
+          <a:lstStyle/>
+          <a:p>
+            <a:pPr marL="0" marR="0" lvl="0" indent="0" algn="l" defTabSz="914400" rtl="0" eaLnBrk="1" fontAlgn="base" latinLnBrk="0" hangingPunct="1">
+              <a:lnSpc>
+                <a:spcPct val="100000"/>
+              </a:lnSpc>
+              <a:spcBef>
+                <a:spcPct val="30000"/>
+              </a:spcBef>
+              <a:spcAft>
+                <a:spcPct val="0"/>
+              </a:spcAft>
+              <a:buClrTx/>
+              <a:buSzTx/>
+              <a:buFontTx/>
+              <a:buNone/>
+              <a:tabLst/>
+              <a:defRPr/>
+            </a:pPr>
+            <a:r>
+              <a:rPr lang="fr-FR" dirty="0"/>
+              <a:t>Valeurs manquantes</a:t>
+            </a:r>
+          </a:p>
+          <a:p>
+            <a:pPr marL="0" marR="0" lvl="0" indent="0" algn="l" defTabSz="914400" rtl="0" eaLnBrk="1" fontAlgn="base" latinLnBrk="0" hangingPunct="1">
+              <a:lnSpc>
+                <a:spcPct val="100000"/>
+              </a:lnSpc>
+              <a:spcBef>
+                <a:spcPct val="30000"/>
+              </a:spcBef>
+              <a:spcAft>
+                <a:spcPct val="0"/>
+              </a:spcAft>
+              <a:buClrTx/>
+              <a:buSzTx/>
+              <a:buFontTx/>
+              <a:buNone/>
+              <a:tabLst/>
+              <a:defRPr/>
+            </a:pPr>
+            <a:r>
+              <a:rPr lang="fr-FR" dirty="0"/>
+              <a:t>	valeur la plus courante pour </a:t>
+            </a:r>
+            <a:r>
+              <a:rPr lang="en-US" dirty="0"/>
+              <a:t>['color', '</a:t>
+            </a:r>
+            <a:r>
+              <a:rPr lang="en-US" dirty="0" err="1"/>
+              <a:t>title_year</a:t>
+            </a:r>
+            <a:r>
+              <a:rPr lang="en-US" dirty="0"/>
+              <a:t>', 'language', 'country', '</a:t>
+            </a:r>
+            <a:r>
+              <a:rPr lang="en-US" dirty="0" err="1"/>
+              <a:t>content_rating</a:t>
+            </a:r>
+            <a:r>
+              <a:rPr lang="en-US" dirty="0"/>
+              <a:t>’]</a:t>
+            </a:r>
+          </a:p>
+          <a:p>
+            <a:pPr marL="0" marR="0" lvl="0" indent="0" algn="l" defTabSz="914400" rtl="0" eaLnBrk="1" fontAlgn="base" latinLnBrk="0" hangingPunct="1">
+              <a:lnSpc>
+                <a:spcPct val="100000"/>
+              </a:lnSpc>
+              <a:spcBef>
+                <a:spcPct val="30000"/>
+              </a:spcBef>
+              <a:spcAft>
+                <a:spcPct val="0"/>
+              </a:spcAft>
+              <a:buClrTx/>
+              <a:buSzTx/>
+              <a:buFontTx/>
+              <a:buNone/>
+              <a:tabLst/>
+              <a:defRPr/>
+            </a:pPr>
+            <a:r>
+              <a:rPr lang="en-US" dirty="0"/>
+              <a:t>	</a:t>
+            </a:r>
+            <a:r>
+              <a:rPr lang="en-US" dirty="0" err="1"/>
+              <a:t>chaine</a:t>
+            </a:r>
+            <a:r>
+              <a:rPr lang="en-US" dirty="0"/>
+              <a:t> vide pour les </a:t>
+            </a:r>
+            <a:r>
+              <a:rPr lang="en-US" dirty="0" err="1"/>
+              <a:t>autres</a:t>
+            </a:r>
+            <a:r>
+              <a:rPr lang="en-US" dirty="0"/>
+              <a:t> variables </a:t>
+            </a:r>
+            <a:r>
+              <a:rPr lang="en-US" dirty="0" err="1"/>
+              <a:t>qualitatives</a:t>
+            </a:r>
+            <a:endParaRPr lang="en-US" dirty="0"/>
+          </a:p>
+          <a:p>
+            <a:pPr marL="0" marR="0" lvl="0" indent="0" algn="l" defTabSz="914400" rtl="0" eaLnBrk="1" fontAlgn="base" latinLnBrk="0" hangingPunct="1">
+              <a:lnSpc>
+                <a:spcPct val="100000"/>
+              </a:lnSpc>
+              <a:spcBef>
+                <a:spcPct val="30000"/>
+              </a:spcBef>
+              <a:spcAft>
+                <a:spcPct val="0"/>
+              </a:spcAft>
+              <a:buClrTx/>
+              <a:buSzTx/>
+              <a:buFontTx/>
+              <a:buNone/>
+              <a:tabLst/>
+              <a:defRPr/>
+            </a:pPr>
+            <a:r>
+              <a:rPr lang="en-US" dirty="0"/>
+              <a:t>	</a:t>
+            </a:r>
+            <a:r>
+              <a:rPr lang="en-US" dirty="0" err="1"/>
+              <a:t>médiane</a:t>
+            </a:r>
+            <a:r>
+              <a:rPr lang="en-US" dirty="0"/>
+              <a:t> pour les </a:t>
+            </a:r>
+            <a:r>
+              <a:rPr lang="en-US" dirty="0" err="1"/>
+              <a:t>valeurs</a:t>
+            </a:r>
+            <a:r>
+              <a:rPr lang="en-US" dirty="0"/>
+              <a:t> </a:t>
+            </a:r>
+            <a:r>
+              <a:rPr lang="en-US" dirty="0" err="1"/>
+              <a:t>numériques</a:t>
+            </a:r>
+            <a:endParaRPr lang="fr-FR" dirty="0"/>
+          </a:p>
+          <a:p>
+            <a:endParaRPr lang="fr-FR" dirty="0"/>
+          </a:p>
+        </p:txBody>
+      </p:sp>
+      <p:sp>
+        <p:nvSpPr>
+          <p:cNvPr id="4" name="Espace réservé du numéro de diapositive 3"/>
+          <p:cNvSpPr>
+            <a:spLocks noGrp="1"/>
+          </p:cNvSpPr>
+          <p:nvPr>
+            <p:ph type="sldNum" sz="quarter" idx="10"/>
+          </p:nvPr>
+        </p:nvSpPr>
+        <p:spPr/>
+        <p:txBody>
+          <a:bodyPr/>
+          <a:lstStyle/>
+          <a:p>
+            <a:pPr>
+              <a:defRPr/>
+            </a:pPr>
+            <a:fld id="{CC32C800-F1EC-4563-A4CB-7BFB6B498BC5}" type="slidenum">
+              <a:rPr lang="fr-FR" smtClean="0"/>
+              <a:pPr>
+                <a:defRPr/>
+              </a:pPr>
+              <a:t>6</a:t>
+            </a:fld>
+            <a:endParaRPr lang="fr-FR"/>
+          </a:p>
+        </p:txBody>
+      </p:sp>
+    </p:spTree>
+    <p:extLst>
+      <p:ext uri="{BB962C8B-B14F-4D97-AF65-F5344CB8AC3E}">
+        <p14:creationId xmlns:p14="http://schemas.microsoft.com/office/powerpoint/2010/main" val="318798400"/>
+      </p:ext>
+    </p:extLst>
+  </p:cSld>
+  <p:clrMapOvr>
+    <a:masterClrMapping/>
+  </p:clrMapOvr>
+</p:notes>
+</file>
+
+<file path=ppt/notesSlides/notesSlide4.xml><?xml version="1.0" encoding="utf-8"?>
+<p:notes xmlns:a="http://schemas.openxmlformats.org/drawingml/2006/main" xmlns:r="http://schemas.openxmlformats.org/officeDocument/2006/relationships" xmlns:p="http://schemas.openxmlformats.org/presentationml/2006/main">
+  <p:cSld>
+    <p:spTree>
+      <p:nvGrpSpPr>
+        <p:cNvPr id="1" name=""/>
+        <p:cNvGrpSpPr/>
+        <p:nvPr/>
+      </p:nvGrpSpPr>
+      <p:grpSpPr>
+        <a:xfrm>
+          <a:off x="0" y="0"/>
+          <a:ext cx="0" cy="0"/>
+          <a:chOff x="0" y="0"/>
+          <a:chExt cx="0" cy="0"/>
+        </a:xfrm>
+      </p:grpSpPr>
+      <p:sp>
+        <p:nvSpPr>
+          <p:cNvPr id="2" name="Espace réservé de l'image des diapositives 1"/>
+          <p:cNvSpPr>
+            <a:spLocks noGrp="1" noRot="1" noChangeAspect="1"/>
+          </p:cNvSpPr>
+          <p:nvPr>
+            <p:ph type="sldImg"/>
+          </p:nvPr>
+        </p:nvSpPr>
+        <p:spPr/>
+      </p:sp>
+      <p:sp>
+        <p:nvSpPr>
+          <p:cNvPr id="3" name="Espace réservé des notes 2"/>
+          <p:cNvSpPr>
+            <a:spLocks noGrp="1"/>
+          </p:cNvSpPr>
+          <p:nvPr>
+            <p:ph type="body" idx="1"/>
+          </p:nvPr>
+        </p:nvSpPr>
+        <p:spPr/>
+        <p:txBody>
+          <a:bodyPr/>
+          <a:lstStyle/>
+          <a:p>
+            <a:pPr marL="0" marR="0" lvl="0" indent="0" algn="l" defTabSz="914400" rtl="0" eaLnBrk="1" fontAlgn="base" latinLnBrk="0" hangingPunct="1">
+              <a:lnSpc>
+                <a:spcPct val="100000"/>
+              </a:lnSpc>
+              <a:spcBef>
+                <a:spcPct val="30000"/>
+              </a:spcBef>
+              <a:spcAft>
+                <a:spcPct val="0"/>
+              </a:spcAft>
+              <a:buClrTx/>
+              <a:buSzTx/>
+              <a:buFontTx/>
+              <a:buNone/>
+              <a:tabLst/>
+              <a:defRPr/>
+            </a:pPr>
+            <a:r>
+              <a:rPr lang="fr-FR" dirty="0"/>
+              <a:t>Doublons</a:t>
+            </a:r>
+          </a:p>
+          <a:p>
+            <a:pPr marL="0" marR="0" lvl="0" indent="0" algn="l" defTabSz="914400" rtl="0" eaLnBrk="1" fontAlgn="base" latinLnBrk="0" hangingPunct="1">
+              <a:lnSpc>
+                <a:spcPct val="100000"/>
+              </a:lnSpc>
+              <a:spcBef>
+                <a:spcPct val="30000"/>
+              </a:spcBef>
+              <a:spcAft>
+                <a:spcPct val="0"/>
+              </a:spcAft>
+              <a:buClrTx/>
+              <a:buSzTx/>
+              <a:buFontTx/>
+              <a:buNone/>
+              <a:tabLst/>
+              <a:defRPr/>
+            </a:pPr>
+            <a:r>
+              <a:rPr lang="fr-FR" dirty="0"/>
+              <a:t>	suppression des doublons mineurs (moins de 10% d’écart sur les valeurs numériques (sauf </a:t>
+            </a:r>
+            <a:r>
+              <a:rPr lang="fr-FR" dirty="0" err="1"/>
+              <a:t>title_year</a:t>
+            </a:r>
+            <a:r>
+              <a:rPr lang="fr-FR" dirty="0"/>
+              <a:t> et duration)</a:t>
+            </a:r>
+          </a:p>
+          <a:p>
+            <a:pPr marL="0" marR="0" lvl="0" indent="0" algn="l" defTabSz="914400" rtl="0" eaLnBrk="1" fontAlgn="base" latinLnBrk="0" hangingPunct="1">
+              <a:lnSpc>
+                <a:spcPct val="100000"/>
+              </a:lnSpc>
+              <a:spcBef>
+                <a:spcPct val="30000"/>
+              </a:spcBef>
+              <a:spcAft>
+                <a:spcPct val="0"/>
+              </a:spcAft>
+              <a:buClrTx/>
+              <a:buSzTx/>
+              <a:buFontTx/>
+              <a:buNone/>
+              <a:tabLst/>
+              <a:defRPr/>
+            </a:pPr>
+            <a:r>
+              <a:rPr lang="fr-FR" dirty="0"/>
+              <a:t>	si vrai doublon on ajoute la date au plus vieux</a:t>
+            </a:r>
+          </a:p>
+          <a:p>
+            <a:pPr marL="0" marR="0" lvl="0" indent="0" algn="l" defTabSz="914400" rtl="0" eaLnBrk="1" fontAlgn="base" latinLnBrk="0" hangingPunct="1">
+              <a:lnSpc>
+                <a:spcPct val="100000"/>
+              </a:lnSpc>
+              <a:spcBef>
+                <a:spcPct val="30000"/>
+              </a:spcBef>
+              <a:spcAft>
+                <a:spcPct val="0"/>
+              </a:spcAft>
+              <a:buClrTx/>
+              <a:buSzTx/>
+              <a:buFontTx/>
+              <a:buNone/>
+              <a:tabLst/>
+              <a:defRPr/>
+            </a:pPr>
+            <a:r>
+              <a:rPr lang="en-US" dirty="0"/>
+              <a:t>		The Host(2006) </a:t>
+            </a:r>
+          </a:p>
+          <a:p>
+            <a:pPr marL="0" marR="0" lvl="0" indent="0" algn="l" defTabSz="914400" rtl="0" eaLnBrk="1" fontAlgn="base" latinLnBrk="0" hangingPunct="1">
+              <a:lnSpc>
+                <a:spcPct val="100000"/>
+              </a:lnSpc>
+              <a:spcBef>
+                <a:spcPct val="30000"/>
+              </a:spcBef>
+              <a:spcAft>
+                <a:spcPct val="0"/>
+              </a:spcAft>
+              <a:buClrTx/>
+              <a:buSzTx/>
+              <a:buFontTx/>
+              <a:buNone/>
+              <a:tabLst/>
+              <a:defRPr/>
+            </a:pPr>
+            <a:r>
+              <a:rPr lang="en-US" dirty="0"/>
+              <a:t>		The Dead Zone(1983) </a:t>
+            </a:r>
+          </a:p>
+          <a:p>
+            <a:pPr marL="0" marR="0" lvl="0" indent="0" algn="l" defTabSz="914400" rtl="0" eaLnBrk="1" fontAlgn="base" latinLnBrk="0" hangingPunct="1">
+              <a:lnSpc>
+                <a:spcPct val="100000"/>
+              </a:lnSpc>
+              <a:spcBef>
+                <a:spcPct val="30000"/>
+              </a:spcBef>
+              <a:spcAft>
+                <a:spcPct val="0"/>
+              </a:spcAft>
+              <a:buClrTx/>
+              <a:buSzTx/>
+              <a:buFontTx/>
+              <a:buNone/>
+              <a:tabLst/>
+              <a:defRPr/>
+            </a:pPr>
+            <a:r>
+              <a:rPr lang="en-US" dirty="0"/>
+              <a:t>		Out of the Blue(1980)</a:t>
+            </a:r>
+            <a:endParaRPr lang="fr-FR" dirty="0"/>
+          </a:p>
+          <a:p>
+            <a:endParaRPr lang="fr-FR" dirty="0"/>
+          </a:p>
+        </p:txBody>
+      </p:sp>
+      <p:sp>
+        <p:nvSpPr>
+          <p:cNvPr id="4" name="Espace réservé du numéro de diapositive 3"/>
+          <p:cNvSpPr>
+            <a:spLocks noGrp="1"/>
+          </p:cNvSpPr>
+          <p:nvPr>
+            <p:ph type="sldNum" sz="quarter" idx="10"/>
+          </p:nvPr>
+        </p:nvSpPr>
+        <p:spPr/>
+        <p:txBody>
+          <a:bodyPr/>
+          <a:lstStyle/>
+          <a:p>
+            <a:pPr>
+              <a:defRPr/>
+            </a:pPr>
+            <a:fld id="{CC32C800-F1EC-4563-A4CB-7BFB6B498BC5}" type="slidenum">
+              <a:rPr lang="fr-FR" smtClean="0"/>
+              <a:pPr>
+                <a:defRPr/>
+              </a:pPr>
+              <a:t>7</a:t>
+            </a:fld>
+            <a:endParaRPr lang="fr-FR"/>
+          </a:p>
+        </p:txBody>
+      </p:sp>
+    </p:spTree>
+    <p:extLst>
+      <p:ext uri="{BB962C8B-B14F-4D97-AF65-F5344CB8AC3E}">
+        <p14:creationId xmlns:p14="http://schemas.microsoft.com/office/powerpoint/2010/main" val="3869913300"/>
+      </p:ext>
+    </p:extLst>
+  </p:cSld>
+  <p:clrMapOvr>
+    <a:masterClrMapping/>
+  </p:clrMapOvr>
+</p:notes>
+</file>
+
+<file path=ppt/notesSlides/notesSlide5.xml><?xml version="1.0" encoding="utf-8"?>
+<p:notes xmlns:a="http://schemas.openxmlformats.org/drawingml/2006/main" xmlns:r="http://schemas.openxmlformats.org/officeDocument/2006/relationships" xmlns:p="http://schemas.openxmlformats.org/presentationml/2006/main">
+  <p:cSld>
+    <p:spTree>
+      <p:nvGrpSpPr>
+        <p:cNvPr id="1" name=""/>
+        <p:cNvGrpSpPr/>
+        <p:nvPr/>
+      </p:nvGrpSpPr>
+      <p:grpSpPr>
+        <a:xfrm>
+          <a:off x="0" y="0"/>
+          <a:ext cx="0" cy="0"/>
+          <a:chOff x="0" y="0"/>
+          <a:chExt cx="0" cy="0"/>
+        </a:xfrm>
+      </p:grpSpPr>
+      <p:sp>
+        <p:nvSpPr>
+          <p:cNvPr id="2" name="Espace réservé de l'image des diapositives 1"/>
+          <p:cNvSpPr>
+            <a:spLocks noGrp="1" noRot="1" noChangeAspect="1"/>
+          </p:cNvSpPr>
+          <p:nvPr>
+            <p:ph type="sldImg"/>
+          </p:nvPr>
+        </p:nvSpPr>
+        <p:spPr/>
+      </p:sp>
+      <p:sp>
+        <p:nvSpPr>
+          <p:cNvPr id="3" name="Espace réservé des notes 2"/>
+          <p:cNvSpPr>
+            <a:spLocks noGrp="1"/>
+          </p:cNvSpPr>
+          <p:nvPr>
+            <p:ph type="body" idx="1"/>
+          </p:nvPr>
+        </p:nvSpPr>
+        <p:spPr/>
+        <p:txBody>
+          <a:bodyPr/>
+          <a:lstStyle/>
+          <a:p>
+            <a:r>
+              <a:rPr lang="fr-FR" dirty="0"/>
+              <a:t>Meilleure corrélation entre total like et </a:t>
+            </a:r>
+            <a:r>
+              <a:rPr lang="fr-FR" dirty="0" err="1"/>
+              <a:t>actor</a:t>
+            </a:r>
+            <a:r>
+              <a:rPr lang="fr-FR" dirty="0"/>
+              <a:t> 1 like</a:t>
+            </a:r>
+          </a:p>
+          <a:p>
+            <a:r>
+              <a:rPr lang="fr-FR" dirty="0"/>
+              <a:t>Le score semble un peu corrélé avec nb critiques et nb de votant mais pas de tendance forte, ce qui semble normal</a:t>
+            </a:r>
+          </a:p>
+        </p:txBody>
+      </p:sp>
+      <p:sp>
+        <p:nvSpPr>
+          <p:cNvPr id="4" name="Espace réservé du numéro de diapositive 3"/>
+          <p:cNvSpPr>
+            <a:spLocks noGrp="1"/>
+          </p:cNvSpPr>
+          <p:nvPr>
+            <p:ph type="sldNum" sz="quarter" idx="10"/>
+          </p:nvPr>
+        </p:nvSpPr>
+        <p:spPr/>
+        <p:txBody>
+          <a:bodyPr/>
+          <a:lstStyle/>
+          <a:p>
+            <a:pPr>
+              <a:defRPr/>
+            </a:pPr>
+            <a:fld id="{CC32C800-F1EC-4563-A4CB-7BFB6B498BC5}" type="slidenum">
+              <a:rPr lang="fr-FR" smtClean="0"/>
+              <a:pPr>
+                <a:defRPr/>
+              </a:pPr>
+              <a:t>8</a:t>
+            </a:fld>
+            <a:endParaRPr lang="fr-FR"/>
+          </a:p>
+        </p:txBody>
+      </p:sp>
+    </p:spTree>
+    <p:extLst>
+      <p:ext uri="{BB962C8B-B14F-4D97-AF65-F5344CB8AC3E}">
+        <p14:creationId xmlns:p14="http://schemas.microsoft.com/office/powerpoint/2010/main" val="4203670404"/>
+      </p:ext>
+    </p:extLst>
+  </p:cSld>
+  <p:clrMapOvr>
+    <a:masterClrMapping/>
+  </p:clrMapOvr>
+</p:notes>
+</file>
+
+<file path=ppt/notesSlides/notesSlide6.xml><?xml version="1.0" encoding="utf-8"?>
+<p:notes xmlns:a="http://schemas.openxmlformats.org/drawingml/2006/main" xmlns:r="http://schemas.openxmlformats.org/officeDocument/2006/relationships" xmlns:p="http://schemas.openxmlformats.org/presentationml/2006/main">
+  <p:cSld>
+    <p:spTree>
+      <p:nvGrpSpPr>
+        <p:cNvPr id="1" name=""/>
+        <p:cNvGrpSpPr/>
+        <p:nvPr/>
+      </p:nvGrpSpPr>
+      <p:grpSpPr>
+        <a:xfrm>
+          <a:off x="0" y="0"/>
+          <a:ext cx="0" cy="0"/>
+          <a:chOff x="0" y="0"/>
+          <a:chExt cx="0" cy="0"/>
+        </a:xfrm>
+      </p:grpSpPr>
+      <p:sp>
+        <p:nvSpPr>
+          <p:cNvPr id="14338" name="Espace réservé de l'image des diapositives 1">
+            <a:extLst>
+              <a:ext uri="{FF2B5EF4-FFF2-40B4-BE49-F238E27FC236}">
+                <a16:creationId xmlns:a16="http://schemas.microsoft.com/office/drawing/2014/main" id="{BA52C493-889E-45DB-AAF0-CA5153F562FB}"/>
               </a:ext>
             </a:extLst>
           </p:cNvPr>
@@ -2040,10 +3725,10 @@
       </p:sp>
       <p:sp>
         <p:nvSpPr>
-          <p:cNvPr id="24579" name="Espace réservé des notes 2">
-            <a:extLst>
-              <a:ext uri="{FF2B5EF4-FFF2-40B4-BE49-F238E27FC236}">
-                <a16:creationId xmlns:a16="http://schemas.microsoft.com/office/drawing/2014/main" id="{398ACF0A-8039-4D14-838B-E00EBE85CCB0}"/>
+          <p:cNvPr id="14339" name="Espace réservé des notes 2">
+            <a:extLst>
+              <a:ext uri="{FF2B5EF4-FFF2-40B4-BE49-F238E27FC236}">
+                <a16:creationId xmlns:a16="http://schemas.microsoft.com/office/drawing/2014/main" id="{88BCBEEF-840C-4E35-8F65-1E2D31A27E18}"/>
               </a:ext>
             </a:extLst>
           </p:cNvPr>
@@ -2090,18 +3775,18 @@
               </a:spcBef>
             </a:pPr>
             <a:r>
-              <a:rPr lang="fr-FR" altLang="fr-FR"/>
-              <a:t>Pas de variable catégorielle : c’est ce qui explique le mieux la variance</a:t>
-            </a:r>
-          </a:p>
-        </p:txBody>
-      </p:sp>
-      <p:sp>
-        <p:nvSpPr>
-          <p:cNvPr id="24580" name="Espace réservé du numéro de diapositive 3">
-            <a:extLst>
-              <a:ext uri="{FF2B5EF4-FFF2-40B4-BE49-F238E27FC236}">
-                <a16:creationId xmlns:a16="http://schemas.microsoft.com/office/drawing/2014/main" id="{D7CBCEA1-C136-44A4-A8F1-0DBFF45C80F7}"/>
+              <a:rPr lang="fr-FR" altLang="fr-FR" dirty="0"/>
+              <a:t>3 groupes homogènes : 1548, 1823, 1548</a:t>
+            </a:r>
+          </a:p>
+        </p:txBody>
+      </p:sp>
+      <p:sp>
+        <p:nvSpPr>
+          <p:cNvPr id="14340" name="Espace réservé du numéro de diapositive 3">
+            <a:extLst>
+              <a:ext uri="{FF2B5EF4-FFF2-40B4-BE49-F238E27FC236}">
+                <a16:creationId xmlns:a16="http://schemas.microsoft.com/office/drawing/2014/main" id="{26D63B45-F8B4-4B3A-A116-EDD858FCA2CD}"/>
               </a:ext>
             </a:extLst>
           </p:cNvPr>
@@ -2247,7 +3932,7 @@
                 <a:spcPct val="0"/>
               </a:spcAft>
             </a:pPr>
-            <a:fld id="{FCCAF054-DC6F-41E0-B167-E9431BA5FF75}" type="slidenum">
+            <a:fld id="{5D72102B-722F-46E5-AAFA-6ECBAD2129EF}" type="slidenum">
               <a:rPr lang="fr-FR" altLang="fr-FR"/>
               <a:pPr fontAlgn="base">
                 <a:spcBef>
@@ -2257,7 +3942,7 @@
                   <a:spcPct val="0"/>
                 </a:spcAft>
               </a:pPr>
-              <a:t>16</a:t>
+              <a:t>10</a:t>
             </a:fld>
             <a:endParaRPr lang="fr-FR" altLang="fr-FR"/>
           </a:p>
@@ -2271,7 +3956,7 @@
 </p:notes>
 </file>
 
-<file path=ppt/notesSlides/notesSlide8.xml><?xml version="1.0" encoding="utf-8"?>
+<file path=ppt/notesSlides/notesSlide7.xml><?xml version="1.0" encoding="utf-8"?>
 <p:notes xmlns:a="http://schemas.openxmlformats.org/drawingml/2006/main" xmlns:r="http://schemas.openxmlformats.org/officeDocument/2006/relationships" xmlns:p="http://schemas.openxmlformats.org/presentationml/2006/main">
   <p:cSld>
     <p:spTree>
@@ -2290,10 +3975,10 @@
       </p:grpSpPr>
       <p:sp>
         <p:nvSpPr>
-          <p:cNvPr id="30722" name="Espace réservé de l'image des diapositives 1">
-            <a:extLst>
-              <a:ext uri="{FF2B5EF4-FFF2-40B4-BE49-F238E27FC236}">
-                <a16:creationId xmlns:a16="http://schemas.microsoft.com/office/drawing/2014/main" id="{FD2408B1-5AB2-4593-8D1A-FD64F7E5EF56}"/>
+          <p:cNvPr id="16386" name="Espace réservé de l'image des diapositives 1">
+            <a:extLst>
+              <a:ext uri="{FF2B5EF4-FFF2-40B4-BE49-F238E27FC236}">
+                <a16:creationId xmlns:a16="http://schemas.microsoft.com/office/drawing/2014/main" id="{2345DD6C-5EDA-4931-A6EF-A96EFE9F4229}"/>
               </a:ext>
             </a:extLst>
           </p:cNvPr>
@@ -2327,10 +4012,10 @@
       </p:sp>
       <p:sp>
         <p:nvSpPr>
-          <p:cNvPr id="30723" name="Espace réservé des notes 2">
-            <a:extLst>
-              <a:ext uri="{FF2B5EF4-FFF2-40B4-BE49-F238E27FC236}">
-                <a16:creationId xmlns:a16="http://schemas.microsoft.com/office/drawing/2014/main" id="{12ECAC57-7E0D-4A84-A332-79C0DC55F3E1}"/>
+          <p:cNvPr id="16387" name="Espace réservé des notes 2">
+            <a:extLst>
+              <a:ext uri="{FF2B5EF4-FFF2-40B4-BE49-F238E27FC236}">
+                <a16:creationId xmlns:a16="http://schemas.microsoft.com/office/drawing/2014/main" id="{10A377D1-3378-486F-BC86-A77661B202E9}"/>
               </a:ext>
             </a:extLst>
           </p:cNvPr>
@@ -2377,18 +4062,51 @@
               </a:spcBef>
             </a:pPr>
             <a:r>
-              <a:rPr lang="fr-FR" altLang="fr-FR"/>
-              <a:t>single, complete, average, weighted, centroid, median</a:t>
-            </a:r>
-          </a:p>
-        </p:txBody>
-      </p:sp>
-      <p:sp>
-        <p:nvSpPr>
-          <p:cNvPr id="30724" name="Espace réservé du numéro de diapositive 3">
-            <a:extLst>
-              <a:ext uri="{FF2B5EF4-FFF2-40B4-BE49-F238E27FC236}">
-                <a16:creationId xmlns:a16="http://schemas.microsoft.com/office/drawing/2014/main" id="{26E17676-F4B7-4002-80BA-2936DEF0EFFA}"/>
+              <a:rPr lang="fr-FR" altLang="fr-FR" dirty="0"/>
+              <a:t>Genre : c’est le plus important pour ne pas passer d’un dessin animé à un film d’horreur par ex</a:t>
+            </a:r>
+          </a:p>
+          <a:p>
+            <a:pPr>
+              <a:spcBef>
+                <a:spcPct val="0"/>
+              </a:spcBef>
+            </a:pPr>
+            <a:r>
+              <a:rPr lang="fr-FR" altLang="fr-FR" dirty="0"/>
+              <a:t>Réalisateur et Acteur : les gens peuvent être très attachés</a:t>
+            </a:r>
+          </a:p>
+          <a:p>
+            <a:pPr>
+              <a:spcBef>
+                <a:spcPct val="0"/>
+              </a:spcBef>
+            </a:pPr>
+            <a:r>
+              <a:rPr lang="fr-FR" altLang="fr-FR" dirty="0"/>
+              <a:t>Langue : important</a:t>
+            </a:r>
+          </a:p>
+          <a:p>
+            <a:pPr>
+              <a:spcBef>
+                <a:spcPct val="0"/>
+              </a:spcBef>
+            </a:pPr>
+            <a:r>
+              <a:rPr lang="fr-FR" altLang="fr-FR" dirty="0"/>
+              <a:t>Titre : peut compter pour voir les autres versions</a:t>
+            </a:r>
+          </a:p>
+        </p:txBody>
+      </p:sp>
+      <p:sp>
+        <p:nvSpPr>
+          <p:cNvPr id="16388" name="Espace réservé du numéro de diapositive 3">
+            <a:extLst>
+              <a:ext uri="{FF2B5EF4-FFF2-40B4-BE49-F238E27FC236}">
+                <a16:creationId xmlns:a16="http://schemas.microsoft.com/office/drawing/2014/main" id="{B29AA347-89D0-4CF7-B044-3278EBC625BC}"/>
               </a:ext>
             </a:extLst>
           </p:cNvPr>
@@ -2534,7 +4252,7 @@
                 <a:spcPct val="0"/>
               </a:spcAft>
             </a:pPr>
-            <a:fld id="{6690AEBB-A830-4DED-9A64-9252EA96448D}" type="slidenum">
+            <a:fld id="{A9A15043-B105-4DE9-8826-0F5DFE0C300D}" type="slidenum">
               <a:rPr lang="fr-FR" altLang="fr-FR"/>
               <a:pPr fontAlgn="base">
                 <a:spcBef>
@@ -2544,13 +4262,107 @@
                   <a:spcPct val="0"/>
                 </a:spcAft>
               </a:pPr>
-              <a:t>21</a:t>
+              <a:t>12</a:t>
             </a:fld>
             <a:endParaRPr lang="fr-FR" altLang="fr-FR"/>
           </a:p>
         </p:txBody>
       </p:sp>
     </p:spTree>
+  </p:cSld>
+  <p:clrMapOvr>
+    <a:masterClrMapping/>
+  </p:clrMapOvr>
+</p:notes>
+</file>
+
+<file path=ppt/notesSlides/notesSlide8.xml><?xml version="1.0" encoding="utf-8"?>
+<p:notes xmlns:a="http://schemas.openxmlformats.org/drawingml/2006/main" xmlns:r="http://schemas.openxmlformats.org/officeDocument/2006/relationships" xmlns:p="http://schemas.openxmlformats.org/presentationml/2006/main">
+  <p:cSld>
+    <p:spTree>
+      <p:nvGrpSpPr>
+        <p:cNvPr id="1" name=""/>
+        <p:cNvGrpSpPr/>
+        <p:nvPr/>
+      </p:nvGrpSpPr>
+      <p:grpSpPr>
+        <a:xfrm>
+          <a:off x="0" y="0"/>
+          <a:ext cx="0" cy="0"/>
+          <a:chOff x="0" y="0"/>
+          <a:chExt cx="0" cy="0"/>
+        </a:xfrm>
+      </p:grpSpPr>
+      <p:sp>
+        <p:nvSpPr>
+          <p:cNvPr id="2" name="Espace réservé de l'image des diapositives 1"/>
+          <p:cNvSpPr>
+            <a:spLocks noGrp="1" noRot="1" noChangeAspect="1"/>
+          </p:cNvSpPr>
+          <p:nvPr>
+            <p:ph type="sldImg"/>
+          </p:nvPr>
+        </p:nvSpPr>
+        <p:spPr/>
+      </p:sp>
+      <p:sp>
+        <p:nvSpPr>
+          <p:cNvPr id="3" name="Espace réservé des notes 2"/>
+          <p:cNvSpPr>
+            <a:spLocks noGrp="1"/>
+          </p:cNvSpPr>
+          <p:nvPr>
+            <p:ph type="body" idx="1"/>
+          </p:nvPr>
+        </p:nvSpPr>
+        <p:spPr/>
+        <p:txBody>
+          <a:bodyPr/>
+          <a:lstStyle/>
+          <a:p>
+            <a:r>
+              <a:rPr lang="fr-FR" dirty="0" err="1"/>
+              <a:t>CountVectorizer</a:t>
+            </a:r>
+            <a:endParaRPr lang="fr-FR" dirty="0"/>
+          </a:p>
+        </p:txBody>
+      </p:sp>
+      <p:sp>
+        <p:nvSpPr>
+          <p:cNvPr id="4" name="Espace réservé du numéro de diapositive 3"/>
+          <p:cNvSpPr>
+            <a:spLocks noGrp="1"/>
+          </p:cNvSpPr>
+          <p:nvPr>
+            <p:ph type="sldNum" sz="quarter" idx="10"/>
+          </p:nvPr>
+        </p:nvSpPr>
+        <p:spPr/>
+        <p:txBody>
+          <a:bodyPr/>
+          <a:lstStyle/>
+          <a:p>
+            <a:pPr>
+              <a:defRPr/>
+            </a:pPr>
+            <a:fld id="{CC32C800-F1EC-4563-A4CB-7BFB6B498BC5}" type="slidenum">
+              <a:rPr lang="fr-FR" smtClean="0"/>
+              <a:pPr>
+                <a:defRPr/>
+              </a:pPr>
+              <a:t>13</a:t>
+            </a:fld>
+            <a:endParaRPr lang="fr-FR"/>
+          </a:p>
+        </p:txBody>
+      </p:sp>
+    </p:spTree>
+    <p:extLst>
+      <p:ext uri="{BB962C8B-B14F-4D97-AF65-F5344CB8AC3E}">
+        <p14:creationId xmlns:p14="http://schemas.microsoft.com/office/powerpoint/2010/main" val="2377268029"/>
+      </p:ext>
+    </p:extLst>
   </p:cSld>
   <p:clrMapOvr>
     <a:masterClrMapping/>
@@ -2577,10 +4389,10 @@
       </p:grpSpPr>
       <p:sp>
         <p:nvSpPr>
-          <p:cNvPr id="41986" name="Espace réservé de l'image des diapositives 1">
-            <a:extLst>
-              <a:ext uri="{FF2B5EF4-FFF2-40B4-BE49-F238E27FC236}">
-                <a16:creationId xmlns:a16="http://schemas.microsoft.com/office/drawing/2014/main" id="{34745F2C-A494-49DF-9A39-B51B01846B77}"/>
+          <p:cNvPr id="20482" name="Espace réservé de l'image des diapositives 1">
+            <a:extLst>
+              <a:ext uri="{FF2B5EF4-FFF2-40B4-BE49-F238E27FC236}">
+                <a16:creationId xmlns:a16="http://schemas.microsoft.com/office/drawing/2014/main" id="{7A6A9DBA-02DF-49A9-8C63-618D9C9703D4}"/>
               </a:ext>
             </a:extLst>
           </p:cNvPr>
@@ -2614,10 +4426,10 @@
       </p:sp>
       <p:sp>
         <p:nvSpPr>
-          <p:cNvPr id="41987" name="Espace réservé des notes 2">
-            <a:extLst>
-              <a:ext uri="{FF2B5EF4-FFF2-40B4-BE49-F238E27FC236}">
-                <a16:creationId xmlns:a16="http://schemas.microsoft.com/office/drawing/2014/main" id="{170F5BCD-C8E8-45AA-8A21-2ECEF17E2187}"/>
+          <p:cNvPr id="20483" name="Espace réservé des notes 2">
+            <a:extLst>
+              <a:ext uri="{FF2B5EF4-FFF2-40B4-BE49-F238E27FC236}">
+                <a16:creationId xmlns:a16="http://schemas.microsoft.com/office/drawing/2014/main" id="{A38DA539-9104-43AC-A6ED-355E9296F962}"/>
               </a:ext>
             </a:extLst>
           </p:cNvPr>
@@ -2658,24 +4470,44 @@
           </a:bodyPr>
           <a:lstStyle/>
           <a:p>
+            <a:pPr marL="0" marR="0" lvl="0" indent="0" algn="l" defTabSz="914400" rtl="0" eaLnBrk="1" fontAlgn="base" latinLnBrk="0" hangingPunct="1">
+              <a:lnSpc>
+                <a:spcPct val="100000"/>
+              </a:lnSpc>
+              <a:spcBef>
+                <a:spcPct val="0"/>
+              </a:spcBef>
+              <a:spcAft>
+                <a:spcPct val="0"/>
+              </a:spcAft>
+              <a:buClrTx/>
+              <a:buSzTx/>
+              <a:buFontTx/>
+              <a:buNone/>
+              <a:tabLst/>
+              <a:defRPr/>
+            </a:pPr>
+            <a:r>
+              <a:rPr lang="fr-FR" altLang="fr-FR" dirty="0"/>
+              <a:t>Les 2 directions ppales expliquent 20% de la variance, ça n’est pas significatif, on va qd même tracer qlqs graphes</a:t>
+            </a:r>
+          </a:p>
+          <a:p>
             <a:pPr>
               <a:spcBef>
                 <a:spcPct val="0"/>
               </a:spcBef>
             </a:pPr>
-            <a:r>
-              <a:rPr lang="fr-FR" altLang="fr-FR"/>
-              <a:t>Par exemple …</a:t>
-            </a:r>
-          </a:p>
-        </p:txBody>
-      </p:sp>
-      <p:sp>
-        <p:nvSpPr>
-          <p:cNvPr id="41988" name="Espace réservé du numéro de diapositive 3">
-            <a:extLst>
-              <a:ext uri="{FF2B5EF4-FFF2-40B4-BE49-F238E27FC236}">
-                <a16:creationId xmlns:a16="http://schemas.microsoft.com/office/drawing/2014/main" id="{42545E38-086C-4558-844F-458570C98D83}"/>
+            <a:endParaRPr lang="fr-FR" altLang="fr-FR" dirty="0"/>
+          </a:p>
+        </p:txBody>
+      </p:sp>
+      <p:sp>
+        <p:nvSpPr>
+          <p:cNvPr id="20484" name="Espace réservé du numéro de diapositive 3">
+            <a:extLst>
+              <a:ext uri="{FF2B5EF4-FFF2-40B4-BE49-F238E27FC236}">
+                <a16:creationId xmlns:a16="http://schemas.microsoft.com/office/drawing/2014/main" id="{1E220833-D121-4FB5-8883-C70D7CF029A3}"/>
               </a:ext>
             </a:extLst>
           </p:cNvPr>
@@ -2821,7 +4653,7 @@
                 <a:spcPct val="0"/>
               </a:spcAft>
             </a:pPr>
-            <a:fld id="{B6AE8017-B505-45EB-97A2-D44BA9337E36}" type="slidenum">
+            <a:fld id="{713CF9BE-41D9-403D-8A7D-77D8C5154065}" type="slidenum">
               <a:rPr lang="fr-FR" altLang="fr-FR"/>
               <a:pPr fontAlgn="base">
                 <a:spcBef>
@@ -2831,7 +4663,7 @@
                   <a:spcPct val="0"/>
                 </a:spcAft>
               </a:pPr>
-              <a:t>29</a:t>
+              <a:t>14</a:t>
             </a:fld>
             <a:endParaRPr lang="fr-FR" altLang="fr-FR"/>
           </a:p>
@@ -6799,10 +8631,10 @@
       </p:grpSpPr>
       <p:sp>
         <p:nvSpPr>
-          <p:cNvPr id="12290" name="Titre 1">
-            <a:extLst>
-              <a:ext uri="{FF2B5EF4-FFF2-40B4-BE49-F238E27FC236}">
-                <a16:creationId xmlns:a16="http://schemas.microsoft.com/office/drawing/2014/main" id="{E6B04D2E-2D08-48F3-A186-084C981F8CDD}"/>
+          <p:cNvPr id="13314" name="Titre 1">
+            <a:extLst>
+              <a:ext uri="{FF2B5EF4-FFF2-40B4-BE49-F238E27FC236}">
+                <a16:creationId xmlns:a16="http://schemas.microsoft.com/office/drawing/2014/main" id="{428AC211-9C5E-4AA1-B9E2-06B1E63D5BB5}"/>
               </a:ext>
             </a:extLst>
           </p:cNvPr>
@@ -6818,20 +8650,19 @@
           <a:bodyPr/>
           <a:lstStyle/>
           <a:p>
-            <a:pPr algn="ctr"/>
-            <a:r>
-              <a:rPr lang="fr-FR" altLang="fr-FR" dirty="0"/>
-              <a:t>PCA</a:t>
-            </a:r>
-          </a:p>
-        </p:txBody>
-      </p:sp>
-      <p:sp>
-        <p:nvSpPr>
-          <p:cNvPr id="12291" name="Espace réservé du contenu 2">
-            <a:extLst>
-              <a:ext uri="{FF2B5EF4-FFF2-40B4-BE49-F238E27FC236}">
-                <a16:creationId xmlns:a16="http://schemas.microsoft.com/office/drawing/2014/main" id="{AD8499C7-757C-47B5-8289-683E56461B40}"/>
+            <a:r>
+              <a:rPr lang="fr-FR" altLang="fr-FR"/>
+              <a:t>3 groupes de score</a:t>
+            </a:r>
+          </a:p>
+        </p:txBody>
+      </p:sp>
+      <p:sp>
+        <p:nvSpPr>
+          <p:cNvPr id="13315" name="Espace réservé du contenu 5">
+            <a:extLst>
+              <a:ext uri="{FF2B5EF4-FFF2-40B4-BE49-F238E27FC236}">
+                <a16:creationId xmlns:a16="http://schemas.microsoft.com/office/drawing/2014/main" id="{650AF3A1-F42D-45C6-8835-BFB2FA341A38}"/>
               </a:ext>
             </a:extLst>
           </p:cNvPr>
@@ -6847,41 +8678,70 @@
           <a:bodyPr/>
           <a:lstStyle/>
           <a:p>
-            <a:r>
-              <a:rPr lang="fr-FR" altLang="fr-FR" dirty="0"/>
-              <a:t>3 groupes de score</a:t>
-            </a:r>
-          </a:p>
-          <a:p>
-            <a:r>
-              <a:rPr lang="fr-FR" altLang="fr-FR" dirty="0"/>
-              <a:t>3 groupes de features</a:t>
-            </a:r>
-          </a:p>
-          <a:p>
-            <a:r>
-              <a:rPr lang="fr-FR" altLang="fr-FR" dirty="0"/>
-              <a:t>Normalisation</a:t>
-            </a:r>
-          </a:p>
-          <a:p>
-            <a:r>
-              <a:rPr lang="fr-FR" altLang="fr-FR" dirty="0" err="1"/>
-              <a:t>KMeans</a:t>
-            </a:r>
-            <a:r>
-              <a:rPr lang="fr-FR" altLang="fr-FR" dirty="0"/>
-              <a:t> (2 et 3 clusters)</a:t>
-            </a:r>
-          </a:p>
-          <a:p>
-            <a:r>
-              <a:rPr lang="fr-FR" altLang="fr-FR" dirty="0"/>
-              <a:t>Affichage</a:t>
-            </a:r>
-          </a:p>
-        </p:txBody>
-      </p:sp>
+            <a:endParaRPr lang="fr-FR" altLang="fr-FR"/>
+          </a:p>
+        </p:txBody>
+      </p:sp>
+      <p:pic>
+        <p:nvPicPr>
+          <p:cNvPr id="13316" name="Image 4">
+            <a:extLst>
+              <a:ext uri="{FF2B5EF4-FFF2-40B4-BE49-F238E27FC236}">
+                <a16:creationId xmlns:a16="http://schemas.microsoft.com/office/drawing/2014/main" id="{F23CBFDB-0F30-4B87-A85C-1303744AEB0B}"/>
+              </a:ext>
+            </a:extLst>
+          </p:cNvPr>
+          <p:cNvPicPr>
+            <a:picLocks noChangeAspect="1" noChangeArrowheads="1"/>
+          </p:cNvPicPr>
+          <p:nvPr/>
+        </p:nvPicPr>
+        <p:blipFill>
+          <a:blip r:embed="rId3">
+            <a:extLst>
+              <a:ext uri="{28A0092B-C50C-407E-A947-70E740481C1C}">
+                <a14:useLocalDpi xmlns:a14="http://schemas.microsoft.com/office/drawing/2010/main" val="0"/>
+              </a:ext>
+            </a:extLst>
+          </a:blip>
+          <a:srcRect/>
+          <a:stretch>
+            <a:fillRect/>
+          </a:stretch>
+        </p:blipFill>
+        <p:spPr bwMode="auto">
+          <a:xfrm>
+            <a:off x="1087438" y="1490663"/>
+            <a:ext cx="9467850" cy="5019675"/>
+          </a:xfrm>
+          <a:prstGeom prst="rect">
+            <a:avLst/>
+          </a:prstGeom>
+          <a:noFill/>
+          <a:ln>
+            <a:noFill/>
+          </a:ln>
+          <a:extLst>
+            <a:ext uri="{909E8E84-426E-40DD-AFC4-6F175D3DCCD1}">
+              <a14:hiddenFill xmlns:a14="http://schemas.microsoft.com/office/drawing/2010/main">
+                <a:solidFill>
+                  <a:srgbClr val="FFFFFF"/>
+                </a:solidFill>
+              </a14:hiddenFill>
+            </a:ext>
+            <a:ext uri="{91240B29-F687-4F45-9708-019B960494DF}">
+              <a14:hiddenLine xmlns:a14="http://schemas.microsoft.com/office/drawing/2010/main" w="9525">
+                <a:solidFill>
+                  <a:srgbClr val="000000"/>
+                </a:solidFill>
+                <a:miter lim="800000"/>
+                <a:headEnd/>
+                <a:tailEnd/>
+              </a14:hiddenLine>
+            </a:ext>
+          </a:extLst>
+        </p:spPr>
+      </p:pic>
     </p:spTree>
   </p:cSld>
   <p:clrMapOvr>
@@ -6909,10 +8769,10 @@
       </p:grpSpPr>
       <p:sp>
         <p:nvSpPr>
-          <p:cNvPr id="13314" name="Titre 1">
-            <a:extLst>
-              <a:ext uri="{FF2B5EF4-FFF2-40B4-BE49-F238E27FC236}">
-                <a16:creationId xmlns:a16="http://schemas.microsoft.com/office/drawing/2014/main" id="{428AC211-9C5E-4AA1-B9E2-06B1E63D5BB5}"/>
+          <p:cNvPr id="8194" name="Titre 1">
+            <a:extLst>
+              <a:ext uri="{FF2B5EF4-FFF2-40B4-BE49-F238E27FC236}">
+                <a16:creationId xmlns:a16="http://schemas.microsoft.com/office/drawing/2014/main" id="{A14C683F-85D0-430C-B94C-2395A1CA8244}"/>
               </a:ext>
             </a:extLst>
           </p:cNvPr>
@@ -6928,24 +8788,25 @@
           <a:bodyPr/>
           <a:lstStyle/>
           <a:p>
-            <a:r>
-              <a:rPr lang="fr-FR" altLang="fr-FR"/>
-              <a:t>3 groupes de score</a:t>
-            </a:r>
-          </a:p>
-        </p:txBody>
-      </p:sp>
-      <p:sp>
-        <p:nvSpPr>
-          <p:cNvPr id="13315" name="Espace réservé du contenu 5">
-            <a:extLst>
-              <a:ext uri="{FF2B5EF4-FFF2-40B4-BE49-F238E27FC236}">
-                <a16:creationId xmlns:a16="http://schemas.microsoft.com/office/drawing/2014/main" id="{650AF3A1-F42D-45C6-8835-BFB2FA341A38}"/>
-              </a:ext>
-            </a:extLst>
-          </p:cNvPr>
-          <p:cNvSpPr>
-            <a:spLocks noGrp="1" noChangeArrowheads="1"/>
+            <a:pPr algn="ctr"/>
+            <a:r>
+              <a:rPr lang="fr-FR" altLang="fr-FR" dirty="0"/>
+              <a:t>Les données non numériques</a:t>
+            </a:r>
+          </a:p>
+        </p:txBody>
+      </p:sp>
+      <p:sp>
+        <p:nvSpPr>
+          <p:cNvPr id="3" name="Espace réservé du contenu 2">
+            <a:extLst>
+              <a:ext uri="{FF2B5EF4-FFF2-40B4-BE49-F238E27FC236}">
+                <a16:creationId xmlns:a16="http://schemas.microsoft.com/office/drawing/2014/main" id="{1B24F952-49D6-4921-86F1-D0DE1244836B}"/>
+              </a:ext>
+            </a:extLst>
+          </p:cNvPr>
+          <p:cNvSpPr>
+            <a:spLocks noGrp="1"/>
           </p:cNvSpPr>
           <p:nvPr>
             <p:ph idx="1"/>
@@ -6953,19 +8814,93 @@
         </p:nvSpPr>
         <p:spPr/>
         <p:txBody>
-          <a:bodyPr/>
+          <a:bodyPr rtlCol="0">
+            <a:normAutofit/>
+          </a:bodyPr>
           <a:lstStyle/>
           <a:p>
-            <a:endParaRPr lang="fr-FR" altLang="fr-FR"/>
+            <a:pPr fontAlgn="auto">
+              <a:spcAft>
+                <a:spcPts val="0"/>
+              </a:spcAft>
+              <a:defRPr/>
+            </a:pPr>
+            <a:endParaRPr lang="fr-FR" dirty="0"/>
+          </a:p>
+          <a:p>
+            <a:pPr fontAlgn="auto">
+              <a:spcAft>
+                <a:spcPts val="0"/>
+              </a:spcAft>
+              <a:defRPr/>
+            </a:pPr>
+            <a:endParaRPr lang="fr-FR" dirty="0"/>
+          </a:p>
+          <a:p>
+            <a:pPr fontAlgn="auto">
+              <a:spcAft>
+                <a:spcPts val="0"/>
+              </a:spcAft>
+              <a:defRPr/>
+            </a:pPr>
+            <a:endParaRPr lang="fr-FR" dirty="0"/>
+          </a:p>
+          <a:p>
+            <a:pPr fontAlgn="auto">
+              <a:spcAft>
+                <a:spcPts val="0"/>
+              </a:spcAft>
+              <a:defRPr/>
+            </a:pPr>
+            <a:endParaRPr lang="fr-FR" dirty="0"/>
+          </a:p>
+          <a:p>
+            <a:pPr marL="0" indent="0" fontAlgn="auto">
+              <a:spcAft>
+                <a:spcPts val="0"/>
+              </a:spcAft>
+              <a:buFont typeface="Arial" panose="020B0604020202020204" pitchFamily="34" charset="0"/>
+              <a:buNone/>
+              <a:defRPr/>
+            </a:pPr>
+            <a:endParaRPr lang="fr-FR" dirty="0"/>
+          </a:p>
+          <a:p>
+            <a:pPr marL="0" indent="0">
+              <a:buNone/>
+            </a:pPr>
+            <a:r>
+              <a:rPr lang="fr-FR" dirty="0" err="1"/>
+              <a:t>Color</a:t>
+            </a:r>
+            <a:r>
+              <a:rPr lang="fr-FR" dirty="0"/>
+              <a:t> : binarisation directe avec </a:t>
+            </a:r>
+            <a:r>
+              <a:rPr lang="fr-FR" dirty="0" err="1"/>
+              <a:t>LabelEncoder</a:t>
+            </a:r>
+            <a:endParaRPr lang="fr-FR" dirty="0"/>
+          </a:p>
+          <a:p>
+            <a:pPr marL="0" indent="0" fontAlgn="auto">
+              <a:spcAft>
+                <a:spcPts val="0"/>
+              </a:spcAft>
+              <a:buNone/>
+              <a:defRPr/>
+            </a:pPr>
+            <a:endParaRPr lang="fr-FR" dirty="0"/>
           </a:p>
         </p:txBody>
       </p:sp>
       <p:pic>
         <p:nvPicPr>
-          <p:cNvPr id="13316" name="Image 4">
-            <a:extLst>
-              <a:ext uri="{FF2B5EF4-FFF2-40B4-BE49-F238E27FC236}">
-                <a16:creationId xmlns:a16="http://schemas.microsoft.com/office/drawing/2014/main" id="{F23CBFDB-0F30-4B87-A85C-1303744AEB0B}"/>
+          <p:cNvPr id="8196" name="Image 3">
+            <a:extLst>
+              <a:ext uri="{FF2B5EF4-FFF2-40B4-BE49-F238E27FC236}">
+                <a16:creationId xmlns:a16="http://schemas.microsoft.com/office/drawing/2014/main" id="{4464FC03-CBEE-404D-A475-ACC6483DB60F}"/>
               </a:ext>
             </a:extLst>
           </p:cNvPr>
@@ -6975,7 +8910,7 @@
           <p:nvPr/>
         </p:nvPicPr>
         <p:blipFill>
-          <a:blip r:embed="rId3">
+          <a:blip r:embed="rId2">
             <a:extLst>
               <a:ext uri="{28A0092B-C50C-407E-A947-70E740481C1C}">
                 <a14:useLocalDpi xmlns:a14="http://schemas.microsoft.com/office/drawing/2010/main" val="0"/>
@@ -6989,8 +8924,8 @@
         </p:blipFill>
         <p:spPr bwMode="auto">
           <a:xfrm>
-            <a:off x="1087438" y="1490663"/>
-            <a:ext cx="9467850" cy="5019675"/>
+            <a:off x="587375" y="1744663"/>
+            <a:ext cx="11139488" cy="1689100"/>
           </a:xfrm>
           <a:prstGeom prst="rect">
             <a:avLst/>
@@ -7132,7 +9067,7 @@
             </a:pPr>
             <a:r>
               <a:rPr lang="fr-FR" dirty="0"/>
-              <a:t>Valeurs numériques plus</a:t>
+              <a:t>Valeurs numériques plus un ensemble de mots clés :</a:t>
             </a:r>
           </a:p>
           <a:p>
@@ -7214,10 +9149,10 @@
       </p:grpSpPr>
       <p:sp>
         <p:nvSpPr>
-          <p:cNvPr id="19458" name="Titre 1">
-            <a:extLst>
-              <a:ext uri="{FF2B5EF4-FFF2-40B4-BE49-F238E27FC236}">
-                <a16:creationId xmlns:a16="http://schemas.microsoft.com/office/drawing/2014/main" id="{9A62F732-7BA2-40E4-B3A8-1542A4E4A2C5}"/>
+          <p:cNvPr id="39938" name="Titre 1">
+            <a:extLst>
+              <a:ext uri="{FF2B5EF4-FFF2-40B4-BE49-F238E27FC236}">
+                <a16:creationId xmlns:a16="http://schemas.microsoft.com/office/drawing/2014/main" id="{67487752-27E9-422F-90E7-D0173AD69F0D}"/>
               </a:ext>
             </a:extLst>
           </p:cNvPr>
@@ -7233,57 +9168,533 @@
           <a:bodyPr/>
           <a:lstStyle/>
           <a:p>
-            <a:r>
-              <a:rPr lang="fr-FR" altLang="fr-FR" dirty="0" err="1"/>
-              <a:t>Kmeans</a:t>
-            </a:r>
-            <a:br>
-              <a:rPr lang="fr-FR" altLang="fr-FR" dirty="0"/>
-            </a:br>
-            <a:r>
-              <a:rPr lang="fr-FR" altLang="fr-FR" dirty="0"/>
-              <a:t>Cas 1</a:t>
-            </a:r>
-          </a:p>
-        </p:txBody>
-      </p:sp>
-      <p:pic>
-        <p:nvPicPr>
-          <p:cNvPr id="19459" name="Espace réservé du contenu 3">
-            <a:extLst>
-              <a:ext uri="{FF2B5EF4-FFF2-40B4-BE49-F238E27FC236}">
-                <a16:creationId xmlns:a16="http://schemas.microsoft.com/office/drawing/2014/main" id="{B82EC2E2-17F9-4ED9-94C1-08C6CD1EE9AB}"/>
-              </a:ext>
-            </a:extLst>
-          </p:cNvPr>
-          <p:cNvPicPr>
-            <a:picLocks noGrp="1" noChangeAspect="1" noChangeArrowheads="1"/>
-          </p:cNvPicPr>
+            <a:pPr marL="0" indent="0" algn="ctr" fontAlgn="auto">
+              <a:spcAft>
+                <a:spcPts val="0"/>
+              </a:spcAft>
+              <a:buFont typeface="Arial" panose="020B0604020202020204" pitchFamily="34" charset="0"/>
+              <a:buNone/>
+              <a:defRPr/>
+            </a:pPr>
+            <a:r>
+              <a:rPr lang="fr-FR" dirty="0"/>
+              <a:t>Numérisation des features</a:t>
+            </a:r>
+          </a:p>
+        </p:txBody>
+      </p:sp>
+      <p:sp>
+        <p:nvSpPr>
+          <p:cNvPr id="3" name="Espace réservé du contenu 2">
+            <a:extLst>
+              <a:ext uri="{FF2B5EF4-FFF2-40B4-BE49-F238E27FC236}">
+                <a16:creationId xmlns:a16="http://schemas.microsoft.com/office/drawing/2014/main" id="{41DDAAA2-19A0-4CCA-A2CA-E4C2EF052A22}"/>
+              </a:ext>
+            </a:extLst>
+          </p:cNvPr>
+          <p:cNvSpPr>
+            <a:spLocks noGrp="1"/>
+          </p:cNvSpPr>
           <p:nvPr>
             <p:ph idx="1"/>
           </p:nvPr>
-        </p:nvPicPr>
-        <p:blipFill>
-          <a:blip r:embed="rId3">
-            <a:extLst>
-              <a:ext uri="{28A0092B-C50C-407E-A947-70E740481C1C}">
-                <a14:useLocalDpi xmlns:a14="http://schemas.microsoft.com/office/drawing/2010/main" val="0"/>
-              </a:ext>
-            </a:extLst>
-          </a:blip>
-          <a:srcRect/>
-          <a:stretch>
-            <a:fillRect/>
-          </a:stretch>
-        </p:blipFill>
-        <p:spPr>
-          <a:xfrm>
-            <a:off x="3783013" y="277813"/>
-            <a:ext cx="6677025" cy="6254750"/>
-          </a:xfrm>
-        </p:spPr>
-      </p:pic>
+        </p:nvSpPr>
+        <p:spPr/>
+        <p:txBody>
+          <a:bodyPr rtlCol="0">
+            <a:normAutofit/>
+          </a:bodyPr>
+          <a:lstStyle/>
+          <a:p>
+            <a:pPr marL="0" indent="0" fontAlgn="auto">
+              <a:spcAft>
+                <a:spcPts val="0"/>
+              </a:spcAft>
+              <a:buNone/>
+              <a:defRPr/>
+            </a:pPr>
+            <a:r>
+              <a:rPr lang="fr-FR" dirty="0"/>
+              <a:t>Les mots clés sont rassemblés dans une seule colonne</a:t>
+            </a:r>
+          </a:p>
+          <a:p>
+            <a:pPr marL="0" indent="0" fontAlgn="auto">
+              <a:spcAft>
+                <a:spcPts val="0"/>
+              </a:spcAft>
+              <a:buNone/>
+              <a:defRPr/>
+            </a:pPr>
+            <a:r>
+              <a:rPr lang="fr-FR" dirty="0"/>
+              <a:t>La colonne est transformée en matrice binaire (</a:t>
+            </a:r>
+            <a:r>
+              <a:rPr lang="fr-FR" dirty="0" err="1"/>
+              <a:t>CountVectorizer</a:t>
+            </a:r>
+            <a:r>
+              <a:rPr lang="fr-FR" dirty="0"/>
+              <a:t>)</a:t>
+            </a:r>
+          </a:p>
+          <a:p>
+            <a:pPr marL="0" indent="0" fontAlgn="auto">
+              <a:spcAft>
+                <a:spcPts val="0"/>
+              </a:spcAft>
+              <a:buFont typeface="Arial" panose="020B0604020202020204" pitchFamily="34" charset="0"/>
+              <a:buNone/>
+              <a:defRPr/>
+            </a:pPr>
+            <a:r>
+              <a:rPr lang="fr-FR" dirty="0"/>
+              <a:t>Les mots clés utilisés une seule fois sont supprimés</a:t>
+            </a:r>
+          </a:p>
+          <a:p>
+            <a:pPr marL="0" indent="0" fontAlgn="auto">
+              <a:spcAft>
+                <a:spcPts val="0"/>
+              </a:spcAft>
+              <a:buNone/>
+              <a:defRPr/>
+            </a:pPr>
+            <a:endParaRPr lang="fr-FR" dirty="0"/>
+          </a:p>
+        </p:txBody>
+      </p:sp>
+      <p:graphicFrame>
+        <p:nvGraphicFramePr>
+          <p:cNvPr id="5" name="Tableau 4">
+            <a:extLst>
+              <a:ext uri="{FF2B5EF4-FFF2-40B4-BE49-F238E27FC236}">
+                <a16:creationId xmlns:a16="http://schemas.microsoft.com/office/drawing/2014/main" id="{7AF893B9-2773-4860-A4B7-FCEA5CE8B2E7}"/>
+              </a:ext>
+            </a:extLst>
+          </p:cNvPr>
+          <p:cNvGraphicFramePr>
+            <a:graphicFrameLocks noGrp="1"/>
+          </p:cNvGraphicFramePr>
+          <p:nvPr>
+            <p:extLst>
+              <p:ext uri="{D42A27DB-BD31-4B8C-83A1-F6EECF244321}">
+                <p14:modId xmlns:p14="http://schemas.microsoft.com/office/powerpoint/2010/main" val="2612606498"/>
+              </p:ext>
+            </p:extLst>
+          </p:nvPr>
+        </p:nvGraphicFramePr>
+        <p:xfrm>
+          <a:off x="3037933" y="3970531"/>
+          <a:ext cx="4889500" cy="1771650"/>
+        </p:xfrm>
+        <a:graphic>
+          <a:graphicData uri="http://schemas.openxmlformats.org/drawingml/2006/table">
+            <a:tbl>
+              <a:tblPr>
+                <a:tableStyleId>{5C22544A-7EE6-4342-B048-85BDC9FD1C3A}</a:tableStyleId>
+              </a:tblPr>
+              <a:tblGrid>
+                <a:gridCol w="622300">
+                  <a:extLst>
+                    <a:ext uri="{9D8B030D-6E8A-4147-A177-3AD203B41FA5}">
+                      <a16:colId xmlns:a16="http://schemas.microsoft.com/office/drawing/2014/main" val="3242599098"/>
+                    </a:ext>
+                  </a:extLst>
+                </a:gridCol>
+                <a:gridCol w="2133600">
+                  <a:extLst>
+                    <a:ext uri="{9D8B030D-6E8A-4147-A177-3AD203B41FA5}">
+                      <a16:colId xmlns:a16="http://schemas.microsoft.com/office/drawing/2014/main" val="3682670611"/>
+                    </a:ext>
+                  </a:extLst>
+                </a:gridCol>
+                <a:gridCol w="2133600">
+                  <a:extLst>
+                    <a:ext uri="{9D8B030D-6E8A-4147-A177-3AD203B41FA5}">
+                      <a16:colId xmlns:a16="http://schemas.microsoft.com/office/drawing/2014/main" val="534885373"/>
+                    </a:ext>
+                  </a:extLst>
+                </a:gridCol>
+              </a:tblGrid>
+              <a:tr h="295275">
+                <a:tc>
+                  <a:txBody>
+                    <a:bodyPr/>
+                    <a:lstStyle/>
+                    <a:p>
+                      <a:pPr algn="ctr" fontAlgn="t"/>
+                      <a:r>
+                        <a:rPr lang="fr-FR" sz="1800" u="none" strike="noStrike">
+                          <a:effectLst/>
+                        </a:rPr>
+                        <a:t> </a:t>
+                      </a:r>
+                      <a:endParaRPr lang="fr-FR" sz="1800" b="1" i="0" u="none" strike="noStrike">
+                        <a:solidFill>
+                          <a:srgbClr val="FFFFFF"/>
+                        </a:solidFill>
+                        <a:effectLst/>
+                        <a:latin typeface="Calibri" panose="020F0502020204030204" pitchFamily="34" charset="0"/>
+                      </a:endParaRPr>
+                    </a:p>
+                  </a:txBody>
+                  <a:tcPr marL="9525" marR="9525" marT="9525" marB="0"/>
+                </a:tc>
+                <a:tc gridSpan="2">
+                  <a:txBody>
+                    <a:bodyPr/>
+                    <a:lstStyle/>
+                    <a:p>
+                      <a:pPr algn="ctr" fontAlgn="t"/>
+                      <a:r>
+                        <a:rPr lang="fr-FR" sz="1800" u="none" strike="noStrike">
+                          <a:effectLst/>
+                        </a:rPr>
+                        <a:t>Nombre de colonnes</a:t>
+                      </a:r>
+                      <a:endParaRPr lang="fr-FR" sz="1800" b="1" i="0" u="none" strike="noStrike">
+                        <a:solidFill>
+                          <a:srgbClr val="FFFFFF"/>
+                        </a:solidFill>
+                        <a:effectLst/>
+                        <a:latin typeface="Calibri" panose="020F0502020204030204" pitchFamily="34" charset="0"/>
+                      </a:endParaRPr>
+                    </a:p>
+                  </a:txBody>
+                  <a:tcPr marL="9525" marR="9525" marT="9525" marB="0"/>
+                </a:tc>
+                <a:tc hMerge="1">
+                  <a:txBody>
+                    <a:bodyPr/>
+                    <a:lstStyle/>
+                    <a:p>
+                      <a:endParaRPr lang="fr-FR"/>
+                    </a:p>
+                  </a:txBody>
+                  <a:tcPr/>
+                </a:tc>
+                <a:extLst>
+                  <a:ext uri="{0D108BD9-81ED-4DB2-BD59-A6C34878D82A}">
+                    <a16:rowId xmlns:a16="http://schemas.microsoft.com/office/drawing/2014/main" val="3165792099"/>
+                  </a:ext>
+                </a:extLst>
+              </a:tr>
+              <a:tr h="590550">
+                <a:tc>
+                  <a:txBody>
+                    <a:bodyPr/>
+                    <a:lstStyle/>
+                    <a:p>
+                      <a:pPr algn="ctr" fontAlgn="t"/>
+                      <a:r>
+                        <a:rPr lang="fr-FR" sz="1800" u="none" strike="noStrike">
+                          <a:effectLst/>
+                        </a:rPr>
+                        <a:t>Cas</a:t>
+                      </a:r>
+                      <a:endParaRPr lang="fr-FR" sz="1800" b="1" i="0" u="none" strike="noStrike">
+                        <a:solidFill>
+                          <a:srgbClr val="FFFFFF"/>
+                        </a:solidFill>
+                        <a:effectLst/>
+                        <a:latin typeface="Calibri" panose="020F0502020204030204" pitchFamily="34" charset="0"/>
+                      </a:endParaRPr>
+                    </a:p>
+                  </a:txBody>
+                  <a:tcPr marL="9525" marR="9525" marT="9525" marB="0"/>
+                </a:tc>
+                <a:tc>
+                  <a:txBody>
+                    <a:bodyPr/>
+                    <a:lstStyle/>
+                    <a:p>
+                      <a:pPr algn="ctr" fontAlgn="t"/>
+                      <a:r>
+                        <a:rPr lang="fr-FR" sz="1800" u="none" strike="noStrike" dirty="0">
+                          <a:effectLst/>
+                        </a:rPr>
+                        <a:t>Après binarisation</a:t>
+                      </a:r>
+                      <a:endParaRPr lang="fr-FR" sz="1800" b="1" i="0" u="none" strike="noStrike" dirty="0">
+                        <a:solidFill>
+                          <a:srgbClr val="FFFFFF"/>
+                        </a:solidFill>
+                        <a:effectLst/>
+                        <a:latin typeface="Calibri" panose="020F0502020204030204" pitchFamily="34" charset="0"/>
+                      </a:endParaRPr>
+                    </a:p>
+                  </a:txBody>
+                  <a:tcPr marL="9525" marR="9525" marT="9525" marB="0"/>
+                </a:tc>
+                <a:tc>
+                  <a:txBody>
+                    <a:bodyPr/>
+                    <a:lstStyle/>
+                    <a:p>
+                      <a:pPr algn="ctr" fontAlgn="t"/>
+                      <a:r>
+                        <a:rPr lang="fr-FR" sz="1800" u="none" strike="noStrike">
+                          <a:effectLst/>
+                        </a:rPr>
+                        <a:t>Après nettoyage</a:t>
+                      </a:r>
+                      <a:endParaRPr lang="fr-FR" sz="1800" b="1" i="0" u="none" strike="noStrike">
+                        <a:solidFill>
+                          <a:srgbClr val="FFFFFF"/>
+                        </a:solidFill>
+                        <a:effectLst/>
+                        <a:latin typeface="Calibri" panose="020F0502020204030204" pitchFamily="34" charset="0"/>
+                      </a:endParaRPr>
+                    </a:p>
+                  </a:txBody>
+                  <a:tcPr marL="9525" marR="9525" marT="9525" marB="0"/>
+                </a:tc>
+                <a:extLst>
+                  <a:ext uri="{0D108BD9-81ED-4DB2-BD59-A6C34878D82A}">
+                    <a16:rowId xmlns:a16="http://schemas.microsoft.com/office/drawing/2014/main" val="2185935304"/>
+                  </a:ext>
+                </a:extLst>
+              </a:tr>
+              <a:tr h="295275">
+                <a:tc>
+                  <a:txBody>
+                    <a:bodyPr/>
+                    <a:lstStyle/>
+                    <a:p>
+                      <a:pPr algn="ctr" fontAlgn="t"/>
+                      <a:r>
+                        <a:rPr lang="fr-FR" sz="1800" u="none" strike="noStrike">
+                          <a:effectLst/>
+                        </a:rPr>
+                        <a:t>1</a:t>
+                      </a:r>
+                      <a:endParaRPr lang="fr-FR" sz="1800" b="0" i="0" u="none" strike="noStrike">
+                        <a:solidFill>
+                          <a:srgbClr val="000000"/>
+                        </a:solidFill>
+                        <a:effectLst/>
+                        <a:latin typeface="Calibri" panose="020F0502020204030204" pitchFamily="34" charset="0"/>
+                      </a:endParaRPr>
+                    </a:p>
+                  </a:txBody>
+                  <a:tcPr marL="9525" marR="9525" marT="9525" marB="0"/>
+                </a:tc>
+                <a:tc>
+                  <a:txBody>
+                    <a:bodyPr/>
+                    <a:lstStyle/>
+                    <a:p>
+                      <a:pPr algn="r" fontAlgn="t"/>
+                      <a:r>
+                        <a:rPr lang="fr-FR" sz="1800" u="none" strike="noStrike" dirty="0">
+                          <a:effectLst/>
+                        </a:rPr>
+                        <a:t>26</a:t>
+                      </a:r>
+                      <a:endParaRPr lang="fr-FR" sz="1800" b="0" i="0" u="none" strike="noStrike" dirty="0">
+                        <a:solidFill>
+                          <a:srgbClr val="000000"/>
+                        </a:solidFill>
+                        <a:effectLst/>
+                        <a:latin typeface="Calibri" panose="020F0502020204030204" pitchFamily="34" charset="0"/>
+                      </a:endParaRPr>
+                    </a:p>
+                  </a:txBody>
+                  <a:tcPr marL="9525" marR="9525" marT="9525" marB="0"/>
+                </a:tc>
+                <a:tc>
+                  <a:txBody>
+                    <a:bodyPr/>
+                    <a:lstStyle/>
+                    <a:p>
+                      <a:pPr algn="r" fontAlgn="t"/>
+                      <a:r>
+                        <a:rPr lang="fr-FR" sz="1800" u="none" strike="noStrike">
+                          <a:effectLst/>
+                        </a:rPr>
+                        <a:t>25</a:t>
+                      </a:r>
+                      <a:endParaRPr lang="fr-FR" sz="1800" b="0" i="0" u="none" strike="noStrike">
+                        <a:solidFill>
+                          <a:srgbClr val="000000"/>
+                        </a:solidFill>
+                        <a:effectLst/>
+                        <a:latin typeface="Calibri" panose="020F0502020204030204" pitchFamily="34" charset="0"/>
+                      </a:endParaRPr>
+                    </a:p>
+                  </a:txBody>
+                  <a:tcPr marL="9525" marR="9525" marT="9525" marB="0"/>
+                </a:tc>
+                <a:extLst>
+                  <a:ext uri="{0D108BD9-81ED-4DB2-BD59-A6C34878D82A}">
+                    <a16:rowId xmlns:a16="http://schemas.microsoft.com/office/drawing/2014/main" val="1193327273"/>
+                  </a:ext>
+                </a:extLst>
+              </a:tr>
+              <a:tr h="295275">
+                <a:tc>
+                  <a:txBody>
+                    <a:bodyPr/>
+                    <a:lstStyle/>
+                    <a:p>
+                      <a:pPr algn="ctr" fontAlgn="t"/>
+                      <a:r>
+                        <a:rPr lang="fr-FR" sz="1800" u="none" strike="noStrike">
+                          <a:effectLst/>
+                        </a:rPr>
+                        <a:t>2</a:t>
+                      </a:r>
+                      <a:endParaRPr lang="fr-FR" sz="1800" b="0" i="0" u="none" strike="noStrike">
+                        <a:solidFill>
+                          <a:srgbClr val="000000"/>
+                        </a:solidFill>
+                        <a:effectLst/>
+                        <a:latin typeface="Calibri" panose="020F0502020204030204" pitchFamily="34" charset="0"/>
+                      </a:endParaRPr>
+                    </a:p>
+                  </a:txBody>
+                  <a:tcPr marL="9525" marR="9525" marT="9525" marB="0"/>
+                </a:tc>
+                <a:tc>
+                  <a:txBody>
+                    <a:bodyPr/>
+                    <a:lstStyle/>
+                    <a:p>
+                      <a:pPr algn="r" fontAlgn="t"/>
+                      <a:r>
+                        <a:rPr lang="fr-FR" sz="1800" u="none" strike="noStrike" dirty="0">
+                          <a:effectLst/>
+                        </a:rPr>
+                        <a:t>9 416</a:t>
+                      </a:r>
+                      <a:endParaRPr lang="fr-FR" sz="1800" b="0" i="0" u="none" strike="noStrike" dirty="0">
+                        <a:solidFill>
+                          <a:srgbClr val="000000"/>
+                        </a:solidFill>
+                        <a:effectLst/>
+                        <a:latin typeface="Calibri" panose="020F0502020204030204" pitchFamily="34" charset="0"/>
+                      </a:endParaRPr>
+                    </a:p>
+                  </a:txBody>
+                  <a:tcPr marL="9525" marR="9525" marT="9525" marB="0"/>
+                </a:tc>
+                <a:tc>
+                  <a:txBody>
+                    <a:bodyPr/>
+                    <a:lstStyle/>
+                    <a:p>
+                      <a:pPr algn="r" fontAlgn="t"/>
+                      <a:r>
+                        <a:rPr lang="fr-FR" sz="1800" u="none" strike="noStrike">
+                          <a:effectLst/>
+                        </a:rPr>
+                        <a:t>1 651</a:t>
+                      </a:r>
+                      <a:endParaRPr lang="fr-FR" sz="1800" b="0" i="0" u="none" strike="noStrike">
+                        <a:solidFill>
+                          <a:srgbClr val="000000"/>
+                        </a:solidFill>
+                        <a:effectLst/>
+                        <a:latin typeface="Calibri" panose="020F0502020204030204" pitchFamily="34" charset="0"/>
+                      </a:endParaRPr>
+                    </a:p>
+                  </a:txBody>
+                  <a:tcPr marL="9525" marR="9525" marT="9525" marB="0"/>
+                </a:tc>
+                <a:extLst>
+                  <a:ext uri="{0D108BD9-81ED-4DB2-BD59-A6C34878D82A}">
+                    <a16:rowId xmlns:a16="http://schemas.microsoft.com/office/drawing/2014/main" val="1143273006"/>
+                  </a:ext>
+                </a:extLst>
+              </a:tr>
+              <a:tr h="295275">
+                <a:tc>
+                  <a:txBody>
+                    <a:bodyPr/>
+                    <a:lstStyle/>
+                    <a:p>
+                      <a:pPr algn="ctr" fontAlgn="t"/>
+                      <a:r>
+                        <a:rPr lang="fr-FR" sz="1800" u="none" strike="noStrike">
+                          <a:effectLst/>
+                        </a:rPr>
+                        <a:t>3</a:t>
+                      </a:r>
+                      <a:endParaRPr lang="fr-FR" sz="1800" b="0" i="0" u="none" strike="noStrike">
+                        <a:solidFill>
+                          <a:srgbClr val="000000"/>
+                        </a:solidFill>
+                        <a:effectLst/>
+                        <a:latin typeface="Calibri" panose="020F0502020204030204" pitchFamily="34" charset="0"/>
+                      </a:endParaRPr>
+                    </a:p>
+                  </a:txBody>
+                  <a:tcPr marL="9525" marR="9525" marT="9525" marB="0"/>
+                </a:tc>
+                <a:tc>
+                  <a:txBody>
+                    <a:bodyPr/>
+                    <a:lstStyle/>
+                    <a:p>
+                      <a:pPr algn="r" fontAlgn="t"/>
+                      <a:r>
+                        <a:rPr lang="fr-FR" sz="1800" u="none" strike="noStrike" dirty="0">
+                          <a:effectLst/>
+                        </a:rPr>
+                        <a:t>21 285</a:t>
+                      </a:r>
+                      <a:endParaRPr lang="fr-FR" sz="1800" b="0" i="0" u="none" strike="noStrike" dirty="0">
+                        <a:solidFill>
+                          <a:srgbClr val="000000"/>
+                        </a:solidFill>
+                        <a:effectLst/>
+                        <a:latin typeface="Calibri" panose="020F0502020204030204" pitchFamily="34" charset="0"/>
+                      </a:endParaRPr>
+                    </a:p>
+                  </a:txBody>
+                  <a:tcPr marL="9525" marR="9525" marT="9525" marB="0"/>
+                </a:tc>
+                <a:tc>
+                  <a:txBody>
+                    <a:bodyPr/>
+                    <a:lstStyle/>
+                    <a:p>
+                      <a:pPr algn="r" fontAlgn="t"/>
+                      <a:r>
+                        <a:rPr lang="fr-FR" sz="1800" u="none" strike="noStrike" dirty="0">
+                          <a:effectLst/>
+                        </a:rPr>
+                        <a:t>6 454</a:t>
+                      </a:r>
+                      <a:endParaRPr lang="fr-FR" sz="1800" b="0" i="0" u="none" strike="noStrike" dirty="0">
+                        <a:solidFill>
+                          <a:srgbClr val="000000"/>
+                        </a:solidFill>
+                        <a:effectLst/>
+                        <a:latin typeface="Calibri" panose="020F0502020204030204" pitchFamily="34" charset="0"/>
+                      </a:endParaRPr>
+                    </a:p>
+                  </a:txBody>
+                  <a:tcPr marL="9525" marR="9525" marT="9525" marB="0"/>
+                </a:tc>
+                <a:extLst>
+                  <a:ext uri="{0D108BD9-81ED-4DB2-BD59-A6C34878D82A}">
+                    <a16:rowId xmlns:a16="http://schemas.microsoft.com/office/drawing/2014/main" val="2470006022"/>
+                  </a:ext>
+                </a:extLst>
+              </a:tr>
+            </a:tbl>
+          </a:graphicData>
+        </a:graphic>
+      </p:graphicFrame>
     </p:spTree>
+    <p:extLst>
+      <p:ext uri="{BB962C8B-B14F-4D97-AF65-F5344CB8AC3E}">
+        <p14:creationId xmlns:p14="http://schemas.microsoft.com/office/powerpoint/2010/main" val="1781783095"/>
+      </p:ext>
+    </p:extLst>
   </p:cSld>
   <p:clrMapOvr>
     <a:masterClrMapping/>
@@ -7310,10 +9721,10 @@
       </p:grpSpPr>
       <p:sp>
         <p:nvSpPr>
-          <p:cNvPr id="21506" name="Titre 1">
-            <a:extLst>
-              <a:ext uri="{FF2B5EF4-FFF2-40B4-BE49-F238E27FC236}">
-                <a16:creationId xmlns:a16="http://schemas.microsoft.com/office/drawing/2014/main" id="{077DAE59-662F-4B1C-A26C-17FDD3B594DE}"/>
+          <p:cNvPr id="19458" name="Titre 1">
+            <a:extLst>
+              <a:ext uri="{FF2B5EF4-FFF2-40B4-BE49-F238E27FC236}">
+                <a16:creationId xmlns:a16="http://schemas.microsoft.com/office/drawing/2014/main" id="{9A62F732-7BA2-40E4-B3A8-1542A4E4A2C5}"/>
               </a:ext>
             </a:extLst>
           </p:cNvPr>
@@ -7338,41 +9749,45 @@
             </a:br>
             <a:r>
               <a:rPr lang="fr-FR" altLang="fr-FR" dirty="0"/>
-              <a:t>Cas 2</a:t>
+              <a:t>Cas 1</a:t>
             </a:r>
           </a:p>
         </p:txBody>
       </p:sp>
       <p:pic>
         <p:nvPicPr>
-          <p:cNvPr id="2" name="Espace réservé du contenu 1">
-            <a:extLst>
-              <a:ext uri="{FF2B5EF4-FFF2-40B4-BE49-F238E27FC236}">
-                <a16:creationId xmlns:a16="http://schemas.microsoft.com/office/drawing/2014/main" id="{CF849990-167A-4399-A32D-23B28F1C3903}"/>
+          <p:cNvPr id="19459" name="Espace réservé du contenu 3">
+            <a:extLst>
+              <a:ext uri="{FF2B5EF4-FFF2-40B4-BE49-F238E27FC236}">
+                <a16:creationId xmlns:a16="http://schemas.microsoft.com/office/drawing/2014/main" id="{B82EC2E2-17F9-4ED9-94C1-08C6CD1EE9AB}"/>
               </a:ext>
             </a:extLst>
           </p:cNvPr>
           <p:cNvPicPr>
-            <a:picLocks noGrp="1" noChangeAspect="1"/>
+            <a:picLocks noGrp="1" noChangeAspect="1" noChangeArrowheads="1"/>
           </p:cNvPicPr>
           <p:nvPr>
             <p:ph idx="1"/>
           </p:nvPr>
         </p:nvPicPr>
         <p:blipFill>
-          <a:blip r:embed="rId2"/>
+          <a:blip r:embed="rId3">
+            <a:extLst>
+              <a:ext uri="{28A0092B-C50C-407E-A947-70E740481C1C}">
+                <a14:useLocalDpi xmlns:a14="http://schemas.microsoft.com/office/drawing/2010/main" val="0"/>
+              </a:ext>
+            </a:extLst>
+          </a:blip>
+          <a:srcRect/>
           <a:stretch>
             <a:fillRect/>
           </a:stretch>
         </p:blipFill>
         <p:spPr>
           <a:xfrm>
-            <a:off x="1801004" y="1825625"/>
-            <a:ext cx="8589991" cy="4351338"/>
+            <a:off x="3783013" y="277813"/>
+            <a:ext cx="6677025" cy="6254750"/>
           </a:xfrm>
-          <a:prstGeom prst="rect">
-            <a:avLst/>
-          </a:prstGeom>
         </p:spPr>
       </p:pic>
     </p:spTree>
@@ -7402,10 +9817,10 @@
       </p:grpSpPr>
       <p:sp>
         <p:nvSpPr>
-          <p:cNvPr id="22530" name="Titre 1">
-            <a:extLst>
-              <a:ext uri="{FF2B5EF4-FFF2-40B4-BE49-F238E27FC236}">
-                <a16:creationId xmlns:a16="http://schemas.microsoft.com/office/drawing/2014/main" id="{5424244D-AFAB-49B9-8D37-70751B423895}"/>
+          <p:cNvPr id="21506" name="Titre 1">
+            <a:extLst>
+              <a:ext uri="{FF2B5EF4-FFF2-40B4-BE49-F238E27FC236}">
+                <a16:creationId xmlns:a16="http://schemas.microsoft.com/office/drawing/2014/main" id="{077DAE59-662F-4B1C-A26C-17FDD3B594DE}"/>
               </a:ext>
             </a:extLst>
           </p:cNvPr>
@@ -7430,17 +9845,17 @@
             </a:br>
             <a:r>
               <a:rPr lang="fr-FR" altLang="fr-FR" dirty="0"/>
-              <a:t>Cas 3</a:t>
+              <a:t>Cas 2</a:t>
             </a:r>
           </a:p>
         </p:txBody>
       </p:sp>
       <p:pic>
         <p:nvPicPr>
-          <p:cNvPr id="5" name="Espace réservé du contenu 4">
-            <a:extLst>
-              <a:ext uri="{FF2B5EF4-FFF2-40B4-BE49-F238E27FC236}">
-                <a16:creationId xmlns:a16="http://schemas.microsoft.com/office/drawing/2014/main" id="{0BEEA3A4-5BD4-4697-9528-8D452158F9DA}"/>
+          <p:cNvPr id="2" name="Espace réservé du contenu 1">
+            <a:extLst>
+              <a:ext uri="{FF2B5EF4-FFF2-40B4-BE49-F238E27FC236}">
+                <a16:creationId xmlns:a16="http://schemas.microsoft.com/office/drawing/2014/main" id="{CF849990-167A-4399-A32D-23B28F1C3903}"/>
               </a:ext>
             </a:extLst>
           </p:cNvPr>
@@ -7452,15 +9867,15 @@
           </p:nvPr>
         </p:nvPicPr>
         <p:blipFill>
-          <a:blip r:embed="rId2"/>
+          <a:blip r:embed="rId3"/>
           <a:stretch>
             <a:fillRect/>
           </a:stretch>
         </p:blipFill>
         <p:spPr>
           <a:xfrm>
-            <a:off x="1770822" y="1825625"/>
-            <a:ext cx="8650355" cy="4351338"/>
+            <a:off x="1801004" y="1825625"/>
+            <a:ext cx="8589991" cy="4351338"/>
           </a:xfrm>
           <a:prstGeom prst="rect">
             <a:avLst/>
@@ -7494,10 +9909,10 @@
       </p:grpSpPr>
       <p:sp>
         <p:nvSpPr>
-          <p:cNvPr id="23554" name="Titre 1">
-            <a:extLst>
-              <a:ext uri="{FF2B5EF4-FFF2-40B4-BE49-F238E27FC236}">
-                <a16:creationId xmlns:a16="http://schemas.microsoft.com/office/drawing/2014/main" id="{E6AE1811-120A-450A-B23E-1565B900F728}"/>
+          <p:cNvPr id="22530" name="Titre 1">
+            <a:extLst>
+              <a:ext uri="{FF2B5EF4-FFF2-40B4-BE49-F238E27FC236}">
+                <a16:creationId xmlns:a16="http://schemas.microsoft.com/office/drawing/2014/main" id="{5424244D-AFAB-49B9-8D37-70751B423895}"/>
               </a:ext>
             </a:extLst>
           </p:cNvPr>
@@ -7513,66 +9928,52 @@
           <a:bodyPr/>
           <a:lstStyle/>
           <a:p>
-            <a:pPr algn="ctr"/>
-            <a:r>
+            <a:r>
+              <a:rPr lang="fr-FR" altLang="fr-FR" dirty="0" err="1"/>
+              <a:t>Kmeans</a:t>
+            </a:r>
+            <a:br>
               <a:rPr lang="fr-FR" altLang="fr-FR" dirty="0"/>
-              <a:t>Coefficients de silhouette</a:t>
-            </a:r>
-          </a:p>
-        </p:txBody>
-      </p:sp>
-      <p:sp>
-        <p:nvSpPr>
-          <p:cNvPr id="23555" name="Espace réservé du contenu 7">
-            <a:extLst>
-              <a:ext uri="{FF2B5EF4-FFF2-40B4-BE49-F238E27FC236}">
-                <a16:creationId xmlns:a16="http://schemas.microsoft.com/office/drawing/2014/main" id="{BBC4A3C6-19A5-473C-9B05-83CBD2D0FD67}"/>
-              </a:ext>
-            </a:extLst>
-          </p:cNvPr>
-          <p:cNvSpPr>
-            <a:spLocks noGrp="1" noChangeArrowheads="1"/>
-          </p:cNvSpPr>
+            </a:br>
+            <a:r>
+              <a:rPr lang="fr-FR" altLang="fr-FR" dirty="0"/>
+              <a:t>Cas 3</a:t>
+            </a:r>
+          </a:p>
+        </p:txBody>
+      </p:sp>
+      <p:pic>
+        <p:nvPicPr>
+          <p:cNvPr id="5" name="Espace réservé du contenu 4">
+            <a:extLst>
+              <a:ext uri="{FF2B5EF4-FFF2-40B4-BE49-F238E27FC236}">
+                <a16:creationId xmlns:a16="http://schemas.microsoft.com/office/drawing/2014/main" id="{0BEEA3A4-5BD4-4697-9528-8D452158F9DA}"/>
+              </a:ext>
+            </a:extLst>
+          </p:cNvPr>
+          <p:cNvPicPr>
+            <a:picLocks noGrp="1" noChangeAspect="1"/>
+          </p:cNvPicPr>
           <p:nvPr>
             <p:ph idx="1"/>
           </p:nvPr>
-        </p:nvSpPr>
-        <p:spPr/>
-        <p:txBody>
-          <a:bodyPr/>
-          <a:lstStyle/>
-          <a:p>
-            <a:pPr marL="0" indent="0" algn="ctr">
-              <a:buNone/>
-            </a:pPr>
-            <a:endParaRPr lang="fr-FR" altLang="fr-FR" dirty="0"/>
-          </a:p>
-          <a:p>
-            <a:pPr marL="0" indent="0" algn="ctr">
-              <a:buNone/>
-            </a:pPr>
-            <a:r>
-              <a:rPr lang="fr-FR" altLang="fr-FR" dirty="0"/>
-              <a:t>Le coefficient de silhouette doit permettre d’évaluer la forme des clusters trouvés par un algorithme de clustering non supervisé</a:t>
-            </a:r>
-          </a:p>
-          <a:p>
-            <a:pPr marL="0" indent="0">
-              <a:buNone/>
-            </a:pPr>
-            <a:endParaRPr lang="fr-FR" altLang="fr-FR" dirty="0"/>
-          </a:p>
-          <a:p>
-            <a:pPr marL="0" indent="0" algn="ctr">
-              <a:buNone/>
-            </a:pPr>
-            <a:r>
-              <a:rPr lang="fr-FR" altLang="fr-FR" dirty="0"/>
-              <a:t>Plus il sera proche de 1 plus les clusters seront denses et bien séparés</a:t>
-            </a:r>
-          </a:p>
-        </p:txBody>
-      </p:sp>
+        </p:nvPicPr>
+        <p:blipFill>
+          <a:blip r:embed="rId3"/>
+          <a:stretch>
+            <a:fillRect/>
+          </a:stretch>
+        </p:blipFill>
+        <p:spPr>
+          <a:xfrm>
+            <a:off x="1770822" y="1825625"/>
+            <a:ext cx="8650355" cy="4351338"/>
+          </a:xfrm>
+          <a:prstGeom prst="rect">
+            <a:avLst/>
+          </a:prstGeom>
+        </p:spPr>
+      </p:pic>
     </p:spTree>
   </p:cSld>
   <p:clrMapOvr>
@@ -7600,10 +10001,10 @@
       </p:grpSpPr>
       <p:sp>
         <p:nvSpPr>
-          <p:cNvPr id="25602" name="Titre 1">
-            <a:extLst>
-              <a:ext uri="{FF2B5EF4-FFF2-40B4-BE49-F238E27FC236}">
-                <a16:creationId xmlns:a16="http://schemas.microsoft.com/office/drawing/2014/main" id="{3F1E8E02-702C-4ABB-981B-77A3CFCDE6A3}"/>
+          <p:cNvPr id="23554" name="Titre 1">
+            <a:extLst>
+              <a:ext uri="{FF2B5EF4-FFF2-40B4-BE49-F238E27FC236}">
+                <a16:creationId xmlns:a16="http://schemas.microsoft.com/office/drawing/2014/main" id="{E6AE1811-120A-450A-B23E-1565B900F728}"/>
               </a:ext>
             </a:extLst>
           </p:cNvPr>
@@ -7619,49 +10020,66 @@
           <a:bodyPr/>
           <a:lstStyle/>
           <a:p>
-            <a:r>
-              <a:rPr lang="fr-FR" altLang="fr-FR"/>
-              <a:t>Cas 1</a:t>
-            </a:r>
-          </a:p>
-        </p:txBody>
-      </p:sp>
-      <p:pic>
-        <p:nvPicPr>
-          <p:cNvPr id="25603" name="Espace réservé du contenu 6">
-            <a:extLst>
-              <a:ext uri="{FF2B5EF4-FFF2-40B4-BE49-F238E27FC236}">
-                <a16:creationId xmlns:a16="http://schemas.microsoft.com/office/drawing/2014/main" id="{5A8B80BD-F7DB-49EF-8089-2F7541BAF647}"/>
-              </a:ext>
-            </a:extLst>
-          </p:cNvPr>
-          <p:cNvPicPr>
-            <a:picLocks noGrp="1" noChangeAspect="1" noChangeArrowheads="1"/>
-          </p:cNvPicPr>
+            <a:pPr algn="ctr"/>
+            <a:r>
+              <a:rPr lang="fr-FR" altLang="fr-FR" dirty="0"/>
+              <a:t>Coefficients de silhouette</a:t>
+            </a:r>
+          </a:p>
+        </p:txBody>
+      </p:sp>
+      <p:sp>
+        <p:nvSpPr>
+          <p:cNvPr id="23555" name="Espace réservé du contenu 7">
+            <a:extLst>
+              <a:ext uri="{FF2B5EF4-FFF2-40B4-BE49-F238E27FC236}">
+                <a16:creationId xmlns:a16="http://schemas.microsoft.com/office/drawing/2014/main" id="{BBC4A3C6-19A5-473C-9B05-83CBD2D0FD67}"/>
+              </a:ext>
+            </a:extLst>
+          </p:cNvPr>
+          <p:cNvSpPr>
+            <a:spLocks noGrp="1" noChangeArrowheads="1"/>
+          </p:cNvSpPr>
           <p:nvPr>
             <p:ph idx="1"/>
           </p:nvPr>
-        </p:nvPicPr>
-        <p:blipFill>
-          <a:blip r:embed="rId2">
-            <a:extLst>
-              <a:ext uri="{28A0092B-C50C-407E-A947-70E740481C1C}">
-                <a14:useLocalDpi xmlns:a14="http://schemas.microsoft.com/office/drawing/2010/main" val="0"/>
-              </a:ext>
-            </a:extLst>
-          </a:blip>
-          <a:srcRect/>
-          <a:stretch>
-            <a:fillRect/>
-          </a:stretch>
-        </p:blipFill>
-        <p:spPr>
-          <a:xfrm>
-            <a:off x="2054225" y="1825625"/>
-            <a:ext cx="8083550" cy="4351338"/>
-          </a:xfrm>
-        </p:spPr>
-      </p:pic>
+        </p:nvSpPr>
+        <p:spPr/>
+        <p:txBody>
+          <a:bodyPr/>
+          <a:lstStyle/>
+          <a:p>
+            <a:pPr marL="0" indent="0">
+              <a:buNone/>
+            </a:pPr>
+            <a:endParaRPr lang="fr-FR" altLang="fr-FR" dirty="0"/>
+          </a:p>
+          <a:p>
+            <a:pPr marL="0" indent="0">
+              <a:buNone/>
+            </a:pPr>
+            <a:r>
+              <a:rPr lang="fr-FR" altLang="fr-FR" dirty="0"/>
+              <a:t>Le coefficient de silhouette doit permettre d’évaluer la forme des clusters trouvés par un algorithme de clustering non supervisé</a:t>
+            </a:r>
+          </a:p>
+          <a:p>
+            <a:pPr marL="0" indent="0">
+              <a:buNone/>
+            </a:pPr>
+            <a:endParaRPr lang="fr-FR" altLang="fr-FR" dirty="0"/>
+          </a:p>
+          <a:p>
+            <a:pPr marL="0" indent="0">
+              <a:buNone/>
+            </a:pPr>
+            <a:r>
+              <a:rPr lang="fr-FR" altLang="fr-FR" dirty="0"/>
+              <a:t>Plus il sera proche de 1 plus les clusters seront denses et bien séparés</a:t>
+            </a:r>
+          </a:p>
+        </p:txBody>
+      </p:sp>
     </p:spTree>
   </p:cSld>
   <p:clrMapOvr>
@@ -7689,10 +10107,10 @@
       </p:grpSpPr>
       <p:sp>
         <p:nvSpPr>
-          <p:cNvPr id="26626" name="Titre 1">
-            <a:extLst>
-              <a:ext uri="{FF2B5EF4-FFF2-40B4-BE49-F238E27FC236}">
-                <a16:creationId xmlns:a16="http://schemas.microsoft.com/office/drawing/2014/main" id="{4A9ABC4C-1E7C-44E9-8E34-CEFCB969B176}"/>
+          <p:cNvPr id="25602" name="Titre 1">
+            <a:extLst>
+              <a:ext uri="{FF2B5EF4-FFF2-40B4-BE49-F238E27FC236}">
+                <a16:creationId xmlns:a16="http://schemas.microsoft.com/office/drawing/2014/main" id="{3F1E8E02-702C-4ABB-981B-77A3CFCDE6A3}"/>
               </a:ext>
             </a:extLst>
           </p:cNvPr>
@@ -7710,17 +10128,17 @@
           <a:p>
             <a:r>
               <a:rPr lang="fr-FR" altLang="fr-FR"/>
-              <a:t>Cas 2</a:t>
+              <a:t>Cas 1</a:t>
             </a:r>
           </a:p>
         </p:txBody>
       </p:sp>
       <p:pic>
         <p:nvPicPr>
-          <p:cNvPr id="26627" name="Espace réservé du contenu 5">
-            <a:extLst>
-              <a:ext uri="{FF2B5EF4-FFF2-40B4-BE49-F238E27FC236}">
-                <a16:creationId xmlns:a16="http://schemas.microsoft.com/office/drawing/2014/main" id="{5EDD23E8-A351-4888-877E-8C703A50B5B8}"/>
+          <p:cNvPr id="25603" name="Espace réservé du contenu 6">
+            <a:extLst>
+              <a:ext uri="{FF2B5EF4-FFF2-40B4-BE49-F238E27FC236}">
+                <a16:creationId xmlns:a16="http://schemas.microsoft.com/office/drawing/2014/main" id="{5A8B80BD-F7DB-49EF-8089-2F7541BAF647}"/>
               </a:ext>
             </a:extLst>
           </p:cNvPr>
@@ -7732,7 +10150,7 @@
           </p:nvPr>
         </p:nvPicPr>
         <p:blipFill>
-          <a:blip r:embed="rId2">
+          <a:blip r:embed="rId3">
             <a:extLst>
               <a:ext uri="{28A0092B-C50C-407E-A947-70E740481C1C}">
                 <a14:useLocalDpi xmlns:a14="http://schemas.microsoft.com/office/drawing/2010/main" val="0"/>
@@ -7746,8 +10164,8 @@
         </p:blipFill>
         <p:spPr>
           <a:xfrm>
-            <a:off x="2166938" y="1825625"/>
-            <a:ext cx="7858125" cy="4351338"/>
+            <a:off x="1803550" y="1690688"/>
+            <a:ext cx="8334225" cy="4486275"/>
           </a:xfrm>
         </p:spPr>
       </p:pic>
@@ -7778,10 +10196,10 @@
       </p:grpSpPr>
       <p:sp>
         <p:nvSpPr>
-          <p:cNvPr id="27650" name="Titre 1">
-            <a:extLst>
-              <a:ext uri="{FF2B5EF4-FFF2-40B4-BE49-F238E27FC236}">
-                <a16:creationId xmlns:a16="http://schemas.microsoft.com/office/drawing/2014/main" id="{EA4FC90E-6C64-4A42-BF7D-F35FE7C9916B}"/>
+          <p:cNvPr id="26626" name="Titre 1">
+            <a:extLst>
+              <a:ext uri="{FF2B5EF4-FFF2-40B4-BE49-F238E27FC236}">
+                <a16:creationId xmlns:a16="http://schemas.microsoft.com/office/drawing/2014/main" id="{4A9ABC4C-1E7C-44E9-8E34-CEFCB969B176}"/>
               </a:ext>
             </a:extLst>
           </p:cNvPr>
@@ -7799,17 +10217,17 @@
           <a:p>
             <a:r>
               <a:rPr lang="fr-FR" altLang="fr-FR"/>
-              <a:t>Cas 3</a:t>
+              <a:t>Cas 2</a:t>
             </a:r>
           </a:p>
         </p:txBody>
       </p:sp>
       <p:pic>
         <p:nvPicPr>
-          <p:cNvPr id="27651" name="Espace réservé du contenu 3">
-            <a:extLst>
-              <a:ext uri="{FF2B5EF4-FFF2-40B4-BE49-F238E27FC236}">
-                <a16:creationId xmlns:a16="http://schemas.microsoft.com/office/drawing/2014/main" id="{92D8B447-1DF5-43B9-9B4A-B76F2798C3BD}"/>
+          <p:cNvPr id="26627" name="Espace réservé du contenu 5">
+            <a:extLst>
+              <a:ext uri="{FF2B5EF4-FFF2-40B4-BE49-F238E27FC236}">
+                <a16:creationId xmlns:a16="http://schemas.microsoft.com/office/drawing/2014/main" id="{5EDD23E8-A351-4888-877E-8C703A50B5B8}"/>
               </a:ext>
             </a:extLst>
           </p:cNvPr>
@@ -7821,7 +10239,7 @@
           </p:nvPr>
         </p:nvPicPr>
         <p:blipFill>
-          <a:blip r:embed="rId2">
+          <a:blip r:embed="rId3">
             <a:extLst>
               <a:ext uri="{28A0092B-C50C-407E-A947-70E740481C1C}">
                 <a14:useLocalDpi xmlns:a14="http://schemas.microsoft.com/office/drawing/2010/main" val="0"/>
@@ -7835,8 +10253,8 @@
         </p:blipFill>
         <p:spPr>
           <a:xfrm>
-            <a:off x="2130425" y="1825625"/>
-            <a:ext cx="7931150" cy="4351338"/>
+            <a:off x="1689358" y="1561172"/>
+            <a:ext cx="8335705" cy="4615792"/>
           </a:xfrm>
         </p:spPr>
       </p:pic>
@@ -7985,10 +10403,10 @@
       </p:grpSpPr>
       <p:sp>
         <p:nvSpPr>
-          <p:cNvPr id="28674" name="Titre 1">
-            <a:extLst>
-              <a:ext uri="{FF2B5EF4-FFF2-40B4-BE49-F238E27FC236}">
-                <a16:creationId xmlns:a16="http://schemas.microsoft.com/office/drawing/2014/main" id="{FE118F35-2658-44D0-99E0-7AC5E80BDF6F}"/>
+          <p:cNvPr id="27650" name="Titre 1">
+            <a:extLst>
+              <a:ext uri="{FF2B5EF4-FFF2-40B4-BE49-F238E27FC236}">
+                <a16:creationId xmlns:a16="http://schemas.microsoft.com/office/drawing/2014/main" id="{EA4FC90E-6C64-4A42-BF7D-F35FE7C9916B}"/>
               </a:ext>
             </a:extLst>
           </p:cNvPr>
@@ -8006,17 +10424,17 @@
           <a:p>
             <a:r>
               <a:rPr lang="fr-FR" altLang="fr-FR"/>
-              <a:t>Uniquement sur les genres</a:t>
+              <a:t>Cas 3</a:t>
             </a:r>
           </a:p>
         </p:txBody>
       </p:sp>
       <p:pic>
         <p:nvPicPr>
-          <p:cNvPr id="28675" name="Espace réservé du contenu 3">
-            <a:extLst>
-              <a:ext uri="{FF2B5EF4-FFF2-40B4-BE49-F238E27FC236}">
-                <a16:creationId xmlns:a16="http://schemas.microsoft.com/office/drawing/2014/main" id="{6A88EF66-64B5-4524-9C90-34EF8839FAD3}"/>
+          <p:cNvPr id="27651" name="Espace réservé du contenu 3">
+            <a:extLst>
+              <a:ext uri="{FF2B5EF4-FFF2-40B4-BE49-F238E27FC236}">
+                <a16:creationId xmlns:a16="http://schemas.microsoft.com/office/drawing/2014/main" id="{92D8B447-1DF5-43B9-9B4A-B76F2798C3BD}"/>
               </a:ext>
             </a:extLst>
           </p:cNvPr>
@@ -8042,8 +10460,8 @@
         </p:blipFill>
         <p:spPr>
           <a:xfrm>
-            <a:off x="2165350" y="1825625"/>
-            <a:ext cx="7861300" cy="4351338"/>
+            <a:off x="1668732" y="1572322"/>
+            <a:ext cx="8392843" cy="4604641"/>
           </a:xfrm>
         </p:spPr>
       </p:pic>
@@ -8074,10 +10492,10 @@
       </p:grpSpPr>
       <p:sp>
         <p:nvSpPr>
-          <p:cNvPr id="29698" name="Titre 1">
-            <a:extLst>
-              <a:ext uri="{FF2B5EF4-FFF2-40B4-BE49-F238E27FC236}">
-                <a16:creationId xmlns:a16="http://schemas.microsoft.com/office/drawing/2014/main" id="{2ABEBA9F-3178-4FA6-983F-358B330AF177}"/>
+          <p:cNvPr id="28674" name="Titre 1">
+            <a:extLst>
+              <a:ext uri="{FF2B5EF4-FFF2-40B4-BE49-F238E27FC236}">
+                <a16:creationId xmlns:a16="http://schemas.microsoft.com/office/drawing/2014/main" id="{FE118F35-2658-44D0-99E0-7AC5E80BDF6F}"/>
               </a:ext>
             </a:extLst>
           </p:cNvPr>
@@ -8093,70 +10511,49 @@
           <a:bodyPr/>
           <a:lstStyle/>
           <a:p>
-            <a:pPr algn="ctr"/>
-            <a:r>
-              <a:rPr lang="fr-FR" altLang="fr-FR" dirty="0"/>
-              <a:t>Dendrogrammes</a:t>
-            </a:r>
-          </a:p>
-        </p:txBody>
-      </p:sp>
-      <p:sp>
-        <p:nvSpPr>
-          <p:cNvPr id="29699" name="Espace réservé du contenu 2">
-            <a:extLst>
-              <a:ext uri="{FF2B5EF4-FFF2-40B4-BE49-F238E27FC236}">
-                <a16:creationId xmlns:a16="http://schemas.microsoft.com/office/drawing/2014/main" id="{0FC786AD-19FE-4559-AF60-ECC78C2596A1}"/>
-              </a:ext>
-            </a:extLst>
-          </p:cNvPr>
-          <p:cNvSpPr>
-            <a:spLocks noGrp="1" noChangeArrowheads="1"/>
-          </p:cNvSpPr>
+            <a:r>
+              <a:rPr lang="fr-FR" altLang="fr-FR"/>
+              <a:t>Uniquement sur les genres</a:t>
+            </a:r>
+          </a:p>
+        </p:txBody>
+      </p:sp>
+      <p:pic>
+        <p:nvPicPr>
+          <p:cNvPr id="28675" name="Espace réservé du contenu 3">
+            <a:extLst>
+              <a:ext uri="{FF2B5EF4-FFF2-40B4-BE49-F238E27FC236}">
+                <a16:creationId xmlns:a16="http://schemas.microsoft.com/office/drawing/2014/main" id="{6A88EF66-64B5-4524-9C90-34EF8839FAD3}"/>
+              </a:ext>
+            </a:extLst>
+          </p:cNvPr>
+          <p:cNvPicPr>
+            <a:picLocks noGrp="1" noChangeAspect="1" noChangeArrowheads="1"/>
+          </p:cNvPicPr>
           <p:nvPr>
             <p:ph idx="1"/>
           </p:nvPr>
-        </p:nvSpPr>
-        <p:spPr/>
-        <p:txBody>
-          <a:bodyPr/>
-          <a:lstStyle/>
-          <a:p>
-            <a:r>
-              <a:rPr lang="fr-FR" altLang="fr-FR" dirty="0"/>
-              <a:t>On va vérifier qu’il n’y a pas de découpage en clusters évident</a:t>
-            </a:r>
-          </a:p>
-          <a:p>
-            <a:r>
-              <a:rPr lang="fr-FR" altLang="fr-FR" dirty="0"/>
-              <a:t>Méthode utilisée : clustering de Ward</a:t>
-            </a:r>
-          </a:p>
-          <a:p>
-            <a:r>
-              <a:rPr lang="fr-FR" altLang="fr-FR" dirty="0"/>
-              <a:t>Pas mieux avec les autres méthodes (single, </a:t>
-            </a:r>
-            <a:r>
-              <a:rPr lang="fr-FR" altLang="fr-FR" dirty="0" err="1"/>
-              <a:t>complete</a:t>
-            </a:r>
-            <a:r>
-              <a:rPr lang="fr-FR" altLang="fr-FR" dirty="0"/>
-              <a:t>, </a:t>
-            </a:r>
-            <a:r>
-              <a:rPr lang="fr-FR" altLang="fr-FR" dirty="0" err="1"/>
-              <a:t>average</a:t>
-            </a:r>
-            <a:r>
-              <a:rPr lang="fr-FR" altLang="fr-FR" dirty="0"/>
-              <a:t>…) </a:t>
-            </a:r>
-          </a:p>
-        </p:txBody>
-      </p:sp>
+        </p:nvPicPr>
+        <p:blipFill>
+          <a:blip r:embed="rId2">
+            <a:extLst>
+              <a:ext uri="{28A0092B-C50C-407E-A947-70E740481C1C}">
+                <a14:useLocalDpi xmlns:a14="http://schemas.microsoft.com/office/drawing/2010/main" val="0"/>
+              </a:ext>
+            </a:extLst>
+          </a:blip>
+          <a:srcRect/>
+          <a:stretch>
+            <a:fillRect/>
+          </a:stretch>
+        </p:blipFill>
+        <p:spPr>
+          <a:xfrm>
+            <a:off x="2165350" y="1825625"/>
+            <a:ext cx="7861300" cy="4351338"/>
+          </a:xfrm>
+        </p:spPr>
+      </p:pic>
     </p:spTree>
   </p:cSld>
   <p:clrMapOvr>
@@ -8184,10 +10581,10 @@
       </p:grpSpPr>
       <p:sp>
         <p:nvSpPr>
-          <p:cNvPr id="33794" name="Titre 1">
-            <a:extLst>
-              <a:ext uri="{FF2B5EF4-FFF2-40B4-BE49-F238E27FC236}">
-                <a16:creationId xmlns:a16="http://schemas.microsoft.com/office/drawing/2014/main" id="{20EE41D1-B5E4-4FB5-ACB7-C4F95FE03FF2}"/>
+          <p:cNvPr id="29698" name="Titre 1">
+            <a:extLst>
+              <a:ext uri="{FF2B5EF4-FFF2-40B4-BE49-F238E27FC236}">
+                <a16:creationId xmlns:a16="http://schemas.microsoft.com/office/drawing/2014/main" id="{2ABEBA9F-3178-4FA6-983F-358B330AF177}"/>
               </a:ext>
             </a:extLst>
           </p:cNvPr>
@@ -8206,47 +10603,67 @@
             <a:pPr algn="ctr"/>
             <a:r>
               <a:rPr lang="fr-FR" altLang="fr-FR" dirty="0"/>
-              <a:t>Cas 1 : Difficile de trancher</a:t>
-            </a:r>
-          </a:p>
-        </p:txBody>
-      </p:sp>
-      <p:pic>
-        <p:nvPicPr>
-          <p:cNvPr id="33795" name="Espace réservé du contenu 3">
-            <a:extLst>
-              <a:ext uri="{FF2B5EF4-FFF2-40B4-BE49-F238E27FC236}">
-                <a16:creationId xmlns:a16="http://schemas.microsoft.com/office/drawing/2014/main" id="{D77E55A6-8875-441A-A9C6-37983EF2FB82}"/>
-              </a:ext>
-            </a:extLst>
-          </p:cNvPr>
-          <p:cNvPicPr>
-            <a:picLocks noGrp="1" noChangeAspect="1" noChangeArrowheads="1"/>
-          </p:cNvPicPr>
+              <a:t>Dendrogrammes</a:t>
+            </a:r>
+          </a:p>
+        </p:txBody>
+      </p:sp>
+      <p:sp>
+        <p:nvSpPr>
+          <p:cNvPr id="29699" name="Espace réservé du contenu 2">
+            <a:extLst>
+              <a:ext uri="{FF2B5EF4-FFF2-40B4-BE49-F238E27FC236}">
+                <a16:creationId xmlns:a16="http://schemas.microsoft.com/office/drawing/2014/main" id="{0FC786AD-19FE-4559-AF60-ECC78C2596A1}"/>
+              </a:ext>
+            </a:extLst>
+          </p:cNvPr>
+          <p:cNvSpPr>
+            <a:spLocks noGrp="1" noChangeArrowheads="1"/>
+          </p:cNvSpPr>
           <p:nvPr>
             <p:ph idx="1"/>
           </p:nvPr>
-        </p:nvPicPr>
-        <p:blipFill>
-          <a:blip r:embed="rId2">
-            <a:extLst>
-              <a:ext uri="{28A0092B-C50C-407E-A947-70E740481C1C}">
-                <a14:useLocalDpi xmlns:a14="http://schemas.microsoft.com/office/drawing/2010/main" val="0"/>
-              </a:ext>
-            </a:extLst>
-          </a:blip>
-          <a:srcRect/>
-          <a:stretch>
-            <a:fillRect/>
-          </a:stretch>
-        </p:blipFill>
-        <p:spPr>
-          <a:xfrm>
-            <a:off x="1995488" y="1825625"/>
-            <a:ext cx="8201025" cy="4351338"/>
-          </a:xfrm>
-        </p:spPr>
-      </p:pic>
+        </p:nvSpPr>
+        <p:spPr/>
+        <p:txBody>
+          <a:bodyPr/>
+          <a:lstStyle/>
+          <a:p>
+            <a:r>
+              <a:rPr lang="fr-FR" altLang="fr-FR" dirty="0"/>
+              <a:t>On va vérifier qu’il n’y a pas de découpage en clusters évident</a:t>
+            </a:r>
+          </a:p>
+          <a:p>
+            <a:r>
+              <a:rPr lang="fr-FR" altLang="fr-FR" dirty="0"/>
+              <a:t>Méthode utilisée : clustering de Ward</a:t>
+            </a:r>
+          </a:p>
+          <a:p>
+            <a:r>
+              <a:rPr lang="fr-FR" altLang="fr-FR" dirty="0"/>
+              <a:t>Pas mieux avec les autres méthodes (single, </a:t>
+            </a:r>
+            <a:r>
+              <a:rPr lang="fr-FR" altLang="fr-FR" dirty="0" err="1"/>
+              <a:t>complete</a:t>
+            </a:r>
+            <a:r>
+              <a:rPr lang="fr-FR" altLang="fr-FR" dirty="0"/>
+              <a:t>, </a:t>
+            </a:r>
+            <a:r>
+              <a:rPr lang="fr-FR" altLang="fr-FR" dirty="0" err="1"/>
+              <a:t>average</a:t>
+            </a:r>
+            <a:r>
+              <a:rPr lang="fr-FR" altLang="fr-FR" dirty="0"/>
+              <a:t>…) </a:t>
+            </a:r>
+          </a:p>
+        </p:txBody>
+      </p:sp>
     </p:spTree>
   </p:cSld>
   <p:clrMapOvr>
@@ -8274,10 +10691,10 @@
       </p:grpSpPr>
       <p:sp>
         <p:nvSpPr>
-          <p:cNvPr id="34818" name="Titre 1">
-            <a:extLst>
-              <a:ext uri="{FF2B5EF4-FFF2-40B4-BE49-F238E27FC236}">
-                <a16:creationId xmlns:a16="http://schemas.microsoft.com/office/drawing/2014/main" id="{01604B64-58F1-47B7-8E07-DBD7E5694D7E}"/>
+          <p:cNvPr id="33794" name="Titre 1">
+            <a:extLst>
+              <a:ext uri="{FF2B5EF4-FFF2-40B4-BE49-F238E27FC236}">
+                <a16:creationId xmlns:a16="http://schemas.microsoft.com/office/drawing/2014/main" id="{20EE41D1-B5E4-4FB5-ACB7-C4F95FE03FF2}"/>
               </a:ext>
             </a:extLst>
           </p:cNvPr>
@@ -8296,17 +10713,17 @@
             <a:pPr algn="ctr"/>
             <a:r>
               <a:rPr lang="fr-FR" altLang="fr-FR" dirty="0"/>
-              <a:t>Cas 2 : Pas mieux</a:t>
+              <a:t>Cas 1 : Difficile de trancher</a:t>
             </a:r>
           </a:p>
         </p:txBody>
       </p:sp>
       <p:pic>
         <p:nvPicPr>
-          <p:cNvPr id="34819" name="Espace réservé du contenu 3">
-            <a:extLst>
-              <a:ext uri="{FF2B5EF4-FFF2-40B4-BE49-F238E27FC236}">
-                <a16:creationId xmlns:a16="http://schemas.microsoft.com/office/drawing/2014/main" id="{F8EACCAA-0DAA-45AE-B0A0-0202033BEEB9}"/>
+          <p:cNvPr id="33795" name="Espace réservé du contenu 3">
+            <a:extLst>
+              <a:ext uri="{FF2B5EF4-FFF2-40B4-BE49-F238E27FC236}">
+                <a16:creationId xmlns:a16="http://schemas.microsoft.com/office/drawing/2014/main" id="{D77E55A6-8875-441A-A9C6-37983EF2FB82}"/>
               </a:ext>
             </a:extLst>
           </p:cNvPr>
@@ -8332,8 +10749,8 @@
         </p:blipFill>
         <p:spPr>
           <a:xfrm>
-            <a:off x="2071688" y="1825625"/>
-            <a:ext cx="8048625" cy="4351338"/>
+            <a:off x="1995488" y="1825625"/>
+            <a:ext cx="8201025" cy="4351338"/>
           </a:xfrm>
         </p:spPr>
       </p:pic>
@@ -8364,10 +10781,10 @@
       </p:grpSpPr>
       <p:sp>
         <p:nvSpPr>
-          <p:cNvPr id="35842" name="Titre 1">
-            <a:extLst>
-              <a:ext uri="{FF2B5EF4-FFF2-40B4-BE49-F238E27FC236}">
-                <a16:creationId xmlns:a16="http://schemas.microsoft.com/office/drawing/2014/main" id="{96CC4F1D-1A02-4934-AEA5-A9E3BFF0C744}"/>
+          <p:cNvPr id="34818" name="Titre 1">
+            <a:extLst>
+              <a:ext uri="{FF2B5EF4-FFF2-40B4-BE49-F238E27FC236}">
+                <a16:creationId xmlns:a16="http://schemas.microsoft.com/office/drawing/2014/main" id="{01604B64-58F1-47B7-8E07-DBD7E5694D7E}"/>
               </a:ext>
             </a:extLst>
           </p:cNvPr>
@@ -8386,17 +10803,17 @@
             <a:pPr algn="ctr"/>
             <a:r>
               <a:rPr lang="fr-FR" altLang="fr-FR" dirty="0"/>
-              <a:t>Cas 3 : Encore pire</a:t>
+              <a:t>Cas 2 : Pas mieux</a:t>
             </a:r>
           </a:p>
         </p:txBody>
       </p:sp>
       <p:pic>
         <p:nvPicPr>
-          <p:cNvPr id="35843" name="Espace réservé du contenu 3">
-            <a:extLst>
-              <a:ext uri="{FF2B5EF4-FFF2-40B4-BE49-F238E27FC236}">
-                <a16:creationId xmlns:a16="http://schemas.microsoft.com/office/drawing/2014/main" id="{BEA34C67-7A43-4727-848F-7C5DD5BD3C94}"/>
+          <p:cNvPr id="34819" name="Espace réservé du contenu 3">
+            <a:extLst>
+              <a:ext uri="{FF2B5EF4-FFF2-40B4-BE49-F238E27FC236}">
+                <a16:creationId xmlns:a16="http://schemas.microsoft.com/office/drawing/2014/main" id="{F8EACCAA-0DAA-45AE-B0A0-0202033BEEB9}"/>
               </a:ext>
             </a:extLst>
           </p:cNvPr>
@@ -8422,8 +10839,8 @@
         </p:blipFill>
         <p:spPr>
           <a:xfrm>
-            <a:off x="1992313" y="1825625"/>
-            <a:ext cx="8207375" cy="4351338"/>
+            <a:off x="2071688" y="1825625"/>
+            <a:ext cx="8048625" cy="4351338"/>
           </a:xfrm>
         </p:spPr>
       </p:pic>
@@ -8454,10 +10871,10 @@
       </p:grpSpPr>
       <p:sp>
         <p:nvSpPr>
-          <p:cNvPr id="36866" name="Titre 1">
-            <a:extLst>
-              <a:ext uri="{FF2B5EF4-FFF2-40B4-BE49-F238E27FC236}">
-                <a16:creationId xmlns:a16="http://schemas.microsoft.com/office/drawing/2014/main" id="{8A2B7A7E-C142-4967-8F38-DDE5B742654A}"/>
+          <p:cNvPr id="35842" name="Titre 1">
+            <a:extLst>
+              <a:ext uri="{FF2B5EF4-FFF2-40B4-BE49-F238E27FC236}">
+                <a16:creationId xmlns:a16="http://schemas.microsoft.com/office/drawing/2014/main" id="{96CC4F1D-1A02-4934-AEA5-A9E3BFF0C744}"/>
               </a:ext>
             </a:extLst>
           </p:cNvPr>
@@ -8476,25 +10893,17 @@
             <a:pPr algn="ctr"/>
             <a:r>
               <a:rPr lang="fr-FR" altLang="fr-FR" dirty="0"/>
-              <a:t>Avec la métrique </a:t>
-            </a:r>
-            <a:r>
-              <a:rPr lang="fr-FR" altLang="fr-FR" dirty="0" err="1"/>
-              <a:t>average</a:t>
-            </a:r>
-            <a:r>
-              <a:rPr lang="fr-FR" altLang="fr-FR" dirty="0"/>
-              <a:t> cas 1</a:t>
+              <a:t>Cas 3 : Encore pire</a:t>
             </a:r>
           </a:p>
         </p:txBody>
       </p:sp>
       <p:pic>
         <p:nvPicPr>
-          <p:cNvPr id="36867" name="Espace réservé du contenu 6">
-            <a:extLst>
-              <a:ext uri="{FF2B5EF4-FFF2-40B4-BE49-F238E27FC236}">
-                <a16:creationId xmlns:a16="http://schemas.microsoft.com/office/drawing/2014/main" id="{9C499DE9-79DC-46FB-B290-69FD2311810F}"/>
+          <p:cNvPr id="35843" name="Espace réservé du contenu 3">
+            <a:extLst>
+              <a:ext uri="{FF2B5EF4-FFF2-40B4-BE49-F238E27FC236}">
+                <a16:creationId xmlns:a16="http://schemas.microsoft.com/office/drawing/2014/main" id="{BEA34C67-7A43-4727-848F-7C5DD5BD3C94}"/>
               </a:ext>
             </a:extLst>
           </p:cNvPr>
@@ -8520,8 +10929,8 @@
         </p:blipFill>
         <p:spPr>
           <a:xfrm>
-            <a:off x="2092325" y="1825625"/>
-            <a:ext cx="8007350" cy="4351338"/>
+            <a:off x="1992313" y="1825625"/>
+            <a:ext cx="8207375" cy="4351338"/>
           </a:xfrm>
         </p:spPr>
       </p:pic>
@@ -8552,10 +10961,10 @@
       </p:grpSpPr>
       <p:sp>
         <p:nvSpPr>
-          <p:cNvPr id="37890" name="Titre 1">
-            <a:extLst>
-              <a:ext uri="{FF2B5EF4-FFF2-40B4-BE49-F238E27FC236}">
-                <a16:creationId xmlns:a16="http://schemas.microsoft.com/office/drawing/2014/main" id="{D4F45EB5-974A-44DA-9281-DE0F6CD9BA5C}"/>
+          <p:cNvPr id="36866" name="Titre 1">
+            <a:extLst>
+              <a:ext uri="{FF2B5EF4-FFF2-40B4-BE49-F238E27FC236}">
+                <a16:creationId xmlns:a16="http://schemas.microsoft.com/office/drawing/2014/main" id="{8A2B7A7E-C142-4967-8F38-DDE5B742654A}"/>
               </a:ext>
             </a:extLst>
           </p:cNvPr>
@@ -8582,17 +10991,17 @@
             </a:r>
             <a:r>
               <a:rPr lang="fr-FR" altLang="fr-FR" dirty="0"/>
-              <a:t> cas 2</a:t>
+              <a:t> cas 1</a:t>
             </a:r>
           </a:p>
         </p:txBody>
       </p:sp>
       <p:pic>
         <p:nvPicPr>
-          <p:cNvPr id="37891" name="Espace réservé du contenu 5">
-            <a:extLst>
-              <a:ext uri="{FF2B5EF4-FFF2-40B4-BE49-F238E27FC236}">
-                <a16:creationId xmlns:a16="http://schemas.microsoft.com/office/drawing/2014/main" id="{B095525D-BAAA-47FF-8A6B-2507C9028315}"/>
+          <p:cNvPr id="36867" name="Espace réservé du contenu 6">
+            <a:extLst>
+              <a:ext uri="{FF2B5EF4-FFF2-40B4-BE49-F238E27FC236}">
+                <a16:creationId xmlns:a16="http://schemas.microsoft.com/office/drawing/2014/main" id="{9C499DE9-79DC-46FB-B290-69FD2311810F}"/>
               </a:ext>
             </a:extLst>
           </p:cNvPr>
@@ -8618,8 +11027,8 @@
         </p:blipFill>
         <p:spPr>
           <a:xfrm>
-            <a:off x="2200275" y="1825625"/>
-            <a:ext cx="7791450" cy="4351338"/>
+            <a:off x="2092325" y="1825625"/>
+            <a:ext cx="8007350" cy="4351338"/>
           </a:xfrm>
         </p:spPr>
       </p:pic>
@@ -8650,10 +11059,10 @@
       </p:grpSpPr>
       <p:sp>
         <p:nvSpPr>
-          <p:cNvPr id="38914" name="Titre 1">
-            <a:extLst>
-              <a:ext uri="{FF2B5EF4-FFF2-40B4-BE49-F238E27FC236}">
-                <a16:creationId xmlns:a16="http://schemas.microsoft.com/office/drawing/2014/main" id="{E7482E24-7CAF-46F1-917C-C339CE0CBF57}"/>
+          <p:cNvPr id="37890" name="Titre 1">
+            <a:extLst>
+              <a:ext uri="{FF2B5EF4-FFF2-40B4-BE49-F238E27FC236}">
+                <a16:creationId xmlns:a16="http://schemas.microsoft.com/office/drawing/2014/main" id="{D4F45EB5-974A-44DA-9281-DE0F6CD9BA5C}"/>
               </a:ext>
             </a:extLst>
           </p:cNvPr>
@@ -8672,77 +11081,55 @@
             <a:pPr algn="ctr"/>
             <a:r>
               <a:rPr lang="fr-FR" altLang="fr-FR" dirty="0"/>
-              <a:t>Distances</a:t>
-            </a:r>
-          </a:p>
-        </p:txBody>
-      </p:sp>
-      <p:sp>
-        <p:nvSpPr>
-          <p:cNvPr id="38915" name="Espace réservé du contenu 2">
-            <a:extLst>
-              <a:ext uri="{FF2B5EF4-FFF2-40B4-BE49-F238E27FC236}">
-                <a16:creationId xmlns:a16="http://schemas.microsoft.com/office/drawing/2014/main" id="{7159C0EE-4269-4C23-8B01-60279563C301}"/>
-              </a:ext>
-            </a:extLst>
-          </p:cNvPr>
-          <p:cNvSpPr>
-            <a:spLocks noGrp="1" noChangeArrowheads="1"/>
-          </p:cNvSpPr>
+              <a:t>Avec la métrique </a:t>
+            </a:r>
+            <a:r>
+              <a:rPr lang="fr-FR" altLang="fr-FR" dirty="0" err="1"/>
+              <a:t>average</a:t>
+            </a:r>
+            <a:r>
+              <a:rPr lang="fr-FR" altLang="fr-FR" dirty="0"/>
+              <a:t> cas 2</a:t>
+            </a:r>
+          </a:p>
+        </p:txBody>
+      </p:sp>
+      <p:pic>
+        <p:nvPicPr>
+          <p:cNvPr id="37891" name="Espace réservé du contenu 5">
+            <a:extLst>
+              <a:ext uri="{FF2B5EF4-FFF2-40B4-BE49-F238E27FC236}">
+                <a16:creationId xmlns:a16="http://schemas.microsoft.com/office/drawing/2014/main" id="{B095525D-BAAA-47FF-8A6B-2507C9028315}"/>
+              </a:ext>
+            </a:extLst>
+          </p:cNvPr>
+          <p:cNvPicPr>
+            <a:picLocks noGrp="1" noChangeAspect="1" noChangeArrowheads="1"/>
+          </p:cNvPicPr>
           <p:nvPr>
             <p:ph idx="1"/>
           </p:nvPr>
-        </p:nvSpPr>
-        <p:spPr/>
-        <p:txBody>
-          <a:bodyPr/>
-          <a:lstStyle/>
-          <a:p>
-            <a:pPr marL="0" indent="0">
-              <a:buFont typeface="Arial" panose="020B0604020202020204" pitchFamily="34" charset="0"/>
-              <a:buNone/>
-            </a:pPr>
-            <a:r>
-              <a:rPr lang="fr-FR" altLang="fr-FR"/>
-              <a:t>Le clustering ne permet pas de créer des groupes à partir de la base de films. Mais recommander c’est surtout trouver des éléments proches.</a:t>
-            </a:r>
-          </a:p>
-          <a:p>
-            <a:pPr marL="0" indent="0">
-              <a:buFont typeface="Arial" panose="020B0604020202020204" pitchFamily="34" charset="0"/>
-              <a:buNone/>
-            </a:pPr>
-            <a:endParaRPr lang="fr-FR" altLang="fr-FR"/>
-          </a:p>
-          <a:p>
-            <a:pPr marL="0" indent="0">
-              <a:buFont typeface="Arial" panose="020B0604020202020204" pitchFamily="34" charset="0"/>
-              <a:buNone/>
-            </a:pPr>
-            <a:r>
-              <a:rPr lang="fr-FR" altLang="fr-FR"/>
-              <a:t>On va donc calculer la distance entre chaque élément</a:t>
-            </a:r>
-          </a:p>
-          <a:p>
-            <a:pPr marL="0" indent="0">
-              <a:buFont typeface="Arial" panose="020B0604020202020204" pitchFamily="34" charset="0"/>
-              <a:buNone/>
-            </a:pPr>
-            <a:endParaRPr lang="fr-FR" altLang="fr-FR"/>
-          </a:p>
-          <a:p>
-            <a:pPr marL="0" indent="0">
-              <a:buFont typeface="Arial" panose="020B0604020202020204" pitchFamily="34" charset="0"/>
-              <a:buNone/>
-            </a:pPr>
-            <a:r>
-              <a:rPr lang="fr-FR" altLang="fr-FR"/>
-              <a:t>Puis pour chaque film lister les plus proches voisins qui serviront à la recommandation</a:t>
-            </a:r>
-          </a:p>
-        </p:txBody>
-      </p:sp>
+        </p:nvPicPr>
+        <p:blipFill>
+          <a:blip r:embed="rId2">
+            <a:extLst>
+              <a:ext uri="{28A0092B-C50C-407E-A947-70E740481C1C}">
+                <a14:useLocalDpi xmlns:a14="http://schemas.microsoft.com/office/drawing/2010/main" val="0"/>
+              </a:ext>
+            </a:extLst>
+          </a:blip>
+          <a:srcRect/>
+          <a:stretch>
+            <a:fillRect/>
+          </a:stretch>
+        </p:blipFill>
+        <p:spPr>
+          <a:xfrm>
+            <a:off x="2200275" y="1825625"/>
+            <a:ext cx="7791450" cy="4351338"/>
+          </a:xfrm>
+        </p:spPr>
+      </p:pic>
     </p:spTree>
   </p:cSld>
   <p:clrMapOvr>
@@ -8770,10 +11157,10 @@
       </p:grpSpPr>
       <p:sp>
         <p:nvSpPr>
-          <p:cNvPr id="39938" name="Titre 1">
-            <a:extLst>
-              <a:ext uri="{FF2B5EF4-FFF2-40B4-BE49-F238E27FC236}">
-                <a16:creationId xmlns:a16="http://schemas.microsoft.com/office/drawing/2014/main" id="{67487752-27E9-422F-90E7-D0173AD69F0D}"/>
+          <p:cNvPr id="38914" name="Titre 1">
+            <a:extLst>
+              <a:ext uri="{FF2B5EF4-FFF2-40B4-BE49-F238E27FC236}">
+                <a16:creationId xmlns:a16="http://schemas.microsoft.com/office/drawing/2014/main" id="{E7482E24-7CAF-46F1-917C-C339CE0CBF57}"/>
               </a:ext>
             </a:extLst>
           </p:cNvPr>
@@ -8792,22 +11179,22 @@
             <a:pPr algn="ctr"/>
             <a:r>
               <a:rPr lang="fr-FR" altLang="fr-FR" dirty="0"/>
-              <a:t>Quelle méthode ?</a:t>
-            </a:r>
-          </a:p>
-        </p:txBody>
-      </p:sp>
-      <p:sp>
-        <p:nvSpPr>
-          <p:cNvPr id="3" name="Espace réservé du contenu 2">
-            <a:extLst>
-              <a:ext uri="{FF2B5EF4-FFF2-40B4-BE49-F238E27FC236}">
-                <a16:creationId xmlns:a16="http://schemas.microsoft.com/office/drawing/2014/main" id="{41DDAAA2-19A0-4CCA-A2CA-E4C2EF052A22}"/>
-              </a:ext>
-            </a:extLst>
-          </p:cNvPr>
-          <p:cNvSpPr>
-            <a:spLocks noGrp="1"/>
+              <a:t>Distances</a:t>
+            </a:r>
+          </a:p>
+        </p:txBody>
+      </p:sp>
+      <p:sp>
+        <p:nvSpPr>
+          <p:cNvPr id="38915" name="Espace réservé du contenu 2">
+            <a:extLst>
+              <a:ext uri="{FF2B5EF4-FFF2-40B4-BE49-F238E27FC236}">
+                <a16:creationId xmlns:a16="http://schemas.microsoft.com/office/drawing/2014/main" id="{7159C0EE-4269-4C23-8B01-60279563C301}"/>
+              </a:ext>
+            </a:extLst>
+          </p:cNvPr>
+          <p:cNvSpPr>
+            <a:spLocks noGrp="1" noChangeArrowheads="1"/>
           </p:cNvSpPr>
           <p:nvPr>
             <p:ph idx="1"/>
@@ -8815,103 +11202,50 @@
         </p:nvSpPr>
         <p:spPr/>
         <p:txBody>
-          <a:bodyPr rtlCol="0">
-            <a:normAutofit/>
-          </a:bodyPr>
+          <a:bodyPr/>
           <a:lstStyle/>
           <a:p>
-            <a:pPr marL="0" indent="0" fontAlgn="auto">
-              <a:spcAft>
-                <a:spcPts val="0"/>
-              </a:spcAft>
+            <a:pPr marL="0" indent="0">
               <a:buFont typeface="Arial" panose="020B0604020202020204" pitchFamily="34" charset="0"/>
               <a:buNone/>
-              <a:defRPr/>
-            </a:pPr>
-            <a:r>
-              <a:rPr lang="fr-FR" dirty="0"/>
-              <a:t>Différentes distances:</a:t>
-            </a:r>
-          </a:p>
-          <a:p>
-            <a:pPr fontAlgn="auto">
-              <a:spcAft>
-                <a:spcPts val="0"/>
-              </a:spcAft>
-              <a:defRPr/>
-            </a:pPr>
-            <a:r>
-              <a:rPr lang="fr-FR" dirty="0" err="1"/>
-              <a:t>Cosine</a:t>
-            </a:r>
-            <a:r>
-              <a:rPr lang="fr-FR" dirty="0"/>
-              <a:t> </a:t>
-            </a:r>
-            <a:r>
-              <a:rPr lang="fr-FR" dirty="0" err="1"/>
-              <a:t>similarity</a:t>
-            </a:r>
-            <a:r>
-              <a:rPr lang="fr-FR" dirty="0"/>
-              <a:t> (cosinus de l’angle entre 2 vecteurs)</a:t>
-            </a:r>
-          </a:p>
-          <a:p>
-            <a:pPr fontAlgn="auto">
-              <a:spcAft>
-                <a:spcPts val="0"/>
-              </a:spcAft>
-              <a:defRPr/>
-            </a:pPr>
-            <a:r>
-              <a:rPr lang="fr-FR" dirty="0" err="1"/>
-              <a:t>Linear</a:t>
-            </a:r>
-            <a:endParaRPr lang="fr-FR" dirty="0"/>
-          </a:p>
-          <a:p>
-            <a:pPr fontAlgn="auto">
-              <a:spcAft>
-                <a:spcPts val="0"/>
-              </a:spcAft>
-              <a:defRPr/>
-            </a:pPr>
-            <a:r>
-              <a:rPr lang="fr-FR" dirty="0"/>
-              <a:t>Chi2</a:t>
-            </a:r>
-          </a:p>
-          <a:p>
-            <a:pPr fontAlgn="auto">
-              <a:spcAft>
-                <a:spcPts val="0"/>
-              </a:spcAft>
-              <a:defRPr/>
-            </a:pPr>
-            <a:r>
-              <a:rPr lang="fr-FR" dirty="0"/>
-              <a:t>Gower (Manhattan pour les numériques, </a:t>
-            </a:r>
-            <a:r>
-              <a:rPr lang="fr-FR" dirty="0" err="1"/>
-              <a:t>Dice</a:t>
-            </a:r>
-            <a:r>
-              <a:rPr lang="fr-FR" dirty="0"/>
-              <a:t> sinon)</a:t>
-            </a:r>
-          </a:p>
-          <a:p>
-            <a:pPr fontAlgn="auto">
-              <a:spcAft>
-                <a:spcPts val="0"/>
-              </a:spcAft>
-              <a:defRPr/>
-            </a:pPr>
-            <a:r>
-              <a:rPr lang="fr-FR" dirty="0"/>
-              <a:t>…</a:t>
+            </a:pPr>
+            <a:r>
+              <a:rPr lang="fr-FR" altLang="fr-FR"/>
+              <a:t>Le clustering ne permet pas de créer des groupes à partir de la base de films. Mais recommander c’est surtout trouver des éléments proches.</a:t>
+            </a:r>
+          </a:p>
+          <a:p>
+            <a:pPr marL="0" indent="0">
+              <a:buFont typeface="Arial" panose="020B0604020202020204" pitchFamily="34" charset="0"/>
+              <a:buNone/>
+            </a:pPr>
+            <a:endParaRPr lang="fr-FR" altLang="fr-FR"/>
+          </a:p>
+          <a:p>
+            <a:pPr marL="0" indent="0">
+              <a:buFont typeface="Arial" panose="020B0604020202020204" pitchFamily="34" charset="0"/>
+              <a:buNone/>
+            </a:pPr>
+            <a:r>
+              <a:rPr lang="fr-FR" altLang="fr-FR"/>
+              <a:t>On va donc calculer la distance entre chaque élément</a:t>
+            </a:r>
+          </a:p>
+          <a:p>
+            <a:pPr marL="0" indent="0">
+              <a:buFont typeface="Arial" panose="020B0604020202020204" pitchFamily="34" charset="0"/>
+              <a:buNone/>
+            </a:pPr>
+            <a:endParaRPr lang="fr-FR" altLang="fr-FR"/>
+          </a:p>
+          <a:p>
+            <a:pPr marL="0" indent="0">
+              <a:buFont typeface="Arial" panose="020B0604020202020204" pitchFamily="34" charset="0"/>
+              <a:buNone/>
+            </a:pPr>
+            <a:r>
+              <a:rPr lang="fr-FR" altLang="fr-FR"/>
+              <a:t>Puis pour chaque film lister les plus proches voisins qui serviront à la recommandation</a:t>
             </a:r>
           </a:p>
         </p:txBody>
@@ -8943,10 +11277,10 @@
       </p:grpSpPr>
       <p:sp>
         <p:nvSpPr>
-          <p:cNvPr id="40962" name="Titre 1">
-            <a:extLst>
-              <a:ext uri="{FF2B5EF4-FFF2-40B4-BE49-F238E27FC236}">
-                <a16:creationId xmlns:a16="http://schemas.microsoft.com/office/drawing/2014/main" id="{31661799-8EF3-4225-822B-9ECBC37FAB0C}"/>
+          <p:cNvPr id="39938" name="Titre 1">
+            <a:extLst>
+              <a:ext uri="{FF2B5EF4-FFF2-40B4-BE49-F238E27FC236}">
+                <a16:creationId xmlns:a16="http://schemas.microsoft.com/office/drawing/2014/main" id="{67487752-27E9-422F-90E7-D0173AD69F0D}"/>
               </a:ext>
             </a:extLst>
           </p:cNvPr>
@@ -8965,22 +11299,22 @@
             <a:pPr algn="ctr"/>
             <a:r>
               <a:rPr lang="fr-FR" altLang="fr-FR" dirty="0"/>
-              <a:t>Vérification</a:t>
-            </a:r>
-          </a:p>
-        </p:txBody>
-      </p:sp>
-      <p:sp>
-        <p:nvSpPr>
-          <p:cNvPr id="40963" name="Espace réservé du contenu 2">
-            <a:extLst>
-              <a:ext uri="{FF2B5EF4-FFF2-40B4-BE49-F238E27FC236}">
-                <a16:creationId xmlns:a16="http://schemas.microsoft.com/office/drawing/2014/main" id="{5CE43F0F-96B4-4299-8D76-04CCC8CCCFA2}"/>
-              </a:ext>
-            </a:extLst>
-          </p:cNvPr>
-          <p:cNvSpPr>
-            <a:spLocks noGrp="1" noChangeArrowheads="1"/>
+              <a:t>Quelle méthode ? Quelle distance ?</a:t>
+            </a:r>
+          </a:p>
+        </p:txBody>
+      </p:sp>
+      <p:sp>
+        <p:nvSpPr>
+          <p:cNvPr id="3" name="Espace réservé du contenu 2">
+            <a:extLst>
+              <a:ext uri="{FF2B5EF4-FFF2-40B4-BE49-F238E27FC236}">
+                <a16:creationId xmlns:a16="http://schemas.microsoft.com/office/drawing/2014/main" id="{41DDAAA2-19A0-4CCA-A2CA-E4C2EF052A22}"/>
+              </a:ext>
+            </a:extLst>
+          </p:cNvPr>
+          <p:cNvSpPr>
+            <a:spLocks noGrp="1"/>
           </p:cNvSpPr>
           <p:nvPr>
             <p:ph idx="1"/>
@@ -8988,28 +11322,155 @@
         </p:nvSpPr>
         <p:spPr/>
         <p:txBody>
-          <a:bodyPr/>
+          <a:bodyPr rtlCol="0">
+            <a:normAutofit/>
+          </a:bodyPr>
           <a:lstStyle/>
           <a:p>
-            <a:endParaRPr lang="fr-FR" altLang="fr-FR" dirty="0"/>
-          </a:p>
-          <a:p>
-            <a:r>
-              <a:rPr lang="fr-FR" altLang="fr-FR" dirty="0"/>
-              <a:t>Dessins animés : retrouve-t-on d’autres dessins animés ?</a:t>
-            </a:r>
-          </a:p>
-          <a:p>
-            <a:r>
-              <a:rPr lang="fr-FR" altLang="fr-FR" dirty="0"/>
-              <a:t>Films avec plusieurs versions : a-t-on les autres versions ?</a:t>
-            </a:r>
-          </a:p>
-          <a:p>
-            <a:r>
-              <a:rPr lang="fr-FR" altLang="fr-FR" dirty="0"/>
-              <a:t>Intuition : est-ce cohérent ?</a:t>
-            </a:r>
+            <a:pPr marL="514350" indent="-514350" fontAlgn="auto">
+              <a:spcAft>
+                <a:spcPts val="0"/>
+              </a:spcAft>
+              <a:buFont typeface="+mj-lt"/>
+              <a:buAutoNum type="arabicPeriod"/>
+              <a:defRPr/>
+            </a:pPr>
+            <a:r>
+              <a:rPr lang="fr-FR" dirty="0"/>
+              <a:t>Après numérisation des features</a:t>
+            </a:r>
+          </a:p>
+          <a:p>
+            <a:pPr lvl="1" fontAlgn="auto">
+              <a:spcAft>
+                <a:spcPts val="0"/>
+              </a:spcAft>
+              <a:defRPr/>
+            </a:pPr>
+            <a:r>
+              <a:rPr lang="fr-FR" dirty="0" err="1"/>
+              <a:t>Cosine</a:t>
+            </a:r>
+            <a:r>
+              <a:rPr lang="fr-FR" dirty="0"/>
+              <a:t> </a:t>
+            </a:r>
+            <a:r>
+              <a:rPr lang="fr-FR" dirty="0" err="1"/>
+              <a:t>similarity</a:t>
+            </a:r>
+            <a:r>
+              <a:rPr lang="fr-FR" dirty="0"/>
+              <a:t> (cosinus de l’angle entre les 2 vecteurs)</a:t>
+            </a:r>
+          </a:p>
+          <a:p>
+            <a:pPr lvl="1" fontAlgn="auto">
+              <a:spcAft>
+                <a:spcPts val="0"/>
+              </a:spcAft>
+              <a:defRPr/>
+            </a:pPr>
+            <a:r>
+              <a:rPr lang="fr-FR" dirty="0" err="1"/>
+              <a:t>Linear</a:t>
+            </a:r>
+            <a:r>
+              <a:rPr lang="fr-FR" dirty="0"/>
+              <a:t> kernel</a:t>
+            </a:r>
+          </a:p>
+          <a:p>
+            <a:pPr lvl="1" fontAlgn="auto">
+              <a:spcAft>
+                <a:spcPts val="0"/>
+              </a:spcAft>
+              <a:defRPr/>
+            </a:pPr>
+            <a:r>
+              <a:rPr lang="fr-FR" dirty="0"/>
+              <a:t>Chi2 kernel (avec matrice positive)</a:t>
+            </a:r>
+          </a:p>
+          <a:p>
+            <a:pPr lvl="1" fontAlgn="auto">
+              <a:spcAft>
+                <a:spcPts val="0"/>
+              </a:spcAft>
+              <a:defRPr/>
+            </a:pPr>
+            <a:r>
+              <a:rPr lang="fr-FR" dirty="0"/>
+              <a:t>…</a:t>
+            </a:r>
+          </a:p>
+          <a:p>
+            <a:pPr marL="514350" indent="-514350" fontAlgn="auto">
+              <a:spcAft>
+                <a:spcPts val="0"/>
+              </a:spcAft>
+              <a:buFont typeface="+mj-lt"/>
+              <a:buAutoNum type="arabicPeriod"/>
+              <a:defRPr/>
+            </a:pPr>
+            <a:r>
+              <a:rPr lang="fr-FR" dirty="0"/>
+              <a:t>Directement sur la matrice non numérisée</a:t>
+            </a:r>
+          </a:p>
+          <a:p>
+            <a:pPr lvl="1" fontAlgn="auto">
+              <a:spcAft>
+                <a:spcPts val="0"/>
+              </a:spcAft>
+              <a:defRPr/>
+            </a:pPr>
+            <a:r>
+              <a:rPr lang="fr-FR" dirty="0"/>
+              <a:t>Gower</a:t>
+            </a:r>
+          </a:p>
+          <a:p>
+            <a:pPr lvl="2" fontAlgn="auto">
+              <a:spcAft>
+                <a:spcPts val="0"/>
+              </a:spcAft>
+              <a:defRPr/>
+            </a:pPr>
+            <a:r>
+              <a:rPr lang="fr-FR" dirty="0"/>
+              <a:t>Distance Manhattan pour les numériques</a:t>
+            </a:r>
+          </a:p>
+          <a:p>
+            <a:pPr lvl="2" fontAlgn="auto">
+              <a:spcAft>
+                <a:spcPts val="0"/>
+              </a:spcAft>
+              <a:defRPr/>
+            </a:pPr>
+            <a:r>
+              <a:rPr lang="fr-FR" dirty="0"/>
+              <a:t>Distance </a:t>
+            </a:r>
+            <a:r>
+              <a:rPr lang="fr-FR" dirty="0" err="1"/>
+              <a:t>Dice</a:t>
+            </a:r>
+            <a:r>
+              <a:rPr lang="fr-FR" dirty="0"/>
+              <a:t> pour les variables qualitatives</a:t>
+            </a:r>
+          </a:p>
+          <a:p>
+            <a:pPr marL="0" indent="0" fontAlgn="auto">
+              <a:spcAft>
+                <a:spcPts val="0"/>
+              </a:spcAft>
+              <a:buNone/>
+              <a:defRPr/>
+            </a:pPr>
+            <a:endParaRPr lang="fr-FR" dirty="0"/>
           </a:p>
         </p:txBody>
       </p:sp>
@@ -9205,6 +11666,103 @@
       </p:grpSpPr>
       <p:sp>
         <p:nvSpPr>
+          <p:cNvPr id="40962" name="Titre 1">
+            <a:extLst>
+              <a:ext uri="{FF2B5EF4-FFF2-40B4-BE49-F238E27FC236}">
+                <a16:creationId xmlns:a16="http://schemas.microsoft.com/office/drawing/2014/main" id="{31661799-8EF3-4225-822B-9ECBC37FAB0C}"/>
+              </a:ext>
+            </a:extLst>
+          </p:cNvPr>
+          <p:cNvSpPr>
+            <a:spLocks noGrp="1" noChangeArrowheads="1"/>
+          </p:cNvSpPr>
+          <p:nvPr>
+            <p:ph type="title"/>
+          </p:nvPr>
+        </p:nvSpPr>
+        <p:spPr/>
+        <p:txBody>
+          <a:bodyPr/>
+          <a:lstStyle/>
+          <a:p>
+            <a:pPr algn="ctr"/>
+            <a:r>
+              <a:rPr lang="fr-FR" altLang="fr-FR" dirty="0"/>
+              <a:t>Vérification</a:t>
+            </a:r>
+          </a:p>
+        </p:txBody>
+      </p:sp>
+      <p:sp>
+        <p:nvSpPr>
+          <p:cNvPr id="40963" name="Espace réservé du contenu 2">
+            <a:extLst>
+              <a:ext uri="{FF2B5EF4-FFF2-40B4-BE49-F238E27FC236}">
+                <a16:creationId xmlns:a16="http://schemas.microsoft.com/office/drawing/2014/main" id="{5CE43F0F-96B4-4299-8D76-04CCC8CCCFA2}"/>
+              </a:ext>
+            </a:extLst>
+          </p:cNvPr>
+          <p:cNvSpPr>
+            <a:spLocks noGrp="1" noChangeArrowheads="1"/>
+          </p:cNvSpPr>
+          <p:nvPr>
+            <p:ph idx="1"/>
+          </p:nvPr>
+        </p:nvSpPr>
+        <p:spPr/>
+        <p:txBody>
+          <a:bodyPr/>
+          <a:lstStyle/>
+          <a:p>
+            <a:endParaRPr lang="fr-FR" altLang="fr-FR" dirty="0"/>
+          </a:p>
+          <a:p>
+            <a:r>
+              <a:rPr lang="fr-FR" altLang="fr-FR" dirty="0"/>
+              <a:t>Dessins animés : retrouve-t-on d’autres dessins animés ?</a:t>
+            </a:r>
+          </a:p>
+          <a:p>
+            <a:r>
+              <a:rPr lang="fr-FR" altLang="fr-FR" dirty="0"/>
+              <a:t>Films avec plusieurs versions : a-t-on les autres versions ?</a:t>
+            </a:r>
+          </a:p>
+          <a:p>
+            <a:r>
+              <a:rPr lang="fr-FR" altLang="fr-FR" dirty="0"/>
+              <a:t>Intuition : est-ce cohérent ?</a:t>
+            </a:r>
+          </a:p>
+        </p:txBody>
+      </p:sp>
+    </p:spTree>
+  </p:cSld>
+  <p:clrMapOvr>
+    <a:masterClrMapping/>
+  </p:clrMapOvr>
+</p:sld>
+</file>
+
+<file path=ppt/slides/slide31.xml><?xml version="1.0" encoding="utf-8"?>
+<p:sld xmlns:a="http://schemas.openxmlformats.org/drawingml/2006/main" xmlns:r="http://schemas.openxmlformats.org/officeDocument/2006/relationships" xmlns:p="http://schemas.openxmlformats.org/presentationml/2006/main">
+  <p:cSld>
+    <p:spTree>
+      <p:nvGrpSpPr>
+        <p:cNvPr id="1" name=""/>
+        <p:cNvGrpSpPr/>
+        <p:nvPr/>
+      </p:nvGrpSpPr>
+      <p:grpSpPr>
+        <a:xfrm>
+          <a:off x="0" y="0"/>
+          <a:ext cx="0" cy="0"/>
+          <a:chOff x="0" y="0"/>
+          <a:chExt cx="0" cy="0"/>
+        </a:xfrm>
+      </p:grpSpPr>
+      <p:sp>
+        <p:nvSpPr>
           <p:cNvPr id="43010" name="Titre 1">
             <a:extLst>
               <a:ext uri="{FF2B5EF4-FFF2-40B4-BE49-F238E27FC236}">
@@ -9256,7 +11814,7 @@
         </p:spPr>
         <p:txBody>
           <a:bodyPr rtlCol="0">
-            <a:normAutofit lnSpcReduction="10000"/>
+            <a:normAutofit fontScale="92500" lnSpcReduction="10000"/>
           </a:bodyPr>
           <a:lstStyle/>
           <a:p>
@@ -9268,7 +11826,7 @@
             </a:pPr>
             <a:r>
               <a:rPr lang="fr-FR" dirty="0"/>
-              <a:t>Dessin animé</a:t>
+              <a:t>Shrek</a:t>
             </a:r>
           </a:p>
           <a:p>
@@ -9332,9 +11890,18 @@
               </a:spcAft>
               <a:defRPr/>
             </a:pPr>
+            <a:endParaRPr lang="fr-FR" dirty="0"/>
+          </a:p>
+          <a:p>
+            <a:pPr fontAlgn="auto">
+              <a:spcAft>
+                <a:spcPts val="0"/>
+              </a:spcAft>
+              <a:defRPr/>
+            </a:pPr>
             <a:r>
               <a:rPr lang="fr-FR" dirty="0"/>
-              <a:t>Cas avec toutes les colonnes et distance </a:t>
+              <a:t>Cas 3 (toutes les colonnes) et distance </a:t>
             </a:r>
             <a:r>
               <a:rPr lang="fr-FR" dirty="0" err="1"/>
@@ -9378,7 +11945,7 @@
           <p:nvPr/>
         </p:nvPicPr>
         <p:blipFill>
-          <a:blip r:embed="rId2">
+          <a:blip r:embed="rId3">
             <a:extLst>
               <a:ext uri="{28A0092B-C50C-407E-A947-70E740481C1C}">
                 <a14:useLocalDpi xmlns:a14="http://schemas.microsoft.com/office/drawing/2010/main" val="0"/>
@@ -9392,7 +11959,7 @@
         </p:blipFill>
         <p:spPr bwMode="auto">
           <a:xfrm>
-            <a:off x="3931820" y="1970589"/>
+            <a:off x="1300133" y="2364623"/>
             <a:ext cx="6078454" cy="2590633"/>
           </a:xfrm>
           <a:prstGeom prst="rect">
@@ -9423,141 +11990,12 @@
           </a:extLst>
         </p:spPr>
       </p:pic>
-    </p:spTree>
-  </p:cSld>
-  <p:clrMapOvr>
-    <a:masterClrMapping/>
-  </p:clrMapOvr>
-</p:sld>
-</file>
-
-<file path=ppt/slides/slide31.xml><?xml version="1.0" encoding="utf-8"?>
-<p:sld xmlns:a="http://schemas.openxmlformats.org/drawingml/2006/main" xmlns:r="http://schemas.openxmlformats.org/officeDocument/2006/relationships" xmlns:p="http://schemas.openxmlformats.org/presentationml/2006/main">
-  <p:cSld>
-    <p:spTree>
-      <p:nvGrpSpPr>
-        <p:cNvPr id="1" name=""/>
-        <p:cNvGrpSpPr/>
-        <p:nvPr/>
-      </p:nvGrpSpPr>
-      <p:grpSpPr>
-        <a:xfrm>
-          <a:off x="0" y="0"/>
-          <a:ext cx="0" cy="0"/>
-          <a:chOff x="0" y="0"/>
-          <a:chExt cx="0" cy="0"/>
-        </a:xfrm>
-      </p:grpSpPr>
-      <p:sp>
-        <p:nvSpPr>
-          <p:cNvPr id="44034" name="Titre 1">
-            <a:extLst>
-              <a:ext uri="{FF2B5EF4-FFF2-40B4-BE49-F238E27FC236}">
-                <a16:creationId xmlns:a16="http://schemas.microsoft.com/office/drawing/2014/main" id="{0859F4AF-54EE-415A-9325-428BB47288BA}"/>
-              </a:ext>
-            </a:extLst>
-          </p:cNvPr>
-          <p:cNvSpPr>
-            <a:spLocks noGrp="1" noChangeArrowheads="1"/>
-          </p:cNvSpPr>
-          <p:nvPr>
-            <p:ph type="title"/>
-          </p:nvPr>
-        </p:nvSpPr>
-        <p:spPr/>
-        <p:txBody>
-          <a:bodyPr/>
-          <a:lstStyle/>
-          <a:p>
-            <a:pPr algn="ctr"/>
-            <a:r>
-              <a:rPr lang="fr-FR" altLang="fr-FR" dirty="0"/>
-              <a:t>Vérification</a:t>
-            </a:r>
-          </a:p>
-        </p:txBody>
-      </p:sp>
-      <p:sp>
-        <p:nvSpPr>
-          <p:cNvPr id="44035" name="Espace réservé du contenu 2">
-            <a:extLst>
-              <a:ext uri="{FF2B5EF4-FFF2-40B4-BE49-F238E27FC236}">
-                <a16:creationId xmlns:a16="http://schemas.microsoft.com/office/drawing/2014/main" id="{F049ACD0-5999-43B1-8250-DA49DB4D39D5}"/>
-              </a:ext>
-            </a:extLst>
-          </p:cNvPr>
-          <p:cNvSpPr>
-            <a:spLocks noGrp="1" noChangeArrowheads="1"/>
-          </p:cNvSpPr>
-          <p:nvPr>
-            <p:ph idx="1"/>
-          </p:nvPr>
-        </p:nvSpPr>
-        <p:spPr/>
-        <p:txBody>
-          <a:bodyPr/>
-          <a:lstStyle/>
-          <a:p>
-            <a:pPr marL="0" indent="0">
-              <a:buNone/>
-            </a:pPr>
-            <a:r>
-              <a:rPr lang="fr-FR" altLang="fr-FR" dirty="0"/>
-              <a:t>Différents tests</a:t>
-            </a:r>
-          </a:p>
-          <a:p>
-            <a:endParaRPr lang="fr-FR" altLang="fr-FR" dirty="0"/>
-          </a:p>
-          <a:p>
-            <a:endParaRPr lang="fr-FR" altLang="fr-FR" dirty="0"/>
-          </a:p>
-          <a:p>
-            <a:endParaRPr lang="fr-FR" altLang="fr-FR" dirty="0"/>
-          </a:p>
-          <a:p>
-            <a:endParaRPr lang="fr-FR" altLang="fr-FR" dirty="0"/>
-          </a:p>
-          <a:p>
-            <a:endParaRPr lang="fr-FR" altLang="fr-FR" dirty="0"/>
-          </a:p>
-          <a:p>
-            <a:pPr marL="0" indent="0">
-              <a:buNone/>
-            </a:pPr>
-            <a:r>
-              <a:rPr lang="fr-FR" altLang="fr-FR" dirty="0"/>
-              <a:t>Cas avec la distance de Gower et le film Rush </a:t>
-            </a:r>
-            <a:r>
-              <a:rPr lang="fr-FR" altLang="fr-FR" dirty="0" err="1"/>
-              <a:t>hour</a:t>
-            </a:r>
-            <a:endParaRPr lang="fr-FR" altLang="fr-FR" dirty="0"/>
-          </a:p>
-          <a:p>
-            <a:pPr marL="0" indent="0">
-              <a:buNone/>
-            </a:pPr>
-            <a:r>
-              <a:rPr lang="fr-FR" altLang="fr-FR" dirty="0">
-                <a:sym typeface="Wingdings" panose="05000000000000000000" pitchFamily="2" charset="2"/>
-              </a:rPr>
-              <a:t></a:t>
-            </a:r>
-            <a:r>
-              <a:rPr lang="fr-FR" altLang="fr-FR" dirty="0"/>
-              <a:t>Les distances sont nulles</a:t>
-            </a:r>
-          </a:p>
-        </p:txBody>
-      </p:sp>
       <p:pic>
         <p:nvPicPr>
           <p:cNvPr id="2" name="Image 1">
             <a:extLst>
               <a:ext uri="{FF2B5EF4-FFF2-40B4-BE49-F238E27FC236}">
-                <a16:creationId xmlns:a16="http://schemas.microsoft.com/office/drawing/2014/main" id="{03DE41C2-3921-47E2-A32F-2182F65FF8B2}"/>
+                <a16:creationId xmlns:a16="http://schemas.microsoft.com/office/drawing/2014/main" id="{B410C6B0-C9A4-4871-A610-195779C3F054}"/>
               </a:ext>
             </a:extLst>
           </p:cNvPr>
@@ -9567,15 +12005,15 @@
           <p:nvPr/>
         </p:nvPicPr>
         <p:blipFill>
-          <a:blip r:embed="rId2"/>
+          <a:blip r:embed="rId4"/>
           <a:stretch>
             <a:fillRect/>
           </a:stretch>
         </p:blipFill>
         <p:spPr>
           <a:xfrm>
-            <a:off x="5297151" y="1531823"/>
-            <a:ext cx="3495797" cy="3200597"/>
+            <a:off x="8794791" y="2412413"/>
+            <a:ext cx="1666875" cy="2476500"/>
           </a:xfrm>
           <a:prstGeom prst="rect">
             <a:avLst/>
@@ -9609,10 +12047,10 @@
       </p:grpSpPr>
       <p:sp>
         <p:nvSpPr>
-          <p:cNvPr id="45058" name="Titre 1">
-            <a:extLst>
-              <a:ext uri="{FF2B5EF4-FFF2-40B4-BE49-F238E27FC236}">
-                <a16:creationId xmlns:a16="http://schemas.microsoft.com/office/drawing/2014/main" id="{755B7D4E-8198-44AE-8D3A-BF837F995533}"/>
+          <p:cNvPr id="44034" name="Titre 1">
+            <a:extLst>
+              <a:ext uri="{FF2B5EF4-FFF2-40B4-BE49-F238E27FC236}">
+                <a16:creationId xmlns:a16="http://schemas.microsoft.com/office/drawing/2014/main" id="{0859F4AF-54EE-415A-9325-428BB47288BA}"/>
               </a:ext>
             </a:extLst>
           </p:cNvPr>
@@ -9631,22 +12069,22 @@
             <a:pPr algn="ctr"/>
             <a:r>
               <a:rPr lang="fr-FR" altLang="fr-FR" dirty="0"/>
-              <a:t>Distances - Conclusion</a:t>
-            </a:r>
-          </a:p>
-        </p:txBody>
-      </p:sp>
-      <p:sp>
-        <p:nvSpPr>
-          <p:cNvPr id="3" name="Espace réservé du contenu 2">
-            <a:extLst>
-              <a:ext uri="{FF2B5EF4-FFF2-40B4-BE49-F238E27FC236}">
-                <a16:creationId xmlns:a16="http://schemas.microsoft.com/office/drawing/2014/main" id="{FB788966-8FAE-48AA-AD22-60A256D4EDAC}"/>
-              </a:ext>
-            </a:extLst>
-          </p:cNvPr>
-          <p:cNvSpPr>
-            <a:spLocks noGrp="1"/>
+              <a:t>Vérification</a:t>
+            </a:r>
+          </a:p>
+        </p:txBody>
+      </p:sp>
+      <p:sp>
+        <p:nvSpPr>
+          <p:cNvPr id="44035" name="Espace réservé du contenu 2">
+            <a:extLst>
+              <a:ext uri="{FF2B5EF4-FFF2-40B4-BE49-F238E27FC236}">
+                <a16:creationId xmlns:a16="http://schemas.microsoft.com/office/drawing/2014/main" id="{F049ACD0-5999-43B1-8250-DA49DB4D39D5}"/>
+              </a:ext>
+            </a:extLst>
+          </p:cNvPr>
+          <p:cNvSpPr>
+            <a:spLocks noGrp="1" noChangeArrowheads="1"/>
           </p:cNvSpPr>
           <p:nvPr>
             <p:ph idx="1"/>
@@ -9654,86 +12092,97 @@
         </p:nvSpPr>
         <p:spPr/>
         <p:txBody>
-          <a:bodyPr rtlCol="0">
-            <a:normAutofit/>
-          </a:bodyPr>
+          <a:bodyPr/>
           <a:lstStyle/>
           <a:p>
-            <a:pPr marL="0" indent="0" fontAlgn="auto">
-              <a:spcAft>
-                <a:spcPts val="0"/>
-              </a:spcAft>
-              <a:buFont typeface="Arial" panose="020B0604020202020204" pitchFamily="34" charset="0"/>
+            <a:pPr marL="0" indent="0">
               <a:buNone/>
-              <a:defRPr/>
-            </a:pPr>
-            <a:r>
-              <a:rPr lang="fr-FR" dirty="0"/>
-              <a:t>Les tests indique qu’une relativement bonne solution serait d’utiliser la similarité cosinus avec les colonnes numériques et les features catégorielles les plus importantes :</a:t>
-            </a:r>
-          </a:p>
-          <a:p>
-            <a:pPr fontAlgn="auto">
-              <a:spcAft>
-                <a:spcPts val="0"/>
-              </a:spcAft>
-              <a:defRPr/>
-            </a:pPr>
-            <a:r>
-              <a:rPr lang="fr-FR" dirty="0"/>
-              <a:t>Genres</a:t>
-            </a:r>
-          </a:p>
-          <a:p>
-            <a:pPr fontAlgn="auto">
-              <a:spcAft>
-                <a:spcPts val="0"/>
-              </a:spcAft>
-              <a:defRPr/>
-            </a:pPr>
-            <a:r>
-              <a:rPr lang="fr-FR" dirty="0"/>
-              <a:t>Langue</a:t>
-            </a:r>
-          </a:p>
-          <a:p>
-            <a:pPr fontAlgn="auto">
-              <a:spcAft>
-                <a:spcPts val="0"/>
-              </a:spcAft>
-              <a:defRPr/>
-            </a:pPr>
-            <a:r>
-              <a:rPr lang="fr-FR" dirty="0"/>
-              <a:t>Titre</a:t>
-            </a:r>
-          </a:p>
-          <a:p>
-            <a:pPr fontAlgn="auto">
-              <a:spcAft>
-                <a:spcPts val="0"/>
-              </a:spcAft>
-              <a:defRPr/>
-            </a:pPr>
-            <a:r>
-              <a:rPr lang="fr-FR" dirty="0"/>
-              <a:t>Acteur 1</a:t>
-            </a:r>
-          </a:p>
-          <a:p>
-            <a:pPr fontAlgn="auto">
-              <a:spcAft>
-                <a:spcPts val="0"/>
-              </a:spcAft>
-              <a:defRPr/>
-            </a:pPr>
-            <a:r>
-              <a:rPr lang="fr-FR" dirty="0"/>
-              <a:t>Réalisateur</a:t>
-            </a:r>
-          </a:p>
-        </p:txBody>
-      </p:sp>
+            </a:pPr>
+            <a:r>
+              <a:rPr lang="fr-FR" altLang="fr-FR" dirty="0"/>
+              <a:t>Différents tests : Shrek, Men in black…</a:t>
+            </a:r>
+          </a:p>
+          <a:p>
+            <a:endParaRPr lang="fr-FR" altLang="fr-FR" dirty="0"/>
+          </a:p>
+          <a:p>
+            <a:endParaRPr lang="fr-FR" altLang="fr-FR" dirty="0"/>
+          </a:p>
+          <a:p>
+            <a:endParaRPr lang="fr-FR" altLang="fr-FR" dirty="0"/>
+          </a:p>
+          <a:p>
+            <a:endParaRPr lang="fr-FR" altLang="fr-FR" dirty="0"/>
+          </a:p>
+          <a:p>
+            <a:pPr marL="0" indent="0">
+              <a:buNone/>
+            </a:pPr>
+            <a:endParaRPr lang="fr-FR" altLang="fr-FR" dirty="0"/>
+          </a:p>
+        </p:txBody>
+      </p:sp>
+      <p:pic>
+        <p:nvPicPr>
+          <p:cNvPr id="3" name="Image 2">
+            <a:extLst>
+              <a:ext uri="{FF2B5EF4-FFF2-40B4-BE49-F238E27FC236}">
+                <a16:creationId xmlns:a16="http://schemas.microsoft.com/office/drawing/2014/main" id="{95F7000F-F29E-4007-8414-1F2DD87095E3}"/>
+              </a:ext>
+            </a:extLst>
+          </p:cNvPr>
+          <p:cNvPicPr>
+            <a:picLocks noChangeAspect="1"/>
+          </p:cNvPicPr>
+          <p:nvPr/>
+        </p:nvPicPr>
+        <p:blipFill>
+          <a:blip r:embed="rId2"/>
+          <a:stretch>
+            <a:fillRect/>
+          </a:stretch>
+        </p:blipFill>
+        <p:spPr>
+          <a:xfrm>
+            <a:off x="631206" y="3100040"/>
+            <a:ext cx="5495210" cy="2418304"/>
+          </a:xfrm>
+          <a:prstGeom prst="rect">
+            <a:avLst/>
+          </a:prstGeom>
+        </p:spPr>
+      </p:pic>
+      <p:pic>
+        <p:nvPicPr>
+          <p:cNvPr id="4" name="Image 3">
+            <a:extLst>
+              <a:ext uri="{FF2B5EF4-FFF2-40B4-BE49-F238E27FC236}">
+                <a16:creationId xmlns:a16="http://schemas.microsoft.com/office/drawing/2014/main" id="{A05584F9-4868-46B6-B497-43A6EEA218FA}"/>
+              </a:ext>
+            </a:extLst>
+          </p:cNvPr>
+          <p:cNvPicPr>
+            <a:picLocks noChangeAspect="1"/>
+          </p:cNvPicPr>
+          <p:nvPr/>
+        </p:nvPicPr>
+        <p:blipFill>
+          <a:blip r:embed="rId3"/>
+          <a:stretch>
+            <a:fillRect/>
+          </a:stretch>
+        </p:blipFill>
+        <p:spPr>
+          <a:xfrm>
+            <a:off x="6866921" y="3100040"/>
+            <a:ext cx="4150483" cy="2418303"/>
+          </a:xfrm>
+          <a:prstGeom prst="rect">
+            <a:avLst/>
+          </a:prstGeom>
+        </p:spPr>
+      </p:pic>
     </p:spTree>
   </p:cSld>
   <p:clrMapOvr>
@@ -9761,10 +12210,10 @@
       </p:grpSpPr>
       <p:sp>
         <p:nvSpPr>
-          <p:cNvPr id="46082" name="Titre 1">
-            <a:extLst>
-              <a:ext uri="{FF2B5EF4-FFF2-40B4-BE49-F238E27FC236}">
-                <a16:creationId xmlns:a16="http://schemas.microsoft.com/office/drawing/2014/main" id="{1682D8E4-6534-44F3-BBAA-4B9DB87CDEA1}"/>
+          <p:cNvPr id="45058" name="Titre 1">
+            <a:extLst>
+              <a:ext uri="{FF2B5EF4-FFF2-40B4-BE49-F238E27FC236}">
+                <a16:creationId xmlns:a16="http://schemas.microsoft.com/office/drawing/2014/main" id="{755B7D4E-8198-44AE-8D3A-BF837F995533}"/>
               </a:ext>
             </a:extLst>
           </p:cNvPr>
@@ -9783,7 +12232,7 @@
             <a:pPr algn="ctr"/>
             <a:r>
               <a:rPr lang="fr-FR" altLang="fr-FR" dirty="0"/>
-              <a:t>Service Web</a:t>
+              <a:t>Distances - Conclusion</a:t>
             </a:r>
           </a:p>
         </p:txBody>
@@ -9793,7 +12242,7 @@
           <p:cNvPr id="3" name="Espace réservé du contenu 2">
             <a:extLst>
               <a:ext uri="{FF2B5EF4-FFF2-40B4-BE49-F238E27FC236}">
-                <a16:creationId xmlns:a16="http://schemas.microsoft.com/office/drawing/2014/main" id="{41DDAAA2-19A0-4CCA-A2CA-E4C2EF052A22}"/>
+                <a16:creationId xmlns:a16="http://schemas.microsoft.com/office/drawing/2014/main" id="{FB788966-8FAE-48AA-AD22-60A256D4EDAC}"/>
               </a:ext>
             </a:extLst>
           </p:cNvPr>
@@ -9810,99 +12259,6 @@
             <a:normAutofit/>
           </a:bodyPr>
           <a:lstStyle/>
-          <a:p>
-            <a:pPr fontAlgn="auto">
-              <a:spcAft>
-                <a:spcPts val="0"/>
-              </a:spcAft>
-              <a:defRPr/>
-            </a:pPr>
-            <a:r>
-              <a:rPr lang="fr-FR" dirty="0"/>
-              <a:t>Python</a:t>
-            </a:r>
-          </a:p>
-          <a:p>
-            <a:pPr fontAlgn="auto">
-              <a:spcAft>
-                <a:spcPts val="0"/>
-              </a:spcAft>
-              <a:defRPr/>
-            </a:pPr>
-            <a:r>
-              <a:rPr lang="fr-FR" dirty="0"/>
-              <a:t>Librairie </a:t>
-            </a:r>
-            <a:r>
-              <a:rPr lang="fr-FR" dirty="0" err="1"/>
-              <a:t>Flask</a:t>
-            </a:r>
-            <a:endParaRPr lang="fr-FR" dirty="0"/>
-          </a:p>
-          <a:p>
-            <a:pPr fontAlgn="auto">
-              <a:spcAft>
-                <a:spcPts val="0"/>
-              </a:spcAft>
-              <a:defRPr/>
-            </a:pPr>
-            <a:r>
-              <a:rPr lang="fr-FR" dirty="0"/>
-              <a:t>Service REST</a:t>
-            </a:r>
-          </a:p>
-          <a:p>
-            <a:pPr fontAlgn="auto">
-              <a:spcAft>
-                <a:spcPts val="0"/>
-              </a:spcAft>
-              <a:defRPr/>
-            </a:pPr>
-            <a:r>
-              <a:rPr lang="fr-FR" dirty="0"/>
-              <a:t>5 recommandations</a:t>
-            </a:r>
-          </a:p>
-          <a:p>
-            <a:pPr fontAlgn="auto">
-              <a:spcAft>
-                <a:spcPts val="0"/>
-              </a:spcAft>
-              <a:defRPr/>
-            </a:pPr>
-            <a:r>
-              <a:rPr lang="fr-FR" dirty="0"/>
-              <a:t>Réponse en JSON</a:t>
-            </a:r>
-          </a:p>
-          <a:p>
-            <a:pPr fontAlgn="auto">
-              <a:spcAft>
-                <a:spcPts val="0"/>
-              </a:spcAft>
-              <a:defRPr/>
-            </a:pPr>
-            <a:r>
-              <a:rPr lang="fr-FR" dirty="0"/>
-              <a:t>Déploiement sur </a:t>
-            </a:r>
-            <a:r>
-              <a:rPr lang="fr-FR" dirty="0" err="1"/>
-              <a:t>Heroku</a:t>
-            </a:r>
-            <a:endParaRPr lang="fr-FR" dirty="0"/>
-          </a:p>
-          <a:p>
-            <a:pPr fontAlgn="auto">
-              <a:spcAft>
-                <a:spcPts val="0"/>
-              </a:spcAft>
-              <a:defRPr/>
-            </a:pPr>
-            <a:endParaRPr lang="fr-FR" dirty="0">
-              <a:hlinkClick r:id="rId2"/>
-            </a:endParaRPr>
-          </a:p>
           <a:p>
             <a:pPr marL="0" indent="0" fontAlgn="auto">
               <a:spcAft>
@@ -9913,12 +12269,9 @@
               <a:defRPr/>
             </a:pPr>
             <a:r>
-              <a:rPr lang="fr-FR" dirty="0">
-                <a:hlinkClick r:id="rId2"/>
-              </a:rPr>
-              <a:t>https://recommended-engine.herokuapp.com/</a:t>
-            </a:r>
-            <a:endParaRPr lang="fr-FR" dirty="0"/>
+              <a:rPr lang="fr-FR" dirty="0"/>
+              <a:t>Les tests indique qu’une relativement bonne solution serait d’utiliser la similarité cosinus avec les colonnes numériques et les features catégorielles les plus importantes :</a:t>
+            </a:r>
           </a:p>
           <a:p>
             <a:pPr fontAlgn="auto">
@@ -9927,7 +12280,58 @@
               </a:spcAft>
               <a:defRPr/>
             </a:pPr>
-            <a:endParaRPr lang="fr-FR" dirty="0"/>
+            <a:r>
+              <a:rPr lang="fr-FR" dirty="0"/>
+              <a:t>Genres</a:t>
+            </a:r>
+          </a:p>
+          <a:p>
+            <a:pPr fontAlgn="auto">
+              <a:spcAft>
+                <a:spcPts val="0"/>
+              </a:spcAft>
+              <a:defRPr/>
+            </a:pPr>
+            <a:r>
+              <a:rPr lang="fr-FR" dirty="0"/>
+              <a:t>Langue</a:t>
+            </a:r>
+          </a:p>
+          <a:p>
+            <a:pPr fontAlgn="auto">
+              <a:spcAft>
+                <a:spcPts val="0"/>
+              </a:spcAft>
+              <a:defRPr/>
+            </a:pPr>
+            <a:r>
+              <a:rPr lang="fr-FR" dirty="0"/>
+              <a:t>Titre</a:t>
+            </a:r>
+          </a:p>
+          <a:p>
+            <a:pPr fontAlgn="auto">
+              <a:spcAft>
+                <a:spcPts val="0"/>
+              </a:spcAft>
+              <a:defRPr/>
+            </a:pPr>
+            <a:r>
+              <a:rPr lang="fr-FR" dirty="0"/>
+              <a:t>Acteur 1</a:t>
+            </a:r>
+          </a:p>
+          <a:p>
+            <a:pPr fontAlgn="auto">
+              <a:spcAft>
+                <a:spcPts val="0"/>
+              </a:spcAft>
+              <a:defRPr/>
+            </a:pPr>
+            <a:r>
+              <a:rPr lang="fr-FR" dirty="0"/>
+              <a:t>Réalisateur</a:t>
+            </a:r>
           </a:p>
         </p:txBody>
       </p:sp>
@@ -9940,6 +12344,203 @@
 </file>
 
 <file path=ppt/slides/slide34.xml><?xml version="1.0" encoding="utf-8"?>
+<p:sld xmlns:a="http://schemas.openxmlformats.org/drawingml/2006/main" xmlns:r="http://schemas.openxmlformats.org/officeDocument/2006/relationships" xmlns:p="http://schemas.openxmlformats.org/presentationml/2006/main">
+  <p:cSld>
+    <p:spTree>
+      <p:nvGrpSpPr>
+        <p:cNvPr id="1" name=""/>
+        <p:cNvGrpSpPr/>
+        <p:nvPr/>
+      </p:nvGrpSpPr>
+      <p:grpSpPr>
+        <a:xfrm>
+          <a:off x="0" y="0"/>
+          <a:ext cx="0" cy="0"/>
+          <a:chOff x="0" y="0"/>
+          <a:chExt cx="0" cy="0"/>
+        </a:xfrm>
+      </p:grpSpPr>
+      <p:sp>
+        <p:nvSpPr>
+          <p:cNvPr id="46082" name="Titre 1">
+            <a:extLst>
+              <a:ext uri="{FF2B5EF4-FFF2-40B4-BE49-F238E27FC236}">
+                <a16:creationId xmlns:a16="http://schemas.microsoft.com/office/drawing/2014/main" id="{1682D8E4-6534-44F3-BBAA-4B9DB87CDEA1}"/>
+              </a:ext>
+            </a:extLst>
+          </p:cNvPr>
+          <p:cNvSpPr>
+            <a:spLocks noGrp="1" noChangeArrowheads="1"/>
+          </p:cNvSpPr>
+          <p:nvPr>
+            <p:ph type="title"/>
+          </p:nvPr>
+        </p:nvSpPr>
+        <p:spPr/>
+        <p:txBody>
+          <a:bodyPr/>
+          <a:lstStyle/>
+          <a:p>
+            <a:pPr algn="ctr"/>
+            <a:r>
+              <a:rPr lang="fr-FR" altLang="fr-FR" dirty="0"/>
+              <a:t>Service Web</a:t>
+            </a:r>
+          </a:p>
+        </p:txBody>
+      </p:sp>
+      <p:sp>
+        <p:nvSpPr>
+          <p:cNvPr id="3" name="Espace réservé du contenu 2">
+            <a:extLst>
+              <a:ext uri="{FF2B5EF4-FFF2-40B4-BE49-F238E27FC236}">
+                <a16:creationId xmlns:a16="http://schemas.microsoft.com/office/drawing/2014/main" id="{41DDAAA2-19A0-4CCA-A2CA-E4C2EF052A22}"/>
+              </a:ext>
+            </a:extLst>
+          </p:cNvPr>
+          <p:cNvSpPr>
+            <a:spLocks noGrp="1"/>
+          </p:cNvSpPr>
+          <p:nvPr>
+            <p:ph idx="1"/>
+          </p:nvPr>
+        </p:nvSpPr>
+        <p:spPr/>
+        <p:txBody>
+          <a:bodyPr rtlCol="0">
+            <a:normAutofit/>
+          </a:bodyPr>
+          <a:lstStyle/>
+          <a:p>
+            <a:pPr fontAlgn="auto">
+              <a:spcAft>
+                <a:spcPts val="0"/>
+              </a:spcAft>
+              <a:defRPr/>
+            </a:pPr>
+            <a:r>
+              <a:rPr lang="fr-FR" dirty="0"/>
+              <a:t>Python</a:t>
+            </a:r>
+          </a:p>
+          <a:p>
+            <a:pPr fontAlgn="auto">
+              <a:spcAft>
+                <a:spcPts val="0"/>
+              </a:spcAft>
+              <a:defRPr/>
+            </a:pPr>
+            <a:r>
+              <a:rPr lang="fr-FR" dirty="0"/>
+              <a:t>Librairie </a:t>
+            </a:r>
+            <a:r>
+              <a:rPr lang="fr-FR" dirty="0" err="1"/>
+              <a:t>Flask</a:t>
+            </a:r>
+            <a:endParaRPr lang="fr-FR" dirty="0"/>
+          </a:p>
+          <a:p>
+            <a:pPr fontAlgn="auto">
+              <a:spcAft>
+                <a:spcPts val="0"/>
+              </a:spcAft>
+              <a:defRPr/>
+            </a:pPr>
+            <a:r>
+              <a:rPr lang="fr-FR" dirty="0"/>
+              <a:t>Service REST</a:t>
+            </a:r>
+          </a:p>
+          <a:p>
+            <a:pPr fontAlgn="auto">
+              <a:spcAft>
+                <a:spcPts val="0"/>
+              </a:spcAft>
+              <a:defRPr/>
+            </a:pPr>
+            <a:r>
+              <a:rPr lang="fr-FR" dirty="0"/>
+              <a:t>5 recommandations</a:t>
+            </a:r>
+          </a:p>
+          <a:p>
+            <a:pPr fontAlgn="auto">
+              <a:spcAft>
+                <a:spcPts val="0"/>
+              </a:spcAft>
+              <a:defRPr/>
+            </a:pPr>
+            <a:r>
+              <a:rPr lang="fr-FR" dirty="0"/>
+              <a:t>Réponse en JSON</a:t>
+            </a:r>
+          </a:p>
+          <a:p>
+            <a:pPr fontAlgn="auto">
+              <a:spcAft>
+                <a:spcPts val="0"/>
+              </a:spcAft>
+              <a:defRPr/>
+            </a:pPr>
+            <a:r>
+              <a:rPr lang="fr-FR" dirty="0"/>
+              <a:t>Déploiement sur </a:t>
+            </a:r>
+            <a:r>
+              <a:rPr lang="fr-FR" dirty="0" err="1"/>
+              <a:t>Heroku</a:t>
+            </a:r>
+            <a:endParaRPr lang="fr-FR" dirty="0"/>
+          </a:p>
+          <a:p>
+            <a:pPr fontAlgn="auto">
+              <a:spcAft>
+                <a:spcPts val="0"/>
+              </a:spcAft>
+              <a:defRPr/>
+            </a:pPr>
+            <a:endParaRPr lang="fr-FR" dirty="0">
+              <a:hlinkClick r:id="rId2"/>
+            </a:endParaRPr>
+          </a:p>
+          <a:p>
+            <a:pPr marL="0" indent="0" fontAlgn="auto">
+              <a:spcAft>
+                <a:spcPts val="0"/>
+              </a:spcAft>
+              <a:buFont typeface="Arial" panose="020B0604020202020204" pitchFamily="34" charset="0"/>
+              <a:buNone/>
+              <a:defRPr/>
+            </a:pPr>
+            <a:r>
+              <a:rPr lang="fr-FR" dirty="0">
+                <a:hlinkClick r:id="rId2"/>
+              </a:rPr>
+              <a:t>https://recommended-engine.herokuapp.com/</a:t>
+            </a:r>
+            <a:endParaRPr lang="fr-FR" dirty="0"/>
+          </a:p>
+          <a:p>
+            <a:pPr fontAlgn="auto">
+              <a:spcAft>
+                <a:spcPts val="0"/>
+              </a:spcAft>
+              <a:defRPr/>
+            </a:pPr>
+            <a:endParaRPr lang="fr-FR" dirty="0"/>
+          </a:p>
+        </p:txBody>
+      </p:sp>
+    </p:spTree>
+  </p:cSld>
+  <p:clrMapOvr>
+    <a:masterClrMapping/>
+  </p:clrMapOvr>
+</p:sld>
+</file>
+
+<file path=ppt/slides/slide35.xml><?xml version="1.0" encoding="utf-8"?>
 <p:sld xmlns:a="http://schemas.openxmlformats.org/drawingml/2006/main" xmlns:r="http://schemas.openxmlformats.org/officeDocument/2006/relationships" xmlns:p="http://schemas.openxmlformats.org/presentationml/2006/main">
   <p:cSld>
     <p:spTree>
@@ -10056,7 +12657,7 @@
 </p:sld>
 </file>
 
-<file path=ppt/slides/slide35.xml><?xml version="1.0" encoding="utf-8"?>
+<file path=ppt/slides/slide36.xml><?xml version="1.0" encoding="utf-8"?>
 <p:sld xmlns:a="http://schemas.openxmlformats.org/drawingml/2006/main" xmlns:r="http://schemas.openxmlformats.org/officeDocument/2006/relationships" xmlns:p="http://schemas.openxmlformats.org/presentationml/2006/main">
   <p:cSld>
     <p:spTree>
@@ -10139,6 +12740,211 @@
 </p:sld>
 </file>
 
+<file path=ppt/slides/slide37.xml><?xml version="1.0" encoding="utf-8"?>
+<p:sld xmlns:a="http://schemas.openxmlformats.org/drawingml/2006/main" xmlns:r="http://schemas.openxmlformats.org/officeDocument/2006/relationships" xmlns:p="http://schemas.openxmlformats.org/presentationml/2006/main">
+  <p:cSld>
+    <p:spTree>
+      <p:nvGrpSpPr>
+        <p:cNvPr id="1" name=""/>
+        <p:cNvGrpSpPr/>
+        <p:nvPr/>
+      </p:nvGrpSpPr>
+      <p:grpSpPr>
+        <a:xfrm>
+          <a:off x="0" y="0"/>
+          <a:ext cx="0" cy="0"/>
+          <a:chOff x="0" y="0"/>
+          <a:chExt cx="0" cy="0"/>
+        </a:xfrm>
+      </p:grpSpPr>
+      <p:sp>
+        <p:nvSpPr>
+          <p:cNvPr id="2" name="Titre 1">
+            <a:extLst>
+              <a:ext uri="{FF2B5EF4-FFF2-40B4-BE49-F238E27FC236}">
+                <a16:creationId xmlns:a16="http://schemas.microsoft.com/office/drawing/2014/main" id="{6FE50A2E-DDF2-4B23-983F-D44D60EBE361}"/>
+              </a:ext>
+            </a:extLst>
+          </p:cNvPr>
+          <p:cNvSpPr>
+            <a:spLocks noGrp="1"/>
+          </p:cNvSpPr>
+          <p:nvPr>
+            <p:ph type="ctrTitle"/>
+          </p:nvPr>
+        </p:nvSpPr>
+        <p:spPr>
+          <a:xfrm>
+            <a:off x="1524000" y="652463"/>
+            <a:ext cx="9144000" cy="2387600"/>
+          </a:xfrm>
+        </p:spPr>
+        <p:txBody>
+          <a:bodyPr rtlCol="0">
+            <a:normAutofit/>
+          </a:bodyPr>
+          <a:lstStyle/>
+          <a:p>
+            <a:pPr fontAlgn="auto">
+              <a:spcAft>
+                <a:spcPts val="0"/>
+              </a:spcAft>
+              <a:defRPr/>
+            </a:pPr>
+            <a:r>
+              <a:rPr lang="fr-FR" dirty="0"/>
+              <a:t>Bon prochain film !</a:t>
+            </a:r>
+            <a:br>
+              <a:rPr lang="fr-FR" dirty="0"/>
+            </a:br>
+            <a:endParaRPr lang="fr-FR" dirty="0"/>
+          </a:p>
+        </p:txBody>
+      </p:sp>
+      <p:sp>
+        <p:nvSpPr>
+          <p:cNvPr id="3075" name="Sous-titre 2">
+            <a:extLst>
+              <a:ext uri="{FF2B5EF4-FFF2-40B4-BE49-F238E27FC236}">
+                <a16:creationId xmlns:a16="http://schemas.microsoft.com/office/drawing/2014/main" id="{EA27C2E5-779E-4327-BBE1-A77B9294CB33}"/>
+              </a:ext>
+            </a:extLst>
+          </p:cNvPr>
+          <p:cNvSpPr>
+            <a:spLocks noGrp="1" noChangeArrowheads="1"/>
+          </p:cNvSpPr>
+          <p:nvPr>
+            <p:ph type="subTitle" idx="1"/>
+          </p:nvPr>
+        </p:nvSpPr>
+        <p:spPr/>
+        <p:txBody>
+          <a:bodyPr/>
+          <a:lstStyle/>
+          <a:p>
+            <a:endParaRPr lang="fr-FR" altLang="fr-FR"/>
+          </a:p>
+        </p:txBody>
+      </p:sp>
+      <p:pic>
+        <p:nvPicPr>
+          <p:cNvPr id="3076" name="Picture 2" descr="À vos algos, je sors le pop-corn.">
+            <a:extLst>
+              <a:ext uri="{FF2B5EF4-FFF2-40B4-BE49-F238E27FC236}">
+                <a16:creationId xmlns:a16="http://schemas.microsoft.com/office/drawing/2014/main" id="{B26B1A92-F54B-4570-8BD7-0DD820F3F5F6}"/>
+              </a:ext>
+            </a:extLst>
+          </p:cNvPr>
+          <p:cNvPicPr>
+            <a:picLocks noChangeAspect="1" noChangeArrowheads="1"/>
+          </p:cNvPicPr>
+          <p:nvPr/>
+        </p:nvPicPr>
+        <p:blipFill>
+          <a:blip r:embed="rId2">
+            <a:extLst>
+              <a:ext uri="{28A0092B-C50C-407E-A947-70E740481C1C}">
+                <a14:useLocalDpi xmlns:a14="http://schemas.microsoft.com/office/drawing/2010/main" val="0"/>
+              </a:ext>
+            </a:extLst>
+          </a:blip>
+          <a:srcRect/>
+          <a:stretch>
+            <a:fillRect/>
+          </a:stretch>
+        </p:blipFill>
+        <p:spPr bwMode="auto">
+          <a:xfrm>
+            <a:off x="4191000" y="2525713"/>
+            <a:ext cx="3810000" cy="3810000"/>
+          </a:xfrm>
+          <a:prstGeom prst="rect">
+            <a:avLst/>
+          </a:prstGeom>
+          <a:noFill/>
+          <a:ln>
+            <a:noFill/>
+          </a:ln>
+          <a:extLst>
+            <a:ext uri="{909E8E84-426E-40DD-AFC4-6F175D3DCCD1}">
+              <a14:hiddenFill xmlns:a14="http://schemas.microsoft.com/office/drawing/2010/main">
+                <a:solidFill>
+                  <a:srgbClr val="FFFFFF"/>
+                </a:solidFill>
+              </a14:hiddenFill>
+            </a:ext>
+            <a:ext uri="{91240B29-F687-4F45-9708-019B960494DF}">
+              <a14:hiddenLine xmlns:a14="http://schemas.microsoft.com/office/drawing/2010/main" w="9525">
+                <a:solidFill>
+                  <a:srgbClr val="000000"/>
+                </a:solidFill>
+                <a:miter lim="800000"/>
+                <a:headEnd/>
+                <a:tailEnd/>
+              </a14:hiddenLine>
+            </a:ext>
+          </a:extLst>
+        </p:spPr>
+      </p:pic>
+      <p:sp>
+        <p:nvSpPr>
+          <p:cNvPr id="5" name="Espace réservé du pied de page 4">
+            <a:extLst>
+              <a:ext uri="{FF2B5EF4-FFF2-40B4-BE49-F238E27FC236}">
+                <a16:creationId xmlns:a16="http://schemas.microsoft.com/office/drawing/2014/main" id="{B9E293F9-6422-4073-A0DE-561AFBFEFF91}"/>
+              </a:ext>
+            </a:extLst>
+          </p:cNvPr>
+          <p:cNvSpPr>
+            <a:spLocks noGrp="1"/>
+          </p:cNvSpPr>
+          <p:nvPr>
+            <p:ph type="ftr" sz="quarter" idx="11"/>
+          </p:nvPr>
+        </p:nvSpPr>
+        <p:spPr>
+          <a:xfrm>
+            <a:off x="10134600" y="6335713"/>
+            <a:ext cx="2057400" cy="365125"/>
+          </a:xfrm>
+        </p:spPr>
+        <p:txBody>
+          <a:bodyPr/>
+          <a:lstStyle/>
+          <a:p>
+            <a:pPr>
+              <a:defRPr/>
+            </a:pPr>
+            <a:r>
+              <a:rPr lang="fr-FR" dirty="0"/>
+              <a:t>Morgan SCAO</a:t>
+            </a:r>
+          </a:p>
+          <a:p>
+            <a:pPr>
+              <a:defRPr/>
+            </a:pPr>
+            <a:r>
+              <a:rPr lang="fr-FR" dirty="0"/>
+              <a:t>Janvier 2018</a:t>
+            </a:r>
+          </a:p>
+        </p:txBody>
+      </p:sp>
+    </p:spTree>
+    <p:extLst>
+      <p:ext uri="{BB962C8B-B14F-4D97-AF65-F5344CB8AC3E}">
+        <p14:creationId xmlns:p14="http://schemas.microsoft.com/office/powerpoint/2010/main" val="489842201"/>
+      </p:ext>
+    </p:extLst>
+  </p:cSld>
+  <p:clrMapOvr>
+    <a:masterClrMapping/>
+  </p:clrMapOvr>
+</p:sld>
+</file>
+
 <file path=ppt/slides/slide4.xml><?xml version="1.0" encoding="utf-8"?>
 <p:sld xmlns:a="http://schemas.openxmlformats.org/drawingml/2006/main" xmlns:r="http://schemas.openxmlformats.org/officeDocument/2006/relationships" xmlns:p="http://schemas.openxmlformats.org/presentationml/2006/main">
   <p:cSld>
@@ -10178,7 +12984,7 @@
           <a:lstStyle/>
           <a:p>
             <a:r>
-              <a:rPr lang="fr-FR" altLang="fr-FR"/>
+              <a:rPr lang="fr-FR" altLang="fr-FR" dirty="0"/>
               <a:t>Les données</a:t>
             </a:r>
           </a:p>
@@ -10453,6 +13259,27 @@
             </a:lvl9pPr>
           </a:lstStyle>
           <a:p>
+            <a:pPr marL="0" indent="0">
+              <a:buNone/>
+            </a:pPr>
+            <a:r>
+              <a:rPr lang="fr-FR" dirty="0"/>
+              <a:t>5043 lignes</a:t>
+            </a:r>
+          </a:p>
+          <a:p>
+            <a:pPr marL="0" indent="0">
+              <a:buNone/>
+            </a:pPr>
+            <a:r>
+              <a:rPr lang="fr-FR" dirty="0"/>
+              <a:t>28 colonnes</a:t>
+            </a:r>
+          </a:p>
+          <a:p>
+            <a:endParaRPr lang="fr-FR" dirty="0"/>
+          </a:p>
+          <a:p>
             <a:r>
               <a:rPr lang="fr-FR" dirty="0" err="1"/>
               <a:t>Feature</a:t>
@@ -10477,40 +13304,13 @@
           <a:p>
             <a:r>
               <a:rPr lang="fr-FR" dirty="0"/>
-              <a:t>Valeurs aberrantes (budget, pays, nombre de likes)</a:t>
+              <a:t>Valeurs aberrantes</a:t>
             </a:r>
           </a:p>
           <a:p>
             <a:r>
               <a:rPr lang="fr-FR" dirty="0"/>
               <a:t>Binarisation </a:t>
-            </a:r>
-          </a:p>
-          <a:p>
-            <a:pPr lvl="1"/>
-            <a:r>
-              <a:rPr lang="fr-FR" dirty="0" err="1"/>
-              <a:t>Color</a:t>
-            </a:r>
-            <a:r>
-              <a:rPr lang="fr-FR" dirty="0"/>
-              <a:t> par </a:t>
-            </a:r>
-            <a:r>
-              <a:rPr lang="fr-FR" dirty="0" err="1"/>
-              <a:t>LabelEncoder</a:t>
-            </a:r>
-            <a:endParaRPr lang="fr-FR" dirty="0"/>
-          </a:p>
-          <a:p>
-            <a:pPr lvl="1"/>
-            <a:r>
-              <a:rPr lang="fr-FR" dirty="0" err="1"/>
-              <a:t>CountVectorizer</a:t>
-            </a:r>
-            <a:r>
-              <a:rPr lang="fr-FR" dirty="0"/>
-              <a:t> pour les autres</a:t>
             </a:r>
           </a:p>
         </p:txBody>
@@ -10542,10 +13342,10 @@
       </p:grpSpPr>
       <p:sp>
         <p:nvSpPr>
-          <p:cNvPr id="7170" name="Titre 1">
-            <a:extLst>
-              <a:ext uri="{FF2B5EF4-FFF2-40B4-BE49-F238E27FC236}">
-                <a16:creationId xmlns:a16="http://schemas.microsoft.com/office/drawing/2014/main" id="{B8C2A57A-F1C1-40D9-A861-8ECEC2C50E2F}"/>
+          <p:cNvPr id="9218" name="Titre 1">
+            <a:extLst>
+              <a:ext uri="{FF2B5EF4-FFF2-40B4-BE49-F238E27FC236}">
+                <a16:creationId xmlns:a16="http://schemas.microsoft.com/office/drawing/2014/main" id="{34BD6AF5-2536-4CBB-94D0-3CB26A4AD324}"/>
               </a:ext>
             </a:extLst>
           </p:cNvPr>
@@ -10561,241 +13361,20 @@
           <a:bodyPr/>
           <a:lstStyle/>
           <a:p>
-            <a:r>
-              <a:rPr lang="fr-FR" altLang="fr-FR"/>
-              <a:t>Valeurs</a:t>
-            </a:r>
-            <a:br>
-              <a:rPr lang="fr-FR" altLang="fr-FR"/>
-            </a:br>
-            <a:r>
-              <a:rPr lang="fr-FR" altLang="fr-FR"/>
-              <a:t>manquantes</a:t>
+            <a:pPr algn="ctr"/>
+            <a:r>
+              <a:rPr lang="fr-FR" altLang="fr-FR" dirty="0"/>
+              <a:t>Le meilleur et le pire</a:t>
             </a:r>
           </a:p>
         </p:txBody>
       </p:sp>
       <p:pic>
         <p:nvPicPr>
-          <p:cNvPr id="7171" name="Espace réservé du contenu 3">
-            <a:extLst>
-              <a:ext uri="{FF2B5EF4-FFF2-40B4-BE49-F238E27FC236}">
-                <a16:creationId xmlns:a16="http://schemas.microsoft.com/office/drawing/2014/main" id="{8D91FA6D-57BA-42EF-A7AB-98C77FA24D4A}"/>
-              </a:ext>
-            </a:extLst>
-          </p:cNvPr>
-          <p:cNvPicPr>
-            <a:picLocks noGrp="1" noChangeAspect="1" noChangeArrowheads="1"/>
-          </p:cNvPicPr>
-          <p:nvPr>
-            <p:ph idx="1"/>
-          </p:nvPr>
-        </p:nvPicPr>
-        <p:blipFill>
-          <a:blip r:embed="rId2">
-            <a:extLst>
-              <a:ext uri="{28A0092B-C50C-407E-A947-70E740481C1C}">
-                <a14:useLocalDpi xmlns:a14="http://schemas.microsoft.com/office/drawing/2010/main" val="0"/>
-              </a:ext>
-            </a:extLst>
-          </a:blip>
-          <a:srcRect/>
-          <a:stretch>
-            <a:fillRect/>
-          </a:stretch>
-        </p:blipFill>
-        <p:spPr>
-          <a:xfrm>
-            <a:off x="4103688" y="365125"/>
-            <a:ext cx="7689850" cy="6372225"/>
-          </a:xfrm>
-        </p:spPr>
-      </p:pic>
-    </p:spTree>
-  </p:cSld>
-  <p:clrMapOvr>
-    <a:masterClrMapping/>
-  </p:clrMapOvr>
-</p:sld>
-</file>
-
-<file path=ppt/slides/slide6.xml><?xml version="1.0" encoding="utf-8"?>
-<p:sld xmlns:a="http://schemas.openxmlformats.org/drawingml/2006/main" xmlns:r="http://schemas.openxmlformats.org/officeDocument/2006/relationships" xmlns:p="http://schemas.openxmlformats.org/presentationml/2006/main">
-  <p:cSld>
-    <p:spTree>
-      <p:nvGrpSpPr>
-        <p:cNvPr id="1" name=""/>
-        <p:cNvGrpSpPr/>
-        <p:nvPr/>
-      </p:nvGrpSpPr>
-      <p:grpSpPr>
-        <a:xfrm>
-          <a:off x="0" y="0"/>
-          <a:ext cx="0" cy="0"/>
-          <a:chOff x="0" y="0"/>
-          <a:chExt cx="0" cy="0"/>
-        </a:xfrm>
-      </p:grpSpPr>
-      <p:sp>
-        <p:nvSpPr>
-          <p:cNvPr id="8194" name="Titre 1">
-            <a:extLst>
-              <a:ext uri="{FF2B5EF4-FFF2-40B4-BE49-F238E27FC236}">
-                <a16:creationId xmlns:a16="http://schemas.microsoft.com/office/drawing/2014/main" id="{A14C683F-85D0-430C-B94C-2395A1CA8244}"/>
-              </a:ext>
-            </a:extLst>
-          </p:cNvPr>
-          <p:cNvSpPr>
-            <a:spLocks noGrp="1" noChangeArrowheads="1"/>
-          </p:cNvSpPr>
-          <p:nvPr>
-            <p:ph type="title"/>
-          </p:nvPr>
-        </p:nvSpPr>
-        <p:spPr/>
-        <p:txBody>
-          <a:bodyPr/>
-          <a:lstStyle/>
-          <a:p>
-            <a:pPr algn="ctr"/>
-            <a:r>
-              <a:rPr lang="fr-FR" altLang="fr-FR" dirty="0"/>
-              <a:t>Les données non numériques</a:t>
-            </a:r>
-          </a:p>
-        </p:txBody>
-      </p:sp>
-      <p:sp>
-        <p:nvSpPr>
-          <p:cNvPr id="3" name="Espace réservé du contenu 2">
-            <a:extLst>
-              <a:ext uri="{FF2B5EF4-FFF2-40B4-BE49-F238E27FC236}">
-                <a16:creationId xmlns:a16="http://schemas.microsoft.com/office/drawing/2014/main" id="{1B24F952-49D6-4921-86F1-D0DE1244836B}"/>
-              </a:ext>
-            </a:extLst>
-          </p:cNvPr>
-          <p:cNvSpPr>
-            <a:spLocks noGrp="1"/>
-          </p:cNvSpPr>
-          <p:nvPr>
-            <p:ph idx="1"/>
-          </p:nvPr>
-        </p:nvSpPr>
-        <p:spPr/>
-        <p:txBody>
-          <a:bodyPr rtlCol="0">
-            <a:normAutofit lnSpcReduction="10000"/>
-          </a:bodyPr>
-          <a:lstStyle/>
-          <a:p>
-            <a:pPr fontAlgn="auto">
-              <a:spcAft>
-                <a:spcPts val="0"/>
-              </a:spcAft>
-              <a:defRPr/>
-            </a:pPr>
-            <a:endParaRPr lang="fr-FR" dirty="0"/>
-          </a:p>
-          <a:p>
-            <a:pPr fontAlgn="auto">
-              <a:spcAft>
-                <a:spcPts val="0"/>
-              </a:spcAft>
-              <a:defRPr/>
-            </a:pPr>
-            <a:endParaRPr lang="fr-FR" dirty="0"/>
-          </a:p>
-          <a:p>
-            <a:pPr fontAlgn="auto">
-              <a:spcAft>
-                <a:spcPts val="0"/>
-              </a:spcAft>
-              <a:defRPr/>
-            </a:pPr>
-            <a:endParaRPr lang="fr-FR" dirty="0"/>
-          </a:p>
-          <a:p>
-            <a:pPr fontAlgn="auto">
-              <a:spcAft>
-                <a:spcPts val="0"/>
-              </a:spcAft>
-              <a:defRPr/>
-            </a:pPr>
-            <a:endParaRPr lang="fr-FR" dirty="0"/>
-          </a:p>
-          <a:p>
-            <a:pPr marL="0" indent="0" fontAlgn="auto">
-              <a:spcAft>
-                <a:spcPts val="0"/>
-              </a:spcAft>
-              <a:buFont typeface="Arial" panose="020B0604020202020204" pitchFamily="34" charset="0"/>
-              <a:buNone/>
-              <a:defRPr/>
-            </a:pPr>
-            <a:r>
-              <a:rPr lang="fr-FR" dirty="0"/>
-              <a:t>Catégories:</a:t>
-            </a:r>
-          </a:p>
-          <a:p>
-            <a:pPr fontAlgn="auto">
-              <a:spcAft>
-                <a:spcPts val="0"/>
-              </a:spcAft>
-              <a:defRPr/>
-            </a:pPr>
-            <a:r>
-              <a:rPr lang="fr-FR" dirty="0" err="1"/>
-              <a:t>Color</a:t>
-            </a:r>
-            <a:endParaRPr lang="fr-FR" dirty="0"/>
-          </a:p>
-          <a:p>
-            <a:pPr fontAlgn="auto">
-              <a:spcAft>
-                <a:spcPts val="0"/>
-              </a:spcAft>
-              <a:defRPr/>
-            </a:pPr>
-            <a:r>
-              <a:rPr lang="fr-FR" dirty="0" err="1"/>
-              <a:t>Language</a:t>
-            </a:r>
-            <a:endParaRPr lang="fr-FR" dirty="0"/>
-          </a:p>
-          <a:p>
-            <a:pPr fontAlgn="auto">
-              <a:spcAft>
-                <a:spcPts val="0"/>
-              </a:spcAft>
-              <a:defRPr/>
-            </a:pPr>
-            <a:r>
-              <a:rPr lang="fr-FR" dirty="0"/>
-              <a:t>Country</a:t>
-            </a:r>
-          </a:p>
-          <a:p>
-            <a:pPr fontAlgn="auto">
-              <a:spcAft>
-                <a:spcPts val="0"/>
-              </a:spcAft>
-              <a:defRPr/>
-            </a:pPr>
-            <a:r>
-              <a:rPr lang="fr-FR" dirty="0" err="1"/>
-              <a:t>Content_rating</a:t>
-            </a:r>
-            <a:endParaRPr lang="fr-FR" dirty="0"/>
-          </a:p>
-        </p:txBody>
-      </p:sp>
-      <p:pic>
-        <p:nvPicPr>
-          <p:cNvPr id="8196" name="Image 3">
-            <a:extLst>
-              <a:ext uri="{FF2B5EF4-FFF2-40B4-BE49-F238E27FC236}">
-                <a16:creationId xmlns:a16="http://schemas.microsoft.com/office/drawing/2014/main" id="{4464FC03-CBEE-404D-A475-ACC6483DB60F}"/>
+          <p:cNvPr id="9220" name="Image 3">
+            <a:extLst>
+              <a:ext uri="{FF2B5EF4-FFF2-40B4-BE49-F238E27FC236}">
+                <a16:creationId xmlns:a16="http://schemas.microsoft.com/office/drawing/2014/main" id="{CF5C3785-ED04-40A2-B921-E614CF2A872A}"/>
               </a:ext>
             </a:extLst>
           </p:cNvPr>
@@ -10805,7 +13384,7 @@
           <p:nvPr/>
         </p:nvPicPr>
         <p:blipFill>
-          <a:blip r:embed="rId2">
+          <a:blip r:embed="rId3">
             <a:extLst>
               <a:ext uri="{28A0092B-C50C-407E-A947-70E740481C1C}">
                 <a14:useLocalDpi xmlns:a14="http://schemas.microsoft.com/office/drawing/2010/main" val="0"/>
@@ -10819,8 +13398,68 @@
         </p:blipFill>
         <p:spPr bwMode="auto">
           <a:xfrm>
-            <a:off x="587375" y="1744663"/>
-            <a:ext cx="11139488" cy="1689100"/>
+            <a:off x="6737350" y="2265440"/>
+            <a:ext cx="4616450" cy="3019425"/>
+          </a:xfrm>
+          <a:prstGeom prst="rect">
+            <a:avLst/>
+          </a:prstGeom>
+          <a:noFill/>
+          <a:ln>
+            <a:noFill/>
+          </a:ln>
+          <a:extLst>
+            <a:ext uri="{909E8E84-426E-40DD-AFC4-6F175D3DCCD1}">
+              <a14:hiddenFill xmlns:a14="http://schemas.microsoft.com/office/drawing/2010/main">
+                <a:solidFill>
+                  <a:srgbClr val="FFFFFF"/>
+                </a:solidFill>
+              </a14:hiddenFill>
+            </a:ext>
+            <a:ext uri="{91240B29-F687-4F45-9708-019B960494DF}">
+              <a14:hiddenLine xmlns:a14="http://schemas.microsoft.com/office/drawing/2010/main" w="9525">
+                <a:solidFill>
+                  <a:srgbClr val="000000"/>
+                </a:solidFill>
+                <a:miter lim="800000"/>
+                <a:headEnd/>
+                <a:tailEnd/>
+              </a14:hiddenLine>
+            </a:ext>
+          </a:extLst>
+        </p:spPr>
+      </p:pic>
+      <p:pic>
+        <p:nvPicPr>
+          <p:cNvPr id="9221" name="Image 4">
+            <a:extLst>
+              <a:ext uri="{FF2B5EF4-FFF2-40B4-BE49-F238E27FC236}">
+                <a16:creationId xmlns:a16="http://schemas.microsoft.com/office/drawing/2014/main" id="{45B436E3-7BED-4457-A877-1E18FEDF2948}"/>
+              </a:ext>
+            </a:extLst>
+          </p:cNvPr>
+          <p:cNvPicPr>
+            <a:picLocks noChangeAspect="1" noChangeArrowheads="1"/>
+          </p:cNvPicPr>
+          <p:nvPr/>
+        </p:nvPicPr>
+        <p:blipFill>
+          <a:blip r:embed="rId4">
+            <a:extLst>
+              <a:ext uri="{28A0092B-C50C-407E-A947-70E740481C1C}">
+                <a14:useLocalDpi xmlns:a14="http://schemas.microsoft.com/office/drawing/2010/main" val="0"/>
+              </a:ext>
+            </a:extLst>
+          </a:blip>
+          <a:srcRect/>
+          <a:stretch>
+            <a:fillRect/>
+          </a:stretch>
+        </p:blipFill>
+        <p:spPr bwMode="auto">
+          <a:xfrm>
+            <a:off x="838200" y="2336877"/>
+            <a:ext cx="5465763" cy="2947988"/>
           </a:xfrm>
           <a:prstGeom prst="rect">
             <a:avLst/>
@@ -10858,6 +13497,102 @@
 </p:sld>
 </file>
 
+<file path=ppt/slides/slide6.xml><?xml version="1.0" encoding="utf-8"?>
+<p:sld xmlns:a="http://schemas.openxmlformats.org/drawingml/2006/main" xmlns:r="http://schemas.openxmlformats.org/officeDocument/2006/relationships" xmlns:p="http://schemas.openxmlformats.org/presentationml/2006/main">
+  <p:cSld>
+    <p:spTree>
+      <p:nvGrpSpPr>
+        <p:cNvPr id="1" name=""/>
+        <p:cNvGrpSpPr/>
+        <p:nvPr/>
+      </p:nvGrpSpPr>
+      <p:grpSpPr>
+        <a:xfrm>
+          <a:off x="0" y="0"/>
+          <a:ext cx="0" cy="0"/>
+          <a:chOff x="0" y="0"/>
+          <a:chExt cx="0" cy="0"/>
+        </a:xfrm>
+      </p:grpSpPr>
+      <p:sp>
+        <p:nvSpPr>
+          <p:cNvPr id="7170" name="Titre 1">
+            <a:extLst>
+              <a:ext uri="{FF2B5EF4-FFF2-40B4-BE49-F238E27FC236}">
+                <a16:creationId xmlns:a16="http://schemas.microsoft.com/office/drawing/2014/main" id="{B8C2A57A-F1C1-40D9-A861-8ECEC2C50E2F}"/>
+              </a:ext>
+            </a:extLst>
+          </p:cNvPr>
+          <p:cNvSpPr>
+            <a:spLocks noGrp="1" noChangeArrowheads="1"/>
+          </p:cNvSpPr>
+          <p:nvPr>
+            <p:ph type="title"/>
+          </p:nvPr>
+        </p:nvSpPr>
+        <p:spPr/>
+        <p:txBody>
+          <a:bodyPr/>
+          <a:lstStyle/>
+          <a:p>
+            <a:r>
+              <a:rPr lang="fr-FR" altLang="fr-FR"/>
+              <a:t>Valeurs</a:t>
+            </a:r>
+            <a:br>
+              <a:rPr lang="fr-FR" altLang="fr-FR"/>
+            </a:br>
+            <a:r>
+              <a:rPr lang="fr-FR" altLang="fr-FR"/>
+              <a:t>manquantes</a:t>
+            </a:r>
+          </a:p>
+        </p:txBody>
+      </p:sp>
+      <p:pic>
+        <p:nvPicPr>
+          <p:cNvPr id="7171" name="Espace réservé du contenu 3">
+            <a:extLst>
+              <a:ext uri="{FF2B5EF4-FFF2-40B4-BE49-F238E27FC236}">
+                <a16:creationId xmlns:a16="http://schemas.microsoft.com/office/drawing/2014/main" id="{8D91FA6D-57BA-42EF-A7AB-98C77FA24D4A}"/>
+              </a:ext>
+            </a:extLst>
+          </p:cNvPr>
+          <p:cNvPicPr>
+            <a:picLocks noGrp="1" noChangeAspect="1" noChangeArrowheads="1"/>
+          </p:cNvPicPr>
+          <p:nvPr>
+            <p:ph idx="1"/>
+          </p:nvPr>
+        </p:nvPicPr>
+        <p:blipFill>
+          <a:blip r:embed="rId3">
+            <a:extLst>
+              <a:ext uri="{28A0092B-C50C-407E-A947-70E740481C1C}">
+                <a14:useLocalDpi xmlns:a14="http://schemas.microsoft.com/office/drawing/2010/main" val="0"/>
+              </a:ext>
+            </a:extLst>
+          </a:blip>
+          <a:srcRect/>
+          <a:stretch>
+            <a:fillRect/>
+          </a:stretch>
+        </p:blipFill>
+        <p:spPr>
+          <a:xfrm>
+            <a:off x="4103688" y="365125"/>
+            <a:ext cx="7689850" cy="6372225"/>
+          </a:xfrm>
+        </p:spPr>
+      </p:pic>
+    </p:spTree>
+  </p:cSld>
+  <p:clrMapOvr>
+    <a:masterClrMapping/>
+  </p:clrMapOvr>
+</p:sld>
+</file>
+
 <file path=ppt/slides/slide7.xml><?xml version="1.0" encoding="utf-8"?>
 <p:sld xmlns:a="http://schemas.openxmlformats.org/drawingml/2006/main" xmlns:r="http://schemas.openxmlformats.org/officeDocument/2006/relationships" xmlns:p="http://schemas.openxmlformats.org/presentationml/2006/main">
   <p:cSld>
@@ -10877,10 +13612,10 @@
       </p:grpSpPr>
       <p:sp>
         <p:nvSpPr>
-          <p:cNvPr id="9218" name="Titre 1">
-            <a:extLst>
-              <a:ext uri="{FF2B5EF4-FFF2-40B4-BE49-F238E27FC236}">
-                <a16:creationId xmlns:a16="http://schemas.microsoft.com/office/drawing/2014/main" id="{34BD6AF5-2536-4CBB-94D0-3CB26A4AD324}"/>
+          <p:cNvPr id="10242" name="Titre 1">
+            <a:extLst>
+              <a:ext uri="{FF2B5EF4-FFF2-40B4-BE49-F238E27FC236}">
+                <a16:creationId xmlns:a16="http://schemas.microsoft.com/office/drawing/2014/main" id="{89D86D66-45D8-494D-9694-267601D11C17}"/>
               </a:ext>
             </a:extLst>
           </p:cNvPr>
@@ -10899,42 +13634,17 @@
             <a:pPr algn="ctr"/>
             <a:r>
               <a:rPr lang="fr-FR" altLang="fr-FR" dirty="0"/>
-              <a:t>Le meilleur et le pire</a:t>
-            </a:r>
-          </a:p>
-        </p:txBody>
-      </p:sp>
-      <p:sp>
-        <p:nvSpPr>
-          <p:cNvPr id="9219" name="Espace réservé du contenu 2">
-            <a:extLst>
-              <a:ext uri="{FF2B5EF4-FFF2-40B4-BE49-F238E27FC236}">
-                <a16:creationId xmlns:a16="http://schemas.microsoft.com/office/drawing/2014/main" id="{B0A3D901-FA10-444D-B42C-ED847258256B}"/>
-              </a:ext>
-            </a:extLst>
-          </p:cNvPr>
-          <p:cNvSpPr>
-            <a:spLocks noGrp="1" noChangeArrowheads="1"/>
-          </p:cNvSpPr>
-          <p:nvPr>
-            <p:ph idx="1"/>
-          </p:nvPr>
-        </p:nvSpPr>
-        <p:spPr/>
-        <p:txBody>
-          <a:bodyPr/>
-          <a:lstStyle/>
-          <a:p>
-            <a:endParaRPr lang="fr-FR" altLang="fr-FR"/>
+              <a:t>Les doublons</a:t>
+            </a:r>
           </a:p>
         </p:txBody>
       </p:sp>
       <p:pic>
         <p:nvPicPr>
-          <p:cNvPr id="9220" name="Image 3">
-            <a:extLst>
-              <a:ext uri="{FF2B5EF4-FFF2-40B4-BE49-F238E27FC236}">
-                <a16:creationId xmlns:a16="http://schemas.microsoft.com/office/drawing/2014/main" id="{CF5C3785-ED04-40A2-B921-E614CF2A872A}"/>
+          <p:cNvPr id="10244" name="Image 12">
+            <a:extLst>
+              <a:ext uri="{FF2B5EF4-FFF2-40B4-BE49-F238E27FC236}">
+                <a16:creationId xmlns:a16="http://schemas.microsoft.com/office/drawing/2014/main" id="{228843C5-B603-4C40-B972-92AE726E0A79}"/>
               </a:ext>
             </a:extLst>
           </p:cNvPr>
@@ -10958,8 +13668,8 @@
         </p:blipFill>
         <p:spPr bwMode="auto">
           <a:xfrm>
-            <a:off x="6737350" y="3157538"/>
-            <a:ext cx="4616450" cy="3019425"/>
+            <a:off x="758825" y="1776413"/>
+            <a:ext cx="2743200" cy="4448175"/>
           </a:xfrm>
           <a:prstGeom prst="rect">
             <a:avLst/>
@@ -10991,10 +13701,10 @@
       </p:pic>
       <p:pic>
         <p:nvPicPr>
-          <p:cNvPr id="9221" name="Image 4">
-            <a:extLst>
-              <a:ext uri="{FF2B5EF4-FFF2-40B4-BE49-F238E27FC236}">
-                <a16:creationId xmlns:a16="http://schemas.microsoft.com/office/drawing/2014/main" id="{45B436E3-7BED-4457-A877-1E18FEDF2948}"/>
+          <p:cNvPr id="10245" name="Image 13">
+            <a:extLst>
+              <a:ext uri="{FF2B5EF4-FFF2-40B4-BE49-F238E27FC236}">
+                <a16:creationId xmlns:a16="http://schemas.microsoft.com/office/drawing/2014/main" id="{868051BA-BFC3-4045-A704-3C33463CD58E}"/>
               </a:ext>
             </a:extLst>
           </p:cNvPr>
@@ -11018,8 +13728,68 @@
         </p:blipFill>
         <p:spPr bwMode="auto">
           <a:xfrm>
-            <a:off x="838200" y="3228975"/>
-            <a:ext cx="5465763" cy="2947988"/>
+            <a:off x="4065588" y="1776413"/>
+            <a:ext cx="2847975" cy="4419600"/>
+          </a:xfrm>
+          <a:prstGeom prst="rect">
+            <a:avLst/>
+          </a:prstGeom>
+          <a:noFill/>
+          <a:ln>
+            <a:noFill/>
+          </a:ln>
+          <a:extLst>
+            <a:ext uri="{909E8E84-426E-40DD-AFC4-6F175D3DCCD1}">
+              <a14:hiddenFill xmlns:a14="http://schemas.microsoft.com/office/drawing/2010/main">
+                <a:solidFill>
+                  <a:srgbClr val="FFFFFF"/>
+                </a:solidFill>
+              </a14:hiddenFill>
+            </a:ext>
+            <a:ext uri="{91240B29-F687-4F45-9708-019B960494DF}">
+              <a14:hiddenLine xmlns:a14="http://schemas.microsoft.com/office/drawing/2010/main" w="9525">
+                <a:solidFill>
+                  <a:srgbClr val="000000"/>
+                </a:solidFill>
+                <a:miter lim="800000"/>
+                <a:headEnd/>
+                <a:tailEnd/>
+              </a14:hiddenLine>
+            </a:ext>
+          </a:extLst>
+        </p:spPr>
+      </p:pic>
+      <p:pic>
+        <p:nvPicPr>
+          <p:cNvPr id="10246" name="Image 14">
+            <a:extLst>
+              <a:ext uri="{FF2B5EF4-FFF2-40B4-BE49-F238E27FC236}">
+                <a16:creationId xmlns:a16="http://schemas.microsoft.com/office/drawing/2014/main" id="{600B52B8-C843-4438-B390-BC4FB910DA8B}"/>
+              </a:ext>
+            </a:extLst>
+          </p:cNvPr>
+          <p:cNvPicPr>
+            <a:picLocks noChangeAspect="1" noChangeArrowheads="1"/>
+          </p:cNvPicPr>
+          <p:nvPr/>
+        </p:nvPicPr>
+        <p:blipFill>
+          <a:blip r:embed="rId5">
+            <a:extLst>
+              <a:ext uri="{28A0092B-C50C-407E-A947-70E740481C1C}">
+                <a14:useLocalDpi xmlns:a14="http://schemas.microsoft.com/office/drawing/2010/main" val="0"/>
+              </a:ext>
+            </a:extLst>
+          </a:blip>
+          <a:srcRect/>
+          <a:stretch>
+            <a:fillRect/>
+          </a:stretch>
+        </p:blipFill>
+        <p:spPr bwMode="auto">
+          <a:xfrm>
+            <a:off x="7272338" y="1776413"/>
+            <a:ext cx="3152775" cy="4076700"/>
           </a:xfrm>
           <a:prstGeom prst="rect">
             <a:avLst/>
@@ -11076,10 +13846,10 @@
       </p:grpSpPr>
       <p:sp>
         <p:nvSpPr>
-          <p:cNvPr id="10242" name="Titre 1">
-            <a:extLst>
-              <a:ext uri="{FF2B5EF4-FFF2-40B4-BE49-F238E27FC236}">
-                <a16:creationId xmlns:a16="http://schemas.microsoft.com/office/drawing/2014/main" id="{89D86D66-45D8-494D-9694-267601D11C17}"/>
+          <p:cNvPr id="11266" name="Titre 1">
+            <a:extLst>
+              <a:ext uri="{FF2B5EF4-FFF2-40B4-BE49-F238E27FC236}">
+                <a16:creationId xmlns:a16="http://schemas.microsoft.com/office/drawing/2014/main" id="{1B353FEE-EC29-4283-B00C-ADC218B1E2BC}"/>
               </a:ext>
             </a:extLst>
           </p:cNvPr>
@@ -11095,20 +13865,26 @@
           <a:bodyPr/>
           <a:lstStyle/>
           <a:p>
-            <a:pPr algn="ctr"/>
-            <a:r>
-              <a:rPr lang="fr-FR" altLang="fr-FR" dirty="0"/>
-              <a:t>Les doublons</a:t>
+            <a:r>
+              <a:rPr lang="fr-FR" altLang="fr-FR"/>
+              <a:t>Matrice de </a:t>
+            </a:r>
+            <a:br>
+              <a:rPr lang="fr-FR" altLang="fr-FR"/>
+            </a:br>
+            <a:r>
+              <a:rPr lang="fr-FR" altLang="fr-FR"/>
+              <a:t>corrélation</a:t>
             </a:r>
           </a:p>
         </p:txBody>
       </p:sp>
       <p:pic>
         <p:nvPicPr>
-          <p:cNvPr id="10244" name="Image 12">
-            <a:extLst>
-              <a:ext uri="{FF2B5EF4-FFF2-40B4-BE49-F238E27FC236}">
-                <a16:creationId xmlns:a16="http://schemas.microsoft.com/office/drawing/2014/main" id="{228843C5-B603-4C40-B972-92AE726E0A79}"/>
+          <p:cNvPr id="11268" name="Image 4">
+            <a:extLst>
+              <a:ext uri="{FF2B5EF4-FFF2-40B4-BE49-F238E27FC236}">
+                <a16:creationId xmlns:a16="http://schemas.microsoft.com/office/drawing/2014/main" id="{345D09DE-1AAB-45EB-8ACC-FE7CF62F42B5}"/>
               </a:ext>
             </a:extLst>
           </p:cNvPr>
@@ -11118,7 +13894,7 @@
           <p:nvPr/>
         </p:nvPicPr>
         <p:blipFill>
-          <a:blip r:embed="rId2">
+          <a:blip r:embed="rId3">
             <a:extLst>
               <a:ext uri="{28A0092B-C50C-407E-A947-70E740481C1C}">
                 <a14:useLocalDpi xmlns:a14="http://schemas.microsoft.com/office/drawing/2010/main" val="0"/>
@@ -11132,128 +13908,8 @@
         </p:blipFill>
         <p:spPr bwMode="auto">
           <a:xfrm>
-            <a:off x="758825" y="1776413"/>
-            <a:ext cx="2743200" cy="4448175"/>
-          </a:xfrm>
-          <a:prstGeom prst="rect">
-            <a:avLst/>
-          </a:prstGeom>
-          <a:noFill/>
-          <a:ln>
-            <a:noFill/>
-          </a:ln>
-          <a:extLst>
-            <a:ext uri="{909E8E84-426E-40DD-AFC4-6F175D3DCCD1}">
-              <a14:hiddenFill xmlns:a14="http://schemas.microsoft.com/office/drawing/2010/main">
-                <a:solidFill>
-                  <a:srgbClr val="FFFFFF"/>
-                </a:solidFill>
-              </a14:hiddenFill>
-            </a:ext>
-            <a:ext uri="{91240B29-F687-4F45-9708-019B960494DF}">
-              <a14:hiddenLine xmlns:a14="http://schemas.microsoft.com/office/drawing/2010/main" w="9525">
-                <a:solidFill>
-                  <a:srgbClr val="000000"/>
-                </a:solidFill>
-                <a:miter lim="800000"/>
-                <a:headEnd/>
-                <a:tailEnd/>
-              </a14:hiddenLine>
-            </a:ext>
-          </a:extLst>
-        </p:spPr>
-      </p:pic>
-      <p:pic>
-        <p:nvPicPr>
-          <p:cNvPr id="10245" name="Image 13">
-            <a:extLst>
-              <a:ext uri="{FF2B5EF4-FFF2-40B4-BE49-F238E27FC236}">
-                <a16:creationId xmlns:a16="http://schemas.microsoft.com/office/drawing/2014/main" id="{868051BA-BFC3-4045-A704-3C33463CD58E}"/>
-              </a:ext>
-            </a:extLst>
-          </p:cNvPr>
-          <p:cNvPicPr>
-            <a:picLocks noChangeAspect="1" noChangeArrowheads="1"/>
-          </p:cNvPicPr>
-          <p:nvPr/>
-        </p:nvPicPr>
-        <p:blipFill>
-          <a:blip r:embed="rId3">
-            <a:extLst>
-              <a:ext uri="{28A0092B-C50C-407E-A947-70E740481C1C}">
-                <a14:useLocalDpi xmlns:a14="http://schemas.microsoft.com/office/drawing/2010/main" val="0"/>
-              </a:ext>
-            </a:extLst>
-          </a:blip>
-          <a:srcRect/>
-          <a:stretch>
-            <a:fillRect/>
-          </a:stretch>
-        </p:blipFill>
-        <p:spPr bwMode="auto">
-          <a:xfrm>
-            <a:off x="4065588" y="1776413"/>
-            <a:ext cx="2847975" cy="4419600"/>
-          </a:xfrm>
-          <a:prstGeom prst="rect">
-            <a:avLst/>
-          </a:prstGeom>
-          <a:noFill/>
-          <a:ln>
-            <a:noFill/>
-          </a:ln>
-          <a:extLst>
-            <a:ext uri="{909E8E84-426E-40DD-AFC4-6F175D3DCCD1}">
-              <a14:hiddenFill xmlns:a14="http://schemas.microsoft.com/office/drawing/2010/main">
-                <a:solidFill>
-                  <a:srgbClr val="FFFFFF"/>
-                </a:solidFill>
-              </a14:hiddenFill>
-            </a:ext>
-            <a:ext uri="{91240B29-F687-4F45-9708-019B960494DF}">
-              <a14:hiddenLine xmlns:a14="http://schemas.microsoft.com/office/drawing/2010/main" w="9525">
-                <a:solidFill>
-                  <a:srgbClr val="000000"/>
-                </a:solidFill>
-                <a:miter lim="800000"/>
-                <a:headEnd/>
-                <a:tailEnd/>
-              </a14:hiddenLine>
-            </a:ext>
-          </a:extLst>
-        </p:spPr>
-      </p:pic>
-      <p:pic>
-        <p:nvPicPr>
-          <p:cNvPr id="10246" name="Image 14">
-            <a:extLst>
-              <a:ext uri="{FF2B5EF4-FFF2-40B4-BE49-F238E27FC236}">
-                <a16:creationId xmlns:a16="http://schemas.microsoft.com/office/drawing/2014/main" id="{600B52B8-C843-4438-B390-BC4FB910DA8B}"/>
-              </a:ext>
-            </a:extLst>
-          </p:cNvPr>
-          <p:cNvPicPr>
-            <a:picLocks noChangeAspect="1" noChangeArrowheads="1"/>
-          </p:cNvPicPr>
-          <p:nvPr/>
-        </p:nvPicPr>
-        <p:blipFill>
-          <a:blip r:embed="rId4">
-            <a:extLst>
-              <a:ext uri="{28A0092B-C50C-407E-A947-70E740481C1C}">
-                <a14:useLocalDpi xmlns:a14="http://schemas.microsoft.com/office/drawing/2010/main" val="0"/>
-              </a:ext>
-            </a:extLst>
-          </a:blip>
-          <a:srcRect/>
-          <a:stretch>
-            <a:fillRect/>
-          </a:stretch>
-        </p:blipFill>
-        <p:spPr bwMode="auto">
-          <a:xfrm>
-            <a:off x="7272338" y="1776413"/>
-            <a:ext cx="3152775" cy="4076700"/>
+            <a:off x="4518024" y="301841"/>
+            <a:ext cx="7431243" cy="6294222"/>
           </a:xfrm>
           <a:prstGeom prst="rect">
             <a:avLst/>
@@ -11310,10 +13966,10 @@
       </p:grpSpPr>
       <p:sp>
         <p:nvSpPr>
-          <p:cNvPr id="11266" name="Titre 1">
-            <a:extLst>
-              <a:ext uri="{FF2B5EF4-FFF2-40B4-BE49-F238E27FC236}">
-                <a16:creationId xmlns:a16="http://schemas.microsoft.com/office/drawing/2014/main" id="{1B353FEE-EC29-4283-B00C-ADC218B1E2BC}"/>
+          <p:cNvPr id="12290" name="Titre 1">
+            <a:extLst>
+              <a:ext uri="{FF2B5EF4-FFF2-40B4-BE49-F238E27FC236}">
+                <a16:creationId xmlns:a16="http://schemas.microsoft.com/office/drawing/2014/main" id="{E6B04D2E-2D08-48F3-A186-084C981F8CDD}"/>
               </a:ext>
             </a:extLst>
           </p:cNvPr>
@@ -11329,80 +13985,70 @@
           <a:bodyPr/>
           <a:lstStyle/>
           <a:p>
-            <a:r>
-              <a:rPr lang="fr-FR" altLang="fr-FR"/>
-              <a:t>Matrice de </a:t>
-            </a:r>
-            <a:br>
-              <a:rPr lang="fr-FR" altLang="fr-FR"/>
-            </a:br>
-            <a:r>
-              <a:rPr lang="fr-FR" altLang="fr-FR"/>
-              <a:t>corrélation</a:t>
-            </a:r>
-          </a:p>
-        </p:txBody>
-      </p:sp>
-      <p:pic>
-        <p:nvPicPr>
-          <p:cNvPr id="11268" name="Image 4">
-            <a:extLst>
-              <a:ext uri="{FF2B5EF4-FFF2-40B4-BE49-F238E27FC236}">
-                <a16:creationId xmlns:a16="http://schemas.microsoft.com/office/drawing/2014/main" id="{345D09DE-1AAB-45EB-8ACC-FE7CF62F42B5}"/>
-              </a:ext>
-            </a:extLst>
-          </p:cNvPr>
-          <p:cNvPicPr>
-            <a:picLocks noChangeAspect="1" noChangeArrowheads="1"/>
-          </p:cNvPicPr>
-          <p:nvPr/>
-        </p:nvPicPr>
-        <p:blipFill>
-          <a:blip r:embed="rId3">
-            <a:extLst>
-              <a:ext uri="{28A0092B-C50C-407E-A947-70E740481C1C}">
-                <a14:useLocalDpi xmlns:a14="http://schemas.microsoft.com/office/drawing/2010/main" val="0"/>
-              </a:ext>
-            </a:extLst>
-          </a:blip>
-          <a:srcRect/>
-          <a:stretch>
-            <a:fillRect/>
-          </a:stretch>
-        </p:blipFill>
-        <p:spPr bwMode="auto">
-          <a:xfrm>
-            <a:off x="4518024" y="301841"/>
-            <a:ext cx="7431243" cy="6294222"/>
-          </a:xfrm>
-          <a:prstGeom prst="rect">
-            <a:avLst/>
-          </a:prstGeom>
-          <a:noFill/>
-          <a:ln>
-            <a:noFill/>
-          </a:ln>
-          <a:extLst>
-            <a:ext uri="{909E8E84-426E-40DD-AFC4-6F175D3DCCD1}">
-              <a14:hiddenFill xmlns:a14="http://schemas.microsoft.com/office/drawing/2010/main">
-                <a:solidFill>
-                  <a:srgbClr val="FFFFFF"/>
-                </a:solidFill>
-              </a14:hiddenFill>
-            </a:ext>
-            <a:ext uri="{91240B29-F687-4F45-9708-019B960494DF}">
-              <a14:hiddenLine xmlns:a14="http://schemas.microsoft.com/office/drawing/2010/main" w="9525">
-                <a:solidFill>
-                  <a:srgbClr val="000000"/>
-                </a:solidFill>
-                <a:miter lim="800000"/>
-                <a:headEnd/>
-                <a:tailEnd/>
-              </a14:hiddenLine>
-            </a:ext>
-          </a:extLst>
-        </p:spPr>
-      </p:pic>
+            <a:pPr algn="ctr"/>
+            <a:r>
+              <a:rPr lang="fr-FR" altLang="fr-FR" dirty="0"/>
+              <a:t>PCA</a:t>
+            </a:r>
+          </a:p>
+        </p:txBody>
+      </p:sp>
+      <p:sp>
+        <p:nvSpPr>
+          <p:cNvPr id="12291" name="Espace réservé du contenu 2">
+            <a:extLst>
+              <a:ext uri="{FF2B5EF4-FFF2-40B4-BE49-F238E27FC236}">
+                <a16:creationId xmlns:a16="http://schemas.microsoft.com/office/drawing/2014/main" id="{AD8499C7-757C-47B5-8289-683E56461B40}"/>
+              </a:ext>
+            </a:extLst>
+          </p:cNvPr>
+          <p:cNvSpPr>
+            <a:spLocks noGrp="1" noChangeArrowheads="1"/>
+          </p:cNvSpPr>
+          <p:nvPr>
+            <p:ph idx="1"/>
+          </p:nvPr>
+        </p:nvSpPr>
+        <p:spPr/>
+        <p:txBody>
+          <a:bodyPr/>
+          <a:lstStyle/>
+          <a:p>
+            <a:r>
+              <a:rPr lang="fr-FR" altLang="fr-FR" dirty="0"/>
+              <a:t>3 groupes de score</a:t>
+            </a:r>
+          </a:p>
+          <a:p>
+            <a:r>
+              <a:rPr lang="fr-FR" altLang="fr-FR" dirty="0"/>
+              <a:t>3 groupes de features</a:t>
+            </a:r>
+          </a:p>
+          <a:p>
+            <a:r>
+              <a:rPr lang="fr-FR" altLang="fr-FR" dirty="0"/>
+              <a:t>Normalisation</a:t>
+            </a:r>
+          </a:p>
+          <a:p>
+            <a:r>
+              <a:rPr lang="fr-FR" altLang="fr-FR" dirty="0" err="1"/>
+              <a:t>KMeans</a:t>
+            </a:r>
+            <a:r>
+              <a:rPr lang="fr-FR" altLang="fr-FR" dirty="0"/>
+              <a:t> (2 et 3 clusters)</a:t>
+            </a:r>
+          </a:p>
+          <a:p>
+            <a:r>
+              <a:rPr lang="fr-FR" altLang="fr-FR" dirty="0"/>
+              <a:t>Affichage</a:t>
+            </a:r>
+          </a:p>
+        </p:txBody>
+      </p:sp>
     </p:spTree>
   </p:cSld>
   <p:clrMapOvr>

--- a/Rapport/Moteur de recommandations de films.pptx
+++ b/Rapport/Moteur de recommandations de films.pptx
@@ -5,7 +5,7 @@
     <p:sldMasterId id="2147483648" r:id="rId1"/>
   </p:sldMasterIdLst>
   <p:notesMasterIdLst>
-    <p:notesMasterId r:id="rId39"/>
+    <p:notesMasterId r:id="rId40"/>
   </p:notesMasterIdLst>
   <p:sldIdLst>
     <p:sldId id="256" r:id="rId2"/>
@@ -44,7 +44,8 @@
     <p:sldId id="269" r:id="rId35"/>
     <p:sldId id="302" r:id="rId36"/>
     <p:sldId id="303" r:id="rId37"/>
-    <p:sldId id="306" r:id="rId38"/>
+    <p:sldId id="307" r:id="rId38"/>
+    <p:sldId id="306" r:id="rId39"/>
   </p:sldIdLst>
   <p:sldSz cx="12192000" cy="6858000"/>
   <p:notesSz cx="6858000" cy="9144000"/>
@@ -307,7 +308,7 @@
               <a:pPr>
                 <a:defRPr/>
               </a:pPr>
-              <a:t>30/01/2018</a:t>
+              <a:t>12/02/2018</a:t>
             </a:fld>
             <a:endParaRPr lang="fr-FR"/>
           </a:p>
@@ -695,149 +696,38 @@
           <a:p>
             <a:r>
               <a:rPr lang="fr-FR" dirty="0"/>
-              <a:t>Sans rentrer dans le détail</a:t>
-            </a:r>
-          </a:p>
-          <a:p>
-            <a:endParaRPr lang="fr-FR" dirty="0"/>
+              <a:t>Intro : qu’est-ce qu’un moteur de recommandation</a:t>
+            </a:r>
           </a:p>
           <a:p>
             <a:r>
               <a:rPr lang="fr-FR" dirty="0"/>
-              <a:t>Colonne inutile : </a:t>
-            </a:r>
-            <a:r>
-              <a:rPr lang="fr-FR" dirty="0" err="1"/>
-              <a:t>movie_imdb_link</a:t>
-            </a:r>
-            <a:endParaRPr lang="fr-FR" dirty="0"/>
-          </a:p>
-          <a:p>
-            <a:pPr marL="0" marR="0" lvl="0" indent="0" algn="l" defTabSz="914400" rtl="0" eaLnBrk="1" fontAlgn="base" latinLnBrk="0" hangingPunct="1">
-              <a:lnSpc>
-                <a:spcPct val="100000"/>
-              </a:lnSpc>
-              <a:spcBef>
-                <a:spcPct val="30000"/>
-              </a:spcBef>
-              <a:spcAft>
-                <a:spcPct val="0"/>
-              </a:spcAft>
-              <a:buClrTx/>
-              <a:buSzTx/>
-              <a:buFontTx/>
-              <a:buNone/>
-              <a:tabLst/>
-              <a:defRPr/>
-            </a:pPr>
+              <a:t>Les données : nettoyage, transfos</a:t>
+            </a:r>
+          </a:p>
+          <a:p>
             <a:r>
               <a:rPr lang="fr-FR" dirty="0"/>
-              <a:t>Valeurs aberrantes </a:t>
-            </a:r>
-          </a:p>
-          <a:p>
-            <a:pPr marL="0" marR="0" lvl="0" indent="0" algn="l" defTabSz="914400" rtl="0" eaLnBrk="1" fontAlgn="base" latinLnBrk="0" hangingPunct="1">
-              <a:lnSpc>
-                <a:spcPct val="100000"/>
-              </a:lnSpc>
-              <a:spcBef>
-                <a:spcPct val="30000"/>
-              </a:spcBef>
-              <a:spcAft>
-                <a:spcPct val="0"/>
-              </a:spcAft>
-              <a:buClrTx/>
-              <a:buSzTx/>
-              <a:buFontTx/>
-              <a:buNone/>
-              <a:tabLst/>
-              <a:defRPr/>
-            </a:pPr>
+              <a:t>Analyse en composantes principales</a:t>
+            </a:r>
+          </a:p>
+          <a:p>
             <a:r>
               <a:rPr lang="fr-FR" dirty="0"/>
-              <a:t>	Budget -&gt; médiane</a:t>
-            </a:r>
-          </a:p>
-          <a:p>
-            <a:pPr marL="0" marR="0" lvl="0" indent="0" algn="l" defTabSz="914400" rtl="0" eaLnBrk="1" fontAlgn="base" latinLnBrk="0" hangingPunct="1">
-              <a:lnSpc>
-                <a:spcPct val="100000"/>
-              </a:lnSpc>
-              <a:spcBef>
-                <a:spcPct val="30000"/>
-              </a:spcBef>
-              <a:spcAft>
-                <a:spcPct val="0"/>
-              </a:spcAft>
-              <a:buClrTx/>
-              <a:buSzTx/>
-              <a:buFontTx/>
-              <a:buNone/>
-              <a:tabLst/>
-              <a:defRPr/>
-            </a:pPr>
-            <a:r>
-              <a:rPr lang="fr-FR" sz="1200" kern="1200" dirty="0">
-                <a:solidFill>
-                  <a:schemeClr val="tx1"/>
-                </a:solidFill>
-                <a:latin typeface="+mn-lt"/>
-                <a:ea typeface="+mn-ea"/>
-                <a:cs typeface="+mn-cs"/>
-              </a:rPr>
-              <a:t>	Nombre de likes</a:t>
-            </a:r>
+              <a:t>Silhouette : recherche d’un découpage en k clusters</a:t>
+            </a:r>
+          </a:p>
+          <a:p>
             <a:r>
               <a:rPr lang="fr-FR" dirty="0"/>
-              <a:t> -&gt; médiane + décrément de </a:t>
-            </a:r>
-            <a:r>
-              <a:rPr lang="fr-FR" dirty="0" err="1"/>
-              <a:t>cast_total_facebook_likes</a:t>
-            </a:r>
-            <a:endParaRPr lang="fr-FR" dirty="0"/>
-          </a:p>
-          <a:p>
-            <a:pPr marL="0" marR="0" lvl="0" indent="0" algn="l" defTabSz="914400" rtl="0" eaLnBrk="1" fontAlgn="base" latinLnBrk="0" hangingPunct="1">
-              <a:lnSpc>
-                <a:spcPct val="100000"/>
-              </a:lnSpc>
-              <a:spcBef>
-                <a:spcPct val="30000"/>
-              </a:spcBef>
-              <a:spcAft>
-                <a:spcPct val="0"/>
-              </a:spcAft>
-              <a:buClrTx/>
-              <a:buSzTx/>
-              <a:buFontTx/>
-              <a:buNone/>
-              <a:tabLst/>
-              <a:defRPr/>
-            </a:pPr>
-            <a:r>
-              <a:rPr lang="fr-FR" sz="1200" kern="1200" dirty="0">
-                <a:solidFill>
-                  <a:schemeClr val="tx1"/>
-                </a:solidFill>
-                <a:latin typeface="+mn-lt"/>
-                <a:ea typeface="+mn-ea"/>
-                <a:cs typeface="+mn-cs"/>
-              </a:rPr>
-              <a:t>	Pays</a:t>
-            </a:r>
+              <a:t>Dendrogrammes : autre façon d’analyser le nombre de découpages possibles</a:t>
+            </a:r>
+          </a:p>
+          <a:p>
             <a:r>
               <a:rPr lang="fr-FR" dirty="0"/>
-              <a:t> -&gt; médiane (USA)</a:t>
-            </a:r>
-            <a:endParaRPr lang="fr-FR" sz="1200" kern="1200" dirty="0">
-              <a:solidFill>
-                <a:schemeClr val="tx1"/>
-              </a:solidFill>
-              <a:latin typeface="+mn-lt"/>
-              <a:ea typeface="+mn-ea"/>
-              <a:cs typeface="+mn-cs"/>
-            </a:endParaRPr>
+              <a:t>Distances entre les items 2 à 2</a:t>
+            </a:r>
           </a:p>
         </p:txBody>
       </p:sp>
@@ -864,7 +754,7 @@
               <a:pPr>
                 <a:defRPr/>
               </a:pPr>
-              <a:t>4</a:t>
+              <a:t>2</a:t>
             </a:fld>
             <a:endParaRPr lang="fr-FR"/>
           </a:p>
@@ -873,7 +763,7 @@
     </p:spTree>
     <p:extLst>
       <p:ext uri="{BB962C8B-B14F-4D97-AF65-F5344CB8AC3E}">
-        <p14:creationId xmlns:p14="http://schemas.microsoft.com/office/powerpoint/2010/main" val="1142548615"/>
+        <p14:creationId xmlns:p14="http://schemas.microsoft.com/office/powerpoint/2010/main" val="581029508"/>
       </p:ext>
     </p:extLst>
   </p:cSld>
@@ -902,236 +792,10 @@
       </p:grpSpPr>
       <p:sp>
         <p:nvSpPr>
-          <p:cNvPr id="2" name="Espace réservé de l'image des diapositives 1"/>
-          <p:cNvSpPr>
-            <a:spLocks noGrp="1" noRot="1" noChangeAspect="1"/>
-          </p:cNvSpPr>
-          <p:nvPr>
-            <p:ph type="sldImg"/>
-          </p:nvPr>
-        </p:nvSpPr>
-        <p:spPr/>
-      </p:sp>
-      <p:sp>
-        <p:nvSpPr>
-          <p:cNvPr id="3" name="Espace réservé des notes 2"/>
-          <p:cNvSpPr>
-            <a:spLocks noGrp="1"/>
-          </p:cNvSpPr>
-          <p:nvPr>
-            <p:ph type="body" idx="1"/>
-          </p:nvPr>
-        </p:nvSpPr>
-        <p:spPr/>
-        <p:txBody>
-          <a:bodyPr/>
-          <a:lstStyle/>
-          <a:p>
-            <a:pPr marL="0" marR="0" lvl="0" indent="0" algn="l" defTabSz="914400" rtl="0" eaLnBrk="1" fontAlgn="base" latinLnBrk="0" hangingPunct="1">
-              <a:lnSpc>
-                <a:spcPct val="100000"/>
-              </a:lnSpc>
-              <a:spcBef>
-                <a:spcPct val="30000"/>
-              </a:spcBef>
-              <a:spcAft>
-                <a:spcPct val="0"/>
-              </a:spcAft>
-              <a:buClrTx/>
-              <a:buSzTx/>
-              <a:buFontTx/>
-              <a:buNone/>
-              <a:tabLst/>
-              <a:defRPr/>
-            </a:pPr>
-            <a:r>
-              <a:rPr lang="fr-FR" altLang="fr-FR" dirty="0"/>
-              <a:t>Les 2 directions ppales expliquent de moins en moins la variance</a:t>
-            </a:r>
-          </a:p>
-          <a:p>
-            <a:endParaRPr lang="fr-FR" dirty="0"/>
-          </a:p>
-        </p:txBody>
-      </p:sp>
-      <p:sp>
-        <p:nvSpPr>
-          <p:cNvPr id="4" name="Espace réservé du numéro de diapositive 3"/>
-          <p:cNvSpPr>
-            <a:spLocks noGrp="1"/>
-          </p:cNvSpPr>
-          <p:nvPr>
-            <p:ph type="sldNum" sz="quarter" idx="10"/>
-          </p:nvPr>
-        </p:nvSpPr>
-        <p:spPr/>
-        <p:txBody>
-          <a:bodyPr/>
-          <a:lstStyle/>
-          <a:p>
-            <a:pPr>
-              <a:defRPr/>
-            </a:pPr>
-            <a:fld id="{CC32C800-F1EC-4563-A4CB-7BFB6B498BC5}" type="slidenum">
-              <a:rPr lang="fr-FR" smtClean="0"/>
-              <a:pPr>
-                <a:defRPr/>
-              </a:pPr>
-              <a:t>15</a:t>
-            </a:fld>
-            <a:endParaRPr lang="fr-FR"/>
-          </a:p>
-        </p:txBody>
-      </p:sp>
-    </p:spTree>
-    <p:extLst>
-      <p:ext uri="{BB962C8B-B14F-4D97-AF65-F5344CB8AC3E}">
-        <p14:creationId xmlns:p14="http://schemas.microsoft.com/office/powerpoint/2010/main" val="1643205833"/>
-      </p:ext>
-    </p:extLst>
-  </p:cSld>
-  <p:clrMapOvr>
-    <a:masterClrMapping/>
-  </p:clrMapOvr>
-</p:notes>
-</file>
-
-<file path=ppt/notesSlides/notesSlide11.xml><?xml version="1.0" encoding="utf-8"?>
-<p:notes xmlns:a="http://schemas.openxmlformats.org/drawingml/2006/main" xmlns:r="http://schemas.openxmlformats.org/officeDocument/2006/relationships" xmlns:p="http://schemas.openxmlformats.org/presentationml/2006/main">
-  <p:cSld>
-    <p:spTree>
-      <p:nvGrpSpPr>
-        <p:cNvPr id="1" name=""/>
-        <p:cNvGrpSpPr/>
-        <p:nvPr/>
-      </p:nvGrpSpPr>
-      <p:grpSpPr>
-        <a:xfrm>
-          <a:off x="0" y="0"/>
-          <a:ext cx="0" cy="0"/>
-          <a:chOff x="0" y="0"/>
-          <a:chExt cx="0" cy="0"/>
-        </a:xfrm>
-      </p:grpSpPr>
-      <p:sp>
-        <p:nvSpPr>
-          <p:cNvPr id="2" name="Espace réservé de l'image des diapositives 1"/>
-          <p:cNvSpPr>
-            <a:spLocks noGrp="1" noRot="1" noChangeAspect="1"/>
-          </p:cNvSpPr>
-          <p:nvPr>
-            <p:ph type="sldImg"/>
-          </p:nvPr>
-        </p:nvSpPr>
-        <p:spPr/>
-      </p:sp>
-      <p:sp>
-        <p:nvSpPr>
-          <p:cNvPr id="3" name="Espace réservé des notes 2"/>
-          <p:cNvSpPr>
-            <a:spLocks noGrp="1"/>
-          </p:cNvSpPr>
-          <p:nvPr>
-            <p:ph type="body" idx="1"/>
-          </p:nvPr>
-        </p:nvSpPr>
-        <p:spPr/>
-        <p:txBody>
-          <a:bodyPr/>
-          <a:lstStyle/>
-          <a:p>
-            <a:pPr marL="0" marR="0" lvl="0" indent="0" algn="l" defTabSz="914400" rtl="0" eaLnBrk="1" fontAlgn="base" latinLnBrk="0" hangingPunct="1">
-              <a:lnSpc>
-                <a:spcPct val="100000"/>
-              </a:lnSpc>
-              <a:spcBef>
-                <a:spcPct val="30000"/>
-              </a:spcBef>
-              <a:spcAft>
-                <a:spcPct val="0"/>
-              </a:spcAft>
-              <a:buClrTx/>
-              <a:buSzTx/>
-              <a:buFontTx/>
-              <a:buNone/>
-              <a:tabLst/>
-              <a:defRPr/>
-            </a:pPr>
-            <a:r>
-              <a:rPr lang="fr-FR" altLang="fr-FR" dirty="0"/>
-              <a:t>Les 2 directions ppales n’expliquent plus rien du tout</a:t>
-            </a:r>
-          </a:p>
-          <a:p>
-            <a:endParaRPr lang="fr-FR" dirty="0"/>
-          </a:p>
-        </p:txBody>
-      </p:sp>
-      <p:sp>
-        <p:nvSpPr>
-          <p:cNvPr id="4" name="Espace réservé du numéro de diapositive 3"/>
-          <p:cNvSpPr>
-            <a:spLocks noGrp="1"/>
-          </p:cNvSpPr>
-          <p:nvPr>
-            <p:ph type="sldNum" sz="quarter" idx="10"/>
-          </p:nvPr>
-        </p:nvSpPr>
-        <p:spPr/>
-        <p:txBody>
-          <a:bodyPr/>
-          <a:lstStyle/>
-          <a:p>
-            <a:pPr>
-              <a:defRPr/>
-            </a:pPr>
-            <a:fld id="{CC32C800-F1EC-4563-A4CB-7BFB6B498BC5}" type="slidenum">
-              <a:rPr lang="fr-FR" smtClean="0"/>
-              <a:pPr>
-                <a:defRPr/>
-              </a:pPr>
-              <a:t>16</a:t>
-            </a:fld>
-            <a:endParaRPr lang="fr-FR"/>
-          </a:p>
-        </p:txBody>
-      </p:sp>
-    </p:spTree>
-    <p:extLst>
-      <p:ext uri="{BB962C8B-B14F-4D97-AF65-F5344CB8AC3E}">
-        <p14:creationId xmlns:p14="http://schemas.microsoft.com/office/powerpoint/2010/main" val="350297072"/>
-      </p:ext>
-    </p:extLst>
-  </p:cSld>
-  <p:clrMapOvr>
-    <a:masterClrMapping/>
-  </p:clrMapOvr>
-</p:notes>
-</file>
-
-<file path=ppt/notesSlides/notesSlide12.xml><?xml version="1.0" encoding="utf-8"?>
-<p:notes xmlns:a="http://schemas.openxmlformats.org/drawingml/2006/main" xmlns:r="http://schemas.openxmlformats.org/officeDocument/2006/relationships" xmlns:p="http://schemas.openxmlformats.org/presentationml/2006/main">
-  <p:cSld>
-    <p:spTree>
-      <p:nvGrpSpPr>
-        <p:cNvPr id="1" name=""/>
-        <p:cNvGrpSpPr/>
-        <p:nvPr/>
-      </p:nvGrpSpPr>
-      <p:grpSpPr>
-        <a:xfrm>
-          <a:off x="0" y="0"/>
-          <a:ext cx="0" cy="0"/>
-          <a:chOff x="0" y="0"/>
-          <a:chExt cx="0" cy="0"/>
-        </a:xfrm>
-      </p:grpSpPr>
-      <p:sp>
-        <p:nvSpPr>
-          <p:cNvPr id="24578" name="Espace réservé de l'image des diapositives 1">
-            <a:extLst>
-              <a:ext uri="{FF2B5EF4-FFF2-40B4-BE49-F238E27FC236}">
-                <a16:creationId xmlns:a16="http://schemas.microsoft.com/office/drawing/2014/main" id="{B3FBB861-F563-4800-A866-7FFB5F0B8D0A}"/>
+          <p:cNvPr id="16386" name="Espace réservé de l'image des diapositives 1">
+            <a:extLst>
+              <a:ext uri="{FF2B5EF4-FFF2-40B4-BE49-F238E27FC236}">
+                <a16:creationId xmlns:a16="http://schemas.microsoft.com/office/drawing/2014/main" id="{2345DD6C-5EDA-4931-A6EF-A96EFE9F4229}"/>
               </a:ext>
             </a:extLst>
           </p:cNvPr>
@@ -1165,10 +829,10 @@
       </p:sp>
       <p:sp>
         <p:nvSpPr>
-          <p:cNvPr id="24579" name="Espace réservé des notes 2">
-            <a:extLst>
-              <a:ext uri="{FF2B5EF4-FFF2-40B4-BE49-F238E27FC236}">
-                <a16:creationId xmlns:a16="http://schemas.microsoft.com/office/drawing/2014/main" id="{398ACF0A-8039-4D14-838B-E00EBE85CCB0}"/>
+          <p:cNvPr id="16387" name="Espace réservé des notes 2">
+            <a:extLst>
+              <a:ext uri="{FF2B5EF4-FFF2-40B4-BE49-F238E27FC236}">
+                <a16:creationId xmlns:a16="http://schemas.microsoft.com/office/drawing/2014/main" id="{10A377D1-3378-486F-BC86-A77661B202E9}"/>
               </a:ext>
             </a:extLst>
           </p:cNvPr>
@@ -1215,18 +879,51 @@
               </a:spcBef>
             </a:pPr>
             <a:r>
-              <a:rPr lang="fr-FR" altLang="fr-FR"/>
-              <a:t>Pas de variable catégorielle : c’est ce qui explique le mieux la variance</a:t>
-            </a:r>
-          </a:p>
-        </p:txBody>
-      </p:sp>
-      <p:sp>
-        <p:nvSpPr>
-          <p:cNvPr id="24580" name="Espace réservé du numéro de diapositive 3">
-            <a:extLst>
-              <a:ext uri="{FF2B5EF4-FFF2-40B4-BE49-F238E27FC236}">
-                <a16:creationId xmlns:a16="http://schemas.microsoft.com/office/drawing/2014/main" id="{D7CBCEA1-C136-44A4-A8F1-0DBFF45C80F7}"/>
+              <a:rPr lang="fr-FR" altLang="fr-FR" dirty="0"/>
+              <a:t>Genre : c’est le plus important pour ne pas passer d’un dessin animé à un film d’horreur par ex</a:t>
+            </a:r>
+          </a:p>
+          <a:p>
+            <a:pPr>
+              <a:spcBef>
+                <a:spcPct val="0"/>
+              </a:spcBef>
+            </a:pPr>
+            <a:r>
+              <a:rPr lang="fr-FR" altLang="fr-FR" dirty="0"/>
+              <a:t>Réalisateur et Acteur : les gens peuvent être très attachés</a:t>
+            </a:r>
+          </a:p>
+          <a:p>
+            <a:pPr>
+              <a:spcBef>
+                <a:spcPct val="0"/>
+              </a:spcBef>
+            </a:pPr>
+            <a:r>
+              <a:rPr lang="fr-FR" altLang="fr-FR" dirty="0"/>
+              <a:t>Langue : important</a:t>
+            </a:r>
+          </a:p>
+          <a:p>
+            <a:pPr>
+              <a:spcBef>
+                <a:spcPct val="0"/>
+              </a:spcBef>
+            </a:pPr>
+            <a:r>
+              <a:rPr lang="fr-FR" altLang="fr-FR" dirty="0"/>
+              <a:t>Titre : peut compter pour voir les autres versions</a:t>
+            </a:r>
+          </a:p>
+        </p:txBody>
+      </p:sp>
+      <p:sp>
+        <p:nvSpPr>
+          <p:cNvPr id="16388" name="Espace réservé du numéro de diapositive 3">
+            <a:extLst>
+              <a:ext uri="{FF2B5EF4-FFF2-40B4-BE49-F238E27FC236}">
+                <a16:creationId xmlns:a16="http://schemas.microsoft.com/office/drawing/2014/main" id="{B29AA347-89D0-4CF7-B044-3278EBC625BC}"/>
               </a:ext>
             </a:extLst>
           </p:cNvPr>
@@ -1372,7 +1069,7 @@
                 <a:spcPct val="0"/>
               </a:spcAft>
             </a:pPr>
-            <a:fld id="{FCCAF054-DC6F-41E0-B167-E9431BA5FF75}" type="slidenum">
+            <a:fld id="{A9A15043-B105-4DE9-8826-0F5DFE0C300D}" type="slidenum">
               <a:rPr lang="fr-FR" altLang="fr-FR"/>
               <a:pPr fontAlgn="base">
                 <a:spcBef>
@@ -1382,7 +1079,7 @@
                   <a:spcPct val="0"/>
                 </a:spcAft>
               </a:pPr>
-              <a:t>17</a:t>
+              <a:t>12</a:t>
             </a:fld>
             <a:endParaRPr lang="fr-FR" altLang="fr-FR"/>
           </a:p>
@@ -1396,7 +1093,7 @@
 </p:notes>
 </file>
 
-<file path=ppt/notesSlides/notesSlide13.xml><?xml version="1.0" encoding="utf-8"?>
+<file path=ppt/notesSlides/notesSlide11.xml><?xml version="1.0" encoding="utf-8"?>
 <p:notes xmlns:a="http://schemas.openxmlformats.org/drawingml/2006/main" xmlns:r="http://schemas.openxmlformats.org/officeDocument/2006/relationships" xmlns:p="http://schemas.openxmlformats.org/presentationml/2006/main">
   <p:cSld>
     <p:spTree>
@@ -1441,15 +1138,10 @@
           <a:lstStyle/>
           <a:p>
             <a:r>
-              <a:rPr lang="fr-FR" dirty="0"/>
-              <a:t>Meilleur k=3, mais coef &lt; 0.2</a:t>
-            </a:r>
-          </a:p>
-          <a:p>
-            <a:r>
-              <a:rPr lang="fr-FR" dirty="0"/>
-              <a:t>ne veut rien dire pour classer des films</a:t>
-            </a:r>
+              <a:rPr lang="fr-FR" dirty="0" err="1"/>
+              <a:t>CountVectorizer</a:t>
+            </a:r>
+            <a:endParaRPr lang="fr-FR" dirty="0"/>
           </a:p>
         </p:txBody>
       </p:sp>
@@ -1476,7 +1168,7 @@
               <a:pPr>
                 <a:defRPr/>
               </a:pPr>
-              <a:t>18</a:t>
+              <a:t>13</a:t>
             </a:fld>
             <a:endParaRPr lang="fr-FR"/>
           </a:p>
@@ -1485,7 +1177,7 @@
     </p:spTree>
     <p:extLst>
       <p:ext uri="{BB962C8B-B14F-4D97-AF65-F5344CB8AC3E}">
-        <p14:creationId xmlns:p14="http://schemas.microsoft.com/office/powerpoint/2010/main" val="1486696292"/>
+        <p14:creationId xmlns:p14="http://schemas.microsoft.com/office/powerpoint/2010/main" val="2377268029"/>
       </p:ext>
     </p:extLst>
   </p:cSld>
@@ -1495,7 +1187,7 @@
 </p:notes>
 </file>
 
-<file path=ppt/notesSlides/notesSlide14.xml><?xml version="1.0" encoding="utf-8"?>
+<file path=ppt/notesSlides/notesSlide12.xml><?xml version="1.0" encoding="utf-8"?>
 <p:notes xmlns:a="http://schemas.openxmlformats.org/drawingml/2006/main" xmlns:r="http://schemas.openxmlformats.org/officeDocument/2006/relationships" xmlns:p="http://schemas.openxmlformats.org/presentationml/2006/main">
   <p:cSld>
     <p:spTree>
@@ -1514,103 +1206,10 @@
       </p:grpSpPr>
       <p:sp>
         <p:nvSpPr>
-          <p:cNvPr id="2" name="Espace réservé de l'image des diapositives 1"/>
-          <p:cNvSpPr>
-            <a:spLocks noGrp="1" noRot="1" noChangeAspect="1"/>
-          </p:cNvSpPr>
-          <p:nvPr>
-            <p:ph type="sldImg"/>
-          </p:nvPr>
-        </p:nvSpPr>
-        <p:spPr/>
-      </p:sp>
-      <p:sp>
-        <p:nvSpPr>
-          <p:cNvPr id="3" name="Espace réservé des notes 2"/>
-          <p:cNvSpPr>
-            <a:spLocks noGrp="1"/>
-          </p:cNvSpPr>
-          <p:nvPr>
-            <p:ph type="body" idx="1"/>
-          </p:nvPr>
-        </p:nvSpPr>
-        <p:spPr/>
-        <p:txBody>
-          <a:bodyPr/>
-          <a:lstStyle/>
-          <a:p>
-            <a:r>
-              <a:rPr lang="fr-FR" dirty="0"/>
-              <a:t>Pas mieux</a:t>
-            </a:r>
-          </a:p>
-        </p:txBody>
-      </p:sp>
-      <p:sp>
-        <p:nvSpPr>
-          <p:cNvPr id="4" name="Espace réservé du numéro de diapositive 3"/>
-          <p:cNvSpPr>
-            <a:spLocks noGrp="1"/>
-          </p:cNvSpPr>
-          <p:nvPr>
-            <p:ph type="sldNum" sz="quarter" idx="10"/>
-          </p:nvPr>
-        </p:nvSpPr>
-        <p:spPr/>
-        <p:txBody>
-          <a:bodyPr/>
-          <a:lstStyle/>
-          <a:p>
-            <a:pPr>
-              <a:defRPr/>
-            </a:pPr>
-            <a:fld id="{CC32C800-F1EC-4563-A4CB-7BFB6B498BC5}" type="slidenum">
-              <a:rPr lang="fr-FR" smtClean="0"/>
-              <a:pPr>
-                <a:defRPr/>
-              </a:pPr>
-              <a:t>19</a:t>
-            </a:fld>
-            <a:endParaRPr lang="fr-FR"/>
-          </a:p>
-        </p:txBody>
-      </p:sp>
-    </p:spTree>
-    <p:extLst>
-      <p:ext uri="{BB962C8B-B14F-4D97-AF65-F5344CB8AC3E}">
-        <p14:creationId xmlns:p14="http://schemas.microsoft.com/office/powerpoint/2010/main" val="3710382060"/>
-      </p:ext>
-    </p:extLst>
-  </p:cSld>
-  <p:clrMapOvr>
-    <a:masterClrMapping/>
-  </p:clrMapOvr>
-</p:notes>
-</file>
-
-<file path=ppt/notesSlides/notesSlide15.xml><?xml version="1.0" encoding="utf-8"?>
-<p:notes xmlns:a="http://schemas.openxmlformats.org/drawingml/2006/main" xmlns:r="http://schemas.openxmlformats.org/officeDocument/2006/relationships" xmlns:p="http://schemas.openxmlformats.org/presentationml/2006/main">
-  <p:cSld>
-    <p:spTree>
-      <p:nvGrpSpPr>
-        <p:cNvPr id="1" name=""/>
-        <p:cNvGrpSpPr/>
-        <p:nvPr/>
-      </p:nvGrpSpPr>
-      <p:grpSpPr>
-        <a:xfrm>
-          <a:off x="0" y="0"/>
-          <a:ext cx="0" cy="0"/>
-          <a:chOff x="0" y="0"/>
-          <a:chExt cx="0" cy="0"/>
-        </a:xfrm>
-      </p:grpSpPr>
-      <p:sp>
-        <p:nvSpPr>
-          <p:cNvPr id="30722" name="Espace réservé de l'image des diapositives 1">
-            <a:extLst>
-              <a:ext uri="{FF2B5EF4-FFF2-40B4-BE49-F238E27FC236}">
-                <a16:creationId xmlns:a16="http://schemas.microsoft.com/office/drawing/2014/main" id="{FD2408B1-5AB2-4593-8D1A-FD64F7E5EF56}"/>
+          <p:cNvPr id="20482" name="Espace réservé de l'image des diapositives 1">
+            <a:extLst>
+              <a:ext uri="{FF2B5EF4-FFF2-40B4-BE49-F238E27FC236}">
+                <a16:creationId xmlns:a16="http://schemas.microsoft.com/office/drawing/2014/main" id="{7A6A9DBA-02DF-49A9-8C63-618D9C9703D4}"/>
               </a:ext>
             </a:extLst>
           </p:cNvPr>
@@ -1644,10 +1243,10 @@
       </p:sp>
       <p:sp>
         <p:nvSpPr>
-          <p:cNvPr id="30723" name="Espace réservé des notes 2">
-            <a:extLst>
-              <a:ext uri="{FF2B5EF4-FFF2-40B4-BE49-F238E27FC236}">
-                <a16:creationId xmlns:a16="http://schemas.microsoft.com/office/drawing/2014/main" id="{12ECAC57-7E0D-4A84-A332-79C0DC55F3E1}"/>
+          <p:cNvPr id="20483" name="Espace réservé des notes 2">
+            <a:extLst>
+              <a:ext uri="{FF2B5EF4-FFF2-40B4-BE49-F238E27FC236}">
+                <a16:creationId xmlns:a16="http://schemas.microsoft.com/office/drawing/2014/main" id="{A38DA539-9104-43AC-A6ED-355E9296F962}"/>
               </a:ext>
             </a:extLst>
           </p:cNvPr>
@@ -1688,24 +1287,44 @@
           </a:bodyPr>
           <a:lstStyle/>
           <a:p>
+            <a:pPr marL="0" marR="0" lvl="0" indent="0" algn="l" defTabSz="914400" rtl="0" eaLnBrk="1" fontAlgn="base" latinLnBrk="0" hangingPunct="1">
+              <a:lnSpc>
+                <a:spcPct val="100000"/>
+              </a:lnSpc>
+              <a:spcBef>
+                <a:spcPct val="0"/>
+              </a:spcBef>
+              <a:spcAft>
+                <a:spcPct val="0"/>
+              </a:spcAft>
+              <a:buClrTx/>
+              <a:buSzTx/>
+              <a:buFontTx/>
+              <a:buNone/>
+              <a:tabLst/>
+              <a:defRPr/>
+            </a:pPr>
+            <a:r>
+              <a:rPr lang="fr-FR" altLang="fr-FR" dirty="0"/>
+              <a:t>Les 2 directions ppales expliquent 20% de la variance, ça n’est pas significatif, on va qd même tracer qlqs graphes</a:t>
+            </a:r>
+          </a:p>
+          <a:p>
             <a:pPr>
               <a:spcBef>
                 <a:spcPct val="0"/>
               </a:spcBef>
             </a:pPr>
-            <a:r>
-              <a:rPr lang="fr-FR" altLang="fr-FR"/>
-              <a:t>single, complete, average, weighted, centroid, median</a:t>
-            </a:r>
-          </a:p>
-        </p:txBody>
-      </p:sp>
-      <p:sp>
-        <p:nvSpPr>
-          <p:cNvPr id="30724" name="Espace réservé du numéro de diapositive 3">
-            <a:extLst>
-              <a:ext uri="{FF2B5EF4-FFF2-40B4-BE49-F238E27FC236}">
-                <a16:creationId xmlns:a16="http://schemas.microsoft.com/office/drawing/2014/main" id="{26E17676-F4B7-4002-80BA-2936DEF0EFFA}"/>
+            <a:endParaRPr lang="fr-FR" altLang="fr-FR" dirty="0"/>
+          </a:p>
+        </p:txBody>
+      </p:sp>
+      <p:sp>
+        <p:nvSpPr>
+          <p:cNvPr id="20484" name="Espace réservé du numéro de diapositive 3">
+            <a:extLst>
+              <a:ext uri="{FF2B5EF4-FFF2-40B4-BE49-F238E27FC236}">
+                <a16:creationId xmlns:a16="http://schemas.microsoft.com/office/drawing/2014/main" id="{1E220833-D121-4FB5-8883-C70D7CF029A3}"/>
               </a:ext>
             </a:extLst>
           </p:cNvPr>
@@ -1851,7 +1470,7 @@
                 <a:spcPct val="0"/>
               </a:spcAft>
             </a:pPr>
-            <a:fld id="{6690AEBB-A830-4DED-9A64-9252EA96448D}" type="slidenum">
+            <a:fld id="{713CF9BE-41D9-403D-8A7D-77D8C5154065}" type="slidenum">
               <a:rPr lang="fr-FR" altLang="fr-FR"/>
               <a:pPr fontAlgn="base">
                 <a:spcBef>
@@ -1861,7 +1480,7 @@
                   <a:spcPct val="0"/>
                 </a:spcAft>
               </a:pPr>
-              <a:t>22</a:t>
+              <a:t>14</a:t>
             </a:fld>
             <a:endParaRPr lang="fr-FR" altLang="fr-FR"/>
           </a:p>
@@ -1875,7 +1494,7 @@
 </p:notes>
 </file>
 
-<file path=ppt/notesSlides/notesSlide16.xml><?xml version="1.0" encoding="utf-8"?>
+<file path=ppt/notesSlides/notesSlide13.xml><?xml version="1.0" encoding="utf-8"?>
 <p:notes xmlns:a="http://schemas.openxmlformats.org/drawingml/2006/main" xmlns:r="http://schemas.openxmlformats.org/officeDocument/2006/relationships" xmlns:p="http://schemas.openxmlformats.org/presentationml/2006/main">
   <p:cSld>
     <p:spTree>
@@ -1919,644 +1538,29 @@
           <a:bodyPr/>
           <a:lstStyle/>
           <a:p>
-            <a:r>
-              <a:rPr lang="fr-FR" dirty="0" err="1"/>
-              <a:t>Cosine</a:t>
-            </a:r>
-            <a:r>
-              <a:rPr lang="fr-FR" dirty="0"/>
-              <a:t> </a:t>
-            </a:r>
-            <a:r>
-              <a:rPr lang="fr-FR" dirty="0" err="1"/>
-              <a:t>similarity</a:t>
-            </a:r>
-            <a:r>
-              <a:rPr lang="fr-FR" dirty="0"/>
-              <a:t> = corrélation de Pearson = </a:t>
-            </a:r>
-            <a:r>
-              <a:rPr lang="fr-FR" dirty="0" err="1"/>
-              <a:t>cosine</a:t>
-            </a:r>
-            <a:r>
-              <a:rPr lang="fr-FR" dirty="0"/>
-              <a:t> kernel = </a:t>
-            </a:r>
-            <a:r>
-              <a:rPr lang="fr-FR" dirty="0" err="1"/>
-              <a:t>u.v</a:t>
-            </a:r>
-            <a:r>
-              <a:rPr lang="fr-FR" dirty="0"/>
-              <a:t> / ||u||.||v||</a:t>
-            </a:r>
-          </a:p>
-          <a:p>
-            <a:r>
-              <a:rPr lang="fr-FR" dirty="0" err="1"/>
-              <a:t>Linear</a:t>
-            </a:r>
-            <a:r>
-              <a:rPr lang="fr-FR" dirty="0"/>
-              <a:t> kernel = </a:t>
-            </a:r>
-            <a:r>
-              <a:rPr lang="fr-FR" dirty="0" err="1"/>
-              <a:t>u.v</a:t>
-            </a:r>
-            <a:endParaRPr lang="fr-FR" dirty="0"/>
-          </a:p>
-          <a:p>
-            <a:r>
-              <a:rPr lang="fr-FR" dirty="0">
-                <a:effectLst/>
-              </a:rPr>
-              <a:t>Chi2 kernel = e(-</a:t>
-            </a:r>
-            <a:r>
-              <a:rPr lang="fr-FR" dirty="0" err="1">
-                <a:effectLst/>
-              </a:rPr>
-              <a:t>gamma.somme</a:t>
-            </a:r>
-            <a:r>
-              <a:rPr lang="fr-FR" dirty="0">
-                <a:effectLst/>
-              </a:rPr>
-              <a:t>((x²-y²)/(</a:t>
-            </a:r>
-            <a:r>
-              <a:rPr lang="fr-FR" dirty="0" err="1">
-                <a:effectLst/>
-              </a:rPr>
-              <a:t>x+y</a:t>
-            </a:r>
-            <a:r>
-              <a:rPr lang="fr-FR" dirty="0">
-                <a:effectLst/>
-              </a:rPr>
-              <a:t>))</a:t>
-            </a:r>
-          </a:p>
-          <a:p>
-            <a:r>
-              <a:rPr lang="fr-FR" dirty="0">
-                <a:effectLst/>
-              </a:rPr>
-              <a:t>Polynomial, </a:t>
-            </a:r>
-            <a:r>
-              <a:rPr lang="fr-FR" dirty="0" err="1">
-                <a:effectLst/>
-              </a:rPr>
-              <a:t>sigmoid</a:t>
-            </a:r>
-            <a:r>
-              <a:rPr lang="fr-FR" dirty="0">
-                <a:effectLst/>
-              </a:rPr>
-              <a:t>, RBF, </a:t>
-            </a:r>
-            <a:r>
-              <a:rPr lang="fr-FR" dirty="0" err="1">
-                <a:effectLst/>
-              </a:rPr>
-              <a:t>Laplacian</a:t>
-            </a:r>
-            <a:endParaRPr lang="fr-FR" dirty="0">
-              <a:effectLst/>
-            </a:endParaRPr>
-          </a:p>
-          <a:p>
-            <a:endParaRPr lang="fr-FR" dirty="0">
-              <a:effectLst/>
-            </a:endParaRPr>
-          </a:p>
-          <a:p>
-            <a:r>
-              <a:rPr lang="fr-FR" dirty="0">
-                <a:effectLst/>
-              </a:rPr>
-              <a:t>N : </a:t>
-            </a:r>
-            <a:r>
-              <a:rPr lang="fr-FR" dirty="0" err="1">
-                <a:effectLst/>
-              </a:rPr>
-              <a:t>number</a:t>
-            </a:r>
-            <a:r>
-              <a:rPr lang="fr-FR" dirty="0">
-                <a:effectLst/>
-              </a:rPr>
-              <a:t> of dimensions</a:t>
-            </a:r>
-          </a:p>
-          <a:p>
-            <a:r>
-              <a:rPr lang="fr-FR" dirty="0">
-                <a:effectLst/>
-              </a:rPr>
-              <a:t>NTT : </a:t>
-            </a:r>
-            <a:r>
-              <a:rPr lang="fr-FR" dirty="0" err="1">
-                <a:effectLst/>
-              </a:rPr>
-              <a:t>number</a:t>
-            </a:r>
-            <a:r>
-              <a:rPr lang="fr-FR" dirty="0">
-                <a:effectLst/>
-              </a:rPr>
-              <a:t> of </a:t>
-            </a:r>
-            <a:r>
-              <a:rPr lang="fr-FR" dirty="0" err="1">
-                <a:effectLst/>
-              </a:rPr>
-              <a:t>dims</a:t>
-            </a:r>
-            <a:r>
-              <a:rPr lang="fr-FR" dirty="0">
-                <a:effectLst/>
-              </a:rPr>
-              <a:t> in </a:t>
-            </a:r>
-            <a:r>
-              <a:rPr lang="fr-FR" dirty="0" err="1">
-                <a:effectLst/>
-              </a:rPr>
-              <a:t>which</a:t>
-            </a:r>
-            <a:r>
-              <a:rPr lang="fr-FR" dirty="0">
-                <a:effectLst/>
-              </a:rPr>
-              <a:t> </a:t>
-            </a:r>
-            <a:r>
-              <a:rPr lang="fr-FR" dirty="0" err="1">
-                <a:effectLst/>
-              </a:rPr>
-              <a:t>both</a:t>
-            </a:r>
-            <a:r>
-              <a:rPr lang="fr-FR" dirty="0">
-                <a:effectLst/>
-              </a:rPr>
-              <a:t> values are </a:t>
-            </a:r>
-            <a:r>
-              <a:rPr lang="fr-FR" dirty="0" err="1">
-                <a:effectLst/>
-              </a:rPr>
-              <a:t>True</a:t>
-            </a:r>
-            <a:endParaRPr lang="fr-FR" dirty="0">
-              <a:effectLst/>
-            </a:endParaRPr>
-          </a:p>
-          <a:p>
-            <a:r>
-              <a:rPr lang="fr-FR" dirty="0">
-                <a:effectLst/>
-              </a:rPr>
-              <a:t>NTF : </a:t>
-            </a:r>
-            <a:r>
-              <a:rPr lang="fr-FR" dirty="0" err="1">
-                <a:effectLst/>
-              </a:rPr>
-              <a:t>number</a:t>
-            </a:r>
-            <a:r>
-              <a:rPr lang="fr-FR" dirty="0">
-                <a:effectLst/>
-              </a:rPr>
-              <a:t> of </a:t>
-            </a:r>
-            <a:r>
-              <a:rPr lang="fr-FR" dirty="0" err="1">
-                <a:effectLst/>
-              </a:rPr>
-              <a:t>dims</a:t>
-            </a:r>
-            <a:r>
-              <a:rPr lang="fr-FR" dirty="0">
-                <a:effectLst/>
-              </a:rPr>
-              <a:t> in </a:t>
-            </a:r>
-            <a:r>
-              <a:rPr lang="fr-FR" dirty="0" err="1">
-                <a:effectLst/>
-              </a:rPr>
-              <a:t>which</a:t>
-            </a:r>
-            <a:r>
-              <a:rPr lang="fr-FR" dirty="0">
-                <a:effectLst/>
-              </a:rPr>
-              <a:t> the first value </a:t>
-            </a:r>
-            <a:r>
-              <a:rPr lang="fr-FR" dirty="0" err="1">
-                <a:effectLst/>
-              </a:rPr>
-              <a:t>is</a:t>
-            </a:r>
-            <a:r>
-              <a:rPr lang="fr-FR" dirty="0">
-                <a:effectLst/>
-              </a:rPr>
-              <a:t> </a:t>
-            </a:r>
-            <a:r>
-              <a:rPr lang="fr-FR" dirty="0" err="1">
-                <a:effectLst/>
-              </a:rPr>
-              <a:t>True</a:t>
-            </a:r>
-            <a:r>
-              <a:rPr lang="fr-FR" dirty="0">
-                <a:effectLst/>
-              </a:rPr>
-              <a:t>, second </a:t>
-            </a:r>
-            <a:r>
-              <a:rPr lang="fr-FR" dirty="0" err="1">
-                <a:effectLst/>
-              </a:rPr>
-              <a:t>is</a:t>
-            </a:r>
-            <a:r>
-              <a:rPr lang="fr-FR" dirty="0">
-                <a:effectLst/>
-              </a:rPr>
-              <a:t> False</a:t>
-            </a:r>
-          </a:p>
-          <a:p>
-            <a:r>
-              <a:rPr lang="fr-FR" dirty="0">
-                <a:effectLst/>
-              </a:rPr>
-              <a:t>NFT : </a:t>
-            </a:r>
-            <a:r>
-              <a:rPr lang="fr-FR" dirty="0" err="1">
-                <a:effectLst/>
-              </a:rPr>
-              <a:t>number</a:t>
-            </a:r>
-            <a:r>
-              <a:rPr lang="fr-FR" dirty="0">
-                <a:effectLst/>
-              </a:rPr>
-              <a:t> of </a:t>
-            </a:r>
-            <a:r>
-              <a:rPr lang="fr-FR" dirty="0" err="1">
-                <a:effectLst/>
-              </a:rPr>
-              <a:t>dims</a:t>
-            </a:r>
-            <a:r>
-              <a:rPr lang="fr-FR" dirty="0">
-                <a:effectLst/>
-              </a:rPr>
-              <a:t> in </a:t>
-            </a:r>
-            <a:r>
-              <a:rPr lang="fr-FR" dirty="0" err="1">
-                <a:effectLst/>
-              </a:rPr>
-              <a:t>which</a:t>
-            </a:r>
-            <a:r>
-              <a:rPr lang="fr-FR" dirty="0">
-                <a:effectLst/>
-              </a:rPr>
-              <a:t> the first value </a:t>
-            </a:r>
-            <a:r>
-              <a:rPr lang="fr-FR" dirty="0" err="1">
-                <a:effectLst/>
-              </a:rPr>
-              <a:t>is</a:t>
-            </a:r>
-            <a:r>
-              <a:rPr lang="fr-FR" dirty="0">
-                <a:effectLst/>
-              </a:rPr>
-              <a:t> False, second </a:t>
-            </a:r>
-            <a:r>
-              <a:rPr lang="fr-FR" dirty="0" err="1">
-                <a:effectLst/>
-              </a:rPr>
-              <a:t>is</a:t>
-            </a:r>
-            <a:r>
-              <a:rPr lang="fr-FR" dirty="0">
-                <a:effectLst/>
-              </a:rPr>
-              <a:t> </a:t>
-            </a:r>
-            <a:r>
-              <a:rPr lang="fr-FR" dirty="0" err="1">
-                <a:effectLst/>
-              </a:rPr>
-              <a:t>True</a:t>
-            </a:r>
-            <a:endParaRPr lang="fr-FR" dirty="0">
-              <a:effectLst/>
-            </a:endParaRPr>
-          </a:p>
-          <a:p>
-            <a:r>
-              <a:rPr lang="fr-FR" dirty="0">
-                <a:effectLst/>
-              </a:rPr>
-              <a:t>NFF : </a:t>
-            </a:r>
-            <a:r>
-              <a:rPr lang="fr-FR" dirty="0" err="1">
-                <a:effectLst/>
-              </a:rPr>
-              <a:t>number</a:t>
-            </a:r>
-            <a:r>
-              <a:rPr lang="fr-FR" dirty="0">
-                <a:effectLst/>
-              </a:rPr>
-              <a:t> of </a:t>
-            </a:r>
-            <a:r>
-              <a:rPr lang="fr-FR" dirty="0" err="1">
-                <a:effectLst/>
-              </a:rPr>
-              <a:t>dims</a:t>
-            </a:r>
-            <a:r>
-              <a:rPr lang="fr-FR" dirty="0">
-                <a:effectLst/>
-              </a:rPr>
-              <a:t> in </a:t>
-            </a:r>
-            <a:r>
-              <a:rPr lang="fr-FR" dirty="0" err="1">
-                <a:effectLst/>
-              </a:rPr>
-              <a:t>which</a:t>
-            </a:r>
-            <a:r>
-              <a:rPr lang="fr-FR" dirty="0">
-                <a:effectLst/>
-              </a:rPr>
-              <a:t> </a:t>
-            </a:r>
-            <a:r>
-              <a:rPr lang="fr-FR" dirty="0" err="1">
-                <a:effectLst/>
-              </a:rPr>
-              <a:t>both</a:t>
-            </a:r>
-            <a:r>
-              <a:rPr lang="fr-FR" dirty="0">
-                <a:effectLst/>
-              </a:rPr>
-              <a:t> values are False</a:t>
-            </a:r>
-          </a:p>
-          <a:p>
-            <a:r>
-              <a:rPr lang="fr-FR" dirty="0">
-                <a:effectLst/>
-              </a:rPr>
-              <a:t>NNEQ : </a:t>
-            </a:r>
-            <a:r>
-              <a:rPr lang="fr-FR" dirty="0" err="1">
-                <a:effectLst/>
-              </a:rPr>
-              <a:t>number</a:t>
-            </a:r>
-            <a:r>
-              <a:rPr lang="fr-FR" dirty="0">
-                <a:effectLst/>
-              </a:rPr>
-              <a:t> of non-</a:t>
-            </a:r>
-            <a:r>
-              <a:rPr lang="fr-FR" dirty="0" err="1">
-                <a:effectLst/>
-              </a:rPr>
-              <a:t>equal</a:t>
-            </a:r>
-            <a:r>
-              <a:rPr lang="fr-FR" dirty="0">
-                <a:effectLst/>
-              </a:rPr>
-              <a:t> dimensions, NNEQ = NTF + NFT</a:t>
-            </a:r>
-          </a:p>
-          <a:p>
-            <a:r>
-              <a:rPr lang="fr-FR" dirty="0">
-                <a:effectLst/>
-              </a:rPr>
-              <a:t>NNZ : </a:t>
-            </a:r>
-            <a:r>
-              <a:rPr lang="fr-FR" dirty="0" err="1">
-                <a:effectLst/>
-              </a:rPr>
-              <a:t>number</a:t>
-            </a:r>
-            <a:r>
-              <a:rPr lang="fr-FR" dirty="0">
-                <a:effectLst/>
-              </a:rPr>
-              <a:t> of </a:t>
-            </a:r>
-            <a:r>
-              <a:rPr lang="fr-FR" dirty="0" err="1">
-                <a:effectLst/>
-              </a:rPr>
-              <a:t>nonzero</a:t>
-            </a:r>
-            <a:r>
-              <a:rPr lang="fr-FR" dirty="0">
-                <a:effectLst/>
-              </a:rPr>
-              <a:t> dimensions, NNZ = NTF + NFT + NTT</a:t>
-            </a:r>
-          </a:p>
-          <a:p>
-            <a:r>
-              <a:rPr lang="fr-FR" dirty="0">
-                <a:effectLst/>
-              </a:rPr>
-              <a:t>“</a:t>
-            </a:r>
-            <a:r>
-              <a:rPr lang="fr-FR" dirty="0" err="1">
-                <a:effectLst/>
-              </a:rPr>
-              <a:t>jaccard</a:t>
-            </a:r>
-            <a:r>
-              <a:rPr lang="fr-FR" dirty="0">
-                <a:effectLst/>
-              </a:rPr>
-              <a:t>” NNEQ / NNZ</a:t>
-            </a:r>
-          </a:p>
-          <a:p>
-            <a:r>
-              <a:rPr lang="fr-FR" dirty="0">
-                <a:effectLst/>
-              </a:rPr>
-              <a:t>“</a:t>
-            </a:r>
-            <a:r>
-              <a:rPr lang="fr-FR" dirty="0" err="1">
-                <a:effectLst/>
-              </a:rPr>
-              <a:t>matching</a:t>
-            </a:r>
-            <a:r>
-              <a:rPr lang="fr-FR" dirty="0">
-                <a:effectLst/>
-              </a:rPr>
-              <a:t>” NNEQ / N</a:t>
-            </a:r>
-          </a:p>
-          <a:p>
-            <a:r>
-              <a:rPr lang="fr-FR" b="1" dirty="0">
-                <a:effectLst/>
-              </a:rPr>
-              <a:t>“</a:t>
-            </a:r>
-            <a:r>
-              <a:rPr lang="fr-FR" b="1" dirty="0" err="1">
-                <a:effectLst/>
-              </a:rPr>
-              <a:t>dice</a:t>
-            </a:r>
-            <a:r>
-              <a:rPr lang="fr-FR" b="1" dirty="0">
-                <a:effectLst/>
-              </a:rPr>
-              <a:t>” NNEQ / (NTT + NNZ)</a:t>
-            </a:r>
-          </a:p>
-          <a:p>
-            <a:r>
-              <a:rPr lang="fr-FR" dirty="0">
-                <a:effectLst/>
-              </a:rPr>
-              <a:t>“</a:t>
-            </a:r>
-            <a:r>
-              <a:rPr lang="fr-FR" dirty="0" err="1">
-                <a:effectLst/>
-              </a:rPr>
-              <a:t>kulsinski</a:t>
-            </a:r>
-            <a:r>
-              <a:rPr lang="fr-FR" dirty="0">
-                <a:effectLst/>
-              </a:rPr>
-              <a:t>” (NNEQ + N - NTT) / (NNEQ + N)</a:t>
-            </a:r>
-          </a:p>
-          <a:p>
-            <a:r>
-              <a:rPr lang="fr-FR" dirty="0">
-                <a:effectLst/>
-              </a:rPr>
-              <a:t>“</a:t>
-            </a:r>
-            <a:r>
-              <a:rPr lang="fr-FR" dirty="0" err="1">
-                <a:effectLst/>
-              </a:rPr>
-              <a:t>rogerstanimoto</a:t>
-            </a:r>
-            <a:r>
-              <a:rPr lang="fr-FR" dirty="0">
-                <a:effectLst/>
-              </a:rPr>
-              <a:t>” 2 * NNEQ / (N + NNEQ)</a:t>
-            </a:r>
-          </a:p>
-          <a:p>
-            <a:r>
-              <a:rPr lang="fr-FR" dirty="0">
-                <a:effectLst/>
-              </a:rPr>
-              <a:t>“</a:t>
-            </a:r>
-            <a:r>
-              <a:rPr lang="fr-FR" dirty="0" err="1">
-                <a:effectLst/>
-              </a:rPr>
-              <a:t>russellrao</a:t>
-            </a:r>
-            <a:r>
-              <a:rPr lang="fr-FR" dirty="0">
-                <a:effectLst/>
-              </a:rPr>
-              <a:t>” NNZ / N</a:t>
-            </a:r>
-          </a:p>
-          <a:p>
-            <a:r>
-              <a:rPr lang="fr-FR" dirty="0">
-                <a:effectLst/>
-              </a:rPr>
-              <a:t>“</a:t>
-            </a:r>
-            <a:r>
-              <a:rPr lang="fr-FR" dirty="0" err="1">
-                <a:effectLst/>
-              </a:rPr>
-              <a:t>sokalmichener</a:t>
-            </a:r>
-            <a:r>
-              <a:rPr lang="fr-FR" dirty="0">
-                <a:effectLst/>
-              </a:rPr>
-              <a:t>” 2 * NNEQ / (N + NNEQ)</a:t>
-            </a:r>
-          </a:p>
-          <a:p>
-            <a:r>
-              <a:rPr lang="fr-FR" dirty="0">
-                <a:effectLst/>
-              </a:rPr>
-              <a:t>“</a:t>
-            </a:r>
-            <a:r>
-              <a:rPr lang="fr-FR" dirty="0" err="1">
-                <a:effectLst/>
-              </a:rPr>
-              <a:t>sokalsneath</a:t>
-            </a:r>
-            <a:r>
-              <a:rPr lang="fr-FR" dirty="0">
-                <a:effectLst/>
-              </a:rPr>
-              <a:t>” NNEQ / (NNEQ + 0.5 * NTT)</a:t>
-            </a:r>
-            <a:br>
-              <a:rPr lang="fr-FR" dirty="0"/>
-            </a:br>
+            <a:pPr marL="0" marR="0" lvl="0" indent="0" algn="l" defTabSz="914400" rtl="0" eaLnBrk="1" fontAlgn="base" latinLnBrk="0" hangingPunct="1">
+              <a:lnSpc>
+                <a:spcPct val="100000"/>
+              </a:lnSpc>
+              <a:spcBef>
+                <a:spcPct val="30000"/>
+              </a:spcBef>
+              <a:spcAft>
+                <a:spcPct val="0"/>
+              </a:spcAft>
+              <a:buClrTx/>
+              <a:buSzTx/>
+              <a:buFontTx/>
+              <a:buNone/>
+              <a:tabLst/>
+              <a:defRPr/>
+            </a:pPr>
+            <a:r>
+              <a:rPr lang="fr-FR" altLang="fr-FR" dirty="0"/>
+              <a:t>Les 2 directions ppales expliquent de moins en moins la variance</a:t>
+            </a:r>
+          </a:p>
+          <a:p>
             <a:endParaRPr lang="fr-FR" dirty="0"/>
           </a:p>
         </p:txBody>
@@ -2584,7 +1588,7 @@
               <a:pPr>
                 <a:defRPr/>
               </a:pPr>
-              <a:t>29</a:t>
+              <a:t>15</a:t>
             </a:fld>
             <a:endParaRPr lang="fr-FR"/>
           </a:p>
@@ -2593,7 +1597,7 @@
     </p:spTree>
     <p:extLst>
       <p:ext uri="{BB962C8B-B14F-4D97-AF65-F5344CB8AC3E}">
-        <p14:creationId xmlns:p14="http://schemas.microsoft.com/office/powerpoint/2010/main" val="2765459891"/>
+        <p14:creationId xmlns:p14="http://schemas.microsoft.com/office/powerpoint/2010/main" val="1643205833"/>
       </p:ext>
     </p:extLst>
   </p:cSld>
@@ -2603,7 +1607,7 @@
 </p:notes>
 </file>
 
-<file path=ppt/notesSlides/notesSlide17.xml><?xml version="1.0" encoding="utf-8"?>
+<file path=ppt/notesSlides/notesSlide14.xml><?xml version="1.0" encoding="utf-8"?>
 <p:notes xmlns:a="http://schemas.openxmlformats.org/drawingml/2006/main" xmlns:r="http://schemas.openxmlformats.org/officeDocument/2006/relationships" xmlns:p="http://schemas.openxmlformats.org/presentationml/2006/main">
   <p:cSld>
     <p:spTree>
@@ -2622,10 +1626,123 @@
       </p:grpSpPr>
       <p:sp>
         <p:nvSpPr>
-          <p:cNvPr id="41986" name="Espace réservé de l'image des diapositives 1">
-            <a:extLst>
-              <a:ext uri="{FF2B5EF4-FFF2-40B4-BE49-F238E27FC236}">
-                <a16:creationId xmlns:a16="http://schemas.microsoft.com/office/drawing/2014/main" id="{34745F2C-A494-49DF-9A39-B51B01846B77}"/>
+          <p:cNvPr id="2" name="Espace réservé de l'image des diapositives 1"/>
+          <p:cNvSpPr>
+            <a:spLocks noGrp="1" noRot="1" noChangeAspect="1"/>
+          </p:cNvSpPr>
+          <p:nvPr>
+            <p:ph type="sldImg"/>
+          </p:nvPr>
+        </p:nvSpPr>
+        <p:spPr/>
+      </p:sp>
+      <p:sp>
+        <p:nvSpPr>
+          <p:cNvPr id="3" name="Espace réservé des notes 2"/>
+          <p:cNvSpPr>
+            <a:spLocks noGrp="1"/>
+          </p:cNvSpPr>
+          <p:nvPr>
+            <p:ph type="body" idx="1"/>
+          </p:nvPr>
+        </p:nvSpPr>
+        <p:spPr/>
+        <p:txBody>
+          <a:bodyPr/>
+          <a:lstStyle/>
+          <a:p>
+            <a:pPr marL="0" marR="0" lvl="0" indent="0" algn="l" defTabSz="914400" rtl="0" eaLnBrk="1" fontAlgn="base" latinLnBrk="0" hangingPunct="1">
+              <a:lnSpc>
+                <a:spcPct val="100000"/>
+              </a:lnSpc>
+              <a:spcBef>
+                <a:spcPct val="30000"/>
+              </a:spcBef>
+              <a:spcAft>
+                <a:spcPct val="0"/>
+              </a:spcAft>
+              <a:buClrTx/>
+              <a:buSzTx/>
+              <a:buFontTx/>
+              <a:buNone/>
+              <a:tabLst/>
+              <a:defRPr/>
+            </a:pPr>
+            <a:r>
+              <a:rPr lang="fr-FR" altLang="fr-FR" dirty="0"/>
+              <a:t>Les 2 directions ppales n’expliquent plus rien du tout</a:t>
+            </a:r>
+          </a:p>
+          <a:p>
+            <a:endParaRPr lang="fr-FR" dirty="0"/>
+          </a:p>
+        </p:txBody>
+      </p:sp>
+      <p:sp>
+        <p:nvSpPr>
+          <p:cNvPr id="4" name="Espace réservé du numéro de diapositive 3"/>
+          <p:cNvSpPr>
+            <a:spLocks noGrp="1"/>
+          </p:cNvSpPr>
+          <p:nvPr>
+            <p:ph type="sldNum" sz="quarter" idx="10"/>
+          </p:nvPr>
+        </p:nvSpPr>
+        <p:spPr/>
+        <p:txBody>
+          <a:bodyPr/>
+          <a:lstStyle/>
+          <a:p>
+            <a:pPr>
+              <a:defRPr/>
+            </a:pPr>
+            <a:fld id="{CC32C800-F1EC-4563-A4CB-7BFB6B498BC5}" type="slidenum">
+              <a:rPr lang="fr-FR" smtClean="0"/>
+              <a:pPr>
+                <a:defRPr/>
+              </a:pPr>
+              <a:t>16</a:t>
+            </a:fld>
+            <a:endParaRPr lang="fr-FR"/>
+          </a:p>
+        </p:txBody>
+      </p:sp>
+    </p:spTree>
+    <p:extLst>
+      <p:ext uri="{BB962C8B-B14F-4D97-AF65-F5344CB8AC3E}">
+        <p14:creationId xmlns:p14="http://schemas.microsoft.com/office/powerpoint/2010/main" val="350297072"/>
+      </p:ext>
+    </p:extLst>
+  </p:cSld>
+  <p:clrMapOvr>
+    <a:masterClrMapping/>
+  </p:clrMapOvr>
+</p:notes>
+</file>
+
+<file path=ppt/notesSlides/notesSlide15.xml><?xml version="1.0" encoding="utf-8"?>
+<p:notes xmlns:a="http://schemas.openxmlformats.org/drawingml/2006/main" xmlns:r="http://schemas.openxmlformats.org/officeDocument/2006/relationships" xmlns:p="http://schemas.openxmlformats.org/presentationml/2006/main">
+  <p:cSld>
+    <p:spTree>
+      <p:nvGrpSpPr>
+        <p:cNvPr id="1" name=""/>
+        <p:cNvGrpSpPr/>
+        <p:nvPr/>
+      </p:nvGrpSpPr>
+      <p:grpSpPr>
+        <a:xfrm>
+          <a:off x="0" y="0"/>
+          <a:ext cx="0" cy="0"/>
+          <a:chOff x="0" y="0"/>
+          <a:chExt cx="0" cy="0"/>
+        </a:xfrm>
+      </p:grpSpPr>
+      <p:sp>
+        <p:nvSpPr>
+          <p:cNvPr id="24578" name="Espace réservé de l'image des diapositives 1">
+            <a:extLst>
+              <a:ext uri="{FF2B5EF4-FFF2-40B4-BE49-F238E27FC236}">
+                <a16:creationId xmlns:a16="http://schemas.microsoft.com/office/drawing/2014/main" id="{B3FBB861-F563-4800-A866-7FFB5F0B8D0A}"/>
               </a:ext>
             </a:extLst>
           </p:cNvPr>
@@ -2659,10 +1776,10 @@
       </p:sp>
       <p:sp>
         <p:nvSpPr>
-          <p:cNvPr id="41987" name="Espace réservé des notes 2">
-            <a:extLst>
-              <a:ext uri="{FF2B5EF4-FFF2-40B4-BE49-F238E27FC236}">
-                <a16:creationId xmlns:a16="http://schemas.microsoft.com/office/drawing/2014/main" id="{170F5BCD-C8E8-45AA-8A21-2ECEF17E2187}"/>
+          <p:cNvPr id="24579" name="Espace réservé des notes 2">
+            <a:extLst>
+              <a:ext uri="{FF2B5EF4-FFF2-40B4-BE49-F238E27FC236}">
+                <a16:creationId xmlns:a16="http://schemas.microsoft.com/office/drawing/2014/main" id="{398ACF0A-8039-4D14-838B-E00EBE85CCB0}"/>
               </a:ext>
             </a:extLst>
           </p:cNvPr>
@@ -2710,17 +1827,17 @@
             </a:pPr>
             <a:r>
               <a:rPr lang="fr-FR" altLang="fr-FR"/>
-              <a:t>Par exemple …</a:t>
-            </a:r>
-          </a:p>
-        </p:txBody>
-      </p:sp>
-      <p:sp>
-        <p:nvSpPr>
-          <p:cNvPr id="41988" name="Espace réservé du numéro de diapositive 3">
-            <a:extLst>
-              <a:ext uri="{FF2B5EF4-FFF2-40B4-BE49-F238E27FC236}">
-                <a16:creationId xmlns:a16="http://schemas.microsoft.com/office/drawing/2014/main" id="{42545E38-086C-4558-844F-458570C98D83}"/>
+              <a:t>Pas de variable catégorielle : c’est ce qui explique le mieux la variance</a:t>
+            </a:r>
+          </a:p>
+        </p:txBody>
+      </p:sp>
+      <p:sp>
+        <p:nvSpPr>
+          <p:cNvPr id="24580" name="Espace réservé du numéro de diapositive 3">
+            <a:extLst>
+              <a:ext uri="{FF2B5EF4-FFF2-40B4-BE49-F238E27FC236}">
+                <a16:creationId xmlns:a16="http://schemas.microsoft.com/office/drawing/2014/main" id="{D7CBCEA1-C136-44A4-A8F1-0DBFF45C80F7}"/>
               </a:ext>
             </a:extLst>
           </p:cNvPr>
@@ -2866,7 +1983,7 @@
                 <a:spcPct val="0"/>
               </a:spcAft>
             </a:pPr>
-            <a:fld id="{B6AE8017-B505-45EB-97A2-D44BA9337E36}" type="slidenum">
+            <a:fld id="{FCCAF054-DC6F-41E0-B167-E9431BA5FF75}" type="slidenum">
               <a:rPr lang="fr-FR" altLang="fr-FR"/>
               <a:pPr fontAlgn="base">
                 <a:spcBef>
@@ -2876,13 +1993,205 @@
                   <a:spcPct val="0"/>
                 </a:spcAft>
               </a:pPr>
-              <a:t>30</a:t>
+              <a:t>17</a:t>
             </a:fld>
             <a:endParaRPr lang="fr-FR" altLang="fr-FR"/>
           </a:p>
         </p:txBody>
       </p:sp>
     </p:spTree>
+  </p:cSld>
+  <p:clrMapOvr>
+    <a:masterClrMapping/>
+  </p:clrMapOvr>
+</p:notes>
+</file>
+
+<file path=ppt/notesSlides/notesSlide16.xml><?xml version="1.0" encoding="utf-8"?>
+<p:notes xmlns:a="http://schemas.openxmlformats.org/drawingml/2006/main" xmlns:r="http://schemas.openxmlformats.org/officeDocument/2006/relationships" xmlns:p="http://schemas.openxmlformats.org/presentationml/2006/main">
+  <p:cSld>
+    <p:spTree>
+      <p:nvGrpSpPr>
+        <p:cNvPr id="1" name=""/>
+        <p:cNvGrpSpPr/>
+        <p:nvPr/>
+      </p:nvGrpSpPr>
+      <p:grpSpPr>
+        <a:xfrm>
+          <a:off x="0" y="0"/>
+          <a:ext cx="0" cy="0"/>
+          <a:chOff x="0" y="0"/>
+          <a:chExt cx="0" cy="0"/>
+        </a:xfrm>
+      </p:grpSpPr>
+      <p:sp>
+        <p:nvSpPr>
+          <p:cNvPr id="2" name="Espace réservé de l'image des diapositives 1"/>
+          <p:cNvSpPr>
+            <a:spLocks noGrp="1" noRot="1" noChangeAspect="1"/>
+          </p:cNvSpPr>
+          <p:nvPr>
+            <p:ph type="sldImg"/>
+          </p:nvPr>
+        </p:nvSpPr>
+        <p:spPr/>
+      </p:sp>
+      <p:sp>
+        <p:nvSpPr>
+          <p:cNvPr id="3" name="Espace réservé des notes 2"/>
+          <p:cNvSpPr>
+            <a:spLocks noGrp="1"/>
+          </p:cNvSpPr>
+          <p:nvPr>
+            <p:ph type="body" idx="1"/>
+          </p:nvPr>
+        </p:nvSpPr>
+        <p:spPr/>
+        <p:txBody>
+          <a:bodyPr/>
+          <a:lstStyle/>
+          <a:p>
+            <a:r>
+              <a:rPr lang="fr-FR" dirty="0"/>
+              <a:t>Meilleur k=3, mais coef &lt; 0.2</a:t>
+            </a:r>
+          </a:p>
+          <a:p>
+            <a:r>
+              <a:rPr lang="fr-FR" dirty="0"/>
+              <a:t>ne veut rien dire pour classer des films</a:t>
+            </a:r>
+          </a:p>
+        </p:txBody>
+      </p:sp>
+      <p:sp>
+        <p:nvSpPr>
+          <p:cNvPr id="4" name="Espace réservé du numéro de diapositive 3"/>
+          <p:cNvSpPr>
+            <a:spLocks noGrp="1"/>
+          </p:cNvSpPr>
+          <p:nvPr>
+            <p:ph type="sldNum" sz="quarter" idx="10"/>
+          </p:nvPr>
+        </p:nvSpPr>
+        <p:spPr/>
+        <p:txBody>
+          <a:bodyPr/>
+          <a:lstStyle/>
+          <a:p>
+            <a:pPr>
+              <a:defRPr/>
+            </a:pPr>
+            <a:fld id="{CC32C800-F1EC-4563-A4CB-7BFB6B498BC5}" type="slidenum">
+              <a:rPr lang="fr-FR" smtClean="0"/>
+              <a:pPr>
+                <a:defRPr/>
+              </a:pPr>
+              <a:t>18</a:t>
+            </a:fld>
+            <a:endParaRPr lang="fr-FR"/>
+          </a:p>
+        </p:txBody>
+      </p:sp>
+    </p:spTree>
+    <p:extLst>
+      <p:ext uri="{BB962C8B-B14F-4D97-AF65-F5344CB8AC3E}">
+        <p14:creationId xmlns:p14="http://schemas.microsoft.com/office/powerpoint/2010/main" val="1486696292"/>
+      </p:ext>
+    </p:extLst>
+  </p:cSld>
+  <p:clrMapOvr>
+    <a:masterClrMapping/>
+  </p:clrMapOvr>
+</p:notes>
+</file>
+
+<file path=ppt/notesSlides/notesSlide17.xml><?xml version="1.0" encoding="utf-8"?>
+<p:notes xmlns:a="http://schemas.openxmlformats.org/drawingml/2006/main" xmlns:r="http://schemas.openxmlformats.org/officeDocument/2006/relationships" xmlns:p="http://schemas.openxmlformats.org/presentationml/2006/main">
+  <p:cSld>
+    <p:spTree>
+      <p:nvGrpSpPr>
+        <p:cNvPr id="1" name=""/>
+        <p:cNvGrpSpPr/>
+        <p:nvPr/>
+      </p:nvGrpSpPr>
+      <p:grpSpPr>
+        <a:xfrm>
+          <a:off x="0" y="0"/>
+          <a:ext cx="0" cy="0"/>
+          <a:chOff x="0" y="0"/>
+          <a:chExt cx="0" cy="0"/>
+        </a:xfrm>
+      </p:grpSpPr>
+      <p:sp>
+        <p:nvSpPr>
+          <p:cNvPr id="2" name="Espace réservé de l'image des diapositives 1"/>
+          <p:cNvSpPr>
+            <a:spLocks noGrp="1" noRot="1" noChangeAspect="1"/>
+          </p:cNvSpPr>
+          <p:nvPr>
+            <p:ph type="sldImg"/>
+          </p:nvPr>
+        </p:nvSpPr>
+        <p:spPr/>
+      </p:sp>
+      <p:sp>
+        <p:nvSpPr>
+          <p:cNvPr id="3" name="Espace réservé des notes 2"/>
+          <p:cNvSpPr>
+            <a:spLocks noGrp="1"/>
+          </p:cNvSpPr>
+          <p:nvPr>
+            <p:ph type="body" idx="1"/>
+          </p:nvPr>
+        </p:nvSpPr>
+        <p:spPr/>
+        <p:txBody>
+          <a:bodyPr/>
+          <a:lstStyle/>
+          <a:p>
+            <a:r>
+              <a:rPr lang="fr-FR" dirty="0"/>
+              <a:t>Pas mieux</a:t>
+            </a:r>
+          </a:p>
+        </p:txBody>
+      </p:sp>
+      <p:sp>
+        <p:nvSpPr>
+          <p:cNvPr id="4" name="Espace réservé du numéro de diapositive 3"/>
+          <p:cNvSpPr>
+            <a:spLocks noGrp="1"/>
+          </p:cNvSpPr>
+          <p:nvPr>
+            <p:ph type="sldNum" sz="quarter" idx="10"/>
+          </p:nvPr>
+        </p:nvSpPr>
+        <p:spPr/>
+        <p:txBody>
+          <a:bodyPr/>
+          <a:lstStyle/>
+          <a:p>
+            <a:pPr>
+              <a:defRPr/>
+            </a:pPr>
+            <a:fld id="{CC32C800-F1EC-4563-A4CB-7BFB6B498BC5}" type="slidenum">
+              <a:rPr lang="fr-FR" smtClean="0"/>
+              <a:pPr>
+                <a:defRPr/>
+              </a:pPr>
+              <a:t>19</a:t>
+            </a:fld>
+            <a:endParaRPr lang="fr-FR"/>
+          </a:p>
+        </p:txBody>
+      </p:sp>
+    </p:spTree>
+    <p:extLst>
+      <p:ext uri="{BB962C8B-B14F-4D97-AF65-F5344CB8AC3E}">
+        <p14:creationId xmlns:p14="http://schemas.microsoft.com/office/powerpoint/2010/main" val="3710382060"/>
+      </p:ext>
+    </p:extLst>
   </p:cSld>
   <p:clrMapOvr>
     <a:masterClrMapping/>
@@ -2909,789 +2218,10 @@
       </p:grpSpPr>
       <p:sp>
         <p:nvSpPr>
-          <p:cNvPr id="2" name="Espace réservé de l'image des diapositives 1"/>
-          <p:cNvSpPr>
-            <a:spLocks noGrp="1" noRot="1" noChangeAspect="1"/>
-          </p:cNvSpPr>
-          <p:nvPr>
-            <p:ph type="sldImg"/>
-          </p:nvPr>
-        </p:nvSpPr>
-        <p:spPr/>
-      </p:sp>
-      <p:sp>
-        <p:nvSpPr>
-          <p:cNvPr id="3" name="Espace réservé des notes 2"/>
-          <p:cNvSpPr>
-            <a:spLocks noGrp="1"/>
-          </p:cNvSpPr>
-          <p:nvPr>
-            <p:ph type="body" idx="1"/>
-          </p:nvPr>
-        </p:nvSpPr>
-        <p:spPr/>
-        <p:txBody>
-          <a:bodyPr/>
-          <a:lstStyle/>
-          <a:p>
-            <a:r>
-              <a:rPr lang="fr-FR" dirty="0"/>
-              <a:t>Pb du film d’horreur avec un dessin animé</a:t>
-            </a:r>
-          </a:p>
-        </p:txBody>
-      </p:sp>
-      <p:sp>
-        <p:nvSpPr>
-          <p:cNvPr id="4" name="Espace réservé du numéro de diapositive 3"/>
-          <p:cNvSpPr>
-            <a:spLocks noGrp="1"/>
-          </p:cNvSpPr>
-          <p:nvPr>
-            <p:ph type="sldNum" sz="quarter" idx="10"/>
-          </p:nvPr>
-        </p:nvSpPr>
-        <p:spPr/>
-        <p:txBody>
-          <a:bodyPr/>
-          <a:lstStyle/>
-          <a:p>
-            <a:pPr>
-              <a:defRPr/>
-            </a:pPr>
-            <a:fld id="{CC32C800-F1EC-4563-A4CB-7BFB6B498BC5}" type="slidenum">
-              <a:rPr lang="fr-FR" smtClean="0"/>
-              <a:pPr>
-                <a:defRPr/>
-              </a:pPr>
-              <a:t>31</a:t>
-            </a:fld>
-            <a:endParaRPr lang="fr-FR"/>
-          </a:p>
-        </p:txBody>
-      </p:sp>
-    </p:spTree>
-    <p:extLst>
-      <p:ext uri="{BB962C8B-B14F-4D97-AF65-F5344CB8AC3E}">
-        <p14:creationId xmlns:p14="http://schemas.microsoft.com/office/powerpoint/2010/main" val="1504026483"/>
-      </p:ext>
-    </p:extLst>
-  </p:cSld>
-  <p:clrMapOvr>
-    <a:masterClrMapping/>
-  </p:clrMapOvr>
-</p:notes>
-</file>
-
-<file path=ppt/notesSlides/notesSlide2.xml><?xml version="1.0" encoding="utf-8"?>
-<p:notes xmlns:a="http://schemas.openxmlformats.org/drawingml/2006/main" xmlns:r="http://schemas.openxmlformats.org/officeDocument/2006/relationships" xmlns:p="http://schemas.openxmlformats.org/presentationml/2006/main">
-  <p:cSld>
-    <p:spTree>
-      <p:nvGrpSpPr>
-        <p:cNvPr id="1" name=""/>
-        <p:cNvGrpSpPr/>
-        <p:nvPr/>
-      </p:nvGrpSpPr>
-      <p:grpSpPr>
-        <a:xfrm>
-          <a:off x="0" y="0"/>
-          <a:ext cx="0" cy="0"/>
-          <a:chOff x="0" y="0"/>
-          <a:chExt cx="0" cy="0"/>
-        </a:xfrm>
-      </p:grpSpPr>
-      <p:sp>
-        <p:nvSpPr>
-          <p:cNvPr id="2" name="Espace réservé de l'image des diapositives 1"/>
-          <p:cNvSpPr>
-            <a:spLocks noGrp="1" noRot="1" noChangeAspect="1"/>
-          </p:cNvSpPr>
-          <p:nvPr>
-            <p:ph type="sldImg"/>
-          </p:nvPr>
-        </p:nvSpPr>
-        <p:spPr/>
-      </p:sp>
-      <p:sp>
-        <p:nvSpPr>
-          <p:cNvPr id="3" name="Espace réservé des notes 2"/>
-          <p:cNvSpPr>
-            <a:spLocks noGrp="1"/>
-          </p:cNvSpPr>
-          <p:nvPr>
-            <p:ph type="body" idx="1"/>
-          </p:nvPr>
-        </p:nvSpPr>
-        <p:spPr/>
-        <p:txBody>
-          <a:bodyPr/>
-          <a:lstStyle/>
-          <a:p>
-            <a:r>
-              <a:rPr lang="fr-FR" dirty="0"/>
-              <a:t>Doublon : </a:t>
-            </a:r>
-            <a:r>
-              <a:rPr lang="fr-FR" dirty="0" err="1"/>
-              <a:t>dekalog</a:t>
-            </a:r>
-            <a:endParaRPr lang="fr-FR" dirty="0"/>
-          </a:p>
-        </p:txBody>
-      </p:sp>
-      <p:sp>
-        <p:nvSpPr>
-          <p:cNvPr id="4" name="Espace réservé du numéro de diapositive 3"/>
-          <p:cNvSpPr>
-            <a:spLocks noGrp="1"/>
-          </p:cNvSpPr>
-          <p:nvPr>
-            <p:ph type="sldNum" sz="quarter" idx="10"/>
-          </p:nvPr>
-        </p:nvSpPr>
-        <p:spPr/>
-        <p:txBody>
-          <a:bodyPr/>
-          <a:lstStyle/>
-          <a:p>
-            <a:pPr>
-              <a:defRPr/>
-            </a:pPr>
-            <a:fld id="{CC32C800-F1EC-4563-A4CB-7BFB6B498BC5}" type="slidenum">
-              <a:rPr lang="fr-FR" smtClean="0"/>
-              <a:pPr>
-                <a:defRPr/>
-              </a:pPr>
-              <a:t>5</a:t>
-            </a:fld>
-            <a:endParaRPr lang="fr-FR"/>
-          </a:p>
-        </p:txBody>
-      </p:sp>
-    </p:spTree>
-    <p:extLst>
-      <p:ext uri="{BB962C8B-B14F-4D97-AF65-F5344CB8AC3E}">
-        <p14:creationId xmlns:p14="http://schemas.microsoft.com/office/powerpoint/2010/main" val="660940245"/>
-      </p:ext>
-    </p:extLst>
-  </p:cSld>
-  <p:clrMapOvr>
-    <a:masterClrMapping/>
-  </p:clrMapOvr>
-</p:notes>
-</file>
-
-<file path=ppt/notesSlides/notesSlide3.xml><?xml version="1.0" encoding="utf-8"?>
-<p:notes xmlns:a="http://schemas.openxmlformats.org/drawingml/2006/main" xmlns:r="http://schemas.openxmlformats.org/officeDocument/2006/relationships" xmlns:p="http://schemas.openxmlformats.org/presentationml/2006/main">
-  <p:cSld>
-    <p:spTree>
-      <p:nvGrpSpPr>
-        <p:cNvPr id="1" name=""/>
-        <p:cNvGrpSpPr/>
-        <p:nvPr/>
-      </p:nvGrpSpPr>
-      <p:grpSpPr>
-        <a:xfrm>
-          <a:off x="0" y="0"/>
-          <a:ext cx="0" cy="0"/>
-          <a:chOff x="0" y="0"/>
-          <a:chExt cx="0" cy="0"/>
-        </a:xfrm>
-      </p:grpSpPr>
-      <p:sp>
-        <p:nvSpPr>
-          <p:cNvPr id="2" name="Espace réservé de l'image des diapositives 1"/>
-          <p:cNvSpPr>
-            <a:spLocks noGrp="1" noRot="1" noChangeAspect="1"/>
-          </p:cNvSpPr>
-          <p:nvPr>
-            <p:ph type="sldImg"/>
-          </p:nvPr>
-        </p:nvSpPr>
-        <p:spPr/>
-      </p:sp>
-      <p:sp>
-        <p:nvSpPr>
-          <p:cNvPr id="3" name="Espace réservé des notes 2"/>
-          <p:cNvSpPr>
-            <a:spLocks noGrp="1"/>
-          </p:cNvSpPr>
-          <p:nvPr>
-            <p:ph type="body" idx="1"/>
-          </p:nvPr>
-        </p:nvSpPr>
-        <p:spPr/>
-        <p:txBody>
-          <a:bodyPr/>
-          <a:lstStyle/>
-          <a:p>
-            <a:pPr marL="0" marR="0" lvl="0" indent="0" algn="l" defTabSz="914400" rtl="0" eaLnBrk="1" fontAlgn="base" latinLnBrk="0" hangingPunct="1">
-              <a:lnSpc>
-                <a:spcPct val="100000"/>
-              </a:lnSpc>
-              <a:spcBef>
-                <a:spcPct val="30000"/>
-              </a:spcBef>
-              <a:spcAft>
-                <a:spcPct val="0"/>
-              </a:spcAft>
-              <a:buClrTx/>
-              <a:buSzTx/>
-              <a:buFontTx/>
-              <a:buNone/>
-              <a:tabLst/>
-              <a:defRPr/>
-            </a:pPr>
-            <a:r>
-              <a:rPr lang="fr-FR" dirty="0"/>
-              <a:t>Valeurs manquantes</a:t>
-            </a:r>
-          </a:p>
-          <a:p>
-            <a:pPr marL="0" marR="0" lvl="0" indent="0" algn="l" defTabSz="914400" rtl="0" eaLnBrk="1" fontAlgn="base" latinLnBrk="0" hangingPunct="1">
-              <a:lnSpc>
-                <a:spcPct val="100000"/>
-              </a:lnSpc>
-              <a:spcBef>
-                <a:spcPct val="30000"/>
-              </a:spcBef>
-              <a:spcAft>
-                <a:spcPct val="0"/>
-              </a:spcAft>
-              <a:buClrTx/>
-              <a:buSzTx/>
-              <a:buFontTx/>
-              <a:buNone/>
-              <a:tabLst/>
-              <a:defRPr/>
-            </a:pPr>
-            <a:r>
-              <a:rPr lang="fr-FR" dirty="0"/>
-              <a:t>	valeur la plus courante pour </a:t>
-            </a:r>
-            <a:r>
-              <a:rPr lang="en-US" dirty="0"/>
-              <a:t>['color', '</a:t>
-            </a:r>
-            <a:r>
-              <a:rPr lang="en-US" dirty="0" err="1"/>
-              <a:t>title_year</a:t>
-            </a:r>
-            <a:r>
-              <a:rPr lang="en-US" dirty="0"/>
-              <a:t>', 'language', 'country', '</a:t>
-            </a:r>
-            <a:r>
-              <a:rPr lang="en-US" dirty="0" err="1"/>
-              <a:t>content_rating</a:t>
-            </a:r>
-            <a:r>
-              <a:rPr lang="en-US" dirty="0"/>
-              <a:t>’]</a:t>
-            </a:r>
-          </a:p>
-          <a:p>
-            <a:pPr marL="0" marR="0" lvl="0" indent="0" algn="l" defTabSz="914400" rtl="0" eaLnBrk="1" fontAlgn="base" latinLnBrk="0" hangingPunct="1">
-              <a:lnSpc>
-                <a:spcPct val="100000"/>
-              </a:lnSpc>
-              <a:spcBef>
-                <a:spcPct val="30000"/>
-              </a:spcBef>
-              <a:spcAft>
-                <a:spcPct val="0"/>
-              </a:spcAft>
-              <a:buClrTx/>
-              <a:buSzTx/>
-              <a:buFontTx/>
-              <a:buNone/>
-              <a:tabLst/>
-              <a:defRPr/>
-            </a:pPr>
-            <a:r>
-              <a:rPr lang="en-US" dirty="0"/>
-              <a:t>	</a:t>
-            </a:r>
-            <a:r>
-              <a:rPr lang="en-US" dirty="0" err="1"/>
-              <a:t>chaine</a:t>
-            </a:r>
-            <a:r>
-              <a:rPr lang="en-US" dirty="0"/>
-              <a:t> vide pour les </a:t>
-            </a:r>
-            <a:r>
-              <a:rPr lang="en-US" dirty="0" err="1"/>
-              <a:t>autres</a:t>
-            </a:r>
-            <a:r>
-              <a:rPr lang="en-US" dirty="0"/>
-              <a:t> variables </a:t>
-            </a:r>
-            <a:r>
-              <a:rPr lang="en-US" dirty="0" err="1"/>
-              <a:t>qualitatives</a:t>
-            </a:r>
-            <a:endParaRPr lang="en-US" dirty="0"/>
-          </a:p>
-          <a:p>
-            <a:pPr marL="0" marR="0" lvl="0" indent="0" algn="l" defTabSz="914400" rtl="0" eaLnBrk="1" fontAlgn="base" latinLnBrk="0" hangingPunct="1">
-              <a:lnSpc>
-                <a:spcPct val="100000"/>
-              </a:lnSpc>
-              <a:spcBef>
-                <a:spcPct val="30000"/>
-              </a:spcBef>
-              <a:spcAft>
-                <a:spcPct val="0"/>
-              </a:spcAft>
-              <a:buClrTx/>
-              <a:buSzTx/>
-              <a:buFontTx/>
-              <a:buNone/>
-              <a:tabLst/>
-              <a:defRPr/>
-            </a:pPr>
-            <a:r>
-              <a:rPr lang="en-US" dirty="0"/>
-              <a:t>	</a:t>
-            </a:r>
-            <a:r>
-              <a:rPr lang="en-US" dirty="0" err="1"/>
-              <a:t>médiane</a:t>
-            </a:r>
-            <a:r>
-              <a:rPr lang="en-US" dirty="0"/>
-              <a:t> pour les </a:t>
-            </a:r>
-            <a:r>
-              <a:rPr lang="en-US" dirty="0" err="1"/>
-              <a:t>valeurs</a:t>
-            </a:r>
-            <a:r>
-              <a:rPr lang="en-US" dirty="0"/>
-              <a:t> </a:t>
-            </a:r>
-            <a:r>
-              <a:rPr lang="en-US" dirty="0" err="1"/>
-              <a:t>numériques</a:t>
-            </a:r>
-            <a:endParaRPr lang="fr-FR" dirty="0"/>
-          </a:p>
-          <a:p>
-            <a:endParaRPr lang="fr-FR" dirty="0"/>
-          </a:p>
-        </p:txBody>
-      </p:sp>
-      <p:sp>
-        <p:nvSpPr>
-          <p:cNvPr id="4" name="Espace réservé du numéro de diapositive 3"/>
-          <p:cNvSpPr>
-            <a:spLocks noGrp="1"/>
-          </p:cNvSpPr>
-          <p:nvPr>
-            <p:ph type="sldNum" sz="quarter" idx="10"/>
-          </p:nvPr>
-        </p:nvSpPr>
-        <p:spPr/>
-        <p:txBody>
-          <a:bodyPr/>
-          <a:lstStyle/>
-          <a:p>
-            <a:pPr>
-              <a:defRPr/>
-            </a:pPr>
-            <a:fld id="{CC32C800-F1EC-4563-A4CB-7BFB6B498BC5}" type="slidenum">
-              <a:rPr lang="fr-FR" smtClean="0"/>
-              <a:pPr>
-                <a:defRPr/>
-              </a:pPr>
-              <a:t>6</a:t>
-            </a:fld>
-            <a:endParaRPr lang="fr-FR"/>
-          </a:p>
-        </p:txBody>
-      </p:sp>
-    </p:spTree>
-    <p:extLst>
-      <p:ext uri="{BB962C8B-B14F-4D97-AF65-F5344CB8AC3E}">
-        <p14:creationId xmlns:p14="http://schemas.microsoft.com/office/powerpoint/2010/main" val="318798400"/>
-      </p:ext>
-    </p:extLst>
-  </p:cSld>
-  <p:clrMapOvr>
-    <a:masterClrMapping/>
-  </p:clrMapOvr>
-</p:notes>
-</file>
-
-<file path=ppt/notesSlides/notesSlide4.xml><?xml version="1.0" encoding="utf-8"?>
-<p:notes xmlns:a="http://schemas.openxmlformats.org/drawingml/2006/main" xmlns:r="http://schemas.openxmlformats.org/officeDocument/2006/relationships" xmlns:p="http://schemas.openxmlformats.org/presentationml/2006/main">
-  <p:cSld>
-    <p:spTree>
-      <p:nvGrpSpPr>
-        <p:cNvPr id="1" name=""/>
-        <p:cNvGrpSpPr/>
-        <p:nvPr/>
-      </p:nvGrpSpPr>
-      <p:grpSpPr>
-        <a:xfrm>
-          <a:off x="0" y="0"/>
-          <a:ext cx="0" cy="0"/>
-          <a:chOff x="0" y="0"/>
-          <a:chExt cx="0" cy="0"/>
-        </a:xfrm>
-      </p:grpSpPr>
-      <p:sp>
-        <p:nvSpPr>
-          <p:cNvPr id="2" name="Espace réservé de l'image des diapositives 1"/>
-          <p:cNvSpPr>
-            <a:spLocks noGrp="1" noRot="1" noChangeAspect="1"/>
-          </p:cNvSpPr>
-          <p:nvPr>
-            <p:ph type="sldImg"/>
-          </p:nvPr>
-        </p:nvSpPr>
-        <p:spPr/>
-      </p:sp>
-      <p:sp>
-        <p:nvSpPr>
-          <p:cNvPr id="3" name="Espace réservé des notes 2"/>
-          <p:cNvSpPr>
-            <a:spLocks noGrp="1"/>
-          </p:cNvSpPr>
-          <p:nvPr>
-            <p:ph type="body" idx="1"/>
-          </p:nvPr>
-        </p:nvSpPr>
-        <p:spPr/>
-        <p:txBody>
-          <a:bodyPr/>
-          <a:lstStyle/>
-          <a:p>
-            <a:pPr marL="0" marR="0" lvl="0" indent="0" algn="l" defTabSz="914400" rtl="0" eaLnBrk="1" fontAlgn="base" latinLnBrk="0" hangingPunct="1">
-              <a:lnSpc>
-                <a:spcPct val="100000"/>
-              </a:lnSpc>
-              <a:spcBef>
-                <a:spcPct val="30000"/>
-              </a:spcBef>
-              <a:spcAft>
-                <a:spcPct val="0"/>
-              </a:spcAft>
-              <a:buClrTx/>
-              <a:buSzTx/>
-              <a:buFontTx/>
-              <a:buNone/>
-              <a:tabLst/>
-              <a:defRPr/>
-            </a:pPr>
-            <a:r>
-              <a:rPr lang="fr-FR" dirty="0"/>
-              <a:t>Doublons</a:t>
-            </a:r>
-          </a:p>
-          <a:p>
-            <a:pPr marL="0" marR="0" lvl="0" indent="0" algn="l" defTabSz="914400" rtl="0" eaLnBrk="1" fontAlgn="base" latinLnBrk="0" hangingPunct="1">
-              <a:lnSpc>
-                <a:spcPct val="100000"/>
-              </a:lnSpc>
-              <a:spcBef>
-                <a:spcPct val="30000"/>
-              </a:spcBef>
-              <a:spcAft>
-                <a:spcPct val="0"/>
-              </a:spcAft>
-              <a:buClrTx/>
-              <a:buSzTx/>
-              <a:buFontTx/>
-              <a:buNone/>
-              <a:tabLst/>
-              <a:defRPr/>
-            </a:pPr>
-            <a:r>
-              <a:rPr lang="fr-FR" dirty="0"/>
-              <a:t>	suppression des doublons mineurs (moins de 10% d’écart sur les valeurs numériques (sauf </a:t>
-            </a:r>
-            <a:r>
-              <a:rPr lang="fr-FR" dirty="0" err="1"/>
-              <a:t>title_year</a:t>
-            </a:r>
-            <a:r>
-              <a:rPr lang="fr-FR" dirty="0"/>
-              <a:t> et duration)</a:t>
-            </a:r>
-          </a:p>
-          <a:p>
-            <a:pPr marL="0" marR="0" lvl="0" indent="0" algn="l" defTabSz="914400" rtl="0" eaLnBrk="1" fontAlgn="base" latinLnBrk="0" hangingPunct="1">
-              <a:lnSpc>
-                <a:spcPct val="100000"/>
-              </a:lnSpc>
-              <a:spcBef>
-                <a:spcPct val="30000"/>
-              </a:spcBef>
-              <a:spcAft>
-                <a:spcPct val="0"/>
-              </a:spcAft>
-              <a:buClrTx/>
-              <a:buSzTx/>
-              <a:buFontTx/>
-              <a:buNone/>
-              <a:tabLst/>
-              <a:defRPr/>
-            </a:pPr>
-            <a:r>
-              <a:rPr lang="fr-FR" dirty="0"/>
-              <a:t>	si vrai doublon on ajoute la date au plus vieux</a:t>
-            </a:r>
-          </a:p>
-          <a:p>
-            <a:pPr marL="0" marR="0" lvl="0" indent="0" algn="l" defTabSz="914400" rtl="0" eaLnBrk="1" fontAlgn="base" latinLnBrk="0" hangingPunct="1">
-              <a:lnSpc>
-                <a:spcPct val="100000"/>
-              </a:lnSpc>
-              <a:spcBef>
-                <a:spcPct val="30000"/>
-              </a:spcBef>
-              <a:spcAft>
-                <a:spcPct val="0"/>
-              </a:spcAft>
-              <a:buClrTx/>
-              <a:buSzTx/>
-              <a:buFontTx/>
-              <a:buNone/>
-              <a:tabLst/>
-              <a:defRPr/>
-            </a:pPr>
-            <a:r>
-              <a:rPr lang="en-US" dirty="0"/>
-              <a:t>		The Host(2006) </a:t>
-            </a:r>
-          </a:p>
-          <a:p>
-            <a:pPr marL="0" marR="0" lvl="0" indent="0" algn="l" defTabSz="914400" rtl="0" eaLnBrk="1" fontAlgn="base" latinLnBrk="0" hangingPunct="1">
-              <a:lnSpc>
-                <a:spcPct val="100000"/>
-              </a:lnSpc>
-              <a:spcBef>
-                <a:spcPct val="30000"/>
-              </a:spcBef>
-              <a:spcAft>
-                <a:spcPct val="0"/>
-              </a:spcAft>
-              <a:buClrTx/>
-              <a:buSzTx/>
-              <a:buFontTx/>
-              <a:buNone/>
-              <a:tabLst/>
-              <a:defRPr/>
-            </a:pPr>
-            <a:r>
-              <a:rPr lang="en-US" dirty="0"/>
-              <a:t>		The Dead Zone(1983) </a:t>
-            </a:r>
-          </a:p>
-          <a:p>
-            <a:pPr marL="0" marR="0" lvl="0" indent="0" algn="l" defTabSz="914400" rtl="0" eaLnBrk="1" fontAlgn="base" latinLnBrk="0" hangingPunct="1">
-              <a:lnSpc>
-                <a:spcPct val="100000"/>
-              </a:lnSpc>
-              <a:spcBef>
-                <a:spcPct val="30000"/>
-              </a:spcBef>
-              <a:spcAft>
-                <a:spcPct val="0"/>
-              </a:spcAft>
-              <a:buClrTx/>
-              <a:buSzTx/>
-              <a:buFontTx/>
-              <a:buNone/>
-              <a:tabLst/>
-              <a:defRPr/>
-            </a:pPr>
-            <a:r>
-              <a:rPr lang="en-US" dirty="0"/>
-              <a:t>		Out of the Blue(1980)</a:t>
-            </a:r>
-            <a:endParaRPr lang="fr-FR" dirty="0"/>
-          </a:p>
-          <a:p>
-            <a:endParaRPr lang="fr-FR" dirty="0"/>
-          </a:p>
-        </p:txBody>
-      </p:sp>
-      <p:sp>
-        <p:nvSpPr>
-          <p:cNvPr id="4" name="Espace réservé du numéro de diapositive 3"/>
-          <p:cNvSpPr>
-            <a:spLocks noGrp="1"/>
-          </p:cNvSpPr>
-          <p:nvPr>
-            <p:ph type="sldNum" sz="quarter" idx="10"/>
-          </p:nvPr>
-        </p:nvSpPr>
-        <p:spPr/>
-        <p:txBody>
-          <a:bodyPr/>
-          <a:lstStyle/>
-          <a:p>
-            <a:pPr>
-              <a:defRPr/>
-            </a:pPr>
-            <a:fld id="{CC32C800-F1EC-4563-A4CB-7BFB6B498BC5}" type="slidenum">
-              <a:rPr lang="fr-FR" smtClean="0"/>
-              <a:pPr>
-                <a:defRPr/>
-              </a:pPr>
-              <a:t>7</a:t>
-            </a:fld>
-            <a:endParaRPr lang="fr-FR"/>
-          </a:p>
-        </p:txBody>
-      </p:sp>
-    </p:spTree>
-    <p:extLst>
-      <p:ext uri="{BB962C8B-B14F-4D97-AF65-F5344CB8AC3E}">
-        <p14:creationId xmlns:p14="http://schemas.microsoft.com/office/powerpoint/2010/main" val="3869913300"/>
-      </p:ext>
-    </p:extLst>
-  </p:cSld>
-  <p:clrMapOvr>
-    <a:masterClrMapping/>
-  </p:clrMapOvr>
-</p:notes>
-</file>
-
-<file path=ppt/notesSlides/notesSlide5.xml><?xml version="1.0" encoding="utf-8"?>
-<p:notes xmlns:a="http://schemas.openxmlformats.org/drawingml/2006/main" xmlns:r="http://schemas.openxmlformats.org/officeDocument/2006/relationships" xmlns:p="http://schemas.openxmlformats.org/presentationml/2006/main">
-  <p:cSld>
-    <p:spTree>
-      <p:nvGrpSpPr>
-        <p:cNvPr id="1" name=""/>
-        <p:cNvGrpSpPr/>
-        <p:nvPr/>
-      </p:nvGrpSpPr>
-      <p:grpSpPr>
-        <a:xfrm>
-          <a:off x="0" y="0"/>
-          <a:ext cx="0" cy="0"/>
-          <a:chOff x="0" y="0"/>
-          <a:chExt cx="0" cy="0"/>
-        </a:xfrm>
-      </p:grpSpPr>
-      <p:sp>
-        <p:nvSpPr>
-          <p:cNvPr id="2" name="Espace réservé de l'image des diapositives 1"/>
-          <p:cNvSpPr>
-            <a:spLocks noGrp="1" noRot="1" noChangeAspect="1"/>
-          </p:cNvSpPr>
-          <p:nvPr>
-            <p:ph type="sldImg"/>
-          </p:nvPr>
-        </p:nvSpPr>
-        <p:spPr/>
-      </p:sp>
-      <p:sp>
-        <p:nvSpPr>
-          <p:cNvPr id="3" name="Espace réservé des notes 2"/>
-          <p:cNvSpPr>
-            <a:spLocks noGrp="1"/>
-          </p:cNvSpPr>
-          <p:nvPr>
-            <p:ph type="body" idx="1"/>
-          </p:nvPr>
-        </p:nvSpPr>
-        <p:spPr/>
-        <p:txBody>
-          <a:bodyPr/>
-          <a:lstStyle/>
-          <a:p>
-            <a:r>
-              <a:rPr lang="fr-FR" dirty="0"/>
-              <a:t>Meilleure corrélation entre total like et </a:t>
-            </a:r>
-            <a:r>
-              <a:rPr lang="fr-FR" dirty="0" err="1"/>
-              <a:t>actor</a:t>
-            </a:r>
-            <a:r>
-              <a:rPr lang="fr-FR" dirty="0"/>
-              <a:t> 1 like</a:t>
-            </a:r>
-          </a:p>
-          <a:p>
-            <a:r>
-              <a:rPr lang="fr-FR" dirty="0"/>
-              <a:t>Le score semble un peu corrélé avec nb critiques et nb de votant mais pas de tendance forte, ce qui semble normal</a:t>
-            </a:r>
-          </a:p>
-        </p:txBody>
-      </p:sp>
-      <p:sp>
-        <p:nvSpPr>
-          <p:cNvPr id="4" name="Espace réservé du numéro de diapositive 3"/>
-          <p:cNvSpPr>
-            <a:spLocks noGrp="1"/>
-          </p:cNvSpPr>
-          <p:nvPr>
-            <p:ph type="sldNum" sz="quarter" idx="10"/>
-          </p:nvPr>
-        </p:nvSpPr>
-        <p:spPr/>
-        <p:txBody>
-          <a:bodyPr/>
-          <a:lstStyle/>
-          <a:p>
-            <a:pPr>
-              <a:defRPr/>
-            </a:pPr>
-            <a:fld id="{CC32C800-F1EC-4563-A4CB-7BFB6B498BC5}" type="slidenum">
-              <a:rPr lang="fr-FR" smtClean="0"/>
-              <a:pPr>
-                <a:defRPr/>
-              </a:pPr>
-              <a:t>8</a:t>
-            </a:fld>
-            <a:endParaRPr lang="fr-FR"/>
-          </a:p>
-        </p:txBody>
-      </p:sp>
-    </p:spTree>
-    <p:extLst>
-      <p:ext uri="{BB962C8B-B14F-4D97-AF65-F5344CB8AC3E}">
-        <p14:creationId xmlns:p14="http://schemas.microsoft.com/office/powerpoint/2010/main" val="4203670404"/>
-      </p:ext>
-    </p:extLst>
-  </p:cSld>
-  <p:clrMapOvr>
-    <a:masterClrMapping/>
-  </p:clrMapOvr>
-</p:notes>
-</file>
-
-<file path=ppt/notesSlides/notesSlide6.xml><?xml version="1.0" encoding="utf-8"?>
-<p:notes xmlns:a="http://schemas.openxmlformats.org/drawingml/2006/main" xmlns:r="http://schemas.openxmlformats.org/officeDocument/2006/relationships" xmlns:p="http://schemas.openxmlformats.org/presentationml/2006/main">
-  <p:cSld>
-    <p:spTree>
-      <p:nvGrpSpPr>
-        <p:cNvPr id="1" name=""/>
-        <p:cNvGrpSpPr/>
-        <p:nvPr/>
-      </p:nvGrpSpPr>
-      <p:grpSpPr>
-        <a:xfrm>
-          <a:off x="0" y="0"/>
-          <a:ext cx="0" cy="0"/>
-          <a:chOff x="0" y="0"/>
-          <a:chExt cx="0" cy="0"/>
-        </a:xfrm>
-      </p:grpSpPr>
-      <p:sp>
-        <p:nvSpPr>
-          <p:cNvPr id="14338" name="Espace réservé de l'image des diapositives 1">
-            <a:extLst>
-              <a:ext uri="{FF2B5EF4-FFF2-40B4-BE49-F238E27FC236}">
-                <a16:creationId xmlns:a16="http://schemas.microsoft.com/office/drawing/2014/main" id="{BA52C493-889E-45DB-AAF0-CA5153F562FB}"/>
+          <p:cNvPr id="30722" name="Espace réservé de l'image des diapositives 1">
+            <a:extLst>
+              <a:ext uri="{FF2B5EF4-FFF2-40B4-BE49-F238E27FC236}">
+                <a16:creationId xmlns:a16="http://schemas.microsoft.com/office/drawing/2014/main" id="{FD2408B1-5AB2-4593-8D1A-FD64F7E5EF56}"/>
               </a:ext>
             </a:extLst>
           </p:cNvPr>
@@ -3725,10 +2255,10 @@
       </p:sp>
       <p:sp>
         <p:nvSpPr>
-          <p:cNvPr id="14339" name="Espace réservé des notes 2">
-            <a:extLst>
-              <a:ext uri="{FF2B5EF4-FFF2-40B4-BE49-F238E27FC236}">
-                <a16:creationId xmlns:a16="http://schemas.microsoft.com/office/drawing/2014/main" id="{88BCBEEF-840C-4E35-8F65-1E2D31A27E18}"/>
+          <p:cNvPr id="30723" name="Espace réservé des notes 2">
+            <a:extLst>
+              <a:ext uri="{FF2B5EF4-FFF2-40B4-BE49-F238E27FC236}">
+                <a16:creationId xmlns:a16="http://schemas.microsoft.com/office/drawing/2014/main" id="{12ECAC57-7E0D-4A84-A332-79C0DC55F3E1}"/>
               </a:ext>
             </a:extLst>
           </p:cNvPr>
@@ -3775,18 +2305,18 @@
               </a:spcBef>
             </a:pPr>
             <a:r>
-              <a:rPr lang="fr-FR" altLang="fr-FR" dirty="0"/>
-              <a:t>3 groupes homogènes : 1548, 1823, 1548</a:t>
-            </a:r>
-          </a:p>
-        </p:txBody>
-      </p:sp>
-      <p:sp>
-        <p:nvSpPr>
-          <p:cNvPr id="14340" name="Espace réservé du numéro de diapositive 3">
-            <a:extLst>
-              <a:ext uri="{FF2B5EF4-FFF2-40B4-BE49-F238E27FC236}">
-                <a16:creationId xmlns:a16="http://schemas.microsoft.com/office/drawing/2014/main" id="{26D63B45-F8B4-4B3A-A116-EDD858FCA2CD}"/>
+              <a:rPr lang="fr-FR" altLang="fr-FR"/>
+              <a:t>single, complete, average, weighted, centroid, median</a:t>
+            </a:r>
+          </a:p>
+        </p:txBody>
+      </p:sp>
+      <p:sp>
+        <p:nvSpPr>
+          <p:cNvPr id="30724" name="Espace réservé du numéro de diapositive 3">
+            <a:extLst>
+              <a:ext uri="{FF2B5EF4-FFF2-40B4-BE49-F238E27FC236}">
+                <a16:creationId xmlns:a16="http://schemas.microsoft.com/office/drawing/2014/main" id="{26E17676-F4B7-4002-80BA-2936DEF0EFFA}"/>
               </a:ext>
             </a:extLst>
           </p:cNvPr>
@@ -3932,7 +2462,7 @@
                 <a:spcPct val="0"/>
               </a:spcAft>
             </a:pPr>
-            <a:fld id="{5D72102B-722F-46E5-AAFA-6ECBAD2129EF}" type="slidenum">
+            <a:fld id="{6690AEBB-A830-4DED-9A64-9252EA96448D}" type="slidenum">
               <a:rPr lang="fr-FR" altLang="fr-FR"/>
               <a:pPr fontAlgn="base">
                 <a:spcBef>
@@ -3942,7 +2472,7 @@
                   <a:spcPct val="0"/>
                 </a:spcAft>
               </a:pPr>
-              <a:t>10</a:t>
+              <a:t>22</a:t>
             </a:fld>
             <a:endParaRPr lang="fr-FR" altLang="fr-FR"/>
           </a:p>
@@ -3956,7 +2486,7 @@
 </p:notes>
 </file>
 
-<file path=ppt/notesSlides/notesSlide7.xml><?xml version="1.0" encoding="utf-8"?>
+<file path=ppt/notesSlides/notesSlide19.xml><?xml version="1.0" encoding="utf-8"?>
 <p:notes xmlns:a="http://schemas.openxmlformats.org/drawingml/2006/main" xmlns:r="http://schemas.openxmlformats.org/officeDocument/2006/relationships" xmlns:p="http://schemas.openxmlformats.org/presentationml/2006/main">
   <p:cSld>
     <p:spTree>
@@ -3975,10 +2505,851 @@
       </p:grpSpPr>
       <p:sp>
         <p:nvSpPr>
-          <p:cNvPr id="16386" name="Espace réservé de l'image des diapositives 1">
-            <a:extLst>
-              <a:ext uri="{FF2B5EF4-FFF2-40B4-BE49-F238E27FC236}">
-                <a16:creationId xmlns:a16="http://schemas.microsoft.com/office/drawing/2014/main" id="{2345DD6C-5EDA-4931-A6EF-A96EFE9F4229}"/>
+          <p:cNvPr id="2" name="Espace réservé de l'image des diapositives 1"/>
+          <p:cNvSpPr>
+            <a:spLocks noGrp="1" noRot="1" noChangeAspect="1"/>
+          </p:cNvSpPr>
+          <p:nvPr>
+            <p:ph type="sldImg"/>
+          </p:nvPr>
+        </p:nvSpPr>
+        <p:spPr/>
+      </p:sp>
+      <p:sp>
+        <p:nvSpPr>
+          <p:cNvPr id="3" name="Espace réservé des notes 2"/>
+          <p:cNvSpPr>
+            <a:spLocks noGrp="1"/>
+          </p:cNvSpPr>
+          <p:nvPr>
+            <p:ph type="body" idx="1"/>
+          </p:nvPr>
+        </p:nvSpPr>
+        <p:spPr/>
+        <p:txBody>
+          <a:bodyPr/>
+          <a:lstStyle/>
+          <a:p>
+            <a:r>
+              <a:rPr lang="fr-FR" dirty="0" err="1"/>
+              <a:t>Cosine</a:t>
+            </a:r>
+            <a:r>
+              <a:rPr lang="fr-FR" dirty="0"/>
+              <a:t> </a:t>
+            </a:r>
+            <a:r>
+              <a:rPr lang="fr-FR" dirty="0" err="1"/>
+              <a:t>similarity</a:t>
+            </a:r>
+            <a:r>
+              <a:rPr lang="fr-FR" dirty="0"/>
+              <a:t> = corrélation de Pearson = </a:t>
+            </a:r>
+            <a:r>
+              <a:rPr lang="fr-FR" dirty="0" err="1"/>
+              <a:t>cosine</a:t>
+            </a:r>
+            <a:r>
+              <a:rPr lang="fr-FR" dirty="0"/>
+              <a:t> kernel = </a:t>
+            </a:r>
+            <a:r>
+              <a:rPr lang="fr-FR" dirty="0" err="1"/>
+              <a:t>u.v</a:t>
+            </a:r>
+            <a:r>
+              <a:rPr lang="fr-FR" dirty="0"/>
+              <a:t> / ||u||.||v||</a:t>
+            </a:r>
+          </a:p>
+          <a:p>
+            <a:r>
+              <a:rPr lang="fr-FR" dirty="0" err="1"/>
+              <a:t>Linear</a:t>
+            </a:r>
+            <a:r>
+              <a:rPr lang="fr-FR" dirty="0"/>
+              <a:t> kernel = </a:t>
+            </a:r>
+            <a:r>
+              <a:rPr lang="fr-FR" dirty="0" err="1"/>
+              <a:t>u.v</a:t>
+            </a:r>
+            <a:endParaRPr lang="fr-FR" dirty="0"/>
+          </a:p>
+          <a:p>
+            <a:r>
+              <a:rPr lang="fr-FR" dirty="0">
+                <a:effectLst/>
+              </a:rPr>
+              <a:t>Chi2 kernel = e(-</a:t>
+            </a:r>
+            <a:r>
+              <a:rPr lang="fr-FR" dirty="0" err="1">
+                <a:effectLst/>
+              </a:rPr>
+              <a:t>gamma.somme</a:t>
+            </a:r>
+            <a:r>
+              <a:rPr lang="fr-FR" dirty="0">
+                <a:effectLst/>
+              </a:rPr>
+              <a:t>((x²-y²)/(</a:t>
+            </a:r>
+            <a:r>
+              <a:rPr lang="fr-FR" dirty="0" err="1">
+                <a:effectLst/>
+              </a:rPr>
+              <a:t>x+y</a:t>
+            </a:r>
+            <a:r>
+              <a:rPr lang="fr-FR" dirty="0">
+                <a:effectLst/>
+              </a:rPr>
+              <a:t>))</a:t>
+            </a:r>
+          </a:p>
+          <a:p>
+            <a:r>
+              <a:rPr lang="fr-FR" dirty="0">
+                <a:effectLst/>
+              </a:rPr>
+              <a:t>Polynomial, </a:t>
+            </a:r>
+            <a:r>
+              <a:rPr lang="fr-FR" dirty="0" err="1">
+                <a:effectLst/>
+              </a:rPr>
+              <a:t>sigmoid</a:t>
+            </a:r>
+            <a:r>
+              <a:rPr lang="fr-FR" dirty="0">
+                <a:effectLst/>
+              </a:rPr>
+              <a:t>, RBF, </a:t>
+            </a:r>
+            <a:r>
+              <a:rPr lang="fr-FR" dirty="0" err="1">
+                <a:effectLst/>
+              </a:rPr>
+              <a:t>Laplacian</a:t>
+            </a:r>
+            <a:endParaRPr lang="fr-FR" dirty="0">
+              <a:effectLst/>
+            </a:endParaRPr>
+          </a:p>
+          <a:p>
+            <a:endParaRPr lang="fr-FR" dirty="0">
+              <a:effectLst/>
+            </a:endParaRPr>
+          </a:p>
+          <a:p>
+            <a:r>
+              <a:rPr lang="fr-FR" dirty="0">
+                <a:effectLst/>
+              </a:rPr>
+              <a:t>N : </a:t>
+            </a:r>
+            <a:r>
+              <a:rPr lang="fr-FR" dirty="0" err="1">
+                <a:effectLst/>
+              </a:rPr>
+              <a:t>number</a:t>
+            </a:r>
+            <a:r>
+              <a:rPr lang="fr-FR" dirty="0">
+                <a:effectLst/>
+              </a:rPr>
+              <a:t> of dimensions</a:t>
+            </a:r>
+          </a:p>
+          <a:p>
+            <a:r>
+              <a:rPr lang="fr-FR" dirty="0">
+                <a:effectLst/>
+              </a:rPr>
+              <a:t>NTT : </a:t>
+            </a:r>
+            <a:r>
+              <a:rPr lang="fr-FR" dirty="0" err="1">
+                <a:effectLst/>
+              </a:rPr>
+              <a:t>number</a:t>
+            </a:r>
+            <a:r>
+              <a:rPr lang="fr-FR" dirty="0">
+                <a:effectLst/>
+              </a:rPr>
+              <a:t> of </a:t>
+            </a:r>
+            <a:r>
+              <a:rPr lang="fr-FR" dirty="0" err="1">
+                <a:effectLst/>
+              </a:rPr>
+              <a:t>dims</a:t>
+            </a:r>
+            <a:r>
+              <a:rPr lang="fr-FR" dirty="0">
+                <a:effectLst/>
+              </a:rPr>
+              <a:t> in </a:t>
+            </a:r>
+            <a:r>
+              <a:rPr lang="fr-FR" dirty="0" err="1">
+                <a:effectLst/>
+              </a:rPr>
+              <a:t>which</a:t>
+            </a:r>
+            <a:r>
+              <a:rPr lang="fr-FR" dirty="0">
+                <a:effectLst/>
+              </a:rPr>
+              <a:t> </a:t>
+            </a:r>
+            <a:r>
+              <a:rPr lang="fr-FR" dirty="0" err="1">
+                <a:effectLst/>
+              </a:rPr>
+              <a:t>both</a:t>
+            </a:r>
+            <a:r>
+              <a:rPr lang="fr-FR" dirty="0">
+                <a:effectLst/>
+              </a:rPr>
+              <a:t> values are </a:t>
+            </a:r>
+            <a:r>
+              <a:rPr lang="fr-FR" dirty="0" err="1">
+                <a:effectLst/>
+              </a:rPr>
+              <a:t>True</a:t>
+            </a:r>
+            <a:endParaRPr lang="fr-FR" dirty="0">
+              <a:effectLst/>
+            </a:endParaRPr>
+          </a:p>
+          <a:p>
+            <a:r>
+              <a:rPr lang="fr-FR" dirty="0">
+                <a:effectLst/>
+              </a:rPr>
+              <a:t>NTF : </a:t>
+            </a:r>
+            <a:r>
+              <a:rPr lang="fr-FR" dirty="0" err="1">
+                <a:effectLst/>
+              </a:rPr>
+              <a:t>number</a:t>
+            </a:r>
+            <a:r>
+              <a:rPr lang="fr-FR" dirty="0">
+                <a:effectLst/>
+              </a:rPr>
+              <a:t> of </a:t>
+            </a:r>
+            <a:r>
+              <a:rPr lang="fr-FR" dirty="0" err="1">
+                <a:effectLst/>
+              </a:rPr>
+              <a:t>dims</a:t>
+            </a:r>
+            <a:r>
+              <a:rPr lang="fr-FR" dirty="0">
+                <a:effectLst/>
+              </a:rPr>
+              <a:t> in </a:t>
+            </a:r>
+            <a:r>
+              <a:rPr lang="fr-FR" dirty="0" err="1">
+                <a:effectLst/>
+              </a:rPr>
+              <a:t>which</a:t>
+            </a:r>
+            <a:r>
+              <a:rPr lang="fr-FR" dirty="0">
+                <a:effectLst/>
+              </a:rPr>
+              <a:t> the first value </a:t>
+            </a:r>
+            <a:r>
+              <a:rPr lang="fr-FR" dirty="0" err="1">
+                <a:effectLst/>
+              </a:rPr>
+              <a:t>is</a:t>
+            </a:r>
+            <a:r>
+              <a:rPr lang="fr-FR" dirty="0">
+                <a:effectLst/>
+              </a:rPr>
+              <a:t> </a:t>
+            </a:r>
+            <a:r>
+              <a:rPr lang="fr-FR" dirty="0" err="1">
+                <a:effectLst/>
+              </a:rPr>
+              <a:t>True</a:t>
+            </a:r>
+            <a:r>
+              <a:rPr lang="fr-FR" dirty="0">
+                <a:effectLst/>
+              </a:rPr>
+              <a:t>, second </a:t>
+            </a:r>
+            <a:r>
+              <a:rPr lang="fr-FR" dirty="0" err="1">
+                <a:effectLst/>
+              </a:rPr>
+              <a:t>is</a:t>
+            </a:r>
+            <a:r>
+              <a:rPr lang="fr-FR" dirty="0">
+                <a:effectLst/>
+              </a:rPr>
+              <a:t> False</a:t>
+            </a:r>
+          </a:p>
+          <a:p>
+            <a:r>
+              <a:rPr lang="fr-FR" dirty="0">
+                <a:effectLst/>
+              </a:rPr>
+              <a:t>NFT : </a:t>
+            </a:r>
+            <a:r>
+              <a:rPr lang="fr-FR" dirty="0" err="1">
+                <a:effectLst/>
+              </a:rPr>
+              <a:t>number</a:t>
+            </a:r>
+            <a:r>
+              <a:rPr lang="fr-FR" dirty="0">
+                <a:effectLst/>
+              </a:rPr>
+              <a:t> of </a:t>
+            </a:r>
+            <a:r>
+              <a:rPr lang="fr-FR" dirty="0" err="1">
+                <a:effectLst/>
+              </a:rPr>
+              <a:t>dims</a:t>
+            </a:r>
+            <a:r>
+              <a:rPr lang="fr-FR" dirty="0">
+                <a:effectLst/>
+              </a:rPr>
+              <a:t> in </a:t>
+            </a:r>
+            <a:r>
+              <a:rPr lang="fr-FR" dirty="0" err="1">
+                <a:effectLst/>
+              </a:rPr>
+              <a:t>which</a:t>
+            </a:r>
+            <a:r>
+              <a:rPr lang="fr-FR" dirty="0">
+                <a:effectLst/>
+              </a:rPr>
+              <a:t> the first value </a:t>
+            </a:r>
+            <a:r>
+              <a:rPr lang="fr-FR" dirty="0" err="1">
+                <a:effectLst/>
+              </a:rPr>
+              <a:t>is</a:t>
+            </a:r>
+            <a:r>
+              <a:rPr lang="fr-FR" dirty="0">
+                <a:effectLst/>
+              </a:rPr>
+              <a:t> False, second </a:t>
+            </a:r>
+            <a:r>
+              <a:rPr lang="fr-FR" dirty="0" err="1">
+                <a:effectLst/>
+              </a:rPr>
+              <a:t>is</a:t>
+            </a:r>
+            <a:r>
+              <a:rPr lang="fr-FR" dirty="0">
+                <a:effectLst/>
+              </a:rPr>
+              <a:t> </a:t>
+            </a:r>
+            <a:r>
+              <a:rPr lang="fr-FR" dirty="0" err="1">
+                <a:effectLst/>
+              </a:rPr>
+              <a:t>True</a:t>
+            </a:r>
+            <a:endParaRPr lang="fr-FR" dirty="0">
+              <a:effectLst/>
+            </a:endParaRPr>
+          </a:p>
+          <a:p>
+            <a:r>
+              <a:rPr lang="fr-FR" dirty="0">
+                <a:effectLst/>
+              </a:rPr>
+              <a:t>NFF : </a:t>
+            </a:r>
+            <a:r>
+              <a:rPr lang="fr-FR" dirty="0" err="1">
+                <a:effectLst/>
+              </a:rPr>
+              <a:t>number</a:t>
+            </a:r>
+            <a:r>
+              <a:rPr lang="fr-FR" dirty="0">
+                <a:effectLst/>
+              </a:rPr>
+              <a:t> of </a:t>
+            </a:r>
+            <a:r>
+              <a:rPr lang="fr-FR" dirty="0" err="1">
+                <a:effectLst/>
+              </a:rPr>
+              <a:t>dims</a:t>
+            </a:r>
+            <a:r>
+              <a:rPr lang="fr-FR" dirty="0">
+                <a:effectLst/>
+              </a:rPr>
+              <a:t> in </a:t>
+            </a:r>
+            <a:r>
+              <a:rPr lang="fr-FR" dirty="0" err="1">
+                <a:effectLst/>
+              </a:rPr>
+              <a:t>which</a:t>
+            </a:r>
+            <a:r>
+              <a:rPr lang="fr-FR" dirty="0">
+                <a:effectLst/>
+              </a:rPr>
+              <a:t> </a:t>
+            </a:r>
+            <a:r>
+              <a:rPr lang="fr-FR" dirty="0" err="1">
+                <a:effectLst/>
+              </a:rPr>
+              <a:t>both</a:t>
+            </a:r>
+            <a:r>
+              <a:rPr lang="fr-FR" dirty="0">
+                <a:effectLst/>
+              </a:rPr>
+              <a:t> values are False</a:t>
+            </a:r>
+          </a:p>
+          <a:p>
+            <a:r>
+              <a:rPr lang="fr-FR" dirty="0">
+                <a:effectLst/>
+              </a:rPr>
+              <a:t>NNEQ : </a:t>
+            </a:r>
+            <a:r>
+              <a:rPr lang="fr-FR" dirty="0" err="1">
+                <a:effectLst/>
+              </a:rPr>
+              <a:t>number</a:t>
+            </a:r>
+            <a:r>
+              <a:rPr lang="fr-FR" dirty="0">
+                <a:effectLst/>
+              </a:rPr>
+              <a:t> of non-</a:t>
+            </a:r>
+            <a:r>
+              <a:rPr lang="fr-FR" dirty="0" err="1">
+                <a:effectLst/>
+              </a:rPr>
+              <a:t>equal</a:t>
+            </a:r>
+            <a:r>
+              <a:rPr lang="fr-FR" dirty="0">
+                <a:effectLst/>
+              </a:rPr>
+              <a:t> dimensions, NNEQ = NTF + NFT</a:t>
+            </a:r>
+          </a:p>
+          <a:p>
+            <a:r>
+              <a:rPr lang="fr-FR" dirty="0">
+                <a:effectLst/>
+              </a:rPr>
+              <a:t>NNZ : </a:t>
+            </a:r>
+            <a:r>
+              <a:rPr lang="fr-FR" dirty="0" err="1">
+                <a:effectLst/>
+              </a:rPr>
+              <a:t>number</a:t>
+            </a:r>
+            <a:r>
+              <a:rPr lang="fr-FR" dirty="0">
+                <a:effectLst/>
+              </a:rPr>
+              <a:t> of </a:t>
+            </a:r>
+            <a:r>
+              <a:rPr lang="fr-FR" dirty="0" err="1">
+                <a:effectLst/>
+              </a:rPr>
+              <a:t>nonzero</a:t>
+            </a:r>
+            <a:r>
+              <a:rPr lang="fr-FR" dirty="0">
+                <a:effectLst/>
+              </a:rPr>
+              <a:t> dimensions, NNZ = NTF + NFT + NTT</a:t>
+            </a:r>
+          </a:p>
+          <a:p>
+            <a:r>
+              <a:rPr lang="fr-FR" dirty="0">
+                <a:effectLst/>
+              </a:rPr>
+              <a:t>“</a:t>
+            </a:r>
+            <a:r>
+              <a:rPr lang="fr-FR" dirty="0" err="1">
+                <a:effectLst/>
+              </a:rPr>
+              <a:t>jaccard</a:t>
+            </a:r>
+            <a:r>
+              <a:rPr lang="fr-FR" dirty="0">
+                <a:effectLst/>
+              </a:rPr>
+              <a:t>” NNEQ / NNZ</a:t>
+            </a:r>
+          </a:p>
+          <a:p>
+            <a:r>
+              <a:rPr lang="fr-FR" dirty="0">
+                <a:effectLst/>
+              </a:rPr>
+              <a:t>“</a:t>
+            </a:r>
+            <a:r>
+              <a:rPr lang="fr-FR" dirty="0" err="1">
+                <a:effectLst/>
+              </a:rPr>
+              <a:t>matching</a:t>
+            </a:r>
+            <a:r>
+              <a:rPr lang="fr-FR" dirty="0">
+                <a:effectLst/>
+              </a:rPr>
+              <a:t>” NNEQ / N</a:t>
+            </a:r>
+          </a:p>
+          <a:p>
+            <a:r>
+              <a:rPr lang="fr-FR" b="1" dirty="0">
+                <a:effectLst/>
+              </a:rPr>
+              <a:t>“</a:t>
+            </a:r>
+            <a:r>
+              <a:rPr lang="fr-FR" b="1" dirty="0" err="1">
+                <a:effectLst/>
+              </a:rPr>
+              <a:t>dice</a:t>
+            </a:r>
+            <a:r>
+              <a:rPr lang="fr-FR" b="1" dirty="0">
+                <a:effectLst/>
+              </a:rPr>
+              <a:t>” NNEQ / (NTT + NNZ)</a:t>
+            </a:r>
+          </a:p>
+          <a:p>
+            <a:r>
+              <a:rPr lang="fr-FR" dirty="0">
+                <a:effectLst/>
+              </a:rPr>
+              <a:t>“</a:t>
+            </a:r>
+            <a:r>
+              <a:rPr lang="fr-FR" dirty="0" err="1">
+                <a:effectLst/>
+              </a:rPr>
+              <a:t>kulsinski</a:t>
+            </a:r>
+            <a:r>
+              <a:rPr lang="fr-FR" dirty="0">
+                <a:effectLst/>
+              </a:rPr>
+              <a:t>” (NNEQ + N - NTT) / (NNEQ + N)</a:t>
+            </a:r>
+          </a:p>
+          <a:p>
+            <a:r>
+              <a:rPr lang="fr-FR" dirty="0">
+                <a:effectLst/>
+              </a:rPr>
+              <a:t>“</a:t>
+            </a:r>
+            <a:r>
+              <a:rPr lang="fr-FR" dirty="0" err="1">
+                <a:effectLst/>
+              </a:rPr>
+              <a:t>rogerstanimoto</a:t>
+            </a:r>
+            <a:r>
+              <a:rPr lang="fr-FR" dirty="0">
+                <a:effectLst/>
+              </a:rPr>
+              <a:t>” 2 * NNEQ / (N + NNEQ)</a:t>
+            </a:r>
+          </a:p>
+          <a:p>
+            <a:r>
+              <a:rPr lang="fr-FR" dirty="0">
+                <a:effectLst/>
+              </a:rPr>
+              <a:t>“</a:t>
+            </a:r>
+            <a:r>
+              <a:rPr lang="fr-FR" dirty="0" err="1">
+                <a:effectLst/>
+              </a:rPr>
+              <a:t>russellrao</a:t>
+            </a:r>
+            <a:r>
+              <a:rPr lang="fr-FR" dirty="0">
+                <a:effectLst/>
+              </a:rPr>
+              <a:t>” NNZ / N</a:t>
+            </a:r>
+          </a:p>
+          <a:p>
+            <a:r>
+              <a:rPr lang="fr-FR" dirty="0">
+                <a:effectLst/>
+              </a:rPr>
+              <a:t>“</a:t>
+            </a:r>
+            <a:r>
+              <a:rPr lang="fr-FR" dirty="0" err="1">
+                <a:effectLst/>
+              </a:rPr>
+              <a:t>sokalmichener</a:t>
+            </a:r>
+            <a:r>
+              <a:rPr lang="fr-FR" dirty="0">
+                <a:effectLst/>
+              </a:rPr>
+              <a:t>” 2 * NNEQ / (N + NNEQ)</a:t>
+            </a:r>
+          </a:p>
+          <a:p>
+            <a:r>
+              <a:rPr lang="fr-FR" dirty="0">
+                <a:effectLst/>
+              </a:rPr>
+              <a:t>“</a:t>
+            </a:r>
+            <a:r>
+              <a:rPr lang="fr-FR" dirty="0" err="1">
+                <a:effectLst/>
+              </a:rPr>
+              <a:t>sokalsneath</a:t>
+            </a:r>
+            <a:r>
+              <a:rPr lang="fr-FR" dirty="0">
+                <a:effectLst/>
+              </a:rPr>
+              <a:t>” NNEQ / (NNEQ + 0.5 * NTT)</a:t>
+            </a:r>
+            <a:br>
+              <a:rPr lang="fr-FR" dirty="0"/>
+            </a:br>
+            <a:endParaRPr lang="fr-FR" dirty="0"/>
+          </a:p>
+        </p:txBody>
+      </p:sp>
+      <p:sp>
+        <p:nvSpPr>
+          <p:cNvPr id="4" name="Espace réservé du numéro de diapositive 3"/>
+          <p:cNvSpPr>
+            <a:spLocks noGrp="1"/>
+          </p:cNvSpPr>
+          <p:nvPr>
+            <p:ph type="sldNum" sz="quarter" idx="10"/>
+          </p:nvPr>
+        </p:nvSpPr>
+        <p:spPr/>
+        <p:txBody>
+          <a:bodyPr/>
+          <a:lstStyle/>
+          <a:p>
+            <a:pPr>
+              <a:defRPr/>
+            </a:pPr>
+            <a:fld id="{CC32C800-F1EC-4563-A4CB-7BFB6B498BC5}" type="slidenum">
+              <a:rPr lang="fr-FR" smtClean="0"/>
+              <a:pPr>
+                <a:defRPr/>
+              </a:pPr>
+              <a:t>29</a:t>
+            </a:fld>
+            <a:endParaRPr lang="fr-FR"/>
+          </a:p>
+        </p:txBody>
+      </p:sp>
+    </p:spTree>
+    <p:extLst>
+      <p:ext uri="{BB962C8B-B14F-4D97-AF65-F5344CB8AC3E}">
+        <p14:creationId xmlns:p14="http://schemas.microsoft.com/office/powerpoint/2010/main" val="2765459891"/>
+      </p:ext>
+    </p:extLst>
+  </p:cSld>
+  <p:clrMapOvr>
+    <a:masterClrMapping/>
+  </p:clrMapOvr>
+</p:notes>
+</file>
+
+<file path=ppt/notesSlides/notesSlide2.xml><?xml version="1.0" encoding="utf-8"?>
+<p:notes xmlns:a="http://schemas.openxmlformats.org/drawingml/2006/main" xmlns:r="http://schemas.openxmlformats.org/officeDocument/2006/relationships" xmlns:p="http://schemas.openxmlformats.org/presentationml/2006/main">
+  <p:cSld>
+    <p:spTree>
+      <p:nvGrpSpPr>
+        <p:cNvPr id="1" name=""/>
+        <p:cNvGrpSpPr/>
+        <p:nvPr/>
+      </p:nvGrpSpPr>
+      <p:grpSpPr>
+        <a:xfrm>
+          <a:off x="0" y="0"/>
+          <a:ext cx="0" cy="0"/>
+          <a:chOff x="0" y="0"/>
+          <a:chExt cx="0" cy="0"/>
+        </a:xfrm>
+      </p:grpSpPr>
+      <p:sp>
+        <p:nvSpPr>
+          <p:cNvPr id="2" name="Espace réservé de l'image des diapositives 1"/>
+          <p:cNvSpPr>
+            <a:spLocks noGrp="1" noRot="1" noChangeAspect="1"/>
+          </p:cNvSpPr>
+          <p:nvPr>
+            <p:ph type="sldImg"/>
+          </p:nvPr>
+        </p:nvSpPr>
+        <p:spPr/>
+      </p:sp>
+      <p:sp>
+        <p:nvSpPr>
+          <p:cNvPr id="3" name="Espace réservé des notes 2"/>
+          <p:cNvSpPr>
+            <a:spLocks noGrp="1"/>
+          </p:cNvSpPr>
+          <p:nvPr>
+            <p:ph type="body" idx="1"/>
+          </p:nvPr>
+        </p:nvSpPr>
+        <p:spPr/>
+        <p:txBody>
+          <a:bodyPr/>
+          <a:lstStyle/>
+          <a:p>
+            <a:r>
+              <a:rPr lang="fr-FR" dirty="0"/>
+              <a:t>Historique du user</a:t>
+            </a:r>
+          </a:p>
+          <a:p>
+            <a:r>
+              <a:rPr lang="fr-FR" dirty="0"/>
+              <a:t>Historique des autres </a:t>
+            </a:r>
+            <a:r>
+              <a:rPr lang="fr-FR" dirty="0" err="1"/>
+              <a:t>users</a:t>
+            </a:r>
+            <a:endParaRPr lang="fr-FR" dirty="0"/>
+          </a:p>
+          <a:p>
+            <a:r>
+              <a:rPr lang="fr-FR" dirty="0"/>
+              <a:t>Datas</a:t>
+            </a:r>
+          </a:p>
+          <a:p>
+            <a:endParaRPr lang="fr-FR" dirty="0"/>
+          </a:p>
+        </p:txBody>
+      </p:sp>
+      <p:sp>
+        <p:nvSpPr>
+          <p:cNvPr id="4" name="Espace réservé du numéro de diapositive 3"/>
+          <p:cNvSpPr>
+            <a:spLocks noGrp="1"/>
+          </p:cNvSpPr>
+          <p:nvPr>
+            <p:ph type="sldNum" sz="quarter" idx="10"/>
+          </p:nvPr>
+        </p:nvSpPr>
+        <p:spPr/>
+        <p:txBody>
+          <a:bodyPr/>
+          <a:lstStyle/>
+          <a:p>
+            <a:pPr>
+              <a:defRPr/>
+            </a:pPr>
+            <a:fld id="{CC32C800-F1EC-4563-A4CB-7BFB6B498BC5}" type="slidenum">
+              <a:rPr lang="fr-FR" smtClean="0"/>
+              <a:pPr>
+                <a:defRPr/>
+              </a:pPr>
+              <a:t>3</a:t>
+            </a:fld>
+            <a:endParaRPr lang="fr-FR"/>
+          </a:p>
+        </p:txBody>
+      </p:sp>
+    </p:spTree>
+    <p:extLst>
+      <p:ext uri="{BB962C8B-B14F-4D97-AF65-F5344CB8AC3E}">
+        <p14:creationId xmlns:p14="http://schemas.microsoft.com/office/powerpoint/2010/main" val="2280247693"/>
+      </p:ext>
+    </p:extLst>
+  </p:cSld>
+  <p:clrMapOvr>
+    <a:masterClrMapping/>
+  </p:clrMapOvr>
+</p:notes>
+</file>
+
+<file path=ppt/notesSlides/notesSlide20.xml><?xml version="1.0" encoding="utf-8"?>
+<p:notes xmlns:a="http://schemas.openxmlformats.org/drawingml/2006/main" xmlns:r="http://schemas.openxmlformats.org/officeDocument/2006/relationships" xmlns:p="http://schemas.openxmlformats.org/presentationml/2006/main">
+  <p:cSld>
+    <p:spTree>
+      <p:nvGrpSpPr>
+        <p:cNvPr id="1" name=""/>
+        <p:cNvGrpSpPr/>
+        <p:nvPr/>
+      </p:nvGrpSpPr>
+      <p:grpSpPr>
+        <a:xfrm>
+          <a:off x="0" y="0"/>
+          <a:ext cx="0" cy="0"/>
+          <a:chOff x="0" y="0"/>
+          <a:chExt cx="0" cy="0"/>
+        </a:xfrm>
+      </p:grpSpPr>
+      <p:sp>
+        <p:nvSpPr>
+          <p:cNvPr id="41986" name="Espace réservé de l'image des diapositives 1">
+            <a:extLst>
+              <a:ext uri="{FF2B5EF4-FFF2-40B4-BE49-F238E27FC236}">
+                <a16:creationId xmlns:a16="http://schemas.microsoft.com/office/drawing/2014/main" id="{34745F2C-A494-49DF-9A39-B51B01846B77}"/>
               </a:ext>
             </a:extLst>
           </p:cNvPr>
@@ -4012,10 +3383,10 @@
       </p:sp>
       <p:sp>
         <p:nvSpPr>
-          <p:cNvPr id="16387" name="Espace réservé des notes 2">
-            <a:extLst>
-              <a:ext uri="{FF2B5EF4-FFF2-40B4-BE49-F238E27FC236}">
-                <a16:creationId xmlns:a16="http://schemas.microsoft.com/office/drawing/2014/main" id="{10A377D1-3378-486F-BC86-A77661B202E9}"/>
+          <p:cNvPr id="41987" name="Espace réservé des notes 2">
+            <a:extLst>
+              <a:ext uri="{FF2B5EF4-FFF2-40B4-BE49-F238E27FC236}">
+                <a16:creationId xmlns:a16="http://schemas.microsoft.com/office/drawing/2014/main" id="{170F5BCD-C8E8-45AA-8A21-2ECEF17E2187}"/>
               </a:ext>
             </a:extLst>
           </p:cNvPr>
@@ -4062,51 +3433,18 @@
               </a:spcBef>
             </a:pPr>
             <a:r>
-              <a:rPr lang="fr-FR" altLang="fr-FR" dirty="0"/>
-              <a:t>Genre : c’est le plus important pour ne pas passer d’un dessin animé à un film d’horreur par ex</a:t>
-            </a:r>
-          </a:p>
-          <a:p>
-            <a:pPr>
-              <a:spcBef>
-                <a:spcPct val="0"/>
-              </a:spcBef>
-            </a:pPr>
-            <a:r>
-              <a:rPr lang="fr-FR" altLang="fr-FR" dirty="0"/>
-              <a:t>Réalisateur et Acteur : les gens peuvent être très attachés</a:t>
-            </a:r>
-          </a:p>
-          <a:p>
-            <a:pPr>
-              <a:spcBef>
-                <a:spcPct val="0"/>
-              </a:spcBef>
-            </a:pPr>
-            <a:r>
-              <a:rPr lang="fr-FR" altLang="fr-FR" dirty="0"/>
-              <a:t>Langue : important</a:t>
-            </a:r>
-          </a:p>
-          <a:p>
-            <a:pPr>
-              <a:spcBef>
-                <a:spcPct val="0"/>
-              </a:spcBef>
-            </a:pPr>
-            <a:r>
-              <a:rPr lang="fr-FR" altLang="fr-FR" dirty="0"/>
-              <a:t>Titre : peut compter pour voir les autres versions</a:t>
-            </a:r>
-          </a:p>
-        </p:txBody>
-      </p:sp>
-      <p:sp>
-        <p:nvSpPr>
-          <p:cNvPr id="16388" name="Espace réservé du numéro de diapositive 3">
-            <a:extLst>
-              <a:ext uri="{FF2B5EF4-FFF2-40B4-BE49-F238E27FC236}">
-                <a16:creationId xmlns:a16="http://schemas.microsoft.com/office/drawing/2014/main" id="{B29AA347-89D0-4CF7-B044-3278EBC625BC}"/>
+              <a:rPr lang="fr-FR" altLang="fr-FR"/>
+              <a:t>Par exemple …</a:t>
+            </a:r>
+          </a:p>
+        </p:txBody>
+      </p:sp>
+      <p:sp>
+        <p:nvSpPr>
+          <p:cNvPr id="41988" name="Espace réservé du numéro de diapositive 3">
+            <a:extLst>
+              <a:ext uri="{FF2B5EF4-FFF2-40B4-BE49-F238E27FC236}">
+                <a16:creationId xmlns:a16="http://schemas.microsoft.com/office/drawing/2014/main" id="{42545E38-086C-4558-844F-458570C98D83}"/>
               </a:ext>
             </a:extLst>
           </p:cNvPr>
@@ -4252,7 +3590,7 @@
                 <a:spcPct val="0"/>
               </a:spcAft>
             </a:pPr>
-            <a:fld id="{A9A15043-B105-4DE9-8826-0F5DFE0C300D}" type="slidenum">
+            <a:fld id="{B6AE8017-B505-45EB-97A2-D44BA9337E36}" type="slidenum">
               <a:rPr lang="fr-FR" altLang="fr-FR"/>
               <a:pPr fontAlgn="base">
                 <a:spcBef>
@@ -4262,13 +3600,1475 @@
                   <a:spcPct val="0"/>
                 </a:spcAft>
               </a:pPr>
-              <a:t>12</a:t>
+              <a:t>30</a:t>
             </a:fld>
             <a:endParaRPr lang="fr-FR" altLang="fr-FR"/>
           </a:p>
         </p:txBody>
       </p:sp>
     </p:spTree>
+  </p:cSld>
+  <p:clrMapOvr>
+    <a:masterClrMapping/>
+  </p:clrMapOvr>
+</p:notes>
+</file>
+
+<file path=ppt/notesSlides/notesSlide21.xml><?xml version="1.0" encoding="utf-8"?>
+<p:notes xmlns:a="http://schemas.openxmlformats.org/drawingml/2006/main" xmlns:r="http://schemas.openxmlformats.org/officeDocument/2006/relationships" xmlns:p="http://schemas.openxmlformats.org/presentationml/2006/main">
+  <p:cSld>
+    <p:spTree>
+      <p:nvGrpSpPr>
+        <p:cNvPr id="1" name=""/>
+        <p:cNvGrpSpPr/>
+        <p:nvPr/>
+      </p:nvGrpSpPr>
+      <p:grpSpPr>
+        <a:xfrm>
+          <a:off x="0" y="0"/>
+          <a:ext cx="0" cy="0"/>
+          <a:chOff x="0" y="0"/>
+          <a:chExt cx="0" cy="0"/>
+        </a:xfrm>
+      </p:grpSpPr>
+      <p:sp>
+        <p:nvSpPr>
+          <p:cNvPr id="2" name="Espace réservé de l'image des diapositives 1"/>
+          <p:cNvSpPr>
+            <a:spLocks noGrp="1" noRot="1" noChangeAspect="1"/>
+          </p:cNvSpPr>
+          <p:nvPr>
+            <p:ph type="sldImg"/>
+          </p:nvPr>
+        </p:nvSpPr>
+        <p:spPr/>
+      </p:sp>
+      <p:sp>
+        <p:nvSpPr>
+          <p:cNvPr id="3" name="Espace réservé des notes 2"/>
+          <p:cNvSpPr>
+            <a:spLocks noGrp="1"/>
+          </p:cNvSpPr>
+          <p:nvPr>
+            <p:ph type="body" idx="1"/>
+          </p:nvPr>
+        </p:nvSpPr>
+        <p:spPr/>
+        <p:txBody>
+          <a:bodyPr/>
+          <a:lstStyle/>
+          <a:p>
+            <a:r>
+              <a:rPr lang="fr-FR" dirty="0"/>
+              <a:t>Pb du film d’horreur avec un dessin animé</a:t>
+            </a:r>
+          </a:p>
+        </p:txBody>
+      </p:sp>
+      <p:sp>
+        <p:nvSpPr>
+          <p:cNvPr id="4" name="Espace réservé du numéro de diapositive 3"/>
+          <p:cNvSpPr>
+            <a:spLocks noGrp="1"/>
+          </p:cNvSpPr>
+          <p:nvPr>
+            <p:ph type="sldNum" sz="quarter" idx="10"/>
+          </p:nvPr>
+        </p:nvSpPr>
+        <p:spPr/>
+        <p:txBody>
+          <a:bodyPr/>
+          <a:lstStyle/>
+          <a:p>
+            <a:pPr>
+              <a:defRPr/>
+            </a:pPr>
+            <a:fld id="{CC32C800-F1EC-4563-A4CB-7BFB6B498BC5}" type="slidenum">
+              <a:rPr lang="fr-FR" smtClean="0"/>
+              <a:pPr>
+                <a:defRPr/>
+              </a:pPr>
+              <a:t>31</a:t>
+            </a:fld>
+            <a:endParaRPr lang="fr-FR"/>
+          </a:p>
+        </p:txBody>
+      </p:sp>
+    </p:spTree>
+    <p:extLst>
+      <p:ext uri="{BB962C8B-B14F-4D97-AF65-F5344CB8AC3E}">
+        <p14:creationId xmlns:p14="http://schemas.microsoft.com/office/powerpoint/2010/main" val="1504026483"/>
+      </p:ext>
+    </p:extLst>
+  </p:cSld>
+  <p:clrMapOvr>
+    <a:masterClrMapping/>
+  </p:clrMapOvr>
+</p:notes>
+</file>
+
+<file path=ppt/notesSlides/notesSlide22.xml><?xml version="1.0" encoding="utf-8"?>
+<p:notes xmlns:a="http://schemas.openxmlformats.org/drawingml/2006/main" xmlns:r="http://schemas.openxmlformats.org/officeDocument/2006/relationships" xmlns:p="http://schemas.openxmlformats.org/presentationml/2006/main">
+  <p:cSld>
+    <p:spTree>
+      <p:nvGrpSpPr>
+        <p:cNvPr id="1" name=""/>
+        <p:cNvGrpSpPr/>
+        <p:nvPr/>
+      </p:nvGrpSpPr>
+      <p:grpSpPr>
+        <a:xfrm>
+          <a:off x="0" y="0"/>
+          <a:ext cx="0" cy="0"/>
+          <a:chOff x="0" y="0"/>
+          <a:chExt cx="0" cy="0"/>
+        </a:xfrm>
+      </p:grpSpPr>
+      <p:sp>
+        <p:nvSpPr>
+          <p:cNvPr id="2" name="Espace réservé de l'image des diapositives 1"/>
+          <p:cNvSpPr>
+            <a:spLocks noGrp="1" noRot="1" noChangeAspect="1"/>
+          </p:cNvSpPr>
+          <p:nvPr>
+            <p:ph type="sldImg"/>
+          </p:nvPr>
+        </p:nvSpPr>
+        <p:spPr/>
+      </p:sp>
+      <p:sp>
+        <p:nvSpPr>
+          <p:cNvPr id="3" name="Espace réservé des notes 2"/>
+          <p:cNvSpPr>
+            <a:spLocks noGrp="1"/>
+          </p:cNvSpPr>
+          <p:nvPr>
+            <p:ph type="body" idx="1"/>
+          </p:nvPr>
+        </p:nvSpPr>
+        <p:spPr/>
+        <p:txBody>
+          <a:bodyPr/>
+          <a:lstStyle/>
+          <a:p>
+            <a:r>
+              <a:rPr lang="fr-FR" dirty="0"/>
+              <a:t>Ici on a quelque chose de plus cohérent, Shrek renvoie d’autres dessins animés et men in black renvoie les autres versions et d’autres films de Will Smith</a:t>
+            </a:r>
+          </a:p>
+          <a:p>
+            <a:endParaRPr lang="fr-FR" dirty="0"/>
+          </a:p>
+          <a:p>
+            <a:r>
+              <a:rPr lang="fr-FR" dirty="0"/>
+              <a:t>J’ai gardé les 10 résultats les plus proches pour les utiliser par la suite dans le service de recommandation</a:t>
+            </a:r>
+          </a:p>
+        </p:txBody>
+      </p:sp>
+      <p:sp>
+        <p:nvSpPr>
+          <p:cNvPr id="4" name="Espace réservé du numéro de diapositive 3"/>
+          <p:cNvSpPr>
+            <a:spLocks noGrp="1"/>
+          </p:cNvSpPr>
+          <p:nvPr>
+            <p:ph type="sldNum" sz="quarter" idx="10"/>
+          </p:nvPr>
+        </p:nvSpPr>
+        <p:spPr/>
+        <p:txBody>
+          <a:bodyPr/>
+          <a:lstStyle/>
+          <a:p>
+            <a:pPr>
+              <a:defRPr/>
+            </a:pPr>
+            <a:fld id="{CC32C800-F1EC-4563-A4CB-7BFB6B498BC5}" type="slidenum">
+              <a:rPr lang="fr-FR" smtClean="0"/>
+              <a:pPr>
+                <a:defRPr/>
+              </a:pPr>
+              <a:t>32</a:t>
+            </a:fld>
+            <a:endParaRPr lang="fr-FR"/>
+          </a:p>
+        </p:txBody>
+      </p:sp>
+    </p:spTree>
+    <p:extLst>
+      <p:ext uri="{BB962C8B-B14F-4D97-AF65-F5344CB8AC3E}">
+        <p14:creationId xmlns:p14="http://schemas.microsoft.com/office/powerpoint/2010/main" val="3169676045"/>
+      </p:ext>
+    </p:extLst>
+  </p:cSld>
+  <p:clrMapOvr>
+    <a:masterClrMapping/>
+  </p:clrMapOvr>
+</p:notes>
+</file>
+
+<file path=ppt/notesSlides/notesSlide23.xml><?xml version="1.0" encoding="utf-8"?>
+<p:notes xmlns:a="http://schemas.openxmlformats.org/drawingml/2006/main" xmlns:r="http://schemas.openxmlformats.org/officeDocument/2006/relationships" xmlns:p="http://schemas.openxmlformats.org/presentationml/2006/main">
+  <p:cSld>
+    <p:spTree>
+      <p:nvGrpSpPr>
+        <p:cNvPr id="1" name=""/>
+        <p:cNvGrpSpPr/>
+        <p:nvPr/>
+      </p:nvGrpSpPr>
+      <p:grpSpPr>
+        <a:xfrm>
+          <a:off x="0" y="0"/>
+          <a:ext cx="0" cy="0"/>
+          <a:chOff x="0" y="0"/>
+          <a:chExt cx="0" cy="0"/>
+        </a:xfrm>
+      </p:grpSpPr>
+      <p:sp>
+        <p:nvSpPr>
+          <p:cNvPr id="2" name="Espace réservé de l'image des diapositives 1"/>
+          <p:cNvSpPr>
+            <a:spLocks noGrp="1" noRot="1" noChangeAspect="1"/>
+          </p:cNvSpPr>
+          <p:nvPr>
+            <p:ph type="sldImg"/>
+          </p:nvPr>
+        </p:nvSpPr>
+        <p:spPr/>
+      </p:sp>
+      <p:sp>
+        <p:nvSpPr>
+          <p:cNvPr id="3" name="Espace réservé des notes 2"/>
+          <p:cNvSpPr>
+            <a:spLocks noGrp="1"/>
+          </p:cNvSpPr>
+          <p:nvPr>
+            <p:ph type="body" idx="1"/>
+          </p:nvPr>
+        </p:nvSpPr>
+        <p:spPr/>
+        <p:txBody>
+          <a:bodyPr/>
+          <a:lstStyle/>
+          <a:p>
+            <a:pPr marL="0" marR="0" lvl="0" indent="0" algn="l" defTabSz="914400" rtl="0" eaLnBrk="1" fontAlgn="base" latinLnBrk="0" hangingPunct="1">
+              <a:lnSpc>
+                <a:spcPct val="100000"/>
+              </a:lnSpc>
+              <a:spcBef>
+                <a:spcPct val="30000"/>
+              </a:spcBef>
+              <a:spcAft>
+                <a:spcPct val="0"/>
+              </a:spcAft>
+              <a:buClrTx/>
+              <a:buSzTx/>
+              <a:buFontTx/>
+              <a:buNone/>
+              <a:tabLst/>
+              <a:defRPr/>
+            </a:pPr>
+            <a:r>
+              <a:rPr lang="fr-FR" dirty="0"/>
+              <a:t>Les différents tests montrent que l’utilisation du cas 2 avec la méthode des similarités cosinus donne des résultats cohérents</a:t>
+            </a:r>
+          </a:p>
+          <a:p>
+            <a:endParaRPr lang="fr-FR" dirty="0"/>
+          </a:p>
+        </p:txBody>
+      </p:sp>
+      <p:sp>
+        <p:nvSpPr>
+          <p:cNvPr id="4" name="Espace réservé du numéro de diapositive 3"/>
+          <p:cNvSpPr>
+            <a:spLocks noGrp="1"/>
+          </p:cNvSpPr>
+          <p:nvPr>
+            <p:ph type="sldNum" sz="quarter" idx="10"/>
+          </p:nvPr>
+        </p:nvSpPr>
+        <p:spPr/>
+        <p:txBody>
+          <a:bodyPr/>
+          <a:lstStyle/>
+          <a:p>
+            <a:pPr>
+              <a:defRPr/>
+            </a:pPr>
+            <a:fld id="{CC32C800-F1EC-4563-A4CB-7BFB6B498BC5}" type="slidenum">
+              <a:rPr lang="fr-FR" smtClean="0"/>
+              <a:pPr>
+                <a:defRPr/>
+              </a:pPr>
+              <a:t>33</a:t>
+            </a:fld>
+            <a:endParaRPr lang="fr-FR"/>
+          </a:p>
+        </p:txBody>
+      </p:sp>
+    </p:spTree>
+    <p:extLst>
+      <p:ext uri="{BB962C8B-B14F-4D97-AF65-F5344CB8AC3E}">
+        <p14:creationId xmlns:p14="http://schemas.microsoft.com/office/powerpoint/2010/main" val="507417155"/>
+      </p:ext>
+    </p:extLst>
+  </p:cSld>
+  <p:clrMapOvr>
+    <a:masterClrMapping/>
+  </p:clrMapOvr>
+</p:notes>
+</file>
+
+<file path=ppt/notesSlides/notesSlide24.xml><?xml version="1.0" encoding="utf-8"?>
+<p:notes xmlns:a="http://schemas.openxmlformats.org/drawingml/2006/main" xmlns:r="http://schemas.openxmlformats.org/officeDocument/2006/relationships" xmlns:p="http://schemas.openxmlformats.org/presentationml/2006/main">
+  <p:cSld>
+    <p:spTree>
+      <p:nvGrpSpPr>
+        <p:cNvPr id="1" name=""/>
+        <p:cNvGrpSpPr/>
+        <p:nvPr/>
+      </p:nvGrpSpPr>
+      <p:grpSpPr>
+        <a:xfrm>
+          <a:off x="0" y="0"/>
+          <a:ext cx="0" cy="0"/>
+          <a:chOff x="0" y="0"/>
+          <a:chExt cx="0" cy="0"/>
+        </a:xfrm>
+      </p:grpSpPr>
+      <p:sp>
+        <p:nvSpPr>
+          <p:cNvPr id="2" name="Espace réservé de l'image des diapositives 1"/>
+          <p:cNvSpPr>
+            <a:spLocks noGrp="1" noRot="1" noChangeAspect="1"/>
+          </p:cNvSpPr>
+          <p:nvPr>
+            <p:ph type="sldImg"/>
+          </p:nvPr>
+        </p:nvSpPr>
+        <p:spPr/>
+      </p:sp>
+      <p:sp>
+        <p:nvSpPr>
+          <p:cNvPr id="3" name="Espace réservé des notes 2"/>
+          <p:cNvSpPr>
+            <a:spLocks noGrp="1"/>
+          </p:cNvSpPr>
+          <p:nvPr>
+            <p:ph type="body" idx="1"/>
+          </p:nvPr>
+        </p:nvSpPr>
+        <p:spPr/>
+        <p:txBody>
+          <a:bodyPr/>
+          <a:lstStyle/>
+          <a:p>
+            <a:r>
+              <a:rPr lang="fr-FR" dirty="0"/>
+              <a:t>5 recommandation parmi les 10 plus proches voisins</a:t>
+            </a:r>
+          </a:p>
+        </p:txBody>
+      </p:sp>
+      <p:sp>
+        <p:nvSpPr>
+          <p:cNvPr id="4" name="Espace réservé du numéro de diapositive 3"/>
+          <p:cNvSpPr>
+            <a:spLocks noGrp="1"/>
+          </p:cNvSpPr>
+          <p:nvPr>
+            <p:ph type="sldNum" sz="quarter" idx="10"/>
+          </p:nvPr>
+        </p:nvSpPr>
+        <p:spPr/>
+        <p:txBody>
+          <a:bodyPr/>
+          <a:lstStyle/>
+          <a:p>
+            <a:pPr>
+              <a:defRPr/>
+            </a:pPr>
+            <a:fld id="{CC32C800-F1EC-4563-A4CB-7BFB6B498BC5}" type="slidenum">
+              <a:rPr lang="fr-FR" smtClean="0"/>
+              <a:pPr>
+                <a:defRPr/>
+              </a:pPr>
+              <a:t>34</a:t>
+            </a:fld>
+            <a:endParaRPr lang="fr-FR"/>
+          </a:p>
+        </p:txBody>
+      </p:sp>
+    </p:spTree>
+    <p:extLst>
+      <p:ext uri="{BB962C8B-B14F-4D97-AF65-F5344CB8AC3E}">
+        <p14:creationId xmlns:p14="http://schemas.microsoft.com/office/powerpoint/2010/main" val="1573004116"/>
+      </p:ext>
+    </p:extLst>
+  </p:cSld>
+  <p:clrMapOvr>
+    <a:masterClrMapping/>
+  </p:clrMapOvr>
+</p:notes>
+</file>
+
+<file path=ppt/notesSlides/notesSlide25.xml><?xml version="1.0" encoding="utf-8"?>
+<p:notes xmlns:a="http://schemas.openxmlformats.org/drawingml/2006/main" xmlns:r="http://schemas.openxmlformats.org/officeDocument/2006/relationships" xmlns:p="http://schemas.openxmlformats.org/presentationml/2006/main">
+  <p:cSld>
+    <p:spTree>
+      <p:nvGrpSpPr>
+        <p:cNvPr id="1" name=""/>
+        <p:cNvGrpSpPr/>
+        <p:nvPr/>
+      </p:nvGrpSpPr>
+      <p:grpSpPr>
+        <a:xfrm>
+          <a:off x="0" y="0"/>
+          <a:ext cx="0" cy="0"/>
+          <a:chOff x="0" y="0"/>
+          <a:chExt cx="0" cy="0"/>
+        </a:xfrm>
+      </p:grpSpPr>
+      <p:sp>
+        <p:nvSpPr>
+          <p:cNvPr id="2" name="Espace réservé de l'image des diapositives 1"/>
+          <p:cNvSpPr>
+            <a:spLocks noGrp="1" noRot="1" noChangeAspect="1"/>
+          </p:cNvSpPr>
+          <p:nvPr>
+            <p:ph type="sldImg"/>
+          </p:nvPr>
+        </p:nvSpPr>
+        <p:spPr/>
+      </p:sp>
+      <p:sp>
+        <p:nvSpPr>
+          <p:cNvPr id="3" name="Espace réservé des notes 2"/>
+          <p:cNvSpPr>
+            <a:spLocks noGrp="1"/>
+          </p:cNvSpPr>
+          <p:nvPr>
+            <p:ph type="body" idx="1"/>
+          </p:nvPr>
+        </p:nvSpPr>
+        <p:spPr/>
+        <p:txBody>
+          <a:bodyPr/>
+          <a:lstStyle/>
+          <a:p>
+            <a:r>
+              <a:rPr lang="fr-FR" dirty="0"/>
+              <a:t>BDD </a:t>
+            </a:r>
+            <a:r>
+              <a:rPr lang="fr-FR" dirty="0" err="1"/>
+              <a:t>users</a:t>
+            </a:r>
+            <a:r>
+              <a:rPr lang="fr-FR" dirty="0"/>
+              <a:t> : coûteux</a:t>
+            </a:r>
+          </a:p>
+          <a:p>
+            <a:r>
+              <a:rPr lang="fr-FR" dirty="0"/>
+              <a:t>Filtres : mettre l’accent, pondérer le rôle des features</a:t>
+            </a:r>
+          </a:p>
+          <a:p>
+            <a:endParaRPr lang="fr-FR" dirty="0"/>
+          </a:p>
+        </p:txBody>
+      </p:sp>
+      <p:sp>
+        <p:nvSpPr>
+          <p:cNvPr id="4" name="Espace réservé du numéro de diapositive 3"/>
+          <p:cNvSpPr>
+            <a:spLocks noGrp="1"/>
+          </p:cNvSpPr>
+          <p:nvPr>
+            <p:ph type="sldNum" sz="quarter" idx="10"/>
+          </p:nvPr>
+        </p:nvSpPr>
+        <p:spPr/>
+        <p:txBody>
+          <a:bodyPr/>
+          <a:lstStyle/>
+          <a:p>
+            <a:pPr>
+              <a:defRPr/>
+            </a:pPr>
+            <a:fld id="{CC32C800-F1EC-4563-A4CB-7BFB6B498BC5}" type="slidenum">
+              <a:rPr lang="fr-FR" smtClean="0"/>
+              <a:pPr>
+                <a:defRPr/>
+              </a:pPr>
+              <a:t>37</a:t>
+            </a:fld>
+            <a:endParaRPr lang="fr-FR"/>
+          </a:p>
+        </p:txBody>
+      </p:sp>
+    </p:spTree>
+    <p:extLst>
+      <p:ext uri="{BB962C8B-B14F-4D97-AF65-F5344CB8AC3E}">
+        <p14:creationId xmlns:p14="http://schemas.microsoft.com/office/powerpoint/2010/main" val="2916981474"/>
+      </p:ext>
+    </p:extLst>
+  </p:cSld>
+  <p:clrMapOvr>
+    <a:masterClrMapping/>
+  </p:clrMapOvr>
+</p:notes>
+</file>
+
+<file path=ppt/notesSlides/notesSlide3.xml><?xml version="1.0" encoding="utf-8"?>
+<p:notes xmlns:a="http://schemas.openxmlformats.org/drawingml/2006/main" xmlns:r="http://schemas.openxmlformats.org/officeDocument/2006/relationships" xmlns:p="http://schemas.openxmlformats.org/presentationml/2006/main">
+  <p:cSld>
+    <p:spTree>
+      <p:nvGrpSpPr>
+        <p:cNvPr id="1" name=""/>
+        <p:cNvGrpSpPr/>
+        <p:nvPr/>
+      </p:nvGrpSpPr>
+      <p:grpSpPr>
+        <a:xfrm>
+          <a:off x="0" y="0"/>
+          <a:ext cx="0" cy="0"/>
+          <a:chOff x="0" y="0"/>
+          <a:chExt cx="0" cy="0"/>
+        </a:xfrm>
+      </p:grpSpPr>
+      <p:sp>
+        <p:nvSpPr>
+          <p:cNvPr id="2" name="Espace réservé de l'image des diapositives 1"/>
+          <p:cNvSpPr>
+            <a:spLocks noGrp="1" noRot="1" noChangeAspect="1"/>
+          </p:cNvSpPr>
+          <p:nvPr>
+            <p:ph type="sldImg"/>
+          </p:nvPr>
+        </p:nvSpPr>
+        <p:spPr/>
+      </p:sp>
+      <p:sp>
+        <p:nvSpPr>
+          <p:cNvPr id="3" name="Espace réservé des notes 2"/>
+          <p:cNvSpPr>
+            <a:spLocks noGrp="1"/>
+          </p:cNvSpPr>
+          <p:nvPr>
+            <p:ph type="body" idx="1"/>
+          </p:nvPr>
+        </p:nvSpPr>
+        <p:spPr/>
+        <p:txBody>
+          <a:bodyPr/>
+          <a:lstStyle/>
+          <a:p>
+            <a:r>
+              <a:rPr lang="fr-FR" dirty="0"/>
+              <a:t>Sans rentrer dans le détail</a:t>
+            </a:r>
+          </a:p>
+          <a:p>
+            <a:endParaRPr lang="fr-FR" dirty="0"/>
+          </a:p>
+          <a:p>
+            <a:r>
+              <a:rPr lang="fr-FR" dirty="0"/>
+              <a:t>Colonne inutile : </a:t>
+            </a:r>
+            <a:r>
+              <a:rPr lang="fr-FR" dirty="0" err="1"/>
+              <a:t>movie_imdb_link</a:t>
+            </a:r>
+            <a:endParaRPr lang="fr-FR" dirty="0"/>
+          </a:p>
+          <a:p>
+            <a:pPr marL="0" marR="0" lvl="0" indent="0" algn="l" defTabSz="914400" rtl="0" eaLnBrk="1" fontAlgn="base" latinLnBrk="0" hangingPunct="1">
+              <a:lnSpc>
+                <a:spcPct val="100000"/>
+              </a:lnSpc>
+              <a:spcBef>
+                <a:spcPct val="30000"/>
+              </a:spcBef>
+              <a:spcAft>
+                <a:spcPct val="0"/>
+              </a:spcAft>
+              <a:buClrTx/>
+              <a:buSzTx/>
+              <a:buFontTx/>
+              <a:buNone/>
+              <a:tabLst/>
+              <a:defRPr/>
+            </a:pPr>
+            <a:r>
+              <a:rPr lang="fr-FR" dirty="0"/>
+              <a:t>Valeurs aberrantes </a:t>
+            </a:r>
+          </a:p>
+          <a:p>
+            <a:pPr marL="0" marR="0" lvl="0" indent="0" algn="l" defTabSz="914400" rtl="0" eaLnBrk="1" fontAlgn="base" latinLnBrk="0" hangingPunct="1">
+              <a:lnSpc>
+                <a:spcPct val="100000"/>
+              </a:lnSpc>
+              <a:spcBef>
+                <a:spcPct val="30000"/>
+              </a:spcBef>
+              <a:spcAft>
+                <a:spcPct val="0"/>
+              </a:spcAft>
+              <a:buClrTx/>
+              <a:buSzTx/>
+              <a:buFontTx/>
+              <a:buNone/>
+              <a:tabLst/>
+              <a:defRPr/>
+            </a:pPr>
+            <a:r>
+              <a:rPr lang="fr-FR" dirty="0"/>
+              <a:t>	Budget -&gt; médiane (300 millions de dollars pour Pirates des </a:t>
+            </a:r>
+            <a:r>
+              <a:rPr lang="fr-FR" dirty="0" err="1"/>
+              <a:t>caraibes</a:t>
+            </a:r>
+            <a:r>
+              <a:rPr lang="fr-FR" dirty="0"/>
+              <a:t>)</a:t>
+            </a:r>
+          </a:p>
+          <a:p>
+            <a:pPr marL="0" marR="0" lvl="0" indent="0" algn="l" defTabSz="914400" rtl="0" eaLnBrk="1" fontAlgn="base" latinLnBrk="0" hangingPunct="1">
+              <a:lnSpc>
+                <a:spcPct val="100000"/>
+              </a:lnSpc>
+              <a:spcBef>
+                <a:spcPct val="30000"/>
+              </a:spcBef>
+              <a:spcAft>
+                <a:spcPct val="0"/>
+              </a:spcAft>
+              <a:buClrTx/>
+              <a:buSzTx/>
+              <a:buFontTx/>
+              <a:buNone/>
+              <a:tabLst/>
+              <a:defRPr/>
+            </a:pPr>
+            <a:r>
+              <a:rPr lang="fr-FR" sz="1200" kern="1200" dirty="0">
+                <a:solidFill>
+                  <a:schemeClr val="tx1"/>
+                </a:solidFill>
+                <a:latin typeface="+mn-lt"/>
+                <a:ea typeface="+mn-ea"/>
+                <a:cs typeface="+mn-cs"/>
+              </a:rPr>
+              <a:t>	Nombre de likes</a:t>
+            </a:r>
+            <a:r>
+              <a:rPr lang="fr-FR" dirty="0"/>
+              <a:t> -&gt; médiane + décrément de </a:t>
+            </a:r>
+            <a:r>
+              <a:rPr lang="fr-FR" dirty="0" err="1"/>
+              <a:t>cast_total_facebook_likes</a:t>
+            </a:r>
+            <a:endParaRPr lang="fr-FR" dirty="0"/>
+          </a:p>
+          <a:p>
+            <a:pPr marL="0" marR="0" lvl="0" indent="0" algn="l" defTabSz="914400" rtl="0" eaLnBrk="1" fontAlgn="base" latinLnBrk="0" hangingPunct="1">
+              <a:lnSpc>
+                <a:spcPct val="100000"/>
+              </a:lnSpc>
+              <a:spcBef>
+                <a:spcPct val="30000"/>
+              </a:spcBef>
+              <a:spcAft>
+                <a:spcPct val="0"/>
+              </a:spcAft>
+              <a:buClrTx/>
+              <a:buSzTx/>
+              <a:buFontTx/>
+              <a:buNone/>
+              <a:tabLst/>
+              <a:defRPr/>
+            </a:pPr>
+            <a:r>
+              <a:rPr lang="fr-FR" sz="1200" kern="1200" dirty="0">
+                <a:solidFill>
+                  <a:schemeClr val="tx1"/>
+                </a:solidFill>
+                <a:latin typeface="+mn-lt"/>
+                <a:ea typeface="+mn-ea"/>
+                <a:cs typeface="+mn-cs"/>
+              </a:rPr>
+              <a:t>	Pays</a:t>
+            </a:r>
+            <a:r>
+              <a:rPr lang="fr-FR" dirty="0"/>
+              <a:t> -&gt; valeur la plus courante (USA)</a:t>
+            </a:r>
+            <a:endParaRPr lang="fr-FR" sz="1200" kern="1200" dirty="0">
+              <a:solidFill>
+                <a:schemeClr val="tx1"/>
+              </a:solidFill>
+              <a:latin typeface="+mn-lt"/>
+              <a:ea typeface="+mn-ea"/>
+              <a:cs typeface="+mn-cs"/>
+            </a:endParaRPr>
+          </a:p>
+        </p:txBody>
+      </p:sp>
+      <p:sp>
+        <p:nvSpPr>
+          <p:cNvPr id="4" name="Espace réservé du numéro de diapositive 3"/>
+          <p:cNvSpPr>
+            <a:spLocks noGrp="1"/>
+          </p:cNvSpPr>
+          <p:nvPr>
+            <p:ph type="sldNum" sz="quarter" idx="10"/>
+          </p:nvPr>
+        </p:nvSpPr>
+        <p:spPr/>
+        <p:txBody>
+          <a:bodyPr/>
+          <a:lstStyle/>
+          <a:p>
+            <a:pPr>
+              <a:defRPr/>
+            </a:pPr>
+            <a:fld id="{CC32C800-F1EC-4563-A4CB-7BFB6B498BC5}" type="slidenum">
+              <a:rPr lang="fr-FR" smtClean="0"/>
+              <a:pPr>
+                <a:defRPr/>
+              </a:pPr>
+              <a:t>4</a:t>
+            </a:fld>
+            <a:endParaRPr lang="fr-FR"/>
+          </a:p>
+        </p:txBody>
+      </p:sp>
+    </p:spTree>
+    <p:extLst>
+      <p:ext uri="{BB962C8B-B14F-4D97-AF65-F5344CB8AC3E}">
+        <p14:creationId xmlns:p14="http://schemas.microsoft.com/office/powerpoint/2010/main" val="1142548615"/>
+      </p:ext>
+    </p:extLst>
+  </p:cSld>
+  <p:clrMapOvr>
+    <a:masterClrMapping/>
+  </p:clrMapOvr>
+</p:notes>
+</file>
+
+<file path=ppt/notesSlides/notesSlide4.xml><?xml version="1.0" encoding="utf-8"?>
+<p:notes xmlns:a="http://schemas.openxmlformats.org/drawingml/2006/main" xmlns:r="http://schemas.openxmlformats.org/officeDocument/2006/relationships" xmlns:p="http://schemas.openxmlformats.org/presentationml/2006/main">
+  <p:cSld>
+    <p:spTree>
+      <p:nvGrpSpPr>
+        <p:cNvPr id="1" name=""/>
+        <p:cNvGrpSpPr/>
+        <p:nvPr/>
+      </p:nvGrpSpPr>
+      <p:grpSpPr>
+        <a:xfrm>
+          <a:off x="0" y="0"/>
+          <a:ext cx="0" cy="0"/>
+          <a:chOff x="0" y="0"/>
+          <a:chExt cx="0" cy="0"/>
+        </a:xfrm>
+      </p:grpSpPr>
+      <p:sp>
+        <p:nvSpPr>
+          <p:cNvPr id="2" name="Espace réservé de l'image des diapositives 1"/>
+          <p:cNvSpPr>
+            <a:spLocks noGrp="1" noRot="1" noChangeAspect="1"/>
+          </p:cNvSpPr>
+          <p:nvPr>
+            <p:ph type="sldImg"/>
+          </p:nvPr>
+        </p:nvSpPr>
+        <p:spPr/>
+      </p:sp>
+      <p:sp>
+        <p:nvSpPr>
+          <p:cNvPr id="3" name="Espace réservé des notes 2"/>
+          <p:cNvSpPr>
+            <a:spLocks noGrp="1"/>
+          </p:cNvSpPr>
+          <p:nvPr>
+            <p:ph type="body" idx="1"/>
+          </p:nvPr>
+        </p:nvSpPr>
+        <p:spPr/>
+        <p:txBody>
+          <a:bodyPr/>
+          <a:lstStyle/>
+          <a:p>
+            <a:r>
+              <a:rPr lang="fr-FR" dirty="0"/>
+              <a:t>Doublon : </a:t>
+            </a:r>
+            <a:r>
+              <a:rPr lang="fr-FR" dirty="0" err="1"/>
+              <a:t>dekalog</a:t>
+            </a:r>
+            <a:endParaRPr lang="fr-FR" dirty="0"/>
+          </a:p>
+        </p:txBody>
+      </p:sp>
+      <p:sp>
+        <p:nvSpPr>
+          <p:cNvPr id="4" name="Espace réservé du numéro de diapositive 3"/>
+          <p:cNvSpPr>
+            <a:spLocks noGrp="1"/>
+          </p:cNvSpPr>
+          <p:nvPr>
+            <p:ph type="sldNum" sz="quarter" idx="10"/>
+          </p:nvPr>
+        </p:nvSpPr>
+        <p:spPr/>
+        <p:txBody>
+          <a:bodyPr/>
+          <a:lstStyle/>
+          <a:p>
+            <a:pPr>
+              <a:defRPr/>
+            </a:pPr>
+            <a:fld id="{CC32C800-F1EC-4563-A4CB-7BFB6B498BC5}" type="slidenum">
+              <a:rPr lang="fr-FR" smtClean="0"/>
+              <a:pPr>
+                <a:defRPr/>
+              </a:pPr>
+              <a:t>5</a:t>
+            </a:fld>
+            <a:endParaRPr lang="fr-FR"/>
+          </a:p>
+        </p:txBody>
+      </p:sp>
+    </p:spTree>
+    <p:extLst>
+      <p:ext uri="{BB962C8B-B14F-4D97-AF65-F5344CB8AC3E}">
+        <p14:creationId xmlns:p14="http://schemas.microsoft.com/office/powerpoint/2010/main" val="660940245"/>
+      </p:ext>
+    </p:extLst>
+  </p:cSld>
+  <p:clrMapOvr>
+    <a:masterClrMapping/>
+  </p:clrMapOvr>
+</p:notes>
+</file>
+
+<file path=ppt/notesSlides/notesSlide5.xml><?xml version="1.0" encoding="utf-8"?>
+<p:notes xmlns:a="http://schemas.openxmlformats.org/drawingml/2006/main" xmlns:r="http://schemas.openxmlformats.org/officeDocument/2006/relationships" xmlns:p="http://schemas.openxmlformats.org/presentationml/2006/main">
+  <p:cSld>
+    <p:spTree>
+      <p:nvGrpSpPr>
+        <p:cNvPr id="1" name=""/>
+        <p:cNvGrpSpPr/>
+        <p:nvPr/>
+      </p:nvGrpSpPr>
+      <p:grpSpPr>
+        <a:xfrm>
+          <a:off x="0" y="0"/>
+          <a:ext cx="0" cy="0"/>
+          <a:chOff x="0" y="0"/>
+          <a:chExt cx="0" cy="0"/>
+        </a:xfrm>
+      </p:grpSpPr>
+      <p:sp>
+        <p:nvSpPr>
+          <p:cNvPr id="2" name="Espace réservé de l'image des diapositives 1"/>
+          <p:cNvSpPr>
+            <a:spLocks noGrp="1" noRot="1" noChangeAspect="1"/>
+          </p:cNvSpPr>
+          <p:nvPr>
+            <p:ph type="sldImg"/>
+          </p:nvPr>
+        </p:nvSpPr>
+        <p:spPr/>
+      </p:sp>
+      <p:sp>
+        <p:nvSpPr>
+          <p:cNvPr id="3" name="Espace réservé des notes 2"/>
+          <p:cNvSpPr>
+            <a:spLocks noGrp="1"/>
+          </p:cNvSpPr>
+          <p:nvPr>
+            <p:ph type="body" idx="1"/>
+          </p:nvPr>
+        </p:nvSpPr>
+        <p:spPr/>
+        <p:txBody>
+          <a:bodyPr/>
+          <a:lstStyle/>
+          <a:p>
+            <a:pPr marL="0" marR="0" lvl="0" indent="0" algn="l" defTabSz="914400" rtl="0" eaLnBrk="1" fontAlgn="base" latinLnBrk="0" hangingPunct="1">
+              <a:lnSpc>
+                <a:spcPct val="100000"/>
+              </a:lnSpc>
+              <a:spcBef>
+                <a:spcPct val="30000"/>
+              </a:spcBef>
+              <a:spcAft>
+                <a:spcPct val="0"/>
+              </a:spcAft>
+              <a:buClrTx/>
+              <a:buSzTx/>
+              <a:buFontTx/>
+              <a:buNone/>
+              <a:tabLst/>
+              <a:defRPr/>
+            </a:pPr>
+            <a:r>
+              <a:rPr lang="fr-FR" dirty="0"/>
+              <a:t>Valeurs manquantes</a:t>
+            </a:r>
+          </a:p>
+          <a:p>
+            <a:pPr marL="0" marR="0" lvl="0" indent="0" algn="l" defTabSz="914400" rtl="0" eaLnBrk="1" fontAlgn="base" latinLnBrk="0" hangingPunct="1">
+              <a:lnSpc>
+                <a:spcPct val="100000"/>
+              </a:lnSpc>
+              <a:spcBef>
+                <a:spcPct val="30000"/>
+              </a:spcBef>
+              <a:spcAft>
+                <a:spcPct val="0"/>
+              </a:spcAft>
+              <a:buClrTx/>
+              <a:buSzTx/>
+              <a:buFontTx/>
+              <a:buNone/>
+              <a:tabLst/>
+              <a:defRPr/>
+            </a:pPr>
+            <a:r>
+              <a:rPr lang="fr-FR" dirty="0"/>
+              <a:t>Surtout ne rien supprimer</a:t>
+            </a:r>
+          </a:p>
+          <a:p>
+            <a:pPr marL="0" marR="0" lvl="0" indent="0" algn="l" defTabSz="914400" rtl="0" eaLnBrk="1" fontAlgn="base" latinLnBrk="0" hangingPunct="1">
+              <a:lnSpc>
+                <a:spcPct val="100000"/>
+              </a:lnSpc>
+              <a:spcBef>
+                <a:spcPct val="30000"/>
+              </a:spcBef>
+              <a:spcAft>
+                <a:spcPct val="0"/>
+              </a:spcAft>
+              <a:buClrTx/>
+              <a:buSzTx/>
+              <a:buFontTx/>
+              <a:buNone/>
+              <a:tabLst/>
+              <a:defRPr/>
+            </a:pPr>
+            <a:r>
+              <a:rPr lang="fr-FR" dirty="0"/>
+              <a:t>	valeur la plus courante pour </a:t>
+            </a:r>
+            <a:r>
+              <a:rPr lang="en-US" dirty="0"/>
+              <a:t>['color', '</a:t>
+            </a:r>
+            <a:r>
+              <a:rPr lang="en-US" dirty="0" err="1"/>
+              <a:t>title_year</a:t>
+            </a:r>
+            <a:r>
+              <a:rPr lang="en-US" dirty="0"/>
+              <a:t>', 'language', 'country', '</a:t>
+            </a:r>
+            <a:r>
+              <a:rPr lang="en-US" dirty="0" err="1"/>
+              <a:t>content_rating</a:t>
+            </a:r>
+            <a:r>
+              <a:rPr lang="en-US" dirty="0"/>
+              <a:t>’]</a:t>
+            </a:r>
+          </a:p>
+          <a:p>
+            <a:pPr marL="0" marR="0" lvl="0" indent="0" algn="l" defTabSz="914400" rtl="0" eaLnBrk="1" fontAlgn="base" latinLnBrk="0" hangingPunct="1">
+              <a:lnSpc>
+                <a:spcPct val="100000"/>
+              </a:lnSpc>
+              <a:spcBef>
+                <a:spcPct val="30000"/>
+              </a:spcBef>
+              <a:spcAft>
+                <a:spcPct val="0"/>
+              </a:spcAft>
+              <a:buClrTx/>
+              <a:buSzTx/>
+              <a:buFontTx/>
+              <a:buNone/>
+              <a:tabLst/>
+              <a:defRPr/>
+            </a:pPr>
+            <a:r>
+              <a:rPr lang="en-US" dirty="0"/>
+              <a:t>	</a:t>
+            </a:r>
+            <a:r>
+              <a:rPr lang="en-US" dirty="0" err="1"/>
+              <a:t>chaine</a:t>
+            </a:r>
+            <a:r>
+              <a:rPr lang="en-US" dirty="0"/>
+              <a:t> vide pour les </a:t>
+            </a:r>
+            <a:r>
+              <a:rPr lang="en-US" dirty="0" err="1"/>
+              <a:t>autres</a:t>
+            </a:r>
+            <a:r>
+              <a:rPr lang="en-US" dirty="0"/>
+              <a:t> variables </a:t>
+            </a:r>
+            <a:r>
+              <a:rPr lang="en-US" dirty="0" err="1"/>
+              <a:t>qualitatives</a:t>
+            </a:r>
+            <a:endParaRPr lang="en-US" dirty="0"/>
+          </a:p>
+          <a:p>
+            <a:pPr marL="0" marR="0" lvl="0" indent="0" algn="l" defTabSz="914400" rtl="0" eaLnBrk="1" fontAlgn="base" latinLnBrk="0" hangingPunct="1">
+              <a:lnSpc>
+                <a:spcPct val="100000"/>
+              </a:lnSpc>
+              <a:spcBef>
+                <a:spcPct val="30000"/>
+              </a:spcBef>
+              <a:spcAft>
+                <a:spcPct val="0"/>
+              </a:spcAft>
+              <a:buClrTx/>
+              <a:buSzTx/>
+              <a:buFontTx/>
+              <a:buNone/>
+              <a:tabLst/>
+              <a:defRPr/>
+            </a:pPr>
+            <a:r>
+              <a:rPr lang="en-US" dirty="0"/>
+              <a:t>	</a:t>
+            </a:r>
+            <a:r>
+              <a:rPr lang="en-US" dirty="0" err="1"/>
+              <a:t>médiane</a:t>
+            </a:r>
+            <a:r>
+              <a:rPr lang="en-US" dirty="0"/>
+              <a:t> pour les </a:t>
+            </a:r>
+            <a:r>
+              <a:rPr lang="en-US" dirty="0" err="1"/>
+              <a:t>valeurs</a:t>
+            </a:r>
+            <a:r>
+              <a:rPr lang="en-US" dirty="0"/>
+              <a:t> </a:t>
+            </a:r>
+            <a:r>
+              <a:rPr lang="en-US" dirty="0" err="1"/>
+              <a:t>numériques</a:t>
+            </a:r>
+            <a:endParaRPr lang="fr-FR" dirty="0"/>
+          </a:p>
+          <a:p>
+            <a:endParaRPr lang="fr-FR" dirty="0"/>
+          </a:p>
+        </p:txBody>
+      </p:sp>
+      <p:sp>
+        <p:nvSpPr>
+          <p:cNvPr id="4" name="Espace réservé du numéro de diapositive 3"/>
+          <p:cNvSpPr>
+            <a:spLocks noGrp="1"/>
+          </p:cNvSpPr>
+          <p:nvPr>
+            <p:ph type="sldNum" sz="quarter" idx="10"/>
+          </p:nvPr>
+        </p:nvSpPr>
+        <p:spPr/>
+        <p:txBody>
+          <a:bodyPr/>
+          <a:lstStyle/>
+          <a:p>
+            <a:pPr>
+              <a:defRPr/>
+            </a:pPr>
+            <a:fld id="{CC32C800-F1EC-4563-A4CB-7BFB6B498BC5}" type="slidenum">
+              <a:rPr lang="fr-FR" smtClean="0"/>
+              <a:pPr>
+                <a:defRPr/>
+              </a:pPr>
+              <a:t>6</a:t>
+            </a:fld>
+            <a:endParaRPr lang="fr-FR"/>
+          </a:p>
+        </p:txBody>
+      </p:sp>
+    </p:spTree>
+    <p:extLst>
+      <p:ext uri="{BB962C8B-B14F-4D97-AF65-F5344CB8AC3E}">
+        <p14:creationId xmlns:p14="http://schemas.microsoft.com/office/powerpoint/2010/main" val="318798400"/>
+      </p:ext>
+    </p:extLst>
+  </p:cSld>
+  <p:clrMapOvr>
+    <a:masterClrMapping/>
+  </p:clrMapOvr>
+</p:notes>
+</file>
+
+<file path=ppt/notesSlides/notesSlide6.xml><?xml version="1.0" encoding="utf-8"?>
+<p:notes xmlns:a="http://schemas.openxmlformats.org/drawingml/2006/main" xmlns:r="http://schemas.openxmlformats.org/officeDocument/2006/relationships" xmlns:p="http://schemas.openxmlformats.org/presentationml/2006/main">
+  <p:cSld>
+    <p:spTree>
+      <p:nvGrpSpPr>
+        <p:cNvPr id="1" name=""/>
+        <p:cNvGrpSpPr/>
+        <p:nvPr/>
+      </p:nvGrpSpPr>
+      <p:grpSpPr>
+        <a:xfrm>
+          <a:off x="0" y="0"/>
+          <a:ext cx="0" cy="0"/>
+          <a:chOff x="0" y="0"/>
+          <a:chExt cx="0" cy="0"/>
+        </a:xfrm>
+      </p:grpSpPr>
+      <p:sp>
+        <p:nvSpPr>
+          <p:cNvPr id="2" name="Espace réservé de l'image des diapositives 1"/>
+          <p:cNvSpPr>
+            <a:spLocks noGrp="1" noRot="1" noChangeAspect="1"/>
+          </p:cNvSpPr>
+          <p:nvPr>
+            <p:ph type="sldImg"/>
+          </p:nvPr>
+        </p:nvSpPr>
+        <p:spPr/>
+      </p:sp>
+      <p:sp>
+        <p:nvSpPr>
+          <p:cNvPr id="3" name="Espace réservé des notes 2"/>
+          <p:cNvSpPr>
+            <a:spLocks noGrp="1"/>
+          </p:cNvSpPr>
+          <p:nvPr>
+            <p:ph type="body" idx="1"/>
+          </p:nvPr>
+        </p:nvSpPr>
+        <p:spPr/>
+        <p:txBody>
+          <a:bodyPr/>
+          <a:lstStyle/>
+          <a:p>
+            <a:pPr marL="0" marR="0" lvl="0" indent="0" algn="l" defTabSz="914400" rtl="0" eaLnBrk="1" fontAlgn="base" latinLnBrk="0" hangingPunct="1">
+              <a:lnSpc>
+                <a:spcPct val="100000"/>
+              </a:lnSpc>
+              <a:spcBef>
+                <a:spcPct val="30000"/>
+              </a:spcBef>
+              <a:spcAft>
+                <a:spcPct val="0"/>
+              </a:spcAft>
+              <a:buClrTx/>
+              <a:buSzTx/>
+              <a:buFontTx/>
+              <a:buNone/>
+              <a:tabLst/>
+              <a:defRPr/>
+            </a:pPr>
+            <a:r>
+              <a:rPr lang="fr-FR" dirty="0"/>
+              <a:t>Doublons</a:t>
+            </a:r>
+          </a:p>
+          <a:p>
+            <a:pPr marL="0" marR="0" lvl="0" indent="0" algn="l" defTabSz="914400" rtl="0" eaLnBrk="1" fontAlgn="base" latinLnBrk="0" hangingPunct="1">
+              <a:lnSpc>
+                <a:spcPct val="100000"/>
+              </a:lnSpc>
+              <a:spcBef>
+                <a:spcPct val="30000"/>
+              </a:spcBef>
+              <a:spcAft>
+                <a:spcPct val="0"/>
+              </a:spcAft>
+              <a:buClrTx/>
+              <a:buSzTx/>
+              <a:buFontTx/>
+              <a:buNone/>
+              <a:tabLst/>
+              <a:defRPr/>
+            </a:pPr>
+            <a:r>
+              <a:rPr lang="fr-FR" dirty="0"/>
+              <a:t>	suppression des doublons mineurs (moins de 10% d’écart sur les valeurs numériques (sauf </a:t>
+            </a:r>
+            <a:r>
+              <a:rPr lang="fr-FR" dirty="0" err="1"/>
+              <a:t>title_year</a:t>
+            </a:r>
+            <a:r>
+              <a:rPr lang="fr-FR" dirty="0"/>
+              <a:t> et duration)</a:t>
+            </a:r>
+          </a:p>
+          <a:p>
+            <a:pPr marL="0" marR="0" lvl="0" indent="0" algn="l" defTabSz="914400" rtl="0" eaLnBrk="1" fontAlgn="base" latinLnBrk="0" hangingPunct="1">
+              <a:lnSpc>
+                <a:spcPct val="100000"/>
+              </a:lnSpc>
+              <a:spcBef>
+                <a:spcPct val="30000"/>
+              </a:spcBef>
+              <a:spcAft>
+                <a:spcPct val="0"/>
+              </a:spcAft>
+              <a:buClrTx/>
+              <a:buSzTx/>
+              <a:buFontTx/>
+              <a:buNone/>
+              <a:tabLst/>
+              <a:defRPr/>
+            </a:pPr>
+            <a:r>
+              <a:rPr lang="fr-FR" dirty="0"/>
+              <a:t>	si vrai doublon on ajoute la date au plus vieux</a:t>
+            </a:r>
+          </a:p>
+          <a:p>
+            <a:pPr marL="0" marR="0" lvl="0" indent="0" algn="l" defTabSz="914400" rtl="0" eaLnBrk="1" fontAlgn="base" latinLnBrk="0" hangingPunct="1">
+              <a:lnSpc>
+                <a:spcPct val="100000"/>
+              </a:lnSpc>
+              <a:spcBef>
+                <a:spcPct val="30000"/>
+              </a:spcBef>
+              <a:spcAft>
+                <a:spcPct val="0"/>
+              </a:spcAft>
+              <a:buClrTx/>
+              <a:buSzTx/>
+              <a:buFontTx/>
+              <a:buNone/>
+              <a:tabLst/>
+              <a:defRPr/>
+            </a:pPr>
+            <a:r>
+              <a:rPr lang="en-US" dirty="0"/>
+              <a:t>		The Host(2006) </a:t>
+            </a:r>
+          </a:p>
+          <a:p>
+            <a:pPr marL="0" marR="0" lvl="0" indent="0" algn="l" defTabSz="914400" rtl="0" eaLnBrk="1" fontAlgn="base" latinLnBrk="0" hangingPunct="1">
+              <a:lnSpc>
+                <a:spcPct val="100000"/>
+              </a:lnSpc>
+              <a:spcBef>
+                <a:spcPct val="30000"/>
+              </a:spcBef>
+              <a:spcAft>
+                <a:spcPct val="0"/>
+              </a:spcAft>
+              <a:buClrTx/>
+              <a:buSzTx/>
+              <a:buFontTx/>
+              <a:buNone/>
+              <a:tabLst/>
+              <a:defRPr/>
+            </a:pPr>
+            <a:r>
+              <a:rPr lang="en-US" dirty="0"/>
+              <a:t>		The Dead Zone(1983) </a:t>
+            </a:r>
+          </a:p>
+          <a:p>
+            <a:pPr marL="0" marR="0" lvl="0" indent="0" algn="l" defTabSz="914400" rtl="0" eaLnBrk="1" fontAlgn="base" latinLnBrk="0" hangingPunct="1">
+              <a:lnSpc>
+                <a:spcPct val="100000"/>
+              </a:lnSpc>
+              <a:spcBef>
+                <a:spcPct val="30000"/>
+              </a:spcBef>
+              <a:spcAft>
+                <a:spcPct val="0"/>
+              </a:spcAft>
+              <a:buClrTx/>
+              <a:buSzTx/>
+              <a:buFontTx/>
+              <a:buNone/>
+              <a:tabLst/>
+              <a:defRPr/>
+            </a:pPr>
+            <a:r>
+              <a:rPr lang="en-US" dirty="0"/>
+              <a:t>		Out of the Blue(1980)</a:t>
+            </a:r>
+            <a:endParaRPr lang="fr-FR" dirty="0"/>
+          </a:p>
+          <a:p>
+            <a:endParaRPr lang="fr-FR" dirty="0"/>
+          </a:p>
+        </p:txBody>
+      </p:sp>
+      <p:sp>
+        <p:nvSpPr>
+          <p:cNvPr id="4" name="Espace réservé du numéro de diapositive 3"/>
+          <p:cNvSpPr>
+            <a:spLocks noGrp="1"/>
+          </p:cNvSpPr>
+          <p:nvPr>
+            <p:ph type="sldNum" sz="quarter" idx="10"/>
+          </p:nvPr>
+        </p:nvSpPr>
+        <p:spPr/>
+        <p:txBody>
+          <a:bodyPr/>
+          <a:lstStyle/>
+          <a:p>
+            <a:pPr>
+              <a:defRPr/>
+            </a:pPr>
+            <a:fld id="{CC32C800-F1EC-4563-A4CB-7BFB6B498BC5}" type="slidenum">
+              <a:rPr lang="fr-FR" smtClean="0"/>
+              <a:pPr>
+                <a:defRPr/>
+              </a:pPr>
+              <a:t>7</a:t>
+            </a:fld>
+            <a:endParaRPr lang="fr-FR"/>
+          </a:p>
+        </p:txBody>
+      </p:sp>
+    </p:spTree>
+    <p:extLst>
+      <p:ext uri="{BB962C8B-B14F-4D97-AF65-F5344CB8AC3E}">
+        <p14:creationId xmlns:p14="http://schemas.microsoft.com/office/powerpoint/2010/main" val="3869913300"/>
+      </p:ext>
+    </p:extLst>
+  </p:cSld>
+  <p:clrMapOvr>
+    <a:masterClrMapping/>
+  </p:clrMapOvr>
+</p:notes>
+</file>
+
+<file path=ppt/notesSlides/notesSlide7.xml><?xml version="1.0" encoding="utf-8"?>
+<p:notes xmlns:a="http://schemas.openxmlformats.org/drawingml/2006/main" xmlns:r="http://schemas.openxmlformats.org/officeDocument/2006/relationships" xmlns:p="http://schemas.openxmlformats.org/presentationml/2006/main">
+  <p:cSld>
+    <p:spTree>
+      <p:nvGrpSpPr>
+        <p:cNvPr id="1" name=""/>
+        <p:cNvGrpSpPr/>
+        <p:nvPr/>
+      </p:nvGrpSpPr>
+      <p:grpSpPr>
+        <a:xfrm>
+          <a:off x="0" y="0"/>
+          <a:ext cx="0" cy="0"/>
+          <a:chOff x="0" y="0"/>
+          <a:chExt cx="0" cy="0"/>
+        </a:xfrm>
+      </p:grpSpPr>
+      <p:sp>
+        <p:nvSpPr>
+          <p:cNvPr id="2" name="Espace réservé de l'image des diapositives 1"/>
+          <p:cNvSpPr>
+            <a:spLocks noGrp="1" noRot="1" noChangeAspect="1"/>
+          </p:cNvSpPr>
+          <p:nvPr>
+            <p:ph type="sldImg"/>
+          </p:nvPr>
+        </p:nvSpPr>
+        <p:spPr/>
+      </p:sp>
+      <p:sp>
+        <p:nvSpPr>
+          <p:cNvPr id="3" name="Espace réservé des notes 2"/>
+          <p:cNvSpPr>
+            <a:spLocks noGrp="1"/>
+          </p:cNvSpPr>
+          <p:nvPr>
+            <p:ph type="body" idx="1"/>
+          </p:nvPr>
+        </p:nvSpPr>
+        <p:spPr/>
+        <p:txBody>
+          <a:bodyPr/>
+          <a:lstStyle/>
+          <a:p>
+            <a:r>
+              <a:rPr lang="fr-FR" dirty="0"/>
+              <a:t>Meilleure corrélation entre total like et </a:t>
+            </a:r>
+            <a:r>
+              <a:rPr lang="fr-FR" dirty="0" err="1"/>
+              <a:t>actor</a:t>
+            </a:r>
+            <a:r>
+              <a:rPr lang="fr-FR" dirty="0"/>
+              <a:t> 1 like</a:t>
+            </a:r>
+          </a:p>
+          <a:p>
+            <a:r>
+              <a:rPr lang="fr-FR" dirty="0"/>
+              <a:t>Le score semble un peu corrélé avec nb critiques et nb de votant mais pas de tendance forte, ce qui semble normal</a:t>
+            </a:r>
+          </a:p>
+        </p:txBody>
+      </p:sp>
+      <p:sp>
+        <p:nvSpPr>
+          <p:cNvPr id="4" name="Espace réservé du numéro de diapositive 3"/>
+          <p:cNvSpPr>
+            <a:spLocks noGrp="1"/>
+          </p:cNvSpPr>
+          <p:nvPr>
+            <p:ph type="sldNum" sz="quarter" idx="10"/>
+          </p:nvPr>
+        </p:nvSpPr>
+        <p:spPr/>
+        <p:txBody>
+          <a:bodyPr/>
+          <a:lstStyle/>
+          <a:p>
+            <a:pPr>
+              <a:defRPr/>
+            </a:pPr>
+            <a:fld id="{CC32C800-F1EC-4563-A4CB-7BFB6B498BC5}" type="slidenum">
+              <a:rPr lang="fr-FR" smtClean="0"/>
+              <a:pPr>
+                <a:defRPr/>
+              </a:pPr>
+              <a:t>8</a:t>
+            </a:fld>
+            <a:endParaRPr lang="fr-FR"/>
+          </a:p>
+        </p:txBody>
+      </p:sp>
+    </p:spTree>
+    <p:extLst>
+      <p:ext uri="{BB962C8B-B14F-4D97-AF65-F5344CB8AC3E}">
+        <p14:creationId xmlns:p14="http://schemas.microsoft.com/office/powerpoint/2010/main" val="4203670404"/>
+      </p:ext>
+    </p:extLst>
   </p:cSld>
   <p:clrMapOvr>
     <a:masterClrMapping/>
@@ -4295,104 +5095,10 @@
       </p:grpSpPr>
       <p:sp>
         <p:nvSpPr>
-          <p:cNvPr id="2" name="Espace réservé de l'image des diapositives 1"/>
-          <p:cNvSpPr>
-            <a:spLocks noGrp="1" noRot="1" noChangeAspect="1"/>
-          </p:cNvSpPr>
-          <p:nvPr>
-            <p:ph type="sldImg"/>
-          </p:nvPr>
-        </p:nvSpPr>
-        <p:spPr/>
-      </p:sp>
-      <p:sp>
-        <p:nvSpPr>
-          <p:cNvPr id="3" name="Espace réservé des notes 2"/>
-          <p:cNvSpPr>
-            <a:spLocks noGrp="1"/>
-          </p:cNvSpPr>
-          <p:nvPr>
-            <p:ph type="body" idx="1"/>
-          </p:nvPr>
-        </p:nvSpPr>
-        <p:spPr/>
-        <p:txBody>
-          <a:bodyPr/>
-          <a:lstStyle/>
-          <a:p>
-            <a:r>
-              <a:rPr lang="fr-FR" dirty="0" err="1"/>
-              <a:t>CountVectorizer</a:t>
-            </a:r>
-            <a:endParaRPr lang="fr-FR" dirty="0"/>
-          </a:p>
-        </p:txBody>
-      </p:sp>
-      <p:sp>
-        <p:nvSpPr>
-          <p:cNvPr id="4" name="Espace réservé du numéro de diapositive 3"/>
-          <p:cNvSpPr>
-            <a:spLocks noGrp="1"/>
-          </p:cNvSpPr>
-          <p:nvPr>
-            <p:ph type="sldNum" sz="quarter" idx="10"/>
-          </p:nvPr>
-        </p:nvSpPr>
-        <p:spPr/>
-        <p:txBody>
-          <a:bodyPr/>
-          <a:lstStyle/>
-          <a:p>
-            <a:pPr>
-              <a:defRPr/>
-            </a:pPr>
-            <a:fld id="{CC32C800-F1EC-4563-A4CB-7BFB6B498BC5}" type="slidenum">
-              <a:rPr lang="fr-FR" smtClean="0"/>
-              <a:pPr>
-                <a:defRPr/>
-              </a:pPr>
-              <a:t>13</a:t>
-            </a:fld>
-            <a:endParaRPr lang="fr-FR"/>
-          </a:p>
-        </p:txBody>
-      </p:sp>
-    </p:spTree>
-    <p:extLst>
-      <p:ext uri="{BB962C8B-B14F-4D97-AF65-F5344CB8AC3E}">
-        <p14:creationId xmlns:p14="http://schemas.microsoft.com/office/powerpoint/2010/main" val="2377268029"/>
-      </p:ext>
-    </p:extLst>
-  </p:cSld>
-  <p:clrMapOvr>
-    <a:masterClrMapping/>
-  </p:clrMapOvr>
-</p:notes>
-</file>
-
-<file path=ppt/notesSlides/notesSlide9.xml><?xml version="1.0" encoding="utf-8"?>
-<p:notes xmlns:a="http://schemas.openxmlformats.org/drawingml/2006/main" xmlns:r="http://schemas.openxmlformats.org/officeDocument/2006/relationships" xmlns:p="http://schemas.openxmlformats.org/presentationml/2006/main">
-  <p:cSld>
-    <p:spTree>
-      <p:nvGrpSpPr>
-        <p:cNvPr id="1" name=""/>
-        <p:cNvGrpSpPr/>
-        <p:nvPr/>
-      </p:nvGrpSpPr>
-      <p:grpSpPr>
-        <a:xfrm>
-          <a:off x="0" y="0"/>
-          <a:ext cx="0" cy="0"/>
-          <a:chOff x="0" y="0"/>
-          <a:chExt cx="0" cy="0"/>
-        </a:xfrm>
-      </p:grpSpPr>
-      <p:sp>
-        <p:nvSpPr>
-          <p:cNvPr id="20482" name="Espace réservé de l'image des diapositives 1">
-            <a:extLst>
-              <a:ext uri="{FF2B5EF4-FFF2-40B4-BE49-F238E27FC236}">
-                <a16:creationId xmlns:a16="http://schemas.microsoft.com/office/drawing/2014/main" id="{7A6A9DBA-02DF-49A9-8C63-618D9C9703D4}"/>
+          <p:cNvPr id="14338" name="Espace réservé de l'image des diapositives 1">
+            <a:extLst>
+              <a:ext uri="{FF2B5EF4-FFF2-40B4-BE49-F238E27FC236}">
+                <a16:creationId xmlns:a16="http://schemas.microsoft.com/office/drawing/2014/main" id="{BA52C493-889E-45DB-AAF0-CA5153F562FB}"/>
               </a:ext>
             </a:extLst>
           </p:cNvPr>
@@ -4426,10 +5132,10 @@
       </p:sp>
       <p:sp>
         <p:nvSpPr>
-          <p:cNvPr id="20483" name="Espace réservé des notes 2">
-            <a:extLst>
-              <a:ext uri="{FF2B5EF4-FFF2-40B4-BE49-F238E27FC236}">
-                <a16:creationId xmlns:a16="http://schemas.microsoft.com/office/drawing/2014/main" id="{A38DA539-9104-43AC-A6ED-355E9296F962}"/>
+          <p:cNvPr id="14339" name="Espace réservé des notes 2">
+            <a:extLst>
+              <a:ext uri="{FF2B5EF4-FFF2-40B4-BE49-F238E27FC236}">
+                <a16:creationId xmlns:a16="http://schemas.microsoft.com/office/drawing/2014/main" id="{88BCBEEF-840C-4E35-8F65-1E2D31A27E18}"/>
               </a:ext>
             </a:extLst>
           </p:cNvPr>
@@ -4470,44 +5176,24 @@
           </a:bodyPr>
           <a:lstStyle/>
           <a:p>
-            <a:pPr marL="0" marR="0" lvl="0" indent="0" algn="l" defTabSz="914400" rtl="0" eaLnBrk="1" fontAlgn="base" latinLnBrk="0" hangingPunct="1">
-              <a:lnSpc>
-                <a:spcPct val="100000"/>
-              </a:lnSpc>
-              <a:spcBef>
-                <a:spcPct val="0"/>
-              </a:spcBef>
-              <a:spcAft>
-                <a:spcPct val="0"/>
-              </a:spcAft>
-              <a:buClrTx/>
-              <a:buSzTx/>
-              <a:buFontTx/>
-              <a:buNone/>
-              <a:tabLst/>
-              <a:defRPr/>
-            </a:pPr>
-            <a:r>
-              <a:rPr lang="fr-FR" altLang="fr-FR" dirty="0"/>
-              <a:t>Les 2 directions ppales expliquent 20% de la variance, ça n’est pas significatif, on va qd même tracer qlqs graphes</a:t>
-            </a:r>
-          </a:p>
-          <a:p>
             <a:pPr>
               <a:spcBef>
                 <a:spcPct val="0"/>
               </a:spcBef>
             </a:pPr>
-            <a:endParaRPr lang="fr-FR" altLang="fr-FR" dirty="0"/>
-          </a:p>
-        </p:txBody>
-      </p:sp>
-      <p:sp>
-        <p:nvSpPr>
-          <p:cNvPr id="20484" name="Espace réservé du numéro de diapositive 3">
-            <a:extLst>
-              <a:ext uri="{FF2B5EF4-FFF2-40B4-BE49-F238E27FC236}">
-                <a16:creationId xmlns:a16="http://schemas.microsoft.com/office/drawing/2014/main" id="{1E220833-D121-4FB5-8883-C70D7CF029A3}"/>
+            <a:r>
+              <a:rPr lang="fr-FR" altLang="fr-FR" dirty="0"/>
+              <a:t>3 groupes homogènes : 1548, 1823, 1548</a:t>
+            </a:r>
+          </a:p>
+        </p:txBody>
+      </p:sp>
+      <p:sp>
+        <p:nvSpPr>
+          <p:cNvPr id="14340" name="Espace réservé du numéro de diapositive 3">
+            <a:extLst>
+              <a:ext uri="{FF2B5EF4-FFF2-40B4-BE49-F238E27FC236}">
+                <a16:creationId xmlns:a16="http://schemas.microsoft.com/office/drawing/2014/main" id="{26D63B45-F8B4-4B3A-A116-EDD858FCA2CD}"/>
               </a:ext>
             </a:extLst>
           </p:cNvPr>
@@ -4653,7 +5339,7 @@
                 <a:spcPct val="0"/>
               </a:spcAft>
             </a:pPr>
-            <a:fld id="{713CF9BE-41D9-403D-8A7D-77D8C5154065}" type="slidenum">
+            <a:fld id="{5D72102B-722F-46E5-AAFA-6ECBAD2129EF}" type="slidenum">
               <a:rPr lang="fr-FR" altLang="fr-FR"/>
               <a:pPr fontAlgn="base">
                 <a:spcBef>
@@ -4663,13 +5349,106 @@
                   <a:spcPct val="0"/>
                 </a:spcAft>
               </a:pPr>
-              <a:t>14</a:t>
+              <a:t>10</a:t>
             </a:fld>
             <a:endParaRPr lang="fr-FR" altLang="fr-FR"/>
           </a:p>
         </p:txBody>
       </p:sp>
     </p:spTree>
+  </p:cSld>
+  <p:clrMapOvr>
+    <a:masterClrMapping/>
+  </p:clrMapOvr>
+</p:notes>
+</file>
+
+<file path=ppt/notesSlides/notesSlide9.xml><?xml version="1.0" encoding="utf-8"?>
+<p:notes xmlns:a="http://schemas.openxmlformats.org/drawingml/2006/main" xmlns:r="http://schemas.openxmlformats.org/officeDocument/2006/relationships" xmlns:p="http://schemas.openxmlformats.org/presentationml/2006/main">
+  <p:cSld>
+    <p:spTree>
+      <p:nvGrpSpPr>
+        <p:cNvPr id="1" name=""/>
+        <p:cNvGrpSpPr/>
+        <p:nvPr/>
+      </p:nvGrpSpPr>
+      <p:grpSpPr>
+        <a:xfrm>
+          <a:off x="0" y="0"/>
+          <a:ext cx="0" cy="0"/>
+          <a:chOff x="0" y="0"/>
+          <a:chExt cx="0" cy="0"/>
+        </a:xfrm>
+      </p:grpSpPr>
+      <p:sp>
+        <p:nvSpPr>
+          <p:cNvPr id="2" name="Espace réservé de l'image des diapositives 1"/>
+          <p:cNvSpPr>
+            <a:spLocks noGrp="1" noRot="1" noChangeAspect="1"/>
+          </p:cNvSpPr>
+          <p:nvPr>
+            <p:ph type="sldImg"/>
+          </p:nvPr>
+        </p:nvSpPr>
+        <p:spPr/>
+      </p:sp>
+      <p:sp>
+        <p:nvSpPr>
+          <p:cNvPr id="3" name="Espace réservé des notes 2"/>
+          <p:cNvSpPr>
+            <a:spLocks noGrp="1"/>
+          </p:cNvSpPr>
+          <p:nvPr>
+            <p:ph type="body" idx="1"/>
+          </p:nvPr>
+        </p:nvSpPr>
+        <p:spPr/>
+        <p:txBody>
+          <a:bodyPr/>
+          <a:lstStyle/>
+          <a:p>
+            <a:r>
+              <a:rPr lang="fr-FR" dirty="0"/>
+              <a:t>Les autres colonnes vont être réunies comme un ensemble de mots clés</a:t>
+            </a:r>
+          </a:p>
+        </p:txBody>
+      </p:sp>
+      <p:sp>
+        <p:nvSpPr>
+          <p:cNvPr id="4" name="Espace réservé du numéro de diapositive 3"/>
+          <p:cNvSpPr>
+            <a:spLocks noGrp="1"/>
+          </p:cNvSpPr>
+          <p:nvPr>
+            <p:ph type="sldNum" sz="quarter" idx="10"/>
+          </p:nvPr>
+        </p:nvSpPr>
+        <p:spPr/>
+        <p:txBody>
+          <a:bodyPr/>
+          <a:lstStyle/>
+          <a:p>
+            <a:pPr>
+              <a:defRPr/>
+            </a:pPr>
+            <a:fld id="{CC32C800-F1EC-4563-A4CB-7BFB6B498BC5}" type="slidenum">
+              <a:rPr lang="fr-FR" smtClean="0"/>
+              <a:pPr>
+                <a:defRPr/>
+              </a:pPr>
+              <a:t>11</a:t>
+            </a:fld>
+            <a:endParaRPr lang="fr-FR"/>
+          </a:p>
+        </p:txBody>
+      </p:sp>
+    </p:spTree>
+    <p:extLst>
+      <p:ext uri="{BB962C8B-B14F-4D97-AF65-F5344CB8AC3E}">
+        <p14:creationId xmlns:p14="http://schemas.microsoft.com/office/powerpoint/2010/main" val="122394020"/>
+      </p:ext>
+    </p:extLst>
   </p:cSld>
   <p:clrMapOvr>
     <a:masterClrMapping/>
@@ -4834,7 +5613,7 @@
               <a:pPr>
                 <a:defRPr/>
               </a:pPr>
-              <a:t>30/01/2018</a:t>
+              <a:t>12/02/2018</a:t>
             </a:fld>
             <a:endParaRPr lang="fr-FR"/>
           </a:p>
@@ -5059,7 +5838,7 @@
               <a:pPr>
                 <a:defRPr/>
               </a:pPr>
-              <a:t>30/01/2018</a:t>
+              <a:t>12/02/2018</a:t>
             </a:fld>
             <a:endParaRPr lang="fr-FR"/>
           </a:p>
@@ -5294,7 +6073,7 @@
               <a:pPr>
                 <a:defRPr/>
               </a:pPr>
-              <a:t>30/01/2018</a:t>
+              <a:t>12/02/2018</a:t>
             </a:fld>
             <a:endParaRPr lang="fr-FR"/>
           </a:p>
@@ -5519,7 +6298,7 @@
               <a:pPr>
                 <a:defRPr/>
               </a:pPr>
-              <a:t>30/01/2018</a:t>
+              <a:t>12/02/2018</a:t>
             </a:fld>
             <a:endParaRPr lang="fr-FR"/>
           </a:p>
@@ -5821,7 +6600,7 @@
               <a:pPr>
                 <a:defRPr/>
               </a:pPr>
-              <a:t>30/01/2018</a:t>
+              <a:t>12/02/2018</a:t>
             </a:fld>
             <a:endParaRPr lang="fr-FR"/>
           </a:p>
@@ -6113,7 +6892,7 @@
               <a:pPr>
                 <a:defRPr/>
               </a:pPr>
-              <a:t>30/01/2018</a:t>
+              <a:t>12/02/2018</a:t>
             </a:fld>
             <a:endParaRPr lang="fr-FR"/>
           </a:p>
@@ -6552,7 +7331,7 @@
               <a:pPr>
                 <a:defRPr/>
               </a:pPr>
-              <a:t>30/01/2018</a:t>
+              <a:t>12/02/2018</a:t>
             </a:fld>
             <a:endParaRPr lang="fr-FR"/>
           </a:p>
@@ -6720,7 +7499,7 @@
               <a:pPr>
                 <a:defRPr/>
               </a:pPr>
-              <a:t>30/01/2018</a:t>
+              <a:t>12/02/2018</a:t>
             </a:fld>
             <a:endParaRPr lang="fr-FR"/>
           </a:p>
@@ -6860,7 +7639,7 @@
               <a:pPr>
                 <a:defRPr/>
               </a:pPr>
-              <a:t>30/01/2018</a:t>
+              <a:t>12/02/2018</a:t>
             </a:fld>
             <a:endParaRPr lang="fr-FR"/>
           </a:p>
@@ -7198,7 +7977,7 @@
               <a:pPr>
                 <a:defRPr/>
               </a:pPr>
-              <a:t>30/01/2018</a:t>
+              <a:t>12/02/2018</a:t>
             </a:fld>
             <a:endParaRPr lang="fr-FR"/>
           </a:p>
@@ -7516,7 +8295,7 @@
               <a:pPr>
                 <a:defRPr/>
               </a:pPr>
-              <a:t>30/01/2018</a:t>
+              <a:t>12/02/2018</a:t>
             </a:fld>
             <a:endParaRPr lang="fr-FR"/>
           </a:p>
@@ -7841,7 +8620,7 @@
               <a:pPr>
                 <a:defRPr/>
               </a:pPr>
-              <a:t>30/01/2018</a:t>
+              <a:t>12/02/2018</a:t>
             </a:fld>
             <a:endParaRPr lang="fr-FR"/>
           </a:p>
@@ -8657,31 +9436,6 @@
           </a:p>
         </p:txBody>
       </p:sp>
-      <p:sp>
-        <p:nvSpPr>
-          <p:cNvPr id="13315" name="Espace réservé du contenu 5">
-            <a:extLst>
-              <a:ext uri="{FF2B5EF4-FFF2-40B4-BE49-F238E27FC236}">
-                <a16:creationId xmlns:a16="http://schemas.microsoft.com/office/drawing/2014/main" id="{650AF3A1-F42D-45C6-8835-BFB2FA341A38}"/>
-              </a:ext>
-            </a:extLst>
-          </p:cNvPr>
-          <p:cNvSpPr>
-            <a:spLocks noGrp="1" noChangeArrowheads="1"/>
-          </p:cNvSpPr>
-          <p:nvPr>
-            <p:ph idx="1"/>
-          </p:nvPr>
-        </p:nvSpPr>
-        <p:spPr/>
-        <p:txBody>
-          <a:bodyPr/>
-          <a:lstStyle/>
-          <a:p>
-            <a:endParaRPr lang="fr-FR" altLang="fr-FR"/>
-          </a:p>
-        </p:txBody>
-      </p:sp>
       <p:pic>
         <p:nvPicPr>
           <p:cNvPr id="13316" name="Image 4">
@@ -8910,7 +9664,7 @@
           <p:nvPr/>
         </p:nvPicPr>
         <p:blipFill>
-          <a:blip r:embed="rId2">
+          <a:blip r:embed="rId3">
             <a:extLst>
               <a:ext uri="{28A0092B-C50C-407E-A947-70E740481C1C}">
                 <a14:useLocalDpi xmlns:a14="http://schemas.microsoft.com/office/drawing/2010/main" val="0"/>
@@ -11584,11 +12338,11 @@
             </a:pPr>
             <a:r>
               <a:rPr lang="fr-FR" dirty="0"/>
-              <a:t>Content-</a:t>
+              <a:t>Collaborative </a:t>
             </a:r>
             <a:r>
               <a:rPr lang="fr-FR" dirty="0" err="1"/>
-              <a:t>based</a:t>
+              <a:t>filtering</a:t>
             </a:r>
             <a:endParaRPr lang="fr-FR" dirty="0"/>
           </a:p>
@@ -11602,7 +12356,7 @@
             </a:pPr>
             <a:r>
               <a:rPr lang="fr-FR" dirty="0"/>
-              <a:t>Basé uniquement sur les caractéristiques des items</a:t>
+              <a:t>Basé sur les habitudes des utilisateurs</a:t>
             </a:r>
           </a:p>
           <a:p>
@@ -11616,11 +12370,11 @@
             </a:pPr>
             <a:r>
               <a:rPr lang="fr-FR" dirty="0"/>
-              <a:t>Collaborative </a:t>
+              <a:t>Content-</a:t>
             </a:r>
             <a:r>
               <a:rPr lang="fr-FR" dirty="0" err="1"/>
-              <a:t>filtering</a:t>
+              <a:t>based</a:t>
             </a:r>
             <a:endParaRPr lang="fr-FR" dirty="0"/>
           </a:p>
@@ -11634,8 +12388,18 @@
             </a:pPr>
             <a:r>
               <a:rPr lang="fr-FR" dirty="0"/>
-              <a:t>Basé sur les habitudes des utilisateurs</a:t>
-            </a:r>
+              <a:t>Basé uniquement sur les caractéristiques des items</a:t>
+            </a:r>
+          </a:p>
+          <a:p>
+            <a:pPr marL="457200" lvl="1" indent="0" fontAlgn="auto">
+              <a:spcAft>
+                <a:spcPts val="0"/>
+              </a:spcAft>
+              <a:buNone/>
+              <a:defRPr/>
+            </a:pPr>
+            <a:endParaRPr lang="fr-FR" dirty="0"/>
           </a:p>
         </p:txBody>
       </p:sp>
@@ -11726,6 +12490,32 @@
             <a:r>
               <a:rPr lang="fr-FR" altLang="fr-FR" dirty="0"/>
               <a:t>Films avec plusieurs versions : a-t-on les autres versions ?</a:t>
+            </a:r>
+          </a:p>
+          <a:p>
+            <a:r>
+              <a:rPr lang="fr-FR" altLang="fr-FR" dirty="0"/>
+              <a:t>Film ancien (Modern times)</a:t>
+            </a:r>
+          </a:p>
+          <a:p>
+            <a:r>
+              <a:rPr lang="fr-FR" altLang="fr-FR" dirty="0"/>
+              <a:t>Film d’horreur (</a:t>
+            </a:r>
+            <a:r>
+              <a:rPr lang="fr-FR" altLang="fr-FR" dirty="0" err="1"/>
+              <a:t>Saw</a:t>
+            </a:r>
+            <a:r>
+              <a:rPr lang="fr-FR" altLang="fr-FR" dirty="0"/>
+              <a:t>)</a:t>
+            </a:r>
+          </a:p>
+          <a:p>
+            <a:r>
+              <a:rPr lang="fr-FR" altLang="fr-FR" dirty="0"/>
+              <a:t>Film grand spectacle (Men in black)</a:t>
             </a:r>
           </a:p>
           <a:p>
@@ -12138,7 +12928,7 @@
           <p:nvPr/>
         </p:nvPicPr>
         <p:blipFill>
-          <a:blip r:embed="rId2"/>
+          <a:blip r:embed="rId3"/>
           <a:stretch>
             <a:fillRect/>
           </a:stretch>
@@ -12168,7 +12958,7 @@
           <p:nvPr/>
         </p:nvPicPr>
         <p:blipFill>
-          <a:blip r:embed="rId3"/>
+          <a:blip r:embed="rId4"/>
           <a:stretch>
             <a:fillRect/>
           </a:stretch>
@@ -12501,7 +13291,7 @@
               <a:defRPr/>
             </a:pPr>
             <a:endParaRPr lang="fr-FR" dirty="0">
-              <a:hlinkClick r:id="rId2"/>
+              <a:hlinkClick r:id="rId3"/>
             </a:endParaRPr>
           </a:p>
           <a:p>
@@ -12515,7 +13305,7 @@
             </a:pPr>
             <a:r>
               <a:rPr lang="fr-FR" dirty="0">
-                <a:hlinkClick r:id="rId2"/>
+                <a:hlinkClick r:id="rId3"/>
               </a:rPr>
               <a:t>https://recommended-engine.herokuapp.com/</a:t>
             </a:r>
@@ -12741,6 +13531,130 @@
 </file>
 
 <file path=ppt/slides/slide37.xml><?xml version="1.0" encoding="utf-8"?>
+<p:sld xmlns:a="http://schemas.openxmlformats.org/drawingml/2006/main" xmlns:r="http://schemas.openxmlformats.org/officeDocument/2006/relationships" xmlns:p="http://schemas.openxmlformats.org/presentationml/2006/main">
+  <p:cSld>
+    <p:spTree>
+      <p:nvGrpSpPr>
+        <p:cNvPr id="1" name=""/>
+        <p:cNvGrpSpPr/>
+        <p:nvPr/>
+      </p:nvGrpSpPr>
+      <p:grpSpPr>
+        <a:xfrm>
+          <a:off x="0" y="0"/>
+          <a:ext cx="0" cy="0"/>
+          <a:chOff x="0" y="0"/>
+          <a:chExt cx="0" cy="0"/>
+        </a:xfrm>
+      </p:grpSpPr>
+      <p:sp>
+        <p:nvSpPr>
+          <p:cNvPr id="2" name="Titre 1">
+            <a:extLst>
+              <a:ext uri="{FF2B5EF4-FFF2-40B4-BE49-F238E27FC236}">
+                <a16:creationId xmlns:a16="http://schemas.microsoft.com/office/drawing/2014/main" id="{5961B45D-52EC-491D-8142-967FED05674E}"/>
+              </a:ext>
+            </a:extLst>
+          </p:cNvPr>
+          <p:cNvSpPr>
+            <a:spLocks noGrp="1"/>
+          </p:cNvSpPr>
+          <p:nvPr>
+            <p:ph type="title"/>
+          </p:nvPr>
+        </p:nvSpPr>
+        <p:spPr/>
+        <p:txBody>
+          <a:bodyPr/>
+          <a:lstStyle/>
+          <a:p>
+            <a:pPr algn="ctr"/>
+            <a:r>
+              <a:rPr lang="fr-FR" dirty="0"/>
+              <a:t>Possibilités d’améliorations</a:t>
+            </a:r>
+          </a:p>
+        </p:txBody>
+      </p:sp>
+      <p:sp>
+        <p:nvSpPr>
+          <p:cNvPr id="3" name="Espace réservé du contenu 2">
+            <a:extLst>
+              <a:ext uri="{FF2B5EF4-FFF2-40B4-BE49-F238E27FC236}">
+                <a16:creationId xmlns:a16="http://schemas.microsoft.com/office/drawing/2014/main" id="{E8B8216C-DF1F-4463-8BAF-E7F7F57D0E87}"/>
+              </a:ext>
+            </a:extLst>
+          </p:cNvPr>
+          <p:cNvSpPr>
+            <a:spLocks noGrp="1"/>
+          </p:cNvSpPr>
+          <p:nvPr>
+            <p:ph idx="1"/>
+          </p:nvPr>
+        </p:nvSpPr>
+        <p:spPr/>
+        <p:txBody>
+          <a:bodyPr/>
+          <a:lstStyle/>
+          <a:p>
+            <a:endParaRPr lang="fr-FR" dirty="0"/>
+          </a:p>
+          <a:p>
+            <a:r>
+              <a:rPr lang="fr-FR" dirty="0"/>
+              <a:t>Créer une base de données utilisateurs</a:t>
+            </a:r>
+          </a:p>
+          <a:p>
+            <a:r>
+              <a:rPr lang="fr-FR" dirty="0"/>
+              <a:t>Ajouter des filtres pour affiner les propositions</a:t>
+            </a:r>
+          </a:p>
+          <a:p>
+            <a:pPr lvl="1"/>
+            <a:r>
+              <a:rPr lang="fr-FR" dirty="0"/>
+              <a:t>Genre </a:t>
+            </a:r>
+          </a:p>
+          <a:p>
+            <a:pPr lvl="1"/>
+            <a:r>
+              <a:rPr lang="fr-FR" dirty="0"/>
+              <a:t>Acteurs </a:t>
+            </a:r>
+          </a:p>
+          <a:p>
+            <a:pPr lvl="1"/>
+            <a:r>
+              <a:rPr lang="fr-FR" dirty="0"/>
+              <a:t>Réalisateur </a:t>
+            </a:r>
+          </a:p>
+          <a:p>
+            <a:pPr lvl="1"/>
+            <a:r>
+              <a:rPr lang="fr-FR" dirty="0"/>
+              <a:t>…</a:t>
+            </a:r>
+          </a:p>
+        </p:txBody>
+      </p:sp>
+    </p:spTree>
+    <p:extLst>
+      <p:ext uri="{BB962C8B-B14F-4D97-AF65-F5344CB8AC3E}">
+        <p14:creationId xmlns:p14="http://schemas.microsoft.com/office/powerpoint/2010/main" val="3964862289"/>
+      </p:ext>
+    </p:extLst>
+  </p:cSld>
+  <p:clrMapOvr>
+    <a:masterClrMapping/>
+  </p:clrMapOvr>
+</p:sld>
+</file>
+
+<file path=ppt/slides/slide38.xml><?xml version="1.0" encoding="utf-8"?>
 <p:sld xmlns:a="http://schemas.openxmlformats.org/drawingml/2006/main" xmlns:r="http://schemas.openxmlformats.org/officeDocument/2006/relationships" xmlns:p="http://schemas.openxmlformats.org/presentationml/2006/main">
   <p:cSld>
     <p:spTree>
@@ -13281,12 +14195,8 @@
           </a:p>
           <a:p>
             <a:r>
-              <a:rPr lang="fr-FR" dirty="0" err="1"/>
-              <a:t>Feature</a:t>
-            </a:r>
-            <a:r>
               <a:rPr lang="fr-FR" dirty="0"/>
-              <a:t> inutile</a:t>
+              <a:t>Features inutiles</a:t>
             </a:r>
           </a:p>
           <a:p>

--- a/Rapport/Moteur de recommandations de films.pptx
+++ b/Rapport/Moteur de recommandations de films.pptx
@@ -5,7 +5,7 @@
     <p:sldMasterId id="2147483648" r:id="rId1"/>
   </p:sldMasterIdLst>
   <p:notesMasterIdLst>
-    <p:notesMasterId r:id="rId40"/>
+    <p:notesMasterId r:id="rId37"/>
   </p:notesMasterIdLst>
   <p:sldIdLst>
     <p:sldId id="256" r:id="rId2"/>
@@ -23,29 +23,26 @@
     <p:sldId id="304" r:id="rId14"/>
     <p:sldId id="279" r:id="rId15"/>
     <p:sldId id="282" r:id="rId16"/>
-    <p:sldId id="283" r:id="rId17"/>
-    <p:sldId id="301" r:id="rId18"/>
-    <p:sldId id="280" r:id="rId19"/>
-    <p:sldId id="286" r:id="rId20"/>
-    <p:sldId id="281" r:id="rId21"/>
-    <p:sldId id="264" r:id="rId22"/>
-    <p:sldId id="288" r:id="rId23"/>
-    <p:sldId id="289" r:id="rId24"/>
-    <p:sldId id="290" r:id="rId25"/>
-    <p:sldId id="291" r:id="rId26"/>
-    <p:sldId id="276" r:id="rId27"/>
-    <p:sldId id="292" r:id="rId28"/>
-    <p:sldId id="270" r:id="rId29"/>
-    <p:sldId id="294" r:id="rId30"/>
-    <p:sldId id="295" r:id="rId31"/>
-    <p:sldId id="299" r:id="rId32"/>
-    <p:sldId id="298" r:id="rId33"/>
-    <p:sldId id="297" r:id="rId34"/>
-    <p:sldId id="269" r:id="rId35"/>
-    <p:sldId id="302" r:id="rId36"/>
-    <p:sldId id="303" r:id="rId37"/>
-    <p:sldId id="307" r:id="rId38"/>
-    <p:sldId id="306" r:id="rId39"/>
+    <p:sldId id="301" r:id="rId17"/>
+    <p:sldId id="280" r:id="rId18"/>
+    <p:sldId id="286" r:id="rId19"/>
+    <p:sldId id="264" r:id="rId20"/>
+    <p:sldId id="288" r:id="rId21"/>
+    <p:sldId id="289" r:id="rId22"/>
+    <p:sldId id="290" r:id="rId23"/>
+    <p:sldId id="276" r:id="rId24"/>
+    <p:sldId id="292" r:id="rId25"/>
+    <p:sldId id="270" r:id="rId26"/>
+    <p:sldId id="294" r:id="rId27"/>
+    <p:sldId id="295" r:id="rId28"/>
+    <p:sldId id="299" r:id="rId29"/>
+    <p:sldId id="298" r:id="rId30"/>
+    <p:sldId id="297" r:id="rId31"/>
+    <p:sldId id="269" r:id="rId32"/>
+    <p:sldId id="308" r:id="rId33"/>
+    <p:sldId id="303" r:id="rId34"/>
+    <p:sldId id="307" r:id="rId35"/>
+    <p:sldId id="306" r:id="rId36"/>
   </p:sldIdLst>
   <p:sldSz cx="12192000" cy="6858000"/>
   <p:notesSz cx="6858000" cy="9144000"/>
@@ -1626,119 +1623,6 @@
       </p:grpSpPr>
       <p:sp>
         <p:nvSpPr>
-          <p:cNvPr id="2" name="Espace réservé de l'image des diapositives 1"/>
-          <p:cNvSpPr>
-            <a:spLocks noGrp="1" noRot="1" noChangeAspect="1"/>
-          </p:cNvSpPr>
-          <p:nvPr>
-            <p:ph type="sldImg"/>
-          </p:nvPr>
-        </p:nvSpPr>
-        <p:spPr/>
-      </p:sp>
-      <p:sp>
-        <p:nvSpPr>
-          <p:cNvPr id="3" name="Espace réservé des notes 2"/>
-          <p:cNvSpPr>
-            <a:spLocks noGrp="1"/>
-          </p:cNvSpPr>
-          <p:nvPr>
-            <p:ph type="body" idx="1"/>
-          </p:nvPr>
-        </p:nvSpPr>
-        <p:spPr/>
-        <p:txBody>
-          <a:bodyPr/>
-          <a:lstStyle/>
-          <a:p>
-            <a:pPr marL="0" marR="0" lvl="0" indent="0" algn="l" defTabSz="914400" rtl="0" eaLnBrk="1" fontAlgn="base" latinLnBrk="0" hangingPunct="1">
-              <a:lnSpc>
-                <a:spcPct val="100000"/>
-              </a:lnSpc>
-              <a:spcBef>
-                <a:spcPct val="30000"/>
-              </a:spcBef>
-              <a:spcAft>
-                <a:spcPct val="0"/>
-              </a:spcAft>
-              <a:buClrTx/>
-              <a:buSzTx/>
-              <a:buFontTx/>
-              <a:buNone/>
-              <a:tabLst/>
-              <a:defRPr/>
-            </a:pPr>
-            <a:r>
-              <a:rPr lang="fr-FR" altLang="fr-FR" dirty="0"/>
-              <a:t>Les 2 directions ppales n’expliquent plus rien du tout</a:t>
-            </a:r>
-          </a:p>
-          <a:p>
-            <a:endParaRPr lang="fr-FR" dirty="0"/>
-          </a:p>
-        </p:txBody>
-      </p:sp>
-      <p:sp>
-        <p:nvSpPr>
-          <p:cNvPr id="4" name="Espace réservé du numéro de diapositive 3"/>
-          <p:cNvSpPr>
-            <a:spLocks noGrp="1"/>
-          </p:cNvSpPr>
-          <p:nvPr>
-            <p:ph type="sldNum" sz="quarter" idx="10"/>
-          </p:nvPr>
-        </p:nvSpPr>
-        <p:spPr/>
-        <p:txBody>
-          <a:bodyPr/>
-          <a:lstStyle/>
-          <a:p>
-            <a:pPr>
-              <a:defRPr/>
-            </a:pPr>
-            <a:fld id="{CC32C800-F1EC-4563-A4CB-7BFB6B498BC5}" type="slidenum">
-              <a:rPr lang="fr-FR" smtClean="0"/>
-              <a:pPr>
-                <a:defRPr/>
-              </a:pPr>
-              <a:t>16</a:t>
-            </a:fld>
-            <a:endParaRPr lang="fr-FR"/>
-          </a:p>
-        </p:txBody>
-      </p:sp>
-    </p:spTree>
-    <p:extLst>
-      <p:ext uri="{BB962C8B-B14F-4D97-AF65-F5344CB8AC3E}">
-        <p14:creationId xmlns:p14="http://schemas.microsoft.com/office/powerpoint/2010/main" val="350297072"/>
-      </p:ext>
-    </p:extLst>
-  </p:cSld>
-  <p:clrMapOvr>
-    <a:masterClrMapping/>
-  </p:clrMapOvr>
-</p:notes>
-</file>
-
-<file path=ppt/notesSlides/notesSlide15.xml><?xml version="1.0" encoding="utf-8"?>
-<p:notes xmlns:a="http://schemas.openxmlformats.org/drawingml/2006/main" xmlns:r="http://schemas.openxmlformats.org/officeDocument/2006/relationships" xmlns:p="http://schemas.openxmlformats.org/presentationml/2006/main">
-  <p:cSld>
-    <p:spTree>
-      <p:nvGrpSpPr>
-        <p:cNvPr id="1" name=""/>
-        <p:cNvGrpSpPr/>
-        <p:nvPr/>
-      </p:nvGrpSpPr>
-      <p:grpSpPr>
-        <a:xfrm>
-          <a:off x="0" y="0"/>
-          <a:ext cx="0" cy="0"/>
-          <a:chOff x="0" y="0"/>
-          <a:chExt cx="0" cy="0"/>
-        </a:xfrm>
-      </p:grpSpPr>
-      <p:sp>
-        <p:nvSpPr>
           <p:cNvPr id="24578" name="Espace réservé de l'image des diapositives 1">
             <a:extLst>
               <a:ext uri="{FF2B5EF4-FFF2-40B4-BE49-F238E27FC236}">
@@ -1993,13 +1877,112 @@
                   <a:spcPct val="0"/>
                 </a:spcAft>
               </a:pPr>
+              <a:t>16</a:t>
+            </a:fld>
+            <a:endParaRPr lang="fr-FR" altLang="fr-FR"/>
+          </a:p>
+        </p:txBody>
+      </p:sp>
+    </p:spTree>
+  </p:cSld>
+  <p:clrMapOvr>
+    <a:masterClrMapping/>
+  </p:clrMapOvr>
+</p:notes>
+</file>
+
+<file path=ppt/notesSlides/notesSlide15.xml><?xml version="1.0" encoding="utf-8"?>
+<p:notes xmlns:a="http://schemas.openxmlformats.org/drawingml/2006/main" xmlns:r="http://schemas.openxmlformats.org/officeDocument/2006/relationships" xmlns:p="http://schemas.openxmlformats.org/presentationml/2006/main">
+  <p:cSld>
+    <p:spTree>
+      <p:nvGrpSpPr>
+        <p:cNvPr id="1" name=""/>
+        <p:cNvGrpSpPr/>
+        <p:nvPr/>
+      </p:nvGrpSpPr>
+      <p:grpSpPr>
+        <a:xfrm>
+          <a:off x="0" y="0"/>
+          <a:ext cx="0" cy="0"/>
+          <a:chOff x="0" y="0"/>
+          <a:chExt cx="0" cy="0"/>
+        </a:xfrm>
+      </p:grpSpPr>
+      <p:sp>
+        <p:nvSpPr>
+          <p:cNvPr id="2" name="Espace réservé de l'image des diapositives 1"/>
+          <p:cNvSpPr>
+            <a:spLocks noGrp="1" noRot="1" noChangeAspect="1"/>
+          </p:cNvSpPr>
+          <p:nvPr>
+            <p:ph type="sldImg"/>
+          </p:nvPr>
+        </p:nvSpPr>
+        <p:spPr/>
+      </p:sp>
+      <p:sp>
+        <p:nvSpPr>
+          <p:cNvPr id="3" name="Espace réservé des notes 2"/>
+          <p:cNvSpPr>
+            <a:spLocks noGrp="1"/>
+          </p:cNvSpPr>
+          <p:nvPr>
+            <p:ph type="body" idx="1"/>
+          </p:nvPr>
+        </p:nvSpPr>
+        <p:spPr/>
+        <p:txBody>
+          <a:bodyPr/>
+          <a:lstStyle/>
+          <a:p>
+            <a:r>
+              <a:rPr lang="fr-FR" dirty="0"/>
+              <a:t>Meilleur k=3, mais coef &lt; 0.2</a:t>
+            </a:r>
+          </a:p>
+          <a:p>
+            <a:r>
+              <a:rPr lang="fr-FR" dirty="0"/>
+              <a:t>ne veut rien dire pour classer des films</a:t>
+            </a:r>
+          </a:p>
+        </p:txBody>
+      </p:sp>
+      <p:sp>
+        <p:nvSpPr>
+          <p:cNvPr id="4" name="Espace réservé du numéro de diapositive 3"/>
+          <p:cNvSpPr>
+            <a:spLocks noGrp="1"/>
+          </p:cNvSpPr>
+          <p:nvPr>
+            <p:ph type="sldNum" sz="quarter" idx="10"/>
+          </p:nvPr>
+        </p:nvSpPr>
+        <p:spPr/>
+        <p:txBody>
+          <a:bodyPr/>
+          <a:lstStyle/>
+          <a:p>
+            <a:pPr>
+              <a:defRPr/>
+            </a:pPr>
+            <a:fld id="{CC32C800-F1EC-4563-A4CB-7BFB6B498BC5}" type="slidenum">
+              <a:rPr lang="fr-FR" smtClean="0"/>
+              <a:pPr>
+                <a:defRPr/>
+              </a:pPr>
               <a:t>17</a:t>
             </a:fld>
-            <a:endParaRPr lang="fr-FR" altLang="fr-FR"/>
+            <a:endParaRPr lang="fr-FR"/>
           </a:p>
         </p:txBody>
       </p:sp>
     </p:spTree>
+    <p:extLst>
+      <p:ext uri="{BB962C8B-B14F-4D97-AF65-F5344CB8AC3E}">
+        <p14:creationId xmlns:p14="http://schemas.microsoft.com/office/powerpoint/2010/main" val="1486696292"/>
+      </p:ext>
+    </p:extLst>
   </p:cSld>
   <p:clrMapOvr>
     <a:masterClrMapping/>
@@ -2053,13 +2036,7 @@
           <a:p>
             <a:r>
               <a:rPr lang="fr-FR" dirty="0"/>
-              <a:t>Meilleur k=3, mais coef &lt; 0.2</a:t>
-            </a:r>
-          </a:p>
-          <a:p>
-            <a:r>
-              <a:rPr lang="fr-FR" dirty="0"/>
-              <a:t>ne veut rien dire pour classer des films</a:t>
+              <a:t>Pas mieux</a:t>
             </a:r>
           </a:p>
         </p:txBody>
@@ -2088,99 +2065,6 @@
                 <a:defRPr/>
               </a:pPr>
               <a:t>18</a:t>
-            </a:fld>
-            <a:endParaRPr lang="fr-FR"/>
-          </a:p>
-        </p:txBody>
-      </p:sp>
-    </p:spTree>
-    <p:extLst>
-      <p:ext uri="{BB962C8B-B14F-4D97-AF65-F5344CB8AC3E}">
-        <p14:creationId xmlns:p14="http://schemas.microsoft.com/office/powerpoint/2010/main" val="1486696292"/>
-      </p:ext>
-    </p:extLst>
-  </p:cSld>
-  <p:clrMapOvr>
-    <a:masterClrMapping/>
-  </p:clrMapOvr>
-</p:notes>
-</file>
-
-<file path=ppt/notesSlides/notesSlide17.xml><?xml version="1.0" encoding="utf-8"?>
-<p:notes xmlns:a="http://schemas.openxmlformats.org/drawingml/2006/main" xmlns:r="http://schemas.openxmlformats.org/officeDocument/2006/relationships" xmlns:p="http://schemas.openxmlformats.org/presentationml/2006/main">
-  <p:cSld>
-    <p:spTree>
-      <p:nvGrpSpPr>
-        <p:cNvPr id="1" name=""/>
-        <p:cNvGrpSpPr/>
-        <p:nvPr/>
-      </p:nvGrpSpPr>
-      <p:grpSpPr>
-        <a:xfrm>
-          <a:off x="0" y="0"/>
-          <a:ext cx="0" cy="0"/>
-          <a:chOff x="0" y="0"/>
-          <a:chExt cx="0" cy="0"/>
-        </a:xfrm>
-      </p:grpSpPr>
-      <p:sp>
-        <p:nvSpPr>
-          <p:cNvPr id="2" name="Espace réservé de l'image des diapositives 1"/>
-          <p:cNvSpPr>
-            <a:spLocks noGrp="1" noRot="1" noChangeAspect="1"/>
-          </p:cNvSpPr>
-          <p:nvPr>
-            <p:ph type="sldImg"/>
-          </p:nvPr>
-        </p:nvSpPr>
-        <p:spPr/>
-      </p:sp>
-      <p:sp>
-        <p:nvSpPr>
-          <p:cNvPr id="3" name="Espace réservé des notes 2"/>
-          <p:cNvSpPr>
-            <a:spLocks noGrp="1"/>
-          </p:cNvSpPr>
-          <p:nvPr>
-            <p:ph type="body" idx="1"/>
-          </p:nvPr>
-        </p:nvSpPr>
-        <p:spPr/>
-        <p:txBody>
-          <a:bodyPr/>
-          <a:lstStyle/>
-          <a:p>
-            <a:r>
-              <a:rPr lang="fr-FR" dirty="0"/>
-              <a:t>Pas mieux</a:t>
-            </a:r>
-          </a:p>
-        </p:txBody>
-      </p:sp>
-      <p:sp>
-        <p:nvSpPr>
-          <p:cNvPr id="4" name="Espace réservé du numéro de diapositive 3"/>
-          <p:cNvSpPr>
-            <a:spLocks noGrp="1"/>
-          </p:cNvSpPr>
-          <p:nvPr>
-            <p:ph type="sldNum" sz="quarter" idx="10"/>
-          </p:nvPr>
-        </p:nvSpPr>
-        <p:spPr/>
-        <p:txBody>
-          <a:bodyPr/>
-          <a:lstStyle/>
-          <a:p>
-            <a:pPr>
-              <a:defRPr/>
-            </a:pPr>
-            <a:fld id="{CC32C800-F1EC-4563-A4CB-7BFB6B498BC5}" type="slidenum">
-              <a:rPr lang="fr-FR" smtClean="0"/>
-              <a:pPr>
-                <a:defRPr/>
-              </a:pPr>
-              <a:t>19</a:t>
             </a:fld>
             <a:endParaRPr lang="fr-FR"/>
           </a:p>
@@ -2199,7 +2083,7 @@
 </p:notes>
 </file>
 
-<file path=ppt/notesSlides/notesSlide18.xml><?xml version="1.0" encoding="utf-8"?>
+<file path=ppt/notesSlides/notesSlide17.xml><?xml version="1.0" encoding="utf-8"?>
 <p:notes xmlns:a="http://schemas.openxmlformats.org/drawingml/2006/main" xmlns:r="http://schemas.openxmlformats.org/officeDocument/2006/relationships" xmlns:p="http://schemas.openxmlformats.org/presentationml/2006/main">
   <p:cSld>
     <p:spTree>
@@ -2472,13 +2356,741 @@
                   <a:spcPct val="0"/>
                 </a:spcAft>
               </a:pPr>
-              <a:t>22</a:t>
+              <a:t>20</a:t>
             </a:fld>
             <a:endParaRPr lang="fr-FR" altLang="fr-FR"/>
           </a:p>
         </p:txBody>
       </p:sp>
     </p:spTree>
+  </p:cSld>
+  <p:clrMapOvr>
+    <a:masterClrMapping/>
+  </p:clrMapOvr>
+</p:notes>
+</file>
+
+<file path=ppt/notesSlides/notesSlide18.xml><?xml version="1.0" encoding="utf-8"?>
+<p:notes xmlns:a="http://schemas.openxmlformats.org/drawingml/2006/main" xmlns:r="http://schemas.openxmlformats.org/officeDocument/2006/relationships" xmlns:p="http://schemas.openxmlformats.org/presentationml/2006/main">
+  <p:cSld>
+    <p:spTree>
+      <p:nvGrpSpPr>
+        <p:cNvPr id="1" name=""/>
+        <p:cNvGrpSpPr/>
+        <p:nvPr/>
+      </p:nvGrpSpPr>
+      <p:grpSpPr>
+        <a:xfrm>
+          <a:off x="0" y="0"/>
+          <a:ext cx="0" cy="0"/>
+          <a:chOff x="0" y="0"/>
+          <a:chExt cx="0" cy="0"/>
+        </a:xfrm>
+      </p:grpSpPr>
+      <p:sp>
+        <p:nvSpPr>
+          <p:cNvPr id="2" name="Espace réservé de l'image des diapositives 1"/>
+          <p:cNvSpPr>
+            <a:spLocks noGrp="1" noRot="1" noChangeAspect="1"/>
+          </p:cNvSpPr>
+          <p:nvPr>
+            <p:ph type="sldImg"/>
+          </p:nvPr>
+        </p:nvSpPr>
+        <p:spPr/>
+      </p:sp>
+      <p:sp>
+        <p:nvSpPr>
+          <p:cNvPr id="3" name="Espace réservé des notes 2"/>
+          <p:cNvSpPr>
+            <a:spLocks noGrp="1"/>
+          </p:cNvSpPr>
+          <p:nvPr>
+            <p:ph type="body" idx="1"/>
+          </p:nvPr>
+        </p:nvSpPr>
+        <p:spPr/>
+        <p:txBody>
+          <a:bodyPr/>
+          <a:lstStyle/>
+          <a:p>
+            <a:r>
+              <a:rPr lang="fr-FR" dirty="0" err="1"/>
+              <a:t>Cosine</a:t>
+            </a:r>
+            <a:r>
+              <a:rPr lang="fr-FR" dirty="0"/>
+              <a:t> </a:t>
+            </a:r>
+            <a:r>
+              <a:rPr lang="fr-FR" dirty="0" err="1"/>
+              <a:t>similarity</a:t>
+            </a:r>
+            <a:r>
+              <a:rPr lang="fr-FR" dirty="0"/>
+              <a:t> = corrélation de Pearson = </a:t>
+            </a:r>
+            <a:r>
+              <a:rPr lang="fr-FR" dirty="0" err="1"/>
+              <a:t>cosine</a:t>
+            </a:r>
+            <a:r>
+              <a:rPr lang="fr-FR" dirty="0"/>
+              <a:t> kernel = </a:t>
+            </a:r>
+            <a:r>
+              <a:rPr lang="fr-FR" dirty="0" err="1"/>
+              <a:t>u.v</a:t>
+            </a:r>
+            <a:r>
+              <a:rPr lang="fr-FR" dirty="0"/>
+              <a:t> / ||u||.||v||</a:t>
+            </a:r>
+          </a:p>
+          <a:p>
+            <a:r>
+              <a:rPr lang="fr-FR" dirty="0" err="1"/>
+              <a:t>Linear</a:t>
+            </a:r>
+            <a:r>
+              <a:rPr lang="fr-FR" dirty="0"/>
+              <a:t> kernel = </a:t>
+            </a:r>
+            <a:r>
+              <a:rPr lang="fr-FR" dirty="0" err="1"/>
+              <a:t>u.v</a:t>
+            </a:r>
+            <a:endParaRPr lang="fr-FR" dirty="0"/>
+          </a:p>
+          <a:p>
+            <a:r>
+              <a:rPr lang="fr-FR" dirty="0">
+                <a:effectLst/>
+              </a:rPr>
+              <a:t>Chi2 kernel = e(-</a:t>
+            </a:r>
+            <a:r>
+              <a:rPr lang="fr-FR" dirty="0" err="1">
+                <a:effectLst/>
+              </a:rPr>
+              <a:t>gamma.somme</a:t>
+            </a:r>
+            <a:r>
+              <a:rPr lang="fr-FR" dirty="0">
+                <a:effectLst/>
+              </a:rPr>
+              <a:t>((x²-y²)/(</a:t>
+            </a:r>
+            <a:r>
+              <a:rPr lang="fr-FR" dirty="0" err="1">
+                <a:effectLst/>
+              </a:rPr>
+              <a:t>x+y</a:t>
+            </a:r>
+            <a:r>
+              <a:rPr lang="fr-FR" dirty="0">
+                <a:effectLst/>
+              </a:rPr>
+              <a:t>))</a:t>
+            </a:r>
+          </a:p>
+          <a:p>
+            <a:r>
+              <a:rPr lang="fr-FR" dirty="0">
+                <a:effectLst/>
+              </a:rPr>
+              <a:t>Polynomial, </a:t>
+            </a:r>
+            <a:r>
+              <a:rPr lang="fr-FR" dirty="0" err="1">
+                <a:effectLst/>
+              </a:rPr>
+              <a:t>sigmoid</a:t>
+            </a:r>
+            <a:r>
+              <a:rPr lang="fr-FR" dirty="0">
+                <a:effectLst/>
+              </a:rPr>
+              <a:t>, RBF, </a:t>
+            </a:r>
+            <a:r>
+              <a:rPr lang="fr-FR" dirty="0" err="1">
+                <a:effectLst/>
+              </a:rPr>
+              <a:t>Laplacian</a:t>
+            </a:r>
+            <a:endParaRPr lang="fr-FR" dirty="0">
+              <a:effectLst/>
+            </a:endParaRPr>
+          </a:p>
+          <a:p>
+            <a:endParaRPr lang="fr-FR" dirty="0">
+              <a:effectLst/>
+            </a:endParaRPr>
+          </a:p>
+          <a:p>
+            <a:r>
+              <a:rPr lang="fr-FR" dirty="0">
+                <a:effectLst/>
+              </a:rPr>
+              <a:t>N : </a:t>
+            </a:r>
+            <a:r>
+              <a:rPr lang="fr-FR" dirty="0" err="1">
+                <a:effectLst/>
+              </a:rPr>
+              <a:t>number</a:t>
+            </a:r>
+            <a:r>
+              <a:rPr lang="fr-FR" dirty="0">
+                <a:effectLst/>
+              </a:rPr>
+              <a:t> of dimensions</a:t>
+            </a:r>
+          </a:p>
+          <a:p>
+            <a:r>
+              <a:rPr lang="fr-FR" dirty="0">
+                <a:effectLst/>
+              </a:rPr>
+              <a:t>NTT : </a:t>
+            </a:r>
+            <a:r>
+              <a:rPr lang="fr-FR" dirty="0" err="1">
+                <a:effectLst/>
+              </a:rPr>
+              <a:t>number</a:t>
+            </a:r>
+            <a:r>
+              <a:rPr lang="fr-FR" dirty="0">
+                <a:effectLst/>
+              </a:rPr>
+              <a:t> of </a:t>
+            </a:r>
+            <a:r>
+              <a:rPr lang="fr-FR" dirty="0" err="1">
+                <a:effectLst/>
+              </a:rPr>
+              <a:t>dims</a:t>
+            </a:r>
+            <a:r>
+              <a:rPr lang="fr-FR" dirty="0">
+                <a:effectLst/>
+              </a:rPr>
+              <a:t> in </a:t>
+            </a:r>
+            <a:r>
+              <a:rPr lang="fr-FR" dirty="0" err="1">
+                <a:effectLst/>
+              </a:rPr>
+              <a:t>which</a:t>
+            </a:r>
+            <a:r>
+              <a:rPr lang="fr-FR" dirty="0">
+                <a:effectLst/>
+              </a:rPr>
+              <a:t> </a:t>
+            </a:r>
+            <a:r>
+              <a:rPr lang="fr-FR" dirty="0" err="1">
+                <a:effectLst/>
+              </a:rPr>
+              <a:t>both</a:t>
+            </a:r>
+            <a:r>
+              <a:rPr lang="fr-FR" dirty="0">
+                <a:effectLst/>
+              </a:rPr>
+              <a:t> values are </a:t>
+            </a:r>
+            <a:r>
+              <a:rPr lang="fr-FR" dirty="0" err="1">
+                <a:effectLst/>
+              </a:rPr>
+              <a:t>True</a:t>
+            </a:r>
+            <a:endParaRPr lang="fr-FR" dirty="0">
+              <a:effectLst/>
+            </a:endParaRPr>
+          </a:p>
+          <a:p>
+            <a:r>
+              <a:rPr lang="fr-FR" dirty="0">
+                <a:effectLst/>
+              </a:rPr>
+              <a:t>NTF : </a:t>
+            </a:r>
+            <a:r>
+              <a:rPr lang="fr-FR" dirty="0" err="1">
+                <a:effectLst/>
+              </a:rPr>
+              <a:t>number</a:t>
+            </a:r>
+            <a:r>
+              <a:rPr lang="fr-FR" dirty="0">
+                <a:effectLst/>
+              </a:rPr>
+              <a:t> of </a:t>
+            </a:r>
+            <a:r>
+              <a:rPr lang="fr-FR" dirty="0" err="1">
+                <a:effectLst/>
+              </a:rPr>
+              <a:t>dims</a:t>
+            </a:r>
+            <a:r>
+              <a:rPr lang="fr-FR" dirty="0">
+                <a:effectLst/>
+              </a:rPr>
+              <a:t> in </a:t>
+            </a:r>
+            <a:r>
+              <a:rPr lang="fr-FR" dirty="0" err="1">
+                <a:effectLst/>
+              </a:rPr>
+              <a:t>which</a:t>
+            </a:r>
+            <a:r>
+              <a:rPr lang="fr-FR" dirty="0">
+                <a:effectLst/>
+              </a:rPr>
+              <a:t> the first value </a:t>
+            </a:r>
+            <a:r>
+              <a:rPr lang="fr-FR" dirty="0" err="1">
+                <a:effectLst/>
+              </a:rPr>
+              <a:t>is</a:t>
+            </a:r>
+            <a:r>
+              <a:rPr lang="fr-FR" dirty="0">
+                <a:effectLst/>
+              </a:rPr>
+              <a:t> </a:t>
+            </a:r>
+            <a:r>
+              <a:rPr lang="fr-FR" dirty="0" err="1">
+                <a:effectLst/>
+              </a:rPr>
+              <a:t>True</a:t>
+            </a:r>
+            <a:r>
+              <a:rPr lang="fr-FR" dirty="0">
+                <a:effectLst/>
+              </a:rPr>
+              <a:t>, second </a:t>
+            </a:r>
+            <a:r>
+              <a:rPr lang="fr-FR" dirty="0" err="1">
+                <a:effectLst/>
+              </a:rPr>
+              <a:t>is</a:t>
+            </a:r>
+            <a:r>
+              <a:rPr lang="fr-FR" dirty="0">
+                <a:effectLst/>
+              </a:rPr>
+              <a:t> False</a:t>
+            </a:r>
+          </a:p>
+          <a:p>
+            <a:r>
+              <a:rPr lang="fr-FR" dirty="0">
+                <a:effectLst/>
+              </a:rPr>
+              <a:t>NFT : </a:t>
+            </a:r>
+            <a:r>
+              <a:rPr lang="fr-FR" dirty="0" err="1">
+                <a:effectLst/>
+              </a:rPr>
+              <a:t>number</a:t>
+            </a:r>
+            <a:r>
+              <a:rPr lang="fr-FR" dirty="0">
+                <a:effectLst/>
+              </a:rPr>
+              <a:t> of </a:t>
+            </a:r>
+            <a:r>
+              <a:rPr lang="fr-FR" dirty="0" err="1">
+                <a:effectLst/>
+              </a:rPr>
+              <a:t>dims</a:t>
+            </a:r>
+            <a:r>
+              <a:rPr lang="fr-FR" dirty="0">
+                <a:effectLst/>
+              </a:rPr>
+              <a:t> in </a:t>
+            </a:r>
+            <a:r>
+              <a:rPr lang="fr-FR" dirty="0" err="1">
+                <a:effectLst/>
+              </a:rPr>
+              <a:t>which</a:t>
+            </a:r>
+            <a:r>
+              <a:rPr lang="fr-FR" dirty="0">
+                <a:effectLst/>
+              </a:rPr>
+              <a:t> the first value </a:t>
+            </a:r>
+            <a:r>
+              <a:rPr lang="fr-FR" dirty="0" err="1">
+                <a:effectLst/>
+              </a:rPr>
+              <a:t>is</a:t>
+            </a:r>
+            <a:r>
+              <a:rPr lang="fr-FR" dirty="0">
+                <a:effectLst/>
+              </a:rPr>
+              <a:t> False, second </a:t>
+            </a:r>
+            <a:r>
+              <a:rPr lang="fr-FR" dirty="0" err="1">
+                <a:effectLst/>
+              </a:rPr>
+              <a:t>is</a:t>
+            </a:r>
+            <a:r>
+              <a:rPr lang="fr-FR" dirty="0">
+                <a:effectLst/>
+              </a:rPr>
+              <a:t> </a:t>
+            </a:r>
+            <a:r>
+              <a:rPr lang="fr-FR" dirty="0" err="1">
+                <a:effectLst/>
+              </a:rPr>
+              <a:t>True</a:t>
+            </a:r>
+            <a:endParaRPr lang="fr-FR" dirty="0">
+              <a:effectLst/>
+            </a:endParaRPr>
+          </a:p>
+          <a:p>
+            <a:r>
+              <a:rPr lang="fr-FR" dirty="0">
+                <a:effectLst/>
+              </a:rPr>
+              <a:t>NFF : </a:t>
+            </a:r>
+            <a:r>
+              <a:rPr lang="fr-FR" dirty="0" err="1">
+                <a:effectLst/>
+              </a:rPr>
+              <a:t>number</a:t>
+            </a:r>
+            <a:r>
+              <a:rPr lang="fr-FR" dirty="0">
+                <a:effectLst/>
+              </a:rPr>
+              <a:t> of </a:t>
+            </a:r>
+            <a:r>
+              <a:rPr lang="fr-FR" dirty="0" err="1">
+                <a:effectLst/>
+              </a:rPr>
+              <a:t>dims</a:t>
+            </a:r>
+            <a:r>
+              <a:rPr lang="fr-FR" dirty="0">
+                <a:effectLst/>
+              </a:rPr>
+              <a:t> in </a:t>
+            </a:r>
+            <a:r>
+              <a:rPr lang="fr-FR" dirty="0" err="1">
+                <a:effectLst/>
+              </a:rPr>
+              <a:t>which</a:t>
+            </a:r>
+            <a:r>
+              <a:rPr lang="fr-FR" dirty="0">
+                <a:effectLst/>
+              </a:rPr>
+              <a:t> </a:t>
+            </a:r>
+            <a:r>
+              <a:rPr lang="fr-FR" dirty="0" err="1">
+                <a:effectLst/>
+              </a:rPr>
+              <a:t>both</a:t>
+            </a:r>
+            <a:r>
+              <a:rPr lang="fr-FR" dirty="0">
+                <a:effectLst/>
+              </a:rPr>
+              <a:t> values are False</a:t>
+            </a:r>
+          </a:p>
+          <a:p>
+            <a:r>
+              <a:rPr lang="fr-FR" dirty="0">
+                <a:effectLst/>
+              </a:rPr>
+              <a:t>NNEQ : </a:t>
+            </a:r>
+            <a:r>
+              <a:rPr lang="fr-FR" dirty="0" err="1">
+                <a:effectLst/>
+              </a:rPr>
+              <a:t>number</a:t>
+            </a:r>
+            <a:r>
+              <a:rPr lang="fr-FR" dirty="0">
+                <a:effectLst/>
+              </a:rPr>
+              <a:t> of non-</a:t>
+            </a:r>
+            <a:r>
+              <a:rPr lang="fr-FR" dirty="0" err="1">
+                <a:effectLst/>
+              </a:rPr>
+              <a:t>equal</a:t>
+            </a:r>
+            <a:r>
+              <a:rPr lang="fr-FR" dirty="0">
+                <a:effectLst/>
+              </a:rPr>
+              <a:t> dimensions, NNEQ = NTF + NFT</a:t>
+            </a:r>
+          </a:p>
+          <a:p>
+            <a:r>
+              <a:rPr lang="fr-FR" dirty="0">
+                <a:effectLst/>
+              </a:rPr>
+              <a:t>NNZ : </a:t>
+            </a:r>
+            <a:r>
+              <a:rPr lang="fr-FR" dirty="0" err="1">
+                <a:effectLst/>
+              </a:rPr>
+              <a:t>number</a:t>
+            </a:r>
+            <a:r>
+              <a:rPr lang="fr-FR" dirty="0">
+                <a:effectLst/>
+              </a:rPr>
+              <a:t> of </a:t>
+            </a:r>
+            <a:r>
+              <a:rPr lang="fr-FR" dirty="0" err="1">
+                <a:effectLst/>
+              </a:rPr>
+              <a:t>nonzero</a:t>
+            </a:r>
+            <a:r>
+              <a:rPr lang="fr-FR" dirty="0">
+                <a:effectLst/>
+              </a:rPr>
+              <a:t> dimensions, NNZ = NTF + NFT + NTT</a:t>
+            </a:r>
+          </a:p>
+          <a:p>
+            <a:r>
+              <a:rPr lang="fr-FR" dirty="0">
+                <a:effectLst/>
+              </a:rPr>
+              <a:t>“</a:t>
+            </a:r>
+            <a:r>
+              <a:rPr lang="fr-FR" dirty="0" err="1">
+                <a:effectLst/>
+              </a:rPr>
+              <a:t>jaccard</a:t>
+            </a:r>
+            <a:r>
+              <a:rPr lang="fr-FR" dirty="0">
+                <a:effectLst/>
+              </a:rPr>
+              <a:t>” NNEQ / NNZ</a:t>
+            </a:r>
+          </a:p>
+          <a:p>
+            <a:r>
+              <a:rPr lang="fr-FR" dirty="0">
+                <a:effectLst/>
+              </a:rPr>
+              <a:t>“</a:t>
+            </a:r>
+            <a:r>
+              <a:rPr lang="fr-FR" dirty="0" err="1">
+                <a:effectLst/>
+              </a:rPr>
+              <a:t>matching</a:t>
+            </a:r>
+            <a:r>
+              <a:rPr lang="fr-FR" dirty="0">
+                <a:effectLst/>
+              </a:rPr>
+              <a:t>” NNEQ / N</a:t>
+            </a:r>
+          </a:p>
+          <a:p>
+            <a:r>
+              <a:rPr lang="fr-FR" b="1" dirty="0">
+                <a:effectLst/>
+              </a:rPr>
+              <a:t>“</a:t>
+            </a:r>
+            <a:r>
+              <a:rPr lang="fr-FR" b="1" dirty="0" err="1">
+                <a:effectLst/>
+              </a:rPr>
+              <a:t>dice</a:t>
+            </a:r>
+            <a:r>
+              <a:rPr lang="fr-FR" b="1" dirty="0">
+                <a:effectLst/>
+              </a:rPr>
+              <a:t>” NNEQ / (NTT + NNZ)</a:t>
+            </a:r>
+          </a:p>
+          <a:p>
+            <a:r>
+              <a:rPr lang="fr-FR" dirty="0">
+                <a:effectLst/>
+              </a:rPr>
+              <a:t>“</a:t>
+            </a:r>
+            <a:r>
+              <a:rPr lang="fr-FR" dirty="0" err="1">
+                <a:effectLst/>
+              </a:rPr>
+              <a:t>kulsinski</a:t>
+            </a:r>
+            <a:r>
+              <a:rPr lang="fr-FR" dirty="0">
+                <a:effectLst/>
+              </a:rPr>
+              <a:t>” (NNEQ + N - NTT) / (NNEQ + N)</a:t>
+            </a:r>
+          </a:p>
+          <a:p>
+            <a:r>
+              <a:rPr lang="fr-FR" dirty="0">
+                <a:effectLst/>
+              </a:rPr>
+              <a:t>“</a:t>
+            </a:r>
+            <a:r>
+              <a:rPr lang="fr-FR" dirty="0" err="1">
+                <a:effectLst/>
+              </a:rPr>
+              <a:t>rogerstanimoto</a:t>
+            </a:r>
+            <a:r>
+              <a:rPr lang="fr-FR" dirty="0">
+                <a:effectLst/>
+              </a:rPr>
+              <a:t>” 2 * NNEQ / (N + NNEQ)</a:t>
+            </a:r>
+          </a:p>
+          <a:p>
+            <a:r>
+              <a:rPr lang="fr-FR" dirty="0">
+                <a:effectLst/>
+              </a:rPr>
+              <a:t>“</a:t>
+            </a:r>
+            <a:r>
+              <a:rPr lang="fr-FR" dirty="0" err="1">
+                <a:effectLst/>
+              </a:rPr>
+              <a:t>russellrao</a:t>
+            </a:r>
+            <a:r>
+              <a:rPr lang="fr-FR" dirty="0">
+                <a:effectLst/>
+              </a:rPr>
+              <a:t>” NNZ / N</a:t>
+            </a:r>
+          </a:p>
+          <a:p>
+            <a:r>
+              <a:rPr lang="fr-FR" dirty="0">
+                <a:effectLst/>
+              </a:rPr>
+              <a:t>“</a:t>
+            </a:r>
+            <a:r>
+              <a:rPr lang="fr-FR" dirty="0" err="1">
+                <a:effectLst/>
+              </a:rPr>
+              <a:t>sokalmichener</a:t>
+            </a:r>
+            <a:r>
+              <a:rPr lang="fr-FR" dirty="0">
+                <a:effectLst/>
+              </a:rPr>
+              <a:t>” 2 * NNEQ / (N + NNEQ)</a:t>
+            </a:r>
+          </a:p>
+          <a:p>
+            <a:r>
+              <a:rPr lang="fr-FR" dirty="0">
+                <a:effectLst/>
+              </a:rPr>
+              <a:t>“</a:t>
+            </a:r>
+            <a:r>
+              <a:rPr lang="fr-FR" dirty="0" err="1">
+                <a:effectLst/>
+              </a:rPr>
+              <a:t>sokalsneath</a:t>
+            </a:r>
+            <a:r>
+              <a:rPr lang="fr-FR" dirty="0">
+                <a:effectLst/>
+              </a:rPr>
+              <a:t>” NNEQ / (NNEQ + 0.5 * NTT)</a:t>
+            </a:r>
+            <a:br>
+              <a:rPr lang="fr-FR" dirty="0"/>
+            </a:br>
+            <a:endParaRPr lang="fr-FR" dirty="0"/>
+          </a:p>
+        </p:txBody>
+      </p:sp>
+      <p:sp>
+        <p:nvSpPr>
+          <p:cNvPr id="4" name="Espace réservé du numéro de diapositive 3"/>
+          <p:cNvSpPr>
+            <a:spLocks noGrp="1"/>
+          </p:cNvSpPr>
+          <p:nvPr>
+            <p:ph type="sldNum" sz="quarter" idx="10"/>
+          </p:nvPr>
+        </p:nvSpPr>
+        <p:spPr/>
+        <p:txBody>
+          <a:bodyPr/>
+          <a:lstStyle/>
+          <a:p>
+            <a:pPr>
+              <a:defRPr/>
+            </a:pPr>
+            <a:fld id="{CC32C800-F1EC-4563-A4CB-7BFB6B498BC5}" type="slidenum">
+              <a:rPr lang="fr-FR" smtClean="0"/>
+              <a:pPr>
+                <a:defRPr/>
+              </a:pPr>
+              <a:t>26</a:t>
+            </a:fld>
+            <a:endParaRPr lang="fr-FR"/>
+          </a:p>
+        </p:txBody>
+      </p:sp>
+    </p:spTree>
+    <p:extLst>
+      <p:ext uri="{BB962C8B-B14F-4D97-AF65-F5344CB8AC3E}">
+        <p14:creationId xmlns:p14="http://schemas.microsoft.com/office/powerpoint/2010/main" val="2765459891"/>
+      </p:ext>
+    </p:extLst>
   </p:cSld>
   <p:clrMapOvr>
     <a:masterClrMapping/>
@@ -2505,847 +3117,6 @@
       </p:grpSpPr>
       <p:sp>
         <p:nvSpPr>
-          <p:cNvPr id="2" name="Espace réservé de l'image des diapositives 1"/>
-          <p:cNvSpPr>
-            <a:spLocks noGrp="1" noRot="1" noChangeAspect="1"/>
-          </p:cNvSpPr>
-          <p:nvPr>
-            <p:ph type="sldImg"/>
-          </p:nvPr>
-        </p:nvSpPr>
-        <p:spPr/>
-      </p:sp>
-      <p:sp>
-        <p:nvSpPr>
-          <p:cNvPr id="3" name="Espace réservé des notes 2"/>
-          <p:cNvSpPr>
-            <a:spLocks noGrp="1"/>
-          </p:cNvSpPr>
-          <p:nvPr>
-            <p:ph type="body" idx="1"/>
-          </p:nvPr>
-        </p:nvSpPr>
-        <p:spPr/>
-        <p:txBody>
-          <a:bodyPr/>
-          <a:lstStyle/>
-          <a:p>
-            <a:r>
-              <a:rPr lang="fr-FR" dirty="0" err="1"/>
-              <a:t>Cosine</a:t>
-            </a:r>
-            <a:r>
-              <a:rPr lang="fr-FR" dirty="0"/>
-              <a:t> </a:t>
-            </a:r>
-            <a:r>
-              <a:rPr lang="fr-FR" dirty="0" err="1"/>
-              <a:t>similarity</a:t>
-            </a:r>
-            <a:r>
-              <a:rPr lang="fr-FR" dirty="0"/>
-              <a:t> = corrélation de Pearson = </a:t>
-            </a:r>
-            <a:r>
-              <a:rPr lang="fr-FR" dirty="0" err="1"/>
-              <a:t>cosine</a:t>
-            </a:r>
-            <a:r>
-              <a:rPr lang="fr-FR" dirty="0"/>
-              <a:t> kernel = </a:t>
-            </a:r>
-            <a:r>
-              <a:rPr lang="fr-FR" dirty="0" err="1"/>
-              <a:t>u.v</a:t>
-            </a:r>
-            <a:r>
-              <a:rPr lang="fr-FR" dirty="0"/>
-              <a:t> / ||u||.||v||</a:t>
-            </a:r>
-          </a:p>
-          <a:p>
-            <a:r>
-              <a:rPr lang="fr-FR" dirty="0" err="1"/>
-              <a:t>Linear</a:t>
-            </a:r>
-            <a:r>
-              <a:rPr lang="fr-FR" dirty="0"/>
-              <a:t> kernel = </a:t>
-            </a:r>
-            <a:r>
-              <a:rPr lang="fr-FR" dirty="0" err="1"/>
-              <a:t>u.v</a:t>
-            </a:r>
-            <a:endParaRPr lang="fr-FR" dirty="0"/>
-          </a:p>
-          <a:p>
-            <a:r>
-              <a:rPr lang="fr-FR" dirty="0">
-                <a:effectLst/>
-              </a:rPr>
-              <a:t>Chi2 kernel = e(-</a:t>
-            </a:r>
-            <a:r>
-              <a:rPr lang="fr-FR" dirty="0" err="1">
-                <a:effectLst/>
-              </a:rPr>
-              <a:t>gamma.somme</a:t>
-            </a:r>
-            <a:r>
-              <a:rPr lang="fr-FR" dirty="0">
-                <a:effectLst/>
-              </a:rPr>
-              <a:t>((x²-y²)/(</a:t>
-            </a:r>
-            <a:r>
-              <a:rPr lang="fr-FR" dirty="0" err="1">
-                <a:effectLst/>
-              </a:rPr>
-              <a:t>x+y</a:t>
-            </a:r>
-            <a:r>
-              <a:rPr lang="fr-FR" dirty="0">
-                <a:effectLst/>
-              </a:rPr>
-              <a:t>))</a:t>
-            </a:r>
-          </a:p>
-          <a:p>
-            <a:r>
-              <a:rPr lang="fr-FR" dirty="0">
-                <a:effectLst/>
-              </a:rPr>
-              <a:t>Polynomial, </a:t>
-            </a:r>
-            <a:r>
-              <a:rPr lang="fr-FR" dirty="0" err="1">
-                <a:effectLst/>
-              </a:rPr>
-              <a:t>sigmoid</a:t>
-            </a:r>
-            <a:r>
-              <a:rPr lang="fr-FR" dirty="0">
-                <a:effectLst/>
-              </a:rPr>
-              <a:t>, RBF, </a:t>
-            </a:r>
-            <a:r>
-              <a:rPr lang="fr-FR" dirty="0" err="1">
-                <a:effectLst/>
-              </a:rPr>
-              <a:t>Laplacian</a:t>
-            </a:r>
-            <a:endParaRPr lang="fr-FR" dirty="0">
-              <a:effectLst/>
-            </a:endParaRPr>
-          </a:p>
-          <a:p>
-            <a:endParaRPr lang="fr-FR" dirty="0">
-              <a:effectLst/>
-            </a:endParaRPr>
-          </a:p>
-          <a:p>
-            <a:r>
-              <a:rPr lang="fr-FR" dirty="0">
-                <a:effectLst/>
-              </a:rPr>
-              <a:t>N : </a:t>
-            </a:r>
-            <a:r>
-              <a:rPr lang="fr-FR" dirty="0" err="1">
-                <a:effectLst/>
-              </a:rPr>
-              <a:t>number</a:t>
-            </a:r>
-            <a:r>
-              <a:rPr lang="fr-FR" dirty="0">
-                <a:effectLst/>
-              </a:rPr>
-              <a:t> of dimensions</a:t>
-            </a:r>
-          </a:p>
-          <a:p>
-            <a:r>
-              <a:rPr lang="fr-FR" dirty="0">
-                <a:effectLst/>
-              </a:rPr>
-              <a:t>NTT : </a:t>
-            </a:r>
-            <a:r>
-              <a:rPr lang="fr-FR" dirty="0" err="1">
-                <a:effectLst/>
-              </a:rPr>
-              <a:t>number</a:t>
-            </a:r>
-            <a:r>
-              <a:rPr lang="fr-FR" dirty="0">
-                <a:effectLst/>
-              </a:rPr>
-              <a:t> of </a:t>
-            </a:r>
-            <a:r>
-              <a:rPr lang="fr-FR" dirty="0" err="1">
-                <a:effectLst/>
-              </a:rPr>
-              <a:t>dims</a:t>
-            </a:r>
-            <a:r>
-              <a:rPr lang="fr-FR" dirty="0">
-                <a:effectLst/>
-              </a:rPr>
-              <a:t> in </a:t>
-            </a:r>
-            <a:r>
-              <a:rPr lang="fr-FR" dirty="0" err="1">
-                <a:effectLst/>
-              </a:rPr>
-              <a:t>which</a:t>
-            </a:r>
-            <a:r>
-              <a:rPr lang="fr-FR" dirty="0">
-                <a:effectLst/>
-              </a:rPr>
-              <a:t> </a:t>
-            </a:r>
-            <a:r>
-              <a:rPr lang="fr-FR" dirty="0" err="1">
-                <a:effectLst/>
-              </a:rPr>
-              <a:t>both</a:t>
-            </a:r>
-            <a:r>
-              <a:rPr lang="fr-FR" dirty="0">
-                <a:effectLst/>
-              </a:rPr>
-              <a:t> values are </a:t>
-            </a:r>
-            <a:r>
-              <a:rPr lang="fr-FR" dirty="0" err="1">
-                <a:effectLst/>
-              </a:rPr>
-              <a:t>True</a:t>
-            </a:r>
-            <a:endParaRPr lang="fr-FR" dirty="0">
-              <a:effectLst/>
-            </a:endParaRPr>
-          </a:p>
-          <a:p>
-            <a:r>
-              <a:rPr lang="fr-FR" dirty="0">
-                <a:effectLst/>
-              </a:rPr>
-              <a:t>NTF : </a:t>
-            </a:r>
-            <a:r>
-              <a:rPr lang="fr-FR" dirty="0" err="1">
-                <a:effectLst/>
-              </a:rPr>
-              <a:t>number</a:t>
-            </a:r>
-            <a:r>
-              <a:rPr lang="fr-FR" dirty="0">
-                <a:effectLst/>
-              </a:rPr>
-              <a:t> of </a:t>
-            </a:r>
-            <a:r>
-              <a:rPr lang="fr-FR" dirty="0" err="1">
-                <a:effectLst/>
-              </a:rPr>
-              <a:t>dims</a:t>
-            </a:r>
-            <a:r>
-              <a:rPr lang="fr-FR" dirty="0">
-                <a:effectLst/>
-              </a:rPr>
-              <a:t> in </a:t>
-            </a:r>
-            <a:r>
-              <a:rPr lang="fr-FR" dirty="0" err="1">
-                <a:effectLst/>
-              </a:rPr>
-              <a:t>which</a:t>
-            </a:r>
-            <a:r>
-              <a:rPr lang="fr-FR" dirty="0">
-                <a:effectLst/>
-              </a:rPr>
-              <a:t> the first value </a:t>
-            </a:r>
-            <a:r>
-              <a:rPr lang="fr-FR" dirty="0" err="1">
-                <a:effectLst/>
-              </a:rPr>
-              <a:t>is</a:t>
-            </a:r>
-            <a:r>
-              <a:rPr lang="fr-FR" dirty="0">
-                <a:effectLst/>
-              </a:rPr>
-              <a:t> </a:t>
-            </a:r>
-            <a:r>
-              <a:rPr lang="fr-FR" dirty="0" err="1">
-                <a:effectLst/>
-              </a:rPr>
-              <a:t>True</a:t>
-            </a:r>
-            <a:r>
-              <a:rPr lang="fr-FR" dirty="0">
-                <a:effectLst/>
-              </a:rPr>
-              <a:t>, second </a:t>
-            </a:r>
-            <a:r>
-              <a:rPr lang="fr-FR" dirty="0" err="1">
-                <a:effectLst/>
-              </a:rPr>
-              <a:t>is</a:t>
-            </a:r>
-            <a:r>
-              <a:rPr lang="fr-FR" dirty="0">
-                <a:effectLst/>
-              </a:rPr>
-              <a:t> False</a:t>
-            </a:r>
-          </a:p>
-          <a:p>
-            <a:r>
-              <a:rPr lang="fr-FR" dirty="0">
-                <a:effectLst/>
-              </a:rPr>
-              <a:t>NFT : </a:t>
-            </a:r>
-            <a:r>
-              <a:rPr lang="fr-FR" dirty="0" err="1">
-                <a:effectLst/>
-              </a:rPr>
-              <a:t>number</a:t>
-            </a:r>
-            <a:r>
-              <a:rPr lang="fr-FR" dirty="0">
-                <a:effectLst/>
-              </a:rPr>
-              <a:t> of </a:t>
-            </a:r>
-            <a:r>
-              <a:rPr lang="fr-FR" dirty="0" err="1">
-                <a:effectLst/>
-              </a:rPr>
-              <a:t>dims</a:t>
-            </a:r>
-            <a:r>
-              <a:rPr lang="fr-FR" dirty="0">
-                <a:effectLst/>
-              </a:rPr>
-              <a:t> in </a:t>
-            </a:r>
-            <a:r>
-              <a:rPr lang="fr-FR" dirty="0" err="1">
-                <a:effectLst/>
-              </a:rPr>
-              <a:t>which</a:t>
-            </a:r>
-            <a:r>
-              <a:rPr lang="fr-FR" dirty="0">
-                <a:effectLst/>
-              </a:rPr>
-              <a:t> the first value </a:t>
-            </a:r>
-            <a:r>
-              <a:rPr lang="fr-FR" dirty="0" err="1">
-                <a:effectLst/>
-              </a:rPr>
-              <a:t>is</a:t>
-            </a:r>
-            <a:r>
-              <a:rPr lang="fr-FR" dirty="0">
-                <a:effectLst/>
-              </a:rPr>
-              <a:t> False, second </a:t>
-            </a:r>
-            <a:r>
-              <a:rPr lang="fr-FR" dirty="0" err="1">
-                <a:effectLst/>
-              </a:rPr>
-              <a:t>is</a:t>
-            </a:r>
-            <a:r>
-              <a:rPr lang="fr-FR" dirty="0">
-                <a:effectLst/>
-              </a:rPr>
-              <a:t> </a:t>
-            </a:r>
-            <a:r>
-              <a:rPr lang="fr-FR" dirty="0" err="1">
-                <a:effectLst/>
-              </a:rPr>
-              <a:t>True</a:t>
-            </a:r>
-            <a:endParaRPr lang="fr-FR" dirty="0">
-              <a:effectLst/>
-            </a:endParaRPr>
-          </a:p>
-          <a:p>
-            <a:r>
-              <a:rPr lang="fr-FR" dirty="0">
-                <a:effectLst/>
-              </a:rPr>
-              <a:t>NFF : </a:t>
-            </a:r>
-            <a:r>
-              <a:rPr lang="fr-FR" dirty="0" err="1">
-                <a:effectLst/>
-              </a:rPr>
-              <a:t>number</a:t>
-            </a:r>
-            <a:r>
-              <a:rPr lang="fr-FR" dirty="0">
-                <a:effectLst/>
-              </a:rPr>
-              <a:t> of </a:t>
-            </a:r>
-            <a:r>
-              <a:rPr lang="fr-FR" dirty="0" err="1">
-                <a:effectLst/>
-              </a:rPr>
-              <a:t>dims</a:t>
-            </a:r>
-            <a:r>
-              <a:rPr lang="fr-FR" dirty="0">
-                <a:effectLst/>
-              </a:rPr>
-              <a:t> in </a:t>
-            </a:r>
-            <a:r>
-              <a:rPr lang="fr-FR" dirty="0" err="1">
-                <a:effectLst/>
-              </a:rPr>
-              <a:t>which</a:t>
-            </a:r>
-            <a:r>
-              <a:rPr lang="fr-FR" dirty="0">
-                <a:effectLst/>
-              </a:rPr>
-              <a:t> </a:t>
-            </a:r>
-            <a:r>
-              <a:rPr lang="fr-FR" dirty="0" err="1">
-                <a:effectLst/>
-              </a:rPr>
-              <a:t>both</a:t>
-            </a:r>
-            <a:r>
-              <a:rPr lang="fr-FR" dirty="0">
-                <a:effectLst/>
-              </a:rPr>
-              <a:t> values are False</a:t>
-            </a:r>
-          </a:p>
-          <a:p>
-            <a:r>
-              <a:rPr lang="fr-FR" dirty="0">
-                <a:effectLst/>
-              </a:rPr>
-              <a:t>NNEQ : </a:t>
-            </a:r>
-            <a:r>
-              <a:rPr lang="fr-FR" dirty="0" err="1">
-                <a:effectLst/>
-              </a:rPr>
-              <a:t>number</a:t>
-            </a:r>
-            <a:r>
-              <a:rPr lang="fr-FR" dirty="0">
-                <a:effectLst/>
-              </a:rPr>
-              <a:t> of non-</a:t>
-            </a:r>
-            <a:r>
-              <a:rPr lang="fr-FR" dirty="0" err="1">
-                <a:effectLst/>
-              </a:rPr>
-              <a:t>equal</a:t>
-            </a:r>
-            <a:r>
-              <a:rPr lang="fr-FR" dirty="0">
-                <a:effectLst/>
-              </a:rPr>
-              <a:t> dimensions, NNEQ = NTF + NFT</a:t>
-            </a:r>
-          </a:p>
-          <a:p>
-            <a:r>
-              <a:rPr lang="fr-FR" dirty="0">
-                <a:effectLst/>
-              </a:rPr>
-              <a:t>NNZ : </a:t>
-            </a:r>
-            <a:r>
-              <a:rPr lang="fr-FR" dirty="0" err="1">
-                <a:effectLst/>
-              </a:rPr>
-              <a:t>number</a:t>
-            </a:r>
-            <a:r>
-              <a:rPr lang="fr-FR" dirty="0">
-                <a:effectLst/>
-              </a:rPr>
-              <a:t> of </a:t>
-            </a:r>
-            <a:r>
-              <a:rPr lang="fr-FR" dirty="0" err="1">
-                <a:effectLst/>
-              </a:rPr>
-              <a:t>nonzero</a:t>
-            </a:r>
-            <a:r>
-              <a:rPr lang="fr-FR" dirty="0">
-                <a:effectLst/>
-              </a:rPr>
-              <a:t> dimensions, NNZ = NTF + NFT + NTT</a:t>
-            </a:r>
-          </a:p>
-          <a:p>
-            <a:r>
-              <a:rPr lang="fr-FR" dirty="0">
-                <a:effectLst/>
-              </a:rPr>
-              <a:t>“</a:t>
-            </a:r>
-            <a:r>
-              <a:rPr lang="fr-FR" dirty="0" err="1">
-                <a:effectLst/>
-              </a:rPr>
-              <a:t>jaccard</a:t>
-            </a:r>
-            <a:r>
-              <a:rPr lang="fr-FR" dirty="0">
-                <a:effectLst/>
-              </a:rPr>
-              <a:t>” NNEQ / NNZ</a:t>
-            </a:r>
-          </a:p>
-          <a:p>
-            <a:r>
-              <a:rPr lang="fr-FR" dirty="0">
-                <a:effectLst/>
-              </a:rPr>
-              <a:t>“</a:t>
-            </a:r>
-            <a:r>
-              <a:rPr lang="fr-FR" dirty="0" err="1">
-                <a:effectLst/>
-              </a:rPr>
-              <a:t>matching</a:t>
-            </a:r>
-            <a:r>
-              <a:rPr lang="fr-FR" dirty="0">
-                <a:effectLst/>
-              </a:rPr>
-              <a:t>” NNEQ / N</a:t>
-            </a:r>
-          </a:p>
-          <a:p>
-            <a:r>
-              <a:rPr lang="fr-FR" b="1" dirty="0">
-                <a:effectLst/>
-              </a:rPr>
-              <a:t>“</a:t>
-            </a:r>
-            <a:r>
-              <a:rPr lang="fr-FR" b="1" dirty="0" err="1">
-                <a:effectLst/>
-              </a:rPr>
-              <a:t>dice</a:t>
-            </a:r>
-            <a:r>
-              <a:rPr lang="fr-FR" b="1" dirty="0">
-                <a:effectLst/>
-              </a:rPr>
-              <a:t>” NNEQ / (NTT + NNZ)</a:t>
-            </a:r>
-          </a:p>
-          <a:p>
-            <a:r>
-              <a:rPr lang="fr-FR" dirty="0">
-                <a:effectLst/>
-              </a:rPr>
-              <a:t>“</a:t>
-            </a:r>
-            <a:r>
-              <a:rPr lang="fr-FR" dirty="0" err="1">
-                <a:effectLst/>
-              </a:rPr>
-              <a:t>kulsinski</a:t>
-            </a:r>
-            <a:r>
-              <a:rPr lang="fr-FR" dirty="0">
-                <a:effectLst/>
-              </a:rPr>
-              <a:t>” (NNEQ + N - NTT) / (NNEQ + N)</a:t>
-            </a:r>
-          </a:p>
-          <a:p>
-            <a:r>
-              <a:rPr lang="fr-FR" dirty="0">
-                <a:effectLst/>
-              </a:rPr>
-              <a:t>“</a:t>
-            </a:r>
-            <a:r>
-              <a:rPr lang="fr-FR" dirty="0" err="1">
-                <a:effectLst/>
-              </a:rPr>
-              <a:t>rogerstanimoto</a:t>
-            </a:r>
-            <a:r>
-              <a:rPr lang="fr-FR" dirty="0">
-                <a:effectLst/>
-              </a:rPr>
-              <a:t>” 2 * NNEQ / (N + NNEQ)</a:t>
-            </a:r>
-          </a:p>
-          <a:p>
-            <a:r>
-              <a:rPr lang="fr-FR" dirty="0">
-                <a:effectLst/>
-              </a:rPr>
-              <a:t>“</a:t>
-            </a:r>
-            <a:r>
-              <a:rPr lang="fr-FR" dirty="0" err="1">
-                <a:effectLst/>
-              </a:rPr>
-              <a:t>russellrao</a:t>
-            </a:r>
-            <a:r>
-              <a:rPr lang="fr-FR" dirty="0">
-                <a:effectLst/>
-              </a:rPr>
-              <a:t>” NNZ / N</a:t>
-            </a:r>
-          </a:p>
-          <a:p>
-            <a:r>
-              <a:rPr lang="fr-FR" dirty="0">
-                <a:effectLst/>
-              </a:rPr>
-              <a:t>“</a:t>
-            </a:r>
-            <a:r>
-              <a:rPr lang="fr-FR" dirty="0" err="1">
-                <a:effectLst/>
-              </a:rPr>
-              <a:t>sokalmichener</a:t>
-            </a:r>
-            <a:r>
-              <a:rPr lang="fr-FR" dirty="0">
-                <a:effectLst/>
-              </a:rPr>
-              <a:t>” 2 * NNEQ / (N + NNEQ)</a:t>
-            </a:r>
-          </a:p>
-          <a:p>
-            <a:r>
-              <a:rPr lang="fr-FR" dirty="0">
-                <a:effectLst/>
-              </a:rPr>
-              <a:t>“</a:t>
-            </a:r>
-            <a:r>
-              <a:rPr lang="fr-FR" dirty="0" err="1">
-                <a:effectLst/>
-              </a:rPr>
-              <a:t>sokalsneath</a:t>
-            </a:r>
-            <a:r>
-              <a:rPr lang="fr-FR" dirty="0">
-                <a:effectLst/>
-              </a:rPr>
-              <a:t>” NNEQ / (NNEQ + 0.5 * NTT)</a:t>
-            </a:r>
-            <a:br>
-              <a:rPr lang="fr-FR" dirty="0"/>
-            </a:br>
-            <a:endParaRPr lang="fr-FR" dirty="0"/>
-          </a:p>
-        </p:txBody>
-      </p:sp>
-      <p:sp>
-        <p:nvSpPr>
-          <p:cNvPr id="4" name="Espace réservé du numéro de diapositive 3"/>
-          <p:cNvSpPr>
-            <a:spLocks noGrp="1"/>
-          </p:cNvSpPr>
-          <p:nvPr>
-            <p:ph type="sldNum" sz="quarter" idx="10"/>
-          </p:nvPr>
-        </p:nvSpPr>
-        <p:spPr/>
-        <p:txBody>
-          <a:bodyPr/>
-          <a:lstStyle/>
-          <a:p>
-            <a:pPr>
-              <a:defRPr/>
-            </a:pPr>
-            <a:fld id="{CC32C800-F1EC-4563-A4CB-7BFB6B498BC5}" type="slidenum">
-              <a:rPr lang="fr-FR" smtClean="0"/>
-              <a:pPr>
-                <a:defRPr/>
-              </a:pPr>
-              <a:t>29</a:t>
-            </a:fld>
-            <a:endParaRPr lang="fr-FR"/>
-          </a:p>
-        </p:txBody>
-      </p:sp>
-    </p:spTree>
-    <p:extLst>
-      <p:ext uri="{BB962C8B-B14F-4D97-AF65-F5344CB8AC3E}">
-        <p14:creationId xmlns:p14="http://schemas.microsoft.com/office/powerpoint/2010/main" val="2765459891"/>
-      </p:ext>
-    </p:extLst>
-  </p:cSld>
-  <p:clrMapOvr>
-    <a:masterClrMapping/>
-  </p:clrMapOvr>
-</p:notes>
-</file>
-
-<file path=ppt/notesSlides/notesSlide2.xml><?xml version="1.0" encoding="utf-8"?>
-<p:notes xmlns:a="http://schemas.openxmlformats.org/drawingml/2006/main" xmlns:r="http://schemas.openxmlformats.org/officeDocument/2006/relationships" xmlns:p="http://schemas.openxmlformats.org/presentationml/2006/main">
-  <p:cSld>
-    <p:spTree>
-      <p:nvGrpSpPr>
-        <p:cNvPr id="1" name=""/>
-        <p:cNvGrpSpPr/>
-        <p:nvPr/>
-      </p:nvGrpSpPr>
-      <p:grpSpPr>
-        <a:xfrm>
-          <a:off x="0" y="0"/>
-          <a:ext cx="0" cy="0"/>
-          <a:chOff x="0" y="0"/>
-          <a:chExt cx="0" cy="0"/>
-        </a:xfrm>
-      </p:grpSpPr>
-      <p:sp>
-        <p:nvSpPr>
-          <p:cNvPr id="2" name="Espace réservé de l'image des diapositives 1"/>
-          <p:cNvSpPr>
-            <a:spLocks noGrp="1" noRot="1" noChangeAspect="1"/>
-          </p:cNvSpPr>
-          <p:nvPr>
-            <p:ph type="sldImg"/>
-          </p:nvPr>
-        </p:nvSpPr>
-        <p:spPr/>
-      </p:sp>
-      <p:sp>
-        <p:nvSpPr>
-          <p:cNvPr id="3" name="Espace réservé des notes 2"/>
-          <p:cNvSpPr>
-            <a:spLocks noGrp="1"/>
-          </p:cNvSpPr>
-          <p:nvPr>
-            <p:ph type="body" idx="1"/>
-          </p:nvPr>
-        </p:nvSpPr>
-        <p:spPr/>
-        <p:txBody>
-          <a:bodyPr/>
-          <a:lstStyle/>
-          <a:p>
-            <a:r>
-              <a:rPr lang="fr-FR" dirty="0"/>
-              <a:t>Historique du user</a:t>
-            </a:r>
-          </a:p>
-          <a:p>
-            <a:r>
-              <a:rPr lang="fr-FR" dirty="0"/>
-              <a:t>Historique des autres </a:t>
-            </a:r>
-            <a:r>
-              <a:rPr lang="fr-FR" dirty="0" err="1"/>
-              <a:t>users</a:t>
-            </a:r>
-            <a:endParaRPr lang="fr-FR" dirty="0"/>
-          </a:p>
-          <a:p>
-            <a:r>
-              <a:rPr lang="fr-FR" dirty="0"/>
-              <a:t>Datas</a:t>
-            </a:r>
-          </a:p>
-          <a:p>
-            <a:endParaRPr lang="fr-FR" dirty="0"/>
-          </a:p>
-        </p:txBody>
-      </p:sp>
-      <p:sp>
-        <p:nvSpPr>
-          <p:cNvPr id="4" name="Espace réservé du numéro de diapositive 3"/>
-          <p:cNvSpPr>
-            <a:spLocks noGrp="1"/>
-          </p:cNvSpPr>
-          <p:nvPr>
-            <p:ph type="sldNum" sz="quarter" idx="10"/>
-          </p:nvPr>
-        </p:nvSpPr>
-        <p:spPr/>
-        <p:txBody>
-          <a:bodyPr/>
-          <a:lstStyle/>
-          <a:p>
-            <a:pPr>
-              <a:defRPr/>
-            </a:pPr>
-            <a:fld id="{CC32C800-F1EC-4563-A4CB-7BFB6B498BC5}" type="slidenum">
-              <a:rPr lang="fr-FR" smtClean="0"/>
-              <a:pPr>
-                <a:defRPr/>
-              </a:pPr>
-              <a:t>3</a:t>
-            </a:fld>
-            <a:endParaRPr lang="fr-FR"/>
-          </a:p>
-        </p:txBody>
-      </p:sp>
-    </p:spTree>
-    <p:extLst>
-      <p:ext uri="{BB962C8B-B14F-4D97-AF65-F5344CB8AC3E}">
-        <p14:creationId xmlns:p14="http://schemas.microsoft.com/office/powerpoint/2010/main" val="2280247693"/>
-      </p:ext>
-    </p:extLst>
-  </p:cSld>
-  <p:clrMapOvr>
-    <a:masterClrMapping/>
-  </p:clrMapOvr>
-</p:notes>
-</file>
-
-<file path=ppt/notesSlides/notesSlide20.xml><?xml version="1.0" encoding="utf-8"?>
-<p:notes xmlns:a="http://schemas.openxmlformats.org/drawingml/2006/main" xmlns:r="http://schemas.openxmlformats.org/officeDocument/2006/relationships" xmlns:p="http://schemas.openxmlformats.org/presentationml/2006/main">
-  <p:cSld>
-    <p:spTree>
-      <p:nvGrpSpPr>
-        <p:cNvPr id="1" name=""/>
-        <p:cNvGrpSpPr/>
-        <p:nvPr/>
-      </p:nvGrpSpPr>
-      <p:grpSpPr>
-        <a:xfrm>
-          <a:off x="0" y="0"/>
-          <a:ext cx="0" cy="0"/>
-          <a:chOff x="0" y="0"/>
-          <a:chExt cx="0" cy="0"/>
-        </a:xfrm>
-      </p:grpSpPr>
-      <p:sp>
-        <p:nvSpPr>
           <p:cNvPr id="41986" name="Espace réservé de l'image des diapositives 1">
             <a:extLst>
               <a:ext uri="{FF2B5EF4-FFF2-40B4-BE49-F238E27FC236}">
@@ -3433,9 +3204,48 @@
               </a:spcBef>
             </a:pPr>
             <a:r>
-              <a:rPr lang="fr-FR" altLang="fr-FR"/>
+              <a:rPr lang="fr-FR" altLang="fr-FR" dirty="0"/>
               <a:t>Par exemple …</a:t>
             </a:r>
+          </a:p>
+          <a:p>
+            <a:pPr>
+              <a:spcBef>
+                <a:spcPct val="0"/>
+              </a:spcBef>
+            </a:pPr>
+            <a:endParaRPr lang="fr-FR" altLang="fr-FR" dirty="0"/>
+          </a:p>
+          <a:p>
+            <a:pPr marL="0" marR="0" lvl="0" indent="0" algn="l" defTabSz="914400" rtl="0" eaLnBrk="1" fontAlgn="base" latinLnBrk="0" hangingPunct="1">
+              <a:lnSpc>
+                <a:spcPct val="100000"/>
+              </a:lnSpc>
+              <a:spcBef>
+                <a:spcPct val="0"/>
+              </a:spcBef>
+              <a:spcAft>
+                <a:spcPct val="0"/>
+              </a:spcAft>
+              <a:buClrTx/>
+              <a:buSzTx/>
+              <a:buFontTx/>
+              <a:buNone/>
+              <a:tabLst/>
+              <a:defRPr/>
+            </a:pPr>
+            <a:r>
+              <a:rPr lang="fr-FR" altLang="fr-FR" dirty="0"/>
+              <a:t>Intuition : est-ce cohérent ?</a:t>
+            </a:r>
+          </a:p>
+          <a:p>
+            <a:pPr>
+              <a:spcBef>
+                <a:spcPct val="0"/>
+              </a:spcBef>
+            </a:pPr>
+            <a:endParaRPr lang="fr-FR" altLang="fr-FR" dirty="0"/>
           </a:p>
         </p:txBody>
       </p:sp>
@@ -3600,13 +3410,219 @@
                   <a:spcPct val="0"/>
                 </a:spcAft>
               </a:pPr>
-              <a:t>30</a:t>
+              <a:t>27</a:t>
             </a:fld>
             <a:endParaRPr lang="fr-FR" altLang="fr-FR"/>
           </a:p>
         </p:txBody>
       </p:sp>
     </p:spTree>
+  </p:cSld>
+  <p:clrMapOvr>
+    <a:masterClrMapping/>
+  </p:clrMapOvr>
+</p:notes>
+</file>
+
+<file path=ppt/notesSlides/notesSlide2.xml><?xml version="1.0" encoding="utf-8"?>
+<p:notes xmlns:a="http://schemas.openxmlformats.org/drawingml/2006/main" xmlns:r="http://schemas.openxmlformats.org/officeDocument/2006/relationships" xmlns:p="http://schemas.openxmlformats.org/presentationml/2006/main">
+  <p:cSld>
+    <p:spTree>
+      <p:nvGrpSpPr>
+        <p:cNvPr id="1" name=""/>
+        <p:cNvGrpSpPr/>
+        <p:nvPr/>
+      </p:nvGrpSpPr>
+      <p:grpSpPr>
+        <a:xfrm>
+          <a:off x="0" y="0"/>
+          <a:ext cx="0" cy="0"/>
+          <a:chOff x="0" y="0"/>
+          <a:chExt cx="0" cy="0"/>
+        </a:xfrm>
+      </p:grpSpPr>
+      <p:sp>
+        <p:nvSpPr>
+          <p:cNvPr id="2" name="Espace réservé de l'image des diapositives 1"/>
+          <p:cNvSpPr>
+            <a:spLocks noGrp="1" noRot="1" noChangeAspect="1"/>
+          </p:cNvSpPr>
+          <p:nvPr>
+            <p:ph type="sldImg"/>
+          </p:nvPr>
+        </p:nvSpPr>
+        <p:spPr/>
+      </p:sp>
+      <p:sp>
+        <p:nvSpPr>
+          <p:cNvPr id="3" name="Espace réservé des notes 2"/>
+          <p:cNvSpPr>
+            <a:spLocks noGrp="1"/>
+          </p:cNvSpPr>
+          <p:nvPr>
+            <p:ph type="body" idx="1"/>
+          </p:nvPr>
+        </p:nvSpPr>
+        <p:spPr/>
+        <p:txBody>
+          <a:bodyPr/>
+          <a:lstStyle/>
+          <a:p>
+            <a:r>
+              <a:rPr lang="fr-FR" dirty="0"/>
+              <a:t>Historique du user</a:t>
+            </a:r>
+          </a:p>
+          <a:p>
+            <a:r>
+              <a:rPr lang="fr-FR" dirty="0"/>
+              <a:t>Historique des autres </a:t>
+            </a:r>
+            <a:r>
+              <a:rPr lang="fr-FR" dirty="0" err="1"/>
+              <a:t>users</a:t>
+            </a:r>
+            <a:endParaRPr lang="fr-FR" dirty="0"/>
+          </a:p>
+          <a:p>
+            <a:r>
+              <a:rPr lang="fr-FR" dirty="0"/>
+              <a:t>Datas</a:t>
+            </a:r>
+          </a:p>
+          <a:p>
+            <a:endParaRPr lang="fr-FR" dirty="0"/>
+          </a:p>
+        </p:txBody>
+      </p:sp>
+      <p:sp>
+        <p:nvSpPr>
+          <p:cNvPr id="4" name="Espace réservé du numéro de diapositive 3"/>
+          <p:cNvSpPr>
+            <a:spLocks noGrp="1"/>
+          </p:cNvSpPr>
+          <p:nvPr>
+            <p:ph type="sldNum" sz="quarter" idx="10"/>
+          </p:nvPr>
+        </p:nvSpPr>
+        <p:spPr/>
+        <p:txBody>
+          <a:bodyPr/>
+          <a:lstStyle/>
+          <a:p>
+            <a:pPr>
+              <a:defRPr/>
+            </a:pPr>
+            <a:fld id="{CC32C800-F1EC-4563-A4CB-7BFB6B498BC5}" type="slidenum">
+              <a:rPr lang="fr-FR" smtClean="0"/>
+              <a:pPr>
+                <a:defRPr/>
+              </a:pPr>
+              <a:t>3</a:t>
+            </a:fld>
+            <a:endParaRPr lang="fr-FR"/>
+          </a:p>
+        </p:txBody>
+      </p:sp>
+    </p:spTree>
+    <p:extLst>
+      <p:ext uri="{BB962C8B-B14F-4D97-AF65-F5344CB8AC3E}">
+        <p14:creationId xmlns:p14="http://schemas.microsoft.com/office/powerpoint/2010/main" val="2280247693"/>
+      </p:ext>
+    </p:extLst>
+  </p:cSld>
+  <p:clrMapOvr>
+    <a:masterClrMapping/>
+  </p:clrMapOvr>
+</p:notes>
+</file>
+
+<file path=ppt/notesSlides/notesSlide20.xml><?xml version="1.0" encoding="utf-8"?>
+<p:notes xmlns:a="http://schemas.openxmlformats.org/drawingml/2006/main" xmlns:r="http://schemas.openxmlformats.org/officeDocument/2006/relationships" xmlns:p="http://schemas.openxmlformats.org/presentationml/2006/main">
+  <p:cSld>
+    <p:spTree>
+      <p:nvGrpSpPr>
+        <p:cNvPr id="1" name=""/>
+        <p:cNvGrpSpPr/>
+        <p:nvPr/>
+      </p:nvGrpSpPr>
+      <p:grpSpPr>
+        <a:xfrm>
+          <a:off x="0" y="0"/>
+          <a:ext cx="0" cy="0"/>
+          <a:chOff x="0" y="0"/>
+          <a:chExt cx="0" cy="0"/>
+        </a:xfrm>
+      </p:grpSpPr>
+      <p:sp>
+        <p:nvSpPr>
+          <p:cNvPr id="2" name="Espace réservé de l'image des diapositives 1"/>
+          <p:cNvSpPr>
+            <a:spLocks noGrp="1" noRot="1" noChangeAspect="1"/>
+          </p:cNvSpPr>
+          <p:nvPr>
+            <p:ph type="sldImg"/>
+          </p:nvPr>
+        </p:nvSpPr>
+        <p:spPr/>
+      </p:sp>
+      <p:sp>
+        <p:nvSpPr>
+          <p:cNvPr id="3" name="Espace réservé des notes 2"/>
+          <p:cNvSpPr>
+            <a:spLocks noGrp="1"/>
+          </p:cNvSpPr>
+          <p:nvPr>
+            <p:ph type="body" idx="1"/>
+          </p:nvPr>
+        </p:nvSpPr>
+        <p:spPr/>
+        <p:txBody>
+          <a:bodyPr/>
+          <a:lstStyle/>
+          <a:p>
+            <a:r>
+              <a:rPr lang="fr-FR" dirty="0"/>
+              <a:t>Pb du film d’horreur avec un dessin animé</a:t>
+            </a:r>
+          </a:p>
+        </p:txBody>
+      </p:sp>
+      <p:sp>
+        <p:nvSpPr>
+          <p:cNvPr id="4" name="Espace réservé du numéro de diapositive 3"/>
+          <p:cNvSpPr>
+            <a:spLocks noGrp="1"/>
+          </p:cNvSpPr>
+          <p:nvPr>
+            <p:ph type="sldNum" sz="quarter" idx="10"/>
+          </p:nvPr>
+        </p:nvSpPr>
+        <p:spPr/>
+        <p:txBody>
+          <a:bodyPr/>
+          <a:lstStyle/>
+          <a:p>
+            <a:pPr>
+              <a:defRPr/>
+            </a:pPr>
+            <a:fld id="{CC32C800-F1EC-4563-A4CB-7BFB6B498BC5}" type="slidenum">
+              <a:rPr lang="fr-FR" smtClean="0"/>
+              <a:pPr>
+                <a:defRPr/>
+              </a:pPr>
+              <a:t>28</a:t>
+            </a:fld>
+            <a:endParaRPr lang="fr-FR"/>
+          </a:p>
+        </p:txBody>
+      </p:sp>
+    </p:spTree>
+    <p:extLst>
+      <p:ext uri="{BB962C8B-B14F-4D97-AF65-F5344CB8AC3E}">
+        <p14:creationId xmlns:p14="http://schemas.microsoft.com/office/powerpoint/2010/main" val="1504026483"/>
+      </p:ext>
+    </p:extLst>
   </p:cSld>
   <p:clrMapOvr>
     <a:masterClrMapping/>
@@ -3660,7 +3676,16 @@
           <a:p>
             <a:r>
               <a:rPr lang="fr-FR" dirty="0"/>
-              <a:t>Pb du film d’horreur avec un dessin animé</a:t>
+              <a:t>Ici on a quelque chose de plus cohérent, Shrek renvoie d’autres dessins animés et men in black renvoie les autres versions et d’autres films de Will Smith</a:t>
+            </a:r>
+          </a:p>
+          <a:p>
+            <a:endParaRPr lang="fr-FR" dirty="0"/>
+          </a:p>
+          <a:p>
+            <a:r>
+              <a:rPr lang="fr-FR" dirty="0"/>
+              <a:t>J’ai gardé les 10 résultats les plus proches pour les utiliser par la suite dans le service de recommandation</a:t>
             </a:r>
           </a:p>
         </p:txBody>
@@ -3688,7 +3713,7 @@
               <a:pPr>
                 <a:defRPr/>
               </a:pPr>
-              <a:t>31</a:t>
+              <a:t>29</a:t>
             </a:fld>
             <a:endParaRPr lang="fr-FR"/>
           </a:p>
@@ -3697,7 +3722,7 @@
     </p:spTree>
     <p:extLst>
       <p:ext uri="{BB962C8B-B14F-4D97-AF65-F5344CB8AC3E}">
-        <p14:creationId xmlns:p14="http://schemas.microsoft.com/office/powerpoint/2010/main" val="1504026483"/>
+        <p14:creationId xmlns:p14="http://schemas.microsoft.com/office/powerpoint/2010/main" val="3169676045"/>
       </p:ext>
     </p:extLst>
   </p:cSld>
@@ -3751,19 +3776,30 @@
           <a:bodyPr/>
           <a:lstStyle/>
           <a:p>
+            <a:pPr marL="0" marR="0" lvl="0" indent="0" algn="l" defTabSz="914400" rtl="0" eaLnBrk="1" fontAlgn="base" latinLnBrk="0" hangingPunct="1">
+              <a:lnSpc>
+                <a:spcPct val="100000"/>
+              </a:lnSpc>
+              <a:spcBef>
+                <a:spcPct val="30000"/>
+              </a:spcBef>
+              <a:spcAft>
+                <a:spcPct val="0"/>
+              </a:spcAft>
+              <a:buClrTx/>
+              <a:buSzTx/>
+              <a:buFontTx/>
+              <a:buNone/>
+              <a:tabLst/>
+              <a:defRPr/>
+            </a:pPr>
             <a:r>
               <a:rPr lang="fr-FR" dirty="0"/>
-              <a:t>Ici on a quelque chose de plus cohérent, Shrek renvoie d’autres dessins animés et men in black renvoie les autres versions et d’autres films de Will Smith</a:t>
+              <a:t>Les différents tests montrent que l’utilisation du cas 2 avec la méthode des similarités cosinus donne des résultats cohérents</a:t>
             </a:r>
           </a:p>
           <a:p>
             <a:endParaRPr lang="fr-FR" dirty="0"/>
-          </a:p>
-          <a:p>
-            <a:r>
-              <a:rPr lang="fr-FR" dirty="0"/>
-              <a:t>J’ai gardé les 10 résultats les plus proches pour les utiliser par la suite dans le service de recommandation</a:t>
-            </a:r>
           </a:p>
         </p:txBody>
       </p:sp>
@@ -3790,7 +3826,7 @@
               <a:pPr>
                 <a:defRPr/>
               </a:pPr>
-              <a:t>32</a:t>
+              <a:t>30</a:t>
             </a:fld>
             <a:endParaRPr lang="fr-FR"/>
           </a:p>
@@ -3799,7 +3835,7 @@
     </p:spTree>
     <p:extLst>
       <p:ext uri="{BB962C8B-B14F-4D97-AF65-F5344CB8AC3E}">
-        <p14:creationId xmlns:p14="http://schemas.microsoft.com/office/powerpoint/2010/main" val="3169676045"/>
+        <p14:creationId xmlns:p14="http://schemas.microsoft.com/office/powerpoint/2010/main" val="507417155"/>
       </p:ext>
     </p:extLst>
   </p:cSld>
@@ -3853,30 +3889,10 @@
           <a:bodyPr/>
           <a:lstStyle/>
           <a:p>
-            <a:pPr marL="0" marR="0" lvl="0" indent="0" algn="l" defTabSz="914400" rtl="0" eaLnBrk="1" fontAlgn="base" latinLnBrk="0" hangingPunct="1">
-              <a:lnSpc>
-                <a:spcPct val="100000"/>
-              </a:lnSpc>
-              <a:spcBef>
-                <a:spcPct val="30000"/>
-              </a:spcBef>
-              <a:spcAft>
-                <a:spcPct val="0"/>
-              </a:spcAft>
-              <a:buClrTx/>
-              <a:buSzTx/>
-              <a:buFontTx/>
-              <a:buNone/>
-              <a:tabLst/>
-              <a:defRPr/>
-            </a:pPr>
             <a:r>
               <a:rPr lang="fr-FR" dirty="0"/>
-              <a:t>Les différents tests montrent que l’utilisation du cas 2 avec la méthode des similarités cosinus donne des résultats cohérents</a:t>
-            </a:r>
-          </a:p>
-          <a:p>
-            <a:endParaRPr lang="fr-FR" dirty="0"/>
+              <a:t>5 recommandation parmi les 10 plus proches voisins</a:t>
+            </a:r>
           </a:p>
         </p:txBody>
       </p:sp>
@@ -3903,7 +3919,7 @@
               <a:pPr>
                 <a:defRPr/>
               </a:pPr>
-              <a:t>33</a:t>
+              <a:t>31</a:t>
             </a:fld>
             <a:endParaRPr lang="fr-FR"/>
           </a:p>
@@ -3912,7 +3928,7 @@
     </p:spTree>
     <p:extLst>
       <p:ext uri="{BB962C8B-B14F-4D97-AF65-F5344CB8AC3E}">
-        <p14:creationId xmlns:p14="http://schemas.microsoft.com/office/powerpoint/2010/main" val="507417155"/>
+        <p14:creationId xmlns:p14="http://schemas.microsoft.com/office/powerpoint/2010/main" val="1573004116"/>
       </p:ext>
     </p:extLst>
   </p:cSld>
@@ -3996,7 +4012,7 @@
               <a:pPr>
                 <a:defRPr/>
               </a:pPr>
-              <a:t>34</a:t>
+              <a:t>32</a:t>
             </a:fld>
             <a:endParaRPr lang="fr-FR"/>
           </a:p>
@@ -4005,7 +4021,7 @@
     </p:spTree>
     <p:extLst>
       <p:ext uri="{BB962C8B-B14F-4D97-AF65-F5344CB8AC3E}">
-        <p14:creationId xmlns:p14="http://schemas.microsoft.com/office/powerpoint/2010/main" val="1573004116"/>
+        <p14:creationId xmlns:p14="http://schemas.microsoft.com/office/powerpoint/2010/main" val="3677651658"/>
       </p:ext>
     </p:extLst>
   </p:cSld>
@@ -4106,7 +4122,7 @@
               <a:pPr>
                 <a:defRPr/>
               </a:pPr>
-              <a:t>37</a:t>
+              <a:t>34</a:t>
             </a:fld>
             <a:endParaRPr lang="fr-FR"/>
           </a:p>
@@ -9629,11 +9645,20 @@
             </a:r>
             <a:r>
               <a:rPr lang="fr-FR" dirty="0"/>
-              <a:t> : binarisation directe avec </a:t>
-            </a:r>
-            <a:r>
-              <a:rPr lang="fr-FR" dirty="0" err="1"/>
-              <a:t>LabelEncoder</a:t>
+              <a:t> : binarisation directe</a:t>
+            </a:r>
+          </a:p>
+          <a:p>
+            <a:pPr marL="0" indent="0">
+              <a:buNone/>
+            </a:pPr>
+            <a:r>
+              <a:rPr lang="fr-FR" dirty="0"/>
+              <a:t>Autres features : traitement en </a:t>
+            </a:r>
+            <a:r>
+              <a:rPr lang="fr-FR"/>
+              <a:t>tant que mots clés</a:t>
             </a:r>
             <a:endParaRPr lang="fr-FR" dirty="0"/>
           </a:p>
@@ -9982,15 +10007,7 @@
             </a:pPr>
             <a:r>
               <a:rPr lang="fr-FR" dirty="0"/>
-              <a:t>La colonne est transformée en matrice binaire (</a:t>
-            </a:r>
-            <a:r>
-              <a:rPr lang="fr-FR" dirty="0" err="1"/>
-              <a:t>CountVectorizer</a:t>
-            </a:r>
-            <a:r>
-              <a:rPr lang="fr-FR" dirty="0"/>
-              <a:t>)</a:t>
+              <a:t>La colonne est transformée en matrice binaire</a:t>
             </a:r>
           </a:p>
           <a:p>
@@ -10599,26 +10616,24 @@
             </a:br>
             <a:r>
               <a:rPr lang="fr-FR" altLang="fr-FR" dirty="0"/>
-              <a:t>Cas 2</a:t>
+              <a:t>Cas 2 et 3</a:t>
             </a:r>
           </a:p>
         </p:txBody>
       </p:sp>
       <p:pic>
         <p:nvPicPr>
-          <p:cNvPr id="2" name="Espace réservé du contenu 1">
-            <a:extLst>
-              <a:ext uri="{FF2B5EF4-FFF2-40B4-BE49-F238E27FC236}">
-                <a16:creationId xmlns:a16="http://schemas.microsoft.com/office/drawing/2014/main" id="{CF849990-167A-4399-A32D-23B28F1C3903}"/>
+          <p:cNvPr id="5" name="Image 4">
+            <a:extLst>
+              <a:ext uri="{FF2B5EF4-FFF2-40B4-BE49-F238E27FC236}">
+                <a16:creationId xmlns:a16="http://schemas.microsoft.com/office/drawing/2014/main" id="{8C350492-E40B-437C-8EE7-179CAD2C74ED}"/>
               </a:ext>
             </a:extLst>
           </p:cNvPr>
           <p:cNvPicPr>
-            <a:picLocks noGrp="1" noChangeAspect="1"/>
+            <a:picLocks noChangeAspect="1"/>
           </p:cNvPicPr>
-          <p:nvPr>
-            <p:ph idx="1"/>
-          </p:nvPr>
+          <p:nvPr/>
         </p:nvPicPr>
         <p:blipFill>
           <a:blip r:embed="rId3"/>
@@ -10628,8 +10643,38 @@
         </p:blipFill>
         <p:spPr>
           <a:xfrm>
-            <a:off x="1801004" y="1825625"/>
-            <a:ext cx="8589991" cy="4351338"/>
+            <a:off x="1669198" y="2309813"/>
+            <a:ext cx="3790950" cy="3867150"/>
+          </a:xfrm>
+          <a:prstGeom prst="rect">
+            <a:avLst/>
+          </a:prstGeom>
+        </p:spPr>
+      </p:pic>
+      <p:pic>
+        <p:nvPicPr>
+          <p:cNvPr id="6" name="Image 5">
+            <a:extLst>
+              <a:ext uri="{FF2B5EF4-FFF2-40B4-BE49-F238E27FC236}">
+                <a16:creationId xmlns:a16="http://schemas.microsoft.com/office/drawing/2014/main" id="{0A4A41FB-3DFA-45BC-8539-5CA6F769AA17}"/>
+              </a:ext>
+            </a:extLst>
+          </p:cNvPr>
+          <p:cNvPicPr>
+            <a:picLocks noChangeAspect="1"/>
+          </p:cNvPicPr>
+          <p:nvPr/>
+        </p:nvPicPr>
+        <p:blipFill>
+          <a:blip r:embed="rId4"/>
+          <a:stretch>
+            <a:fillRect/>
+          </a:stretch>
+        </p:blipFill>
+        <p:spPr>
+          <a:xfrm>
+            <a:off x="6291146" y="2205038"/>
+            <a:ext cx="3848100" cy="3971925"/>
           </a:xfrm>
           <a:prstGeom prst="rect">
             <a:avLst/>
@@ -10663,10 +10708,10 @@
       </p:grpSpPr>
       <p:sp>
         <p:nvSpPr>
-          <p:cNvPr id="22530" name="Titre 1">
-            <a:extLst>
-              <a:ext uri="{FF2B5EF4-FFF2-40B4-BE49-F238E27FC236}">
-                <a16:creationId xmlns:a16="http://schemas.microsoft.com/office/drawing/2014/main" id="{5424244D-AFAB-49B9-8D37-70751B423895}"/>
+          <p:cNvPr id="23554" name="Titre 1">
+            <a:extLst>
+              <a:ext uri="{FF2B5EF4-FFF2-40B4-BE49-F238E27FC236}">
+                <a16:creationId xmlns:a16="http://schemas.microsoft.com/office/drawing/2014/main" id="{E6AE1811-120A-450A-B23E-1565B900F728}"/>
               </a:ext>
             </a:extLst>
           </p:cNvPr>
@@ -10682,52 +10727,66 @@
           <a:bodyPr/>
           <a:lstStyle/>
           <a:p>
-            <a:r>
-              <a:rPr lang="fr-FR" altLang="fr-FR" dirty="0" err="1"/>
-              <a:t>Kmeans</a:t>
-            </a:r>
-            <a:br>
+            <a:pPr algn="ctr"/>
+            <a:r>
               <a:rPr lang="fr-FR" altLang="fr-FR" dirty="0"/>
-            </a:br>
+              <a:t>Coefficients de silhouette</a:t>
+            </a:r>
+          </a:p>
+        </p:txBody>
+      </p:sp>
+      <p:sp>
+        <p:nvSpPr>
+          <p:cNvPr id="23555" name="Espace réservé du contenu 7">
+            <a:extLst>
+              <a:ext uri="{FF2B5EF4-FFF2-40B4-BE49-F238E27FC236}">
+                <a16:creationId xmlns:a16="http://schemas.microsoft.com/office/drawing/2014/main" id="{BBC4A3C6-19A5-473C-9B05-83CBD2D0FD67}"/>
+              </a:ext>
+            </a:extLst>
+          </p:cNvPr>
+          <p:cNvSpPr>
+            <a:spLocks noGrp="1" noChangeArrowheads="1"/>
+          </p:cNvSpPr>
+          <p:nvPr>
+            <p:ph idx="1"/>
+          </p:nvPr>
+        </p:nvSpPr>
+        <p:spPr/>
+        <p:txBody>
+          <a:bodyPr/>
+          <a:lstStyle/>
+          <a:p>
+            <a:pPr marL="0" indent="0">
+              <a:buNone/>
+            </a:pPr>
+            <a:endParaRPr lang="fr-FR" altLang="fr-FR" dirty="0"/>
+          </a:p>
+          <a:p>
+            <a:pPr marL="0" indent="0">
+              <a:buNone/>
+            </a:pPr>
             <a:r>
               <a:rPr lang="fr-FR" altLang="fr-FR" dirty="0"/>
-              <a:t>Cas 3</a:t>
-            </a:r>
-          </a:p>
-        </p:txBody>
-      </p:sp>
-      <p:pic>
-        <p:nvPicPr>
-          <p:cNvPr id="5" name="Espace réservé du contenu 4">
-            <a:extLst>
-              <a:ext uri="{FF2B5EF4-FFF2-40B4-BE49-F238E27FC236}">
-                <a16:creationId xmlns:a16="http://schemas.microsoft.com/office/drawing/2014/main" id="{0BEEA3A4-5BD4-4697-9528-8D452158F9DA}"/>
-              </a:ext>
-            </a:extLst>
-          </p:cNvPr>
-          <p:cNvPicPr>
-            <a:picLocks noGrp="1" noChangeAspect="1"/>
-          </p:cNvPicPr>
-          <p:nvPr>
-            <p:ph idx="1"/>
-          </p:nvPr>
-        </p:nvPicPr>
-        <p:blipFill>
-          <a:blip r:embed="rId3"/>
-          <a:stretch>
-            <a:fillRect/>
-          </a:stretch>
-        </p:blipFill>
-        <p:spPr>
-          <a:xfrm>
-            <a:off x="1770822" y="1825625"/>
-            <a:ext cx="8650355" cy="4351338"/>
-          </a:xfrm>
-          <a:prstGeom prst="rect">
-            <a:avLst/>
-          </a:prstGeom>
-        </p:spPr>
-      </p:pic>
+              <a:t>Le coefficient de silhouette doit permettre d’évaluer la forme des clusters trouvés par un algorithme de clustering non supervisé</a:t>
+            </a:r>
+          </a:p>
+          <a:p>
+            <a:pPr marL="0" indent="0">
+              <a:buNone/>
+            </a:pPr>
+            <a:endParaRPr lang="fr-FR" altLang="fr-FR" dirty="0"/>
+          </a:p>
+          <a:p>
+            <a:pPr marL="0" indent="0">
+              <a:buNone/>
+            </a:pPr>
+            <a:r>
+              <a:rPr lang="fr-FR" altLang="fr-FR" dirty="0"/>
+              <a:t>Plus il sera proche de 1 plus les clusters seront denses et bien séparés</a:t>
+            </a:r>
+          </a:p>
+        </p:txBody>
+      </p:sp>
     </p:spTree>
   </p:cSld>
   <p:clrMapOvr>
@@ -10755,10 +10814,10 @@
       </p:grpSpPr>
       <p:sp>
         <p:nvSpPr>
-          <p:cNvPr id="23554" name="Titre 1">
-            <a:extLst>
-              <a:ext uri="{FF2B5EF4-FFF2-40B4-BE49-F238E27FC236}">
-                <a16:creationId xmlns:a16="http://schemas.microsoft.com/office/drawing/2014/main" id="{E6AE1811-120A-450A-B23E-1565B900F728}"/>
+          <p:cNvPr id="25602" name="Titre 1">
+            <a:extLst>
+              <a:ext uri="{FF2B5EF4-FFF2-40B4-BE49-F238E27FC236}">
+                <a16:creationId xmlns:a16="http://schemas.microsoft.com/office/drawing/2014/main" id="{3F1E8E02-702C-4ABB-981B-77A3CFCDE6A3}"/>
               </a:ext>
             </a:extLst>
           </p:cNvPr>
@@ -10774,66 +10833,49 @@
           <a:bodyPr/>
           <a:lstStyle/>
           <a:p>
-            <a:pPr algn="ctr"/>
-            <a:r>
-              <a:rPr lang="fr-FR" altLang="fr-FR" dirty="0"/>
-              <a:t>Coefficients de silhouette</a:t>
-            </a:r>
-          </a:p>
-        </p:txBody>
-      </p:sp>
-      <p:sp>
-        <p:nvSpPr>
-          <p:cNvPr id="23555" name="Espace réservé du contenu 7">
-            <a:extLst>
-              <a:ext uri="{FF2B5EF4-FFF2-40B4-BE49-F238E27FC236}">
-                <a16:creationId xmlns:a16="http://schemas.microsoft.com/office/drawing/2014/main" id="{BBC4A3C6-19A5-473C-9B05-83CBD2D0FD67}"/>
-              </a:ext>
-            </a:extLst>
-          </p:cNvPr>
-          <p:cNvSpPr>
-            <a:spLocks noGrp="1" noChangeArrowheads="1"/>
-          </p:cNvSpPr>
+            <a:r>
+              <a:rPr lang="fr-FR" altLang="fr-FR"/>
+              <a:t>Cas 1</a:t>
+            </a:r>
+          </a:p>
+        </p:txBody>
+      </p:sp>
+      <p:pic>
+        <p:nvPicPr>
+          <p:cNvPr id="25603" name="Espace réservé du contenu 6">
+            <a:extLst>
+              <a:ext uri="{FF2B5EF4-FFF2-40B4-BE49-F238E27FC236}">
+                <a16:creationId xmlns:a16="http://schemas.microsoft.com/office/drawing/2014/main" id="{5A8B80BD-F7DB-49EF-8089-2F7541BAF647}"/>
+              </a:ext>
+            </a:extLst>
+          </p:cNvPr>
+          <p:cNvPicPr>
+            <a:picLocks noGrp="1" noChangeAspect="1" noChangeArrowheads="1"/>
+          </p:cNvPicPr>
           <p:nvPr>
             <p:ph idx="1"/>
           </p:nvPr>
-        </p:nvSpPr>
-        <p:spPr/>
-        <p:txBody>
-          <a:bodyPr/>
-          <a:lstStyle/>
-          <a:p>
-            <a:pPr marL="0" indent="0">
-              <a:buNone/>
-            </a:pPr>
-            <a:endParaRPr lang="fr-FR" altLang="fr-FR" dirty="0"/>
-          </a:p>
-          <a:p>
-            <a:pPr marL="0" indent="0">
-              <a:buNone/>
-            </a:pPr>
-            <a:r>
-              <a:rPr lang="fr-FR" altLang="fr-FR" dirty="0"/>
-              <a:t>Le coefficient de silhouette doit permettre d’évaluer la forme des clusters trouvés par un algorithme de clustering non supervisé</a:t>
-            </a:r>
-          </a:p>
-          <a:p>
-            <a:pPr marL="0" indent="0">
-              <a:buNone/>
-            </a:pPr>
-            <a:endParaRPr lang="fr-FR" altLang="fr-FR" dirty="0"/>
-          </a:p>
-          <a:p>
-            <a:pPr marL="0" indent="0">
-              <a:buNone/>
-            </a:pPr>
-            <a:r>
-              <a:rPr lang="fr-FR" altLang="fr-FR" dirty="0"/>
-              <a:t>Plus il sera proche de 1 plus les clusters seront denses et bien séparés</a:t>
-            </a:r>
-          </a:p>
-        </p:txBody>
-      </p:sp>
+        </p:nvPicPr>
+        <p:blipFill>
+          <a:blip r:embed="rId3">
+            <a:extLst>
+              <a:ext uri="{28A0092B-C50C-407E-A947-70E740481C1C}">
+                <a14:useLocalDpi xmlns:a14="http://schemas.microsoft.com/office/drawing/2010/main" val="0"/>
+              </a:ext>
+            </a:extLst>
+          </a:blip>
+          <a:srcRect/>
+          <a:stretch>
+            <a:fillRect/>
+          </a:stretch>
+        </p:blipFill>
+        <p:spPr>
+          <a:xfrm>
+            <a:off x="1803550" y="1690688"/>
+            <a:ext cx="8334225" cy="4486275"/>
+          </a:xfrm>
+        </p:spPr>
+      </p:pic>
     </p:spTree>
   </p:cSld>
   <p:clrMapOvr>
@@ -10861,10 +10903,10 @@
       </p:grpSpPr>
       <p:sp>
         <p:nvSpPr>
-          <p:cNvPr id="25602" name="Titre 1">
-            <a:extLst>
-              <a:ext uri="{FF2B5EF4-FFF2-40B4-BE49-F238E27FC236}">
-                <a16:creationId xmlns:a16="http://schemas.microsoft.com/office/drawing/2014/main" id="{3F1E8E02-702C-4ABB-981B-77A3CFCDE6A3}"/>
+          <p:cNvPr id="26626" name="Titre 1">
+            <a:extLst>
+              <a:ext uri="{FF2B5EF4-FFF2-40B4-BE49-F238E27FC236}">
+                <a16:creationId xmlns:a16="http://schemas.microsoft.com/office/drawing/2014/main" id="{4A9ABC4C-1E7C-44E9-8E34-CEFCB969B176}"/>
               </a:ext>
             </a:extLst>
           </p:cNvPr>
@@ -10882,17 +10924,17 @@
           <a:p>
             <a:r>
               <a:rPr lang="fr-FR" altLang="fr-FR"/>
-              <a:t>Cas 1</a:t>
+              <a:t>Cas 2</a:t>
             </a:r>
           </a:p>
         </p:txBody>
       </p:sp>
       <p:pic>
         <p:nvPicPr>
-          <p:cNvPr id="25603" name="Espace réservé du contenu 6">
-            <a:extLst>
-              <a:ext uri="{FF2B5EF4-FFF2-40B4-BE49-F238E27FC236}">
-                <a16:creationId xmlns:a16="http://schemas.microsoft.com/office/drawing/2014/main" id="{5A8B80BD-F7DB-49EF-8089-2F7541BAF647}"/>
+          <p:cNvPr id="26627" name="Espace réservé du contenu 5">
+            <a:extLst>
+              <a:ext uri="{FF2B5EF4-FFF2-40B4-BE49-F238E27FC236}">
+                <a16:creationId xmlns:a16="http://schemas.microsoft.com/office/drawing/2014/main" id="{5EDD23E8-A351-4888-877E-8C703A50B5B8}"/>
               </a:ext>
             </a:extLst>
           </p:cNvPr>
@@ -10918,8 +10960,8 @@
         </p:blipFill>
         <p:spPr>
           <a:xfrm>
-            <a:off x="1803550" y="1690688"/>
-            <a:ext cx="8334225" cy="4486275"/>
+            <a:off x="1689358" y="1561172"/>
+            <a:ext cx="8335705" cy="4615792"/>
           </a:xfrm>
         </p:spPr>
       </p:pic>
@@ -10950,10 +10992,10 @@
       </p:grpSpPr>
       <p:sp>
         <p:nvSpPr>
-          <p:cNvPr id="26626" name="Titre 1">
-            <a:extLst>
-              <a:ext uri="{FF2B5EF4-FFF2-40B4-BE49-F238E27FC236}">
-                <a16:creationId xmlns:a16="http://schemas.microsoft.com/office/drawing/2014/main" id="{4A9ABC4C-1E7C-44E9-8E34-CEFCB969B176}"/>
+          <p:cNvPr id="28674" name="Titre 1">
+            <a:extLst>
+              <a:ext uri="{FF2B5EF4-FFF2-40B4-BE49-F238E27FC236}">
+                <a16:creationId xmlns:a16="http://schemas.microsoft.com/office/drawing/2014/main" id="{FE118F35-2658-44D0-99E0-7AC5E80BDF6F}"/>
               </a:ext>
             </a:extLst>
           </p:cNvPr>
@@ -10971,17 +11013,17 @@
           <a:p>
             <a:r>
               <a:rPr lang="fr-FR" altLang="fr-FR"/>
-              <a:t>Cas 2</a:t>
+              <a:t>Uniquement sur les genres</a:t>
             </a:r>
           </a:p>
         </p:txBody>
       </p:sp>
       <p:pic>
         <p:nvPicPr>
-          <p:cNvPr id="26627" name="Espace réservé du contenu 5">
-            <a:extLst>
-              <a:ext uri="{FF2B5EF4-FFF2-40B4-BE49-F238E27FC236}">
-                <a16:creationId xmlns:a16="http://schemas.microsoft.com/office/drawing/2014/main" id="{5EDD23E8-A351-4888-877E-8C703A50B5B8}"/>
+          <p:cNvPr id="28675" name="Espace réservé du contenu 3">
+            <a:extLst>
+              <a:ext uri="{FF2B5EF4-FFF2-40B4-BE49-F238E27FC236}">
+                <a16:creationId xmlns:a16="http://schemas.microsoft.com/office/drawing/2014/main" id="{6A88EF66-64B5-4524-9C90-34EF8839FAD3}"/>
               </a:ext>
             </a:extLst>
           </p:cNvPr>
@@ -10993,7 +11035,7 @@
           </p:nvPr>
         </p:nvPicPr>
         <p:blipFill>
-          <a:blip r:embed="rId3">
+          <a:blip r:embed="rId2">
             <a:extLst>
               <a:ext uri="{28A0092B-C50C-407E-A947-70E740481C1C}">
                 <a14:useLocalDpi xmlns:a14="http://schemas.microsoft.com/office/drawing/2010/main" val="0"/>
@@ -11007,8 +11049,8 @@
         </p:blipFill>
         <p:spPr>
           <a:xfrm>
-            <a:off x="1689358" y="1561172"/>
-            <a:ext cx="8335705" cy="4615792"/>
+            <a:off x="2165350" y="1825625"/>
+            <a:ext cx="7861300" cy="4351338"/>
           </a:xfrm>
         </p:spPr>
       </p:pic>
@@ -11101,31 +11143,47 @@
           <a:p>
             <a:r>
               <a:rPr lang="fr-FR" altLang="fr-FR" dirty="0"/>
-              <a:t>PCA</a:t>
-            </a:r>
-          </a:p>
-          <a:p>
+              <a:t>Analyse</a:t>
+            </a:r>
+          </a:p>
+          <a:p>
+            <a:pPr lvl="1"/>
+            <a:r>
+              <a:rPr lang="fr-FR" altLang="fr-FR" dirty="0"/>
+              <a:t>Analyse en composantes principales (PCA)</a:t>
+            </a:r>
+          </a:p>
+          <a:p>
+            <a:pPr lvl="1"/>
             <a:r>
               <a:rPr lang="fr-FR" altLang="fr-FR" dirty="0"/>
               <a:t>Coefficients de silhouette</a:t>
             </a:r>
           </a:p>
           <a:p>
+            <a:pPr lvl="1"/>
             <a:r>
               <a:rPr lang="fr-FR" altLang="fr-FR" dirty="0"/>
               <a:t>Dendrogrammes</a:t>
             </a:r>
           </a:p>
           <a:p>
+            <a:pPr lvl="1"/>
             <a:r>
               <a:rPr lang="fr-FR" altLang="fr-FR" dirty="0"/>
-              <a:t>Calculs de distance</a:t>
+              <a:t>Calculs de distances</a:t>
             </a:r>
           </a:p>
           <a:p>
             <a:r>
               <a:rPr lang="fr-FR" altLang="fr-FR" dirty="0"/>
-              <a:t>Le service web</a:t>
+              <a:t>Modèle retenu</a:t>
+            </a:r>
+          </a:p>
+          <a:p>
+            <a:r>
+              <a:rPr lang="fr-FR" altLang="fr-FR" dirty="0"/>
+              <a:t>Livrables</a:t>
             </a:r>
           </a:p>
         </p:txBody>
@@ -11157,10 +11215,10 @@
       </p:grpSpPr>
       <p:sp>
         <p:nvSpPr>
-          <p:cNvPr id="27650" name="Titre 1">
-            <a:extLst>
-              <a:ext uri="{FF2B5EF4-FFF2-40B4-BE49-F238E27FC236}">
-                <a16:creationId xmlns:a16="http://schemas.microsoft.com/office/drawing/2014/main" id="{EA4FC90E-6C64-4A42-BF7D-F35FE7C9916B}"/>
+          <p:cNvPr id="29698" name="Titre 1">
+            <a:extLst>
+              <a:ext uri="{FF2B5EF4-FFF2-40B4-BE49-F238E27FC236}">
+                <a16:creationId xmlns:a16="http://schemas.microsoft.com/office/drawing/2014/main" id="{2ABEBA9F-3178-4FA6-983F-358B330AF177}"/>
               </a:ext>
             </a:extLst>
           </p:cNvPr>
@@ -11176,49 +11234,67 @@
           <a:bodyPr/>
           <a:lstStyle/>
           <a:p>
-            <a:r>
-              <a:rPr lang="fr-FR" altLang="fr-FR"/>
-              <a:t>Cas 3</a:t>
-            </a:r>
-          </a:p>
-        </p:txBody>
-      </p:sp>
-      <p:pic>
-        <p:nvPicPr>
-          <p:cNvPr id="27651" name="Espace réservé du contenu 3">
-            <a:extLst>
-              <a:ext uri="{FF2B5EF4-FFF2-40B4-BE49-F238E27FC236}">
-                <a16:creationId xmlns:a16="http://schemas.microsoft.com/office/drawing/2014/main" id="{92D8B447-1DF5-43B9-9B4A-B76F2798C3BD}"/>
-              </a:ext>
-            </a:extLst>
-          </p:cNvPr>
-          <p:cNvPicPr>
-            <a:picLocks noGrp="1" noChangeAspect="1" noChangeArrowheads="1"/>
-          </p:cNvPicPr>
+            <a:pPr algn="ctr"/>
+            <a:r>
+              <a:rPr lang="fr-FR" altLang="fr-FR" dirty="0"/>
+              <a:t>Dendrogrammes</a:t>
+            </a:r>
+          </a:p>
+        </p:txBody>
+      </p:sp>
+      <p:sp>
+        <p:nvSpPr>
+          <p:cNvPr id="29699" name="Espace réservé du contenu 2">
+            <a:extLst>
+              <a:ext uri="{FF2B5EF4-FFF2-40B4-BE49-F238E27FC236}">
+                <a16:creationId xmlns:a16="http://schemas.microsoft.com/office/drawing/2014/main" id="{0FC786AD-19FE-4559-AF60-ECC78C2596A1}"/>
+              </a:ext>
+            </a:extLst>
+          </p:cNvPr>
+          <p:cNvSpPr>
+            <a:spLocks noGrp="1" noChangeArrowheads="1"/>
+          </p:cNvSpPr>
           <p:nvPr>
             <p:ph idx="1"/>
           </p:nvPr>
-        </p:nvPicPr>
-        <p:blipFill>
-          <a:blip r:embed="rId2">
-            <a:extLst>
-              <a:ext uri="{28A0092B-C50C-407E-A947-70E740481C1C}">
-                <a14:useLocalDpi xmlns:a14="http://schemas.microsoft.com/office/drawing/2010/main" val="0"/>
-              </a:ext>
-            </a:extLst>
-          </a:blip>
-          <a:srcRect/>
-          <a:stretch>
-            <a:fillRect/>
-          </a:stretch>
-        </p:blipFill>
-        <p:spPr>
-          <a:xfrm>
-            <a:off x="1668732" y="1572322"/>
-            <a:ext cx="8392843" cy="4604641"/>
-          </a:xfrm>
-        </p:spPr>
-      </p:pic>
+        </p:nvSpPr>
+        <p:spPr/>
+        <p:txBody>
+          <a:bodyPr/>
+          <a:lstStyle/>
+          <a:p>
+            <a:r>
+              <a:rPr lang="fr-FR" altLang="fr-FR" dirty="0"/>
+              <a:t>On va vérifier qu’il n’y a pas de découpage en clusters évident</a:t>
+            </a:r>
+          </a:p>
+          <a:p>
+            <a:r>
+              <a:rPr lang="fr-FR" altLang="fr-FR" dirty="0"/>
+              <a:t>Clustering de Ward</a:t>
+            </a:r>
+          </a:p>
+          <a:p>
+            <a:r>
+              <a:rPr lang="fr-FR" altLang="fr-FR" dirty="0"/>
+              <a:t>Single linkage, </a:t>
+            </a:r>
+            <a:r>
+              <a:rPr lang="fr-FR" altLang="fr-FR" dirty="0" err="1"/>
+              <a:t>complete</a:t>
+            </a:r>
+            <a:r>
+              <a:rPr lang="fr-FR" altLang="fr-FR" dirty="0"/>
+              <a:t>, </a:t>
+            </a:r>
+            <a:r>
+              <a:rPr lang="fr-FR" altLang="fr-FR" dirty="0" err="1"/>
+              <a:t>average</a:t>
+            </a:r>
+            <a:endParaRPr lang="fr-FR" altLang="fr-FR" dirty="0"/>
+          </a:p>
+        </p:txBody>
+      </p:sp>
     </p:spTree>
   </p:cSld>
   <p:clrMapOvr>
@@ -11246,10 +11322,10 @@
       </p:grpSpPr>
       <p:sp>
         <p:nvSpPr>
-          <p:cNvPr id="28674" name="Titre 1">
-            <a:extLst>
-              <a:ext uri="{FF2B5EF4-FFF2-40B4-BE49-F238E27FC236}">
-                <a16:creationId xmlns:a16="http://schemas.microsoft.com/office/drawing/2014/main" id="{FE118F35-2658-44D0-99E0-7AC5E80BDF6F}"/>
+          <p:cNvPr id="33794" name="Titre 1">
+            <a:extLst>
+              <a:ext uri="{FF2B5EF4-FFF2-40B4-BE49-F238E27FC236}">
+                <a16:creationId xmlns:a16="http://schemas.microsoft.com/office/drawing/2014/main" id="{20EE41D1-B5E4-4FB5-ACB7-C4F95FE03FF2}"/>
               </a:ext>
             </a:extLst>
           </p:cNvPr>
@@ -11265,19 +11341,20 @@
           <a:bodyPr/>
           <a:lstStyle/>
           <a:p>
-            <a:r>
-              <a:rPr lang="fr-FR" altLang="fr-FR"/>
-              <a:t>Uniquement sur les genres</a:t>
+            <a:pPr algn="ctr"/>
+            <a:r>
+              <a:rPr lang="fr-FR" altLang="fr-FR" dirty="0"/>
+              <a:t>Cas 1 : Difficile de trancher</a:t>
             </a:r>
           </a:p>
         </p:txBody>
       </p:sp>
       <p:pic>
         <p:nvPicPr>
-          <p:cNvPr id="28675" name="Espace réservé du contenu 3">
-            <a:extLst>
-              <a:ext uri="{FF2B5EF4-FFF2-40B4-BE49-F238E27FC236}">
-                <a16:creationId xmlns:a16="http://schemas.microsoft.com/office/drawing/2014/main" id="{6A88EF66-64B5-4524-9C90-34EF8839FAD3}"/>
+          <p:cNvPr id="33795" name="Espace réservé du contenu 3">
+            <a:extLst>
+              <a:ext uri="{FF2B5EF4-FFF2-40B4-BE49-F238E27FC236}">
+                <a16:creationId xmlns:a16="http://schemas.microsoft.com/office/drawing/2014/main" id="{D77E55A6-8875-441A-A9C6-37983EF2FB82}"/>
               </a:ext>
             </a:extLst>
           </p:cNvPr>
@@ -11303,8 +11380,8 @@
         </p:blipFill>
         <p:spPr>
           <a:xfrm>
-            <a:off x="2165350" y="1825625"/>
-            <a:ext cx="7861300" cy="4351338"/>
+            <a:off x="1995488" y="1825625"/>
+            <a:ext cx="8201025" cy="4351338"/>
           </a:xfrm>
         </p:spPr>
       </p:pic>
@@ -11335,10 +11412,10 @@
       </p:grpSpPr>
       <p:sp>
         <p:nvSpPr>
-          <p:cNvPr id="29698" name="Titre 1">
-            <a:extLst>
-              <a:ext uri="{FF2B5EF4-FFF2-40B4-BE49-F238E27FC236}">
-                <a16:creationId xmlns:a16="http://schemas.microsoft.com/office/drawing/2014/main" id="{2ABEBA9F-3178-4FA6-983F-358B330AF177}"/>
+          <p:cNvPr id="34818" name="Titre 1">
+            <a:extLst>
+              <a:ext uri="{FF2B5EF4-FFF2-40B4-BE49-F238E27FC236}">
+                <a16:creationId xmlns:a16="http://schemas.microsoft.com/office/drawing/2014/main" id="{01604B64-58F1-47B7-8E07-DBD7E5694D7E}"/>
               </a:ext>
             </a:extLst>
           </p:cNvPr>
@@ -11357,67 +11434,47 @@
             <a:pPr algn="ctr"/>
             <a:r>
               <a:rPr lang="fr-FR" altLang="fr-FR" dirty="0"/>
-              <a:t>Dendrogrammes</a:t>
-            </a:r>
-          </a:p>
-        </p:txBody>
-      </p:sp>
-      <p:sp>
-        <p:nvSpPr>
-          <p:cNvPr id="29699" name="Espace réservé du contenu 2">
-            <a:extLst>
-              <a:ext uri="{FF2B5EF4-FFF2-40B4-BE49-F238E27FC236}">
-                <a16:creationId xmlns:a16="http://schemas.microsoft.com/office/drawing/2014/main" id="{0FC786AD-19FE-4559-AF60-ECC78C2596A1}"/>
-              </a:ext>
-            </a:extLst>
-          </p:cNvPr>
-          <p:cNvSpPr>
-            <a:spLocks noGrp="1" noChangeArrowheads="1"/>
-          </p:cNvSpPr>
+              <a:t>Cas 2 : Pas mieux</a:t>
+            </a:r>
+          </a:p>
+        </p:txBody>
+      </p:sp>
+      <p:pic>
+        <p:nvPicPr>
+          <p:cNvPr id="34819" name="Espace réservé du contenu 3">
+            <a:extLst>
+              <a:ext uri="{FF2B5EF4-FFF2-40B4-BE49-F238E27FC236}">
+                <a16:creationId xmlns:a16="http://schemas.microsoft.com/office/drawing/2014/main" id="{F8EACCAA-0DAA-45AE-B0A0-0202033BEEB9}"/>
+              </a:ext>
+            </a:extLst>
+          </p:cNvPr>
+          <p:cNvPicPr>
+            <a:picLocks noGrp="1" noChangeAspect="1" noChangeArrowheads="1"/>
+          </p:cNvPicPr>
           <p:nvPr>
             <p:ph idx="1"/>
           </p:nvPr>
-        </p:nvSpPr>
-        <p:spPr/>
-        <p:txBody>
-          <a:bodyPr/>
-          <a:lstStyle/>
-          <a:p>
-            <a:r>
-              <a:rPr lang="fr-FR" altLang="fr-FR" dirty="0"/>
-              <a:t>On va vérifier qu’il n’y a pas de découpage en clusters évident</a:t>
-            </a:r>
-          </a:p>
-          <a:p>
-            <a:r>
-              <a:rPr lang="fr-FR" altLang="fr-FR" dirty="0"/>
-              <a:t>Méthode utilisée : clustering de Ward</a:t>
-            </a:r>
-          </a:p>
-          <a:p>
-            <a:r>
-              <a:rPr lang="fr-FR" altLang="fr-FR" dirty="0"/>
-              <a:t>Pas mieux avec les autres méthodes (single, </a:t>
-            </a:r>
-            <a:r>
-              <a:rPr lang="fr-FR" altLang="fr-FR" dirty="0" err="1"/>
-              <a:t>complete</a:t>
-            </a:r>
-            <a:r>
-              <a:rPr lang="fr-FR" altLang="fr-FR" dirty="0"/>
-              <a:t>, </a:t>
-            </a:r>
-            <a:r>
-              <a:rPr lang="fr-FR" altLang="fr-FR" dirty="0" err="1"/>
-              <a:t>average</a:t>
-            </a:r>
-            <a:r>
-              <a:rPr lang="fr-FR" altLang="fr-FR" dirty="0"/>
-              <a:t>…) </a:t>
-            </a:r>
-          </a:p>
-        </p:txBody>
-      </p:sp>
+        </p:nvPicPr>
+        <p:blipFill>
+          <a:blip r:embed="rId2">
+            <a:extLst>
+              <a:ext uri="{28A0092B-C50C-407E-A947-70E740481C1C}">
+                <a14:useLocalDpi xmlns:a14="http://schemas.microsoft.com/office/drawing/2010/main" val="0"/>
+              </a:ext>
+            </a:extLst>
+          </a:blip>
+          <a:srcRect/>
+          <a:stretch>
+            <a:fillRect/>
+          </a:stretch>
+        </p:blipFill>
+        <p:spPr>
+          <a:xfrm>
+            <a:off x="2071688" y="1825625"/>
+            <a:ext cx="8048625" cy="4351338"/>
+          </a:xfrm>
+        </p:spPr>
+      </p:pic>
     </p:spTree>
   </p:cSld>
   <p:clrMapOvr>
@@ -11445,10 +11502,10 @@
       </p:grpSpPr>
       <p:sp>
         <p:nvSpPr>
-          <p:cNvPr id="33794" name="Titre 1">
-            <a:extLst>
-              <a:ext uri="{FF2B5EF4-FFF2-40B4-BE49-F238E27FC236}">
-                <a16:creationId xmlns:a16="http://schemas.microsoft.com/office/drawing/2014/main" id="{20EE41D1-B5E4-4FB5-ACB7-C4F95FE03FF2}"/>
+          <p:cNvPr id="36866" name="Titre 1">
+            <a:extLst>
+              <a:ext uri="{FF2B5EF4-FFF2-40B4-BE49-F238E27FC236}">
+                <a16:creationId xmlns:a16="http://schemas.microsoft.com/office/drawing/2014/main" id="{8A2B7A7E-C142-4967-8F38-DDE5B742654A}"/>
               </a:ext>
             </a:extLst>
           </p:cNvPr>
@@ -11467,17 +11524,25 @@
             <a:pPr algn="ctr"/>
             <a:r>
               <a:rPr lang="fr-FR" altLang="fr-FR" dirty="0"/>
-              <a:t>Cas 1 : Difficile de trancher</a:t>
+              <a:t>Avec la métrique </a:t>
+            </a:r>
+            <a:r>
+              <a:rPr lang="fr-FR" altLang="fr-FR" dirty="0" err="1"/>
+              <a:t>average</a:t>
+            </a:r>
+            <a:r>
+              <a:rPr lang="fr-FR" altLang="fr-FR" dirty="0"/>
+              <a:t> cas 1</a:t>
             </a:r>
           </a:p>
         </p:txBody>
       </p:sp>
       <p:pic>
         <p:nvPicPr>
-          <p:cNvPr id="33795" name="Espace réservé du contenu 3">
-            <a:extLst>
-              <a:ext uri="{FF2B5EF4-FFF2-40B4-BE49-F238E27FC236}">
-                <a16:creationId xmlns:a16="http://schemas.microsoft.com/office/drawing/2014/main" id="{D77E55A6-8875-441A-A9C6-37983EF2FB82}"/>
+          <p:cNvPr id="36867" name="Espace réservé du contenu 6">
+            <a:extLst>
+              <a:ext uri="{FF2B5EF4-FFF2-40B4-BE49-F238E27FC236}">
+                <a16:creationId xmlns:a16="http://schemas.microsoft.com/office/drawing/2014/main" id="{9C499DE9-79DC-46FB-B290-69FD2311810F}"/>
               </a:ext>
             </a:extLst>
           </p:cNvPr>
@@ -11503,8 +11568,8 @@
         </p:blipFill>
         <p:spPr>
           <a:xfrm>
-            <a:off x="1995488" y="1825625"/>
-            <a:ext cx="8201025" cy="4351338"/>
+            <a:off x="2092325" y="1825625"/>
+            <a:ext cx="8007350" cy="4351338"/>
           </a:xfrm>
         </p:spPr>
       </p:pic>
@@ -11535,10 +11600,10 @@
       </p:grpSpPr>
       <p:sp>
         <p:nvSpPr>
-          <p:cNvPr id="34818" name="Titre 1">
-            <a:extLst>
-              <a:ext uri="{FF2B5EF4-FFF2-40B4-BE49-F238E27FC236}">
-                <a16:creationId xmlns:a16="http://schemas.microsoft.com/office/drawing/2014/main" id="{01604B64-58F1-47B7-8E07-DBD7E5694D7E}"/>
+          <p:cNvPr id="37890" name="Titre 1">
+            <a:extLst>
+              <a:ext uri="{FF2B5EF4-FFF2-40B4-BE49-F238E27FC236}">
+                <a16:creationId xmlns:a16="http://schemas.microsoft.com/office/drawing/2014/main" id="{D4F45EB5-974A-44DA-9281-DE0F6CD9BA5C}"/>
               </a:ext>
             </a:extLst>
           </p:cNvPr>
@@ -11557,17 +11622,25 @@
             <a:pPr algn="ctr"/>
             <a:r>
               <a:rPr lang="fr-FR" altLang="fr-FR" dirty="0"/>
-              <a:t>Cas 2 : Pas mieux</a:t>
+              <a:t>Avec la métrique </a:t>
+            </a:r>
+            <a:r>
+              <a:rPr lang="fr-FR" altLang="fr-FR" dirty="0" err="1"/>
+              <a:t>average</a:t>
+            </a:r>
+            <a:r>
+              <a:rPr lang="fr-FR" altLang="fr-FR" dirty="0"/>
+              <a:t> cas 2</a:t>
             </a:r>
           </a:p>
         </p:txBody>
       </p:sp>
       <p:pic>
         <p:nvPicPr>
-          <p:cNvPr id="34819" name="Espace réservé du contenu 3">
-            <a:extLst>
-              <a:ext uri="{FF2B5EF4-FFF2-40B4-BE49-F238E27FC236}">
-                <a16:creationId xmlns:a16="http://schemas.microsoft.com/office/drawing/2014/main" id="{F8EACCAA-0DAA-45AE-B0A0-0202033BEEB9}"/>
+          <p:cNvPr id="37891" name="Espace réservé du contenu 5">
+            <a:extLst>
+              <a:ext uri="{FF2B5EF4-FFF2-40B4-BE49-F238E27FC236}">
+                <a16:creationId xmlns:a16="http://schemas.microsoft.com/office/drawing/2014/main" id="{B095525D-BAAA-47FF-8A6B-2507C9028315}"/>
               </a:ext>
             </a:extLst>
           </p:cNvPr>
@@ -11593,8 +11666,8 @@
         </p:blipFill>
         <p:spPr>
           <a:xfrm>
-            <a:off x="2071688" y="1825625"/>
-            <a:ext cx="8048625" cy="4351338"/>
+            <a:off x="2200275" y="1825625"/>
+            <a:ext cx="7791450" cy="4351338"/>
           </a:xfrm>
         </p:spPr>
       </p:pic>
@@ -11625,10 +11698,10 @@
       </p:grpSpPr>
       <p:sp>
         <p:nvSpPr>
-          <p:cNvPr id="35842" name="Titre 1">
-            <a:extLst>
-              <a:ext uri="{FF2B5EF4-FFF2-40B4-BE49-F238E27FC236}">
-                <a16:creationId xmlns:a16="http://schemas.microsoft.com/office/drawing/2014/main" id="{96CC4F1D-1A02-4934-AEA5-A9E3BFF0C744}"/>
+          <p:cNvPr id="38914" name="Titre 1">
+            <a:extLst>
+              <a:ext uri="{FF2B5EF4-FFF2-40B4-BE49-F238E27FC236}">
+                <a16:creationId xmlns:a16="http://schemas.microsoft.com/office/drawing/2014/main" id="{E7482E24-7CAF-46F1-917C-C339CE0CBF57}"/>
               </a:ext>
             </a:extLst>
           </p:cNvPr>
@@ -11647,47 +11720,77 @@
             <a:pPr algn="ctr"/>
             <a:r>
               <a:rPr lang="fr-FR" altLang="fr-FR" dirty="0"/>
-              <a:t>Cas 3 : Encore pire</a:t>
-            </a:r>
-          </a:p>
-        </p:txBody>
-      </p:sp>
-      <p:pic>
-        <p:nvPicPr>
-          <p:cNvPr id="35843" name="Espace réservé du contenu 3">
-            <a:extLst>
-              <a:ext uri="{FF2B5EF4-FFF2-40B4-BE49-F238E27FC236}">
-                <a16:creationId xmlns:a16="http://schemas.microsoft.com/office/drawing/2014/main" id="{BEA34C67-7A43-4727-848F-7C5DD5BD3C94}"/>
-              </a:ext>
-            </a:extLst>
-          </p:cNvPr>
-          <p:cNvPicPr>
-            <a:picLocks noGrp="1" noChangeAspect="1" noChangeArrowheads="1"/>
-          </p:cNvPicPr>
+              <a:t>Distances</a:t>
+            </a:r>
+          </a:p>
+        </p:txBody>
+      </p:sp>
+      <p:sp>
+        <p:nvSpPr>
+          <p:cNvPr id="38915" name="Espace réservé du contenu 2">
+            <a:extLst>
+              <a:ext uri="{FF2B5EF4-FFF2-40B4-BE49-F238E27FC236}">
+                <a16:creationId xmlns:a16="http://schemas.microsoft.com/office/drawing/2014/main" id="{7159C0EE-4269-4C23-8B01-60279563C301}"/>
+              </a:ext>
+            </a:extLst>
+          </p:cNvPr>
+          <p:cNvSpPr>
+            <a:spLocks noGrp="1" noChangeArrowheads="1"/>
+          </p:cNvSpPr>
           <p:nvPr>
             <p:ph idx="1"/>
           </p:nvPr>
-        </p:nvPicPr>
-        <p:blipFill>
-          <a:blip r:embed="rId2">
-            <a:extLst>
-              <a:ext uri="{28A0092B-C50C-407E-A947-70E740481C1C}">
-                <a14:useLocalDpi xmlns:a14="http://schemas.microsoft.com/office/drawing/2010/main" val="0"/>
-              </a:ext>
-            </a:extLst>
-          </a:blip>
-          <a:srcRect/>
-          <a:stretch>
-            <a:fillRect/>
-          </a:stretch>
-        </p:blipFill>
-        <p:spPr>
-          <a:xfrm>
-            <a:off x="1992313" y="1825625"/>
-            <a:ext cx="8207375" cy="4351338"/>
-          </a:xfrm>
-        </p:spPr>
-      </p:pic>
+        </p:nvSpPr>
+        <p:spPr/>
+        <p:txBody>
+          <a:bodyPr/>
+          <a:lstStyle/>
+          <a:p>
+            <a:pPr marL="0" indent="0">
+              <a:buFont typeface="Arial" panose="020B0604020202020204" pitchFamily="34" charset="0"/>
+              <a:buNone/>
+            </a:pPr>
+            <a:r>
+              <a:rPr lang="fr-FR" altLang="fr-FR"/>
+              <a:t>Le clustering ne permet pas de créer des groupes à partir de la base de films. Mais recommander c’est surtout trouver des éléments proches.</a:t>
+            </a:r>
+          </a:p>
+          <a:p>
+            <a:pPr marL="0" indent="0">
+              <a:buFont typeface="Arial" panose="020B0604020202020204" pitchFamily="34" charset="0"/>
+              <a:buNone/>
+            </a:pPr>
+            <a:endParaRPr lang="fr-FR" altLang="fr-FR"/>
+          </a:p>
+          <a:p>
+            <a:pPr marL="0" indent="0">
+              <a:buFont typeface="Arial" panose="020B0604020202020204" pitchFamily="34" charset="0"/>
+              <a:buNone/>
+            </a:pPr>
+            <a:r>
+              <a:rPr lang="fr-FR" altLang="fr-FR"/>
+              <a:t>On va donc calculer la distance entre chaque élément</a:t>
+            </a:r>
+          </a:p>
+          <a:p>
+            <a:pPr marL="0" indent="0">
+              <a:buFont typeface="Arial" panose="020B0604020202020204" pitchFamily="34" charset="0"/>
+              <a:buNone/>
+            </a:pPr>
+            <a:endParaRPr lang="fr-FR" altLang="fr-FR"/>
+          </a:p>
+          <a:p>
+            <a:pPr marL="0" indent="0">
+              <a:buFont typeface="Arial" panose="020B0604020202020204" pitchFamily="34" charset="0"/>
+              <a:buNone/>
+            </a:pPr>
+            <a:r>
+              <a:rPr lang="fr-FR" altLang="fr-FR"/>
+              <a:t>Puis pour chaque film lister les plus proches voisins qui serviront à la recommandation</a:t>
+            </a:r>
+          </a:p>
+        </p:txBody>
+      </p:sp>
     </p:spTree>
   </p:cSld>
   <p:clrMapOvr>
@@ -11715,10 +11818,10 @@
       </p:grpSpPr>
       <p:sp>
         <p:nvSpPr>
-          <p:cNvPr id="36866" name="Titre 1">
-            <a:extLst>
-              <a:ext uri="{FF2B5EF4-FFF2-40B4-BE49-F238E27FC236}">
-                <a16:creationId xmlns:a16="http://schemas.microsoft.com/office/drawing/2014/main" id="{8A2B7A7E-C142-4967-8F38-DDE5B742654A}"/>
+          <p:cNvPr id="39938" name="Titre 1">
+            <a:extLst>
+              <a:ext uri="{FF2B5EF4-FFF2-40B4-BE49-F238E27FC236}">
+                <a16:creationId xmlns:a16="http://schemas.microsoft.com/office/drawing/2014/main" id="{67487752-27E9-422F-90E7-D0173AD69F0D}"/>
               </a:ext>
             </a:extLst>
           </p:cNvPr>
@@ -11737,55 +11840,181 @@
             <a:pPr algn="ctr"/>
             <a:r>
               <a:rPr lang="fr-FR" altLang="fr-FR" dirty="0"/>
-              <a:t>Avec la métrique </a:t>
-            </a:r>
-            <a:r>
-              <a:rPr lang="fr-FR" altLang="fr-FR" dirty="0" err="1"/>
-              <a:t>average</a:t>
-            </a:r>
-            <a:r>
-              <a:rPr lang="fr-FR" altLang="fr-FR" dirty="0"/>
-              <a:t> cas 1</a:t>
-            </a:r>
-          </a:p>
-        </p:txBody>
-      </p:sp>
-      <p:pic>
-        <p:nvPicPr>
-          <p:cNvPr id="36867" name="Espace réservé du contenu 6">
-            <a:extLst>
-              <a:ext uri="{FF2B5EF4-FFF2-40B4-BE49-F238E27FC236}">
-                <a16:creationId xmlns:a16="http://schemas.microsoft.com/office/drawing/2014/main" id="{9C499DE9-79DC-46FB-B290-69FD2311810F}"/>
-              </a:ext>
-            </a:extLst>
-          </p:cNvPr>
-          <p:cNvPicPr>
-            <a:picLocks noGrp="1" noChangeAspect="1" noChangeArrowheads="1"/>
-          </p:cNvPicPr>
+              <a:t>Quelle méthode ? Quelle distance ?</a:t>
+            </a:r>
+          </a:p>
+        </p:txBody>
+      </p:sp>
+      <p:sp>
+        <p:nvSpPr>
+          <p:cNvPr id="3" name="Espace réservé du contenu 2">
+            <a:extLst>
+              <a:ext uri="{FF2B5EF4-FFF2-40B4-BE49-F238E27FC236}">
+                <a16:creationId xmlns:a16="http://schemas.microsoft.com/office/drawing/2014/main" id="{41DDAAA2-19A0-4CCA-A2CA-E4C2EF052A22}"/>
+              </a:ext>
+            </a:extLst>
+          </p:cNvPr>
+          <p:cNvSpPr>
+            <a:spLocks noGrp="1"/>
+          </p:cNvSpPr>
           <p:nvPr>
             <p:ph idx="1"/>
           </p:nvPr>
-        </p:nvPicPr>
-        <p:blipFill>
-          <a:blip r:embed="rId2">
-            <a:extLst>
-              <a:ext uri="{28A0092B-C50C-407E-A947-70E740481C1C}">
-                <a14:useLocalDpi xmlns:a14="http://schemas.microsoft.com/office/drawing/2010/main" val="0"/>
-              </a:ext>
-            </a:extLst>
-          </a:blip>
-          <a:srcRect/>
-          <a:stretch>
-            <a:fillRect/>
-          </a:stretch>
-        </p:blipFill>
-        <p:spPr>
-          <a:xfrm>
-            <a:off x="2092325" y="1825625"/>
-            <a:ext cx="8007350" cy="4351338"/>
-          </a:xfrm>
-        </p:spPr>
-      </p:pic>
+        </p:nvSpPr>
+        <p:spPr/>
+        <p:txBody>
+          <a:bodyPr rtlCol="0">
+            <a:normAutofit/>
+          </a:bodyPr>
+          <a:lstStyle/>
+          <a:p>
+            <a:pPr marL="514350" indent="-514350" fontAlgn="auto">
+              <a:spcAft>
+                <a:spcPts val="0"/>
+              </a:spcAft>
+              <a:buFont typeface="+mj-lt"/>
+              <a:buAutoNum type="arabicPeriod"/>
+              <a:defRPr/>
+            </a:pPr>
+            <a:r>
+              <a:rPr lang="fr-FR" dirty="0"/>
+              <a:t>Après numérisation des features</a:t>
+            </a:r>
+          </a:p>
+          <a:p>
+            <a:pPr lvl="1" fontAlgn="auto">
+              <a:spcAft>
+                <a:spcPts val="0"/>
+              </a:spcAft>
+              <a:defRPr/>
+            </a:pPr>
+            <a:r>
+              <a:rPr lang="fr-FR" dirty="0" err="1"/>
+              <a:t>Cosine</a:t>
+            </a:r>
+            <a:r>
+              <a:rPr lang="fr-FR" dirty="0"/>
+              <a:t> </a:t>
+            </a:r>
+            <a:r>
+              <a:rPr lang="fr-FR" dirty="0" err="1"/>
+              <a:t>similarity</a:t>
+            </a:r>
+            <a:r>
+              <a:rPr lang="fr-FR" dirty="0"/>
+              <a:t> (cosinus de l’angle entre les 2 vecteurs)</a:t>
+            </a:r>
+          </a:p>
+          <a:p>
+            <a:pPr lvl="1" fontAlgn="auto">
+              <a:spcAft>
+                <a:spcPts val="0"/>
+              </a:spcAft>
+              <a:defRPr/>
+            </a:pPr>
+            <a:r>
+              <a:rPr lang="fr-FR" dirty="0" err="1"/>
+              <a:t>Linear</a:t>
+            </a:r>
+            <a:r>
+              <a:rPr lang="fr-FR" dirty="0"/>
+              <a:t> kernel</a:t>
+            </a:r>
+          </a:p>
+          <a:p>
+            <a:pPr lvl="1" fontAlgn="auto">
+              <a:spcAft>
+                <a:spcPts val="0"/>
+              </a:spcAft>
+              <a:defRPr/>
+            </a:pPr>
+            <a:r>
+              <a:rPr lang="fr-FR" dirty="0"/>
+              <a:t>Chi2 kernel (avec matrice positive)</a:t>
+            </a:r>
+          </a:p>
+          <a:p>
+            <a:pPr lvl="1" fontAlgn="auto">
+              <a:spcAft>
+                <a:spcPts val="0"/>
+              </a:spcAft>
+              <a:defRPr/>
+            </a:pPr>
+            <a:r>
+              <a:rPr lang="fr-FR" dirty="0"/>
+              <a:t>…</a:t>
+            </a:r>
+          </a:p>
+          <a:p>
+            <a:pPr marL="514350" indent="-514350" fontAlgn="auto">
+              <a:spcAft>
+                <a:spcPts val="0"/>
+              </a:spcAft>
+              <a:buFont typeface="+mj-lt"/>
+              <a:buAutoNum type="arabicPeriod"/>
+              <a:defRPr/>
+            </a:pPr>
+            <a:r>
+              <a:rPr lang="fr-FR" dirty="0"/>
+              <a:t>Directement sur la matrice non numérisée</a:t>
+            </a:r>
+          </a:p>
+          <a:p>
+            <a:pPr lvl="1" fontAlgn="auto">
+              <a:spcAft>
+                <a:spcPts val="0"/>
+              </a:spcAft>
+              <a:defRPr/>
+            </a:pPr>
+            <a:r>
+              <a:rPr lang="fr-FR" dirty="0"/>
+              <a:t>Gower</a:t>
+            </a:r>
+          </a:p>
+          <a:p>
+            <a:pPr lvl="2" fontAlgn="auto">
+              <a:spcAft>
+                <a:spcPts val="0"/>
+              </a:spcAft>
+              <a:defRPr/>
+            </a:pPr>
+            <a:r>
+              <a:rPr lang="fr-FR" dirty="0"/>
+              <a:t>Distance Manhattan pour les numériques</a:t>
+            </a:r>
+          </a:p>
+          <a:p>
+            <a:pPr lvl="2" fontAlgn="auto">
+              <a:spcAft>
+                <a:spcPts val="0"/>
+              </a:spcAft>
+              <a:defRPr/>
+            </a:pPr>
+            <a:r>
+              <a:rPr lang="fr-FR" dirty="0"/>
+              <a:t>Distance </a:t>
+            </a:r>
+            <a:r>
+              <a:rPr lang="fr-FR" dirty="0" err="1"/>
+              <a:t>Dice</a:t>
+            </a:r>
+            <a:r>
+              <a:rPr lang="fr-FR" dirty="0"/>
+              <a:t> pour les variables qualitatives</a:t>
+            </a:r>
+          </a:p>
+          <a:p>
+            <a:pPr marL="0" indent="0" fontAlgn="auto">
+              <a:spcAft>
+                <a:spcPts val="0"/>
+              </a:spcAft>
+              <a:buNone/>
+              <a:defRPr/>
+            </a:pPr>
+            <a:endParaRPr lang="fr-FR" dirty="0"/>
+          </a:p>
+        </p:txBody>
+      </p:sp>
     </p:spTree>
   </p:cSld>
   <p:clrMapOvr>
@@ -11813,10 +12042,10 @@
       </p:grpSpPr>
       <p:sp>
         <p:nvSpPr>
-          <p:cNvPr id="37890" name="Titre 1">
-            <a:extLst>
-              <a:ext uri="{FF2B5EF4-FFF2-40B4-BE49-F238E27FC236}">
-                <a16:creationId xmlns:a16="http://schemas.microsoft.com/office/drawing/2014/main" id="{D4F45EB5-974A-44DA-9281-DE0F6CD9BA5C}"/>
+          <p:cNvPr id="40962" name="Titre 1">
+            <a:extLst>
+              <a:ext uri="{FF2B5EF4-FFF2-40B4-BE49-F238E27FC236}">
+                <a16:creationId xmlns:a16="http://schemas.microsoft.com/office/drawing/2014/main" id="{31661799-8EF3-4225-822B-9ECBC37FAB0C}"/>
               </a:ext>
             </a:extLst>
           </p:cNvPr>
@@ -11835,55 +12064,74 @@
             <a:pPr algn="ctr"/>
             <a:r>
               <a:rPr lang="fr-FR" altLang="fr-FR" dirty="0"/>
-              <a:t>Avec la métrique </a:t>
+              <a:t>Vérification</a:t>
+            </a:r>
+          </a:p>
+        </p:txBody>
+      </p:sp>
+      <p:sp>
+        <p:nvSpPr>
+          <p:cNvPr id="40963" name="Espace réservé du contenu 2">
+            <a:extLst>
+              <a:ext uri="{FF2B5EF4-FFF2-40B4-BE49-F238E27FC236}">
+                <a16:creationId xmlns:a16="http://schemas.microsoft.com/office/drawing/2014/main" id="{5CE43F0F-96B4-4299-8D76-04CCC8CCCFA2}"/>
+              </a:ext>
+            </a:extLst>
+          </p:cNvPr>
+          <p:cNvSpPr>
+            <a:spLocks noGrp="1" noChangeArrowheads="1"/>
+          </p:cNvSpPr>
+          <p:nvPr>
+            <p:ph idx="1"/>
+          </p:nvPr>
+        </p:nvSpPr>
+        <p:spPr/>
+        <p:txBody>
+          <a:bodyPr/>
+          <a:lstStyle/>
+          <a:p>
+            <a:endParaRPr lang="fr-FR" altLang="fr-FR" dirty="0"/>
+          </a:p>
+          <a:p>
+            <a:r>
+              <a:rPr lang="fr-FR" altLang="fr-FR" dirty="0"/>
+              <a:t>Dessins animés : retrouve-t-on d’autres dessins animés ?</a:t>
+            </a:r>
+          </a:p>
+          <a:p>
+            <a:r>
+              <a:rPr lang="fr-FR" altLang="fr-FR" dirty="0"/>
+              <a:t>Films avec plusieurs versions : a-t-on les autres versions ?</a:t>
+            </a:r>
+          </a:p>
+          <a:p>
+            <a:r>
+              <a:rPr lang="fr-FR" altLang="fr-FR" dirty="0"/>
+              <a:t>Film ancien (Modern times)</a:t>
+            </a:r>
+          </a:p>
+          <a:p>
+            <a:r>
+              <a:rPr lang="fr-FR" altLang="fr-FR" dirty="0"/>
+              <a:t>Film d’horreur (</a:t>
             </a:r>
             <a:r>
               <a:rPr lang="fr-FR" altLang="fr-FR" dirty="0" err="1"/>
-              <a:t>average</a:t>
+              <a:t>Saw</a:t>
             </a:r>
             <a:r>
               <a:rPr lang="fr-FR" altLang="fr-FR" dirty="0"/>
-              <a:t> cas 2</a:t>
-            </a:r>
-          </a:p>
-        </p:txBody>
-      </p:sp>
-      <p:pic>
-        <p:nvPicPr>
-          <p:cNvPr id="37891" name="Espace réservé du contenu 5">
-            <a:extLst>
-              <a:ext uri="{FF2B5EF4-FFF2-40B4-BE49-F238E27FC236}">
-                <a16:creationId xmlns:a16="http://schemas.microsoft.com/office/drawing/2014/main" id="{B095525D-BAAA-47FF-8A6B-2507C9028315}"/>
-              </a:ext>
-            </a:extLst>
-          </p:cNvPr>
-          <p:cNvPicPr>
-            <a:picLocks noGrp="1" noChangeAspect="1" noChangeArrowheads="1"/>
-          </p:cNvPicPr>
-          <p:nvPr>
-            <p:ph idx="1"/>
-          </p:nvPr>
-        </p:nvPicPr>
-        <p:blipFill>
-          <a:blip r:embed="rId2">
-            <a:extLst>
-              <a:ext uri="{28A0092B-C50C-407E-A947-70E740481C1C}">
-                <a14:useLocalDpi xmlns:a14="http://schemas.microsoft.com/office/drawing/2010/main" val="0"/>
-              </a:ext>
-            </a:extLst>
-          </a:blip>
-          <a:srcRect/>
-          <a:stretch>
-            <a:fillRect/>
-          </a:stretch>
-        </p:blipFill>
-        <p:spPr>
-          <a:xfrm>
-            <a:off x="2200275" y="1825625"/>
-            <a:ext cx="7791450" cy="4351338"/>
-          </a:xfrm>
-        </p:spPr>
-      </p:pic>
+              <a:t>)</a:t>
+            </a:r>
+          </a:p>
+          <a:p>
+            <a:r>
+              <a:rPr lang="fr-FR" altLang="fr-FR" dirty="0"/>
+              <a:t>Film grand spectacle (Men in black)</a:t>
+            </a:r>
+          </a:p>
+        </p:txBody>
+      </p:sp>
     </p:spTree>
   </p:cSld>
   <p:clrMapOvr>
@@ -11893,648 +12141,6 @@
 </file>
 
 <file path=ppt/slides/slide28.xml><?xml version="1.0" encoding="utf-8"?>
-<p:sld xmlns:a="http://schemas.openxmlformats.org/drawingml/2006/main" xmlns:r="http://schemas.openxmlformats.org/officeDocument/2006/relationships" xmlns:p="http://schemas.openxmlformats.org/presentationml/2006/main">
-  <p:cSld>
-    <p:spTree>
-      <p:nvGrpSpPr>
-        <p:cNvPr id="1" name=""/>
-        <p:cNvGrpSpPr/>
-        <p:nvPr/>
-      </p:nvGrpSpPr>
-      <p:grpSpPr>
-        <a:xfrm>
-          <a:off x="0" y="0"/>
-          <a:ext cx="0" cy="0"/>
-          <a:chOff x="0" y="0"/>
-          <a:chExt cx="0" cy="0"/>
-        </a:xfrm>
-      </p:grpSpPr>
-      <p:sp>
-        <p:nvSpPr>
-          <p:cNvPr id="38914" name="Titre 1">
-            <a:extLst>
-              <a:ext uri="{FF2B5EF4-FFF2-40B4-BE49-F238E27FC236}">
-                <a16:creationId xmlns:a16="http://schemas.microsoft.com/office/drawing/2014/main" id="{E7482E24-7CAF-46F1-917C-C339CE0CBF57}"/>
-              </a:ext>
-            </a:extLst>
-          </p:cNvPr>
-          <p:cNvSpPr>
-            <a:spLocks noGrp="1" noChangeArrowheads="1"/>
-          </p:cNvSpPr>
-          <p:nvPr>
-            <p:ph type="title"/>
-          </p:nvPr>
-        </p:nvSpPr>
-        <p:spPr/>
-        <p:txBody>
-          <a:bodyPr/>
-          <a:lstStyle/>
-          <a:p>
-            <a:pPr algn="ctr"/>
-            <a:r>
-              <a:rPr lang="fr-FR" altLang="fr-FR" dirty="0"/>
-              <a:t>Distances</a:t>
-            </a:r>
-          </a:p>
-        </p:txBody>
-      </p:sp>
-      <p:sp>
-        <p:nvSpPr>
-          <p:cNvPr id="38915" name="Espace réservé du contenu 2">
-            <a:extLst>
-              <a:ext uri="{FF2B5EF4-FFF2-40B4-BE49-F238E27FC236}">
-                <a16:creationId xmlns:a16="http://schemas.microsoft.com/office/drawing/2014/main" id="{7159C0EE-4269-4C23-8B01-60279563C301}"/>
-              </a:ext>
-            </a:extLst>
-          </p:cNvPr>
-          <p:cNvSpPr>
-            <a:spLocks noGrp="1" noChangeArrowheads="1"/>
-          </p:cNvSpPr>
-          <p:nvPr>
-            <p:ph idx="1"/>
-          </p:nvPr>
-        </p:nvSpPr>
-        <p:spPr/>
-        <p:txBody>
-          <a:bodyPr/>
-          <a:lstStyle/>
-          <a:p>
-            <a:pPr marL="0" indent="0">
-              <a:buFont typeface="Arial" panose="020B0604020202020204" pitchFamily="34" charset="0"/>
-              <a:buNone/>
-            </a:pPr>
-            <a:r>
-              <a:rPr lang="fr-FR" altLang="fr-FR"/>
-              <a:t>Le clustering ne permet pas de créer des groupes à partir de la base de films. Mais recommander c’est surtout trouver des éléments proches.</a:t>
-            </a:r>
-          </a:p>
-          <a:p>
-            <a:pPr marL="0" indent="0">
-              <a:buFont typeface="Arial" panose="020B0604020202020204" pitchFamily="34" charset="0"/>
-              <a:buNone/>
-            </a:pPr>
-            <a:endParaRPr lang="fr-FR" altLang="fr-FR"/>
-          </a:p>
-          <a:p>
-            <a:pPr marL="0" indent="0">
-              <a:buFont typeface="Arial" panose="020B0604020202020204" pitchFamily="34" charset="0"/>
-              <a:buNone/>
-            </a:pPr>
-            <a:r>
-              <a:rPr lang="fr-FR" altLang="fr-FR"/>
-              <a:t>On va donc calculer la distance entre chaque élément</a:t>
-            </a:r>
-          </a:p>
-          <a:p>
-            <a:pPr marL="0" indent="0">
-              <a:buFont typeface="Arial" panose="020B0604020202020204" pitchFamily="34" charset="0"/>
-              <a:buNone/>
-            </a:pPr>
-            <a:endParaRPr lang="fr-FR" altLang="fr-FR"/>
-          </a:p>
-          <a:p>
-            <a:pPr marL="0" indent="0">
-              <a:buFont typeface="Arial" panose="020B0604020202020204" pitchFamily="34" charset="0"/>
-              <a:buNone/>
-            </a:pPr>
-            <a:r>
-              <a:rPr lang="fr-FR" altLang="fr-FR"/>
-              <a:t>Puis pour chaque film lister les plus proches voisins qui serviront à la recommandation</a:t>
-            </a:r>
-          </a:p>
-        </p:txBody>
-      </p:sp>
-    </p:spTree>
-  </p:cSld>
-  <p:clrMapOvr>
-    <a:masterClrMapping/>
-  </p:clrMapOvr>
-</p:sld>
-</file>
-
-<file path=ppt/slides/slide29.xml><?xml version="1.0" encoding="utf-8"?>
-<p:sld xmlns:a="http://schemas.openxmlformats.org/drawingml/2006/main" xmlns:r="http://schemas.openxmlformats.org/officeDocument/2006/relationships" xmlns:p="http://schemas.openxmlformats.org/presentationml/2006/main">
-  <p:cSld>
-    <p:spTree>
-      <p:nvGrpSpPr>
-        <p:cNvPr id="1" name=""/>
-        <p:cNvGrpSpPr/>
-        <p:nvPr/>
-      </p:nvGrpSpPr>
-      <p:grpSpPr>
-        <a:xfrm>
-          <a:off x="0" y="0"/>
-          <a:ext cx="0" cy="0"/>
-          <a:chOff x="0" y="0"/>
-          <a:chExt cx="0" cy="0"/>
-        </a:xfrm>
-      </p:grpSpPr>
-      <p:sp>
-        <p:nvSpPr>
-          <p:cNvPr id="39938" name="Titre 1">
-            <a:extLst>
-              <a:ext uri="{FF2B5EF4-FFF2-40B4-BE49-F238E27FC236}">
-                <a16:creationId xmlns:a16="http://schemas.microsoft.com/office/drawing/2014/main" id="{67487752-27E9-422F-90E7-D0173AD69F0D}"/>
-              </a:ext>
-            </a:extLst>
-          </p:cNvPr>
-          <p:cNvSpPr>
-            <a:spLocks noGrp="1" noChangeArrowheads="1"/>
-          </p:cNvSpPr>
-          <p:nvPr>
-            <p:ph type="title"/>
-          </p:nvPr>
-        </p:nvSpPr>
-        <p:spPr/>
-        <p:txBody>
-          <a:bodyPr/>
-          <a:lstStyle/>
-          <a:p>
-            <a:pPr algn="ctr"/>
-            <a:r>
-              <a:rPr lang="fr-FR" altLang="fr-FR" dirty="0"/>
-              <a:t>Quelle méthode ? Quelle distance ?</a:t>
-            </a:r>
-          </a:p>
-        </p:txBody>
-      </p:sp>
-      <p:sp>
-        <p:nvSpPr>
-          <p:cNvPr id="3" name="Espace réservé du contenu 2">
-            <a:extLst>
-              <a:ext uri="{FF2B5EF4-FFF2-40B4-BE49-F238E27FC236}">
-                <a16:creationId xmlns:a16="http://schemas.microsoft.com/office/drawing/2014/main" id="{41DDAAA2-19A0-4CCA-A2CA-E4C2EF052A22}"/>
-              </a:ext>
-            </a:extLst>
-          </p:cNvPr>
-          <p:cNvSpPr>
-            <a:spLocks noGrp="1"/>
-          </p:cNvSpPr>
-          <p:nvPr>
-            <p:ph idx="1"/>
-          </p:nvPr>
-        </p:nvSpPr>
-        <p:spPr/>
-        <p:txBody>
-          <a:bodyPr rtlCol="0">
-            <a:normAutofit/>
-          </a:bodyPr>
-          <a:lstStyle/>
-          <a:p>
-            <a:pPr marL="514350" indent="-514350" fontAlgn="auto">
-              <a:spcAft>
-                <a:spcPts val="0"/>
-              </a:spcAft>
-              <a:buFont typeface="+mj-lt"/>
-              <a:buAutoNum type="arabicPeriod"/>
-              <a:defRPr/>
-            </a:pPr>
-            <a:r>
-              <a:rPr lang="fr-FR" dirty="0"/>
-              <a:t>Après numérisation des features</a:t>
-            </a:r>
-          </a:p>
-          <a:p>
-            <a:pPr lvl="1" fontAlgn="auto">
-              <a:spcAft>
-                <a:spcPts val="0"/>
-              </a:spcAft>
-              <a:defRPr/>
-            </a:pPr>
-            <a:r>
-              <a:rPr lang="fr-FR" dirty="0" err="1"/>
-              <a:t>Cosine</a:t>
-            </a:r>
-            <a:r>
-              <a:rPr lang="fr-FR" dirty="0"/>
-              <a:t> </a:t>
-            </a:r>
-            <a:r>
-              <a:rPr lang="fr-FR" dirty="0" err="1"/>
-              <a:t>similarity</a:t>
-            </a:r>
-            <a:r>
-              <a:rPr lang="fr-FR" dirty="0"/>
-              <a:t> (cosinus de l’angle entre les 2 vecteurs)</a:t>
-            </a:r>
-          </a:p>
-          <a:p>
-            <a:pPr lvl="1" fontAlgn="auto">
-              <a:spcAft>
-                <a:spcPts val="0"/>
-              </a:spcAft>
-              <a:defRPr/>
-            </a:pPr>
-            <a:r>
-              <a:rPr lang="fr-FR" dirty="0" err="1"/>
-              <a:t>Linear</a:t>
-            </a:r>
-            <a:r>
-              <a:rPr lang="fr-FR" dirty="0"/>
-              <a:t> kernel</a:t>
-            </a:r>
-          </a:p>
-          <a:p>
-            <a:pPr lvl="1" fontAlgn="auto">
-              <a:spcAft>
-                <a:spcPts val="0"/>
-              </a:spcAft>
-              <a:defRPr/>
-            </a:pPr>
-            <a:r>
-              <a:rPr lang="fr-FR" dirty="0"/>
-              <a:t>Chi2 kernel (avec matrice positive)</a:t>
-            </a:r>
-          </a:p>
-          <a:p>
-            <a:pPr lvl="1" fontAlgn="auto">
-              <a:spcAft>
-                <a:spcPts val="0"/>
-              </a:spcAft>
-              <a:defRPr/>
-            </a:pPr>
-            <a:r>
-              <a:rPr lang="fr-FR" dirty="0"/>
-              <a:t>…</a:t>
-            </a:r>
-          </a:p>
-          <a:p>
-            <a:pPr marL="514350" indent="-514350" fontAlgn="auto">
-              <a:spcAft>
-                <a:spcPts val="0"/>
-              </a:spcAft>
-              <a:buFont typeface="+mj-lt"/>
-              <a:buAutoNum type="arabicPeriod"/>
-              <a:defRPr/>
-            </a:pPr>
-            <a:r>
-              <a:rPr lang="fr-FR" dirty="0"/>
-              <a:t>Directement sur la matrice non numérisée</a:t>
-            </a:r>
-          </a:p>
-          <a:p>
-            <a:pPr lvl="1" fontAlgn="auto">
-              <a:spcAft>
-                <a:spcPts val="0"/>
-              </a:spcAft>
-              <a:defRPr/>
-            </a:pPr>
-            <a:r>
-              <a:rPr lang="fr-FR" dirty="0"/>
-              <a:t>Gower</a:t>
-            </a:r>
-          </a:p>
-          <a:p>
-            <a:pPr lvl="2" fontAlgn="auto">
-              <a:spcAft>
-                <a:spcPts val="0"/>
-              </a:spcAft>
-              <a:defRPr/>
-            </a:pPr>
-            <a:r>
-              <a:rPr lang="fr-FR" dirty="0"/>
-              <a:t>Distance Manhattan pour les numériques</a:t>
-            </a:r>
-          </a:p>
-          <a:p>
-            <a:pPr lvl="2" fontAlgn="auto">
-              <a:spcAft>
-                <a:spcPts val="0"/>
-              </a:spcAft>
-              <a:defRPr/>
-            </a:pPr>
-            <a:r>
-              <a:rPr lang="fr-FR" dirty="0"/>
-              <a:t>Distance </a:t>
-            </a:r>
-            <a:r>
-              <a:rPr lang="fr-FR" dirty="0" err="1"/>
-              <a:t>Dice</a:t>
-            </a:r>
-            <a:r>
-              <a:rPr lang="fr-FR" dirty="0"/>
-              <a:t> pour les variables qualitatives</a:t>
-            </a:r>
-          </a:p>
-          <a:p>
-            <a:pPr marL="0" indent="0" fontAlgn="auto">
-              <a:spcAft>
-                <a:spcPts val="0"/>
-              </a:spcAft>
-              <a:buNone/>
-              <a:defRPr/>
-            </a:pPr>
-            <a:endParaRPr lang="fr-FR" dirty="0"/>
-          </a:p>
-        </p:txBody>
-      </p:sp>
-    </p:spTree>
-  </p:cSld>
-  <p:clrMapOvr>
-    <a:masterClrMapping/>
-  </p:clrMapOvr>
-</p:sld>
-</file>
-
-<file path=ppt/slides/slide3.xml><?xml version="1.0" encoding="utf-8"?>
-<p:sld xmlns:a="http://schemas.openxmlformats.org/drawingml/2006/main" xmlns:r="http://schemas.openxmlformats.org/officeDocument/2006/relationships" xmlns:p="http://schemas.openxmlformats.org/presentationml/2006/main">
-  <p:cSld>
-    <p:spTree>
-      <p:nvGrpSpPr>
-        <p:cNvPr id="1" name=""/>
-        <p:cNvGrpSpPr/>
-        <p:nvPr/>
-      </p:nvGrpSpPr>
-      <p:grpSpPr>
-        <a:xfrm>
-          <a:off x="0" y="0"/>
-          <a:ext cx="0" cy="0"/>
-          <a:chOff x="0" y="0"/>
-          <a:chExt cx="0" cy="0"/>
-        </a:xfrm>
-      </p:grpSpPr>
-      <p:sp>
-        <p:nvSpPr>
-          <p:cNvPr id="5122" name="Titre 1">
-            <a:extLst>
-              <a:ext uri="{FF2B5EF4-FFF2-40B4-BE49-F238E27FC236}">
-                <a16:creationId xmlns:a16="http://schemas.microsoft.com/office/drawing/2014/main" id="{FE6F623A-E6A0-46D0-BDA2-002CB8C52FCA}"/>
-              </a:ext>
-            </a:extLst>
-          </p:cNvPr>
-          <p:cNvSpPr>
-            <a:spLocks noGrp="1" noChangeArrowheads="1"/>
-          </p:cNvSpPr>
-          <p:nvPr>
-            <p:ph type="title"/>
-          </p:nvPr>
-        </p:nvSpPr>
-        <p:spPr/>
-        <p:txBody>
-          <a:bodyPr/>
-          <a:lstStyle/>
-          <a:p>
-            <a:pPr algn="ctr"/>
-            <a:r>
-              <a:rPr lang="fr-FR" altLang="fr-FR" dirty="0"/>
-              <a:t>Introduction</a:t>
-            </a:r>
-          </a:p>
-        </p:txBody>
-      </p:sp>
-      <p:sp>
-        <p:nvSpPr>
-          <p:cNvPr id="3" name="Espace réservé du contenu 2">
-            <a:extLst>
-              <a:ext uri="{FF2B5EF4-FFF2-40B4-BE49-F238E27FC236}">
-                <a16:creationId xmlns:a16="http://schemas.microsoft.com/office/drawing/2014/main" id="{F2BAF4D1-DE13-44F1-B00A-39D158CD1599}"/>
-              </a:ext>
-            </a:extLst>
-          </p:cNvPr>
-          <p:cNvSpPr>
-            <a:spLocks noGrp="1"/>
-          </p:cNvSpPr>
-          <p:nvPr>
-            <p:ph idx="1"/>
-          </p:nvPr>
-        </p:nvSpPr>
-        <p:spPr/>
-        <p:txBody>
-          <a:bodyPr rtlCol="0">
-            <a:normAutofit/>
-          </a:bodyPr>
-          <a:lstStyle/>
-          <a:p>
-            <a:pPr marL="0" indent="0" fontAlgn="auto">
-              <a:spcAft>
-                <a:spcPts val="0"/>
-              </a:spcAft>
-              <a:buNone/>
-              <a:defRPr/>
-            </a:pPr>
-            <a:r>
-              <a:rPr lang="fr-FR" altLang="fr-FR" dirty="0"/>
-              <a:t>Principe d’un moteur de recommandation</a:t>
-            </a:r>
-          </a:p>
-          <a:p>
-            <a:pPr marL="0" indent="0" fontAlgn="auto">
-              <a:spcAft>
-                <a:spcPts val="0"/>
-              </a:spcAft>
-              <a:buNone/>
-              <a:defRPr/>
-            </a:pPr>
-            <a:endParaRPr lang="fr-FR" dirty="0"/>
-          </a:p>
-          <a:p>
-            <a:pPr marL="514350" indent="-514350" fontAlgn="auto">
-              <a:spcAft>
-                <a:spcPts val="0"/>
-              </a:spcAft>
-              <a:buFont typeface="+mj-lt"/>
-              <a:buAutoNum type="arabicPeriod"/>
-              <a:defRPr/>
-            </a:pPr>
-            <a:r>
-              <a:rPr lang="fr-FR" dirty="0"/>
-              <a:t>Collaborative </a:t>
-            </a:r>
-            <a:r>
-              <a:rPr lang="fr-FR" dirty="0" err="1"/>
-              <a:t>filtering</a:t>
-            </a:r>
-            <a:endParaRPr lang="fr-FR" dirty="0"/>
-          </a:p>
-          <a:p>
-            <a:pPr marL="457200" lvl="1" indent="0" fontAlgn="auto">
-              <a:spcAft>
-                <a:spcPts val="0"/>
-              </a:spcAft>
-              <a:buNone/>
-              <a:defRPr/>
-            </a:pPr>
-            <a:r>
-              <a:rPr lang="fr-FR" dirty="0"/>
-              <a:t>Basé sur les habitudes des utilisateurs</a:t>
-            </a:r>
-          </a:p>
-          <a:p>
-            <a:pPr marL="514350" indent="-514350" fontAlgn="auto">
-              <a:spcAft>
-                <a:spcPts val="0"/>
-              </a:spcAft>
-              <a:buFont typeface="+mj-lt"/>
-              <a:buAutoNum type="arabicPeriod"/>
-              <a:defRPr/>
-            </a:pPr>
-            <a:r>
-              <a:rPr lang="fr-FR" dirty="0"/>
-              <a:t>Content-</a:t>
-            </a:r>
-            <a:r>
-              <a:rPr lang="fr-FR" dirty="0" err="1"/>
-              <a:t>based</a:t>
-            </a:r>
-            <a:endParaRPr lang="fr-FR" dirty="0"/>
-          </a:p>
-          <a:p>
-            <a:pPr marL="457200" lvl="1" indent="0" fontAlgn="auto">
-              <a:spcAft>
-                <a:spcPts val="0"/>
-              </a:spcAft>
-              <a:buNone/>
-              <a:defRPr/>
-            </a:pPr>
-            <a:r>
-              <a:rPr lang="fr-FR" dirty="0"/>
-              <a:t>Basé uniquement sur les caractéristiques des items</a:t>
-            </a:r>
-          </a:p>
-          <a:p>
-            <a:pPr marL="457200" lvl="1" indent="0" fontAlgn="auto">
-              <a:spcAft>
-                <a:spcPts val="0"/>
-              </a:spcAft>
-              <a:buNone/>
-              <a:defRPr/>
-            </a:pPr>
-            <a:endParaRPr lang="fr-FR" dirty="0"/>
-          </a:p>
-        </p:txBody>
-      </p:sp>
-    </p:spTree>
-  </p:cSld>
-  <p:clrMapOvr>
-    <a:masterClrMapping/>
-  </p:clrMapOvr>
-</p:sld>
-</file>
-
-<file path=ppt/slides/slide30.xml><?xml version="1.0" encoding="utf-8"?>
-<p:sld xmlns:a="http://schemas.openxmlformats.org/drawingml/2006/main" xmlns:r="http://schemas.openxmlformats.org/officeDocument/2006/relationships" xmlns:p="http://schemas.openxmlformats.org/presentationml/2006/main">
-  <p:cSld>
-    <p:spTree>
-      <p:nvGrpSpPr>
-        <p:cNvPr id="1" name=""/>
-        <p:cNvGrpSpPr/>
-        <p:nvPr/>
-      </p:nvGrpSpPr>
-      <p:grpSpPr>
-        <a:xfrm>
-          <a:off x="0" y="0"/>
-          <a:ext cx="0" cy="0"/>
-          <a:chOff x="0" y="0"/>
-          <a:chExt cx="0" cy="0"/>
-        </a:xfrm>
-      </p:grpSpPr>
-      <p:sp>
-        <p:nvSpPr>
-          <p:cNvPr id="40962" name="Titre 1">
-            <a:extLst>
-              <a:ext uri="{FF2B5EF4-FFF2-40B4-BE49-F238E27FC236}">
-                <a16:creationId xmlns:a16="http://schemas.microsoft.com/office/drawing/2014/main" id="{31661799-8EF3-4225-822B-9ECBC37FAB0C}"/>
-              </a:ext>
-            </a:extLst>
-          </p:cNvPr>
-          <p:cNvSpPr>
-            <a:spLocks noGrp="1" noChangeArrowheads="1"/>
-          </p:cNvSpPr>
-          <p:nvPr>
-            <p:ph type="title"/>
-          </p:nvPr>
-        </p:nvSpPr>
-        <p:spPr/>
-        <p:txBody>
-          <a:bodyPr/>
-          <a:lstStyle/>
-          <a:p>
-            <a:pPr algn="ctr"/>
-            <a:r>
-              <a:rPr lang="fr-FR" altLang="fr-FR" dirty="0"/>
-              <a:t>Vérification</a:t>
-            </a:r>
-          </a:p>
-        </p:txBody>
-      </p:sp>
-      <p:sp>
-        <p:nvSpPr>
-          <p:cNvPr id="40963" name="Espace réservé du contenu 2">
-            <a:extLst>
-              <a:ext uri="{FF2B5EF4-FFF2-40B4-BE49-F238E27FC236}">
-                <a16:creationId xmlns:a16="http://schemas.microsoft.com/office/drawing/2014/main" id="{5CE43F0F-96B4-4299-8D76-04CCC8CCCFA2}"/>
-              </a:ext>
-            </a:extLst>
-          </p:cNvPr>
-          <p:cNvSpPr>
-            <a:spLocks noGrp="1" noChangeArrowheads="1"/>
-          </p:cNvSpPr>
-          <p:nvPr>
-            <p:ph idx="1"/>
-          </p:nvPr>
-        </p:nvSpPr>
-        <p:spPr/>
-        <p:txBody>
-          <a:bodyPr/>
-          <a:lstStyle/>
-          <a:p>
-            <a:endParaRPr lang="fr-FR" altLang="fr-FR" dirty="0"/>
-          </a:p>
-          <a:p>
-            <a:r>
-              <a:rPr lang="fr-FR" altLang="fr-FR" dirty="0"/>
-              <a:t>Dessins animés : retrouve-t-on d’autres dessins animés ?</a:t>
-            </a:r>
-          </a:p>
-          <a:p>
-            <a:r>
-              <a:rPr lang="fr-FR" altLang="fr-FR" dirty="0"/>
-              <a:t>Films avec plusieurs versions : a-t-on les autres versions ?</a:t>
-            </a:r>
-          </a:p>
-          <a:p>
-            <a:r>
-              <a:rPr lang="fr-FR" altLang="fr-FR" dirty="0"/>
-              <a:t>Film ancien (Modern times)</a:t>
-            </a:r>
-          </a:p>
-          <a:p>
-            <a:r>
-              <a:rPr lang="fr-FR" altLang="fr-FR" dirty="0"/>
-              <a:t>Film d’horreur (</a:t>
-            </a:r>
-            <a:r>
-              <a:rPr lang="fr-FR" altLang="fr-FR" dirty="0" err="1"/>
-              <a:t>Saw</a:t>
-            </a:r>
-            <a:r>
-              <a:rPr lang="fr-FR" altLang="fr-FR" dirty="0"/>
-              <a:t>)</a:t>
-            </a:r>
-          </a:p>
-          <a:p>
-            <a:r>
-              <a:rPr lang="fr-FR" altLang="fr-FR" dirty="0"/>
-              <a:t>Film grand spectacle (Men in black)</a:t>
-            </a:r>
-          </a:p>
-          <a:p>
-            <a:r>
-              <a:rPr lang="fr-FR" altLang="fr-FR" dirty="0"/>
-              <a:t>Intuition : est-ce cohérent ?</a:t>
-            </a:r>
-          </a:p>
-        </p:txBody>
-      </p:sp>
-    </p:spTree>
-  </p:cSld>
-  <p:clrMapOvr>
-    <a:masterClrMapping/>
-  </p:clrMapOvr>
-</p:sld>
-</file>
-
-<file path=ppt/slides/slide31.xml><?xml version="1.0" encoding="utf-8"?>
 <p:sld xmlns:a="http://schemas.openxmlformats.org/drawingml/2006/main" xmlns:r="http://schemas.openxmlformats.org/officeDocument/2006/relationships" xmlns:p="http://schemas.openxmlformats.org/presentationml/2006/main">
   <p:cSld>
     <p:spTree>
@@ -12818,7 +12424,7 @@
 </p:sld>
 </file>
 
-<file path=ppt/slides/slide32.xml><?xml version="1.0" encoding="utf-8"?>
+<file path=ppt/slides/slide29.xml><?xml version="1.0" encoding="utf-8"?>
 <p:sld xmlns:a="http://schemas.openxmlformats.org/drawingml/2006/main" xmlns:r="http://schemas.openxmlformats.org/officeDocument/2006/relationships" xmlns:p="http://schemas.openxmlformats.org/presentationml/2006/main">
   <p:cSld>
     <p:spTree>
@@ -12981,6 +12587,624 @@
 </p:sld>
 </file>
 
+<file path=ppt/slides/slide3.xml><?xml version="1.0" encoding="utf-8"?>
+<p:sld xmlns:a="http://schemas.openxmlformats.org/drawingml/2006/main" xmlns:r="http://schemas.openxmlformats.org/officeDocument/2006/relationships" xmlns:p="http://schemas.openxmlformats.org/presentationml/2006/main">
+  <p:cSld>
+    <p:spTree>
+      <p:nvGrpSpPr>
+        <p:cNvPr id="1" name=""/>
+        <p:cNvGrpSpPr/>
+        <p:nvPr/>
+      </p:nvGrpSpPr>
+      <p:grpSpPr>
+        <a:xfrm>
+          <a:off x="0" y="0"/>
+          <a:ext cx="0" cy="0"/>
+          <a:chOff x="0" y="0"/>
+          <a:chExt cx="0" cy="0"/>
+        </a:xfrm>
+      </p:grpSpPr>
+      <p:sp>
+        <p:nvSpPr>
+          <p:cNvPr id="5122" name="Titre 1">
+            <a:extLst>
+              <a:ext uri="{FF2B5EF4-FFF2-40B4-BE49-F238E27FC236}">
+                <a16:creationId xmlns:a16="http://schemas.microsoft.com/office/drawing/2014/main" id="{FE6F623A-E6A0-46D0-BDA2-002CB8C52FCA}"/>
+              </a:ext>
+            </a:extLst>
+          </p:cNvPr>
+          <p:cNvSpPr>
+            <a:spLocks noGrp="1" noChangeArrowheads="1"/>
+          </p:cNvSpPr>
+          <p:nvPr>
+            <p:ph type="title"/>
+          </p:nvPr>
+        </p:nvSpPr>
+        <p:spPr/>
+        <p:txBody>
+          <a:bodyPr/>
+          <a:lstStyle/>
+          <a:p>
+            <a:pPr algn="ctr"/>
+            <a:r>
+              <a:rPr lang="fr-FR" altLang="fr-FR" dirty="0"/>
+              <a:t>Introduction</a:t>
+            </a:r>
+          </a:p>
+        </p:txBody>
+      </p:sp>
+      <p:sp>
+        <p:nvSpPr>
+          <p:cNvPr id="3" name="Espace réservé du contenu 2">
+            <a:extLst>
+              <a:ext uri="{FF2B5EF4-FFF2-40B4-BE49-F238E27FC236}">
+                <a16:creationId xmlns:a16="http://schemas.microsoft.com/office/drawing/2014/main" id="{F2BAF4D1-DE13-44F1-B00A-39D158CD1599}"/>
+              </a:ext>
+            </a:extLst>
+          </p:cNvPr>
+          <p:cNvSpPr>
+            <a:spLocks noGrp="1"/>
+          </p:cNvSpPr>
+          <p:nvPr>
+            <p:ph idx="1"/>
+          </p:nvPr>
+        </p:nvSpPr>
+        <p:spPr/>
+        <p:txBody>
+          <a:bodyPr rtlCol="0">
+            <a:normAutofit/>
+          </a:bodyPr>
+          <a:lstStyle/>
+          <a:p>
+            <a:pPr marL="0" indent="0" fontAlgn="auto">
+              <a:spcAft>
+                <a:spcPts val="0"/>
+              </a:spcAft>
+              <a:buNone/>
+              <a:defRPr/>
+            </a:pPr>
+            <a:r>
+              <a:rPr lang="fr-FR" altLang="fr-FR" dirty="0"/>
+              <a:t>Principe d’un moteur de recommandation</a:t>
+            </a:r>
+          </a:p>
+          <a:p>
+            <a:pPr marL="0" indent="0" fontAlgn="auto">
+              <a:spcAft>
+                <a:spcPts val="0"/>
+              </a:spcAft>
+              <a:buNone/>
+              <a:defRPr/>
+            </a:pPr>
+            <a:endParaRPr lang="fr-FR" dirty="0"/>
+          </a:p>
+          <a:p>
+            <a:pPr marL="514350" indent="-514350" fontAlgn="auto">
+              <a:spcAft>
+                <a:spcPts val="0"/>
+              </a:spcAft>
+              <a:buFont typeface="+mj-lt"/>
+              <a:buAutoNum type="arabicPeriod"/>
+              <a:defRPr/>
+            </a:pPr>
+            <a:r>
+              <a:rPr lang="fr-FR" dirty="0"/>
+              <a:t>Collaborative </a:t>
+            </a:r>
+            <a:r>
+              <a:rPr lang="fr-FR" dirty="0" err="1"/>
+              <a:t>filtering</a:t>
+            </a:r>
+            <a:endParaRPr lang="fr-FR" dirty="0"/>
+          </a:p>
+          <a:p>
+            <a:pPr marL="457200" lvl="1" indent="0" fontAlgn="auto">
+              <a:spcAft>
+                <a:spcPts val="0"/>
+              </a:spcAft>
+              <a:buNone/>
+              <a:defRPr/>
+            </a:pPr>
+            <a:r>
+              <a:rPr lang="fr-FR" dirty="0"/>
+              <a:t>Basé sur les habitudes des utilisateurs</a:t>
+            </a:r>
+          </a:p>
+          <a:p>
+            <a:pPr marL="514350" indent="-514350" fontAlgn="auto">
+              <a:spcAft>
+                <a:spcPts val="0"/>
+              </a:spcAft>
+              <a:buFont typeface="+mj-lt"/>
+              <a:buAutoNum type="arabicPeriod"/>
+              <a:defRPr/>
+            </a:pPr>
+            <a:r>
+              <a:rPr lang="fr-FR" dirty="0"/>
+              <a:t>Content-</a:t>
+            </a:r>
+            <a:r>
+              <a:rPr lang="fr-FR" dirty="0" err="1"/>
+              <a:t>based</a:t>
+            </a:r>
+            <a:endParaRPr lang="fr-FR" dirty="0"/>
+          </a:p>
+          <a:p>
+            <a:pPr marL="457200" lvl="1" indent="0" fontAlgn="auto">
+              <a:spcAft>
+                <a:spcPts val="0"/>
+              </a:spcAft>
+              <a:buNone/>
+              <a:defRPr/>
+            </a:pPr>
+            <a:r>
+              <a:rPr lang="fr-FR" dirty="0"/>
+              <a:t>Basé uniquement sur les caractéristiques des items</a:t>
+            </a:r>
+          </a:p>
+          <a:p>
+            <a:pPr marL="457200" lvl="1" indent="0" fontAlgn="auto">
+              <a:spcAft>
+                <a:spcPts val="0"/>
+              </a:spcAft>
+              <a:buNone/>
+              <a:defRPr/>
+            </a:pPr>
+            <a:endParaRPr lang="fr-FR" dirty="0"/>
+          </a:p>
+        </p:txBody>
+      </p:sp>
+    </p:spTree>
+  </p:cSld>
+  <p:clrMapOvr>
+    <a:masterClrMapping/>
+  </p:clrMapOvr>
+</p:sld>
+</file>
+
+<file path=ppt/slides/slide30.xml><?xml version="1.0" encoding="utf-8"?>
+<p:sld xmlns:a="http://schemas.openxmlformats.org/drawingml/2006/main" xmlns:r="http://schemas.openxmlformats.org/officeDocument/2006/relationships" xmlns:p="http://schemas.openxmlformats.org/presentationml/2006/main">
+  <p:cSld>
+    <p:spTree>
+      <p:nvGrpSpPr>
+        <p:cNvPr id="1" name=""/>
+        <p:cNvGrpSpPr/>
+        <p:nvPr/>
+      </p:nvGrpSpPr>
+      <p:grpSpPr>
+        <a:xfrm>
+          <a:off x="0" y="0"/>
+          <a:ext cx="0" cy="0"/>
+          <a:chOff x="0" y="0"/>
+          <a:chExt cx="0" cy="0"/>
+        </a:xfrm>
+      </p:grpSpPr>
+      <p:sp>
+        <p:nvSpPr>
+          <p:cNvPr id="45058" name="Titre 1">
+            <a:extLst>
+              <a:ext uri="{FF2B5EF4-FFF2-40B4-BE49-F238E27FC236}">
+                <a16:creationId xmlns:a16="http://schemas.microsoft.com/office/drawing/2014/main" id="{755B7D4E-8198-44AE-8D3A-BF837F995533}"/>
+              </a:ext>
+            </a:extLst>
+          </p:cNvPr>
+          <p:cNvSpPr>
+            <a:spLocks noGrp="1" noChangeArrowheads="1"/>
+          </p:cNvSpPr>
+          <p:nvPr>
+            <p:ph type="title"/>
+          </p:nvPr>
+        </p:nvSpPr>
+        <p:spPr/>
+        <p:txBody>
+          <a:bodyPr/>
+          <a:lstStyle/>
+          <a:p>
+            <a:pPr algn="ctr"/>
+            <a:r>
+              <a:rPr lang="fr-FR" altLang="fr-FR" dirty="0"/>
+              <a:t>Distances - Conclusion</a:t>
+            </a:r>
+          </a:p>
+        </p:txBody>
+      </p:sp>
+      <p:sp>
+        <p:nvSpPr>
+          <p:cNvPr id="3" name="Espace réservé du contenu 2">
+            <a:extLst>
+              <a:ext uri="{FF2B5EF4-FFF2-40B4-BE49-F238E27FC236}">
+                <a16:creationId xmlns:a16="http://schemas.microsoft.com/office/drawing/2014/main" id="{FB788966-8FAE-48AA-AD22-60A256D4EDAC}"/>
+              </a:ext>
+            </a:extLst>
+          </p:cNvPr>
+          <p:cNvSpPr>
+            <a:spLocks noGrp="1"/>
+          </p:cNvSpPr>
+          <p:nvPr>
+            <p:ph idx="1"/>
+          </p:nvPr>
+        </p:nvSpPr>
+        <p:spPr/>
+        <p:txBody>
+          <a:bodyPr rtlCol="0">
+            <a:normAutofit/>
+          </a:bodyPr>
+          <a:lstStyle/>
+          <a:p>
+            <a:pPr marL="0" indent="0" fontAlgn="auto">
+              <a:spcAft>
+                <a:spcPts val="0"/>
+              </a:spcAft>
+              <a:buFont typeface="Arial" panose="020B0604020202020204" pitchFamily="34" charset="0"/>
+              <a:buNone/>
+              <a:defRPr/>
+            </a:pPr>
+            <a:r>
+              <a:rPr lang="fr-FR" dirty="0"/>
+              <a:t>Les tests indique qu’une relativement bonne solution serait d’utiliser la similarité cosinus avec les colonnes numériques et les features catégorielles les plus importantes :</a:t>
+            </a:r>
+          </a:p>
+          <a:p>
+            <a:pPr fontAlgn="auto">
+              <a:spcAft>
+                <a:spcPts val="0"/>
+              </a:spcAft>
+              <a:defRPr/>
+            </a:pPr>
+            <a:r>
+              <a:rPr lang="fr-FR" dirty="0"/>
+              <a:t>Genres</a:t>
+            </a:r>
+          </a:p>
+          <a:p>
+            <a:pPr fontAlgn="auto">
+              <a:spcAft>
+                <a:spcPts val="0"/>
+              </a:spcAft>
+              <a:defRPr/>
+            </a:pPr>
+            <a:r>
+              <a:rPr lang="fr-FR" dirty="0"/>
+              <a:t>Langue</a:t>
+            </a:r>
+          </a:p>
+          <a:p>
+            <a:pPr fontAlgn="auto">
+              <a:spcAft>
+                <a:spcPts val="0"/>
+              </a:spcAft>
+              <a:defRPr/>
+            </a:pPr>
+            <a:r>
+              <a:rPr lang="fr-FR" dirty="0"/>
+              <a:t>Titre</a:t>
+            </a:r>
+          </a:p>
+          <a:p>
+            <a:pPr fontAlgn="auto">
+              <a:spcAft>
+                <a:spcPts val="0"/>
+              </a:spcAft>
+              <a:defRPr/>
+            </a:pPr>
+            <a:r>
+              <a:rPr lang="fr-FR" dirty="0"/>
+              <a:t>Acteur 1</a:t>
+            </a:r>
+          </a:p>
+          <a:p>
+            <a:pPr fontAlgn="auto">
+              <a:spcAft>
+                <a:spcPts val="0"/>
+              </a:spcAft>
+              <a:defRPr/>
+            </a:pPr>
+            <a:r>
+              <a:rPr lang="fr-FR" dirty="0"/>
+              <a:t>Réalisateur</a:t>
+            </a:r>
+          </a:p>
+        </p:txBody>
+      </p:sp>
+    </p:spTree>
+  </p:cSld>
+  <p:clrMapOvr>
+    <a:masterClrMapping/>
+  </p:clrMapOvr>
+</p:sld>
+</file>
+
+<file path=ppt/slides/slide31.xml><?xml version="1.0" encoding="utf-8"?>
+<p:sld xmlns:a="http://schemas.openxmlformats.org/drawingml/2006/main" xmlns:r="http://schemas.openxmlformats.org/officeDocument/2006/relationships" xmlns:p="http://schemas.openxmlformats.org/presentationml/2006/main">
+  <p:cSld>
+    <p:spTree>
+      <p:nvGrpSpPr>
+        <p:cNvPr id="1" name=""/>
+        <p:cNvGrpSpPr/>
+        <p:nvPr/>
+      </p:nvGrpSpPr>
+      <p:grpSpPr>
+        <a:xfrm>
+          <a:off x="0" y="0"/>
+          <a:ext cx="0" cy="0"/>
+          <a:chOff x="0" y="0"/>
+          <a:chExt cx="0" cy="0"/>
+        </a:xfrm>
+      </p:grpSpPr>
+      <p:sp>
+        <p:nvSpPr>
+          <p:cNvPr id="46082" name="Titre 1">
+            <a:extLst>
+              <a:ext uri="{FF2B5EF4-FFF2-40B4-BE49-F238E27FC236}">
+                <a16:creationId xmlns:a16="http://schemas.microsoft.com/office/drawing/2014/main" id="{1682D8E4-6534-44F3-BBAA-4B9DB87CDEA1}"/>
+              </a:ext>
+            </a:extLst>
+          </p:cNvPr>
+          <p:cNvSpPr>
+            <a:spLocks noGrp="1" noChangeArrowheads="1"/>
+          </p:cNvSpPr>
+          <p:nvPr>
+            <p:ph type="title"/>
+          </p:nvPr>
+        </p:nvSpPr>
+        <p:spPr/>
+        <p:txBody>
+          <a:bodyPr/>
+          <a:lstStyle/>
+          <a:p>
+            <a:pPr algn="ctr"/>
+            <a:r>
+              <a:rPr lang="fr-FR" altLang="fr-FR" dirty="0"/>
+              <a:t>Livrables</a:t>
+            </a:r>
+          </a:p>
+        </p:txBody>
+      </p:sp>
+      <p:sp>
+        <p:nvSpPr>
+          <p:cNvPr id="3" name="Espace réservé du contenu 2">
+            <a:extLst>
+              <a:ext uri="{FF2B5EF4-FFF2-40B4-BE49-F238E27FC236}">
+                <a16:creationId xmlns:a16="http://schemas.microsoft.com/office/drawing/2014/main" id="{41DDAAA2-19A0-4CCA-A2CA-E4C2EF052A22}"/>
+              </a:ext>
+            </a:extLst>
+          </p:cNvPr>
+          <p:cNvSpPr>
+            <a:spLocks noGrp="1"/>
+          </p:cNvSpPr>
+          <p:nvPr>
+            <p:ph idx="1"/>
+          </p:nvPr>
+        </p:nvSpPr>
+        <p:spPr/>
+        <p:txBody>
+          <a:bodyPr rtlCol="0">
+            <a:normAutofit/>
+          </a:bodyPr>
+          <a:lstStyle/>
+          <a:p>
+            <a:pPr fontAlgn="auto">
+              <a:spcAft>
+                <a:spcPts val="0"/>
+              </a:spcAft>
+              <a:defRPr/>
+            </a:pPr>
+            <a:r>
+              <a:rPr lang="fr-FR" altLang="fr-FR" dirty="0"/>
+              <a:t>Service Web </a:t>
+            </a:r>
+          </a:p>
+          <a:p>
+            <a:pPr lvl="1" fontAlgn="auto">
+              <a:spcAft>
+                <a:spcPts val="0"/>
+              </a:spcAft>
+              <a:defRPr/>
+            </a:pPr>
+            <a:r>
+              <a:rPr lang="fr-FR" dirty="0"/>
+              <a:t>Python, Librairie </a:t>
+            </a:r>
+            <a:r>
+              <a:rPr lang="fr-FR" dirty="0" err="1"/>
+              <a:t>Flask</a:t>
+            </a:r>
+            <a:endParaRPr lang="fr-FR" dirty="0"/>
+          </a:p>
+          <a:p>
+            <a:pPr lvl="1" fontAlgn="auto">
+              <a:spcAft>
+                <a:spcPts val="0"/>
+              </a:spcAft>
+              <a:defRPr/>
+            </a:pPr>
+            <a:r>
+              <a:rPr lang="fr-FR" dirty="0"/>
+              <a:t>Service REST</a:t>
+            </a:r>
+          </a:p>
+          <a:p>
+            <a:pPr lvl="1" fontAlgn="auto">
+              <a:spcAft>
+                <a:spcPts val="0"/>
+              </a:spcAft>
+              <a:defRPr/>
+            </a:pPr>
+            <a:r>
+              <a:rPr lang="fr-FR" dirty="0"/>
+              <a:t>5 recommandations parmi 10</a:t>
+            </a:r>
+          </a:p>
+          <a:p>
+            <a:pPr lvl="1" fontAlgn="auto">
+              <a:spcAft>
+                <a:spcPts val="0"/>
+              </a:spcAft>
+              <a:defRPr/>
+            </a:pPr>
+            <a:r>
+              <a:rPr lang="fr-FR" dirty="0"/>
+              <a:t>Réponse en JSON</a:t>
+            </a:r>
+          </a:p>
+          <a:p>
+            <a:pPr lvl="1" fontAlgn="auto">
+              <a:spcAft>
+                <a:spcPts val="0"/>
+              </a:spcAft>
+              <a:defRPr/>
+            </a:pPr>
+            <a:r>
+              <a:rPr lang="fr-FR" dirty="0"/>
+              <a:t>Déploiement sur </a:t>
+            </a:r>
+            <a:r>
+              <a:rPr lang="fr-FR" dirty="0" err="1"/>
+              <a:t>Heroku</a:t>
+            </a:r>
+            <a:r>
+              <a:rPr lang="fr-FR" dirty="0"/>
+              <a:t> : </a:t>
+            </a:r>
+            <a:r>
+              <a:rPr lang="fr-FR" dirty="0">
+                <a:hlinkClick r:id="rId3"/>
+              </a:rPr>
+              <a:t>https://recommended-engine.herokuapp.com/</a:t>
+            </a:r>
+            <a:endParaRPr lang="fr-FR" dirty="0"/>
+          </a:p>
+          <a:p>
+            <a:pPr fontAlgn="auto">
+              <a:spcAft>
+                <a:spcPts val="0"/>
+              </a:spcAft>
+              <a:defRPr/>
+            </a:pPr>
+            <a:r>
+              <a:rPr lang="fr-FR" dirty="0"/>
+              <a:t>GitHub</a:t>
+            </a:r>
+          </a:p>
+          <a:p>
+            <a:pPr lvl="1" fontAlgn="auto">
+              <a:spcAft>
+                <a:spcPts val="0"/>
+              </a:spcAft>
+              <a:defRPr/>
+            </a:pPr>
+            <a:r>
+              <a:rPr lang="fr-FR" dirty="0">
+                <a:hlinkClick r:id="rId4"/>
+              </a:rPr>
+              <a:t>https://github.com/morganscao/Projet3</a:t>
+            </a:r>
+            <a:r>
+              <a:rPr lang="fr-FR" dirty="0"/>
+              <a:t> </a:t>
+            </a:r>
+          </a:p>
+        </p:txBody>
+      </p:sp>
+    </p:spTree>
+  </p:cSld>
+  <p:clrMapOvr>
+    <a:masterClrMapping/>
+  </p:clrMapOvr>
+</p:sld>
+</file>
+
+<file path=ppt/slides/slide32.xml><?xml version="1.0" encoding="utf-8"?>
+<p:sld xmlns:a="http://schemas.openxmlformats.org/drawingml/2006/main" xmlns:r="http://schemas.openxmlformats.org/officeDocument/2006/relationships" xmlns:p="http://schemas.openxmlformats.org/presentationml/2006/main">
+  <p:cSld>
+    <p:spTree>
+      <p:nvGrpSpPr>
+        <p:cNvPr id="1" name=""/>
+        <p:cNvGrpSpPr/>
+        <p:nvPr/>
+      </p:nvGrpSpPr>
+      <p:grpSpPr>
+        <a:xfrm>
+          <a:off x="0" y="0"/>
+          <a:ext cx="0" cy="0"/>
+          <a:chOff x="0" y="0"/>
+          <a:chExt cx="0" cy="0"/>
+        </a:xfrm>
+      </p:grpSpPr>
+      <p:sp>
+        <p:nvSpPr>
+          <p:cNvPr id="46082" name="Titre 1">
+            <a:extLst>
+              <a:ext uri="{FF2B5EF4-FFF2-40B4-BE49-F238E27FC236}">
+                <a16:creationId xmlns:a16="http://schemas.microsoft.com/office/drawing/2014/main" id="{1682D8E4-6534-44F3-BBAA-4B9DB87CDEA1}"/>
+              </a:ext>
+            </a:extLst>
+          </p:cNvPr>
+          <p:cNvSpPr>
+            <a:spLocks noGrp="1" noChangeArrowheads="1"/>
+          </p:cNvSpPr>
+          <p:nvPr>
+            <p:ph type="title"/>
+          </p:nvPr>
+        </p:nvSpPr>
+        <p:spPr/>
+        <p:txBody>
+          <a:bodyPr/>
+          <a:lstStyle/>
+          <a:p>
+            <a:pPr algn="ctr"/>
+            <a:r>
+              <a:rPr lang="fr-FR" altLang="fr-FR" dirty="0"/>
+              <a:t>Page d’accueil</a:t>
+            </a:r>
+          </a:p>
+        </p:txBody>
+      </p:sp>
+      <p:pic>
+        <p:nvPicPr>
+          <p:cNvPr id="4" name="Espace réservé du contenu 3">
+            <a:extLst>
+              <a:ext uri="{FF2B5EF4-FFF2-40B4-BE49-F238E27FC236}">
+                <a16:creationId xmlns:a16="http://schemas.microsoft.com/office/drawing/2014/main" id="{356AA8E8-C1B5-4BE9-9F35-6889B39862F7}"/>
+              </a:ext>
+            </a:extLst>
+          </p:cNvPr>
+          <p:cNvPicPr>
+            <a:picLocks noGrp="1" noChangeAspect="1"/>
+          </p:cNvPicPr>
+          <p:nvPr>
+            <p:ph idx="1"/>
+          </p:nvPr>
+        </p:nvPicPr>
+        <p:blipFill>
+          <a:blip r:embed="rId3"/>
+          <a:stretch>
+            <a:fillRect/>
+          </a:stretch>
+        </p:blipFill>
+        <p:spPr>
+          <a:xfrm>
+            <a:off x="1138237" y="2186781"/>
+            <a:ext cx="9915525" cy="3629025"/>
+          </a:xfrm>
+          <a:prstGeom prst="rect">
+            <a:avLst/>
+          </a:prstGeom>
+        </p:spPr>
+      </p:pic>
+    </p:spTree>
+    <p:extLst>
+      <p:ext uri="{BB962C8B-B14F-4D97-AF65-F5344CB8AC3E}">
+        <p14:creationId xmlns:p14="http://schemas.microsoft.com/office/powerpoint/2010/main" val="3573296290"/>
+      </p:ext>
+    </p:extLst>
+  </p:cSld>
+  <p:clrMapOvr>
+    <a:masterClrMapping/>
+  </p:clrMapOvr>
+</p:sld>
+</file>
+
 <file path=ppt/slides/slide33.xml><?xml version="1.0" encoding="utf-8"?>
 <p:sld xmlns:a="http://schemas.openxmlformats.org/drawingml/2006/main" xmlns:r="http://schemas.openxmlformats.org/officeDocument/2006/relationships" xmlns:p="http://schemas.openxmlformats.org/presentationml/2006/main">
   <p:cSld>
@@ -12998,134 +13222,42 @@
           <a:chExt cx="0" cy="0"/>
         </a:xfrm>
       </p:grpSpPr>
-      <p:sp>
-        <p:nvSpPr>
-          <p:cNvPr id="45058" name="Titre 1">
-            <a:extLst>
-              <a:ext uri="{FF2B5EF4-FFF2-40B4-BE49-F238E27FC236}">
-                <a16:creationId xmlns:a16="http://schemas.microsoft.com/office/drawing/2014/main" id="{755B7D4E-8198-44AE-8D3A-BF837F995533}"/>
-              </a:ext>
-            </a:extLst>
-          </p:cNvPr>
-          <p:cNvSpPr>
-            <a:spLocks noGrp="1" noChangeArrowheads="1"/>
-          </p:cNvSpPr>
-          <p:nvPr>
-            <p:ph type="title"/>
-          </p:nvPr>
-        </p:nvSpPr>
-        <p:spPr/>
-        <p:txBody>
-          <a:bodyPr/>
-          <a:lstStyle/>
-          <a:p>
-            <a:pPr algn="ctr"/>
-            <a:r>
-              <a:rPr lang="fr-FR" altLang="fr-FR" dirty="0"/>
-              <a:t>Distances - Conclusion</a:t>
-            </a:r>
-          </a:p>
-        </p:txBody>
-      </p:sp>
-      <p:sp>
-        <p:nvSpPr>
-          <p:cNvPr id="3" name="Espace réservé du contenu 2">
-            <a:extLst>
-              <a:ext uri="{FF2B5EF4-FFF2-40B4-BE49-F238E27FC236}">
-                <a16:creationId xmlns:a16="http://schemas.microsoft.com/office/drawing/2014/main" id="{FB788966-8FAE-48AA-AD22-60A256D4EDAC}"/>
-              </a:ext>
-            </a:extLst>
-          </p:cNvPr>
-          <p:cNvSpPr>
-            <a:spLocks noGrp="1"/>
-          </p:cNvSpPr>
-          <p:nvPr>
-            <p:ph idx="1"/>
-          </p:nvPr>
-        </p:nvSpPr>
-        <p:spPr/>
-        <p:txBody>
-          <a:bodyPr rtlCol="0">
-            <a:normAutofit/>
-          </a:bodyPr>
-          <a:lstStyle/>
-          <a:p>
-            <a:pPr marL="0" indent="0" fontAlgn="auto">
-              <a:spcAft>
-                <a:spcPts val="0"/>
-              </a:spcAft>
-              <a:buFont typeface="Arial" panose="020B0604020202020204" pitchFamily="34" charset="0"/>
-              <a:buNone/>
-              <a:defRPr/>
-            </a:pPr>
-            <a:r>
-              <a:rPr lang="fr-FR" dirty="0"/>
-              <a:t>Les tests indique qu’une relativement bonne solution serait d’utiliser la similarité cosinus avec les colonnes numériques et les features catégorielles les plus importantes :</a:t>
-            </a:r>
-          </a:p>
-          <a:p>
-            <a:pPr fontAlgn="auto">
-              <a:spcAft>
-                <a:spcPts val="0"/>
-              </a:spcAft>
-              <a:defRPr/>
-            </a:pPr>
-            <a:r>
-              <a:rPr lang="fr-FR" dirty="0"/>
-              <a:t>Genres</a:t>
-            </a:r>
-          </a:p>
-          <a:p>
-            <a:pPr fontAlgn="auto">
-              <a:spcAft>
-                <a:spcPts val="0"/>
-              </a:spcAft>
-              <a:defRPr/>
-            </a:pPr>
-            <a:r>
-              <a:rPr lang="fr-FR" dirty="0"/>
-              <a:t>Langue</a:t>
-            </a:r>
-          </a:p>
-          <a:p>
-            <a:pPr fontAlgn="auto">
-              <a:spcAft>
-                <a:spcPts val="0"/>
-              </a:spcAft>
-              <a:defRPr/>
-            </a:pPr>
-            <a:r>
-              <a:rPr lang="fr-FR" dirty="0"/>
-              <a:t>Titre</a:t>
-            </a:r>
-          </a:p>
-          <a:p>
-            <a:pPr fontAlgn="auto">
-              <a:spcAft>
-                <a:spcPts val="0"/>
-              </a:spcAft>
-              <a:defRPr/>
-            </a:pPr>
-            <a:r>
-              <a:rPr lang="fr-FR" dirty="0"/>
-              <a:t>Acteur 1</a:t>
-            </a:r>
-          </a:p>
-          <a:p>
-            <a:pPr fontAlgn="auto">
-              <a:spcAft>
-                <a:spcPts val="0"/>
-              </a:spcAft>
-              <a:defRPr/>
-            </a:pPr>
-            <a:r>
-              <a:rPr lang="fr-FR" dirty="0"/>
-              <a:t>Réalisateur</a:t>
-            </a:r>
-          </a:p>
-        </p:txBody>
-      </p:sp>
+      <p:pic>
+        <p:nvPicPr>
+          <p:cNvPr id="2" name="Image 1">
+            <a:extLst>
+              <a:ext uri="{FF2B5EF4-FFF2-40B4-BE49-F238E27FC236}">
+                <a16:creationId xmlns:a16="http://schemas.microsoft.com/office/drawing/2014/main" id="{28427F26-50A8-4EAF-9112-3002A4425A17}"/>
+              </a:ext>
+            </a:extLst>
+          </p:cNvPr>
+          <p:cNvPicPr>
+            <a:picLocks noChangeAspect="1"/>
+          </p:cNvPicPr>
+          <p:nvPr/>
+        </p:nvPicPr>
+        <p:blipFill>
+          <a:blip r:embed="rId2"/>
+          <a:stretch>
+            <a:fillRect/>
+          </a:stretch>
+        </p:blipFill>
+        <p:spPr>
+          <a:xfrm>
+            <a:off x="2695575" y="1100137"/>
+            <a:ext cx="6800850" cy="4657725"/>
+          </a:xfrm>
+          <a:prstGeom prst="rect">
+            <a:avLst/>
+          </a:prstGeom>
+        </p:spPr>
+      </p:pic>
     </p:spTree>
+    <p:extLst>
+      <p:ext uri="{BB962C8B-B14F-4D97-AF65-F5344CB8AC3E}">
+        <p14:creationId xmlns:p14="http://schemas.microsoft.com/office/powerpoint/2010/main" val="1481971005"/>
+      </p:ext>
+    </p:extLst>
   </p:cSld>
   <p:clrMapOvr>
     <a:masterClrMapping/>
@@ -13152,403 +13284,6 @@
       </p:grpSpPr>
       <p:sp>
         <p:nvSpPr>
-          <p:cNvPr id="46082" name="Titre 1">
-            <a:extLst>
-              <a:ext uri="{FF2B5EF4-FFF2-40B4-BE49-F238E27FC236}">
-                <a16:creationId xmlns:a16="http://schemas.microsoft.com/office/drawing/2014/main" id="{1682D8E4-6534-44F3-BBAA-4B9DB87CDEA1}"/>
-              </a:ext>
-            </a:extLst>
-          </p:cNvPr>
-          <p:cNvSpPr>
-            <a:spLocks noGrp="1" noChangeArrowheads="1"/>
-          </p:cNvSpPr>
-          <p:nvPr>
-            <p:ph type="title"/>
-          </p:nvPr>
-        </p:nvSpPr>
-        <p:spPr/>
-        <p:txBody>
-          <a:bodyPr/>
-          <a:lstStyle/>
-          <a:p>
-            <a:pPr algn="ctr"/>
-            <a:r>
-              <a:rPr lang="fr-FR" altLang="fr-FR" dirty="0"/>
-              <a:t>Service Web</a:t>
-            </a:r>
-          </a:p>
-        </p:txBody>
-      </p:sp>
-      <p:sp>
-        <p:nvSpPr>
-          <p:cNvPr id="3" name="Espace réservé du contenu 2">
-            <a:extLst>
-              <a:ext uri="{FF2B5EF4-FFF2-40B4-BE49-F238E27FC236}">
-                <a16:creationId xmlns:a16="http://schemas.microsoft.com/office/drawing/2014/main" id="{41DDAAA2-19A0-4CCA-A2CA-E4C2EF052A22}"/>
-              </a:ext>
-            </a:extLst>
-          </p:cNvPr>
-          <p:cNvSpPr>
-            <a:spLocks noGrp="1"/>
-          </p:cNvSpPr>
-          <p:nvPr>
-            <p:ph idx="1"/>
-          </p:nvPr>
-        </p:nvSpPr>
-        <p:spPr/>
-        <p:txBody>
-          <a:bodyPr rtlCol="0">
-            <a:normAutofit/>
-          </a:bodyPr>
-          <a:lstStyle/>
-          <a:p>
-            <a:pPr fontAlgn="auto">
-              <a:spcAft>
-                <a:spcPts val="0"/>
-              </a:spcAft>
-              <a:defRPr/>
-            </a:pPr>
-            <a:r>
-              <a:rPr lang="fr-FR" dirty="0"/>
-              <a:t>Python</a:t>
-            </a:r>
-          </a:p>
-          <a:p>
-            <a:pPr fontAlgn="auto">
-              <a:spcAft>
-                <a:spcPts val="0"/>
-              </a:spcAft>
-              <a:defRPr/>
-            </a:pPr>
-            <a:r>
-              <a:rPr lang="fr-FR" dirty="0"/>
-              <a:t>Librairie </a:t>
-            </a:r>
-            <a:r>
-              <a:rPr lang="fr-FR" dirty="0" err="1"/>
-              <a:t>Flask</a:t>
-            </a:r>
-            <a:endParaRPr lang="fr-FR" dirty="0"/>
-          </a:p>
-          <a:p>
-            <a:pPr fontAlgn="auto">
-              <a:spcAft>
-                <a:spcPts val="0"/>
-              </a:spcAft>
-              <a:defRPr/>
-            </a:pPr>
-            <a:r>
-              <a:rPr lang="fr-FR" dirty="0"/>
-              <a:t>Service REST</a:t>
-            </a:r>
-          </a:p>
-          <a:p>
-            <a:pPr fontAlgn="auto">
-              <a:spcAft>
-                <a:spcPts val="0"/>
-              </a:spcAft>
-              <a:defRPr/>
-            </a:pPr>
-            <a:r>
-              <a:rPr lang="fr-FR" dirty="0"/>
-              <a:t>5 recommandations</a:t>
-            </a:r>
-          </a:p>
-          <a:p>
-            <a:pPr fontAlgn="auto">
-              <a:spcAft>
-                <a:spcPts val="0"/>
-              </a:spcAft>
-              <a:defRPr/>
-            </a:pPr>
-            <a:r>
-              <a:rPr lang="fr-FR" dirty="0"/>
-              <a:t>Réponse en JSON</a:t>
-            </a:r>
-          </a:p>
-          <a:p>
-            <a:pPr fontAlgn="auto">
-              <a:spcAft>
-                <a:spcPts val="0"/>
-              </a:spcAft>
-              <a:defRPr/>
-            </a:pPr>
-            <a:r>
-              <a:rPr lang="fr-FR" dirty="0"/>
-              <a:t>Déploiement sur </a:t>
-            </a:r>
-            <a:r>
-              <a:rPr lang="fr-FR" dirty="0" err="1"/>
-              <a:t>Heroku</a:t>
-            </a:r>
-            <a:endParaRPr lang="fr-FR" dirty="0"/>
-          </a:p>
-          <a:p>
-            <a:pPr fontAlgn="auto">
-              <a:spcAft>
-                <a:spcPts val="0"/>
-              </a:spcAft>
-              <a:defRPr/>
-            </a:pPr>
-            <a:endParaRPr lang="fr-FR" dirty="0">
-              <a:hlinkClick r:id="rId3"/>
-            </a:endParaRPr>
-          </a:p>
-          <a:p>
-            <a:pPr marL="0" indent="0" fontAlgn="auto">
-              <a:spcAft>
-                <a:spcPts val="0"/>
-              </a:spcAft>
-              <a:buFont typeface="Arial" panose="020B0604020202020204" pitchFamily="34" charset="0"/>
-              <a:buNone/>
-              <a:defRPr/>
-            </a:pPr>
-            <a:r>
-              <a:rPr lang="fr-FR" dirty="0">
-                <a:hlinkClick r:id="rId3"/>
-              </a:rPr>
-              <a:t>https://recommended-engine.herokuapp.com/</a:t>
-            </a:r>
-            <a:endParaRPr lang="fr-FR" dirty="0"/>
-          </a:p>
-          <a:p>
-            <a:pPr fontAlgn="auto">
-              <a:spcAft>
-                <a:spcPts val="0"/>
-              </a:spcAft>
-              <a:defRPr/>
-            </a:pPr>
-            <a:endParaRPr lang="fr-FR" dirty="0"/>
-          </a:p>
-        </p:txBody>
-      </p:sp>
-    </p:spTree>
-  </p:cSld>
-  <p:clrMapOvr>
-    <a:masterClrMapping/>
-  </p:clrMapOvr>
-</p:sld>
-</file>
-
-<file path=ppt/slides/slide35.xml><?xml version="1.0" encoding="utf-8"?>
-<p:sld xmlns:a="http://schemas.openxmlformats.org/drawingml/2006/main" xmlns:r="http://schemas.openxmlformats.org/officeDocument/2006/relationships" xmlns:p="http://schemas.openxmlformats.org/presentationml/2006/main">
-  <p:cSld>
-    <p:spTree>
-      <p:nvGrpSpPr>
-        <p:cNvPr id="1" name=""/>
-        <p:cNvGrpSpPr/>
-        <p:nvPr/>
-      </p:nvGrpSpPr>
-      <p:grpSpPr>
-        <a:xfrm>
-          <a:off x="0" y="0"/>
-          <a:ext cx="0" cy="0"/>
-          <a:chOff x="0" y="0"/>
-          <a:chExt cx="0" cy="0"/>
-        </a:xfrm>
-      </p:grpSpPr>
-      <p:sp>
-        <p:nvSpPr>
-          <p:cNvPr id="2" name="Titre 1">
-            <a:extLst>
-              <a:ext uri="{FF2B5EF4-FFF2-40B4-BE49-F238E27FC236}">
-                <a16:creationId xmlns:a16="http://schemas.microsoft.com/office/drawing/2014/main" id="{D6DD2ED4-A19E-49FC-84FA-DEB1CD68A1AE}"/>
-              </a:ext>
-            </a:extLst>
-          </p:cNvPr>
-          <p:cNvSpPr>
-            <a:spLocks noGrp="1"/>
-          </p:cNvSpPr>
-          <p:nvPr>
-            <p:ph type="title"/>
-          </p:nvPr>
-        </p:nvSpPr>
-        <p:spPr/>
-        <p:txBody>
-          <a:bodyPr/>
-          <a:lstStyle/>
-          <a:p>
-            <a:endParaRPr lang="fr-FR"/>
-          </a:p>
-        </p:txBody>
-      </p:sp>
-      <p:pic>
-        <p:nvPicPr>
-          <p:cNvPr id="4" name="Espace réservé du contenu 3">
-            <a:extLst>
-              <a:ext uri="{FF2B5EF4-FFF2-40B4-BE49-F238E27FC236}">
-                <a16:creationId xmlns:a16="http://schemas.microsoft.com/office/drawing/2014/main" id="{8F8E83D8-1284-4414-97BF-C8C39B94EF56}"/>
-              </a:ext>
-            </a:extLst>
-          </p:cNvPr>
-          <p:cNvPicPr>
-            <a:picLocks noGrp="1" noChangeAspect="1"/>
-          </p:cNvPicPr>
-          <p:nvPr>
-            <p:ph idx="1"/>
-          </p:nvPr>
-        </p:nvPicPr>
-        <p:blipFill>
-          <a:blip r:embed="rId2"/>
-          <a:stretch>
-            <a:fillRect/>
-          </a:stretch>
-        </p:blipFill>
-        <p:spPr>
-          <a:xfrm>
-            <a:off x="838200" y="666966"/>
-            <a:ext cx="10515600" cy="1514026"/>
-          </a:xfrm>
-          <a:prstGeom prst="rect">
-            <a:avLst/>
-          </a:prstGeom>
-        </p:spPr>
-      </p:pic>
-      <p:pic>
-        <p:nvPicPr>
-          <p:cNvPr id="3" name="Image 2">
-            <a:extLst>
-              <a:ext uri="{FF2B5EF4-FFF2-40B4-BE49-F238E27FC236}">
-                <a16:creationId xmlns:a16="http://schemas.microsoft.com/office/drawing/2014/main" id="{7F0BAF86-AF00-4AC1-A6A2-04637FA5E953}"/>
-              </a:ext>
-            </a:extLst>
-          </p:cNvPr>
-          <p:cNvPicPr>
-            <a:picLocks noChangeAspect="1"/>
-          </p:cNvPicPr>
-          <p:nvPr/>
-        </p:nvPicPr>
-        <p:blipFill>
-          <a:blip r:embed="rId3"/>
-          <a:stretch>
-            <a:fillRect/>
-          </a:stretch>
-        </p:blipFill>
-        <p:spPr>
-          <a:xfrm>
-            <a:off x="3194033" y="3019424"/>
-            <a:ext cx="5035567" cy="966649"/>
-          </a:xfrm>
-          <a:prstGeom prst="rect">
-            <a:avLst/>
-          </a:prstGeom>
-        </p:spPr>
-      </p:pic>
-    </p:spTree>
-    <p:extLst>
-      <p:ext uri="{BB962C8B-B14F-4D97-AF65-F5344CB8AC3E}">
-        <p14:creationId xmlns:p14="http://schemas.microsoft.com/office/powerpoint/2010/main" val="796834902"/>
-      </p:ext>
-    </p:extLst>
-  </p:cSld>
-  <p:clrMapOvr>
-    <a:masterClrMapping/>
-  </p:clrMapOvr>
-</p:sld>
-</file>
-
-<file path=ppt/slides/slide36.xml><?xml version="1.0" encoding="utf-8"?>
-<p:sld xmlns:a="http://schemas.openxmlformats.org/drawingml/2006/main" xmlns:r="http://schemas.openxmlformats.org/officeDocument/2006/relationships" xmlns:p="http://schemas.openxmlformats.org/presentationml/2006/main">
-  <p:cSld>
-    <p:spTree>
-      <p:nvGrpSpPr>
-        <p:cNvPr id="1" name=""/>
-        <p:cNvGrpSpPr/>
-        <p:nvPr/>
-      </p:nvGrpSpPr>
-      <p:grpSpPr>
-        <a:xfrm>
-          <a:off x="0" y="0"/>
-          <a:ext cx="0" cy="0"/>
-          <a:chOff x="0" y="0"/>
-          <a:chExt cx="0" cy="0"/>
-        </a:xfrm>
-      </p:grpSpPr>
-      <p:pic>
-        <p:nvPicPr>
-          <p:cNvPr id="5" name="Espace réservé du contenu 3">
-            <a:extLst>
-              <a:ext uri="{FF2B5EF4-FFF2-40B4-BE49-F238E27FC236}">
-                <a16:creationId xmlns:a16="http://schemas.microsoft.com/office/drawing/2014/main" id="{903A9D8A-3B33-4AEC-BEED-254AF4111F47}"/>
-              </a:ext>
-            </a:extLst>
-          </p:cNvPr>
-          <p:cNvPicPr>
-            <a:picLocks noChangeAspect="1"/>
-          </p:cNvPicPr>
-          <p:nvPr/>
-        </p:nvPicPr>
-        <p:blipFill>
-          <a:blip r:embed="rId2"/>
-          <a:stretch>
-            <a:fillRect/>
-          </a:stretch>
-        </p:blipFill>
-        <p:spPr bwMode="auto">
-          <a:xfrm>
-            <a:off x="1944210" y="549195"/>
-            <a:ext cx="7691813" cy="5567519"/>
-          </a:xfrm>
-          <a:prstGeom prst="rect">
-            <a:avLst/>
-          </a:prstGeom>
-          <a:noFill/>
-          <a:ln>
-            <a:noFill/>
-          </a:ln>
-          <a:extLst>
-            <a:ext uri="{909E8E84-426E-40DD-AFC4-6F175D3DCCD1}">
-              <a14:hiddenFill xmlns:a14="http://schemas.microsoft.com/office/drawing/2010/main">
-                <a:solidFill>
-                  <a:srgbClr val="FFFFFF"/>
-                </a:solidFill>
-              </a14:hiddenFill>
-            </a:ext>
-            <a:ext uri="{91240B29-F687-4F45-9708-019B960494DF}">
-              <a14:hiddenLine xmlns:a14="http://schemas.microsoft.com/office/drawing/2010/main" w="9525">
-                <a:solidFill>
-                  <a:srgbClr val="000000"/>
-                </a:solidFill>
-                <a:miter lim="800000"/>
-                <a:headEnd/>
-                <a:tailEnd/>
-              </a14:hiddenLine>
-            </a:ext>
-          </a:extLst>
-        </p:spPr>
-      </p:pic>
-    </p:spTree>
-    <p:extLst>
-      <p:ext uri="{BB962C8B-B14F-4D97-AF65-F5344CB8AC3E}">
-        <p14:creationId xmlns:p14="http://schemas.microsoft.com/office/powerpoint/2010/main" val="1481971005"/>
-      </p:ext>
-    </p:extLst>
-  </p:cSld>
-  <p:clrMapOvr>
-    <a:masterClrMapping/>
-  </p:clrMapOvr>
-</p:sld>
-</file>
-
-<file path=ppt/slides/slide37.xml><?xml version="1.0" encoding="utf-8"?>
-<p:sld xmlns:a="http://schemas.openxmlformats.org/drawingml/2006/main" xmlns:r="http://schemas.openxmlformats.org/officeDocument/2006/relationships" xmlns:p="http://schemas.openxmlformats.org/presentationml/2006/main">
-  <p:cSld>
-    <p:spTree>
-      <p:nvGrpSpPr>
-        <p:cNvPr id="1" name=""/>
-        <p:cNvGrpSpPr/>
-        <p:nvPr/>
-      </p:nvGrpSpPr>
-      <p:grpSpPr>
-        <a:xfrm>
-          <a:off x="0" y="0"/>
-          <a:ext cx="0" cy="0"/>
-          <a:chOff x="0" y="0"/>
-          <a:chExt cx="0" cy="0"/>
-        </a:xfrm>
-      </p:grpSpPr>
-      <p:sp>
-        <p:nvSpPr>
           <p:cNvPr id="2" name="Titre 1">
             <a:extLst>
               <a:ext uri="{FF2B5EF4-FFF2-40B4-BE49-F238E27FC236}">
@@ -13654,7 +13389,7 @@
 </p:sld>
 </file>
 
-<file path=ppt/slides/slide38.xml><?xml version="1.0" encoding="utf-8"?>
+<file path=ppt/slides/slide35.xml><?xml version="1.0" encoding="utf-8"?>
 <p:sld xmlns:a="http://schemas.openxmlformats.org/drawingml/2006/main" xmlns:r="http://schemas.openxmlformats.org/officeDocument/2006/relationships" xmlns:p="http://schemas.openxmlformats.org/presentationml/2006/main">
   <p:cSld>
     <p:spTree>
@@ -14214,13 +13949,7 @@
           <a:p>
             <a:r>
               <a:rPr lang="fr-FR" dirty="0"/>
-              <a:t>Valeurs aberrantes</a:t>
-            </a:r>
-          </a:p>
-          <a:p>
-            <a:r>
-              <a:rPr lang="fr-FR" dirty="0"/>
-              <a:t>Binarisation </a:t>
+              <a:t>Valeurs aberrantes </a:t>
             </a:r>
           </a:p>
         </p:txBody>
@@ -14551,182 +14280,32 @@
       </p:sp>
       <p:pic>
         <p:nvPicPr>
-          <p:cNvPr id="10244" name="Image 12">
-            <a:extLst>
-              <a:ext uri="{FF2B5EF4-FFF2-40B4-BE49-F238E27FC236}">
-                <a16:creationId xmlns:a16="http://schemas.microsoft.com/office/drawing/2014/main" id="{228843C5-B603-4C40-B972-92AE726E0A79}"/>
+          <p:cNvPr id="3" name="Image 2">
+            <a:extLst>
+              <a:ext uri="{FF2B5EF4-FFF2-40B4-BE49-F238E27FC236}">
+                <a16:creationId xmlns:a16="http://schemas.microsoft.com/office/drawing/2014/main" id="{65A2D6E2-77D4-41EC-B9C2-1595747C1FA1}"/>
               </a:ext>
             </a:extLst>
           </p:cNvPr>
           <p:cNvPicPr>
-            <a:picLocks noChangeAspect="1" noChangeArrowheads="1"/>
+            <a:picLocks noChangeAspect="1"/>
           </p:cNvPicPr>
           <p:nvPr/>
         </p:nvPicPr>
         <p:blipFill>
-          <a:blip r:embed="rId3">
-            <a:extLst>
-              <a:ext uri="{28A0092B-C50C-407E-A947-70E740481C1C}">
-                <a14:useLocalDpi xmlns:a14="http://schemas.microsoft.com/office/drawing/2010/main" val="0"/>
-              </a:ext>
-            </a:extLst>
-          </a:blip>
-          <a:srcRect/>
+          <a:blip r:embed="rId3"/>
           <a:stretch>
             <a:fillRect/>
           </a:stretch>
         </p:blipFill>
-        <p:spPr bwMode="auto">
+        <p:spPr>
           <a:xfrm>
-            <a:off x="758825" y="1776413"/>
-            <a:ext cx="2743200" cy="4448175"/>
+            <a:off x="1287645" y="1690688"/>
+            <a:ext cx="9616710" cy="4673638"/>
           </a:xfrm>
           <a:prstGeom prst="rect">
             <a:avLst/>
           </a:prstGeom>
-          <a:noFill/>
-          <a:ln>
-            <a:noFill/>
-          </a:ln>
-          <a:extLst>
-            <a:ext uri="{909E8E84-426E-40DD-AFC4-6F175D3DCCD1}">
-              <a14:hiddenFill xmlns:a14="http://schemas.microsoft.com/office/drawing/2010/main">
-                <a:solidFill>
-                  <a:srgbClr val="FFFFFF"/>
-                </a:solidFill>
-              </a14:hiddenFill>
-            </a:ext>
-            <a:ext uri="{91240B29-F687-4F45-9708-019B960494DF}">
-              <a14:hiddenLine xmlns:a14="http://schemas.microsoft.com/office/drawing/2010/main" w="9525">
-                <a:solidFill>
-                  <a:srgbClr val="000000"/>
-                </a:solidFill>
-                <a:miter lim="800000"/>
-                <a:headEnd/>
-                <a:tailEnd/>
-              </a14:hiddenLine>
-            </a:ext>
-          </a:extLst>
-        </p:spPr>
-      </p:pic>
-      <p:pic>
-        <p:nvPicPr>
-          <p:cNvPr id="10245" name="Image 13">
-            <a:extLst>
-              <a:ext uri="{FF2B5EF4-FFF2-40B4-BE49-F238E27FC236}">
-                <a16:creationId xmlns:a16="http://schemas.microsoft.com/office/drawing/2014/main" id="{868051BA-BFC3-4045-A704-3C33463CD58E}"/>
-              </a:ext>
-            </a:extLst>
-          </p:cNvPr>
-          <p:cNvPicPr>
-            <a:picLocks noChangeAspect="1" noChangeArrowheads="1"/>
-          </p:cNvPicPr>
-          <p:nvPr/>
-        </p:nvPicPr>
-        <p:blipFill>
-          <a:blip r:embed="rId4">
-            <a:extLst>
-              <a:ext uri="{28A0092B-C50C-407E-A947-70E740481C1C}">
-                <a14:useLocalDpi xmlns:a14="http://schemas.microsoft.com/office/drawing/2010/main" val="0"/>
-              </a:ext>
-            </a:extLst>
-          </a:blip>
-          <a:srcRect/>
-          <a:stretch>
-            <a:fillRect/>
-          </a:stretch>
-        </p:blipFill>
-        <p:spPr bwMode="auto">
-          <a:xfrm>
-            <a:off x="4065588" y="1776413"/>
-            <a:ext cx="2847975" cy="4419600"/>
-          </a:xfrm>
-          <a:prstGeom prst="rect">
-            <a:avLst/>
-          </a:prstGeom>
-          <a:noFill/>
-          <a:ln>
-            <a:noFill/>
-          </a:ln>
-          <a:extLst>
-            <a:ext uri="{909E8E84-426E-40DD-AFC4-6F175D3DCCD1}">
-              <a14:hiddenFill xmlns:a14="http://schemas.microsoft.com/office/drawing/2010/main">
-                <a:solidFill>
-                  <a:srgbClr val="FFFFFF"/>
-                </a:solidFill>
-              </a14:hiddenFill>
-            </a:ext>
-            <a:ext uri="{91240B29-F687-4F45-9708-019B960494DF}">
-              <a14:hiddenLine xmlns:a14="http://schemas.microsoft.com/office/drawing/2010/main" w="9525">
-                <a:solidFill>
-                  <a:srgbClr val="000000"/>
-                </a:solidFill>
-                <a:miter lim="800000"/>
-                <a:headEnd/>
-                <a:tailEnd/>
-              </a14:hiddenLine>
-            </a:ext>
-          </a:extLst>
-        </p:spPr>
-      </p:pic>
-      <p:pic>
-        <p:nvPicPr>
-          <p:cNvPr id="10246" name="Image 14">
-            <a:extLst>
-              <a:ext uri="{FF2B5EF4-FFF2-40B4-BE49-F238E27FC236}">
-                <a16:creationId xmlns:a16="http://schemas.microsoft.com/office/drawing/2014/main" id="{600B52B8-C843-4438-B390-BC4FB910DA8B}"/>
-              </a:ext>
-            </a:extLst>
-          </p:cNvPr>
-          <p:cNvPicPr>
-            <a:picLocks noChangeAspect="1" noChangeArrowheads="1"/>
-          </p:cNvPicPr>
-          <p:nvPr/>
-        </p:nvPicPr>
-        <p:blipFill>
-          <a:blip r:embed="rId5">
-            <a:extLst>
-              <a:ext uri="{28A0092B-C50C-407E-A947-70E740481C1C}">
-                <a14:useLocalDpi xmlns:a14="http://schemas.microsoft.com/office/drawing/2010/main" val="0"/>
-              </a:ext>
-            </a:extLst>
-          </a:blip>
-          <a:srcRect/>
-          <a:stretch>
-            <a:fillRect/>
-          </a:stretch>
-        </p:blipFill>
-        <p:spPr bwMode="auto">
-          <a:xfrm>
-            <a:off x="7272338" y="1776413"/>
-            <a:ext cx="3152775" cy="4076700"/>
-          </a:xfrm>
-          <a:prstGeom prst="rect">
-            <a:avLst/>
-          </a:prstGeom>
-          <a:noFill/>
-          <a:ln>
-            <a:noFill/>
-          </a:ln>
-          <a:extLst>
-            <a:ext uri="{909E8E84-426E-40DD-AFC4-6F175D3DCCD1}">
-              <a14:hiddenFill xmlns:a14="http://schemas.microsoft.com/office/drawing/2010/main">
-                <a:solidFill>
-                  <a:srgbClr val="FFFFFF"/>
-                </a:solidFill>
-              </a14:hiddenFill>
-            </a:ext>
-            <a:ext uri="{91240B29-F687-4F45-9708-019B960494DF}">
-              <a14:hiddenLine xmlns:a14="http://schemas.microsoft.com/office/drawing/2010/main" w="9525">
-                <a:solidFill>
-                  <a:srgbClr val="000000"/>
-                </a:solidFill>
-                <a:miter lim="800000"/>
-                <a:headEnd/>
-                <a:tailEnd/>
-              </a14:hiddenLine>
-            </a:ext>
-          </a:extLst>
         </p:spPr>
       </p:pic>
     </p:spTree>
@@ -14898,7 +14477,7 @@
             <a:pPr algn="ctr"/>
             <a:r>
               <a:rPr lang="fr-FR" altLang="fr-FR" dirty="0"/>
-              <a:t>PCA</a:t>
+              <a:t>Analyse en composantes principales (PCA)</a:t>
             </a:r>
           </a:p>
         </p:txBody>
@@ -14924,6 +14503,9 @@
           <a:bodyPr/>
           <a:lstStyle/>
           <a:p>
+            <a:endParaRPr lang="fr-FR" altLang="fr-FR" dirty="0"/>
+          </a:p>
+          <a:p>
             <a:r>
               <a:rPr lang="fr-FR" altLang="fr-FR" dirty="0"/>
               <a:t>3 groupes de score</a:t>
@@ -14948,13 +14530,34 @@
             </a:r>
             <a:r>
               <a:rPr lang="fr-FR" altLang="fr-FR" dirty="0"/>
-              <a:t> (2 et 3 clusters)</a:t>
+              <a:t> (2, 3 clusters et plus)</a:t>
             </a:r>
           </a:p>
           <a:p>
             <a:r>
               <a:rPr lang="fr-FR" altLang="fr-FR" dirty="0"/>
-              <a:t>Affichage</a:t>
+              <a:t>Graphiques</a:t>
+            </a:r>
+          </a:p>
+          <a:p>
+            <a:pPr lvl="1"/>
+            <a:r>
+              <a:rPr lang="fr-FR" altLang="fr-FR" dirty="0"/>
+              <a:t>nuages de points</a:t>
+            </a:r>
+          </a:p>
+          <a:p>
+            <a:pPr lvl="1"/>
+            <a:r>
+              <a:rPr lang="fr-FR" altLang="fr-FR" dirty="0"/>
+              <a:t>coefficients de silhouette</a:t>
+            </a:r>
+          </a:p>
+          <a:p>
+            <a:pPr lvl="1"/>
+            <a:r>
+              <a:rPr lang="fr-FR" altLang="fr-FR" dirty="0"/>
+              <a:t>dendrogrammes</a:t>
             </a:r>
           </a:p>
         </p:txBody>
